--- a/Centrale_2018/images/Figures.pptx
+++ b/Centrale_2018/images/Figures.pptx
@@ -5,18 +5,19 @@
     <p:sldMasterId id="2147483648" r:id="rId1"/>
   </p:sldMasterIdLst>
   <p:sldIdLst>
-    <p:sldId id="263" r:id="rId2"/>
-    <p:sldId id="268" r:id="rId3"/>
-    <p:sldId id="264" r:id="rId4"/>
-    <p:sldId id="256" r:id="rId5"/>
-    <p:sldId id="267" r:id="rId6"/>
-    <p:sldId id="266" r:id="rId7"/>
-    <p:sldId id="265" r:id="rId8"/>
-    <p:sldId id="257" r:id="rId9"/>
-    <p:sldId id="261" r:id="rId10"/>
-    <p:sldId id="262" r:id="rId11"/>
-    <p:sldId id="259" r:id="rId12"/>
-    <p:sldId id="258" r:id="rId13"/>
+    <p:sldId id="269" r:id="rId2"/>
+    <p:sldId id="263" r:id="rId3"/>
+    <p:sldId id="268" r:id="rId4"/>
+    <p:sldId id="264" r:id="rId5"/>
+    <p:sldId id="256" r:id="rId6"/>
+    <p:sldId id="267" r:id="rId7"/>
+    <p:sldId id="266" r:id="rId8"/>
+    <p:sldId id="265" r:id="rId9"/>
+    <p:sldId id="257" r:id="rId10"/>
+    <p:sldId id="261" r:id="rId11"/>
+    <p:sldId id="262" r:id="rId12"/>
+    <p:sldId id="259" r:id="rId13"/>
+    <p:sldId id="258" r:id="rId14"/>
   </p:sldIdLst>
   <p:sldSz cx="9144000" cy="6858000" type="screen4x3"/>
   <p:notesSz cx="6858000" cy="9144000"/>
@@ -299,7 +300,7 @@
           <a:p>
             <a:fld id="{AA309A6D-C09C-4548-B29A-6CF363A7E532}" type="datetimeFigureOut">
               <a:rPr lang="fr-FR" smtClean="0"/>
-              <a:t>26/04/2018</a:t>
+              <a:t>28/04/2018</a:t>
             </a:fld>
             <a:endParaRPr lang="fr-BE"/>
           </a:p>
@@ -464,7 +465,7 @@
           <a:p>
             <a:fld id="{AA309A6D-C09C-4548-B29A-6CF363A7E532}" type="datetimeFigureOut">
               <a:rPr lang="fr-FR" smtClean="0"/>
-              <a:t>26/04/2018</a:t>
+              <a:t>28/04/2018</a:t>
             </a:fld>
             <a:endParaRPr lang="fr-BE"/>
           </a:p>
@@ -639,7 +640,7 @@
           <a:p>
             <a:fld id="{AA309A6D-C09C-4548-B29A-6CF363A7E532}" type="datetimeFigureOut">
               <a:rPr lang="fr-FR" smtClean="0"/>
-              <a:t>26/04/2018</a:t>
+              <a:t>28/04/2018</a:t>
             </a:fld>
             <a:endParaRPr lang="fr-BE"/>
           </a:p>
@@ -804,7 +805,7 @@
           <a:p>
             <a:fld id="{AA309A6D-C09C-4548-B29A-6CF363A7E532}" type="datetimeFigureOut">
               <a:rPr lang="fr-FR" smtClean="0"/>
-              <a:t>26/04/2018</a:t>
+              <a:t>28/04/2018</a:t>
             </a:fld>
             <a:endParaRPr lang="fr-BE"/>
           </a:p>
@@ -1045,7 +1046,7 @@
           <a:p>
             <a:fld id="{AA309A6D-C09C-4548-B29A-6CF363A7E532}" type="datetimeFigureOut">
               <a:rPr lang="fr-FR" smtClean="0"/>
-              <a:t>26/04/2018</a:t>
+              <a:t>28/04/2018</a:t>
             </a:fld>
             <a:endParaRPr lang="fr-BE"/>
           </a:p>
@@ -1328,7 +1329,7 @@
           <a:p>
             <a:fld id="{AA309A6D-C09C-4548-B29A-6CF363A7E532}" type="datetimeFigureOut">
               <a:rPr lang="fr-FR" smtClean="0"/>
-              <a:t>26/04/2018</a:t>
+              <a:t>28/04/2018</a:t>
             </a:fld>
             <a:endParaRPr lang="fr-BE"/>
           </a:p>
@@ -1745,7 +1746,7 @@
           <a:p>
             <a:fld id="{AA309A6D-C09C-4548-B29A-6CF363A7E532}" type="datetimeFigureOut">
               <a:rPr lang="fr-FR" smtClean="0"/>
-              <a:t>26/04/2018</a:t>
+              <a:t>28/04/2018</a:t>
             </a:fld>
             <a:endParaRPr lang="fr-BE"/>
           </a:p>
@@ -1858,7 +1859,7 @@
           <a:p>
             <a:fld id="{AA309A6D-C09C-4548-B29A-6CF363A7E532}" type="datetimeFigureOut">
               <a:rPr lang="fr-FR" smtClean="0"/>
-              <a:t>26/04/2018</a:t>
+              <a:t>28/04/2018</a:t>
             </a:fld>
             <a:endParaRPr lang="fr-BE"/>
           </a:p>
@@ -1948,7 +1949,7 @@
           <a:p>
             <a:fld id="{AA309A6D-C09C-4548-B29A-6CF363A7E532}" type="datetimeFigureOut">
               <a:rPr lang="fr-FR" smtClean="0"/>
-              <a:t>26/04/2018</a:t>
+              <a:t>28/04/2018</a:t>
             </a:fld>
             <a:endParaRPr lang="fr-BE"/>
           </a:p>
@@ -2220,7 +2221,7 @@
           <a:p>
             <a:fld id="{AA309A6D-C09C-4548-B29A-6CF363A7E532}" type="datetimeFigureOut">
               <a:rPr lang="fr-FR" smtClean="0"/>
-              <a:t>26/04/2018</a:t>
+              <a:t>28/04/2018</a:t>
             </a:fld>
             <a:endParaRPr lang="fr-BE"/>
           </a:p>
@@ -2468,7 +2469,7 @@
           <a:p>
             <a:fld id="{AA309A6D-C09C-4548-B29A-6CF363A7E532}" type="datetimeFigureOut">
               <a:rPr lang="fr-FR" smtClean="0"/>
-              <a:t>26/04/2018</a:t>
+              <a:t>28/04/2018</a:t>
             </a:fld>
             <a:endParaRPr lang="fr-BE"/>
           </a:p>
@@ -2676,7 +2677,7 @@
           <a:p>
             <a:fld id="{AA309A6D-C09C-4548-B29A-6CF363A7E532}" type="datetimeFigureOut">
               <a:rPr lang="fr-FR" smtClean="0"/>
-              <a:t>26/04/2018</a:t>
+              <a:t>28/04/2018</a:t>
             </a:fld>
             <a:endParaRPr lang="fr-BE"/>
           </a:p>
@@ -3054,7 +3055,7 @@
           </p:cNvPicPr>
           <p:nvPr/>
         </p:nvPicPr>
-        <p:blipFill rotWithShape="1">
+        <p:blipFill>
           <a:blip r:embed="rId2">
             <a:extLst>
               <a:ext uri="{28A0092B-C50C-407E-A947-70E740481C1C}">
@@ -3062,13 +3063,15 @@
               </a:ext>
             </a:extLst>
           </a:blip>
-          <a:srcRect r="13362"/>
-          <a:stretch/>
+          <a:srcRect/>
+          <a:stretch>
+            <a:fillRect/>
+          </a:stretch>
         </p:blipFill>
         <p:spPr bwMode="auto">
           <a:xfrm>
-            <a:off x="850357" y="548680"/>
-            <a:ext cx="2929555" cy="3295650"/>
+            <a:off x="4972628" y="170233"/>
+            <a:ext cx="3750174" cy="2967632"/>
           </a:xfrm>
           <a:prstGeom prst="rect">
             <a:avLst/>
@@ -3098,202 +3101,4268 @@
           </a:extLst>
         </p:spPr>
       </p:pic>
-      <p:pic>
-        <p:nvPicPr>
-          <p:cNvPr id="1027" name="Picture 3"/>
-          <p:cNvPicPr>
-            <a:picLocks noChangeAspect="1" noChangeArrowheads="1"/>
-          </p:cNvPicPr>
+      <p:sp>
+        <p:nvSpPr>
+          <p:cNvPr id="5" name="Ellipse 4"/>
+          <p:cNvSpPr/>
           <p:nvPr/>
-        </p:nvPicPr>
-        <p:blipFill>
-          <a:blip r:embed="rId3">
-            <a:extLst>
-              <a:ext uri="{28A0092B-C50C-407E-A947-70E740481C1C}">
-                <a14:useLocalDpi xmlns:a14="http://schemas.microsoft.com/office/drawing/2010/main" val="0"/>
-              </a:ext>
-            </a:extLst>
-          </a:blip>
-          <a:srcRect/>
-          <a:stretch>
-            <a:fillRect/>
-          </a:stretch>
-        </p:blipFill>
-        <p:spPr bwMode="auto">
+        </p:nvSpPr>
+        <p:spPr>
           <a:xfrm>
-            <a:off x="3777727" y="548680"/>
-            <a:ext cx="3743325" cy="1804691"/>
+            <a:off x="1763688" y="1185806"/>
+            <a:ext cx="288032" cy="288032"/>
+          </a:xfrm>
+          <a:prstGeom prst="ellipse">
+            <a:avLst/>
+          </a:prstGeom>
+          <a:solidFill>
+            <a:schemeClr val="accent4">
+              <a:lumMod val="20000"/>
+              <a:lumOff val="80000"/>
+            </a:schemeClr>
+          </a:solidFill>
+          <a:ln w="19050">
+            <a:solidFill>
+              <a:schemeClr val="accent4"/>
+            </a:solidFill>
+          </a:ln>
+        </p:spPr>
+        <p:style>
+          <a:lnRef idx="2">
+            <a:schemeClr val="accent1">
+              <a:shade val="50000"/>
+            </a:schemeClr>
+          </a:lnRef>
+          <a:fillRef idx="1">
+            <a:schemeClr val="accent1"/>
+          </a:fillRef>
+          <a:effectRef idx="0">
+            <a:schemeClr val="accent1"/>
+          </a:effectRef>
+          <a:fontRef idx="minor">
+            <a:schemeClr val="lt1"/>
+          </a:fontRef>
+        </p:style>
+        <p:txBody>
+          <a:bodyPr rtlCol="0" anchor="ctr"/>
+          <a:lstStyle/>
+          <a:p>
+            <a:pPr algn="ctr"/>
+            <a:r>
+              <a:rPr lang="fr-FR" sz="1400" b="1" dirty="0" smtClean="0">
+                <a:solidFill>
+                  <a:schemeClr val="accent4"/>
+                </a:solidFill>
+              </a:rPr>
+              <a:t>1</a:t>
+            </a:r>
+            <a:endParaRPr lang="fr-FR" sz="1400" b="1" dirty="0">
+              <a:solidFill>
+                <a:schemeClr val="accent4"/>
+              </a:solidFill>
+            </a:endParaRPr>
+          </a:p>
+        </p:txBody>
+      </p:sp>
+      <p:sp>
+        <p:nvSpPr>
+          <p:cNvPr id="8" name="Ellipse 7"/>
+          <p:cNvSpPr/>
+          <p:nvPr/>
+        </p:nvSpPr>
+        <p:spPr>
+          <a:xfrm>
+            <a:off x="6464402" y="2969417"/>
+            <a:ext cx="288032" cy="288032"/>
+          </a:xfrm>
+          <a:prstGeom prst="ellipse">
+            <a:avLst/>
+          </a:prstGeom>
+          <a:solidFill>
+            <a:schemeClr val="bg1">
+              <a:lumMod val="85000"/>
+            </a:schemeClr>
+          </a:solidFill>
+          <a:ln w="19050">
+            <a:solidFill>
+              <a:schemeClr val="tx1"/>
+            </a:solidFill>
+          </a:ln>
+        </p:spPr>
+        <p:style>
+          <a:lnRef idx="2">
+            <a:schemeClr val="accent1">
+              <a:shade val="50000"/>
+            </a:schemeClr>
+          </a:lnRef>
+          <a:fillRef idx="1">
+            <a:schemeClr val="accent1"/>
+          </a:fillRef>
+          <a:effectRef idx="0">
+            <a:schemeClr val="accent1"/>
+          </a:effectRef>
+          <a:fontRef idx="minor">
+            <a:schemeClr val="lt1"/>
+          </a:fontRef>
+        </p:style>
+        <p:txBody>
+          <a:bodyPr rtlCol="0" anchor="ctr"/>
+          <a:lstStyle/>
+          <a:p>
+            <a:pPr algn="ctr"/>
+            <a:r>
+              <a:rPr lang="fr-FR" sz="1400" b="1" dirty="0" smtClean="0">
+                <a:solidFill>
+                  <a:schemeClr val="tx1"/>
+                </a:solidFill>
+              </a:rPr>
+              <a:t>4</a:t>
+            </a:r>
+            <a:endParaRPr lang="fr-FR" sz="1400" b="1" dirty="0">
+              <a:solidFill>
+                <a:schemeClr val="tx1"/>
+              </a:solidFill>
+            </a:endParaRPr>
+          </a:p>
+        </p:txBody>
+      </p:sp>
+      <p:cxnSp>
+        <p:nvCxnSpPr>
+          <p:cNvPr id="12" name="Connecteur droit 11"/>
+          <p:cNvCxnSpPr/>
+          <p:nvPr/>
+        </p:nvCxnSpPr>
+        <p:spPr>
+          <a:xfrm flipH="1">
+            <a:off x="2051720" y="1329822"/>
+            <a:ext cx="576064" cy="0"/>
+          </a:xfrm>
+          <a:prstGeom prst="line">
+            <a:avLst/>
+          </a:prstGeom>
+          <a:ln w="19050">
+            <a:solidFill>
+              <a:schemeClr val="tx1"/>
+            </a:solidFill>
+          </a:ln>
+        </p:spPr>
+        <p:style>
+          <a:lnRef idx="1">
+            <a:schemeClr val="accent1"/>
+          </a:lnRef>
+          <a:fillRef idx="0">
+            <a:schemeClr val="accent1"/>
+          </a:fillRef>
+          <a:effectRef idx="0">
+            <a:schemeClr val="accent1"/>
+          </a:effectRef>
+          <a:fontRef idx="minor">
+            <a:schemeClr val="tx1"/>
+          </a:fontRef>
+        </p:style>
+      </p:cxnSp>
+      <p:cxnSp>
+        <p:nvCxnSpPr>
+          <p:cNvPr id="13" name="Connecteur droit 12"/>
+          <p:cNvCxnSpPr>
+            <a:stCxn id="8" idx="2"/>
+          </p:cNvCxnSpPr>
+          <p:nvPr/>
+        </p:nvCxnSpPr>
+        <p:spPr>
+          <a:xfrm flipH="1">
+            <a:off x="6014352" y="3113433"/>
+            <a:ext cx="450050" cy="0"/>
+          </a:xfrm>
+          <a:prstGeom prst="line">
+            <a:avLst/>
+          </a:prstGeom>
+          <a:ln w="19050">
+            <a:solidFill>
+              <a:schemeClr val="tx1"/>
+            </a:solidFill>
+          </a:ln>
+        </p:spPr>
+        <p:style>
+          <a:lnRef idx="1">
+            <a:schemeClr val="accent1"/>
+          </a:lnRef>
+          <a:fillRef idx="0">
+            <a:schemeClr val="accent1"/>
+          </a:fillRef>
+          <a:effectRef idx="0">
+            <a:schemeClr val="accent1"/>
+          </a:effectRef>
+          <a:fontRef idx="minor">
+            <a:schemeClr val="tx1"/>
+          </a:fontRef>
+        </p:style>
+      </p:cxnSp>
+      <p:sp>
+        <p:nvSpPr>
+          <p:cNvPr id="14" name="Forme libre 13"/>
+          <p:cNvSpPr/>
+          <p:nvPr/>
+        </p:nvSpPr>
+        <p:spPr>
+          <a:xfrm>
+            <a:off x="3728098" y="2903072"/>
+            <a:ext cx="576064" cy="99996"/>
+          </a:xfrm>
+          <a:custGeom>
+            <a:avLst/>
+            <a:gdLst>
+              <a:gd name="connsiteX0" fmla="*/ 0 w 596900"/>
+              <a:gd name="connsiteY0" fmla="*/ 209768 h 209768"/>
+              <a:gd name="connsiteX1" fmla="*/ 317500 w 596900"/>
+              <a:gd name="connsiteY1" fmla="*/ 218 h 209768"/>
+              <a:gd name="connsiteX2" fmla="*/ 596900 w 596900"/>
+              <a:gd name="connsiteY2" fmla="*/ 178018 h 209768"/>
+              <a:gd name="connsiteX0" fmla="*/ 0 w 660400"/>
+              <a:gd name="connsiteY0" fmla="*/ 210341 h 280191"/>
+              <a:gd name="connsiteX1" fmla="*/ 317500 w 660400"/>
+              <a:gd name="connsiteY1" fmla="*/ 791 h 280191"/>
+              <a:gd name="connsiteX2" fmla="*/ 660400 w 660400"/>
+              <a:gd name="connsiteY2" fmla="*/ 280191 h 280191"/>
+              <a:gd name="connsiteX0" fmla="*/ 0 w 736600"/>
+              <a:gd name="connsiteY0" fmla="*/ 273055 h 279405"/>
+              <a:gd name="connsiteX1" fmla="*/ 393700 w 736600"/>
+              <a:gd name="connsiteY1" fmla="*/ 5 h 279405"/>
+              <a:gd name="connsiteX2" fmla="*/ 736600 w 736600"/>
+              <a:gd name="connsiteY2" fmla="*/ 279405 h 279405"/>
+            </a:gdLst>
+            <a:ahLst/>
+            <a:cxnLst>
+              <a:cxn ang="0">
+                <a:pos x="connsiteX0" y="connsiteY0"/>
+              </a:cxn>
+              <a:cxn ang="0">
+                <a:pos x="connsiteX1" y="connsiteY1"/>
+              </a:cxn>
+              <a:cxn ang="0">
+                <a:pos x="connsiteX2" y="connsiteY2"/>
+              </a:cxn>
+            </a:cxnLst>
+            <a:rect l="l" t="t" r="r" b="b"/>
+            <a:pathLst>
+              <a:path w="736600" h="279405">
+                <a:moveTo>
+                  <a:pt x="0" y="273055"/>
+                </a:moveTo>
+                <a:cubicBezTo>
+                  <a:pt x="109008" y="170926"/>
+                  <a:pt x="270933" y="-1053"/>
+                  <a:pt x="393700" y="5"/>
+                </a:cubicBezTo>
+                <a:cubicBezTo>
+                  <a:pt x="516467" y="1063"/>
+                  <a:pt x="646641" y="187859"/>
+                  <a:pt x="736600" y="279405"/>
+                </a:cubicBezTo>
+              </a:path>
+            </a:pathLst>
+          </a:custGeom>
+          <a:noFill/>
+          <a:ln>
+            <a:solidFill>
+              <a:srgbClr val="C00000"/>
+            </a:solidFill>
+            <a:headEnd type="stealth" w="med" len="lg"/>
+            <a:tailEnd type="stealth" w="med" len="lg"/>
+          </a:ln>
+        </p:spPr>
+        <p:style>
+          <a:lnRef idx="2">
+            <a:schemeClr val="accent1">
+              <a:shade val="50000"/>
+            </a:schemeClr>
+          </a:lnRef>
+          <a:fillRef idx="1">
+            <a:schemeClr val="accent1"/>
+          </a:fillRef>
+          <a:effectRef idx="0">
+            <a:schemeClr val="accent1"/>
+          </a:effectRef>
+          <a:fontRef idx="minor">
+            <a:schemeClr val="lt1"/>
+          </a:fontRef>
+        </p:style>
+        <p:txBody>
+          <a:bodyPr rtlCol="0" anchor="ctr"/>
+          <a:lstStyle/>
+          <a:p>
+            <a:pPr algn="ctr"/>
+            <a:endParaRPr lang="fr-FR"/>
+          </a:p>
+        </p:txBody>
+      </p:sp>
+      <p:sp>
+        <p:nvSpPr>
+          <p:cNvPr id="15" name="Forme libre 14"/>
+          <p:cNvSpPr/>
+          <p:nvPr/>
+        </p:nvSpPr>
+        <p:spPr>
+          <a:xfrm>
+            <a:off x="4475181" y="2903072"/>
+            <a:ext cx="576064" cy="99996"/>
+          </a:xfrm>
+          <a:custGeom>
+            <a:avLst/>
+            <a:gdLst>
+              <a:gd name="connsiteX0" fmla="*/ 0 w 596900"/>
+              <a:gd name="connsiteY0" fmla="*/ 209768 h 209768"/>
+              <a:gd name="connsiteX1" fmla="*/ 317500 w 596900"/>
+              <a:gd name="connsiteY1" fmla="*/ 218 h 209768"/>
+              <a:gd name="connsiteX2" fmla="*/ 596900 w 596900"/>
+              <a:gd name="connsiteY2" fmla="*/ 178018 h 209768"/>
+              <a:gd name="connsiteX0" fmla="*/ 0 w 660400"/>
+              <a:gd name="connsiteY0" fmla="*/ 210341 h 280191"/>
+              <a:gd name="connsiteX1" fmla="*/ 317500 w 660400"/>
+              <a:gd name="connsiteY1" fmla="*/ 791 h 280191"/>
+              <a:gd name="connsiteX2" fmla="*/ 660400 w 660400"/>
+              <a:gd name="connsiteY2" fmla="*/ 280191 h 280191"/>
+              <a:gd name="connsiteX0" fmla="*/ 0 w 736600"/>
+              <a:gd name="connsiteY0" fmla="*/ 273055 h 279405"/>
+              <a:gd name="connsiteX1" fmla="*/ 393700 w 736600"/>
+              <a:gd name="connsiteY1" fmla="*/ 5 h 279405"/>
+              <a:gd name="connsiteX2" fmla="*/ 736600 w 736600"/>
+              <a:gd name="connsiteY2" fmla="*/ 279405 h 279405"/>
+            </a:gdLst>
+            <a:ahLst/>
+            <a:cxnLst>
+              <a:cxn ang="0">
+                <a:pos x="connsiteX0" y="connsiteY0"/>
+              </a:cxn>
+              <a:cxn ang="0">
+                <a:pos x="connsiteX1" y="connsiteY1"/>
+              </a:cxn>
+              <a:cxn ang="0">
+                <a:pos x="connsiteX2" y="connsiteY2"/>
+              </a:cxn>
+            </a:cxnLst>
+            <a:rect l="l" t="t" r="r" b="b"/>
+            <a:pathLst>
+              <a:path w="736600" h="279405">
+                <a:moveTo>
+                  <a:pt x="0" y="273055"/>
+                </a:moveTo>
+                <a:cubicBezTo>
+                  <a:pt x="109008" y="170926"/>
+                  <a:pt x="270933" y="-1053"/>
+                  <a:pt x="393700" y="5"/>
+                </a:cubicBezTo>
+                <a:cubicBezTo>
+                  <a:pt x="516467" y="1063"/>
+                  <a:pt x="646641" y="187859"/>
+                  <a:pt x="736600" y="279405"/>
+                </a:cubicBezTo>
+              </a:path>
+            </a:pathLst>
+          </a:custGeom>
+          <a:noFill/>
+          <a:ln>
+            <a:solidFill>
+              <a:srgbClr val="C00000"/>
+            </a:solidFill>
+            <a:headEnd type="stealth" w="med" len="lg"/>
+            <a:tailEnd type="stealth" w="med" len="lg"/>
+          </a:ln>
+        </p:spPr>
+        <p:style>
+          <a:lnRef idx="2">
+            <a:schemeClr val="accent1">
+              <a:shade val="50000"/>
+            </a:schemeClr>
+          </a:lnRef>
+          <a:fillRef idx="1">
+            <a:schemeClr val="accent1"/>
+          </a:fillRef>
+          <a:effectRef idx="0">
+            <a:schemeClr val="accent1"/>
+          </a:effectRef>
+          <a:fontRef idx="minor">
+            <a:schemeClr val="lt1"/>
+          </a:fontRef>
+        </p:style>
+        <p:txBody>
+          <a:bodyPr rtlCol="0" anchor="ctr"/>
+          <a:lstStyle/>
+          <a:p>
+            <a:pPr algn="ctr"/>
+            <a:endParaRPr lang="fr-FR"/>
+          </a:p>
+        </p:txBody>
+      </p:sp>
+      <p:sp>
+        <p:nvSpPr>
+          <p:cNvPr id="16" name="Forme libre 15"/>
+          <p:cNvSpPr/>
+          <p:nvPr/>
+        </p:nvSpPr>
+        <p:spPr>
+          <a:xfrm>
+            <a:off x="5222264" y="2903072"/>
+            <a:ext cx="576064" cy="99996"/>
+          </a:xfrm>
+          <a:custGeom>
+            <a:avLst/>
+            <a:gdLst>
+              <a:gd name="connsiteX0" fmla="*/ 0 w 596900"/>
+              <a:gd name="connsiteY0" fmla="*/ 209768 h 209768"/>
+              <a:gd name="connsiteX1" fmla="*/ 317500 w 596900"/>
+              <a:gd name="connsiteY1" fmla="*/ 218 h 209768"/>
+              <a:gd name="connsiteX2" fmla="*/ 596900 w 596900"/>
+              <a:gd name="connsiteY2" fmla="*/ 178018 h 209768"/>
+              <a:gd name="connsiteX0" fmla="*/ 0 w 660400"/>
+              <a:gd name="connsiteY0" fmla="*/ 210341 h 280191"/>
+              <a:gd name="connsiteX1" fmla="*/ 317500 w 660400"/>
+              <a:gd name="connsiteY1" fmla="*/ 791 h 280191"/>
+              <a:gd name="connsiteX2" fmla="*/ 660400 w 660400"/>
+              <a:gd name="connsiteY2" fmla="*/ 280191 h 280191"/>
+              <a:gd name="connsiteX0" fmla="*/ 0 w 736600"/>
+              <a:gd name="connsiteY0" fmla="*/ 273055 h 279405"/>
+              <a:gd name="connsiteX1" fmla="*/ 393700 w 736600"/>
+              <a:gd name="connsiteY1" fmla="*/ 5 h 279405"/>
+              <a:gd name="connsiteX2" fmla="*/ 736600 w 736600"/>
+              <a:gd name="connsiteY2" fmla="*/ 279405 h 279405"/>
+            </a:gdLst>
+            <a:ahLst/>
+            <a:cxnLst>
+              <a:cxn ang="0">
+                <a:pos x="connsiteX0" y="connsiteY0"/>
+              </a:cxn>
+              <a:cxn ang="0">
+                <a:pos x="connsiteX1" y="connsiteY1"/>
+              </a:cxn>
+              <a:cxn ang="0">
+                <a:pos x="connsiteX2" y="connsiteY2"/>
+              </a:cxn>
+            </a:cxnLst>
+            <a:rect l="l" t="t" r="r" b="b"/>
+            <a:pathLst>
+              <a:path w="736600" h="279405">
+                <a:moveTo>
+                  <a:pt x="0" y="273055"/>
+                </a:moveTo>
+                <a:cubicBezTo>
+                  <a:pt x="109008" y="170926"/>
+                  <a:pt x="270933" y="-1053"/>
+                  <a:pt x="393700" y="5"/>
+                </a:cubicBezTo>
+                <a:cubicBezTo>
+                  <a:pt x="516467" y="1063"/>
+                  <a:pt x="646641" y="187859"/>
+                  <a:pt x="736600" y="279405"/>
+                </a:cubicBezTo>
+              </a:path>
+            </a:pathLst>
+          </a:custGeom>
+          <a:noFill/>
+          <a:ln>
+            <a:solidFill>
+              <a:srgbClr val="C00000"/>
+            </a:solidFill>
+            <a:headEnd type="stealth" w="med" len="lg"/>
+            <a:tailEnd type="stealth" w="med" len="lg"/>
+          </a:ln>
+        </p:spPr>
+        <p:style>
+          <a:lnRef idx="2">
+            <a:schemeClr val="accent1">
+              <a:shade val="50000"/>
+            </a:schemeClr>
+          </a:lnRef>
+          <a:fillRef idx="1">
+            <a:schemeClr val="accent1"/>
+          </a:fillRef>
+          <a:effectRef idx="0">
+            <a:schemeClr val="accent1"/>
+          </a:effectRef>
+          <a:fontRef idx="minor">
+            <a:schemeClr val="lt1"/>
+          </a:fontRef>
+        </p:style>
+        <p:txBody>
+          <a:bodyPr rtlCol="0" anchor="ctr"/>
+          <a:lstStyle/>
+          <a:p>
+            <a:pPr algn="ctr"/>
+            <a:endParaRPr lang="fr-FR"/>
+          </a:p>
+        </p:txBody>
+      </p:sp>
+      <p:sp>
+        <p:nvSpPr>
+          <p:cNvPr id="17" name="Forme libre 16"/>
+          <p:cNvSpPr/>
+          <p:nvPr/>
+        </p:nvSpPr>
+        <p:spPr>
+          <a:xfrm>
+            <a:off x="5969347" y="2903072"/>
+            <a:ext cx="576064" cy="99996"/>
+          </a:xfrm>
+          <a:custGeom>
+            <a:avLst/>
+            <a:gdLst>
+              <a:gd name="connsiteX0" fmla="*/ 0 w 596900"/>
+              <a:gd name="connsiteY0" fmla="*/ 209768 h 209768"/>
+              <a:gd name="connsiteX1" fmla="*/ 317500 w 596900"/>
+              <a:gd name="connsiteY1" fmla="*/ 218 h 209768"/>
+              <a:gd name="connsiteX2" fmla="*/ 596900 w 596900"/>
+              <a:gd name="connsiteY2" fmla="*/ 178018 h 209768"/>
+              <a:gd name="connsiteX0" fmla="*/ 0 w 660400"/>
+              <a:gd name="connsiteY0" fmla="*/ 210341 h 280191"/>
+              <a:gd name="connsiteX1" fmla="*/ 317500 w 660400"/>
+              <a:gd name="connsiteY1" fmla="*/ 791 h 280191"/>
+              <a:gd name="connsiteX2" fmla="*/ 660400 w 660400"/>
+              <a:gd name="connsiteY2" fmla="*/ 280191 h 280191"/>
+              <a:gd name="connsiteX0" fmla="*/ 0 w 736600"/>
+              <a:gd name="connsiteY0" fmla="*/ 273055 h 279405"/>
+              <a:gd name="connsiteX1" fmla="*/ 393700 w 736600"/>
+              <a:gd name="connsiteY1" fmla="*/ 5 h 279405"/>
+              <a:gd name="connsiteX2" fmla="*/ 736600 w 736600"/>
+              <a:gd name="connsiteY2" fmla="*/ 279405 h 279405"/>
+            </a:gdLst>
+            <a:ahLst/>
+            <a:cxnLst>
+              <a:cxn ang="0">
+                <a:pos x="connsiteX0" y="connsiteY0"/>
+              </a:cxn>
+              <a:cxn ang="0">
+                <a:pos x="connsiteX1" y="connsiteY1"/>
+              </a:cxn>
+              <a:cxn ang="0">
+                <a:pos x="connsiteX2" y="connsiteY2"/>
+              </a:cxn>
+            </a:cxnLst>
+            <a:rect l="l" t="t" r="r" b="b"/>
+            <a:pathLst>
+              <a:path w="736600" h="279405">
+                <a:moveTo>
+                  <a:pt x="0" y="273055"/>
+                </a:moveTo>
+                <a:cubicBezTo>
+                  <a:pt x="109008" y="170926"/>
+                  <a:pt x="270933" y="-1053"/>
+                  <a:pt x="393700" y="5"/>
+                </a:cubicBezTo>
+                <a:cubicBezTo>
+                  <a:pt x="516467" y="1063"/>
+                  <a:pt x="646641" y="187859"/>
+                  <a:pt x="736600" y="279405"/>
+                </a:cubicBezTo>
+              </a:path>
+            </a:pathLst>
+          </a:custGeom>
+          <a:noFill/>
+          <a:ln>
+            <a:solidFill>
+              <a:srgbClr val="C00000"/>
+            </a:solidFill>
+            <a:headEnd type="stealth" w="med" len="lg"/>
+            <a:tailEnd type="stealth" w="med" len="lg"/>
+          </a:ln>
+        </p:spPr>
+        <p:style>
+          <a:lnRef idx="2">
+            <a:schemeClr val="accent1">
+              <a:shade val="50000"/>
+            </a:schemeClr>
+          </a:lnRef>
+          <a:fillRef idx="1">
+            <a:schemeClr val="accent1"/>
+          </a:fillRef>
+          <a:effectRef idx="0">
+            <a:schemeClr val="accent1"/>
+          </a:effectRef>
+          <a:fontRef idx="minor">
+            <a:schemeClr val="lt1"/>
+          </a:fontRef>
+        </p:style>
+        <p:txBody>
+          <a:bodyPr rtlCol="0" anchor="ctr"/>
+          <a:lstStyle/>
+          <a:p>
+            <a:pPr algn="ctr"/>
+            <a:endParaRPr lang="fr-FR"/>
+          </a:p>
+        </p:txBody>
+      </p:sp>
+      <p:sp>
+        <p:nvSpPr>
+          <p:cNvPr id="18" name="Forme libre 17"/>
+          <p:cNvSpPr/>
+          <p:nvPr/>
+        </p:nvSpPr>
+        <p:spPr>
+          <a:xfrm>
+            <a:off x="6737452" y="2953070"/>
+            <a:ext cx="576064" cy="99996"/>
+          </a:xfrm>
+          <a:custGeom>
+            <a:avLst/>
+            <a:gdLst>
+              <a:gd name="connsiteX0" fmla="*/ 0 w 596900"/>
+              <a:gd name="connsiteY0" fmla="*/ 209768 h 209768"/>
+              <a:gd name="connsiteX1" fmla="*/ 317500 w 596900"/>
+              <a:gd name="connsiteY1" fmla="*/ 218 h 209768"/>
+              <a:gd name="connsiteX2" fmla="*/ 596900 w 596900"/>
+              <a:gd name="connsiteY2" fmla="*/ 178018 h 209768"/>
+              <a:gd name="connsiteX0" fmla="*/ 0 w 660400"/>
+              <a:gd name="connsiteY0" fmla="*/ 210341 h 280191"/>
+              <a:gd name="connsiteX1" fmla="*/ 317500 w 660400"/>
+              <a:gd name="connsiteY1" fmla="*/ 791 h 280191"/>
+              <a:gd name="connsiteX2" fmla="*/ 660400 w 660400"/>
+              <a:gd name="connsiteY2" fmla="*/ 280191 h 280191"/>
+              <a:gd name="connsiteX0" fmla="*/ 0 w 736600"/>
+              <a:gd name="connsiteY0" fmla="*/ 273055 h 279405"/>
+              <a:gd name="connsiteX1" fmla="*/ 393700 w 736600"/>
+              <a:gd name="connsiteY1" fmla="*/ 5 h 279405"/>
+              <a:gd name="connsiteX2" fmla="*/ 736600 w 736600"/>
+              <a:gd name="connsiteY2" fmla="*/ 279405 h 279405"/>
+            </a:gdLst>
+            <a:ahLst/>
+            <a:cxnLst>
+              <a:cxn ang="0">
+                <a:pos x="connsiteX0" y="connsiteY0"/>
+              </a:cxn>
+              <a:cxn ang="0">
+                <a:pos x="connsiteX1" y="connsiteY1"/>
+              </a:cxn>
+              <a:cxn ang="0">
+                <a:pos x="connsiteX2" y="connsiteY2"/>
+              </a:cxn>
+            </a:cxnLst>
+            <a:rect l="l" t="t" r="r" b="b"/>
+            <a:pathLst>
+              <a:path w="736600" h="279405">
+                <a:moveTo>
+                  <a:pt x="0" y="273055"/>
+                </a:moveTo>
+                <a:cubicBezTo>
+                  <a:pt x="109008" y="170926"/>
+                  <a:pt x="270933" y="-1053"/>
+                  <a:pt x="393700" y="5"/>
+                </a:cubicBezTo>
+                <a:cubicBezTo>
+                  <a:pt x="516467" y="1063"/>
+                  <a:pt x="646641" y="187859"/>
+                  <a:pt x="736600" y="279405"/>
+                </a:cubicBezTo>
+              </a:path>
+            </a:pathLst>
+          </a:custGeom>
+          <a:noFill/>
+          <a:ln>
+            <a:solidFill>
+              <a:srgbClr val="C00000"/>
+            </a:solidFill>
+            <a:headEnd type="stealth" w="med" len="lg"/>
+            <a:tailEnd type="none" w="med" len="lg"/>
+          </a:ln>
+        </p:spPr>
+        <p:style>
+          <a:lnRef idx="2">
+            <a:schemeClr val="accent1">
+              <a:shade val="50000"/>
+            </a:schemeClr>
+          </a:lnRef>
+          <a:fillRef idx="1">
+            <a:schemeClr val="accent1"/>
+          </a:fillRef>
+          <a:effectRef idx="0">
+            <a:schemeClr val="accent1"/>
+          </a:effectRef>
+          <a:fontRef idx="minor">
+            <a:schemeClr val="lt1"/>
+          </a:fontRef>
+        </p:style>
+        <p:txBody>
+          <a:bodyPr rtlCol="0" anchor="ctr"/>
+          <a:lstStyle/>
+          <a:p>
+            <a:pPr algn="ctr"/>
+            <a:endParaRPr lang="fr-FR"/>
+          </a:p>
+        </p:txBody>
+      </p:sp>
+      <p:sp>
+        <p:nvSpPr>
+          <p:cNvPr id="19" name="Rectangle à coins arrondis 18"/>
+          <p:cNvSpPr/>
+          <p:nvPr/>
+        </p:nvSpPr>
+        <p:spPr>
+          <a:xfrm>
+            <a:off x="4160146" y="2504503"/>
+            <a:ext cx="2736304" cy="1000595"/>
+          </a:xfrm>
+          <a:prstGeom prst="roundRect">
+            <a:avLst/>
+          </a:prstGeom>
+          <a:noFill/>
+          <a:ln w="19050">
+            <a:prstDash val="sysDash"/>
+          </a:ln>
+        </p:spPr>
+        <p:style>
+          <a:lnRef idx="2">
+            <a:schemeClr val="accent1">
+              <a:shade val="50000"/>
+            </a:schemeClr>
+          </a:lnRef>
+          <a:fillRef idx="1">
+            <a:schemeClr val="accent1"/>
+          </a:fillRef>
+          <a:effectRef idx="0">
+            <a:schemeClr val="accent1"/>
+          </a:effectRef>
+          <a:fontRef idx="minor">
+            <a:schemeClr val="lt1"/>
+          </a:fontRef>
+        </p:style>
+        <p:txBody>
+          <a:bodyPr rtlCol="0" anchor="ctr"/>
+          <a:lstStyle/>
+          <a:p>
+            <a:pPr algn="ctr"/>
+            <a:endParaRPr lang="fr-FR"/>
+          </a:p>
+        </p:txBody>
+      </p:sp>
+      <p:sp>
+        <p:nvSpPr>
+          <p:cNvPr id="20" name="Forme libre 19"/>
+          <p:cNvSpPr/>
+          <p:nvPr/>
+        </p:nvSpPr>
+        <p:spPr>
+          <a:xfrm rot="18900000">
+            <a:off x="5378296" y="2194764"/>
+            <a:ext cx="576064" cy="99996"/>
+          </a:xfrm>
+          <a:custGeom>
+            <a:avLst/>
+            <a:gdLst>
+              <a:gd name="connsiteX0" fmla="*/ 0 w 596900"/>
+              <a:gd name="connsiteY0" fmla="*/ 209768 h 209768"/>
+              <a:gd name="connsiteX1" fmla="*/ 317500 w 596900"/>
+              <a:gd name="connsiteY1" fmla="*/ 218 h 209768"/>
+              <a:gd name="connsiteX2" fmla="*/ 596900 w 596900"/>
+              <a:gd name="connsiteY2" fmla="*/ 178018 h 209768"/>
+              <a:gd name="connsiteX0" fmla="*/ 0 w 660400"/>
+              <a:gd name="connsiteY0" fmla="*/ 210341 h 280191"/>
+              <a:gd name="connsiteX1" fmla="*/ 317500 w 660400"/>
+              <a:gd name="connsiteY1" fmla="*/ 791 h 280191"/>
+              <a:gd name="connsiteX2" fmla="*/ 660400 w 660400"/>
+              <a:gd name="connsiteY2" fmla="*/ 280191 h 280191"/>
+              <a:gd name="connsiteX0" fmla="*/ 0 w 736600"/>
+              <a:gd name="connsiteY0" fmla="*/ 273055 h 279405"/>
+              <a:gd name="connsiteX1" fmla="*/ 393700 w 736600"/>
+              <a:gd name="connsiteY1" fmla="*/ 5 h 279405"/>
+              <a:gd name="connsiteX2" fmla="*/ 736600 w 736600"/>
+              <a:gd name="connsiteY2" fmla="*/ 279405 h 279405"/>
+            </a:gdLst>
+            <a:ahLst/>
+            <a:cxnLst>
+              <a:cxn ang="0">
+                <a:pos x="connsiteX0" y="connsiteY0"/>
+              </a:cxn>
+              <a:cxn ang="0">
+                <a:pos x="connsiteX1" y="connsiteY1"/>
+              </a:cxn>
+              <a:cxn ang="0">
+                <a:pos x="connsiteX2" y="connsiteY2"/>
+              </a:cxn>
+            </a:cxnLst>
+            <a:rect l="l" t="t" r="r" b="b"/>
+            <a:pathLst>
+              <a:path w="736600" h="279405">
+                <a:moveTo>
+                  <a:pt x="0" y="273055"/>
+                </a:moveTo>
+                <a:cubicBezTo>
+                  <a:pt x="109008" y="170926"/>
+                  <a:pt x="270933" y="-1053"/>
+                  <a:pt x="393700" y="5"/>
+                </a:cubicBezTo>
+                <a:cubicBezTo>
+                  <a:pt x="516467" y="1063"/>
+                  <a:pt x="646641" y="187859"/>
+                  <a:pt x="736600" y="279405"/>
+                </a:cubicBezTo>
+              </a:path>
+            </a:pathLst>
+          </a:custGeom>
+          <a:noFill/>
+          <a:ln>
+            <a:solidFill>
+              <a:srgbClr val="C00000"/>
+            </a:solidFill>
+            <a:headEnd type="stealth" w="med" len="lg"/>
+            <a:tailEnd type="none" w="med" len="lg"/>
+          </a:ln>
+        </p:spPr>
+        <p:style>
+          <a:lnRef idx="2">
+            <a:schemeClr val="accent1">
+              <a:shade val="50000"/>
+            </a:schemeClr>
+          </a:lnRef>
+          <a:fillRef idx="1">
+            <a:schemeClr val="accent1"/>
+          </a:fillRef>
+          <a:effectRef idx="0">
+            <a:schemeClr val="accent1"/>
+          </a:effectRef>
+          <a:fontRef idx="minor">
+            <a:schemeClr val="lt1"/>
+          </a:fontRef>
+        </p:style>
+        <p:txBody>
+          <a:bodyPr rtlCol="0" anchor="ctr"/>
+          <a:lstStyle/>
+          <a:p>
+            <a:pPr algn="ctr"/>
+            <a:endParaRPr lang="fr-FR"/>
+          </a:p>
+        </p:txBody>
+      </p:sp>
+      <mc:AlternateContent xmlns:mc="http://schemas.openxmlformats.org/markup-compatibility/2006">
+        <mc:Choice xmlns:a14="http://schemas.microsoft.com/office/drawing/2010/main" Requires="a14">
+          <p:sp>
+            <p:nvSpPr>
+              <p:cNvPr id="21" name="ZoneTexte 20"/>
+              <p:cNvSpPr txBox="1"/>
+              <p:nvPr/>
+            </p:nvSpPr>
+            <p:spPr>
+              <a:xfrm>
+                <a:off x="559116" y="1614830"/>
+                <a:ext cx="968983" cy="261610"/>
+              </a:xfrm>
+              <a:prstGeom prst="rect">
+                <a:avLst/>
+              </a:prstGeom>
+              <a:noFill/>
+            </p:spPr>
+            <p:txBody>
+              <a:bodyPr wrap="none" rtlCol="0">
+                <a:spAutoFit/>
+              </a:bodyPr>
+              <a:lstStyle/>
+              <a:p>
+                <a:r>
+                  <a:rPr lang="fr-FR" sz="1100" b="0" dirty="0" smtClean="0"/>
+                  <a:t>Pivot </a:t>
+                </a:r>
+                <a14:m>
+                  <m:oMath xmlns:m="http://schemas.openxmlformats.org/officeDocument/2006/math">
+                    <m:d>
+                      <m:dPr>
+                        <m:ctrlPr>
+                          <a:rPr lang="fr-FR" sz="1100" b="0" i="1" smtClean="0">
+                            <a:latin typeface="Cambria Math"/>
+                          </a:rPr>
+                        </m:ctrlPr>
+                      </m:dPr>
+                      <m:e>
+                        <m:sSub>
+                          <m:sSubPr>
+                            <m:ctrlPr>
+                              <a:rPr lang="fr-FR" sz="1100" b="0" i="1" smtClean="0">
+                                <a:latin typeface="Cambria Math"/>
+                              </a:rPr>
+                            </m:ctrlPr>
+                          </m:sSubPr>
+                          <m:e>
+                            <m:r>
+                              <a:rPr lang="fr-FR" sz="1100" b="0" i="1" smtClean="0">
+                                <a:latin typeface="Cambria Math"/>
+                              </a:rPr>
+                              <m:t>𝑂</m:t>
+                            </m:r>
+                          </m:e>
+                          <m:sub>
+                            <m:r>
+                              <a:rPr lang="fr-FR" sz="1100" b="0" i="1" smtClean="0">
+                                <a:latin typeface="Cambria Math"/>
+                              </a:rPr>
+                              <m:t>0</m:t>
+                            </m:r>
+                          </m:sub>
+                        </m:sSub>
+                        <m:r>
+                          <a:rPr lang="fr-FR" sz="1100" b="0" i="1" smtClean="0">
+                            <a:latin typeface="Cambria Math"/>
+                          </a:rPr>
+                          <m:t>,</m:t>
+                        </m:r>
+                        <m:acc>
+                          <m:accPr>
+                            <m:chr m:val="⃗"/>
+                            <m:ctrlPr>
+                              <a:rPr lang="fr-FR" sz="1100" b="0" i="1" smtClean="0">
+                                <a:latin typeface="Cambria Math"/>
+                              </a:rPr>
+                            </m:ctrlPr>
+                          </m:accPr>
+                          <m:e>
+                            <m:sSub>
+                              <m:sSubPr>
+                                <m:ctrlPr>
+                                  <a:rPr lang="fr-FR" sz="1100" b="0" i="1" smtClean="0">
+                                    <a:latin typeface="Cambria Math"/>
+                                  </a:rPr>
+                                </m:ctrlPr>
+                              </m:sSubPr>
+                              <m:e>
+                                <m:r>
+                                  <a:rPr lang="fr-FR" sz="1100" b="0" i="1" smtClean="0">
+                                    <a:latin typeface="Cambria Math"/>
+                                  </a:rPr>
+                                  <m:t>𝑥</m:t>
+                                </m:r>
+                              </m:e>
+                              <m:sub>
+                                <m:r>
+                                  <a:rPr lang="fr-FR" sz="1100" b="0" i="1" smtClean="0">
+                                    <a:latin typeface="Cambria Math"/>
+                                  </a:rPr>
+                                  <m:t>0</m:t>
+                                </m:r>
+                              </m:sub>
+                            </m:sSub>
+                          </m:e>
+                        </m:acc>
+                      </m:e>
+                    </m:d>
+                  </m:oMath>
+                </a14:m>
+                <a:endParaRPr lang="fr-FR" sz="1100" dirty="0"/>
+              </a:p>
+            </p:txBody>
+          </p:sp>
+        </mc:Choice>
+        <mc:Fallback>
+          <p:sp>
+            <p:nvSpPr>
+              <p:cNvPr id="21" name="ZoneTexte 20"/>
+              <p:cNvSpPr txBox="1">
+                <a:spLocks noRot="1" noChangeAspect="1" noMove="1" noResize="1" noEditPoints="1" noAdjustHandles="1" noChangeArrowheads="1" noChangeShapeType="1" noTextEdit="1"/>
+              </p:cNvSpPr>
+              <p:nvPr/>
+            </p:nvSpPr>
+            <p:spPr>
+              <a:xfrm>
+                <a:off x="559116" y="1614830"/>
+                <a:ext cx="968983" cy="261610"/>
+              </a:xfrm>
+              <a:prstGeom prst="rect">
+                <a:avLst/>
+              </a:prstGeom>
+              <a:blipFill rotWithShape="1">
+                <a:blip r:embed="rId3"/>
+                <a:stretch>
+                  <a:fillRect b="-16279"/>
+                </a:stretch>
+              </a:blipFill>
+            </p:spPr>
+            <p:txBody>
+              <a:bodyPr/>
+              <a:lstStyle/>
+              <a:p>
+                <a:r>
+                  <a:rPr lang="fr-FR">
+                    <a:noFill/>
+                  </a:rPr>
+                  <a:t> </a:t>
+                </a:r>
+              </a:p>
+            </p:txBody>
+          </p:sp>
+        </mc:Fallback>
+      </mc:AlternateContent>
+      <mc:AlternateContent xmlns:mc="http://schemas.openxmlformats.org/markup-compatibility/2006">
+        <mc:Choice xmlns:a14="http://schemas.microsoft.com/office/drawing/2010/main" Requires="a14">
+          <p:sp>
+            <p:nvSpPr>
+              <p:cNvPr id="22" name="ZoneTexte 21"/>
+              <p:cNvSpPr txBox="1"/>
+              <p:nvPr/>
+            </p:nvSpPr>
+            <p:spPr>
+              <a:xfrm rot="5400000">
+                <a:off x="4310717" y="3577505"/>
+                <a:ext cx="904991" cy="261610"/>
+              </a:xfrm>
+              <a:prstGeom prst="rect">
+                <a:avLst/>
+              </a:prstGeom>
+              <a:noFill/>
+            </p:spPr>
+            <p:txBody>
+              <a:bodyPr wrap="none" rtlCol="0">
+                <a:spAutoFit/>
+              </a:bodyPr>
+              <a:lstStyle/>
+              <a:p>
+                <a:r>
+                  <a:rPr lang="fr-FR" sz="1100" b="0" dirty="0" smtClean="0"/>
+                  <a:t>Pivot </a:t>
+                </a:r>
+                <a14:m>
+                  <m:oMath xmlns:m="http://schemas.openxmlformats.org/officeDocument/2006/math">
+                    <m:d>
+                      <m:dPr>
+                        <m:ctrlPr>
+                          <a:rPr lang="fr-FR" sz="1100" b="0" i="1" smtClean="0">
+                            <a:latin typeface="Cambria Math"/>
+                          </a:rPr>
+                        </m:ctrlPr>
+                      </m:dPr>
+                      <m:e>
+                        <m:r>
+                          <a:rPr lang="fr-FR" sz="1100" b="0" i="1" smtClean="0">
+                            <a:latin typeface="Cambria Math"/>
+                          </a:rPr>
+                          <m:t>𝑂</m:t>
+                        </m:r>
+                        <m:r>
+                          <a:rPr lang="fr-FR" sz="1100" b="0" i="1" smtClean="0">
+                            <a:latin typeface="Cambria Math"/>
+                          </a:rPr>
+                          <m:t>,</m:t>
+                        </m:r>
+                        <m:acc>
+                          <m:accPr>
+                            <m:chr m:val="⃗"/>
+                            <m:ctrlPr>
+                              <a:rPr lang="fr-FR" sz="1100" b="0" i="1" smtClean="0">
+                                <a:latin typeface="Cambria Math"/>
+                              </a:rPr>
+                            </m:ctrlPr>
+                          </m:accPr>
+                          <m:e>
+                            <m:sSub>
+                              <m:sSubPr>
+                                <m:ctrlPr>
+                                  <a:rPr lang="fr-FR" sz="1100" b="0" i="1" smtClean="0">
+                                    <a:latin typeface="Cambria Math"/>
+                                  </a:rPr>
+                                </m:ctrlPr>
+                              </m:sSubPr>
+                              <m:e>
+                                <m:r>
+                                  <a:rPr lang="fr-FR" sz="1100" b="0" i="1" smtClean="0">
+                                    <a:latin typeface="Cambria Math"/>
+                                  </a:rPr>
+                                  <m:t>𝑧</m:t>
+                                </m:r>
+                              </m:e>
+                              <m:sub>
+                                <m:r>
+                                  <a:rPr lang="fr-FR" sz="1100" b="0" i="1" smtClean="0">
+                                    <a:latin typeface="Cambria Math"/>
+                                  </a:rPr>
+                                  <m:t>2</m:t>
+                                </m:r>
+                              </m:sub>
+                            </m:sSub>
+                          </m:e>
+                        </m:acc>
+                      </m:e>
+                    </m:d>
+                  </m:oMath>
+                </a14:m>
+                <a:endParaRPr lang="fr-FR" sz="1100" dirty="0"/>
+              </a:p>
+            </p:txBody>
+          </p:sp>
+        </mc:Choice>
+        <mc:Fallback>
+          <p:sp>
+            <p:nvSpPr>
+              <p:cNvPr id="22" name="ZoneTexte 21"/>
+              <p:cNvSpPr txBox="1">
+                <a:spLocks noRot="1" noChangeAspect="1" noMove="1" noResize="1" noEditPoints="1" noAdjustHandles="1" noChangeArrowheads="1" noChangeShapeType="1" noTextEdit="1"/>
+              </p:cNvSpPr>
+              <p:nvPr/>
+            </p:nvSpPr>
+            <p:spPr>
+              <a:xfrm rot="5400000">
+                <a:off x="4310717" y="3577505"/>
+                <a:ext cx="904991" cy="261610"/>
+              </a:xfrm>
+              <a:prstGeom prst="rect">
+                <a:avLst/>
+              </a:prstGeom>
+              <a:blipFill rotWithShape="1">
+                <a:blip r:embed="rId4"/>
+                <a:stretch>
+                  <a:fillRect l="-16279"/>
+                </a:stretch>
+              </a:blipFill>
+            </p:spPr>
+            <p:txBody>
+              <a:bodyPr/>
+              <a:lstStyle/>
+              <a:p>
+                <a:r>
+                  <a:rPr lang="fr-FR">
+                    <a:noFill/>
+                  </a:rPr>
+                  <a:t> </a:t>
+                </a:r>
+              </a:p>
+            </p:txBody>
+          </p:sp>
+        </mc:Fallback>
+      </mc:AlternateContent>
+      <mc:AlternateContent xmlns:mc="http://schemas.openxmlformats.org/markup-compatibility/2006">
+        <mc:Choice xmlns:a14="http://schemas.microsoft.com/office/drawing/2010/main" Requires="a14">
+          <p:sp>
+            <p:nvSpPr>
+              <p:cNvPr id="23" name="ZoneTexte 22"/>
+              <p:cNvSpPr txBox="1"/>
+              <p:nvPr/>
+            </p:nvSpPr>
+            <p:spPr>
+              <a:xfrm rot="5400000">
+                <a:off x="5057800" y="3577505"/>
+                <a:ext cx="904991" cy="261610"/>
+              </a:xfrm>
+              <a:prstGeom prst="rect">
+                <a:avLst/>
+              </a:prstGeom>
+              <a:noFill/>
+            </p:spPr>
+            <p:txBody>
+              <a:bodyPr wrap="none" rtlCol="0">
+                <a:spAutoFit/>
+              </a:bodyPr>
+              <a:lstStyle/>
+              <a:p>
+                <a:r>
+                  <a:rPr lang="fr-FR" sz="1100" b="0" dirty="0" smtClean="0"/>
+                  <a:t>Pivot </a:t>
+                </a:r>
+                <a14:m>
+                  <m:oMath xmlns:m="http://schemas.openxmlformats.org/officeDocument/2006/math">
+                    <m:d>
+                      <m:dPr>
+                        <m:ctrlPr>
+                          <a:rPr lang="fr-FR" sz="1100" b="0" i="1" smtClean="0">
+                            <a:latin typeface="Cambria Math"/>
+                          </a:rPr>
+                        </m:ctrlPr>
+                      </m:dPr>
+                      <m:e>
+                        <m:r>
+                          <a:rPr lang="fr-FR" sz="1100" b="0" i="1" smtClean="0">
+                            <a:latin typeface="Cambria Math"/>
+                          </a:rPr>
+                          <m:t>𝑂</m:t>
+                        </m:r>
+                        <m:r>
+                          <a:rPr lang="fr-FR" sz="1100" b="0" i="1" smtClean="0">
+                            <a:latin typeface="Cambria Math"/>
+                          </a:rPr>
+                          <m:t>,</m:t>
+                        </m:r>
+                        <m:acc>
+                          <m:accPr>
+                            <m:chr m:val="⃗"/>
+                            <m:ctrlPr>
+                              <a:rPr lang="fr-FR" sz="1100" b="0" i="1" smtClean="0">
+                                <a:latin typeface="Cambria Math"/>
+                              </a:rPr>
+                            </m:ctrlPr>
+                          </m:accPr>
+                          <m:e>
+                            <m:sSub>
+                              <m:sSubPr>
+                                <m:ctrlPr>
+                                  <a:rPr lang="fr-FR" sz="1100" b="0" i="1" smtClean="0">
+                                    <a:latin typeface="Cambria Math"/>
+                                  </a:rPr>
+                                </m:ctrlPr>
+                              </m:sSubPr>
+                              <m:e>
+                                <m:r>
+                                  <a:rPr lang="fr-FR" sz="1100" b="0" i="1" smtClean="0">
+                                    <a:latin typeface="Cambria Math"/>
+                                  </a:rPr>
+                                  <m:t>𝑧</m:t>
+                                </m:r>
+                              </m:e>
+                              <m:sub>
+                                <m:r>
+                                  <a:rPr lang="fr-FR" sz="1100" b="0" i="1" smtClean="0">
+                                    <a:latin typeface="Cambria Math"/>
+                                  </a:rPr>
+                                  <m:t>3</m:t>
+                                </m:r>
+                              </m:sub>
+                            </m:sSub>
+                          </m:e>
+                        </m:acc>
+                      </m:e>
+                    </m:d>
+                  </m:oMath>
+                </a14:m>
+                <a:endParaRPr lang="fr-FR" sz="1100" dirty="0"/>
+              </a:p>
+            </p:txBody>
+          </p:sp>
+        </mc:Choice>
+        <mc:Fallback>
+          <p:sp>
+            <p:nvSpPr>
+              <p:cNvPr id="23" name="ZoneTexte 22"/>
+              <p:cNvSpPr txBox="1">
+                <a:spLocks noRot="1" noChangeAspect="1" noMove="1" noResize="1" noEditPoints="1" noAdjustHandles="1" noChangeArrowheads="1" noChangeShapeType="1" noTextEdit="1"/>
+              </p:cNvSpPr>
+              <p:nvPr/>
+            </p:nvSpPr>
+            <p:spPr>
+              <a:xfrm rot="5400000">
+                <a:off x="5057800" y="3577505"/>
+                <a:ext cx="904991" cy="261610"/>
+              </a:xfrm>
+              <a:prstGeom prst="rect">
+                <a:avLst/>
+              </a:prstGeom>
+              <a:blipFill rotWithShape="1">
+                <a:blip r:embed="rId5"/>
+                <a:stretch>
+                  <a:fillRect l="-16279"/>
+                </a:stretch>
+              </a:blipFill>
+            </p:spPr>
+            <p:txBody>
+              <a:bodyPr/>
+              <a:lstStyle/>
+              <a:p>
+                <a:r>
+                  <a:rPr lang="fr-FR">
+                    <a:noFill/>
+                  </a:rPr>
+                  <a:t> </a:t>
+                </a:r>
+              </a:p>
+            </p:txBody>
+          </p:sp>
+        </mc:Fallback>
+      </mc:AlternateContent>
+      <mc:AlternateContent xmlns:mc="http://schemas.openxmlformats.org/markup-compatibility/2006">
+        <mc:Choice xmlns:a14="http://schemas.microsoft.com/office/drawing/2010/main" Requires="a14">
+          <p:sp>
+            <p:nvSpPr>
+              <p:cNvPr id="24" name="ZoneTexte 23"/>
+              <p:cNvSpPr txBox="1"/>
+              <p:nvPr/>
+            </p:nvSpPr>
+            <p:spPr>
+              <a:xfrm rot="5400000">
+                <a:off x="5686935" y="3577505"/>
+                <a:ext cx="1140890" cy="261610"/>
+              </a:xfrm>
+              <a:prstGeom prst="rect">
+                <a:avLst/>
+              </a:prstGeom>
+              <a:noFill/>
+            </p:spPr>
+            <p:txBody>
+              <a:bodyPr wrap="none" rtlCol="0">
+                <a:spAutoFit/>
+              </a:bodyPr>
+              <a:lstStyle/>
+              <a:p>
+                <a:r>
+                  <a:rPr lang="fr-FR" sz="1100" b="0" dirty="0" smtClean="0"/>
+                  <a:t>Glissière </a:t>
+                </a:r>
+                <a14:m>
+                  <m:oMath xmlns:m="http://schemas.openxmlformats.org/officeDocument/2006/math">
+                    <m:d>
+                      <m:dPr>
+                        <m:ctrlPr>
+                          <a:rPr lang="fr-FR" sz="1100" b="0" i="1" smtClean="0">
+                            <a:latin typeface="Cambria Math"/>
+                          </a:rPr>
+                        </m:ctrlPr>
+                      </m:dPr>
+                      <m:e>
+                        <m:r>
+                          <a:rPr lang="fr-FR" sz="1100" b="0" i="1" smtClean="0">
+                            <a:latin typeface="Cambria Math"/>
+                          </a:rPr>
+                          <m:t>𝑂</m:t>
+                        </m:r>
+                        <m:r>
+                          <a:rPr lang="fr-FR" sz="1100" b="0" i="1" smtClean="0">
+                            <a:latin typeface="Cambria Math"/>
+                          </a:rPr>
+                          <m:t>,</m:t>
+                        </m:r>
+                        <m:acc>
+                          <m:accPr>
+                            <m:chr m:val="⃗"/>
+                            <m:ctrlPr>
+                              <a:rPr lang="fr-FR" sz="1100" b="0" i="1" smtClean="0">
+                                <a:latin typeface="Cambria Math"/>
+                              </a:rPr>
+                            </m:ctrlPr>
+                          </m:accPr>
+                          <m:e>
+                            <m:sSub>
+                              <m:sSubPr>
+                                <m:ctrlPr>
+                                  <a:rPr lang="fr-FR" sz="1100" b="0" i="1" smtClean="0">
+                                    <a:latin typeface="Cambria Math"/>
+                                  </a:rPr>
+                                </m:ctrlPr>
+                              </m:sSubPr>
+                              <m:e>
+                                <m:r>
+                                  <a:rPr lang="fr-FR" sz="1100" b="0" i="1" smtClean="0">
+                                    <a:latin typeface="Cambria Math"/>
+                                  </a:rPr>
+                                  <m:t>𝑧</m:t>
+                                </m:r>
+                              </m:e>
+                              <m:sub>
+                                <m:r>
+                                  <a:rPr lang="fr-FR" sz="1100" b="0" i="1" smtClean="0">
+                                    <a:latin typeface="Cambria Math"/>
+                                  </a:rPr>
+                                  <m:t>3</m:t>
+                                </m:r>
+                              </m:sub>
+                            </m:sSub>
+                          </m:e>
+                        </m:acc>
+                      </m:e>
+                    </m:d>
+                  </m:oMath>
+                </a14:m>
+                <a:endParaRPr lang="fr-FR" sz="1100" dirty="0"/>
+              </a:p>
+            </p:txBody>
+          </p:sp>
+        </mc:Choice>
+        <mc:Fallback>
+          <p:sp>
+            <p:nvSpPr>
+              <p:cNvPr id="24" name="ZoneTexte 23"/>
+              <p:cNvSpPr txBox="1">
+                <a:spLocks noRot="1" noChangeAspect="1" noMove="1" noResize="1" noEditPoints="1" noAdjustHandles="1" noChangeArrowheads="1" noChangeShapeType="1" noTextEdit="1"/>
+              </p:cNvSpPr>
+              <p:nvPr/>
+            </p:nvSpPr>
+            <p:spPr>
+              <a:xfrm rot="5400000">
+                <a:off x="5686935" y="3577505"/>
+                <a:ext cx="1140890" cy="261610"/>
+              </a:xfrm>
+              <a:prstGeom prst="rect">
+                <a:avLst/>
+              </a:prstGeom>
+              <a:blipFill rotWithShape="1">
+                <a:blip r:embed="rId6"/>
+                <a:stretch>
+                  <a:fillRect l="-16279"/>
+                </a:stretch>
+              </a:blipFill>
+            </p:spPr>
+            <p:txBody>
+              <a:bodyPr/>
+              <a:lstStyle/>
+              <a:p>
+                <a:r>
+                  <a:rPr lang="fr-FR">
+                    <a:noFill/>
+                  </a:rPr>
+                  <a:t> </a:t>
+                </a:r>
+              </a:p>
+            </p:txBody>
+          </p:sp>
+        </mc:Fallback>
+      </mc:AlternateContent>
+      <mc:AlternateContent xmlns:mc="http://schemas.openxmlformats.org/markup-compatibility/2006">
+        <mc:Choice xmlns:a14="http://schemas.microsoft.com/office/drawing/2010/main" Requires="a14">
+          <p:sp>
+            <p:nvSpPr>
+              <p:cNvPr id="25" name="ZoneTexte 24"/>
+              <p:cNvSpPr txBox="1"/>
+              <p:nvPr/>
+            </p:nvSpPr>
+            <p:spPr>
+              <a:xfrm>
+                <a:off x="7256490" y="2795218"/>
+                <a:ext cx="2465419" cy="627672"/>
+              </a:xfrm>
+              <a:prstGeom prst="rect">
+                <a:avLst/>
+              </a:prstGeom>
+              <a:noFill/>
+            </p:spPr>
+            <p:txBody>
+              <a:bodyPr wrap="none" rtlCol="0">
+                <a:spAutoFit/>
+              </a:bodyPr>
+              <a:lstStyle/>
+              <a:p>
+                <a:pPr/>
+                <a14:m>
+                  <m:oMathPara xmlns:m="http://schemas.openxmlformats.org/officeDocument/2006/math">
+                    <m:oMathParaPr>
+                      <m:jc m:val="centerGroup"/>
+                    </m:oMathParaPr>
+                    <m:oMath xmlns:m="http://schemas.openxmlformats.org/officeDocument/2006/math">
+                      <m:sSub>
+                        <m:sSubPr>
+                          <m:ctrlPr>
+                            <a:rPr lang="fr-FR" sz="1400" b="0" i="1" smtClean="0">
+                              <a:latin typeface="Cambria Math"/>
+                            </a:rPr>
+                          </m:ctrlPr>
+                        </m:sSubPr>
+                        <m:e>
+                          <m:d>
+                            <m:dPr>
+                              <m:begChr m:val="{"/>
+                              <m:endChr m:val="}"/>
+                              <m:ctrlPr>
+                                <a:rPr lang="fr-FR" sz="1400" b="0" i="1" smtClean="0">
+                                  <a:latin typeface="Cambria Math"/>
+                                </a:rPr>
+                              </m:ctrlPr>
+                            </m:dPr>
+                            <m:e>
+                              <m:r>
+                                <a:rPr lang="fr-FR" sz="1400" b="0" i="1" smtClean="0">
+                                  <a:latin typeface="Cambria Math"/>
+                                  <a:ea typeface="Cambria Math"/>
+                                </a:rPr>
+                                <m:t>𝒯</m:t>
+                              </m:r>
+                              <m:d>
+                                <m:dPr>
+                                  <m:ctrlPr>
+                                    <a:rPr lang="fr-FR" sz="1400" b="0" i="1" smtClean="0">
+                                      <a:latin typeface="Cambria Math"/>
+                                      <a:ea typeface="Cambria Math"/>
+                                    </a:rPr>
+                                  </m:ctrlPr>
+                                </m:dPr>
+                                <m:e>
+                                  <m:r>
+                                    <m:rPr>
+                                      <m:sty m:val="p"/>
+                                    </m:rPr>
+                                    <a:rPr lang="fr-FR" sz="1400">
+                                      <a:latin typeface="Cambria Math"/>
+                                    </a:rPr>
+                                    <m:t>ext</m:t>
+                                  </m:r>
+                                  <m:r>
+                                    <a:rPr lang="fr-FR" sz="1400" i="1">
+                                      <a:latin typeface="Cambria Math"/>
+                                    </a:rPr>
+                                    <m:t>→4</m:t>
+                                  </m:r>
+                                </m:e>
+                              </m:d>
+                            </m:e>
+                          </m:d>
+                          <m:r>
+                            <a:rPr lang="fr-FR" sz="1400" b="0" i="1" smtClean="0">
+                              <a:latin typeface="Cambria Math"/>
+                            </a:rPr>
+                            <m:t>=</m:t>
+                          </m:r>
+                          <m:d>
+                            <m:dPr>
+                              <m:begChr m:val="{"/>
+                              <m:endChr m:val="}"/>
+                              <m:ctrlPr>
+                                <a:rPr lang="fr-FR" sz="1400" b="0" i="1" smtClean="0">
+                                  <a:latin typeface="Cambria Math"/>
+                                </a:rPr>
+                              </m:ctrlPr>
+                            </m:dPr>
+                            <m:e>
+                              <m:eqArr>
+                                <m:eqArrPr>
+                                  <m:ctrlPr>
+                                    <a:rPr lang="fr-FR" sz="1400" b="0" i="1" smtClean="0">
+                                      <a:latin typeface="Cambria Math"/>
+                                    </a:rPr>
+                                  </m:ctrlPr>
+                                </m:eqArrPr>
+                                <m:e>
+                                  <m:sSub>
+                                    <m:sSubPr>
+                                      <m:ctrlPr>
+                                        <a:rPr lang="fr-FR" sz="1400" i="1">
+                                          <a:latin typeface="Cambria Math"/>
+                                        </a:rPr>
+                                      </m:ctrlPr>
+                                    </m:sSubPr>
+                                    <m:e>
+                                      <m:r>
+                                        <a:rPr lang="fr-FR" sz="1400" i="1">
+                                          <a:latin typeface="Cambria Math"/>
+                                        </a:rPr>
+                                        <m:t>𝑅</m:t>
+                                      </m:r>
+                                    </m:e>
+                                    <m:sub>
+                                      <m:r>
+                                        <m:rPr>
+                                          <m:sty m:val="p"/>
+                                        </m:rPr>
+                                        <a:rPr lang="fr-FR" sz="1400">
+                                          <a:latin typeface="Cambria Math"/>
+                                        </a:rPr>
+                                        <m:t>ext</m:t>
+                                      </m:r>
+                                      <m:r>
+                                        <a:rPr lang="fr-FR" sz="1400" i="1">
+                                          <a:latin typeface="Cambria Math"/>
+                                        </a:rPr>
+                                        <m:t>→4</m:t>
+                                      </m:r>
+                                    </m:sub>
+                                  </m:sSub>
+                                  <m:acc>
+                                    <m:accPr>
+                                      <m:chr m:val="⃗"/>
+                                      <m:ctrlPr>
+                                        <a:rPr lang="fr-FR" sz="1400" i="1">
+                                          <a:latin typeface="Cambria Math"/>
+                                        </a:rPr>
+                                      </m:ctrlPr>
+                                    </m:accPr>
+                                    <m:e>
+                                      <m:sSub>
+                                        <m:sSubPr>
+                                          <m:ctrlPr>
+                                            <a:rPr lang="fr-FR" sz="1400" i="1">
+                                              <a:latin typeface="Cambria Math"/>
+                                            </a:rPr>
+                                          </m:ctrlPr>
+                                        </m:sSubPr>
+                                        <m:e>
+                                          <m:r>
+                                            <a:rPr lang="fr-FR" sz="1400" i="1">
+                                              <a:latin typeface="Cambria Math"/>
+                                            </a:rPr>
+                                            <m:t>𝑧</m:t>
+                                          </m:r>
+                                        </m:e>
+                                        <m:sub>
+                                          <m:r>
+                                            <a:rPr lang="fr-FR" sz="1400" i="1">
+                                              <a:latin typeface="Cambria Math"/>
+                                            </a:rPr>
+                                            <m:t>4</m:t>
+                                          </m:r>
+                                        </m:sub>
+                                      </m:sSub>
+                                    </m:e>
+                                  </m:acc>
+                                </m:e>
+                                <m:e>
+                                  <m:acc>
+                                    <m:accPr>
+                                      <m:chr m:val="⃗"/>
+                                      <m:ctrlPr>
+                                        <a:rPr lang="fr-FR" sz="1400" i="1">
+                                          <a:latin typeface="Cambria Math"/>
+                                        </a:rPr>
+                                      </m:ctrlPr>
+                                    </m:accPr>
+                                    <m:e>
+                                      <m:r>
+                                        <a:rPr lang="fr-FR" sz="1400" b="0" i="1" smtClean="0">
+                                          <a:latin typeface="Cambria Math"/>
+                                        </a:rPr>
+                                        <m:t>0</m:t>
+                                      </m:r>
+                                    </m:e>
+                                  </m:acc>
+                                </m:e>
+                              </m:eqArr>
+                            </m:e>
+                          </m:d>
+                        </m:e>
+                        <m:sub>
+                          <m:sSub>
+                            <m:sSubPr>
+                              <m:ctrlPr>
+                                <a:rPr lang="fr-FR" sz="1400" b="0" i="1" smtClean="0">
+                                  <a:latin typeface="Cambria Math"/>
+                                </a:rPr>
+                              </m:ctrlPr>
+                            </m:sSubPr>
+                            <m:e>
+                              <m:r>
+                                <a:rPr lang="fr-FR" sz="1400" b="0" i="1" smtClean="0">
+                                  <a:latin typeface="Cambria Math"/>
+                                </a:rPr>
+                                <m:t>𝑂</m:t>
+                              </m:r>
+                            </m:e>
+                            <m:sub>
+                              <m:r>
+                                <a:rPr lang="fr-FR" sz="1400" b="0" i="1" smtClean="0">
+                                  <a:latin typeface="Cambria Math"/>
+                                </a:rPr>
+                                <m:t>4</m:t>
+                              </m:r>
+                            </m:sub>
+                          </m:sSub>
+                        </m:sub>
+                      </m:sSub>
+                    </m:oMath>
+                  </m:oMathPara>
+                </a14:m>
+                <a:endParaRPr lang="fr-FR" sz="1000" dirty="0"/>
+              </a:p>
+            </p:txBody>
+          </p:sp>
+        </mc:Choice>
+        <mc:Fallback>
+          <p:sp>
+            <p:nvSpPr>
+              <p:cNvPr id="25" name="ZoneTexte 24"/>
+              <p:cNvSpPr txBox="1">
+                <a:spLocks noRot="1" noChangeAspect="1" noMove="1" noResize="1" noEditPoints="1" noAdjustHandles="1" noChangeArrowheads="1" noChangeShapeType="1" noTextEdit="1"/>
+              </p:cNvSpPr>
+              <p:nvPr/>
+            </p:nvSpPr>
+            <p:spPr>
+              <a:xfrm>
+                <a:off x="7256490" y="2795218"/>
+                <a:ext cx="2465419" cy="627672"/>
+              </a:xfrm>
+              <a:prstGeom prst="rect">
+                <a:avLst/>
+              </a:prstGeom>
+              <a:blipFill rotWithShape="1">
+                <a:blip r:embed="rId7"/>
+                <a:stretch>
+                  <a:fillRect/>
+                </a:stretch>
+              </a:blipFill>
+            </p:spPr>
+            <p:txBody>
+              <a:bodyPr/>
+              <a:lstStyle/>
+              <a:p>
+                <a:r>
+                  <a:rPr lang="fr-FR">
+                    <a:noFill/>
+                  </a:rPr>
+                  <a:t> </a:t>
+                </a:r>
+              </a:p>
+            </p:txBody>
+          </p:sp>
+        </mc:Fallback>
+      </mc:AlternateContent>
+      <p:sp>
+        <p:nvSpPr>
+          <p:cNvPr id="26" name="ZoneTexte 25"/>
+          <p:cNvSpPr txBox="1"/>
+          <p:nvPr/>
+        </p:nvSpPr>
+        <p:spPr>
+          <a:xfrm>
+            <a:off x="6599648" y="2266325"/>
+            <a:ext cx="763351" cy="261610"/>
           </a:xfrm>
           <a:prstGeom prst="rect">
             <a:avLst/>
           </a:prstGeom>
           <a:noFill/>
-          <a:ln>
-            <a:noFill/>
-          </a:ln>
-          <a:effectLst/>
-          <a:extLst>
-            <a:ext uri="{909E8E84-426E-40DD-AFC4-6F175D3DCCD1}">
-              <a14:hiddenFill xmlns:a14="http://schemas.microsoft.com/office/drawing/2010/main">
-                <a:solidFill>
-                  <a:schemeClr val="accent1"/>
-                </a:solidFill>
-              </a14:hiddenFill>
-            </a:ext>
-            <a:ext uri="{91240B29-F687-4F45-9708-019B960494DF}">
-              <a14:hiddenLine xmlns:a14="http://schemas.microsoft.com/office/drawing/2010/main" w="9525">
-                <a:solidFill>
-                  <a:schemeClr val="tx1"/>
-                </a:solidFill>
-                <a:miter lim="800000"/>
-                <a:headEnd/>
-                <a:tailEnd/>
-              </a14:hiddenLine>
-            </a:ext>
-            <a:ext uri="{AF507438-7753-43E0-B8FC-AC1667EBCBE1}">
-              <a14:hiddenEffects xmlns:a14="http://schemas.microsoft.com/office/drawing/2010/main">
-                <a:effectLst>
-                  <a:outerShdw dist="35921" dir="2700000" algn="ctr" rotWithShape="0">
-                    <a:schemeClr val="bg2"/>
-                  </a:outerShdw>
-                </a:effectLst>
-              </a14:hiddenEffects>
-            </a:ext>
-          </a:extLst>
         </p:spPr>
-      </p:pic>
-      <p:pic>
-        <p:nvPicPr>
-          <p:cNvPr id="1028" name="Picture 4"/>
-          <p:cNvPicPr>
-            <a:picLocks noChangeAspect="1" noChangeArrowheads="1"/>
-          </p:cNvPicPr>
+        <p:txBody>
+          <a:bodyPr wrap="none" rtlCol="0">
+            <a:spAutoFit/>
+          </a:bodyPr>
+          <a:lstStyle/>
+          <a:p>
+            <a:r>
+              <a:rPr lang="fr-FR" sz="1100" b="0" dirty="0" smtClean="0"/>
+              <a:t>Pesanteur</a:t>
+            </a:r>
+            <a:endParaRPr lang="fr-FR" sz="1100" dirty="0"/>
+          </a:p>
+        </p:txBody>
+      </p:sp>
+      <mc:AlternateContent xmlns:mc="http://schemas.openxmlformats.org/markup-compatibility/2006">
+        <mc:Choice xmlns:a14="http://schemas.microsoft.com/office/drawing/2010/main" Requires="a14">
+          <p:sp>
+            <p:nvSpPr>
+              <p:cNvPr id="27" name="Rectangle 26"/>
+              <p:cNvSpPr/>
+              <p:nvPr/>
+            </p:nvSpPr>
+            <p:spPr>
+              <a:xfrm rot="19800000">
+                <a:off x="3586325" y="2564983"/>
+                <a:ext cx="641393" cy="261610"/>
+              </a:xfrm>
+              <a:prstGeom prst="rect">
+                <a:avLst/>
+              </a:prstGeom>
+            </p:spPr>
+            <p:txBody>
+              <a:bodyPr wrap="none">
+                <a:spAutoFit/>
+              </a:bodyPr>
+              <a:lstStyle/>
+              <a:p>
+                <a:pPr/>
+                <a14:m>
+                  <m:oMathPara xmlns:m="http://schemas.openxmlformats.org/officeDocument/2006/math">
+                    <m:oMathParaPr>
+                      <m:jc m:val="centerGroup"/>
+                    </m:oMathParaPr>
+                    <m:oMath xmlns:m="http://schemas.openxmlformats.org/officeDocument/2006/math">
+                      <m:sSub>
+                        <m:sSubPr>
+                          <m:ctrlPr>
+                            <a:rPr lang="fr-FR" sz="1100" i="1" smtClean="0">
+                              <a:latin typeface="Cambria Math"/>
+                            </a:rPr>
+                          </m:ctrlPr>
+                        </m:sSubPr>
+                        <m:e>
+                          <m:r>
+                            <a:rPr lang="fr-FR" sz="1100" b="0" i="1" smtClean="0">
+                              <a:latin typeface="Cambria Math"/>
+                            </a:rPr>
+                            <m:t>𝐶</m:t>
+                          </m:r>
+                        </m:e>
+                        <m:sub>
+                          <m:r>
+                            <m:rPr>
+                              <m:sty m:val="p"/>
+                            </m:rPr>
+                            <a:rPr lang="fr-FR" sz="1100" b="0" i="0" smtClean="0">
+                              <a:latin typeface="Cambria Math"/>
+                            </a:rPr>
+                            <m:t>m</m:t>
+                          </m:r>
+                          <m:r>
+                            <a:rPr lang="fr-FR" sz="1100" b="0" i="0" smtClean="0">
+                              <a:latin typeface="Cambria Math"/>
+                            </a:rPr>
+                            <m:t>0</m:t>
+                          </m:r>
+                          <m:r>
+                            <a:rPr lang="fr-FR" sz="1100" b="0" i="1" smtClean="0">
+                              <a:latin typeface="Cambria Math"/>
+                            </a:rPr>
+                            <m:t>1</m:t>
+                          </m:r>
+                        </m:sub>
+                      </m:sSub>
+                      <m:acc>
+                        <m:accPr>
+                          <m:chr m:val="⃗"/>
+                          <m:ctrlPr>
+                            <a:rPr lang="fr-FR" sz="1100" i="1">
+                              <a:latin typeface="Cambria Math"/>
+                            </a:rPr>
+                          </m:ctrlPr>
+                        </m:accPr>
+                        <m:e>
+                          <m:sSub>
+                            <m:sSubPr>
+                              <m:ctrlPr>
+                                <a:rPr lang="fr-FR" sz="1100" i="1">
+                                  <a:latin typeface="Cambria Math"/>
+                                </a:rPr>
+                              </m:ctrlPr>
+                            </m:sSubPr>
+                            <m:e>
+                              <m:r>
+                                <a:rPr lang="fr-FR" sz="1100" i="1">
+                                  <a:latin typeface="Cambria Math"/>
+                                </a:rPr>
+                                <m:t>𝑧</m:t>
+                              </m:r>
+                            </m:e>
+                            <m:sub>
+                              <m:r>
+                                <a:rPr lang="fr-FR" sz="1100" b="0" i="1" smtClean="0">
+                                  <a:latin typeface="Cambria Math"/>
+                                </a:rPr>
+                                <m:t>1</m:t>
+                              </m:r>
+                            </m:sub>
+                          </m:sSub>
+                        </m:e>
+                      </m:acc>
+                    </m:oMath>
+                  </m:oMathPara>
+                </a14:m>
+                <a:endParaRPr lang="fr-FR" sz="1100" dirty="0"/>
+              </a:p>
+            </p:txBody>
+          </p:sp>
+        </mc:Choice>
+        <mc:Fallback>
+          <p:sp>
+            <p:nvSpPr>
+              <p:cNvPr id="27" name="Rectangle 26"/>
+              <p:cNvSpPr>
+                <a:spLocks noRot="1" noChangeAspect="1" noMove="1" noResize="1" noEditPoints="1" noAdjustHandles="1" noChangeArrowheads="1" noChangeShapeType="1" noTextEdit="1"/>
+              </p:cNvSpPr>
+              <p:nvPr/>
+            </p:nvSpPr>
+            <p:spPr>
+              <a:xfrm rot="19800000">
+                <a:off x="3586325" y="2564983"/>
+                <a:ext cx="641393" cy="261610"/>
+              </a:xfrm>
+              <a:prstGeom prst="rect">
+                <a:avLst/>
+              </a:prstGeom>
+              <a:blipFill rotWithShape="1">
+                <a:blip r:embed="rId8"/>
+                <a:stretch>
+                  <a:fillRect/>
+                </a:stretch>
+              </a:blipFill>
+            </p:spPr>
+            <p:txBody>
+              <a:bodyPr/>
+              <a:lstStyle/>
+              <a:p>
+                <a:r>
+                  <a:rPr lang="fr-FR">
+                    <a:noFill/>
+                  </a:rPr>
+                  <a:t> </a:t>
+                </a:r>
+              </a:p>
+            </p:txBody>
+          </p:sp>
+        </mc:Fallback>
+      </mc:AlternateContent>
+      <mc:AlternateContent xmlns:mc="http://schemas.openxmlformats.org/markup-compatibility/2006">
+        <mc:Choice xmlns:a14="http://schemas.microsoft.com/office/drawing/2010/main" Requires="a14">
+          <p:sp>
+            <p:nvSpPr>
+              <p:cNvPr id="28" name="Rectangle 27"/>
+              <p:cNvSpPr/>
+              <p:nvPr/>
+            </p:nvSpPr>
+            <p:spPr>
+              <a:xfrm rot="19800000">
+                <a:off x="4581916" y="2624410"/>
+                <a:ext cx="545214" cy="261610"/>
+              </a:xfrm>
+              <a:prstGeom prst="rect">
+                <a:avLst/>
+              </a:prstGeom>
+            </p:spPr>
+            <p:txBody>
+              <a:bodyPr wrap="none">
+                <a:spAutoFit/>
+              </a:bodyPr>
+              <a:lstStyle/>
+              <a:p>
+                <a:pPr/>
+                <a14:m>
+                  <m:oMathPara xmlns:m="http://schemas.openxmlformats.org/officeDocument/2006/math">
+                    <m:oMathParaPr>
+                      <m:jc m:val="centerGroup"/>
+                    </m:oMathParaPr>
+                    <m:oMath xmlns:m="http://schemas.openxmlformats.org/officeDocument/2006/math">
+                      <m:sSub>
+                        <m:sSubPr>
+                          <m:ctrlPr>
+                            <a:rPr lang="fr-FR" sz="1100" i="1" smtClean="0">
+                              <a:latin typeface="Cambria Math"/>
+                            </a:rPr>
+                          </m:ctrlPr>
+                        </m:sSubPr>
+                        <m:e>
+                          <m:r>
+                            <a:rPr lang="fr-FR" sz="1100" b="0" i="1" smtClean="0">
+                              <a:latin typeface="Cambria Math"/>
+                            </a:rPr>
+                            <m:t>𝐶</m:t>
+                          </m:r>
+                        </m:e>
+                        <m:sub>
+                          <m:r>
+                            <a:rPr lang="fr-FR" sz="1100" b="0" i="1" smtClean="0">
+                              <a:latin typeface="Cambria Math"/>
+                            </a:rPr>
+                            <m:t>12</m:t>
+                          </m:r>
+                        </m:sub>
+                      </m:sSub>
+                      <m:acc>
+                        <m:accPr>
+                          <m:chr m:val="⃗"/>
+                          <m:ctrlPr>
+                            <a:rPr lang="fr-FR" sz="1100" i="1">
+                              <a:latin typeface="Cambria Math"/>
+                            </a:rPr>
+                          </m:ctrlPr>
+                        </m:accPr>
+                        <m:e>
+                          <m:sSub>
+                            <m:sSubPr>
+                              <m:ctrlPr>
+                                <a:rPr lang="fr-FR" sz="1100" i="1">
+                                  <a:latin typeface="Cambria Math"/>
+                                </a:rPr>
+                              </m:ctrlPr>
+                            </m:sSubPr>
+                            <m:e>
+                              <m:r>
+                                <a:rPr lang="fr-FR" sz="1100" i="1">
+                                  <a:latin typeface="Cambria Math"/>
+                                </a:rPr>
+                                <m:t>𝑧</m:t>
+                              </m:r>
+                            </m:e>
+                            <m:sub>
+                              <m:r>
+                                <a:rPr lang="fr-FR" sz="1100" b="0" i="1" smtClean="0">
+                                  <a:latin typeface="Cambria Math"/>
+                                </a:rPr>
+                                <m:t>2</m:t>
+                              </m:r>
+                            </m:sub>
+                          </m:sSub>
+                        </m:e>
+                      </m:acc>
+                    </m:oMath>
+                  </m:oMathPara>
+                </a14:m>
+                <a:endParaRPr lang="fr-FR" sz="1100" dirty="0"/>
+              </a:p>
+            </p:txBody>
+          </p:sp>
+        </mc:Choice>
+        <mc:Fallback>
+          <p:sp>
+            <p:nvSpPr>
+              <p:cNvPr id="28" name="Rectangle 27"/>
+              <p:cNvSpPr>
+                <a:spLocks noRot="1" noChangeAspect="1" noMove="1" noResize="1" noEditPoints="1" noAdjustHandles="1" noChangeArrowheads="1" noChangeShapeType="1" noTextEdit="1"/>
+              </p:cNvSpPr>
+              <p:nvPr/>
+            </p:nvSpPr>
+            <p:spPr>
+              <a:xfrm rot="19800000">
+                <a:off x="4581916" y="2624410"/>
+                <a:ext cx="545214" cy="261610"/>
+              </a:xfrm>
+              <a:prstGeom prst="rect">
+                <a:avLst/>
+              </a:prstGeom>
+              <a:blipFill rotWithShape="1">
+                <a:blip r:embed="rId9"/>
+                <a:stretch>
+                  <a:fillRect/>
+                </a:stretch>
+              </a:blipFill>
+            </p:spPr>
+            <p:txBody>
+              <a:bodyPr/>
+              <a:lstStyle/>
+              <a:p>
+                <a:r>
+                  <a:rPr lang="fr-FR">
+                    <a:noFill/>
+                  </a:rPr>
+                  <a:t> </a:t>
+                </a:r>
+              </a:p>
+            </p:txBody>
+          </p:sp>
+        </mc:Fallback>
+      </mc:AlternateContent>
+      <mc:AlternateContent xmlns:mc="http://schemas.openxmlformats.org/markup-compatibility/2006">
+        <mc:Choice xmlns:a14="http://schemas.microsoft.com/office/drawing/2010/main" Requires="a14">
+          <p:sp>
+            <p:nvSpPr>
+              <p:cNvPr id="29" name="Rectangle 28"/>
+              <p:cNvSpPr/>
+              <p:nvPr/>
+            </p:nvSpPr>
+            <p:spPr>
+              <a:xfrm rot="19800000">
+                <a:off x="5318230" y="2623282"/>
+                <a:ext cx="548483" cy="261610"/>
+              </a:xfrm>
+              <a:prstGeom prst="rect">
+                <a:avLst/>
+              </a:prstGeom>
+            </p:spPr>
+            <p:txBody>
+              <a:bodyPr wrap="none">
+                <a:spAutoFit/>
+              </a:bodyPr>
+              <a:lstStyle/>
+              <a:p>
+                <a:pPr/>
+                <a14:m>
+                  <m:oMathPara xmlns:m="http://schemas.openxmlformats.org/officeDocument/2006/math">
+                    <m:oMathParaPr>
+                      <m:jc m:val="centerGroup"/>
+                    </m:oMathParaPr>
+                    <m:oMath xmlns:m="http://schemas.openxmlformats.org/officeDocument/2006/math">
+                      <m:sSub>
+                        <m:sSubPr>
+                          <m:ctrlPr>
+                            <a:rPr lang="fr-FR" sz="1100" i="1" smtClean="0">
+                              <a:latin typeface="Cambria Math"/>
+                            </a:rPr>
+                          </m:ctrlPr>
+                        </m:sSubPr>
+                        <m:e>
+                          <m:r>
+                            <a:rPr lang="fr-FR" sz="1100" b="0" i="1" smtClean="0">
+                              <a:latin typeface="Cambria Math"/>
+                            </a:rPr>
+                            <m:t>𝐶</m:t>
+                          </m:r>
+                        </m:e>
+                        <m:sub>
+                          <m:r>
+                            <a:rPr lang="fr-FR" sz="1100" b="0" i="1" smtClean="0">
+                              <a:latin typeface="Cambria Math"/>
+                            </a:rPr>
+                            <m:t>23</m:t>
+                          </m:r>
+                        </m:sub>
+                      </m:sSub>
+                      <m:acc>
+                        <m:accPr>
+                          <m:chr m:val="⃗"/>
+                          <m:ctrlPr>
+                            <a:rPr lang="fr-FR" sz="1100" i="1">
+                              <a:latin typeface="Cambria Math"/>
+                            </a:rPr>
+                          </m:ctrlPr>
+                        </m:accPr>
+                        <m:e>
+                          <m:sSub>
+                            <m:sSubPr>
+                              <m:ctrlPr>
+                                <a:rPr lang="fr-FR" sz="1100" i="1">
+                                  <a:latin typeface="Cambria Math"/>
+                                </a:rPr>
+                              </m:ctrlPr>
+                            </m:sSubPr>
+                            <m:e>
+                              <m:r>
+                                <a:rPr lang="fr-FR" sz="1100" i="1">
+                                  <a:latin typeface="Cambria Math"/>
+                                </a:rPr>
+                                <m:t>𝑧</m:t>
+                              </m:r>
+                            </m:e>
+                            <m:sub>
+                              <m:r>
+                                <a:rPr lang="fr-FR" sz="1100" b="0" i="1" smtClean="0">
+                                  <a:latin typeface="Cambria Math"/>
+                                </a:rPr>
+                                <m:t>3</m:t>
+                              </m:r>
+                            </m:sub>
+                          </m:sSub>
+                        </m:e>
+                      </m:acc>
+                    </m:oMath>
+                  </m:oMathPara>
+                </a14:m>
+                <a:endParaRPr lang="fr-FR" sz="1100" dirty="0"/>
+              </a:p>
+            </p:txBody>
+          </p:sp>
+        </mc:Choice>
+        <mc:Fallback>
+          <p:sp>
+            <p:nvSpPr>
+              <p:cNvPr id="29" name="Rectangle 28"/>
+              <p:cNvSpPr>
+                <a:spLocks noRot="1" noChangeAspect="1" noMove="1" noResize="1" noEditPoints="1" noAdjustHandles="1" noChangeArrowheads="1" noChangeShapeType="1" noTextEdit="1"/>
+              </p:cNvSpPr>
+              <p:nvPr/>
+            </p:nvSpPr>
+            <p:spPr>
+              <a:xfrm rot="19800000">
+                <a:off x="5318230" y="2623282"/>
+                <a:ext cx="548483" cy="261610"/>
+              </a:xfrm>
+              <a:prstGeom prst="rect">
+                <a:avLst/>
+              </a:prstGeom>
+              <a:blipFill rotWithShape="1">
+                <a:blip r:embed="rId10"/>
+                <a:stretch>
+                  <a:fillRect/>
+                </a:stretch>
+              </a:blipFill>
+            </p:spPr>
+            <p:txBody>
+              <a:bodyPr/>
+              <a:lstStyle/>
+              <a:p>
+                <a:r>
+                  <a:rPr lang="fr-FR">
+                    <a:noFill/>
+                  </a:rPr>
+                  <a:t> </a:t>
+                </a:r>
+              </a:p>
+            </p:txBody>
+          </p:sp>
+        </mc:Fallback>
+      </mc:AlternateContent>
+      <mc:AlternateContent xmlns:mc="http://schemas.openxmlformats.org/markup-compatibility/2006">
+        <mc:Choice xmlns:a14="http://schemas.microsoft.com/office/drawing/2010/main" Requires="a14">
+          <p:sp>
+            <p:nvSpPr>
+              <p:cNvPr id="30" name="Rectangle 29"/>
+              <p:cNvSpPr/>
+              <p:nvPr/>
+            </p:nvSpPr>
+            <p:spPr>
+              <a:xfrm rot="19800000">
+                <a:off x="6036985" y="2623282"/>
+                <a:ext cx="639086" cy="261610"/>
+              </a:xfrm>
+              <a:prstGeom prst="rect">
+                <a:avLst/>
+              </a:prstGeom>
+            </p:spPr>
+            <p:txBody>
+              <a:bodyPr wrap="none">
+                <a:spAutoFit/>
+              </a:bodyPr>
+              <a:lstStyle/>
+              <a:p>
+                <a:pPr/>
+                <a14:m>
+                  <m:oMathPara xmlns:m="http://schemas.openxmlformats.org/officeDocument/2006/math">
+                    <m:oMathParaPr>
+                      <m:jc m:val="centerGroup"/>
+                    </m:oMathParaPr>
+                    <m:oMath xmlns:m="http://schemas.openxmlformats.org/officeDocument/2006/math">
+                      <m:sSub>
+                        <m:sSubPr>
+                          <m:ctrlPr>
+                            <a:rPr lang="fr-FR" sz="1100" i="1" smtClean="0">
+                              <a:latin typeface="Cambria Math"/>
+                            </a:rPr>
+                          </m:ctrlPr>
+                        </m:sSubPr>
+                        <m:e>
+                          <m:r>
+                            <a:rPr lang="fr-FR" sz="1100" b="0" i="1" smtClean="0">
+                              <a:latin typeface="Cambria Math"/>
+                            </a:rPr>
+                            <m:t>𝐹</m:t>
+                          </m:r>
+                        </m:e>
+                        <m:sub>
+                          <m:r>
+                            <m:rPr>
+                              <m:sty m:val="p"/>
+                            </m:rPr>
+                            <a:rPr lang="fr-FR" sz="1100" b="0" i="0" smtClean="0">
+                              <a:latin typeface="Cambria Math"/>
+                            </a:rPr>
+                            <m:t>m</m:t>
+                          </m:r>
+                          <m:r>
+                            <a:rPr lang="fr-FR" sz="1100" b="0" i="1" smtClean="0">
+                              <a:latin typeface="Cambria Math"/>
+                            </a:rPr>
+                            <m:t>34</m:t>
+                          </m:r>
+                        </m:sub>
+                      </m:sSub>
+                      <m:acc>
+                        <m:accPr>
+                          <m:chr m:val="⃗"/>
+                          <m:ctrlPr>
+                            <a:rPr lang="fr-FR" sz="1100" i="1">
+                              <a:latin typeface="Cambria Math"/>
+                            </a:rPr>
+                          </m:ctrlPr>
+                        </m:accPr>
+                        <m:e>
+                          <m:sSub>
+                            <m:sSubPr>
+                              <m:ctrlPr>
+                                <a:rPr lang="fr-FR" sz="1100" i="1">
+                                  <a:latin typeface="Cambria Math"/>
+                                </a:rPr>
+                              </m:ctrlPr>
+                            </m:sSubPr>
+                            <m:e>
+                              <m:r>
+                                <a:rPr lang="fr-FR" sz="1100" i="1">
+                                  <a:latin typeface="Cambria Math"/>
+                                </a:rPr>
+                                <m:t>𝑧</m:t>
+                              </m:r>
+                            </m:e>
+                            <m:sub>
+                              <m:r>
+                                <a:rPr lang="fr-FR" sz="1100" b="0" i="1" smtClean="0">
+                                  <a:latin typeface="Cambria Math"/>
+                                </a:rPr>
+                                <m:t>4</m:t>
+                              </m:r>
+                            </m:sub>
+                          </m:sSub>
+                        </m:e>
+                      </m:acc>
+                    </m:oMath>
+                  </m:oMathPara>
+                </a14:m>
+                <a:endParaRPr lang="fr-FR" sz="1100" dirty="0"/>
+              </a:p>
+            </p:txBody>
+          </p:sp>
+        </mc:Choice>
+        <mc:Fallback>
+          <p:sp>
+            <p:nvSpPr>
+              <p:cNvPr id="30" name="Rectangle 29"/>
+              <p:cNvSpPr>
+                <a:spLocks noRot="1" noChangeAspect="1" noMove="1" noResize="1" noEditPoints="1" noAdjustHandles="1" noChangeArrowheads="1" noChangeShapeType="1" noTextEdit="1"/>
+              </p:cNvSpPr>
+              <p:nvPr/>
+            </p:nvSpPr>
+            <p:spPr>
+              <a:xfrm rot="19800000">
+                <a:off x="6036985" y="2623282"/>
+                <a:ext cx="639086" cy="261610"/>
+              </a:xfrm>
+              <a:prstGeom prst="rect">
+                <a:avLst/>
+              </a:prstGeom>
+              <a:blipFill rotWithShape="1">
+                <a:blip r:embed="rId11"/>
+                <a:stretch>
+                  <a:fillRect/>
+                </a:stretch>
+              </a:blipFill>
+            </p:spPr>
+            <p:txBody>
+              <a:bodyPr/>
+              <a:lstStyle/>
+              <a:p>
+                <a:r>
+                  <a:rPr lang="fr-FR">
+                    <a:noFill/>
+                  </a:rPr>
+                  <a:t> </a:t>
+                </a:r>
+              </a:p>
+            </p:txBody>
+          </p:sp>
+        </mc:Fallback>
+      </mc:AlternateContent>
+      <p:sp>
+        <p:nvSpPr>
+          <p:cNvPr id="9" name="Ellipse 8"/>
+          <p:cNvSpPr/>
           <p:nvPr/>
-        </p:nvPicPr>
-        <p:blipFill>
-          <a:blip r:embed="rId4">
-            <a:extLst>
-              <a:ext uri="{28A0092B-C50C-407E-A947-70E740481C1C}">
-                <a14:useLocalDpi xmlns:a14="http://schemas.microsoft.com/office/drawing/2010/main" val="0"/>
-              </a:ext>
-            </a:extLst>
-          </a:blip>
-          <a:srcRect/>
-          <a:stretch>
-            <a:fillRect/>
-          </a:stretch>
-        </p:blipFill>
-        <p:spPr bwMode="auto">
+        </p:nvSpPr>
+        <p:spPr>
           <a:xfrm>
-            <a:off x="3777727" y="2758480"/>
-            <a:ext cx="1809750" cy="1085850"/>
+            <a:off x="899592" y="1185806"/>
+            <a:ext cx="288032" cy="288032"/>
           </a:xfrm>
-          <a:prstGeom prst="rect">
+          <a:prstGeom prst="ellipse">
             <a:avLst/>
           </a:prstGeom>
-          <a:noFill/>
-          <a:ln>
-            <a:noFill/>
+          <a:solidFill>
+            <a:schemeClr val="bg1">
+              <a:lumMod val="85000"/>
+            </a:schemeClr>
+          </a:solidFill>
+          <a:ln w="19050">
+            <a:solidFill>
+              <a:schemeClr val="tx1"/>
+            </a:solidFill>
           </a:ln>
-          <a:effectLst/>
-          <a:extLst>
-            <a:ext uri="{909E8E84-426E-40DD-AFC4-6F175D3DCCD1}">
-              <a14:hiddenFill xmlns:a14="http://schemas.microsoft.com/office/drawing/2010/main">
+        </p:spPr>
+        <p:style>
+          <a:lnRef idx="2">
+            <a:schemeClr val="accent1">
+              <a:shade val="50000"/>
+            </a:schemeClr>
+          </a:lnRef>
+          <a:fillRef idx="1">
+            <a:schemeClr val="accent1"/>
+          </a:fillRef>
+          <a:effectRef idx="0">
+            <a:schemeClr val="accent1"/>
+          </a:effectRef>
+          <a:fontRef idx="minor">
+            <a:schemeClr val="lt1"/>
+          </a:fontRef>
+        </p:style>
+        <p:txBody>
+          <a:bodyPr rtlCol="0" anchor="ctr"/>
+          <a:lstStyle/>
+          <a:p>
+            <a:pPr algn="ctr"/>
+            <a:r>
+              <a:rPr lang="fr-FR" sz="1400" b="1" dirty="0" smtClean="0">
                 <a:solidFill>
-                  <a:schemeClr val="accent1"/>
+                  <a:sysClr val="windowText" lastClr="000000"/>
                 </a:solidFill>
-              </a14:hiddenFill>
-            </a:ext>
-            <a:ext uri="{91240B29-F687-4F45-9708-019B960494DF}">
-              <a14:hiddenLine xmlns:a14="http://schemas.microsoft.com/office/drawing/2010/main" w="9525">
-                <a:solidFill>
-                  <a:schemeClr val="tx1"/>
-                </a:solidFill>
-                <a:miter lim="800000"/>
-                <a:headEnd/>
-                <a:tailEnd/>
-              </a14:hiddenLine>
-            </a:ext>
-            <a:ext uri="{AF507438-7753-43E0-B8FC-AC1667EBCBE1}">
-              <a14:hiddenEffects xmlns:a14="http://schemas.microsoft.com/office/drawing/2010/main">
-                <a:effectLst>
-                  <a:outerShdw dist="35921" dir="2700000" algn="ctr" rotWithShape="0">
-                    <a:schemeClr val="bg2"/>
-                  </a:outerShdw>
-                </a:effectLst>
-              </a14:hiddenEffects>
-            </a:ext>
-          </a:extLst>
-        </p:spPr>
-      </p:pic>
-      <p:pic>
-        <p:nvPicPr>
-          <p:cNvPr id="1029" name="Picture 5"/>
-          <p:cNvPicPr>
-            <a:picLocks noChangeAspect="1" noChangeArrowheads="1"/>
-          </p:cNvPicPr>
+              </a:rPr>
+              <a:t>0</a:t>
+            </a:r>
+            <a:endParaRPr lang="fr-FR" sz="1400" b="1" dirty="0">
+              <a:solidFill>
+                <a:sysClr val="windowText" lastClr="000000"/>
+              </a:solidFill>
+            </a:endParaRPr>
+          </a:p>
+        </p:txBody>
+      </p:sp>
+      <p:grpSp>
+        <p:nvGrpSpPr>
+          <p:cNvPr id="1045" name="Groupe 1044"/>
+          <p:cNvGrpSpPr/>
           <p:nvPr/>
-        </p:nvPicPr>
-        <p:blipFill>
-          <a:blip r:embed="rId5">
-            <a:extLst>
-              <a:ext uri="{28A0092B-C50C-407E-A947-70E740481C1C}">
-                <a14:useLocalDpi xmlns:a14="http://schemas.microsoft.com/office/drawing/2010/main" val="0"/>
-              </a:ext>
-            </a:extLst>
-          </a:blip>
-          <a:srcRect/>
-          <a:stretch>
-            <a:fillRect/>
-          </a:stretch>
-        </p:blipFill>
-        <p:spPr bwMode="auto">
+        </p:nvGrpSpPr>
+        <p:grpSpPr>
+          <a:xfrm rot="5400000">
+            <a:off x="603778" y="1172781"/>
+            <a:ext cx="296416" cy="295212"/>
+            <a:chOff x="899592" y="1473838"/>
+            <a:chExt cx="296416" cy="295212"/>
+          </a:xfrm>
+        </p:grpSpPr>
+        <p:sp>
+          <p:nvSpPr>
+            <p:cNvPr id="1027" name="Forme libre 1026"/>
+            <p:cNvSpPr/>
+            <p:nvPr/>
+          </p:nvSpPr>
+          <p:spPr>
+            <a:xfrm>
+              <a:off x="899592" y="1630392"/>
+              <a:ext cx="284672" cy="138658"/>
+            </a:xfrm>
+            <a:custGeom>
+              <a:avLst/>
+              <a:gdLst>
+                <a:gd name="connsiteX0" fmla="*/ 0 w 284672"/>
+                <a:gd name="connsiteY0" fmla="*/ 0 h 138658"/>
+                <a:gd name="connsiteX1" fmla="*/ 60385 w 284672"/>
+                <a:gd name="connsiteY1" fmla="*/ 112144 h 138658"/>
+                <a:gd name="connsiteX2" fmla="*/ 138023 w 284672"/>
+                <a:gd name="connsiteY2" fmla="*/ 60385 h 138658"/>
+                <a:gd name="connsiteX3" fmla="*/ 207034 w 284672"/>
+                <a:gd name="connsiteY3" fmla="*/ 138023 h 138658"/>
+                <a:gd name="connsiteX4" fmla="*/ 284672 w 284672"/>
+                <a:gd name="connsiteY4" fmla="*/ 8627 h 138658"/>
+              </a:gdLst>
+              <a:ahLst/>
+              <a:cxnLst>
+                <a:cxn ang="0">
+                  <a:pos x="connsiteX0" y="connsiteY0"/>
+                </a:cxn>
+                <a:cxn ang="0">
+                  <a:pos x="connsiteX1" y="connsiteY1"/>
+                </a:cxn>
+                <a:cxn ang="0">
+                  <a:pos x="connsiteX2" y="connsiteY2"/>
+                </a:cxn>
+                <a:cxn ang="0">
+                  <a:pos x="connsiteX3" y="connsiteY3"/>
+                </a:cxn>
+                <a:cxn ang="0">
+                  <a:pos x="connsiteX4" y="connsiteY4"/>
+                </a:cxn>
+              </a:cxnLst>
+              <a:rect l="l" t="t" r="r" b="b"/>
+              <a:pathLst>
+                <a:path w="284672" h="138658">
+                  <a:moveTo>
+                    <a:pt x="0" y="0"/>
+                  </a:moveTo>
+                  <a:cubicBezTo>
+                    <a:pt x="18690" y="51040"/>
+                    <a:pt x="37381" y="102080"/>
+                    <a:pt x="60385" y="112144"/>
+                  </a:cubicBezTo>
+                  <a:cubicBezTo>
+                    <a:pt x="83389" y="122208"/>
+                    <a:pt x="113582" y="56072"/>
+                    <a:pt x="138023" y="60385"/>
+                  </a:cubicBezTo>
+                  <a:cubicBezTo>
+                    <a:pt x="162464" y="64698"/>
+                    <a:pt x="182593" y="146649"/>
+                    <a:pt x="207034" y="138023"/>
+                  </a:cubicBezTo>
+                  <a:cubicBezTo>
+                    <a:pt x="231475" y="129397"/>
+                    <a:pt x="258073" y="69012"/>
+                    <a:pt x="284672" y="8627"/>
+                  </a:cubicBezTo>
+                </a:path>
+              </a:pathLst>
+            </a:custGeom>
+            <a:solidFill>
+              <a:schemeClr val="bg1">
+                <a:lumMod val="85000"/>
+              </a:schemeClr>
+            </a:solidFill>
+            <a:ln w="12700">
+              <a:solidFill>
+                <a:schemeClr val="tx1"/>
+              </a:solidFill>
+            </a:ln>
+          </p:spPr>
+          <p:style>
+            <a:lnRef idx="2">
+              <a:schemeClr val="accent1">
+                <a:shade val="50000"/>
+              </a:schemeClr>
+            </a:lnRef>
+            <a:fillRef idx="1">
+              <a:schemeClr val="accent1"/>
+            </a:fillRef>
+            <a:effectRef idx="0">
+              <a:schemeClr val="accent1"/>
+            </a:effectRef>
+            <a:fontRef idx="minor">
+              <a:schemeClr val="lt1"/>
+            </a:fontRef>
+          </p:style>
+          <p:txBody>
+            <a:bodyPr rtlCol="0" anchor="ctr"/>
+            <a:lstStyle/>
+            <a:p>
+              <a:pPr algn="ctr"/>
+              <a:endParaRPr lang="fr-FR"/>
+            </a:p>
+          </p:txBody>
+        </p:sp>
+        <p:cxnSp>
+          <p:nvCxnSpPr>
+            <p:cNvPr id="1024" name="Connecteur droit 1023"/>
+            <p:cNvCxnSpPr>
+              <a:stCxn id="9" idx="4"/>
+            </p:cNvCxnSpPr>
+            <p:nvPr/>
+          </p:nvCxnSpPr>
+          <p:spPr>
+            <a:xfrm>
+              <a:off x="1043608" y="1473838"/>
+              <a:ext cx="0" cy="154962"/>
+            </a:xfrm>
+            <a:prstGeom prst="line">
+              <a:avLst/>
+            </a:prstGeom>
+            <a:solidFill>
+              <a:schemeClr val="bg1">
+                <a:lumMod val="85000"/>
+              </a:schemeClr>
+            </a:solidFill>
+            <a:ln w="28575">
+              <a:solidFill>
+                <a:schemeClr val="tx1"/>
+              </a:solidFill>
+            </a:ln>
+          </p:spPr>
+          <p:style>
+            <a:lnRef idx="2">
+              <a:schemeClr val="accent1">
+                <a:shade val="50000"/>
+              </a:schemeClr>
+            </a:lnRef>
+            <a:fillRef idx="1">
+              <a:schemeClr val="accent1"/>
+            </a:fillRef>
+            <a:effectRef idx="0">
+              <a:schemeClr val="accent1"/>
+            </a:effectRef>
+            <a:fontRef idx="minor">
+              <a:schemeClr val="lt1"/>
+            </a:fontRef>
+          </p:style>
+        </p:cxnSp>
+        <p:cxnSp>
+          <p:nvCxnSpPr>
+            <p:cNvPr id="34" name="Connecteur droit 33"/>
+            <p:cNvCxnSpPr/>
+            <p:nvPr/>
+          </p:nvCxnSpPr>
+          <p:spPr>
+            <a:xfrm flipH="1">
+              <a:off x="899592" y="1626238"/>
+              <a:ext cx="296416" cy="0"/>
+            </a:xfrm>
+            <a:prstGeom prst="line">
+              <a:avLst/>
+            </a:prstGeom>
+            <a:solidFill>
+              <a:schemeClr val="bg1">
+                <a:lumMod val="85000"/>
+              </a:schemeClr>
+            </a:solidFill>
+            <a:ln w="28575">
+              <a:solidFill>
+                <a:schemeClr val="tx1"/>
+              </a:solidFill>
+            </a:ln>
+          </p:spPr>
+          <p:style>
+            <a:lnRef idx="2">
+              <a:schemeClr val="accent1">
+                <a:shade val="50000"/>
+              </a:schemeClr>
+            </a:lnRef>
+            <a:fillRef idx="1">
+              <a:schemeClr val="accent1"/>
+            </a:fillRef>
+            <a:effectRef idx="0">
+              <a:schemeClr val="accent1"/>
+            </a:effectRef>
+            <a:fontRef idx="minor">
+              <a:schemeClr val="lt1"/>
+            </a:fontRef>
+          </p:style>
+        </p:cxnSp>
+      </p:grpSp>
+      <p:sp>
+        <p:nvSpPr>
+          <p:cNvPr id="38" name="Ellipse 37"/>
+          <p:cNvSpPr/>
+          <p:nvPr/>
+        </p:nvSpPr>
+        <p:spPr>
           <a:xfrm>
-            <a:off x="5587477" y="2758480"/>
-            <a:ext cx="1933575" cy="1085850"/>
+            <a:off x="2627784" y="1185806"/>
+            <a:ext cx="288032" cy="288032"/>
           </a:xfrm>
-          <a:prstGeom prst="rect">
+          <a:prstGeom prst="ellipse">
             <a:avLst/>
           </a:prstGeom>
-          <a:noFill/>
-          <a:ln>
-            <a:noFill/>
+          <a:solidFill>
+            <a:schemeClr val="accent2">
+              <a:lumMod val="20000"/>
+              <a:lumOff val="80000"/>
+            </a:schemeClr>
+          </a:solidFill>
+          <a:ln w="19050">
+            <a:solidFill>
+              <a:schemeClr val="accent2"/>
+            </a:solidFill>
           </a:ln>
-          <a:effectLst/>
-          <a:extLst>
-            <a:ext uri="{909E8E84-426E-40DD-AFC4-6F175D3DCCD1}">
-              <a14:hiddenFill xmlns:a14="http://schemas.microsoft.com/office/drawing/2010/main">
+        </p:spPr>
+        <p:style>
+          <a:lnRef idx="2">
+            <a:schemeClr val="accent1">
+              <a:shade val="50000"/>
+            </a:schemeClr>
+          </a:lnRef>
+          <a:fillRef idx="1">
+            <a:schemeClr val="accent1"/>
+          </a:fillRef>
+          <a:effectRef idx="0">
+            <a:schemeClr val="accent1"/>
+          </a:effectRef>
+          <a:fontRef idx="minor">
+            <a:schemeClr val="lt1"/>
+          </a:fontRef>
+        </p:style>
+        <p:txBody>
+          <a:bodyPr rtlCol="0" anchor="ctr"/>
+          <a:lstStyle/>
+          <a:p>
+            <a:pPr algn="ctr"/>
+            <a:r>
+              <a:rPr lang="fr-FR" sz="1400" b="1" dirty="0">
                 <a:solidFill>
-                  <a:schemeClr val="accent1"/>
+                  <a:schemeClr val="accent2"/>
                 </a:solidFill>
-              </a14:hiddenFill>
-            </a:ext>
-            <a:ext uri="{91240B29-F687-4F45-9708-019B960494DF}">
-              <a14:hiddenLine xmlns:a14="http://schemas.microsoft.com/office/drawing/2010/main" w="9525">
+              </a:rPr>
+              <a:t>2</a:t>
+            </a:r>
+          </a:p>
+        </p:txBody>
+      </p:sp>
+      <p:sp>
+        <p:nvSpPr>
+          <p:cNvPr id="40" name="Ellipse 39"/>
+          <p:cNvSpPr/>
+          <p:nvPr/>
+        </p:nvSpPr>
+        <p:spPr>
+          <a:xfrm>
+            <a:off x="1619672" y="1861722"/>
+            <a:ext cx="576064" cy="288032"/>
+          </a:xfrm>
+          <a:prstGeom prst="ellipse">
+            <a:avLst/>
+          </a:prstGeom>
+          <a:solidFill>
+            <a:schemeClr val="accent3">
+              <a:lumMod val="20000"/>
+              <a:lumOff val="80000"/>
+            </a:schemeClr>
+          </a:solidFill>
+          <a:ln w="19050">
+            <a:solidFill>
+              <a:schemeClr val="accent3"/>
+            </a:solidFill>
+          </a:ln>
+        </p:spPr>
+        <p:style>
+          <a:lnRef idx="2">
+            <a:schemeClr val="accent1">
+              <a:shade val="50000"/>
+            </a:schemeClr>
+          </a:lnRef>
+          <a:fillRef idx="1">
+            <a:schemeClr val="accent1"/>
+          </a:fillRef>
+          <a:effectRef idx="0">
+            <a:schemeClr val="accent1"/>
+          </a:effectRef>
+          <a:fontRef idx="minor">
+            <a:schemeClr val="lt1"/>
+          </a:fontRef>
+        </p:style>
+        <p:txBody>
+          <a:bodyPr rtlCol="0" anchor="ctr"/>
+          <a:lstStyle/>
+          <a:p>
+            <a:pPr algn="ctr"/>
+            <a:r>
+              <a:rPr lang="fr-FR" sz="1050" b="1" i="1" dirty="0" err="1" smtClean="0">
                 <a:solidFill>
-                  <a:schemeClr val="tx1"/>
+                  <a:schemeClr val="accent3"/>
                 </a:solidFill>
-                <a:miter lim="800000"/>
-                <a:headEnd/>
-                <a:tailEnd/>
-              </a14:hiddenLine>
-            </a:ext>
-            <a:ext uri="{AF507438-7753-43E0-B8FC-AC1667EBCBE1}">
-              <a14:hiddenEffects xmlns:a14="http://schemas.microsoft.com/office/drawing/2010/main">
-                <a:effectLst>
-                  <a:outerShdw dist="35921" dir="2700000" algn="ctr" rotWithShape="0">
-                    <a:schemeClr val="bg2"/>
-                  </a:outerShdw>
-                </a:effectLst>
-              </a14:hiddenEffects>
-            </a:ext>
-          </a:extLst>
+              </a:rPr>
+              <a:t>sre</a:t>
+            </a:r>
+            <a:endParaRPr lang="fr-FR" sz="1050" b="1" i="1" dirty="0">
+              <a:solidFill>
+                <a:schemeClr val="accent3"/>
+              </a:solidFill>
+            </a:endParaRPr>
+          </a:p>
+        </p:txBody>
+      </p:sp>
+      <p:cxnSp>
+        <p:nvCxnSpPr>
+          <p:cNvPr id="43" name="Connecteur droit 42"/>
+          <p:cNvCxnSpPr>
+            <a:stCxn id="5" idx="2"/>
+            <a:endCxn id="9" idx="6"/>
+          </p:cNvCxnSpPr>
+          <p:nvPr/>
+        </p:nvCxnSpPr>
+        <p:spPr>
+          <a:xfrm flipH="1">
+            <a:off x="1187624" y="1329822"/>
+            <a:ext cx="576064" cy="0"/>
+          </a:xfrm>
+          <a:prstGeom prst="line">
+            <a:avLst/>
+          </a:prstGeom>
+          <a:ln w="19050">
+            <a:solidFill>
+              <a:schemeClr val="tx1"/>
+            </a:solidFill>
+          </a:ln>
         </p:spPr>
-      </p:pic>
+        <p:style>
+          <a:lnRef idx="1">
+            <a:schemeClr val="accent1"/>
+          </a:lnRef>
+          <a:fillRef idx="0">
+            <a:schemeClr val="accent1"/>
+          </a:fillRef>
+          <a:effectRef idx="0">
+            <a:schemeClr val="accent1"/>
+          </a:effectRef>
+          <a:fontRef idx="minor">
+            <a:schemeClr val="tx1"/>
+          </a:fontRef>
+        </p:style>
+      </p:cxnSp>
+      <p:cxnSp>
+        <p:nvCxnSpPr>
+          <p:cNvPr id="46" name="Connecteur droit 45"/>
+          <p:cNvCxnSpPr>
+            <a:stCxn id="40" idx="1"/>
+            <a:endCxn id="9" idx="5"/>
+          </p:cNvCxnSpPr>
+          <p:nvPr/>
+        </p:nvCxnSpPr>
+        <p:spPr>
+          <a:xfrm flipH="1" flipV="1">
+            <a:off x="1145443" y="1431657"/>
+            <a:ext cx="558592" cy="472246"/>
+          </a:xfrm>
+          <a:prstGeom prst="line">
+            <a:avLst/>
+          </a:prstGeom>
+          <a:ln w="19050">
+            <a:solidFill>
+              <a:schemeClr val="tx1"/>
+            </a:solidFill>
+          </a:ln>
+        </p:spPr>
+        <p:style>
+          <a:lnRef idx="1">
+            <a:schemeClr val="accent1"/>
+          </a:lnRef>
+          <a:fillRef idx="0">
+            <a:schemeClr val="accent1"/>
+          </a:fillRef>
+          <a:effectRef idx="0">
+            <a:schemeClr val="accent1"/>
+          </a:effectRef>
+          <a:fontRef idx="minor">
+            <a:schemeClr val="tx1"/>
+          </a:fontRef>
+        </p:style>
+      </p:cxnSp>
+      <p:cxnSp>
+        <p:nvCxnSpPr>
+          <p:cNvPr id="49" name="Connecteur droit 48"/>
+          <p:cNvCxnSpPr>
+            <a:stCxn id="60" idx="7"/>
+            <a:endCxn id="40" idx="3"/>
+          </p:cNvCxnSpPr>
+          <p:nvPr/>
+        </p:nvCxnSpPr>
+        <p:spPr>
+          <a:xfrm flipV="1">
+            <a:off x="1250119" y="2107573"/>
+            <a:ext cx="453916" cy="438293"/>
+          </a:xfrm>
+          <a:prstGeom prst="line">
+            <a:avLst/>
+          </a:prstGeom>
+          <a:ln w="19050">
+            <a:solidFill>
+              <a:schemeClr val="tx1"/>
+            </a:solidFill>
+          </a:ln>
+        </p:spPr>
+        <p:style>
+          <a:lnRef idx="1">
+            <a:schemeClr val="accent1"/>
+          </a:lnRef>
+          <a:fillRef idx="0">
+            <a:schemeClr val="accent1"/>
+          </a:fillRef>
+          <a:effectRef idx="0">
+            <a:schemeClr val="accent1"/>
+          </a:effectRef>
+          <a:fontRef idx="minor">
+            <a:schemeClr val="tx1"/>
+          </a:fontRef>
+        </p:style>
+      </p:cxnSp>
+      <p:sp>
+        <p:nvSpPr>
+          <p:cNvPr id="60" name="Ellipse 59"/>
+          <p:cNvSpPr/>
+          <p:nvPr/>
+        </p:nvSpPr>
+        <p:spPr>
+          <a:xfrm>
+            <a:off x="774978" y="2503685"/>
+            <a:ext cx="556662" cy="288032"/>
+          </a:xfrm>
+          <a:prstGeom prst="ellipse">
+            <a:avLst/>
+          </a:prstGeom>
+          <a:solidFill>
+            <a:schemeClr val="accent6">
+              <a:lumMod val="20000"/>
+              <a:lumOff val="80000"/>
+            </a:schemeClr>
+          </a:solidFill>
+          <a:ln w="19050">
+            <a:solidFill>
+              <a:schemeClr val="accent6">
+                <a:lumMod val="50000"/>
+              </a:schemeClr>
+            </a:solidFill>
+          </a:ln>
+        </p:spPr>
+        <p:style>
+          <a:lnRef idx="2">
+            <a:schemeClr val="accent1">
+              <a:shade val="50000"/>
+            </a:schemeClr>
+          </a:lnRef>
+          <a:fillRef idx="1">
+            <a:schemeClr val="accent1"/>
+          </a:fillRef>
+          <a:effectRef idx="0">
+            <a:schemeClr val="accent1"/>
+          </a:effectRef>
+          <a:fontRef idx="minor">
+            <a:schemeClr val="lt1"/>
+          </a:fontRef>
+        </p:style>
+        <p:txBody>
+          <a:bodyPr rtlCol="0" anchor="ctr"/>
+          <a:lstStyle/>
+          <a:p>
+            <a:pPr algn="ctr"/>
+            <a:r>
+              <a:rPr lang="fr-FR" sz="1000" b="1" dirty="0" smtClean="0">
+                <a:solidFill>
+                  <a:sysClr val="windowText" lastClr="000000"/>
+                </a:solidFill>
+              </a:rPr>
+              <a:t>re</a:t>
+            </a:r>
+            <a:r>
+              <a:rPr lang="fr-FR" sz="1000" b="1" baseline="-25000" dirty="0" smtClean="0">
+                <a:solidFill>
+                  <a:sysClr val="windowText" lastClr="000000"/>
+                </a:solidFill>
+              </a:rPr>
+              <a:t>1</a:t>
+            </a:r>
+            <a:endParaRPr lang="fr-FR" sz="1000" b="1" baseline="-25000" dirty="0">
+              <a:solidFill>
+                <a:sysClr val="windowText" lastClr="000000"/>
+              </a:solidFill>
+            </a:endParaRPr>
+          </a:p>
+        </p:txBody>
+      </p:sp>
+      <p:cxnSp>
+        <p:nvCxnSpPr>
+          <p:cNvPr id="63" name="Connecteur droit 62"/>
+          <p:cNvCxnSpPr>
+            <a:stCxn id="40" idx="7"/>
+            <a:endCxn id="38" idx="3"/>
+          </p:cNvCxnSpPr>
+          <p:nvPr/>
+        </p:nvCxnSpPr>
+        <p:spPr>
+          <a:xfrm flipV="1">
+            <a:off x="2111373" y="1431657"/>
+            <a:ext cx="558592" cy="472246"/>
+          </a:xfrm>
+          <a:prstGeom prst="line">
+            <a:avLst/>
+          </a:prstGeom>
+          <a:ln w="19050">
+            <a:solidFill>
+              <a:schemeClr val="tx1"/>
+            </a:solidFill>
+          </a:ln>
+        </p:spPr>
+        <p:style>
+          <a:lnRef idx="1">
+            <a:schemeClr val="accent1"/>
+          </a:lnRef>
+          <a:fillRef idx="0">
+            <a:schemeClr val="accent1"/>
+          </a:fillRef>
+          <a:effectRef idx="0">
+            <a:schemeClr val="accent1"/>
+          </a:effectRef>
+          <a:fontRef idx="minor">
+            <a:schemeClr val="tx1"/>
+          </a:fontRef>
+        </p:style>
+      </p:cxnSp>
+      <p:cxnSp>
+        <p:nvCxnSpPr>
+          <p:cNvPr id="66" name="Connecteur droit 65"/>
+          <p:cNvCxnSpPr>
+            <a:stCxn id="67" idx="1"/>
+            <a:endCxn id="40" idx="5"/>
+          </p:cNvCxnSpPr>
+          <p:nvPr/>
+        </p:nvCxnSpPr>
+        <p:spPr>
+          <a:xfrm flipH="1" flipV="1">
+            <a:off x="2111373" y="2107573"/>
+            <a:ext cx="463617" cy="438293"/>
+          </a:xfrm>
+          <a:prstGeom prst="line">
+            <a:avLst/>
+          </a:prstGeom>
+          <a:ln w="19050">
+            <a:solidFill>
+              <a:schemeClr val="tx1"/>
+            </a:solidFill>
+          </a:ln>
+        </p:spPr>
+        <p:style>
+          <a:lnRef idx="1">
+            <a:schemeClr val="accent1"/>
+          </a:lnRef>
+          <a:fillRef idx="0">
+            <a:schemeClr val="accent1"/>
+          </a:fillRef>
+          <a:effectRef idx="0">
+            <a:schemeClr val="accent1"/>
+          </a:effectRef>
+          <a:fontRef idx="minor">
+            <a:schemeClr val="tx1"/>
+          </a:fontRef>
+        </p:style>
+      </p:cxnSp>
+      <p:sp>
+        <p:nvSpPr>
+          <p:cNvPr id="67" name="Ellipse 66"/>
+          <p:cNvSpPr/>
+          <p:nvPr/>
+        </p:nvSpPr>
+        <p:spPr>
+          <a:xfrm>
+            <a:off x="2493469" y="2503685"/>
+            <a:ext cx="556662" cy="288032"/>
+          </a:xfrm>
+          <a:prstGeom prst="ellipse">
+            <a:avLst/>
+          </a:prstGeom>
+          <a:solidFill>
+            <a:schemeClr val="accent6">
+              <a:lumMod val="20000"/>
+              <a:lumOff val="80000"/>
+            </a:schemeClr>
+          </a:solidFill>
+          <a:ln w="19050">
+            <a:solidFill>
+              <a:schemeClr val="accent6">
+                <a:lumMod val="50000"/>
+              </a:schemeClr>
+            </a:solidFill>
+          </a:ln>
+        </p:spPr>
+        <p:style>
+          <a:lnRef idx="2">
+            <a:schemeClr val="accent1">
+              <a:shade val="50000"/>
+            </a:schemeClr>
+          </a:lnRef>
+          <a:fillRef idx="1">
+            <a:schemeClr val="accent1"/>
+          </a:fillRef>
+          <a:effectRef idx="0">
+            <a:schemeClr val="accent1"/>
+          </a:effectRef>
+          <a:fontRef idx="minor">
+            <a:schemeClr val="lt1"/>
+          </a:fontRef>
+        </p:style>
+        <p:txBody>
+          <a:bodyPr rtlCol="0" anchor="ctr"/>
+          <a:lstStyle/>
+          <a:p>
+            <a:pPr algn="ctr"/>
+            <a:r>
+              <a:rPr lang="fr-FR" sz="1000" b="1" dirty="0" smtClean="0">
+                <a:solidFill>
+                  <a:sysClr val="windowText" lastClr="000000"/>
+                </a:solidFill>
+              </a:rPr>
+              <a:t>re</a:t>
+            </a:r>
+            <a:r>
+              <a:rPr lang="fr-FR" sz="1000" b="1" baseline="-25000" dirty="0" smtClean="0">
+                <a:solidFill>
+                  <a:sysClr val="windowText" lastClr="000000"/>
+                </a:solidFill>
+              </a:rPr>
+              <a:t>2</a:t>
+            </a:r>
+            <a:endParaRPr lang="fr-FR" sz="1000" b="1" baseline="-25000" dirty="0">
+              <a:solidFill>
+                <a:sysClr val="windowText" lastClr="000000"/>
+              </a:solidFill>
+            </a:endParaRPr>
+          </a:p>
+        </p:txBody>
+      </p:sp>
+      <p:sp>
+        <p:nvSpPr>
+          <p:cNvPr id="71" name="Ellipse 70"/>
+          <p:cNvSpPr/>
+          <p:nvPr/>
+        </p:nvSpPr>
+        <p:spPr>
+          <a:xfrm>
+            <a:off x="1763688" y="2967782"/>
+            <a:ext cx="288032" cy="288032"/>
+          </a:xfrm>
+          <a:prstGeom prst="ellipse">
+            <a:avLst/>
+          </a:prstGeom>
+          <a:solidFill>
+            <a:schemeClr val="tx2">
+              <a:lumMod val="20000"/>
+              <a:lumOff val="80000"/>
+            </a:schemeClr>
+          </a:solidFill>
+          <a:ln w="19050">
+            <a:solidFill>
+              <a:schemeClr val="tx2"/>
+            </a:solidFill>
+          </a:ln>
+        </p:spPr>
+        <p:style>
+          <a:lnRef idx="2">
+            <a:schemeClr val="accent1">
+              <a:shade val="50000"/>
+            </a:schemeClr>
+          </a:lnRef>
+          <a:fillRef idx="1">
+            <a:schemeClr val="accent1"/>
+          </a:fillRef>
+          <a:effectRef idx="0">
+            <a:schemeClr val="accent1"/>
+          </a:effectRef>
+          <a:fontRef idx="minor">
+            <a:schemeClr val="lt1"/>
+          </a:fontRef>
+        </p:style>
+        <p:txBody>
+          <a:bodyPr rtlCol="0" anchor="ctr"/>
+          <a:lstStyle/>
+          <a:p>
+            <a:pPr algn="ctr"/>
+            <a:r>
+              <a:rPr lang="fr-FR" sz="1400" b="1" dirty="0">
+                <a:solidFill>
+                  <a:schemeClr val="tx2"/>
+                </a:solidFill>
+              </a:rPr>
+              <a:t>3</a:t>
+            </a:r>
+            <a:endParaRPr lang="fr-FR" sz="1400" b="1" dirty="0">
+              <a:solidFill>
+                <a:schemeClr val="tx2"/>
+              </a:solidFill>
+            </a:endParaRPr>
+          </a:p>
+        </p:txBody>
+      </p:sp>
+      <p:cxnSp>
+        <p:nvCxnSpPr>
+          <p:cNvPr id="72" name="Connecteur droit 71"/>
+          <p:cNvCxnSpPr>
+            <a:stCxn id="71" idx="6"/>
+            <a:endCxn id="67" idx="3"/>
+          </p:cNvCxnSpPr>
+          <p:nvPr/>
+        </p:nvCxnSpPr>
+        <p:spPr>
+          <a:xfrm flipV="1">
+            <a:off x="2051720" y="2749536"/>
+            <a:ext cx="523270" cy="362262"/>
+          </a:xfrm>
+          <a:prstGeom prst="line">
+            <a:avLst/>
+          </a:prstGeom>
+          <a:ln w="19050">
+            <a:solidFill>
+              <a:schemeClr val="tx1"/>
+            </a:solidFill>
+          </a:ln>
+        </p:spPr>
+        <p:style>
+          <a:lnRef idx="1">
+            <a:schemeClr val="accent1"/>
+          </a:lnRef>
+          <a:fillRef idx="0">
+            <a:schemeClr val="accent1"/>
+          </a:fillRef>
+          <a:effectRef idx="0">
+            <a:schemeClr val="accent1"/>
+          </a:effectRef>
+          <a:fontRef idx="minor">
+            <a:schemeClr val="tx1"/>
+          </a:fontRef>
+        </p:style>
+      </p:cxnSp>
+      <p:cxnSp>
+        <p:nvCxnSpPr>
+          <p:cNvPr id="73" name="Connecteur droit 72"/>
+          <p:cNvCxnSpPr>
+            <a:stCxn id="71" idx="2"/>
+            <a:endCxn id="60" idx="5"/>
+          </p:cNvCxnSpPr>
+          <p:nvPr/>
+        </p:nvCxnSpPr>
+        <p:spPr>
+          <a:xfrm flipH="1" flipV="1">
+            <a:off x="1250119" y="2749536"/>
+            <a:ext cx="513569" cy="362262"/>
+          </a:xfrm>
+          <a:prstGeom prst="line">
+            <a:avLst/>
+          </a:prstGeom>
+          <a:ln w="19050">
+            <a:solidFill>
+              <a:schemeClr val="tx1"/>
+            </a:solidFill>
+          </a:ln>
+        </p:spPr>
+        <p:style>
+          <a:lnRef idx="1">
+            <a:schemeClr val="accent1"/>
+          </a:lnRef>
+          <a:fillRef idx="0">
+            <a:schemeClr val="accent1"/>
+          </a:fillRef>
+          <a:effectRef idx="0">
+            <a:schemeClr val="accent1"/>
+          </a:effectRef>
+          <a:fontRef idx="minor">
+            <a:schemeClr val="tx1"/>
+          </a:fontRef>
+        </p:style>
+      </p:cxnSp>
+      <mc:AlternateContent xmlns:mc="http://schemas.openxmlformats.org/markup-compatibility/2006">
+        <mc:Choice xmlns:a14="http://schemas.microsoft.com/office/drawing/2010/main" Requires="a14">
+          <p:sp>
+            <p:nvSpPr>
+              <p:cNvPr id="79" name="ZoneTexte 78"/>
+              <p:cNvSpPr txBox="1"/>
+              <p:nvPr/>
+            </p:nvSpPr>
+            <p:spPr>
+              <a:xfrm rot="-2700000">
+                <a:off x="1235172" y="813483"/>
+                <a:ext cx="888128" cy="261610"/>
+              </a:xfrm>
+              <a:prstGeom prst="rect">
+                <a:avLst/>
+              </a:prstGeom>
+              <a:noFill/>
+            </p:spPr>
+            <p:txBody>
+              <a:bodyPr wrap="none" rtlCol="0">
+                <a:spAutoFit/>
+              </a:bodyPr>
+              <a:lstStyle/>
+              <a:p>
+                <a:r>
+                  <a:rPr lang="fr-FR" sz="1100" b="0" dirty="0" smtClean="0"/>
+                  <a:t>Sphérique</a:t>
+                </a:r>
+                <a14:m>
+                  <m:oMath xmlns:m="http://schemas.openxmlformats.org/officeDocument/2006/math">
+                    <m:r>
+                      <a:rPr lang="fr-FR" sz="1100" b="0" i="0" smtClean="0">
+                        <a:latin typeface="Cambria Math"/>
+                      </a:rPr>
+                      <m:t> </m:t>
+                    </m:r>
+                    <m:r>
+                      <a:rPr lang="fr-FR" sz="1100" b="0" i="1" smtClean="0">
+                        <a:latin typeface="Cambria Math"/>
+                      </a:rPr>
+                      <m:t>𝐴</m:t>
+                    </m:r>
+                  </m:oMath>
+                </a14:m>
+                <a:endParaRPr lang="fr-FR" sz="1100" dirty="0"/>
+              </a:p>
+            </p:txBody>
+          </p:sp>
+        </mc:Choice>
+        <mc:Fallback>
+          <p:sp>
+            <p:nvSpPr>
+              <p:cNvPr id="79" name="ZoneTexte 78"/>
+              <p:cNvSpPr txBox="1">
+                <a:spLocks noRot="1" noChangeAspect="1" noMove="1" noResize="1" noEditPoints="1" noAdjustHandles="1" noChangeArrowheads="1" noChangeShapeType="1" noTextEdit="1"/>
+              </p:cNvSpPr>
+              <p:nvPr/>
+            </p:nvSpPr>
+            <p:spPr>
+              <a:xfrm rot="-2700000">
+                <a:off x="1235172" y="813483"/>
+                <a:ext cx="888128" cy="261610"/>
+              </a:xfrm>
+              <a:prstGeom prst="rect">
+                <a:avLst/>
+              </a:prstGeom>
+              <a:blipFill rotWithShape="1">
+                <a:blip r:embed="rId12"/>
+                <a:stretch>
+                  <a:fillRect b="-2985"/>
+                </a:stretch>
+              </a:blipFill>
+            </p:spPr>
+            <p:txBody>
+              <a:bodyPr/>
+              <a:lstStyle/>
+              <a:p>
+                <a:r>
+                  <a:rPr lang="fr-FR">
+                    <a:noFill/>
+                  </a:rPr>
+                  <a:t> </a:t>
+                </a:r>
+              </a:p>
+            </p:txBody>
+          </p:sp>
+        </mc:Fallback>
+      </mc:AlternateContent>
+      <mc:AlternateContent xmlns:mc="http://schemas.openxmlformats.org/markup-compatibility/2006">
+        <mc:Choice xmlns:a14="http://schemas.microsoft.com/office/drawing/2010/main" Requires="a14">
+          <p:sp>
+            <p:nvSpPr>
+              <p:cNvPr id="80" name="ZoneTexte 79"/>
+              <p:cNvSpPr txBox="1"/>
+              <p:nvPr/>
+            </p:nvSpPr>
+            <p:spPr>
+              <a:xfrm>
+                <a:off x="2313355" y="1654049"/>
+                <a:ext cx="893771" cy="261610"/>
+              </a:xfrm>
+              <a:prstGeom prst="rect">
+                <a:avLst/>
+              </a:prstGeom>
+              <a:noFill/>
+            </p:spPr>
+            <p:txBody>
+              <a:bodyPr wrap="none" rtlCol="0">
+                <a:spAutoFit/>
+              </a:bodyPr>
+              <a:lstStyle/>
+              <a:p>
+                <a:r>
+                  <a:rPr lang="fr-FR" sz="1100" b="0" dirty="0" smtClean="0"/>
+                  <a:t>Sphérique</a:t>
+                </a:r>
+                <a14:m>
+                  <m:oMath xmlns:m="http://schemas.openxmlformats.org/officeDocument/2006/math">
+                    <m:r>
+                      <a:rPr lang="fr-FR" sz="1100" b="0" i="0" smtClean="0">
+                        <a:latin typeface="Cambria Math"/>
+                      </a:rPr>
+                      <m:t> </m:t>
+                    </m:r>
+                    <m:r>
+                      <a:rPr lang="fr-FR" sz="1100" b="0" i="1" smtClean="0">
+                        <a:latin typeface="Cambria Math"/>
+                      </a:rPr>
+                      <m:t>𝐵</m:t>
+                    </m:r>
+                  </m:oMath>
+                </a14:m>
+                <a:endParaRPr lang="fr-FR" sz="1100" dirty="0"/>
+              </a:p>
+            </p:txBody>
+          </p:sp>
+        </mc:Choice>
+        <mc:Fallback>
+          <p:sp>
+            <p:nvSpPr>
+              <p:cNvPr id="80" name="ZoneTexte 79"/>
+              <p:cNvSpPr txBox="1">
+                <a:spLocks noRot="1" noChangeAspect="1" noMove="1" noResize="1" noEditPoints="1" noAdjustHandles="1" noChangeArrowheads="1" noChangeShapeType="1" noTextEdit="1"/>
+              </p:cNvSpPr>
+              <p:nvPr/>
+            </p:nvSpPr>
+            <p:spPr>
+              <a:xfrm>
+                <a:off x="2313355" y="1654049"/>
+                <a:ext cx="893771" cy="261610"/>
+              </a:xfrm>
+              <a:prstGeom prst="rect">
+                <a:avLst/>
+              </a:prstGeom>
+              <a:blipFill rotWithShape="1">
+                <a:blip r:embed="rId13"/>
+                <a:stretch>
+                  <a:fillRect b="-16279"/>
+                </a:stretch>
+              </a:blipFill>
+            </p:spPr>
+            <p:txBody>
+              <a:bodyPr/>
+              <a:lstStyle/>
+              <a:p>
+                <a:r>
+                  <a:rPr lang="fr-FR">
+                    <a:noFill/>
+                  </a:rPr>
+                  <a:t> </a:t>
+                </a:r>
+              </a:p>
+            </p:txBody>
+          </p:sp>
+        </mc:Fallback>
+      </mc:AlternateContent>
+      <mc:AlternateContent xmlns:mc="http://schemas.openxmlformats.org/markup-compatibility/2006">
+        <mc:Choice xmlns:a14="http://schemas.microsoft.com/office/drawing/2010/main" Requires="a14">
+          <p:sp>
+            <p:nvSpPr>
+              <p:cNvPr id="82" name="ZoneTexte 81"/>
+              <p:cNvSpPr txBox="1"/>
+              <p:nvPr/>
+            </p:nvSpPr>
+            <p:spPr>
+              <a:xfrm rot="-2700000">
+                <a:off x="2082118" y="767264"/>
+                <a:ext cx="1039708" cy="296876"/>
+              </a:xfrm>
+              <a:prstGeom prst="rect">
+                <a:avLst/>
+              </a:prstGeom>
+              <a:noFill/>
+            </p:spPr>
+            <p:txBody>
+              <a:bodyPr wrap="none" rtlCol="0">
+                <a:spAutoFit/>
+              </a:bodyPr>
+              <a:lstStyle/>
+              <a:p>
+                <a:r>
+                  <a:rPr lang="fr-FR" sz="1100" b="0" dirty="0" smtClean="0"/>
+                  <a:t>Pivot </a:t>
+                </a:r>
+                <a:r>
+                  <a:rPr lang="fr-FR" sz="1100" b="0" dirty="0" err="1" smtClean="0"/>
+                  <a:t>Gli</a:t>
+                </a:r>
+                <a:r>
+                  <a:rPr lang="fr-FR" sz="1100" b="0" dirty="0" smtClean="0"/>
+                  <a:t>. </a:t>
+                </a:r>
+                <a14:m>
+                  <m:oMath xmlns:m="http://schemas.openxmlformats.org/officeDocument/2006/math">
+                    <m:d>
+                      <m:dPr>
+                        <m:ctrlPr>
+                          <a:rPr lang="fr-FR" sz="1100" b="0" i="1" smtClean="0">
+                            <a:latin typeface="Cambria Math"/>
+                          </a:rPr>
+                        </m:ctrlPr>
+                      </m:dPr>
+                      <m:e>
+                        <m:acc>
+                          <m:accPr>
+                            <m:chr m:val="⃗"/>
+                            <m:ctrlPr>
+                              <a:rPr lang="fr-FR" sz="1100" b="0" i="1" smtClean="0">
+                                <a:latin typeface="Cambria Math"/>
+                              </a:rPr>
+                            </m:ctrlPr>
+                          </m:accPr>
+                          <m:e>
+                            <m:r>
+                              <a:rPr lang="fr-FR" sz="1100" b="0" i="1" smtClean="0">
+                                <a:latin typeface="Cambria Math"/>
+                              </a:rPr>
+                              <m:t>𝐴𝐵</m:t>
+                            </m:r>
+                          </m:e>
+                        </m:acc>
+                      </m:e>
+                    </m:d>
+                  </m:oMath>
+                </a14:m>
+                <a:endParaRPr lang="fr-FR" sz="1100" dirty="0"/>
+              </a:p>
+            </p:txBody>
+          </p:sp>
+        </mc:Choice>
+        <mc:Fallback>
+          <p:sp>
+            <p:nvSpPr>
+              <p:cNvPr id="82" name="ZoneTexte 81"/>
+              <p:cNvSpPr txBox="1">
+                <a:spLocks noRot="1" noChangeAspect="1" noMove="1" noResize="1" noEditPoints="1" noAdjustHandles="1" noChangeArrowheads="1" noChangeShapeType="1" noTextEdit="1"/>
+              </p:cNvSpPr>
+              <p:nvPr/>
+            </p:nvSpPr>
+            <p:spPr>
+              <a:xfrm rot="-2700000">
+                <a:off x="2082118" y="767264"/>
+                <a:ext cx="1039708" cy="296876"/>
+              </a:xfrm>
+              <a:prstGeom prst="rect">
+                <a:avLst/>
+              </a:prstGeom>
+              <a:blipFill rotWithShape="1">
+                <a:blip r:embed="rId14"/>
+                <a:stretch>
+                  <a:fillRect b="-1923"/>
+                </a:stretch>
+              </a:blipFill>
+            </p:spPr>
+            <p:txBody>
+              <a:bodyPr/>
+              <a:lstStyle/>
+              <a:p>
+                <a:r>
+                  <a:rPr lang="fr-FR">
+                    <a:noFill/>
+                  </a:rPr>
+                  <a:t> </a:t>
+                </a:r>
+              </a:p>
+            </p:txBody>
+          </p:sp>
+        </mc:Fallback>
+      </mc:AlternateContent>
+      <mc:AlternateContent xmlns:mc="http://schemas.openxmlformats.org/markup-compatibility/2006">
+        <mc:Choice xmlns:a14="http://schemas.microsoft.com/office/drawing/2010/main" Requires="a14">
+          <p:sp>
+            <p:nvSpPr>
+              <p:cNvPr id="83" name="ZoneTexte 82"/>
+              <p:cNvSpPr txBox="1"/>
+              <p:nvPr/>
+            </p:nvSpPr>
+            <p:spPr>
+              <a:xfrm>
+                <a:off x="2390669" y="2145537"/>
+                <a:ext cx="969240" cy="261610"/>
+              </a:xfrm>
+              <a:prstGeom prst="rect">
+                <a:avLst/>
+              </a:prstGeom>
+              <a:noFill/>
+            </p:spPr>
+            <p:txBody>
+              <a:bodyPr wrap="none" rtlCol="0">
+                <a:spAutoFit/>
+              </a:bodyPr>
+              <a:lstStyle/>
+              <a:p>
+                <a:r>
+                  <a:rPr lang="fr-FR" sz="1100" b="0" dirty="0" smtClean="0"/>
+                  <a:t>Pivot </a:t>
+                </a:r>
+                <a14:m>
+                  <m:oMath xmlns:m="http://schemas.openxmlformats.org/officeDocument/2006/math">
+                    <m:d>
+                      <m:dPr>
+                        <m:ctrlPr>
+                          <a:rPr lang="fr-FR" sz="1100" b="0" i="1" smtClean="0">
+                            <a:latin typeface="Cambria Math"/>
+                          </a:rPr>
+                        </m:ctrlPr>
+                      </m:dPr>
+                      <m:e>
+                        <m:sSub>
+                          <m:sSubPr>
+                            <m:ctrlPr>
+                              <a:rPr lang="fr-FR" sz="1100" b="0" i="1" smtClean="0">
+                                <a:latin typeface="Cambria Math"/>
+                              </a:rPr>
+                            </m:ctrlPr>
+                          </m:sSubPr>
+                          <m:e>
+                            <m:r>
+                              <a:rPr lang="fr-FR" sz="1100" b="0" i="1" smtClean="0">
+                                <a:latin typeface="Cambria Math"/>
+                              </a:rPr>
+                              <m:t>𝑂</m:t>
+                            </m:r>
+                          </m:e>
+                          <m:sub>
+                            <m:r>
+                              <a:rPr lang="fr-FR" sz="1100" b="0" i="1" smtClean="0">
+                                <a:latin typeface="Cambria Math"/>
+                              </a:rPr>
+                              <m:t>2</m:t>
+                            </m:r>
+                          </m:sub>
+                        </m:sSub>
+                        <m:r>
+                          <a:rPr lang="fr-FR" sz="1100" b="0" i="1" smtClean="0">
+                            <a:latin typeface="Cambria Math"/>
+                          </a:rPr>
+                          <m:t>,</m:t>
+                        </m:r>
+                        <m:acc>
+                          <m:accPr>
+                            <m:chr m:val="⃗"/>
+                            <m:ctrlPr>
+                              <a:rPr lang="fr-FR" sz="1100" b="0" i="1" smtClean="0">
+                                <a:latin typeface="Cambria Math"/>
+                              </a:rPr>
+                            </m:ctrlPr>
+                          </m:accPr>
+                          <m:e>
+                            <m:sSub>
+                              <m:sSubPr>
+                                <m:ctrlPr>
+                                  <a:rPr lang="fr-FR" sz="1100" b="0" i="1" smtClean="0">
+                                    <a:latin typeface="Cambria Math"/>
+                                  </a:rPr>
+                                </m:ctrlPr>
+                              </m:sSubPr>
+                              <m:e>
+                                <m:r>
+                                  <a:rPr lang="fr-FR" sz="1100" b="0" i="1" smtClean="0">
+                                    <a:latin typeface="Cambria Math"/>
+                                  </a:rPr>
+                                  <m:t>𝑦</m:t>
+                                </m:r>
+                              </m:e>
+                              <m:sub>
+                                <m:r>
+                                  <a:rPr lang="fr-FR" sz="1100" b="0" i="1" smtClean="0">
+                                    <a:latin typeface="Cambria Math"/>
+                                  </a:rPr>
+                                  <m:t>0</m:t>
+                                </m:r>
+                              </m:sub>
+                            </m:sSub>
+                          </m:e>
+                        </m:acc>
+                      </m:e>
+                    </m:d>
+                  </m:oMath>
+                </a14:m>
+                <a:endParaRPr lang="fr-FR" sz="1100" dirty="0"/>
+              </a:p>
+            </p:txBody>
+          </p:sp>
+        </mc:Choice>
+        <mc:Fallback>
+          <p:sp>
+            <p:nvSpPr>
+              <p:cNvPr id="83" name="ZoneTexte 82"/>
+              <p:cNvSpPr txBox="1">
+                <a:spLocks noRot="1" noChangeAspect="1" noMove="1" noResize="1" noEditPoints="1" noAdjustHandles="1" noChangeArrowheads="1" noChangeShapeType="1" noTextEdit="1"/>
+              </p:cNvSpPr>
+              <p:nvPr/>
+            </p:nvSpPr>
+            <p:spPr>
+              <a:xfrm>
+                <a:off x="2390669" y="2145537"/>
+                <a:ext cx="969240" cy="261610"/>
+              </a:xfrm>
+              <a:prstGeom prst="rect">
+                <a:avLst/>
+              </a:prstGeom>
+              <a:blipFill rotWithShape="1">
+                <a:blip r:embed="rId15"/>
+                <a:stretch>
+                  <a:fillRect b="-16279"/>
+                </a:stretch>
+              </a:blipFill>
+            </p:spPr>
+            <p:txBody>
+              <a:bodyPr/>
+              <a:lstStyle/>
+              <a:p>
+                <a:r>
+                  <a:rPr lang="fr-FR">
+                    <a:noFill/>
+                  </a:rPr>
+                  <a:t> </a:t>
+                </a:r>
+              </a:p>
+            </p:txBody>
+          </p:sp>
+        </mc:Fallback>
+      </mc:AlternateContent>
+      <mc:AlternateContent xmlns:mc="http://schemas.openxmlformats.org/markup-compatibility/2006">
+        <mc:Choice xmlns:a14="http://schemas.microsoft.com/office/drawing/2010/main" Requires="a14">
+          <p:sp>
+            <p:nvSpPr>
+              <p:cNvPr id="84" name="ZoneTexte 83"/>
+              <p:cNvSpPr txBox="1"/>
+              <p:nvPr/>
+            </p:nvSpPr>
+            <p:spPr>
+              <a:xfrm>
+                <a:off x="604380" y="2107573"/>
+                <a:ext cx="965970" cy="261610"/>
+              </a:xfrm>
+              <a:prstGeom prst="rect">
+                <a:avLst/>
+              </a:prstGeom>
+              <a:noFill/>
+            </p:spPr>
+            <p:txBody>
+              <a:bodyPr wrap="none" rtlCol="0">
+                <a:spAutoFit/>
+              </a:bodyPr>
+              <a:lstStyle/>
+              <a:p>
+                <a:r>
+                  <a:rPr lang="fr-FR" sz="1100" b="0" dirty="0" smtClean="0"/>
+                  <a:t>Pivot </a:t>
+                </a:r>
+                <a14:m>
+                  <m:oMath xmlns:m="http://schemas.openxmlformats.org/officeDocument/2006/math">
+                    <m:d>
+                      <m:dPr>
+                        <m:ctrlPr>
+                          <a:rPr lang="fr-FR" sz="1100" b="0" i="1" smtClean="0">
+                            <a:latin typeface="Cambria Math"/>
+                          </a:rPr>
+                        </m:ctrlPr>
+                      </m:dPr>
+                      <m:e>
+                        <m:sSub>
+                          <m:sSubPr>
+                            <m:ctrlPr>
+                              <a:rPr lang="fr-FR" sz="1100" b="0" i="1" smtClean="0">
+                                <a:latin typeface="Cambria Math"/>
+                              </a:rPr>
+                            </m:ctrlPr>
+                          </m:sSubPr>
+                          <m:e>
+                            <m:r>
+                              <a:rPr lang="fr-FR" sz="1100" b="0" i="1" smtClean="0">
+                                <a:latin typeface="Cambria Math"/>
+                              </a:rPr>
+                              <m:t>𝑂</m:t>
+                            </m:r>
+                          </m:e>
+                          <m:sub>
+                            <m:r>
+                              <a:rPr lang="fr-FR" sz="1100" b="0" i="1" smtClean="0">
+                                <a:latin typeface="Cambria Math"/>
+                              </a:rPr>
+                              <m:t>1</m:t>
+                            </m:r>
+                          </m:sub>
+                        </m:sSub>
+                        <m:r>
+                          <a:rPr lang="fr-FR" sz="1100" b="0" i="1" smtClean="0">
+                            <a:latin typeface="Cambria Math"/>
+                          </a:rPr>
+                          <m:t>,</m:t>
+                        </m:r>
+                        <m:acc>
+                          <m:accPr>
+                            <m:chr m:val="⃗"/>
+                            <m:ctrlPr>
+                              <a:rPr lang="fr-FR" sz="1100" b="0" i="1" smtClean="0">
+                                <a:latin typeface="Cambria Math"/>
+                              </a:rPr>
+                            </m:ctrlPr>
+                          </m:accPr>
+                          <m:e>
+                            <m:sSub>
+                              <m:sSubPr>
+                                <m:ctrlPr>
+                                  <a:rPr lang="fr-FR" sz="1100" b="0" i="1" smtClean="0">
+                                    <a:latin typeface="Cambria Math"/>
+                                  </a:rPr>
+                                </m:ctrlPr>
+                              </m:sSubPr>
+                              <m:e>
+                                <m:r>
+                                  <a:rPr lang="fr-FR" sz="1100" b="0" i="1" smtClean="0">
+                                    <a:latin typeface="Cambria Math"/>
+                                  </a:rPr>
+                                  <m:t>𝑦</m:t>
+                                </m:r>
+                              </m:e>
+                              <m:sub>
+                                <m:r>
+                                  <a:rPr lang="fr-FR" sz="1100" b="0" i="1" smtClean="0">
+                                    <a:latin typeface="Cambria Math"/>
+                                  </a:rPr>
+                                  <m:t>0</m:t>
+                                </m:r>
+                              </m:sub>
+                            </m:sSub>
+                          </m:e>
+                        </m:acc>
+                      </m:e>
+                    </m:d>
+                  </m:oMath>
+                </a14:m>
+                <a:endParaRPr lang="fr-FR" sz="1100" dirty="0"/>
+              </a:p>
+            </p:txBody>
+          </p:sp>
+        </mc:Choice>
+        <mc:Fallback>
+          <p:sp>
+            <p:nvSpPr>
+              <p:cNvPr id="84" name="ZoneTexte 83"/>
+              <p:cNvSpPr txBox="1">
+                <a:spLocks noRot="1" noChangeAspect="1" noMove="1" noResize="1" noEditPoints="1" noAdjustHandles="1" noChangeArrowheads="1" noChangeShapeType="1" noTextEdit="1"/>
+              </p:cNvSpPr>
+              <p:nvPr/>
+            </p:nvSpPr>
+            <p:spPr>
+              <a:xfrm>
+                <a:off x="604380" y="2107573"/>
+                <a:ext cx="965970" cy="261610"/>
+              </a:xfrm>
+              <a:prstGeom prst="rect">
+                <a:avLst/>
+              </a:prstGeom>
+              <a:blipFill rotWithShape="1">
+                <a:blip r:embed="rId16"/>
+                <a:stretch>
+                  <a:fillRect b="-16279"/>
+                </a:stretch>
+              </a:blipFill>
+            </p:spPr>
+            <p:txBody>
+              <a:bodyPr/>
+              <a:lstStyle/>
+              <a:p>
+                <a:r>
+                  <a:rPr lang="fr-FR">
+                    <a:noFill/>
+                  </a:rPr>
+                  <a:t> </a:t>
+                </a:r>
+              </a:p>
+            </p:txBody>
+          </p:sp>
+        </mc:Fallback>
+      </mc:AlternateContent>
+      <mc:AlternateContent xmlns:mc="http://schemas.openxmlformats.org/markup-compatibility/2006">
+        <mc:Choice xmlns:a14="http://schemas.microsoft.com/office/drawing/2010/main" Requires="a14">
+          <p:sp>
+            <p:nvSpPr>
+              <p:cNvPr id="85" name="ZoneTexte 84"/>
+              <p:cNvSpPr txBox="1"/>
+              <p:nvPr/>
+            </p:nvSpPr>
+            <p:spPr>
+              <a:xfrm>
+                <a:off x="2311972" y="2930667"/>
+                <a:ext cx="1348126" cy="261610"/>
+              </a:xfrm>
+              <a:prstGeom prst="rect">
+                <a:avLst/>
+              </a:prstGeom>
+              <a:noFill/>
+            </p:spPr>
+            <p:txBody>
+              <a:bodyPr wrap="none" rtlCol="0">
+                <a:spAutoFit/>
+              </a:bodyPr>
+              <a:lstStyle/>
+              <a:p>
+                <a:r>
+                  <a:rPr lang="fr-FR" sz="1100" b="0" dirty="0" smtClean="0"/>
+                  <a:t>Sphère plan </a:t>
+                </a:r>
+                <a14:m>
+                  <m:oMath xmlns:m="http://schemas.openxmlformats.org/officeDocument/2006/math">
+                    <m:d>
+                      <m:dPr>
+                        <m:ctrlPr>
+                          <a:rPr lang="fr-FR" sz="1100" b="0" i="1" smtClean="0">
+                            <a:latin typeface="Cambria Math"/>
+                          </a:rPr>
+                        </m:ctrlPr>
+                      </m:dPr>
+                      <m:e>
+                        <m:sSub>
+                          <m:sSubPr>
+                            <m:ctrlPr>
+                              <a:rPr lang="fr-FR" sz="1100" b="0" i="1" smtClean="0">
+                                <a:latin typeface="Cambria Math"/>
+                              </a:rPr>
+                            </m:ctrlPr>
+                          </m:sSubPr>
+                          <m:e>
+                            <m:r>
+                              <a:rPr lang="fr-FR" sz="1100" b="0" i="1" smtClean="0">
+                                <a:latin typeface="Cambria Math"/>
+                              </a:rPr>
+                              <m:t>𝐼</m:t>
+                            </m:r>
+                          </m:e>
+                          <m:sub>
+                            <m:r>
+                              <a:rPr lang="fr-FR" sz="1100" b="0" i="1" smtClean="0">
+                                <a:latin typeface="Cambria Math"/>
+                              </a:rPr>
+                              <m:t>2</m:t>
+                            </m:r>
+                          </m:sub>
+                        </m:sSub>
+                        <m:r>
+                          <a:rPr lang="fr-FR" sz="1100" b="0" i="1" smtClean="0">
+                            <a:latin typeface="Cambria Math"/>
+                          </a:rPr>
+                          <m:t>,</m:t>
+                        </m:r>
+                        <m:acc>
+                          <m:accPr>
+                            <m:chr m:val="⃗"/>
+                            <m:ctrlPr>
+                              <a:rPr lang="fr-FR" sz="1100" b="0" i="1" smtClean="0">
+                                <a:latin typeface="Cambria Math"/>
+                              </a:rPr>
+                            </m:ctrlPr>
+                          </m:accPr>
+                          <m:e>
+                            <m:sSub>
+                              <m:sSubPr>
+                                <m:ctrlPr>
+                                  <a:rPr lang="fr-FR" sz="1100" b="0" i="1" smtClean="0">
+                                    <a:latin typeface="Cambria Math"/>
+                                  </a:rPr>
+                                </m:ctrlPr>
+                              </m:sSubPr>
+                              <m:e>
+                                <m:r>
+                                  <a:rPr lang="fr-FR" sz="1100" b="0" i="1" smtClean="0">
+                                    <a:latin typeface="Cambria Math"/>
+                                  </a:rPr>
+                                  <m:t>𝑧</m:t>
+                                </m:r>
+                              </m:e>
+                              <m:sub>
+                                <m:r>
+                                  <a:rPr lang="fr-FR" sz="1100" b="0" i="1" smtClean="0">
+                                    <a:latin typeface="Cambria Math"/>
+                                  </a:rPr>
+                                  <m:t>2</m:t>
+                                </m:r>
+                              </m:sub>
+                            </m:sSub>
+                          </m:e>
+                        </m:acc>
+                      </m:e>
+                    </m:d>
+                  </m:oMath>
+                </a14:m>
+                <a:endParaRPr lang="fr-FR" sz="1100" dirty="0"/>
+              </a:p>
+            </p:txBody>
+          </p:sp>
+        </mc:Choice>
+        <mc:Fallback>
+          <p:sp>
+            <p:nvSpPr>
+              <p:cNvPr id="85" name="ZoneTexte 84"/>
+              <p:cNvSpPr txBox="1">
+                <a:spLocks noRot="1" noChangeAspect="1" noMove="1" noResize="1" noEditPoints="1" noAdjustHandles="1" noChangeArrowheads="1" noChangeShapeType="1" noTextEdit="1"/>
+              </p:cNvSpPr>
+              <p:nvPr/>
+            </p:nvSpPr>
+            <p:spPr>
+              <a:xfrm>
+                <a:off x="2311972" y="2930667"/>
+                <a:ext cx="1348126" cy="261610"/>
+              </a:xfrm>
+              <a:prstGeom prst="rect">
+                <a:avLst/>
+              </a:prstGeom>
+              <a:blipFill rotWithShape="1">
+                <a:blip r:embed="rId17"/>
+                <a:stretch>
+                  <a:fillRect b="-16279"/>
+                </a:stretch>
+              </a:blipFill>
+            </p:spPr>
+            <p:txBody>
+              <a:bodyPr/>
+              <a:lstStyle/>
+              <a:p>
+                <a:r>
+                  <a:rPr lang="fr-FR">
+                    <a:noFill/>
+                  </a:rPr>
+                  <a:t> </a:t>
+                </a:r>
+              </a:p>
+            </p:txBody>
+          </p:sp>
+        </mc:Fallback>
+      </mc:AlternateContent>
+      <mc:AlternateContent xmlns:mc="http://schemas.openxmlformats.org/markup-compatibility/2006">
+        <mc:Choice xmlns:a14="http://schemas.microsoft.com/office/drawing/2010/main" Requires="a14">
+          <p:sp>
+            <p:nvSpPr>
+              <p:cNvPr id="86" name="ZoneTexte 85"/>
+              <p:cNvSpPr txBox="1"/>
+              <p:nvPr/>
+            </p:nvSpPr>
+            <p:spPr>
+              <a:xfrm>
+                <a:off x="318354" y="2903072"/>
+                <a:ext cx="1301318" cy="261610"/>
+              </a:xfrm>
+              <a:prstGeom prst="rect">
+                <a:avLst/>
+              </a:prstGeom>
+              <a:noFill/>
+            </p:spPr>
+            <p:txBody>
+              <a:bodyPr wrap="none" rtlCol="0">
+                <a:spAutoFit/>
+              </a:bodyPr>
+              <a:lstStyle/>
+              <a:p>
+                <a:r>
+                  <a:rPr lang="fr-FR" sz="1100" b="0" dirty="0" smtClean="0"/>
+                  <a:t>Sphère plan </a:t>
+                </a:r>
+                <a14:m>
+                  <m:oMath xmlns:m="http://schemas.openxmlformats.org/officeDocument/2006/math">
+                    <m:d>
+                      <m:dPr>
+                        <m:ctrlPr>
+                          <a:rPr lang="fr-FR" sz="1100" b="0" i="1" smtClean="0">
+                            <a:latin typeface="Cambria Math"/>
+                          </a:rPr>
+                        </m:ctrlPr>
+                      </m:dPr>
+                      <m:e>
+                        <m:sSub>
+                          <m:sSubPr>
+                            <m:ctrlPr>
+                              <a:rPr lang="fr-FR" sz="1100" b="0" i="1" smtClean="0">
+                                <a:latin typeface="Cambria Math"/>
+                              </a:rPr>
+                            </m:ctrlPr>
+                          </m:sSubPr>
+                          <m:e>
+                            <m:r>
+                              <a:rPr lang="fr-FR" sz="1100" b="0" i="1" smtClean="0">
+                                <a:latin typeface="Cambria Math"/>
+                              </a:rPr>
+                              <m:t>𝐼</m:t>
+                            </m:r>
+                          </m:e>
+                          <m:sub>
+                            <m:r>
+                              <a:rPr lang="fr-FR" sz="1100" b="0" i="1" smtClean="0">
+                                <a:latin typeface="Cambria Math"/>
+                              </a:rPr>
+                              <m:t>1</m:t>
+                            </m:r>
+                          </m:sub>
+                        </m:sSub>
+                        <m:r>
+                          <a:rPr lang="fr-FR" sz="1100" b="0" i="1" smtClean="0">
+                            <a:latin typeface="Cambria Math"/>
+                          </a:rPr>
+                          <m:t>,</m:t>
+                        </m:r>
+                        <m:acc>
+                          <m:accPr>
+                            <m:chr m:val="⃗"/>
+                            <m:ctrlPr>
+                              <a:rPr lang="fr-FR" sz="1100" b="0" i="1" smtClean="0">
+                                <a:latin typeface="Cambria Math"/>
+                              </a:rPr>
+                            </m:ctrlPr>
+                          </m:accPr>
+                          <m:e>
+                            <m:sSub>
+                              <m:sSubPr>
+                                <m:ctrlPr>
+                                  <a:rPr lang="fr-FR" sz="1100" b="0" i="1" smtClean="0">
+                                    <a:latin typeface="Cambria Math"/>
+                                  </a:rPr>
+                                </m:ctrlPr>
+                              </m:sSubPr>
+                              <m:e>
+                                <m:r>
+                                  <a:rPr lang="fr-FR" sz="1100" b="0" i="1" smtClean="0">
+                                    <a:latin typeface="Cambria Math"/>
+                                  </a:rPr>
+                                  <m:t>𝑧</m:t>
+                                </m:r>
+                              </m:e>
+                              <m:sub>
+                                <m:r>
+                                  <a:rPr lang="fr-FR" sz="1100" b="0" i="1" smtClean="0">
+                                    <a:latin typeface="Cambria Math"/>
+                                  </a:rPr>
+                                  <m:t>1</m:t>
+                                </m:r>
+                              </m:sub>
+                            </m:sSub>
+                          </m:e>
+                        </m:acc>
+                      </m:e>
+                    </m:d>
+                  </m:oMath>
+                </a14:m>
+                <a:endParaRPr lang="fr-FR" sz="1100" dirty="0"/>
+              </a:p>
+            </p:txBody>
+          </p:sp>
+        </mc:Choice>
+        <mc:Fallback>
+          <p:sp>
+            <p:nvSpPr>
+              <p:cNvPr id="86" name="ZoneTexte 85"/>
+              <p:cNvSpPr txBox="1">
+                <a:spLocks noRot="1" noChangeAspect="1" noMove="1" noResize="1" noEditPoints="1" noAdjustHandles="1" noChangeArrowheads="1" noChangeShapeType="1" noTextEdit="1"/>
+              </p:cNvSpPr>
+              <p:nvPr/>
+            </p:nvSpPr>
+            <p:spPr>
+              <a:xfrm>
+                <a:off x="318354" y="2903072"/>
+                <a:ext cx="1301318" cy="261610"/>
+              </a:xfrm>
+              <a:prstGeom prst="rect">
+                <a:avLst/>
+              </a:prstGeom>
+              <a:blipFill rotWithShape="1">
+                <a:blip r:embed="rId18"/>
+                <a:stretch>
+                  <a:fillRect b="-16279"/>
+                </a:stretch>
+              </a:blipFill>
+            </p:spPr>
+            <p:txBody>
+              <a:bodyPr/>
+              <a:lstStyle/>
+              <a:p>
+                <a:r>
+                  <a:rPr lang="fr-FR">
+                    <a:noFill/>
+                  </a:rPr>
+                  <a:t> </a:t>
+                </a:r>
+              </a:p>
+            </p:txBody>
+          </p:sp>
+        </mc:Fallback>
+      </mc:AlternateContent>
+      <p:cxnSp>
+        <p:nvCxnSpPr>
+          <p:cNvPr id="87" name="Connecteur droit 86"/>
+          <p:cNvCxnSpPr>
+            <a:stCxn id="71" idx="3"/>
+            <a:endCxn id="9" idx="2"/>
+          </p:cNvCxnSpPr>
+          <p:nvPr/>
+        </p:nvCxnSpPr>
+        <p:spPr>
+          <a:xfrm rot="5400000" flipH="1">
+            <a:off x="410825" y="1818590"/>
+            <a:ext cx="1883811" cy="906277"/>
+          </a:xfrm>
+          <a:prstGeom prst="curvedConnector4">
+            <a:avLst>
+              <a:gd name="adj1" fmla="val -6131"/>
+              <a:gd name="adj2" fmla="val 155683"/>
+            </a:avLst>
+          </a:prstGeom>
+          <a:ln w="19050">
+            <a:solidFill>
+              <a:schemeClr val="tx1"/>
+            </a:solidFill>
+          </a:ln>
+        </p:spPr>
+        <p:style>
+          <a:lnRef idx="1">
+            <a:schemeClr val="accent1"/>
+          </a:lnRef>
+          <a:fillRef idx="0">
+            <a:schemeClr val="accent1"/>
+          </a:fillRef>
+          <a:effectRef idx="0">
+            <a:schemeClr val="accent1"/>
+          </a:effectRef>
+          <a:fontRef idx="minor">
+            <a:schemeClr val="tx1"/>
+          </a:fontRef>
+        </p:style>
+      </p:cxnSp>
+      <mc:AlternateContent xmlns:mc="http://schemas.openxmlformats.org/markup-compatibility/2006">
+        <mc:Choice xmlns:a14="http://schemas.microsoft.com/office/drawing/2010/main" Requires="a14">
+          <p:sp>
+            <p:nvSpPr>
+              <p:cNvPr id="107" name="ZoneTexte 106"/>
+              <p:cNvSpPr txBox="1"/>
+              <p:nvPr/>
+            </p:nvSpPr>
+            <p:spPr>
+              <a:xfrm>
+                <a:off x="602745" y="3374293"/>
+                <a:ext cx="969240" cy="261610"/>
+              </a:xfrm>
+              <a:prstGeom prst="rect">
+                <a:avLst/>
+              </a:prstGeom>
+              <a:noFill/>
+            </p:spPr>
+            <p:txBody>
+              <a:bodyPr wrap="none" rtlCol="0">
+                <a:spAutoFit/>
+              </a:bodyPr>
+              <a:lstStyle/>
+              <a:p>
+                <a:r>
+                  <a:rPr lang="fr-FR" sz="1100" b="0" dirty="0" smtClean="0"/>
+                  <a:t>Pivot </a:t>
+                </a:r>
+                <a14:m>
+                  <m:oMath xmlns:m="http://schemas.openxmlformats.org/officeDocument/2006/math">
+                    <m:d>
+                      <m:dPr>
+                        <m:ctrlPr>
+                          <a:rPr lang="fr-FR" sz="1100" b="0" i="1" smtClean="0">
+                            <a:latin typeface="Cambria Math"/>
+                          </a:rPr>
+                        </m:ctrlPr>
+                      </m:dPr>
+                      <m:e>
+                        <m:sSub>
+                          <m:sSubPr>
+                            <m:ctrlPr>
+                              <a:rPr lang="fr-FR" sz="1100" b="0" i="1" smtClean="0">
+                                <a:latin typeface="Cambria Math"/>
+                              </a:rPr>
+                            </m:ctrlPr>
+                          </m:sSubPr>
+                          <m:e>
+                            <m:r>
+                              <a:rPr lang="fr-FR" sz="1100" b="0" i="1" smtClean="0">
+                                <a:latin typeface="Cambria Math"/>
+                              </a:rPr>
+                              <m:t>𝑂</m:t>
+                            </m:r>
+                          </m:e>
+                          <m:sub>
+                            <m:r>
+                              <a:rPr lang="fr-FR" sz="1100" b="0" i="1" smtClean="0">
+                                <a:latin typeface="Cambria Math"/>
+                              </a:rPr>
+                              <m:t>3</m:t>
+                            </m:r>
+                          </m:sub>
+                        </m:sSub>
+                        <m:r>
+                          <a:rPr lang="fr-FR" sz="1100" b="0" i="1" smtClean="0">
+                            <a:latin typeface="Cambria Math"/>
+                          </a:rPr>
+                          <m:t>,</m:t>
+                        </m:r>
+                        <m:acc>
+                          <m:accPr>
+                            <m:chr m:val="⃗"/>
+                            <m:ctrlPr>
+                              <a:rPr lang="fr-FR" sz="1100" b="0" i="1" smtClean="0">
+                                <a:latin typeface="Cambria Math"/>
+                              </a:rPr>
+                            </m:ctrlPr>
+                          </m:accPr>
+                          <m:e>
+                            <m:sSub>
+                              <m:sSubPr>
+                                <m:ctrlPr>
+                                  <a:rPr lang="fr-FR" sz="1100" b="0" i="1" smtClean="0">
+                                    <a:latin typeface="Cambria Math"/>
+                                  </a:rPr>
+                                </m:ctrlPr>
+                              </m:sSubPr>
+                              <m:e>
+                                <m:r>
+                                  <a:rPr lang="fr-FR" sz="1100" b="0" i="1" smtClean="0">
+                                    <a:latin typeface="Cambria Math"/>
+                                  </a:rPr>
+                                  <m:t>𝑦</m:t>
+                                </m:r>
+                              </m:e>
+                              <m:sub>
+                                <m:r>
+                                  <a:rPr lang="fr-FR" sz="1100" b="0" i="1" smtClean="0">
+                                    <a:latin typeface="Cambria Math"/>
+                                  </a:rPr>
+                                  <m:t>0</m:t>
+                                </m:r>
+                              </m:sub>
+                            </m:sSub>
+                          </m:e>
+                        </m:acc>
+                      </m:e>
+                    </m:d>
+                  </m:oMath>
+                </a14:m>
+                <a:endParaRPr lang="fr-FR" sz="1100" dirty="0"/>
+              </a:p>
+            </p:txBody>
+          </p:sp>
+        </mc:Choice>
+        <mc:Fallback>
+          <p:sp>
+            <p:nvSpPr>
+              <p:cNvPr id="107" name="ZoneTexte 106"/>
+              <p:cNvSpPr txBox="1">
+                <a:spLocks noRot="1" noChangeAspect="1" noMove="1" noResize="1" noEditPoints="1" noAdjustHandles="1" noChangeArrowheads="1" noChangeShapeType="1" noTextEdit="1"/>
+              </p:cNvSpPr>
+              <p:nvPr/>
+            </p:nvSpPr>
+            <p:spPr>
+              <a:xfrm>
+                <a:off x="602745" y="3374293"/>
+                <a:ext cx="969240" cy="261610"/>
+              </a:xfrm>
+              <a:prstGeom prst="rect">
+                <a:avLst/>
+              </a:prstGeom>
+              <a:blipFill rotWithShape="1">
+                <a:blip r:embed="rId19"/>
+                <a:stretch>
+                  <a:fillRect b="-19048"/>
+                </a:stretch>
+              </a:blipFill>
+            </p:spPr>
+            <p:txBody>
+              <a:bodyPr/>
+              <a:lstStyle/>
+              <a:p>
+                <a:r>
+                  <a:rPr lang="fr-FR">
+                    <a:noFill/>
+                  </a:rPr>
+                  <a:t> </a:t>
+                </a:r>
+              </a:p>
+            </p:txBody>
+          </p:sp>
+        </mc:Fallback>
+      </mc:AlternateContent>
     </p:spTree>
     <p:extLst>
       <p:ext uri="{BB962C8B-B14F-4D97-AF65-F5344CB8AC3E}">
-        <p14:creationId xmlns:p14="http://schemas.microsoft.com/office/powerpoint/2010/main" val="1241148410"/>
+        <p14:creationId xmlns:p14="http://schemas.microsoft.com/office/powerpoint/2010/main" val="2583468419"/>
       </p:ext>
     </p:extLst>
   </p:cSld>
@@ -3304,6 +7373,855 @@
 </file>
 
 <file path=ppt/slides/slide10.xml><?xml version="1.0" encoding="utf-8"?>
+<p:sld xmlns:a="http://schemas.openxmlformats.org/drawingml/2006/main" xmlns:r="http://schemas.openxmlformats.org/officeDocument/2006/relationships" xmlns:p="http://schemas.openxmlformats.org/presentationml/2006/main">
+  <p:cSld>
+    <p:spTree>
+      <p:nvGrpSpPr>
+        <p:cNvPr id="1" name=""/>
+        <p:cNvGrpSpPr/>
+        <p:nvPr/>
+      </p:nvGrpSpPr>
+      <p:grpSpPr>
+        <a:xfrm>
+          <a:off x="0" y="0"/>
+          <a:ext cx="0" cy="0"/>
+          <a:chOff x="0" y="0"/>
+          <a:chExt cx="0" cy="0"/>
+        </a:xfrm>
+      </p:grpSpPr>
+      <p:sp>
+        <p:nvSpPr>
+          <p:cNvPr id="5" name="Rectangle 4"/>
+          <p:cNvSpPr/>
+          <p:nvPr/>
+        </p:nvSpPr>
+        <p:spPr>
+          <a:xfrm>
+            <a:off x="971600" y="1628800"/>
+            <a:ext cx="1440160" cy="288032"/>
+          </a:xfrm>
+          <a:prstGeom prst="rect">
+            <a:avLst/>
+          </a:prstGeom>
+          <a:solidFill>
+            <a:schemeClr val="accent5">
+              <a:lumMod val="20000"/>
+              <a:lumOff val="80000"/>
+            </a:schemeClr>
+          </a:solidFill>
+          <a:ln w="9525">
+            <a:solidFill>
+              <a:schemeClr val="accent5">
+                <a:lumMod val="50000"/>
+              </a:schemeClr>
+            </a:solidFill>
+          </a:ln>
+        </p:spPr>
+        <p:style>
+          <a:lnRef idx="2">
+            <a:schemeClr val="accent1">
+              <a:shade val="50000"/>
+            </a:schemeClr>
+          </a:lnRef>
+          <a:fillRef idx="1">
+            <a:schemeClr val="accent1"/>
+          </a:fillRef>
+          <a:effectRef idx="0">
+            <a:schemeClr val="accent1"/>
+          </a:effectRef>
+          <a:fontRef idx="minor">
+            <a:schemeClr val="lt1"/>
+          </a:fontRef>
+        </p:style>
+        <p:txBody>
+          <a:bodyPr rtlCol="0" anchor="ctr"/>
+          <a:lstStyle/>
+          <a:p>
+            <a:pPr algn="ctr"/>
+            <a:r>
+              <a:rPr lang="fr-FR" sz="1000" dirty="0" smtClean="0">
+                <a:solidFill>
+                  <a:sysClr val="windowText" lastClr="000000"/>
+                </a:solidFill>
+              </a:rPr>
+              <a:t>Domaine du client</a:t>
+            </a:r>
+            <a:endParaRPr lang="fr-FR" sz="1000" dirty="0">
+              <a:solidFill>
+                <a:sysClr val="windowText" lastClr="000000"/>
+              </a:solidFill>
+            </a:endParaRPr>
+          </a:p>
+        </p:txBody>
+      </p:sp>
+      <p:sp>
+        <p:nvSpPr>
+          <p:cNvPr id="6" name="Rectangle 5"/>
+          <p:cNvSpPr/>
+          <p:nvPr/>
+        </p:nvSpPr>
+        <p:spPr>
+          <a:xfrm>
+            <a:off x="971600" y="1985071"/>
+            <a:ext cx="1440160" cy="1512168"/>
+          </a:xfrm>
+          <a:prstGeom prst="rect">
+            <a:avLst/>
+          </a:prstGeom>
+          <a:solidFill>
+            <a:schemeClr val="accent5">
+              <a:lumMod val="20000"/>
+              <a:lumOff val="80000"/>
+            </a:schemeClr>
+          </a:solidFill>
+          <a:ln w="9525">
+            <a:solidFill>
+              <a:schemeClr val="accent5">
+                <a:lumMod val="50000"/>
+              </a:schemeClr>
+            </a:solidFill>
+          </a:ln>
+        </p:spPr>
+        <p:style>
+          <a:lnRef idx="2">
+            <a:schemeClr val="accent1">
+              <a:shade val="50000"/>
+            </a:schemeClr>
+          </a:lnRef>
+          <a:fillRef idx="1">
+            <a:schemeClr val="accent1"/>
+          </a:fillRef>
+          <a:effectRef idx="0">
+            <a:schemeClr val="accent1"/>
+          </a:effectRef>
+          <a:fontRef idx="minor">
+            <a:schemeClr val="lt1"/>
+          </a:fontRef>
+        </p:style>
+        <p:txBody>
+          <a:bodyPr rtlCol="0" anchor="ctr"/>
+          <a:lstStyle/>
+          <a:p>
+            <a:pPr algn="ctr"/>
+            <a:endParaRPr lang="fr-FR" sz="1000" dirty="0">
+              <a:solidFill>
+                <a:sysClr val="windowText" lastClr="000000"/>
+              </a:solidFill>
+            </a:endParaRPr>
+          </a:p>
+        </p:txBody>
+      </p:sp>
+      <p:sp>
+        <p:nvSpPr>
+          <p:cNvPr id="8" name="Rectangle 7"/>
+          <p:cNvSpPr/>
+          <p:nvPr/>
+        </p:nvSpPr>
+        <p:spPr>
+          <a:xfrm>
+            <a:off x="2754201" y="1628800"/>
+            <a:ext cx="1440160" cy="288032"/>
+          </a:xfrm>
+          <a:prstGeom prst="rect">
+            <a:avLst/>
+          </a:prstGeom>
+          <a:solidFill>
+            <a:schemeClr val="accent2">
+              <a:lumMod val="20000"/>
+              <a:lumOff val="80000"/>
+            </a:schemeClr>
+          </a:solidFill>
+          <a:ln w="9525">
+            <a:solidFill>
+              <a:schemeClr val="accent2"/>
+            </a:solidFill>
+          </a:ln>
+        </p:spPr>
+        <p:style>
+          <a:lnRef idx="2">
+            <a:schemeClr val="accent1">
+              <a:shade val="50000"/>
+            </a:schemeClr>
+          </a:lnRef>
+          <a:fillRef idx="1">
+            <a:schemeClr val="accent1"/>
+          </a:fillRef>
+          <a:effectRef idx="0">
+            <a:schemeClr val="accent1"/>
+          </a:effectRef>
+          <a:fontRef idx="minor">
+            <a:schemeClr val="lt1"/>
+          </a:fontRef>
+        </p:style>
+        <p:txBody>
+          <a:bodyPr rtlCol="0" anchor="ctr"/>
+          <a:lstStyle/>
+          <a:p>
+            <a:pPr algn="ctr"/>
+            <a:r>
+              <a:rPr lang="fr-FR" sz="1000" dirty="0" smtClean="0">
+                <a:solidFill>
+                  <a:sysClr val="windowText" lastClr="000000"/>
+                </a:solidFill>
+              </a:rPr>
+              <a:t>Domaine de la modélisation</a:t>
+            </a:r>
+            <a:endParaRPr lang="fr-FR" sz="1000" dirty="0">
+              <a:solidFill>
+                <a:sysClr val="windowText" lastClr="000000"/>
+              </a:solidFill>
+            </a:endParaRPr>
+          </a:p>
+        </p:txBody>
+      </p:sp>
+      <p:sp>
+        <p:nvSpPr>
+          <p:cNvPr id="9" name="Rectangle 8"/>
+          <p:cNvSpPr/>
+          <p:nvPr/>
+        </p:nvSpPr>
+        <p:spPr>
+          <a:xfrm>
+            <a:off x="2754201" y="1985071"/>
+            <a:ext cx="1440160" cy="1519706"/>
+          </a:xfrm>
+          <a:prstGeom prst="rect">
+            <a:avLst/>
+          </a:prstGeom>
+          <a:solidFill>
+            <a:schemeClr val="accent2">
+              <a:lumMod val="20000"/>
+              <a:lumOff val="80000"/>
+            </a:schemeClr>
+          </a:solidFill>
+          <a:ln w="9525">
+            <a:solidFill>
+              <a:schemeClr val="accent2"/>
+            </a:solidFill>
+          </a:ln>
+        </p:spPr>
+        <p:style>
+          <a:lnRef idx="2">
+            <a:schemeClr val="accent1">
+              <a:shade val="50000"/>
+            </a:schemeClr>
+          </a:lnRef>
+          <a:fillRef idx="1">
+            <a:schemeClr val="accent1"/>
+          </a:fillRef>
+          <a:effectRef idx="0">
+            <a:schemeClr val="accent1"/>
+          </a:effectRef>
+          <a:fontRef idx="minor">
+            <a:schemeClr val="lt1"/>
+          </a:fontRef>
+        </p:style>
+        <p:txBody>
+          <a:bodyPr rtlCol="0" anchor="ctr"/>
+          <a:lstStyle/>
+          <a:p>
+            <a:pPr algn="ctr"/>
+            <a:endParaRPr lang="fr-FR" sz="1000" dirty="0">
+              <a:solidFill>
+                <a:sysClr val="windowText" lastClr="000000"/>
+              </a:solidFill>
+            </a:endParaRPr>
+          </a:p>
+        </p:txBody>
+      </p:sp>
+      <p:sp>
+        <p:nvSpPr>
+          <p:cNvPr id="10" name="Rectangle 9"/>
+          <p:cNvSpPr/>
+          <p:nvPr/>
+        </p:nvSpPr>
+        <p:spPr>
+          <a:xfrm>
+            <a:off x="2910953" y="2051721"/>
+            <a:ext cx="1126656" cy="1389432"/>
+          </a:xfrm>
+          <a:prstGeom prst="rect">
+            <a:avLst/>
+          </a:prstGeom>
+          <a:solidFill>
+            <a:schemeClr val="accent2">
+              <a:lumMod val="20000"/>
+              <a:lumOff val="80000"/>
+            </a:schemeClr>
+          </a:solidFill>
+          <a:ln w="9525">
+            <a:solidFill>
+              <a:schemeClr val="accent2"/>
+            </a:solidFill>
+          </a:ln>
+        </p:spPr>
+        <p:style>
+          <a:lnRef idx="2">
+            <a:schemeClr val="accent1">
+              <a:shade val="50000"/>
+            </a:schemeClr>
+          </a:lnRef>
+          <a:fillRef idx="1">
+            <a:schemeClr val="accent1"/>
+          </a:fillRef>
+          <a:effectRef idx="0">
+            <a:schemeClr val="accent1"/>
+          </a:effectRef>
+          <a:fontRef idx="minor">
+            <a:schemeClr val="lt1"/>
+          </a:fontRef>
+        </p:style>
+        <p:txBody>
+          <a:bodyPr rtlCol="0" anchor="t"/>
+          <a:lstStyle/>
+          <a:p>
+            <a:pPr algn="ctr"/>
+            <a:r>
+              <a:rPr lang="fr-FR" sz="1000" b="1" dirty="0" smtClean="0">
+                <a:solidFill>
+                  <a:sysClr val="windowText" lastClr="000000"/>
+                </a:solidFill>
+              </a:rPr>
+              <a:t>Détermination des lois en effort en utilisant le PFS</a:t>
+            </a:r>
+          </a:p>
+        </p:txBody>
+      </p:sp>
+      <p:pic>
+        <p:nvPicPr>
+          <p:cNvPr id="2" name="Picture 2" descr="C:\Enseignement\GitHub\Cy_04_PSI_ModelisationDynamique\Revisions_Statique\Fiche_01_Statique_3D_TD_01_MC2E\images\fig_03.png"/>
+          <p:cNvPicPr>
+            <a:picLocks noChangeAspect="1" noChangeArrowheads="1"/>
+          </p:cNvPicPr>
+          <p:nvPr/>
+        </p:nvPicPr>
+        <p:blipFill rotWithShape="1">
+          <a:blip r:embed="rId2">
+            <a:extLst>
+              <a:ext uri="{28A0092B-C50C-407E-A947-70E740481C1C}">
+                <a14:useLocalDpi xmlns:a14="http://schemas.microsoft.com/office/drawing/2010/main" val="0"/>
+              </a:ext>
+            </a:extLst>
+          </a:blip>
+          <a:srcRect l="51117" t="54395" r="26802" b="-68"/>
+          <a:stretch/>
+        </p:blipFill>
+        <p:spPr bwMode="auto">
+          <a:xfrm>
+            <a:off x="1088030" y="2088420"/>
+            <a:ext cx="1207299" cy="963846"/>
+          </a:xfrm>
+          <a:prstGeom prst="rect">
+            <a:avLst/>
+          </a:prstGeom>
+          <a:noFill/>
+          <a:extLst>
+            <a:ext uri="{909E8E84-426E-40DD-AFC4-6F175D3DCCD1}">
+              <a14:hiddenFill xmlns:a14="http://schemas.microsoft.com/office/drawing/2010/main">
+                <a:solidFill>
+                  <a:srgbClr val="FFFFFF"/>
+                </a:solidFill>
+              </a14:hiddenFill>
+            </a:ext>
+          </a:extLst>
+        </p:spPr>
+      </p:pic>
+      <p:sp>
+        <p:nvSpPr>
+          <p:cNvPr id="14" name="Rectangle 13"/>
+          <p:cNvSpPr/>
+          <p:nvPr/>
+        </p:nvSpPr>
+        <p:spPr>
+          <a:xfrm>
+            <a:off x="6660232" y="1628800"/>
+            <a:ext cx="1440160" cy="288032"/>
+          </a:xfrm>
+          <a:prstGeom prst="rect">
+            <a:avLst/>
+          </a:prstGeom>
+          <a:solidFill>
+            <a:schemeClr val="accent3">
+              <a:lumMod val="20000"/>
+              <a:lumOff val="80000"/>
+            </a:schemeClr>
+          </a:solidFill>
+          <a:ln w="9525">
+            <a:solidFill>
+              <a:schemeClr val="accent3">
+                <a:lumMod val="50000"/>
+              </a:schemeClr>
+            </a:solidFill>
+          </a:ln>
+        </p:spPr>
+        <p:style>
+          <a:lnRef idx="2">
+            <a:schemeClr val="accent1">
+              <a:shade val="50000"/>
+            </a:schemeClr>
+          </a:lnRef>
+          <a:fillRef idx="1">
+            <a:schemeClr val="accent1"/>
+          </a:fillRef>
+          <a:effectRef idx="0">
+            <a:schemeClr val="accent1"/>
+          </a:effectRef>
+          <a:fontRef idx="minor">
+            <a:schemeClr val="lt1"/>
+          </a:fontRef>
+        </p:style>
+        <p:txBody>
+          <a:bodyPr rtlCol="0" anchor="ctr"/>
+          <a:lstStyle/>
+          <a:p>
+            <a:pPr algn="ctr"/>
+            <a:r>
+              <a:rPr lang="fr-FR" sz="1000" dirty="0" smtClean="0">
+                <a:solidFill>
+                  <a:sysClr val="windowText" lastClr="000000"/>
+                </a:solidFill>
+              </a:rPr>
+              <a:t>Domaine de l’expérimentation</a:t>
+            </a:r>
+            <a:endParaRPr lang="fr-FR" sz="1000" dirty="0">
+              <a:solidFill>
+                <a:sysClr val="windowText" lastClr="000000"/>
+              </a:solidFill>
+            </a:endParaRPr>
+          </a:p>
+        </p:txBody>
+      </p:sp>
+      <p:sp>
+        <p:nvSpPr>
+          <p:cNvPr id="15" name="Rectangle 14"/>
+          <p:cNvSpPr/>
+          <p:nvPr/>
+        </p:nvSpPr>
+        <p:spPr>
+          <a:xfrm>
+            <a:off x="6660232" y="1985071"/>
+            <a:ext cx="1440160" cy="1519706"/>
+          </a:xfrm>
+          <a:prstGeom prst="rect">
+            <a:avLst/>
+          </a:prstGeom>
+          <a:solidFill>
+            <a:schemeClr val="accent3">
+              <a:lumMod val="20000"/>
+              <a:lumOff val="80000"/>
+            </a:schemeClr>
+          </a:solidFill>
+          <a:ln w="9525">
+            <a:solidFill>
+              <a:schemeClr val="accent3">
+                <a:lumMod val="50000"/>
+              </a:schemeClr>
+            </a:solidFill>
+          </a:ln>
+        </p:spPr>
+        <p:style>
+          <a:lnRef idx="2">
+            <a:schemeClr val="accent1">
+              <a:shade val="50000"/>
+            </a:schemeClr>
+          </a:lnRef>
+          <a:fillRef idx="1">
+            <a:schemeClr val="accent1"/>
+          </a:fillRef>
+          <a:effectRef idx="0">
+            <a:schemeClr val="accent1"/>
+          </a:effectRef>
+          <a:fontRef idx="minor">
+            <a:schemeClr val="lt1"/>
+          </a:fontRef>
+        </p:style>
+        <p:txBody>
+          <a:bodyPr rtlCol="0" anchor="ctr"/>
+          <a:lstStyle/>
+          <a:p>
+            <a:pPr algn="ctr"/>
+            <a:endParaRPr lang="fr-FR" sz="1000" dirty="0">
+              <a:solidFill>
+                <a:sysClr val="windowText" lastClr="000000"/>
+              </a:solidFill>
+            </a:endParaRPr>
+          </a:p>
+        </p:txBody>
+      </p:sp>
+      <p:sp>
+        <p:nvSpPr>
+          <p:cNvPr id="16" name="Rectangle 15"/>
+          <p:cNvSpPr/>
+          <p:nvPr/>
+        </p:nvSpPr>
+        <p:spPr>
+          <a:xfrm>
+            <a:off x="6767439" y="2051721"/>
+            <a:ext cx="1225746" cy="1389432"/>
+          </a:xfrm>
+          <a:prstGeom prst="rect">
+            <a:avLst/>
+          </a:prstGeom>
+          <a:solidFill>
+            <a:schemeClr val="accent3">
+              <a:lumMod val="20000"/>
+              <a:lumOff val="80000"/>
+            </a:schemeClr>
+          </a:solidFill>
+          <a:ln w="9525">
+            <a:solidFill>
+              <a:schemeClr val="accent3">
+                <a:lumMod val="50000"/>
+              </a:schemeClr>
+            </a:solidFill>
+          </a:ln>
+        </p:spPr>
+        <p:style>
+          <a:lnRef idx="2">
+            <a:schemeClr val="accent1">
+              <a:shade val="50000"/>
+            </a:schemeClr>
+          </a:lnRef>
+          <a:fillRef idx="1">
+            <a:schemeClr val="accent1"/>
+          </a:fillRef>
+          <a:effectRef idx="0">
+            <a:schemeClr val="accent1"/>
+          </a:effectRef>
+          <a:fontRef idx="minor">
+            <a:schemeClr val="lt1"/>
+          </a:fontRef>
+        </p:style>
+        <p:txBody>
+          <a:bodyPr rtlCol="0" anchor="t"/>
+          <a:lstStyle/>
+          <a:p>
+            <a:pPr algn="ctr"/>
+            <a:r>
+              <a:rPr lang="fr-FR" sz="1000" b="1" dirty="0" smtClean="0">
+                <a:solidFill>
+                  <a:sysClr val="windowText" lastClr="000000"/>
+                </a:solidFill>
+              </a:rPr>
+              <a:t>Calibration du poids de E.</a:t>
+            </a:r>
+            <a:endParaRPr lang="fr-FR" sz="1000" b="1" dirty="0">
+              <a:solidFill>
+                <a:sysClr val="windowText" lastClr="000000"/>
+              </a:solidFill>
+            </a:endParaRPr>
+          </a:p>
+        </p:txBody>
+      </p:sp>
+      <mc:AlternateContent xmlns:mc="http://schemas.openxmlformats.org/markup-compatibility/2006" xmlns:a14="http://schemas.microsoft.com/office/drawing/2010/main">
+        <mc:Choice Requires="a14">
+          <p:sp>
+            <p:nvSpPr>
+              <p:cNvPr id="4" name="Double flèche horizontale 3"/>
+              <p:cNvSpPr/>
+              <p:nvPr/>
+            </p:nvSpPr>
+            <p:spPr>
+              <a:xfrm>
+                <a:off x="3923928" y="1472978"/>
+                <a:ext cx="3096343" cy="2194730"/>
+              </a:xfrm>
+              <a:prstGeom prst="leftRightArrow">
+                <a:avLst>
+                  <a:gd name="adj1" fmla="val 75253"/>
+                  <a:gd name="adj2" fmla="val 22762"/>
+                </a:avLst>
+              </a:prstGeom>
+              <a:solidFill>
+                <a:schemeClr val="accent6">
+                  <a:lumMod val="20000"/>
+                  <a:lumOff val="80000"/>
+                </a:schemeClr>
+              </a:solidFill>
+              <a:ln w="9525">
+                <a:solidFill>
+                  <a:schemeClr val="accent6">
+                    <a:lumMod val="50000"/>
+                  </a:schemeClr>
+                </a:solidFill>
+              </a:ln>
+            </p:spPr>
+            <p:style>
+              <a:lnRef idx="2">
+                <a:schemeClr val="accent1">
+                  <a:shade val="50000"/>
+                </a:schemeClr>
+              </a:lnRef>
+              <a:fillRef idx="1">
+                <a:schemeClr val="accent1"/>
+              </a:fillRef>
+              <a:effectRef idx="0">
+                <a:schemeClr val="accent1"/>
+              </a:effectRef>
+              <a:fontRef idx="minor">
+                <a:schemeClr val="lt1"/>
+              </a:fontRef>
+            </p:style>
+            <p:txBody>
+              <a:bodyPr rtlCol="0" anchor="ctr"/>
+              <a:lstStyle/>
+              <a:p>
+                <a:pPr algn="ctr"/>
+                <a:r>
+                  <a:rPr lang="fr-FR" sz="900" dirty="0" smtClean="0">
+                    <a:solidFill>
+                      <a:sysClr val="windowText" lastClr="000000"/>
+                    </a:solidFill>
+                  </a:rPr>
+                  <a:t>Détermination de la compensation en effort</a:t>
+                </a:r>
+              </a:p>
+              <a:p>
+                <a:pPr algn="ctr"/>
+                <a:r>
+                  <a:rPr lang="fr-FR" sz="1050" b="1" dirty="0" smtClean="0">
+                    <a:solidFill>
+                      <a:sysClr val="windowText" lastClr="000000"/>
+                    </a:solidFill>
+                  </a:rPr>
+                  <a:t>Erreur due à la mesure du  poids lors de la compensation  : 0,4%</a:t>
+                </a:r>
+              </a:p>
+              <a:p>
+                <a:pPr algn="ctr"/>
+                <a:endParaRPr lang="fr-FR" sz="1050" b="1" dirty="0" smtClean="0">
+                  <a:solidFill>
+                    <a:sysClr val="windowText" lastClr="000000"/>
+                  </a:solidFill>
+                </a:endParaRPr>
+              </a:p>
+              <a:p>
+                <a:pPr algn="ctr"/>
+                <a:r>
+                  <a:rPr lang="fr-FR" sz="1050" b="1" dirty="0" smtClean="0">
+                    <a:solidFill>
+                      <a:sysClr val="windowText" lastClr="000000"/>
+                    </a:solidFill>
+                  </a:rPr>
+                  <a:t>Méthode de compensation du poids : </a:t>
+                </a:r>
+              </a:p>
+              <a:p>
+                <a:pPr algn="ctr"/>
+                <a:r>
+                  <a:rPr lang="fr-FR" sz="1000" dirty="0">
+                    <a:solidFill>
+                      <a:schemeClr val="tx1"/>
+                    </a:solidFill>
+                  </a:rPr>
+                  <a:t>Pour compenser le pesanteur, il faudra donc retrancher </a:t>
+                </a:r>
+                <a14:m>
+                  <m:oMath xmlns:m="http://schemas.openxmlformats.org/officeDocument/2006/math">
+                    <m:sSub>
+                      <m:sSubPr>
+                        <m:ctrlPr>
+                          <a:rPr lang="fr-FR" sz="1000" i="1" dirty="0" smtClean="0">
+                            <a:solidFill>
+                              <a:schemeClr val="tx1"/>
+                            </a:solidFill>
+                            <a:latin typeface="Cambria Math"/>
+                          </a:rPr>
+                        </m:ctrlPr>
+                      </m:sSubPr>
+                      <m:e>
+                        <m:r>
+                          <a:rPr lang="fr-FR" sz="1000" i="1" dirty="0" smtClean="0">
+                            <a:solidFill>
+                              <a:schemeClr val="tx1"/>
+                            </a:solidFill>
+                            <a:latin typeface="Cambria Math"/>
+                          </a:rPr>
+                          <m:t>𝐹</m:t>
+                        </m:r>
+                      </m:e>
+                      <m:sub>
+                        <m:r>
+                          <a:rPr lang="fr-FR" sz="1000" i="1" dirty="0">
+                            <a:solidFill>
+                              <a:schemeClr val="tx1"/>
+                            </a:solidFill>
+                            <a:latin typeface="Cambria Math"/>
+                          </a:rPr>
+                          <m:t>𝑧</m:t>
+                        </m:r>
+                        <m:r>
+                          <a:rPr lang="fr-FR" sz="1000" i="1" dirty="0">
+                            <a:solidFill>
+                              <a:schemeClr val="tx1"/>
+                            </a:solidFill>
+                            <a:latin typeface="Cambria Math"/>
+                          </a:rPr>
+                          <m:t>20</m:t>
+                        </m:r>
+                      </m:sub>
+                    </m:sSub>
+                  </m:oMath>
+                </a14:m>
+                <a:r>
+                  <a:rPr lang="fr-FR" sz="1000" dirty="0" smtClean="0">
+                    <a:solidFill>
+                      <a:schemeClr val="tx1"/>
+                    </a:solidFill>
+                  </a:rPr>
+                  <a:t> </a:t>
+                </a:r>
+                <a:r>
+                  <a:rPr lang="fr-FR" sz="1000" dirty="0">
+                    <a:solidFill>
+                      <a:schemeClr val="tx1"/>
+                    </a:solidFill>
+                  </a:rPr>
+                  <a:t>à la valeur de </a:t>
+                </a:r>
+                <a14:m>
+                  <m:oMath xmlns:m="http://schemas.openxmlformats.org/officeDocument/2006/math">
+                    <m:sSub>
+                      <m:sSubPr>
+                        <m:ctrlPr>
+                          <a:rPr lang="fr-FR" sz="1000" i="1" dirty="0">
+                            <a:solidFill>
+                              <a:schemeClr val="tx1"/>
+                            </a:solidFill>
+                            <a:latin typeface="Cambria Math"/>
+                          </a:rPr>
+                        </m:ctrlPr>
+                      </m:sSubPr>
+                      <m:e>
+                        <m:r>
+                          <a:rPr lang="fr-FR" sz="1000" i="1" dirty="0">
+                            <a:solidFill>
+                              <a:schemeClr val="tx1"/>
+                            </a:solidFill>
+                            <a:latin typeface="Cambria Math"/>
+                          </a:rPr>
+                          <m:t>𝐹</m:t>
+                        </m:r>
+                      </m:e>
+                      <m:sub>
+                        <m:r>
+                          <a:rPr lang="fr-FR" sz="1000" i="1" dirty="0">
+                            <a:solidFill>
+                              <a:schemeClr val="tx1"/>
+                            </a:solidFill>
+                            <a:latin typeface="Cambria Math"/>
+                          </a:rPr>
+                          <m:t>𝑧</m:t>
+                        </m:r>
+                      </m:sub>
+                    </m:sSub>
+                    <m:r>
+                      <a:rPr lang="fr-FR" sz="1000" i="1" dirty="0">
+                        <a:solidFill>
+                          <a:schemeClr val="tx1"/>
+                        </a:solidFill>
+                        <a:latin typeface="Cambria Math"/>
+                      </a:rPr>
+                      <m:t> </m:t>
+                    </m:r>
+                  </m:oMath>
+                </a14:m>
+                <a:r>
+                  <a:rPr lang="fr-FR" sz="1000" dirty="0" smtClean="0">
+                    <a:solidFill>
+                      <a:schemeClr val="tx1"/>
+                    </a:solidFill>
+                  </a:rPr>
+                  <a:t>mesurée </a:t>
+                </a:r>
+                <a:r>
+                  <a:rPr lang="fr-FR" sz="1000" dirty="0">
+                    <a:solidFill>
+                      <a:schemeClr val="tx1"/>
+                    </a:solidFill>
+                  </a:rPr>
+                  <a:t>sous  </a:t>
+                </a:r>
+                <a:r>
+                  <a:rPr lang="fr-FR" sz="1000" dirty="0" smtClean="0">
+                    <a:solidFill>
+                      <a:schemeClr val="tx1"/>
+                    </a:solidFill>
+                  </a:rPr>
+                  <a:t>« charge ». </a:t>
+                </a:r>
+                <a:endParaRPr lang="fr-FR" sz="1000" b="1" dirty="0">
+                  <a:solidFill>
+                    <a:sysClr val="windowText" lastClr="000000"/>
+                  </a:solidFill>
+                </a:endParaRPr>
+              </a:p>
+            </p:txBody>
+          </p:sp>
+        </mc:Choice>
+        <mc:Fallback xmlns="">
+          <p:sp>
+            <p:nvSpPr>
+              <p:cNvPr id="4" name="Double flèche horizontale 3"/>
+              <p:cNvSpPr>
+                <a:spLocks noRot="1" noChangeAspect="1" noMove="1" noResize="1" noEditPoints="1" noAdjustHandles="1" noChangeArrowheads="1" noChangeShapeType="1" noTextEdit="1"/>
+              </p:cNvSpPr>
+              <p:nvPr/>
+            </p:nvSpPr>
+            <p:spPr>
+              <a:xfrm>
+                <a:off x="3923928" y="1472978"/>
+                <a:ext cx="3096343" cy="2194730"/>
+              </a:xfrm>
+              <a:prstGeom prst="leftRightArrow">
+                <a:avLst>
+                  <a:gd name="adj1" fmla="val 75253"/>
+                  <a:gd name="adj2" fmla="val 22762"/>
+                </a:avLst>
+              </a:prstGeom>
+              <a:blipFill rotWithShape="1">
+                <a:blip r:embed="rId3"/>
+                <a:stretch>
+                  <a:fillRect/>
+                </a:stretch>
+              </a:blipFill>
+              <a:ln w="9525">
+                <a:solidFill>
+                  <a:schemeClr val="accent6">
+                    <a:lumMod val="50000"/>
+                  </a:schemeClr>
+                </a:solidFill>
+              </a:ln>
+            </p:spPr>
+            <p:txBody>
+              <a:bodyPr/>
+              <a:lstStyle/>
+              <a:p>
+                <a:r>
+                  <a:rPr lang="fr-FR">
+                    <a:noFill/>
+                  </a:rPr>
+                  <a:t> </a:t>
+                </a:r>
+              </a:p>
+            </p:txBody>
+          </p:sp>
+        </mc:Fallback>
+      </mc:AlternateContent>
+    </p:spTree>
+    <p:extLst>
+      <p:ext uri="{BB962C8B-B14F-4D97-AF65-F5344CB8AC3E}">
+        <p14:creationId xmlns:p14="http://schemas.microsoft.com/office/powerpoint/2010/main" val="4245283713"/>
+      </p:ext>
+    </p:extLst>
+  </p:cSld>
+  <p:clrMapOvr>
+    <a:masterClrMapping/>
+  </p:clrMapOvr>
+</p:sld>
+</file>
+
+<file path=ppt/slides/slide11.xml><?xml version="1.0" encoding="utf-8"?>
 <p:sld xmlns:a="http://schemas.openxmlformats.org/drawingml/2006/main" xmlns:r="http://schemas.openxmlformats.org/officeDocument/2006/relationships" xmlns:p="http://schemas.openxmlformats.org/presentationml/2006/main">
   <p:cSld>
     <p:spTree>
@@ -3966,7 +8884,7 @@
 </p:sld>
 </file>
 
-<file path=ppt/slides/slide11.xml><?xml version="1.0" encoding="utf-8"?>
+<file path=ppt/slides/slide12.xml><?xml version="1.0" encoding="utf-8"?>
 <p:sld xmlns:a="http://schemas.openxmlformats.org/drawingml/2006/main" xmlns:r="http://schemas.openxmlformats.org/officeDocument/2006/relationships" xmlns:p="http://schemas.openxmlformats.org/presentationml/2006/main">
   <p:cSld>
     <p:spTree>
@@ -4859,7 +9777,7 @@
 </p:sld>
 </file>
 
-<file path=ppt/slides/slide12.xml><?xml version="1.0" encoding="utf-8"?>
+<file path=ppt/slides/slide13.xml><?xml version="1.0" encoding="utf-8"?>
 <p:sld xmlns:a="http://schemas.openxmlformats.org/drawingml/2006/main" xmlns:r="http://schemas.openxmlformats.org/officeDocument/2006/relationships" xmlns:p="http://schemas.openxmlformats.org/presentationml/2006/main">
   <p:cSld>
     <p:spTree>
@@ -7445,6 +12363,280 @@
       </p:grpSpPr>
       <p:pic>
         <p:nvPicPr>
+          <p:cNvPr id="1026" name="Picture 2"/>
+          <p:cNvPicPr>
+            <a:picLocks noChangeAspect="1" noChangeArrowheads="1"/>
+          </p:cNvPicPr>
+          <p:nvPr/>
+        </p:nvPicPr>
+        <p:blipFill rotWithShape="1">
+          <a:blip r:embed="rId2">
+            <a:extLst>
+              <a:ext uri="{28A0092B-C50C-407E-A947-70E740481C1C}">
+                <a14:useLocalDpi xmlns:a14="http://schemas.microsoft.com/office/drawing/2010/main" val="0"/>
+              </a:ext>
+            </a:extLst>
+          </a:blip>
+          <a:srcRect r="13362"/>
+          <a:stretch/>
+        </p:blipFill>
+        <p:spPr bwMode="auto">
+          <a:xfrm>
+            <a:off x="850357" y="548680"/>
+            <a:ext cx="2929555" cy="3295650"/>
+          </a:xfrm>
+          <a:prstGeom prst="rect">
+            <a:avLst/>
+          </a:prstGeom>
+          <a:noFill/>
+          <a:ln>
+            <a:noFill/>
+          </a:ln>
+          <a:extLst>
+            <a:ext uri="{909E8E84-426E-40DD-AFC4-6F175D3DCCD1}">
+              <a14:hiddenFill xmlns:a14="http://schemas.microsoft.com/office/drawing/2010/main">
+                <a:solidFill>
+                  <a:schemeClr val="accent1"/>
+                </a:solidFill>
+              </a14:hiddenFill>
+            </a:ext>
+            <a:ext uri="{91240B29-F687-4F45-9708-019B960494DF}">
+              <a14:hiddenLine xmlns:a14="http://schemas.microsoft.com/office/drawing/2010/main" w="9525">
+                <a:solidFill>
+                  <a:schemeClr val="tx1"/>
+                </a:solidFill>
+                <a:miter lim="800000"/>
+                <a:headEnd/>
+                <a:tailEnd/>
+              </a14:hiddenLine>
+            </a:ext>
+          </a:extLst>
+        </p:spPr>
+      </p:pic>
+      <p:pic>
+        <p:nvPicPr>
+          <p:cNvPr id="1027" name="Picture 3"/>
+          <p:cNvPicPr>
+            <a:picLocks noChangeAspect="1" noChangeArrowheads="1"/>
+          </p:cNvPicPr>
+          <p:nvPr/>
+        </p:nvPicPr>
+        <p:blipFill>
+          <a:blip r:embed="rId3">
+            <a:extLst>
+              <a:ext uri="{28A0092B-C50C-407E-A947-70E740481C1C}">
+                <a14:useLocalDpi xmlns:a14="http://schemas.microsoft.com/office/drawing/2010/main" val="0"/>
+              </a:ext>
+            </a:extLst>
+          </a:blip>
+          <a:srcRect/>
+          <a:stretch>
+            <a:fillRect/>
+          </a:stretch>
+        </p:blipFill>
+        <p:spPr bwMode="auto">
+          <a:xfrm>
+            <a:off x="3777727" y="548680"/>
+            <a:ext cx="3743325" cy="1804691"/>
+          </a:xfrm>
+          <a:prstGeom prst="rect">
+            <a:avLst/>
+          </a:prstGeom>
+          <a:noFill/>
+          <a:ln>
+            <a:noFill/>
+          </a:ln>
+          <a:effectLst/>
+          <a:extLst>
+            <a:ext uri="{909E8E84-426E-40DD-AFC4-6F175D3DCCD1}">
+              <a14:hiddenFill xmlns:a14="http://schemas.microsoft.com/office/drawing/2010/main">
+                <a:solidFill>
+                  <a:schemeClr val="accent1"/>
+                </a:solidFill>
+              </a14:hiddenFill>
+            </a:ext>
+            <a:ext uri="{91240B29-F687-4F45-9708-019B960494DF}">
+              <a14:hiddenLine xmlns:a14="http://schemas.microsoft.com/office/drawing/2010/main" w="9525">
+                <a:solidFill>
+                  <a:schemeClr val="tx1"/>
+                </a:solidFill>
+                <a:miter lim="800000"/>
+                <a:headEnd/>
+                <a:tailEnd/>
+              </a14:hiddenLine>
+            </a:ext>
+            <a:ext uri="{AF507438-7753-43E0-B8FC-AC1667EBCBE1}">
+              <a14:hiddenEffects xmlns:a14="http://schemas.microsoft.com/office/drawing/2010/main">
+                <a:effectLst>
+                  <a:outerShdw dist="35921" dir="2700000" algn="ctr" rotWithShape="0">
+                    <a:schemeClr val="bg2"/>
+                  </a:outerShdw>
+                </a:effectLst>
+              </a14:hiddenEffects>
+            </a:ext>
+          </a:extLst>
+        </p:spPr>
+      </p:pic>
+      <p:pic>
+        <p:nvPicPr>
+          <p:cNvPr id="1028" name="Picture 4"/>
+          <p:cNvPicPr>
+            <a:picLocks noChangeAspect="1" noChangeArrowheads="1"/>
+          </p:cNvPicPr>
+          <p:nvPr/>
+        </p:nvPicPr>
+        <p:blipFill>
+          <a:blip r:embed="rId4">
+            <a:extLst>
+              <a:ext uri="{28A0092B-C50C-407E-A947-70E740481C1C}">
+                <a14:useLocalDpi xmlns:a14="http://schemas.microsoft.com/office/drawing/2010/main" val="0"/>
+              </a:ext>
+            </a:extLst>
+          </a:blip>
+          <a:srcRect/>
+          <a:stretch>
+            <a:fillRect/>
+          </a:stretch>
+        </p:blipFill>
+        <p:spPr bwMode="auto">
+          <a:xfrm>
+            <a:off x="3777727" y="2758480"/>
+            <a:ext cx="1809750" cy="1085850"/>
+          </a:xfrm>
+          <a:prstGeom prst="rect">
+            <a:avLst/>
+          </a:prstGeom>
+          <a:noFill/>
+          <a:ln>
+            <a:noFill/>
+          </a:ln>
+          <a:effectLst/>
+          <a:extLst>
+            <a:ext uri="{909E8E84-426E-40DD-AFC4-6F175D3DCCD1}">
+              <a14:hiddenFill xmlns:a14="http://schemas.microsoft.com/office/drawing/2010/main">
+                <a:solidFill>
+                  <a:schemeClr val="accent1"/>
+                </a:solidFill>
+              </a14:hiddenFill>
+            </a:ext>
+            <a:ext uri="{91240B29-F687-4F45-9708-019B960494DF}">
+              <a14:hiddenLine xmlns:a14="http://schemas.microsoft.com/office/drawing/2010/main" w="9525">
+                <a:solidFill>
+                  <a:schemeClr val="tx1"/>
+                </a:solidFill>
+                <a:miter lim="800000"/>
+                <a:headEnd/>
+                <a:tailEnd/>
+              </a14:hiddenLine>
+            </a:ext>
+            <a:ext uri="{AF507438-7753-43E0-B8FC-AC1667EBCBE1}">
+              <a14:hiddenEffects xmlns:a14="http://schemas.microsoft.com/office/drawing/2010/main">
+                <a:effectLst>
+                  <a:outerShdw dist="35921" dir="2700000" algn="ctr" rotWithShape="0">
+                    <a:schemeClr val="bg2"/>
+                  </a:outerShdw>
+                </a:effectLst>
+              </a14:hiddenEffects>
+            </a:ext>
+          </a:extLst>
+        </p:spPr>
+      </p:pic>
+      <p:pic>
+        <p:nvPicPr>
+          <p:cNvPr id="1029" name="Picture 5"/>
+          <p:cNvPicPr>
+            <a:picLocks noChangeAspect="1" noChangeArrowheads="1"/>
+          </p:cNvPicPr>
+          <p:nvPr/>
+        </p:nvPicPr>
+        <p:blipFill>
+          <a:blip r:embed="rId5">
+            <a:extLst>
+              <a:ext uri="{28A0092B-C50C-407E-A947-70E740481C1C}">
+                <a14:useLocalDpi xmlns:a14="http://schemas.microsoft.com/office/drawing/2010/main" val="0"/>
+              </a:ext>
+            </a:extLst>
+          </a:blip>
+          <a:srcRect/>
+          <a:stretch>
+            <a:fillRect/>
+          </a:stretch>
+        </p:blipFill>
+        <p:spPr bwMode="auto">
+          <a:xfrm>
+            <a:off x="5587477" y="2758480"/>
+            <a:ext cx="1933575" cy="1085850"/>
+          </a:xfrm>
+          <a:prstGeom prst="rect">
+            <a:avLst/>
+          </a:prstGeom>
+          <a:noFill/>
+          <a:ln>
+            <a:noFill/>
+          </a:ln>
+          <a:effectLst/>
+          <a:extLst>
+            <a:ext uri="{909E8E84-426E-40DD-AFC4-6F175D3DCCD1}">
+              <a14:hiddenFill xmlns:a14="http://schemas.microsoft.com/office/drawing/2010/main">
+                <a:solidFill>
+                  <a:schemeClr val="accent1"/>
+                </a:solidFill>
+              </a14:hiddenFill>
+            </a:ext>
+            <a:ext uri="{91240B29-F687-4F45-9708-019B960494DF}">
+              <a14:hiddenLine xmlns:a14="http://schemas.microsoft.com/office/drawing/2010/main" w="9525">
+                <a:solidFill>
+                  <a:schemeClr val="tx1"/>
+                </a:solidFill>
+                <a:miter lim="800000"/>
+                <a:headEnd/>
+                <a:tailEnd/>
+              </a14:hiddenLine>
+            </a:ext>
+            <a:ext uri="{AF507438-7753-43E0-B8FC-AC1667EBCBE1}">
+              <a14:hiddenEffects xmlns:a14="http://schemas.microsoft.com/office/drawing/2010/main">
+                <a:effectLst>
+                  <a:outerShdw dist="35921" dir="2700000" algn="ctr" rotWithShape="0">
+                    <a:schemeClr val="bg2"/>
+                  </a:outerShdw>
+                </a:effectLst>
+              </a14:hiddenEffects>
+            </a:ext>
+          </a:extLst>
+        </p:spPr>
+      </p:pic>
+    </p:spTree>
+    <p:extLst>
+      <p:ext uri="{BB962C8B-B14F-4D97-AF65-F5344CB8AC3E}">
+        <p14:creationId xmlns:p14="http://schemas.microsoft.com/office/powerpoint/2010/main" val="1241148410"/>
+      </p:ext>
+    </p:extLst>
+  </p:cSld>
+  <p:clrMapOvr>
+    <a:masterClrMapping/>
+  </p:clrMapOvr>
+</p:sld>
+</file>
+
+<file path=ppt/slides/slide3.xml><?xml version="1.0" encoding="utf-8"?>
+<p:sld xmlns:a="http://schemas.openxmlformats.org/drawingml/2006/main" xmlns:r="http://schemas.openxmlformats.org/officeDocument/2006/relationships" xmlns:p="http://schemas.openxmlformats.org/presentationml/2006/main">
+  <p:cSld>
+    <p:spTree>
+      <p:nvGrpSpPr>
+        <p:cNvPr id="1" name=""/>
+        <p:cNvGrpSpPr/>
+        <p:nvPr/>
+      </p:nvGrpSpPr>
+      <p:grpSpPr>
+        <a:xfrm>
+          <a:off x="0" y="0"/>
+          <a:ext cx="0" cy="0"/>
+          <a:chOff x="0" y="0"/>
+          <a:chExt cx="0" cy="0"/>
+        </a:xfrm>
+      </p:grpSpPr>
+      <p:pic>
+        <p:nvPicPr>
           <p:cNvPr id="1027" name="Picture 3"/>
           <p:cNvPicPr>
             <a:picLocks noChangeAspect="1" noChangeArrowheads="1"/>
@@ -7648,7 +12840,7 @@
 </p:sld>
 </file>
 
-<file path=ppt/slides/slide3.xml><?xml version="1.0" encoding="utf-8"?>
+<file path=ppt/slides/slide4.xml><?xml version="1.0" encoding="utf-8"?>
 <p:sld xmlns:a="http://schemas.openxmlformats.org/drawingml/2006/main" xmlns:r="http://schemas.openxmlformats.org/officeDocument/2006/relationships" xmlns:p="http://schemas.openxmlformats.org/presentationml/2006/main">
   <p:cSld>
     <p:spTree>
@@ -9422,7 +14614,7 @@
 </p:sld>
 </file>
 
-<file path=ppt/slides/slide4.xml><?xml version="1.0" encoding="utf-8"?>
+<file path=ppt/slides/slide5.xml><?xml version="1.0" encoding="utf-8"?>
 <p:sld xmlns:a="http://schemas.openxmlformats.org/drawingml/2006/main" xmlns:r="http://schemas.openxmlformats.org/officeDocument/2006/relationships" xmlns:p="http://schemas.openxmlformats.org/presentationml/2006/main">
   <p:cSld>
     <p:spTree>
@@ -11019,7 +16211,7 @@
 </p:sld>
 </file>
 
-<file path=ppt/slides/slide5.xml><?xml version="1.0" encoding="utf-8"?>
+<file path=ppt/slides/slide6.xml><?xml version="1.0" encoding="utf-8"?>
 <p:sld xmlns:a="http://schemas.openxmlformats.org/drawingml/2006/main" xmlns:r="http://schemas.openxmlformats.org/officeDocument/2006/relationships" xmlns:p="http://schemas.openxmlformats.org/presentationml/2006/main">
   <p:cSld>
     <p:spTree>
@@ -11445,7 +16637,7 @@
 </p:sld>
 </file>
 
-<file path=ppt/slides/slide6.xml><?xml version="1.0" encoding="utf-8"?>
+<file path=ppt/slides/slide7.xml><?xml version="1.0" encoding="utf-8"?>
 <p:sld xmlns:a="http://schemas.openxmlformats.org/drawingml/2006/main" xmlns:r="http://schemas.openxmlformats.org/officeDocument/2006/relationships" xmlns:p="http://schemas.openxmlformats.org/presentationml/2006/main">
   <p:cSld>
     <p:spTree>
@@ -12593,7 +17785,7 @@
 </p:sld>
 </file>
 
-<file path=ppt/slides/slide7.xml><?xml version="1.0" encoding="utf-8"?>
+<file path=ppt/slides/slide8.xml><?xml version="1.0" encoding="utf-8"?>
 <p:sld xmlns:a="http://schemas.openxmlformats.org/drawingml/2006/main" xmlns:r="http://schemas.openxmlformats.org/officeDocument/2006/relationships" xmlns:p="http://schemas.openxmlformats.org/presentationml/2006/main">
   <p:cSld>
     <p:spTree>
@@ -16475,7 +21667,7 @@
 </p:sld>
 </file>
 
-<file path=ppt/slides/slide8.xml><?xml version="1.0" encoding="utf-8"?>
+<file path=ppt/slides/slide9.xml><?xml version="1.0" encoding="utf-8"?>
 <p:sld xmlns:a="http://schemas.openxmlformats.org/drawingml/2006/main" xmlns:r="http://schemas.openxmlformats.org/officeDocument/2006/relationships" xmlns:p="http://schemas.openxmlformats.org/presentationml/2006/main">
   <p:cSld>
     <p:spTree>
@@ -17088,855 +22280,6 @@
 </p:sld>
 </file>
 
-<file path=ppt/slides/slide9.xml><?xml version="1.0" encoding="utf-8"?>
-<p:sld xmlns:a="http://schemas.openxmlformats.org/drawingml/2006/main" xmlns:r="http://schemas.openxmlformats.org/officeDocument/2006/relationships" xmlns:p="http://schemas.openxmlformats.org/presentationml/2006/main">
-  <p:cSld>
-    <p:spTree>
-      <p:nvGrpSpPr>
-        <p:cNvPr id="1" name=""/>
-        <p:cNvGrpSpPr/>
-        <p:nvPr/>
-      </p:nvGrpSpPr>
-      <p:grpSpPr>
-        <a:xfrm>
-          <a:off x="0" y="0"/>
-          <a:ext cx="0" cy="0"/>
-          <a:chOff x="0" y="0"/>
-          <a:chExt cx="0" cy="0"/>
-        </a:xfrm>
-      </p:grpSpPr>
-      <p:sp>
-        <p:nvSpPr>
-          <p:cNvPr id="5" name="Rectangle 4"/>
-          <p:cNvSpPr/>
-          <p:nvPr/>
-        </p:nvSpPr>
-        <p:spPr>
-          <a:xfrm>
-            <a:off x="971600" y="1628800"/>
-            <a:ext cx="1440160" cy="288032"/>
-          </a:xfrm>
-          <a:prstGeom prst="rect">
-            <a:avLst/>
-          </a:prstGeom>
-          <a:solidFill>
-            <a:schemeClr val="accent5">
-              <a:lumMod val="20000"/>
-              <a:lumOff val="80000"/>
-            </a:schemeClr>
-          </a:solidFill>
-          <a:ln w="9525">
-            <a:solidFill>
-              <a:schemeClr val="accent5">
-                <a:lumMod val="50000"/>
-              </a:schemeClr>
-            </a:solidFill>
-          </a:ln>
-        </p:spPr>
-        <p:style>
-          <a:lnRef idx="2">
-            <a:schemeClr val="accent1">
-              <a:shade val="50000"/>
-            </a:schemeClr>
-          </a:lnRef>
-          <a:fillRef idx="1">
-            <a:schemeClr val="accent1"/>
-          </a:fillRef>
-          <a:effectRef idx="0">
-            <a:schemeClr val="accent1"/>
-          </a:effectRef>
-          <a:fontRef idx="minor">
-            <a:schemeClr val="lt1"/>
-          </a:fontRef>
-        </p:style>
-        <p:txBody>
-          <a:bodyPr rtlCol="0" anchor="ctr"/>
-          <a:lstStyle/>
-          <a:p>
-            <a:pPr algn="ctr"/>
-            <a:r>
-              <a:rPr lang="fr-FR" sz="1000" dirty="0" smtClean="0">
-                <a:solidFill>
-                  <a:sysClr val="windowText" lastClr="000000"/>
-                </a:solidFill>
-              </a:rPr>
-              <a:t>Domaine du client</a:t>
-            </a:r>
-            <a:endParaRPr lang="fr-FR" sz="1000" dirty="0">
-              <a:solidFill>
-                <a:sysClr val="windowText" lastClr="000000"/>
-              </a:solidFill>
-            </a:endParaRPr>
-          </a:p>
-        </p:txBody>
-      </p:sp>
-      <p:sp>
-        <p:nvSpPr>
-          <p:cNvPr id="6" name="Rectangle 5"/>
-          <p:cNvSpPr/>
-          <p:nvPr/>
-        </p:nvSpPr>
-        <p:spPr>
-          <a:xfrm>
-            <a:off x="971600" y="1985071"/>
-            <a:ext cx="1440160" cy="1512168"/>
-          </a:xfrm>
-          <a:prstGeom prst="rect">
-            <a:avLst/>
-          </a:prstGeom>
-          <a:solidFill>
-            <a:schemeClr val="accent5">
-              <a:lumMod val="20000"/>
-              <a:lumOff val="80000"/>
-            </a:schemeClr>
-          </a:solidFill>
-          <a:ln w="9525">
-            <a:solidFill>
-              <a:schemeClr val="accent5">
-                <a:lumMod val="50000"/>
-              </a:schemeClr>
-            </a:solidFill>
-          </a:ln>
-        </p:spPr>
-        <p:style>
-          <a:lnRef idx="2">
-            <a:schemeClr val="accent1">
-              <a:shade val="50000"/>
-            </a:schemeClr>
-          </a:lnRef>
-          <a:fillRef idx="1">
-            <a:schemeClr val="accent1"/>
-          </a:fillRef>
-          <a:effectRef idx="0">
-            <a:schemeClr val="accent1"/>
-          </a:effectRef>
-          <a:fontRef idx="minor">
-            <a:schemeClr val="lt1"/>
-          </a:fontRef>
-        </p:style>
-        <p:txBody>
-          <a:bodyPr rtlCol="0" anchor="ctr"/>
-          <a:lstStyle/>
-          <a:p>
-            <a:pPr algn="ctr"/>
-            <a:endParaRPr lang="fr-FR" sz="1000" dirty="0">
-              <a:solidFill>
-                <a:sysClr val="windowText" lastClr="000000"/>
-              </a:solidFill>
-            </a:endParaRPr>
-          </a:p>
-        </p:txBody>
-      </p:sp>
-      <p:sp>
-        <p:nvSpPr>
-          <p:cNvPr id="8" name="Rectangle 7"/>
-          <p:cNvSpPr/>
-          <p:nvPr/>
-        </p:nvSpPr>
-        <p:spPr>
-          <a:xfrm>
-            <a:off x="2754201" y="1628800"/>
-            <a:ext cx="1440160" cy="288032"/>
-          </a:xfrm>
-          <a:prstGeom prst="rect">
-            <a:avLst/>
-          </a:prstGeom>
-          <a:solidFill>
-            <a:schemeClr val="accent2">
-              <a:lumMod val="20000"/>
-              <a:lumOff val="80000"/>
-            </a:schemeClr>
-          </a:solidFill>
-          <a:ln w="9525">
-            <a:solidFill>
-              <a:schemeClr val="accent2"/>
-            </a:solidFill>
-          </a:ln>
-        </p:spPr>
-        <p:style>
-          <a:lnRef idx="2">
-            <a:schemeClr val="accent1">
-              <a:shade val="50000"/>
-            </a:schemeClr>
-          </a:lnRef>
-          <a:fillRef idx="1">
-            <a:schemeClr val="accent1"/>
-          </a:fillRef>
-          <a:effectRef idx="0">
-            <a:schemeClr val="accent1"/>
-          </a:effectRef>
-          <a:fontRef idx="minor">
-            <a:schemeClr val="lt1"/>
-          </a:fontRef>
-        </p:style>
-        <p:txBody>
-          <a:bodyPr rtlCol="0" anchor="ctr"/>
-          <a:lstStyle/>
-          <a:p>
-            <a:pPr algn="ctr"/>
-            <a:r>
-              <a:rPr lang="fr-FR" sz="1000" dirty="0" smtClean="0">
-                <a:solidFill>
-                  <a:sysClr val="windowText" lastClr="000000"/>
-                </a:solidFill>
-              </a:rPr>
-              <a:t>Domaine de la modélisation</a:t>
-            </a:r>
-            <a:endParaRPr lang="fr-FR" sz="1000" dirty="0">
-              <a:solidFill>
-                <a:sysClr val="windowText" lastClr="000000"/>
-              </a:solidFill>
-            </a:endParaRPr>
-          </a:p>
-        </p:txBody>
-      </p:sp>
-      <p:sp>
-        <p:nvSpPr>
-          <p:cNvPr id="9" name="Rectangle 8"/>
-          <p:cNvSpPr/>
-          <p:nvPr/>
-        </p:nvSpPr>
-        <p:spPr>
-          <a:xfrm>
-            <a:off x="2754201" y="1985071"/>
-            <a:ext cx="1440160" cy="1519706"/>
-          </a:xfrm>
-          <a:prstGeom prst="rect">
-            <a:avLst/>
-          </a:prstGeom>
-          <a:solidFill>
-            <a:schemeClr val="accent2">
-              <a:lumMod val="20000"/>
-              <a:lumOff val="80000"/>
-            </a:schemeClr>
-          </a:solidFill>
-          <a:ln w="9525">
-            <a:solidFill>
-              <a:schemeClr val="accent2"/>
-            </a:solidFill>
-          </a:ln>
-        </p:spPr>
-        <p:style>
-          <a:lnRef idx="2">
-            <a:schemeClr val="accent1">
-              <a:shade val="50000"/>
-            </a:schemeClr>
-          </a:lnRef>
-          <a:fillRef idx="1">
-            <a:schemeClr val="accent1"/>
-          </a:fillRef>
-          <a:effectRef idx="0">
-            <a:schemeClr val="accent1"/>
-          </a:effectRef>
-          <a:fontRef idx="minor">
-            <a:schemeClr val="lt1"/>
-          </a:fontRef>
-        </p:style>
-        <p:txBody>
-          <a:bodyPr rtlCol="0" anchor="ctr"/>
-          <a:lstStyle/>
-          <a:p>
-            <a:pPr algn="ctr"/>
-            <a:endParaRPr lang="fr-FR" sz="1000" dirty="0">
-              <a:solidFill>
-                <a:sysClr val="windowText" lastClr="000000"/>
-              </a:solidFill>
-            </a:endParaRPr>
-          </a:p>
-        </p:txBody>
-      </p:sp>
-      <p:sp>
-        <p:nvSpPr>
-          <p:cNvPr id="10" name="Rectangle 9"/>
-          <p:cNvSpPr/>
-          <p:nvPr/>
-        </p:nvSpPr>
-        <p:spPr>
-          <a:xfrm>
-            <a:off x="2910953" y="2051721"/>
-            <a:ext cx="1126656" cy="1389432"/>
-          </a:xfrm>
-          <a:prstGeom prst="rect">
-            <a:avLst/>
-          </a:prstGeom>
-          <a:solidFill>
-            <a:schemeClr val="accent2">
-              <a:lumMod val="20000"/>
-              <a:lumOff val="80000"/>
-            </a:schemeClr>
-          </a:solidFill>
-          <a:ln w="9525">
-            <a:solidFill>
-              <a:schemeClr val="accent2"/>
-            </a:solidFill>
-          </a:ln>
-        </p:spPr>
-        <p:style>
-          <a:lnRef idx="2">
-            <a:schemeClr val="accent1">
-              <a:shade val="50000"/>
-            </a:schemeClr>
-          </a:lnRef>
-          <a:fillRef idx="1">
-            <a:schemeClr val="accent1"/>
-          </a:fillRef>
-          <a:effectRef idx="0">
-            <a:schemeClr val="accent1"/>
-          </a:effectRef>
-          <a:fontRef idx="minor">
-            <a:schemeClr val="lt1"/>
-          </a:fontRef>
-        </p:style>
-        <p:txBody>
-          <a:bodyPr rtlCol="0" anchor="t"/>
-          <a:lstStyle/>
-          <a:p>
-            <a:pPr algn="ctr"/>
-            <a:r>
-              <a:rPr lang="fr-FR" sz="1000" b="1" dirty="0" smtClean="0">
-                <a:solidFill>
-                  <a:sysClr val="windowText" lastClr="000000"/>
-                </a:solidFill>
-              </a:rPr>
-              <a:t>Détermination des lois en effort en utilisant le PFS</a:t>
-            </a:r>
-          </a:p>
-        </p:txBody>
-      </p:sp>
-      <p:pic>
-        <p:nvPicPr>
-          <p:cNvPr id="2" name="Picture 2" descr="C:\Enseignement\GitHub\Cy_04_PSI_ModelisationDynamique\Revisions_Statique\Fiche_01_Statique_3D_TD_01_MC2E\images\fig_03.png"/>
-          <p:cNvPicPr>
-            <a:picLocks noChangeAspect="1" noChangeArrowheads="1"/>
-          </p:cNvPicPr>
-          <p:nvPr/>
-        </p:nvPicPr>
-        <p:blipFill rotWithShape="1">
-          <a:blip r:embed="rId2">
-            <a:extLst>
-              <a:ext uri="{28A0092B-C50C-407E-A947-70E740481C1C}">
-                <a14:useLocalDpi xmlns:a14="http://schemas.microsoft.com/office/drawing/2010/main" val="0"/>
-              </a:ext>
-            </a:extLst>
-          </a:blip>
-          <a:srcRect l="51117" t="54395" r="26802" b="-68"/>
-          <a:stretch/>
-        </p:blipFill>
-        <p:spPr bwMode="auto">
-          <a:xfrm>
-            <a:off x="1088030" y="2088420"/>
-            <a:ext cx="1207299" cy="963846"/>
-          </a:xfrm>
-          <a:prstGeom prst="rect">
-            <a:avLst/>
-          </a:prstGeom>
-          <a:noFill/>
-          <a:extLst>
-            <a:ext uri="{909E8E84-426E-40DD-AFC4-6F175D3DCCD1}">
-              <a14:hiddenFill xmlns:a14="http://schemas.microsoft.com/office/drawing/2010/main">
-                <a:solidFill>
-                  <a:srgbClr val="FFFFFF"/>
-                </a:solidFill>
-              </a14:hiddenFill>
-            </a:ext>
-          </a:extLst>
-        </p:spPr>
-      </p:pic>
-      <p:sp>
-        <p:nvSpPr>
-          <p:cNvPr id="14" name="Rectangle 13"/>
-          <p:cNvSpPr/>
-          <p:nvPr/>
-        </p:nvSpPr>
-        <p:spPr>
-          <a:xfrm>
-            <a:off x="6660232" y="1628800"/>
-            <a:ext cx="1440160" cy="288032"/>
-          </a:xfrm>
-          <a:prstGeom prst="rect">
-            <a:avLst/>
-          </a:prstGeom>
-          <a:solidFill>
-            <a:schemeClr val="accent3">
-              <a:lumMod val="20000"/>
-              <a:lumOff val="80000"/>
-            </a:schemeClr>
-          </a:solidFill>
-          <a:ln w="9525">
-            <a:solidFill>
-              <a:schemeClr val="accent3">
-                <a:lumMod val="50000"/>
-              </a:schemeClr>
-            </a:solidFill>
-          </a:ln>
-        </p:spPr>
-        <p:style>
-          <a:lnRef idx="2">
-            <a:schemeClr val="accent1">
-              <a:shade val="50000"/>
-            </a:schemeClr>
-          </a:lnRef>
-          <a:fillRef idx="1">
-            <a:schemeClr val="accent1"/>
-          </a:fillRef>
-          <a:effectRef idx="0">
-            <a:schemeClr val="accent1"/>
-          </a:effectRef>
-          <a:fontRef idx="minor">
-            <a:schemeClr val="lt1"/>
-          </a:fontRef>
-        </p:style>
-        <p:txBody>
-          <a:bodyPr rtlCol="0" anchor="ctr"/>
-          <a:lstStyle/>
-          <a:p>
-            <a:pPr algn="ctr"/>
-            <a:r>
-              <a:rPr lang="fr-FR" sz="1000" dirty="0" smtClean="0">
-                <a:solidFill>
-                  <a:sysClr val="windowText" lastClr="000000"/>
-                </a:solidFill>
-              </a:rPr>
-              <a:t>Domaine de l’expérimentation</a:t>
-            </a:r>
-            <a:endParaRPr lang="fr-FR" sz="1000" dirty="0">
-              <a:solidFill>
-                <a:sysClr val="windowText" lastClr="000000"/>
-              </a:solidFill>
-            </a:endParaRPr>
-          </a:p>
-        </p:txBody>
-      </p:sp>
-      <p:sp>
-        <p:nvSpPr>
-          <p:cNvPr id="15" name="Rectangle 14"/>
-          <p:cNvSpPr/>
-          <p:nvPr/>
-        </p:nvSpPr>
-        <p:spPr>
-          <a:xfrm>
-            <a:off x="6660232" y="1985071"/>
-            <a:ext cx="1440160" cy="1519706"/>
-          </a:xfrm>
-          <a:prstGeom prst="rect">
-            <a:avLst/>
-          </a:prstGeom>
-          <a:solidFill>
-            <a:schemeClr val="accent3">
-              <a:lumMod val="20000"/>
-              <a:lumOff val="80000"/>
-            </a:schemeClr>
-          </a:solidFill>
-          <a:ln w="9525">
-            <a:solidFill>
-              <a:schemeClr val="accent3">
-                <a:lumMod val="50000"/>
-              </a:schemeClr>
-            </a:solidFill>
-          </a:ln>
-        </p:spPr>
-        <p:style>
-          <a:lnRef idx="2">
-            <a:schemeClr val="accent1">
-              <a:shade val="50000"/>
-            </a:schemeClr>
-          </a:lnRef>
-          <a:fillRef idx="1">
-            <a:schemeClr val="accent1"/>
-          </a:fillRef>
-          <a:effectRef idx="0">
-            <a:schemeClr val="accent1"/>
-          </a:effectRef>
-          <a:fontRef idx="minor">
-            <a:schemeClr val="lt1"/>
-          </a:fontRef>
-        </p:style>
-        <p:txBody>
-          <a:bodyPr rtlCol="0" anchor="ctr"/>
-          <a:lstStyle/>
-          <a:p>
-            <a:pPr algn="ctr"/>
-            <a:endParaRPr lang="fr-FR" sz="1000" dirty="0">
-              <a:solidFill>
-                <a:sysClr val="windowText" lastClr="000000"/>
-              </a:solidFill>
-            </a:endParaRPr>
-          </a:p>
-        </p:txBody>
-      </p:sp>
-      <p:sp>
-        <p:nvSpPr>
-          <p:cNvPr id="16" name="Rectangle 15"/>
-          <p:cNvSpPr/>
-          <p:nvPr/>
-        </p:nvSpPr>
-        <p:spPr>
-          <a:xfrm>
-            <a:off x="6767439" y="2051721"/>
-            <a:ext cx="1225746" cy="1389432"/>
-          </a:xfrm>
-          <a:prstGeom prst="rect">
-            <a:avLst/>
-          </a:prstGeom>
-          <a:solidFill>
-            <a:schemeClr val="accent3">
-              <a:lumMod val="20000"/>
-              <a:lumOff val="80000"/>
-            </a:schemeClr>
-          </a:solidFill>
-          <a:ln w="9525">
-            <a:solidFill>
-              <a:schemeClr val="accent3">
-                <a:lumMod val="50000"/>
-              </a:schemeClr>
-            </a:solidFill>
-          </a:ln>
-        </p:spPr>
-        <p:style>
-          <a:lnRef idx="2">
-            <a:schemeClr val="accent1">
-              <a:shade val="50000"/>
-            </a:schemeClr>
-          </a:lnRef>
-          <a:fillRef idx="1">
-            <a:schemeClr val="accent1"/>
-          </a:fillRef>
-          <a:effectRef idx="0">
-            <a:schemeClr val="accent1"/>
-          </a:effectRef>
-          <a:fontRef idx="minor">
-            <a:schemeClr val="lt1"/>
-          </a:fontRef>
-        </p:style>
-        <p:txBody>
-          <a:bodyPr rtlCol="0" anchor="t"/>
-          <a:lstStyle/>
-          <a:p>
-            <a:pPr algn="ctr"/>
-            <a:r>
-              <a:rPr lang="fr-FR" sz="1000" b="1" dirty="0" smtClean="0">
-                <a:solidFill>
-                  <a:sysClr val="windowText" lastClr="000000"/>
-                </a:solidFill>
-              </a:rPr>
-              <a:t>Calibration du poids de E.</a:t>
-            </a:r>
-            <a:endParaRPr lang="fr-FR" sz="1000" b="1" dirty="0">
-              <a:solidFill>
-                <a:sysClr val="windowText" lastClr="000000"/>
-              </a:solidFill>
-            </a:endParaRPr>
-          </a:p>
-        </p:txBody>
-      </p:sp>
-      <mc:AlternateContent xmlns:mc="http://schemas.openxmlformats.org/markup-compatibility/2006" xmlns:a14="http://schemas.microsoft.com/office/drawing/2010/main">
-        <mc:Choice Requires="a14">
-          <p:sp>
-            <p:nvSpPr>
-              <p:cNvPr id="4" name="Double flèche horizontale 3"/>
-              <p:cNvSpPr/>
-              <p:nvPr/>
-            </p:nvSpPr>
-            <p:spPr>
-              <a:xfrm>
-                <a:off x="3923928" y="1472978"/>
-                <a:ext cx="3096343" cy="2194730"/>
-              </a:xfrm>
-              <a:prstGeom prst="leftRightArrow">
-                <a:avLst>
-                  <a:gd name="adj1" fmla="val 75253"/>
-                  <a:gd name="adj2" fmla="val 22762"/>
-                </a:avLst>
-              </a:prstGeom>
-              <a:solidFill>
-                <a:schemeClr val="accent6">
-                  <a:lumMod val="20000"/>
-                  <a:lumOff val="80000"/>
-                </a:schemeClr>
-              </a:solidFill>
-              <a:ln w="9525">
-                <a:solidFill>
-                  <a:schemeClr val="accent6">
-                    <a:lumMod val="50000"/>
-                  </a:schemeClr>
-                </a:solidFill>
-              </a:ln>
-            </p:spPr>
-            <p:style>
-              <a:lnRef idx="2">
-                <a:schemeClr val="accent1">
-                  <a:shade val="50000"/>
-                </a:schemeClr>
-              </a:lnRef>
-              <a:fillRef idx="1">
-                <a:schemeClr val="accent1"/>
-              </a:fillRef>
-              <a:effectRef idx="0">
-                <a:schemeClr val="accent1"/>
-              </a:effectRef>
-              <a:fontRef idx="minor">
-                <a:schemeClr val="lt1"/>
-              </a:fontRef>
-            </p:style>
-            <p:txBody>
-              <a:bodyPr rtlCol="0" anchor="ctr"/>
-              <a:lstStyle/>
-              <a:p>
-                <a:pPr algn="ctr"/>
-                <a:r>
-                  <a:rPr lang="fr-FR" sz="900" dirty="0" smtClean="0">
-                    <a:solidFill>
-                      <a:sysClr val="windowText" lastClr="000000"/>
-                    </a:solidFill>
-                  </a:rPr>
-                  <a:t>Détermination de la compensation en effort</a:t>
-                </a:r>
-              </a:p>
-              <a:p>
-                <a:pPr algn="ctr"/>
-                <a:r>
-                  <a:rPr lang="fr-FR" sz="1050" b="1" dirty="0" smtClean="0">
-                    <a:solidFill>
-                      <a:sysClr val="windowText" lastClr="000000"/>
-                    </a:solidFill>
-                  </a:rPr>
-                  <a:t>Erreur due à la mesure du  poids lors de la compensation  : 0,4%</a:t>
-                </a:r>
-              </a:p>
-              <a:p>
-                <a:pPr algn="ctr"/>
-                <a:endParaRPr lang="fr-FR" sz="1050" b="1" dirty="0" smtClean="0">
-                  <a:solidFill>
-                    <a:sysClr val="windowText" lastClr="000000"/>
-                  </a:solidFill>
-                </a:endParaRPr>
-              </a:p>
-              <a:p>
-                <a:pPr algn="ctr"/>
-                <a:r>
-                  <a:rPr lang="fr-FR" sz="1050" b="1" dirty="0" smtClean="0">
-                    <a:solidFill>
-                      <a:sysClr val="windowText" lastClr="000000"/>
-                    </a:solidFill>
-                  </a:rPr>
-                  <a:t>Méthode de compensation du poids : </a:t>
-                </a:r>
-              </a:p>
-              <a:p>
-                <a:pPr algn="ctr"/>
-                <a:r>
-                  <a:rPr lang="fr-FR" sz="1000" dirty="0">
-                    <a:solidFill>
-                      <a:schemeClr val="tx1"/>
-                    </a:solidFill>
-                  </a:rPr>
-                  <a:t>Pour compenser le pesanteur, il faudra donc retrancher </a:t>
-                </a:r>
-                <a14:m>
-                  <m:oMath xmlns:m="http://schemas.openxmlformats.org/officeDocument/2006/math">
-                    <m:sSub>
-                      <m:sSubPr>
-                        <m:ctrlPr>
-                          <a:rPr lang="fr-FR" sz="1000" i="1" dirty="0" smtClean="0">
-                            <a:solidFill>
-                              <a:schemeClr val="tx1"/>
-                            </a:solidFill>
-                            <a:latin typeface="Cambria Math"/>
-                          </a:rPr>
-                        </m:ctrlPr>
-                      </m:sSubPr>
-                      <m:e>
-                        <m:r>
-                          <a:rPr lang="fr-FR" sz="1000" i="1" dirty="0" smtClean="0">
-                            <a:solidFill>
-                              <a:schemeClr val="tx1"/>
-                            </a:solidFill>
-                            <a:latin typeface="Cambria Math"/>
-                          </a:rPr>
-                          <m:t>𝐹</m:t>
-                        </m:r>
-                      </m:e>
-                      <m:sub>
-                        <m:r>
-                          <a:rPr lang="fr-FR" sz="1000" i="1" dirty="0">
-                            <a:solidFill>
-                              <a:schemeClr val="tx1"/>
-                            </a:solidFill>
-                            <a:latin typeface="Cambria Math"/>
-                          </a:rPr>
-                          <m:t>𝑧</m:t>
-                        </m:r>
-                        <m:r>
-                          <a:rPr lang="fr-FR" sz="1000" i="1" dirty="0">
-                            <a:solidFill>
-                              <a:schemeClr val="tx1"/>
-                            </a:solidFill>
-                            <a:latin typeface="Cambria Math"/>
-                          </a:rPr>
-                          <m:t>20</m:t>
-                        </m:r>
-                      </m:sub>
-                    </m:sSub>
-                  </m:oMath>
-                </a14:m>
-                <a:r>
-                  <a:rPr lang="fr-FR" sz="1000" dirty="0" smtClean="0">
-                    <a:solidFill>
-                      <a:schemeClr val="tx1"/>
-                    </a:solidFill>
-                  </a:rPr>
-                  <a:t> </a:t>
-                </a:r>
-                <a:r>
-                  <a:rPr lang="fr-FR" sz="1000" dirty="0">
-                    <a:solidFill>
-                      <a:schemeClr val="tx1"/>
-                    </a:solidFill>
-                  </a:rPr>
-                  <a:t>à la valeur de </a:t>
-                </a:r>
-                <a14:m>
-                  <m:oMath xmlns:m="http://schemas.openxmlformats.org/officeDocument/2006/math">
-                    <m:sSub>
-                      <m:sSubPr>
-                        <m:ctrlPr>
-                          <a:rPr lang="fr-FR" sz="1000" i="1" dirty="0">
-                            <a:solidFill>
-                              <a:schemeClr val="tx1"/>
-                            </a:solidFill>
-                            <a:latin typeface="Cambria Math"/>
-                          </a:rPr>
-                        </m:ctrlPr>
-                      </m:sSubPr>
-                      <m:e>
-                        <m:r>
-                          <a:rPr lang="fr-FR" sz="1000" i="1" dirty="0">
-                            <a:solidFill>
-                              <a:schemeClr val="tx1"/>
-                            </a:solidFill>
-                            <a:latin typeface="Cambria Math"/>
-                          </a:rPr>
-                          <m:t>𝐹</m:t>
-                        </m:r>
-                      </m:e>
-                      <m:sub>
-                        <m:r>
-                          <a:rPr lang="fr-FR" sz="1000" i="1" dirty="0">
-                            <a:solidFill>
-                              <a:schemeClr val="tx1"/>
-                            </a:solidFill>
-                            <a:latin typeface="Cambria Math"/>
-                          </a:rPr>
-                          <m:t>𝑧</m:t>
-                        </m:r>
-                      </m:sub>
-                    </m:sSub>
-                    <m:r>
-                      <a:rPr lang="fr-FR" sz="1000" i="1" dirty="0">
-                        <a:solidFill>
-                          <a:schemeClr val="tx1"/>
-                        </a:solidFill>
-                        <a:latin typeface="Cambria Math"/>
-                      </a:rPr>
-                      <m:t> </m:t>
-                    </m:r>
-                  </m:oMath>
-                </a14:m>
-                <a:r>
-                  <a:rPr lang="fr-FR" sz="1000" dirty="0" smtClean="0">
-                    <a:solidFill>
-                      <a:schemeClr val="tx1"/>
-                    </a:solidFill>
-                  </a:rPr>
-                  <a:t>mesurée </a:t>
-                </a:r>
-                <a:r>
-                  <a:rPr lang="fr-FR" sz="1000" dirty="0">
-                    <a:solidFill>
-                      <a:schemeClr val="tx1"/>
-                    </a:solidFill>
-                  </a:rPr>
-                  <a:t>sous  </a:t>
-                </a:r>
-                <a:r>
-                  <a:rPr lang="fr-FR" sz="1000" dirty="0" smtClean="0">
-                    <a:solidFill>
-                      <a:schemeClr val="tx1"/>
-                    </a:solidFill>
-                  </a:rPr>
-                  <a:t>« charge ». </a:t>
-                </a:r>
-                <a:endParaRPr lang="fr-FR" sz="1000" b="1" dirty="0">
-                  <a:solidFill>
-                    <a:sysClr val="windowText" lastClr="000000"/>
-                  </a:solidFill>
-                </a:endParaRPr>
-              </a:p>
-            </p:txBody>
-          </p:sp>
-        </mc:Choice>
-        <mc:Fallback xmlns="">
-          <p:sp>
-            <p:nvSpPr>
-              <p:cNvPr id="4" name="Double flèche horizontale 3"/>
-              <p:cNvSpPr>
-                <a:spLocks noRot="1" noChangeAspect="1" noMove="1" noResize="1" noEditPoints="1" noAdjustHandles="1" noChangeArrowheads="1" noChangeShapeType="1" noTextEdit="1"/>
-              </p:cNvSpPr>
-              <p:nvPr/>
-            </p:nvSpPr>
-            <p:spPr>
-              <a:xfrm>
-                <a:off x="3923928" y="1472978"/>
-                <a:ext cx="3096343" cy="2194730"/>
-              </a:xfrm>
-              <a:prstGeom prst="leftRightArrow">
-                <a:avLst>
-                  <a:gd name="adj1" fmla="val 75253"/>
-                  <a:gd name="adj2" fmla="val 22762"/>
-                </a:avLst>
-              </a:prstGeom>
-              <a:blipFill rotWithShape="1">
-                <a:blip r:embed="rId3"/>
-                <a:stretch>
-                  <a:fillRect/>
-                </a:stretch>
-              </a:blipFill>
-              <a:ln w="9525">
-                <a:solidFill>
-                  <a:schemeClr val="accent6">
-                    <a:lumMod val="50000"/>
-                  </a:schemeClr>
-                </a:solidFill>
-              </a:ln>
-            </p:spPr>
-            <p:txBody>
-              <a:bodyPr/>
-              <a:lstStyle/>
-              <a:p>
-                <a:r>
-                  <a:rPr lang="fr-FR">
-                    <a:noFill/>
-                  </a:rPr>
-                  <a:t> </a:t>
-                </a:r>
-              </a:p>
-            </p:txBody>
-          </p:sp>
-        </mc:Fallback>
-      </mc:AlternateContent>
-    </p:spTree>
-    <p:extLst>
-      <p:ext uri="{BB962C8B-B14F-4D97-AF65-F5344CB8AC3E}">
-        <p14:creationId xmlns:p14="http://schemas.microsoft.com/office/powerpoint/2010/main" val="4245283713"/>
-      </p:ext>
-    </p:extLst>
-  </p:cSld>
-  <p:clrMapOvr>
-    <a:masterClrMapping/>
-  </p:clrMapOvr>
-</p:sld>
-</file>
-
 <file path=ppt/theme/theme1.xml><?xml version="1.0" encoding="utf-8"?>
 <a:theme xmlns:a="http://schemas.openxmlformats.org/drawingml/2006/main" name="Thème Office">
   <a:themeElements>

--- a/Centrale_2018/images/Figures.pptx
+++ b/Centrale_2018/images/Figures.pptx
@@ -3164,68 +3164,6 @@
           </a:p>
         </p:txBody>
       </p:sp>
-      <p:sp>
-        <p:nvSpPr>
-          <p:cNvPr id="8" name="Ellipse 7"/>
-          <p:cNvSpPr/>
-          <p:nvPr/>
-        </p:nvSpPr>
-        <p:spPr>
-          <a:xfrm>
-            <a:off x="6464402" y="2969417"/>
-            <a:ext cx="288032" cy="288032"/>
-          </a:xfrm>
-          <a:prstGeom prst="ellipse">
-            <a:avLst/>
-          </a:prstGeom>
-          <a:solidFill>
-            <a:schemeClr val="bg1">
-              <a:lumMod val="85000"/>
-            </a:schemeClr>
-          </a:solidFill>
-          <a:ln w="19050">
-            <a:solidFill>
-              <a:schemeClr val="tx1"/>
-            </a:solidFill>
-          </a:ln>
-        </p:spPr>
-        <p:style>
-          <a:lnRef idx="2">
-            <a:schemeClr val="accent1">
-              <a:shade val="50000"/>
-            </a:schemeClr>
-          </a:lnRef>
-          <a:fillRef idx="1">
-            <a:schemeClr val="accent1"/>
-          </a:fillRef>
-          <a:effectRef idx="0">
-            <a:schemeClr val="accent1"/>
-          </a:effectRef>
-          <a:fontRef idx="minor">
-            <a:schemeClr val="lt1"/>
-          </a:fontRef>
-        </p:style>
-        <p:txBody>
-          <a:bodyPr rtlCol="0" anchor="ctr"/>
-          <a:lstStyle/>
-          <a:p>
-            <a:pPr algn="ctr"/>
-            <a:r>
-              <a:rPr lang="fr-FR" sz="1400" b="1" dirty="0" smtClean="0">
-                <a:solidFill>
-                  <a:schemeClr val="tx1"/>
-                </a:solidFill>
-              </a:rPr>
-              <a:t>4</a:t>
-            </a:r>
-            <a:endParaRPr lang="fr-FR" sz="1400" b="1" dirty="0">
-              <a:solidFill>
-                <a:schemeClr val="tx1"/>
-              </a:solidFill>
-            </a:endParaRPr>
-          </a:p>
-        </p:txBody>
-      </p:sp>
       <p:cxnSp>
         <p:nvCxnSpPr>
           <p:cNvPr id="12" name="Connecteur droit 11"/>
@@ -3261,43 +3199,6 @@
           </a:fontRef>
         </p:style>
       </p:cxnSp>
-      <p:cxnSp>
-        <p:nvCxnSpPr>
-          <p:cNvPr id="13" name="Connecteur droit 12"/>
-          <p:cNvCxnSpPr>
-            <a:stCxn id="8" idx="2"/>
-          </p:cNvCxnSpPr>
-          <p:nvPr/>
-        </p:nvCxnSpPr>
-        <p:spPr>
-          <a:xfrm flipH="1">
-            <a:off x="6014352" y="3113433"/>
-            <a:ext cx="450050" cy="0"/>
-          </a:xfrm>
-          <a:prstGeom prst="line">
-            <a:avLst/>
-          </a:prstGeom>
-          <a:ln w="19050">
-            <a:solidFill>
-              <a:schemeClr val="tx1"/>
-            </a:solidFill>
-          </a:ln>
-        </p:spPr>
-        <p:style>
-          <a:lnRef idx="1">
-            <a:schemeClr val="accent1"/>
-          </a:lnRef>
-          <a:fillRef idx="0">
-            <a:schemeClr val="accent1"/>
-          </a:fillRef>
-          <a:effectRef idx="0">
-            <a:schemeClr val="accent1"/>
-          </a:effectRef>
-          <a:fontRef idx="minor">
-            <a:schemeClr val="tx1"/>
-          </a:fontRef>
-        </p:style>
-      </p:cxnSp>
       <p:sp>
         <p:nvSpPr>
           <p:cNvPr id="14" name="Forme libre 13"/>
@@ -3306,7 +3207,7 @@
         </p:nvSpPr>
         <p:spPr>
           <a:xfrm>
-            <a:off x="3728098" y="2903072"/>
+            <a:off x="2045375" y="1135808"/>
             <a:ext cx="576064" cy="99996"/>
           </a:xfrm>
           <a:custGeom>
@@ -3403,9 +3304,9 @@
           <p:nvPr/>
         </p:nvSpPr>
         <p:spPr>
-          <a:xfrm>
-            <a:off x="4475181" y="2903072"/>
-            <a:ext cx="576064" cy="99996"/>
+          <a:xfrm rot="8127519">
+            <a:off x="1265312" y="2363461"/>
+            <a:ext cx="700130" cy="122095"/>
           </a:xfrm>
           <a:custGeom>
             <a:avLst/>
@@ -3467,442 +3368,6 @@
             </a:solidFill>
             <a:headEnd type="stealth" w="med" len="lg"/>
             <a:tailEnd type="stealth" w="med" len="lg"/>
-          </a:ln>
-        </p:spPr>
-        <p:style>
-          <a:lnRef idx="2">
-            <a:schemeClr val="accent1">
-              <a:shade val="50000"/>
-            </a:schemeClr>
-          </a:lnRef>
-          <a:fillRef idx="1">
-            <a:schemeClr val="accent1"/>
-          </a:fillRef>
-          <a:effectRef idx="0">
-            <a:schemeClr val="accent1"/>
-          </a:effectRef>
-          <a:fontRef idx="minor">
-            <a:schemeClr val="lt1"/>
-          </a:fontRef>
-        </p:style>
-        <p:txBody>
-          <a:bodyPr rtlCol="0" anchor="ctr"/>
-          <a:lstStyle/>
-          <a:p>
-            <a:pPr algn="ctr"/>
-            <a:endParaRPr lang="fr-FR"/>
-          </a:p>
-        </p:txBody>
-      </p:sp>
-      <p:sp>
-        <p:nvSpPr>
-          <p:cNvPr id="16" name="Forme libre 15"/>
-          <p:cNvSpPr/>
-          <p:nvPr/>
-        </p:nvSpPr>
-        <p:spPr>
-          <a:xfrm>
-            <a:off x="5222264" y="2903072"/>
-            <a:ext cx="576064" cy="99996"/>
-          </a:xfrm>
-          <a:custGeom>
-            <a:avLst/>
-            <a:gdLst>
-              <a:gd name="connsiteX0" fmla="*/ 0 w 596900"/>
-              <a:gd name="connsiteY0" fmla="*/ 209768 h 209768"/>
-              <a:gd name="connsiteX1" fmla="*/ 317500 w 596900"/>
-              <a:gd name="connsiteY1" fmla="*/ 218 h 209768"/>
-              <a:gd name="connsiteX2" fmla="*/ 596900 w 596900"/>
-              <a:gd name="connsiteY2" fmla="*/ 178018 h 209768"/>
-              <a:gd name="connsiteX0" fmla="*/ 0 w 660400"/>
-              <a:gd name="connsiteY0" fmla="*/ 210341 h 280191"/>
-              <a:gd name="connsiteX1" fmla="*/ 317500 w 660400"/>
-              <a:gd name="connsiteY1" fmla="*/ 791 h 280191"/>
-              <a:gd name="connsiteX2" fmla="*/ 660400 w 660400"/>
-              <a:gd name="connsiteY2" fmla="*/ 280191 h 280191"/>
-              <a:gd name="connsiteX0" fmla="*/ 0 w 736600"/>
-              <a:gd name="connsiteY0" fmla="*/ 273055 h 279405"/>
-              <a:gd name="connsiteX1" fmla="*/ 393700 w 736600"/>
-              <a:gd name="connsiteY1" fmla="*/ 5 h 279405"/>
-              <a:gd name="connsiteX2" fmla="*/ 736600 w 736600"/>
-              <a:gd name="connsiteY2" fmla="*/ 279405 h 279405"/>
-            </a:gdLst>
-            <a:ahLst/>
-            <a:cxnLst>
-              <a:cxn ang="0">
-                <a:pos x="connsiteX0" y="connsiteY0"/>
-              </a:cxn>
-              <a:cxn ang="0">
-                <a:pos x="connsiteX1" y="connsiteY1"/>
-              </a:cxn>
-              <a:cxn ang="0">
-                <a:pos x="connsiteX2" y="connsiteY2"/>
-              </a:cxn>
-            </a:cxnLst>
-            <a:rect l="l" t="t" r="r" b="b"/>
-            <a:pathLst>
-              <a:path w="736600" h="279405">
-                <a:moveTo>
-                  <a:pt x="0" y="273055"/>
-                </a:moveTo>
-                <a:cubicBezTo>
-                  <a:pt x="109008" y="170926"/>
-                  <a:pt x="270933" y="-1053"/>
-                  <a:pt x="393700" y="5"/>
-                </a:cubicBezTo>
-                <a:cubicBezTo>
-                  <a:pt x="516467" y="1063"/>
-                  <a:pt x="646641" y="187859"/>
-                  <a:pt x="736600" y="279405"/>
-                </a:cubicBezTo>
-              </a:path>
-            </a:pathLst>
-          </a:custGeom>
-          <a:noFill/>
-          <a:ln>
-            <a:solidFill>
-              <a:srgbClr val="C00000"/>
-            </a:solidFill>
-            <a:headEnd type="stealth" w="med" len="lg"/>
-            <a:tailEnd type="stealth" w="med" len="lg"/>
-          </a:ln>
-        </p:spPr>
-        <p:style>
-          <a:lnRef idx="2">
-            <a:schemeClr val="accent1">
-              <a:shade val="50000"/>
-            </a:schemeClr>
-          </a:lnRef>
-          <a:fillRef idx="1">
-            <a:schemeClr val="accent1"/>
-          </a:fillRef>
-          <a:effectRef idx="0">
-            <a:schemeClr val="accent1"/>
-          </a:effectRef>
-          <a:fontRef idx="minor">
-            <a:schemeClr val="lt1"/>
-          </a:fontRef>
-        </p:style>
-        <p:txBody>
-          <a:bodyPr rtlCol="0" anchor="ctr"/>
-          <a:lstStyle/>
-          <a:p>
-            <a:pPr algn="ctr"/>
-            <a:endParaRPr lang="fr-FR"/>
-          </a:p>
-        </p:txBody>
-      </p:sp>
-      <p:sp>
-        <p:nvSpPr>
-          <p:cNvPr id="17" name="Forme libre 16"/>
-          <p:cNvSpPr/>
-          <p:nvPr/>
-        </p:nvSpPr>
-        <p:spPr>
-          <a:xfrm>
-            <a:off x="5969347" y="2903072"/>
-            <a:ext cx="576064" cy="99996"/>
-          </a:xfrm>
-          <a:custGeom>
-            <a:avLst/>
-            <a:gdLst>
-              <a:gd name="connsiteX0" fmla="*/ 0 w 596900"/>
-              <a:gd name="connsiteY0" fmla="*/ 209768 h 209768"/>
-              <a:gd name="connsiteX1" fmla="*/ 317500 w 596900"/>
-              <a:gd name="connsiteY1" fmla="*/ 218 h 209768"/>
-              <a:gd name="connsiteX2" fmla="*/ 596900 w 596900"/>
-              <a:gd name="connsiteY2" fmla="*/ 178018 h 209768"/>
-              <a:gd name="connsiteX0" fmla="*/ 0 w 660400"/>
-              <a:gd name="connsiteY0" fmla="*/ 210341 h 280191"/>
-              <a:gd name="connsiteX1" fmla="*/ 317500 w 660400"/>
-              <a:gd name="connsiteY1" fmla="*/ 791 h 280191"/>
-              <a:gd name="connsiteX2" fmla="*/ 660400 w 660400"/>
-              <a:gd name="connsiteY2" fmla="*/ 280191 h 280191"/>
-              <a:gd name="connsiteX0" fmla="*/ 0 w 736600"/>
-              <a:gd name="connsiteY0" fmla="*/ 273055 h 279405"/>
-              <a:gd name="connsiteX1" fmla="*/ 393700 w 736600"/>
-              <a:gd name="connsiteY1" fmla="*/ 5 h 279405"/>
-              <a:gd name="connsiteX2" fmla="*/ 736600 w 736600"/>
-              <a:gd name="connsiteY2" fmla="*/ 279405 h 279405"/>
-            </a:gdLst>
-            <a:ahLst/>
-            <a:cxnLst>
-              <a:cxn ang="0">
-                <a:pos x="connsiteX0" y="connsiteY0"/>
-              </a:cxn>
-              <a:cxn ang="0">
-                <a:pos x="connsiteX1" y="connsiteY1"/>
-              </a:cxn>
-              <a:cxn ang="0">
-                <a:pos x="connsiteX2" y="connsiteY2"/>
-              </a:cxn>
-            </a:cxnLst>
-            <a:rect l="l" t="t" r="r" b="b"/>
-            <a:pathLst>
-              <a:path w="736600" h="279405">
-                <a:moveTo>
-                  <a:pt x="0" y="273055"/>
-                </a:moveTo>
-                <a:cubicBezTo>
-                  <a:pt x="109008" y="170926"/>
-                  <a:pt x="270933" y="-1053"/>
-                  <a:pt x="393700" y="5"/>
-                </a:cubicBezTo>
-                <a:cubicBezTo>
-                  <a:pt x="516467" y="1063"/>
-                  <a:pt x="646641" y="187859"/>
-                  <a:pt x="736600" y="279405"/>
-                </a:cubicBezTo>
-              </a:path>
-            </a:pathLst>
-          </a:custGeom>
-          <a:noFill/>
-          <a:ln>
-            <a:solidFill>
-              <a:srgbClr val="C00000"/>
-            </a:solidFill>
-            <a:headEnd type="stealth" w="med" len="lg"/>
-            <a:tailEnd type="stealth" w="med" len="lg"/>
-          </a:ln>
-        </p:spPr>
-        <p:style>
-          <a:lnRef idx="2">
-            <a:schemeClr val="accent1">
-              <a:shade val="50000"/>
-            </a:schemeClr>
-          </a:lnRef>
-          <a:fillRef idx="1">
-            <a:schemeClr val="accent1"/>
-          </a:fillRef>
-          <a:effectRef idx="0">
-            <a:schemeClr val="accent1"/>
-          </a:effectRef>
-          <a:fontRef idx="minor">
-            <a:schemeClr val="lt1"/>
-          </a:fontRef>
-        </p:style>
-        <p:txBody>
-          <a:bodyPr rtlCol="0" anchor="ctr"/>
-          <a:lstStyle/>
-          <a:p>
-            <a:pPr algn="ctr"/>
-            <a:endParaRPr lang="fr-FR"/>
-          </a:p>
-        </p:txBody>
-      </p:sp>
-      <p:sp>
-        <p:nvSpPr>
-          <p:cNvPr id="18" name="Forme libre 17"/>
-          <p:cNvSpPr/>
-          <p:nvPr/>
-        </p:nvSpPr>
-        <p:spPr>
-          <a:xfrm>
-            <a:off x="6737452" y="2953070"/>
-            <a:ext cx="576064" cy="99996"/>
-          </a:xfrm>
-          <a:custGeom>
-            <a:avLst/>
-            <a:gdLst>
-              <a:gd name="connsiteX0" fmla="*/ 0 w 596900"/>
-              <a:gd name="connsiteY0" fmla="*/ 209768 h 209768"/>
-              <a:gd name="connsiteX1" fmla="*/ 317500 w 596900"/>
-              <a:gd name="connsiteY1" fmla="*/ 218 h 209768"/>
-              <a:gd name="connsiteX2" fmla="*/ 596900 w 596900"/>
-              <a:gd name="connsiteY2" fmla="*/ 178018 h 209768"/>
-              <a:gd name="connsiteX0" fmla="*/ 0 w 660400"/>
-              <a:gd name="connsiteY0" fmla="*/ 210341 h 280191"/>
-              <a:gd name="connsiteX1" fmla="*/ 317500 w 660400"/>
-              <a:gd name="connsiteY1" fmla="*/ 791 h 280191"/>
-              <a:gd name="connsiteX2" fmla="*/ 660400 w 660400"/>
-              <a:gd name="connsiteY2" fmla="*/ 280191 h 280191"/>
-              <a:gd name="connsiteX0" fmla="*/ 0 w 736600"/>
-              <a:gd name="connsiteY0" fmla="*/ 273055 h 279405"/>
-              <a:gd name="connsiteX1" fmla="*/ 393700 w 736600"/>
-              <a:gd name="connsiteY1" fmla="*/ 5 h 279405"/>
-              <a:gd name="connsiteX2" fmla="*/ 736600 w 736600"/>
-              <a:gd name="connsiteY2" fmla="*/ 279405 h 279405"/>
-            </a:gdLst>
-            <a:ahLst/>
-            <a:cxnLst>
-              <a:cxn ang="0">
-                <a:pos x="connsiteX0" y="connsiteY0"/>
-              </a:cxn>
-              <a:cxn ang="0">
-                <a:pos x="connsiteX1" y="connsiteY1"/>
-              </a:cxn>
-              <a:cxn ang="0">
-                <a:pos x="connsiteX2" y="connsiteY2"/>
-              </a:cxn>
-            </a:cxnLst>
-            <a:rect l="l" t="t" r="r" b="b"/>
-            <a:pathLst>
-              <a:path w="736600" h="279405">
-                <a:moveTo>
-                  <a:pt x="0" y="273055"/>
-                </a:moveTo>
-                <a:cubicBezTo>
-                  <a:pt x="109008" y="170926"/>
-                  <a:pt x="270933" y="-1053"/>
-                  <a:pt x="393700" y="5"/>
-                </a:cubicBezTo>
-                <a:cubicBezTo>
-                  <a:pt x="516467" y="1063"/>
-                  <a:pt x="646641" y="187859"/>
-                  <a:pt x="736600" y="279405"/>
-                </a:cubicBezTo>
-              </a:path>
-            </a:pathLst>
-          </a:custGeom>
-          <a:noFill/>
-          <a:ln>
-            <a:solidFill>
-              <a:srgbClr val="C00000"/>
-            </a:solidFill>
-            <a:headEnd type="stealth" w="med" len="lg"/>
-            <a:tailEnd type="none" w="med" len="lg"/>
-          </a:ln>
-        </p:spPr>
-        <p:style>
-          <a:lnRef idx="2">
-            <a:schemeClr val="accent1">
-              <a:shade val="50000"/>
-            </a:schemeClr>
-          </a:lnRef>
-          <a:fillRef idx="1">
-            <a:schemeClr val="accent1"/>
-          </a:fillRef>
-          <a:effectRef idx="0">
-            <a:schemeClr val="accent1"/>
-          </a:effectRef>
-          <a:fontRef idx="minor">
-            <a:schemeClr val="lt1"/>
-          </a:fontRef>
-        </p:style>
-        <p:txBody>
-          <a:bodyPr rtlCol="0" anchor="ctr"/>
-          <a:lstStyle/>
-          <a:p>
-            <a:pPr algn="ctr"/>
-            <a:endParaRPr lang="fr-FR"/>
-          </a:p>
-        </p:txBody>
-      </p:sp>
-      <p:sp>
-        <p:nvSpPr>
-          <p:cNvPr id="19" name="Rectangle à coins arrondis 18"/>
-          <p:cNvSpPr/>
-          <p:nvPr/>
-        </p:nvSpPr>
-        <p:spPr>
-          <a:xfrm>
-            <a:off x="4160146" y="2504503"/>
-            <a:ext cx="2736304" cy="1000595"/>
-          </a:xfrm>
-          <a:prstGeom prst="roundRect">
-            <a:avLst/>
-          </a:prstGeom>
-          <a:noFill/>
-          <a:ln w="19050">
-            <a:prstDash val="sysDash"/>
-          </a:ln>
-        </p:spPr>
-        <p:style>
-          <a:lnRef idx="2">
-            <a:schemeClr val="accent1">
-              <a:shade val="50000"/>
-            </a:schemeClr>
-          </a:lnRef>
-          <a:fillRef idx="1">
-            <a:schemeClr val="accent1"/>
-          </a:fillRef>
-          <a:effectRef idx="0">
-            <a:schemeClr val="accent1"/>
-          </a:effectRef>
-          <a:fontRef idx="minor">
-            <a:schemeClr val="lt1"/>
-          </a:fontRef>
-        </p:style>
-        <p:txBody>
-          <a:bodyPr rtlCol="0" anchor="ctr"/>
-          <a:lstStyle/>
-          <a:p>
-            <a:pPr algn="ctr"/>
-            <a:endParaRPr lang="fr-FR"/>
-          </a:p>
-        </p:txBody>
-      </p:sp>
-      <p:sp>
-        <p:nvSpPr>
-          <p:cNvPr id="20" name="Forme libre 19"/>
-          <p:cNvSpPr/>
-          <p:nvPr/>
-        </p:nvSpPr>
-        <p:spPr>
-          <a:xfrm rot="18900000">
-            <a:off x="5378296" y="2194764"/>
-            <a:ext cx="576064" cy="99996"/>
-          </a:xfrm>
-          <a:custGeom>
-            <a:avLst/>
-            <a:gdLst>
-              <a:gd name="connsiteX0" fmla="*/ 0 w 596900"/>
-              <a:gd name="connsiteY0" fmla="*/ 209768 h 209768"/>
-              <a:gd name="connsiteX1" fmla="*/ 317500 w 596900"/>
-              <a:gd name="connsiteY1" fmla="*/ 218 h 209768"/>
-              <a:gd name="connsiteX2" fmla="*/ 596900 w 596900"/>
-              <a:gd name="connsiteY2" fmla="*/ 178018 h 209768"/>
-              <a:gd name="connsiteX0" fmla="*/ 0 w 660400"/>
-              <a:gd name="connsiteY0" fmla="*/ 210341 h 280191"/>
-              <a:gd name="connsiteX1" fmla="*/ 317500 w 660400"/>
-              <a:gd name="connsiteY1" fmla="*/ 791 h 280191"/>
-              <a:gd name="connsiteX2" fmla="*/ 660400 w 660400"/>
-              <a:gd name="connsiteY2" fmla="*/ 280191 h 280191"/>
-              <a:gd name="connsiteX0" fmla="*/ 0 w 736600"/>
-              <a:gd name="connsiteY0" fmla="*/ 273055 h 279405"/>
-              <a:gd name="connsiteX1" fmla="*/ 393700 w 736600"/>
-              <a:gd name="connsiteY1" fmla="*/ 5 h 279405"/>
-              <a:gd name="connsiteX2" fmla="*/ 736600 w 736600"/>
-              <a:gd name="connsiteY2" fmla="*/ 279405 h 279405"/>
-            </a:gdLst>
-            <a:ahLst/>
-            <a:cxnLst>
-              <a:cxn ang="0">
-                <a:pos x="connsiteX0" y="connsiteY0"/>
-              </a:cxn>
-              <a:cxn ang="0">
-                <a:pos x="connsiteX1" y="connsiteY1"/>
-              </a:cxn>
-              <a:cxn ang="0">
-                <a:pos x="connsiteX2" y="connsiteY2"/>
-              </a:cxn>
-            </a:cxnLst>
-            <a:rect l="l" t="t" r="r" b="b"/>
-            <a:pathLst>
-              <a:path w="736600" h="279405">
-                <a:moveTo>
-                  <a:pt x="0" y="273055"/>
-                </a:moveTo>
-                <a:cubicBezTo>
-                  <a:pt x="109008" y="170926"/>
-                  <a:pt x="270933" y="-1053"/>
-                  <a:pt x="393700" y="5"/>
-                </a:cubicBezTo>
-                <a:cubicBezTo>
-                  <a:pt x="516467" y="1063"/>
-                  <a:pt x="646641" y="187859"/>
-                  <a:pt x="736600" y="279405"/>
-                </a:cubicBezTo>
-              </a:path>
-            </a:pathLst>
-          </a:custGeom>
-          <a:noFill/>
-          <a:ln>
-            <a:solidFill>
-              <a:srgbClr val="C00000"/>
-            </a:solidFill>
-            <a:headEnd type="stealth" w="med" len="lg"/>
-            <a:tailEnd type="none" w="med" len="lg"/>
           </a:ln>
         </p:spPr>
         <p:style>
@@ -4067,1308 +3532,6 @@
                 <a:blip r:embed="rId3"/>
                 <a:stretch>
                   <a:fillRect b="-16279"/>
-                </a:stretch>
-              </a:blipFill>
-            </p:spPr>
-            <p:txBody>
-              <a:bodyPr/>
-              <a:lstStyle/>
-              <a:p>
-                <a:r>
-                  <a:rPr lang="fr-FR">
-                    <a:noFill/>
-                  </a:rPr>
-                  <a:t> </a:t>
-                </a:r>
-              </a:p>
-            </p:txBody>
-          </p:sp>
-        </mc:Fallback>
-      </mc:AlternateContent>
-      <mc:AlternateContent xmlns:mc="http://schemas.openxmlformats.org/markup-compatibility/2006">
-        <mc:Choice xmlns:a14="http://schemas.microsoft.com/office/drawing/2010/main" Requires="a14">
-          <p:sp>
-            <p:nvSpPr>
-              <p:cNvPr id="22" name="ZoneTexte 21"/>
-              <p:cNvSpPr txBox="1"/>
-              <p:nvPr/>
-            </p:nvSpPr>
-            <p:spPr>
-              <a:xfrm rot="5400000">
-                <a:off x="4310717" y="3577505"/>
-                <a:ext cx="904991" cy="261610"/>
-              </a:xfrm>
-              <a:prstGeom prst="rect">
-                <a:avLst/>
-              </a:prstGeom>
-              <a:noFill/>
-            </p:spPr>
-            <p:txBody>
-              <a:bodyPr wrap="none" rtlCol="0">
-                <a:spAutoFit/>
-              </a:bodyPr>
-              <a:lstStyle/>
-              <a:p>
-                <a:r>
-                  <a:rPr lang="fr-FR" sz="1100" b="0" dirty="0" smtClean="0"/>
-                  <a:t>Pivot </a:t>
-                </a:r>
-                <a14:m>
-                  <m:oMath xmlns:m="http://schemas.openxmlformats.org/officeDocument/2006/math">
-                    <m:d>
-                      <m:dPr>
-                        <m:ctrlPr>
-                          <a:rPr lang="fr-FR" sz="1100" b="0" i="1" smtClean="0">
-                            <a:latin typeface="Cambria Math"/>
-                          </a:rPr>
-                        </m:ctrlPr>
-                      </m:dPr>
-                      <m:e>
-                        <m:r>
-                          <a:rPr lang="fr-FR" sz="1100" b="0" i="1" smtClean="0">
-                            <a:latin typeface="Cambria Math"/>
-                          </a:rPr>
-                          <m:t>𝑂</m:t>
-                        </m:r>
-                        <m:r>
-                          <a:rPr lang="fr-FR" sz="1100" b="0" i="1" smtClean="0">
-                            <a:latin typeface="Cambria Math"/>
-                          </a:rPr>
-                          <m:t>,</m:t>
-                        </m:r>
-                        <m:acc>
-                          <m:accPr>
-                            <m:chr m:val="⃗"/>
-                            <m:ctrlPr>
-                              <a:rPr lang="fr-FR" sz="1100" b="0" i="1" smtClean="0">
-                                <a:latin typeface="Cambria Math"/>
-                              </a:rPr>
-                            </m:ctrlPr>
-                          </m:accPr>
-                          <m:e>
-                            <m:sSub>
-                              <m:sSubPr>
-                                <m:ctrlPr>
-                                  <a:rPr lang="fr-FR" sz="1100" b="0" i="1" smtClean="0">
-                                    <a:latin typeface="Cambria Math"/>
-                                  </a:rPr>
-                                </m:ctrlPr>
-                              </m:sSubPr>
-                              <m:e>
-                                <m:r>
-                                  <a:rPr lang="fr-FR" sz="1100" b="0" i="1" smtClean="0">
-                                    <a:latin typeface="Cambria Math"/>
-                                  </a:rPr>
-                                  <m:t>𝑧</m:t>
-                                </m:r>
-                              </m:e>
-                              <m:sub>
-                                <m:r>
-                                  <a:rPr lang="fr-FR" sz="1100" b="0" i="1" smtClean="0">
-                                    <a:latin typeface="Cambria Math"/>
-                                  </a:rPr>
-                                  <m:t>2</m:t>
-                                </m:r>
-                              </m:sub>
-                            </m:sSub>
-                          </m:e>
-                        </m:acc>
-                      </m:e>
-                    </m:d>
-                  </m:oMath>
-                </a14:m>
-                <a:endParaRPr lang="fr-FR" sz="1100" dirty="0"/>
-              </a:p>
-            </p:txBody>
-          </p:sp>
-        </mc:Choice>
-        <mc:Fallback>
-          <p:sp>
-            <p:nvSpPr>
-              <p:cNvPr id="22" name="ZoneTexte 21"/>
-              <p:cNvSpPr txBox="1">
-                <a:spLocks noRot="1" noChangeAspect="1" noMove="1" noResize="1" noEditPoints="1" noAdjustHandles="1" noChangeArrowheads="1" noChangeShapeType="1" noTextEdit="1"/>
-              </p:cNvSpPr>
-              <p:nvPr/>
-            </p:nvSpPr>
-            <p:spPr>
-              <a:xfrm rot="5400000">
-                <a:off x="4310717" y="3577505"/>
-                <a:ext cx="904991" cy="261610"/>
-              </a:xfrm>
-              <a:prstGeom prst="rect">
-                <a:avLst/>
-              </a:prstGeom>
-              <a:blipFill rotWithShape="1">
-                <a:blip r:embed="rId4"/>
-                <a:stretch>
-                  <a:fillRect l="-16279"/>
-                </a:stretch>
-              </a:blipFill>
-            </p:spPr>
-            <p:txBody>
-              <a:bodyPr/>
-              <a:lstStyle/>
-              <a:p>
-                <a:r>
-                  <a:rPr lang="fr-FR">
-                    <a:noFill/>
-                  </a:rPr>
-                  <a:t> </a:t>
-                </a:r>
-              </a:p>
-            </p:txBody>
-          </p:sp>
-        </mc:Fallback>
-      </mc:AlternateContent>
-      <mc:AlternateContent xmlns:mc="http://schemas.openxmlformats.org/markup-compatibility/2006">
-        <mc:Choice xmlns:a14="http://schemas.microsoft.com/office/drawing/2010/main" Requires="a14">
-          <p:sp>
-            <p:nvSpPr>
-              <p:cNvPr id="23" name="ZoneTexte 22"/>
-              <p:cNvSpPr txBox="1"/>
-              <p:nvPr/>
-            </p:nvSpPr>
-            <p:spPr>
-              <a:xfrm rot="5400000">
-                <a:off x="5057800" y="3577505"/>
-                <a:ext cx="904991" cy="261610"/>
-              </a:xfrm>
-              <a:prstGeom prst="rect">
-                <a:avLst/>
-              </a:prstGeom>
-              <a:noFill/>
-            </p:spPr>
-            <p:txBody>
-              <a:bodyPr wrap="none" rtlCol="0">
-                <a:spAutoFit/>
-              </a:bodyPr>
-              <a:lstStyle/>
-              <a:p>
-                <a:r>
-                  <a:rPr lang="fr-FR" sz="1100" b="0" dirty="0" smtClean="0"/>
-                  <a:t>Pivot </a:t>
-                </a:r>
-                <a14:m>
-                  <m:oMath xmlns:m="http://schemas.openxmlformats.org/officeDocument/2006/math">
-                    <m:d>
-                      <m:dPr>
-                        <m:ctrlPr>
-                          <a:rPr lang="fr-FR" sz="1100" b="0" i="1" smtClean="0">
-                            <a:latin typeface="Cambria Math"/>
-                          </a:rPr>
-                        </m:ctrlPr>
-                      </m:dPr>
-                      <m:e>
-                        <m:r>
-                          <a:rPr lang="fr-FR" sz="1100" b="0" i="1" smtClean="0">
-                            <a:latin typeface="Cambria Math"/>
-                          </a:rPr>
-                          <m:t>𝑂</m:t>
-                        </m:r>
-                        <m:r>
-                          <a:rPr lang="fr-FR" sz="1100" b="0" i="1" smtClean="0">
-                            <a:latin typeface="Cambria Math"/>
-                          </a:rPr>
-                          <m:t>,</m:t>
-                        </m:r>
-                        <m:acc>
-                          <m:accPr>
-                            <m:chr m:val="⃗"/>
-                            <m:ctrlPr>
-                              <a:rPr lang="fr-FR" sz="1100" b="0" i="1" smtClean="0">
-                                <a:latin typeface="Cambria Math"/>
-                              </a:rPr>
-                            </m:ctrlPr>
-                          </m:accPr>
-                          <m:e>
-                            <m:sSub>
-                              <m:sSubPr>
-                                <m:ctrlPr>
-                                  <a:rPr lang="fr-FR" sz="1100" b="0" i="1" smtClean="0">
-                                    <a:latin typeface="Cambria Math"/>
-                                  </a:rPr>
-                                </m:ctrlPr>
-                              </m:sSubPr>
-                              <m:e>
-                                <m:r>
-                                  <a:rPr lang="fr-FR" sz="1100" b="0" i="1" smtClean="0">
-                                    <a:latin typeface="Cambria Math"/>
-                                  </a:rPr>
-                                  <m:t>𝑧</m:t>
-                                </m:r>
-                              </m:e>
-                              <m:sub>
-                                <m:r>
-                                  <a:rPr lang="fr-FR" sz="1100" b="0" i="1" smtClean="0">
-                                    <a:latin typeface="Cambria Math"/>
-                                  </a:rPr>
-                                  <m:t>3</m:t>
-                                </m:r>
-                              </m:sub>
-                            </m:sSub>
-                          </m:e>
-                        </m:acc>
-                      </m:e>
-                    </m:d>
-                  </m:oMath>
-                </a14:m>
-                <a:endParaRPr lang="fr-FR" sz="1100" dirty="0"/>
-              </a:p>
-            </p:txBody>
-          </p:sp>
-        </mc:Choice>
-        <mc:Fallback>
-          <p:sp>
-            <p:nvSpPr>
-              <p:cNvPr id="23" name="ZoneTexte 22"/>
-              <p:cNvSpPr txBox="1">
-                <a:spLocks noRot="1" noChangeAspect="1" noMove="1" noResize="1" noEditPoints="1" noAdjustHandles="1" noChangeArrowheads="1" noChangeShapeType="1" noTextEdit="1"/>
-              </p:cNvSpPr>
-              <p:nvPr/>
-            </p:nvSpPr>
-            <p:spPr>
-              <a:xfrm rot="5400000">
-                <a:off x="5057800" y="3577505"/>
-                <a:ext cx="904991" cy="261610"/>
-              </a:xfrm>
-              <a:prstGeom prst="rect">
-                <a:avLst/>
-              </a:prstGeom>
-              <a:blipFill rotWithShape="1">
-                <a:blip r:embed="rId5"/>
-                <a:stretch>
-                  <a:fillRect l="-16279"/>
-                </a:stretch>
-              </a:blipFill>
-            </p:spPr>
-            <p:txBody>
-              <a:bodyPr/>
-              <a:lstStyle/>
-              <a:p>
-                <a:r>
-                  <a:rPr lang="fr-FR">
-                    <a:noFill/>
-                  </a:rPr>
-                  <a:t> </a:t>
-                </a:r>
-              </a:p>
-            </p:txBody>
-          </p:sp>
-        </mc:Fallback>
-      </mc:AlternateContent>
-      <mc:AlternateContent xmlns:mc="http://schemas.openxmlformats.org/markup-compatibility/2006">
-        <mc:Choice xmlns:a14="http://schemas.microsoft.com/office/drawing/2010/main" Requires="a14">
-          <p:sp>
-            <p:nvSpPr>
-              <p:cNvPr id="24" name="ZoneTexte 23"/>
-              <p:cNvSpPr txBox="1"/>
-              <p:nvPr/>
-            </p:nvSpPr>
-            <p:spPr>
-              <a:xfrm rot="5400000">
-                <a:off x="5686935" y="3577505"/>
-                <a:ext cx="1140890" cy="261610"/>
-              </a:xfrm>
-              <a:prstGeom prst="rect">
-                <a:avLst/>
-              </a:prstGeom>
-              <a:noFill/>
-            </p:spPr>
-            <p:txBody>
-              <a:bodyPr wrap="none" rtlCol="0">
-                <a:spAutoFit/>
-              </a:bodyPr>
-              <a:lstStyle/>
-              <a:p>
-                <a:r>
-                  <a:rPr lang="fr-FR" sz="1100" b="0" dirty="0" smtClean="0"/>
-                  <a:t>Glissière </a:t>
-                </a:r>
-                <a14:m>
-                  <m:oMath xmlns:m="http://schemas.openxmlformats.org/officeDocument/2006/math">
-                    <m:d>
-                      <m:dPr>
-                        <m:ctrlPr>
-                          <a:rPr lang="fr-FR" sz="1100" b="0" i="1" smtClean="0">
-                            <a:latin typeface="Cambria Math"/>
-                          </a:rPr>
-                        </m:ctrlPr>
-                      </m:dPr>
-                      <m:e>
-                        <m:r>
-                          <a:rPr lang="fr-FR" sz="1100" b="0" i="1" smtClean="0">
-                            <a:latin typeface="Cambria Math"/>
-                          </a:rPr>
-                          <m:t>𝑂</m:t>
-                        </m:r>
-                        <m:r>
-                          <a:rPr lang="fr-FR" sz="1100" b="0" i="1" smtClean="0">
-                            <a:latin typeface="Cambria Math"/>
-                          </a:rPr>
-                          <m:t>,</m:t>
-                        </m:r>
-                        <m:acc>
-                          <m:accPr>
-                            <m:chr m:val="⃗"/>
-                            <m:ctrlPr>
-                              <a:rPr lang="fr-FR" sz="1100" b="0" i="1" smtClean="0">
-                                <a:latin typeface="Cambria Math"/>
-                              </a:rPr>
-                            </m:ctrlPr>
-                          </m:accPr>
-                          <m:e>
-                            <m:sSub>
-                              <m:sSubPr>
-                                <m:ctrlPr>
-                                  <a:rPr lang="fr-FR" sz="1100" b="0" i="1" smtClean="0">
-                                    <a:latin typeface="Cambria Math"/>
-                                  </a:rPr>
-                                </m:ctrlPr>
-                              </m:sSubPr>
-                              <m:e>
-                                <m:r>
-                                  <a:rPr lang="fr-FR" sz="1100" b="0" i="1" smtClean="0">
-                                    <a:latin typeface="Cambria Math"/>
-                                  </a:rPr>
-                                  <m:t>𝑧</m:t>
-                                </m:r>
-                              </m:e>
-                              <m:sub>
-                                <m:r>
-                                  <a:rPr lang="fr-FR" sz="1100" b="0" i="1" smtClean="0">
-                                    <a:latin typeface="Cambria Math"/>
-                                  </a:rPr>
-                                  <m:t>3</m:t>
-                                </m:r>
-                              </m:sub>
-                            </m:sSub>
-                          </m:e>
-                        </m:acc>
-                      </m:e>
-                    </m:d>
-                  </m:oMath>
-                </a14:m>
-                <a:endParaRPr lang="fr-FR" sz="1100" dirty="0"/>
-              </a:p>
-            </p:txBody>
-          </p:sp>
-        </mc:Choice>
-        <mc:Fallback>
-          <p:sp>
-            <p:nvSpPr>
-              <p:cNvPr id="24" name="ZoneTexte 23"/>
-              <p:cNvSpPr txBox="1">
-                <a:spLocks noRot="1" noChangeAspect="1" noMove="1" noResize="1" noEditPoints="1" noAdjustHandles="1" noChangeArrowheads="1" noChangeShapeType="1" noTextEdit="1"/>
-              </p:cNvSpPr>
-              <p:nvPr/>
-            </p:nvSpPr>
-            <p:spPr>
-              <a:xfrm rot="5400000">
-                <a:off x="5686935" y="3577505"/>
-                <a:ext cx="1140890" cy="261610"/>
-              </a:xfrm>
-              <a:prstGeom prst="rect">
-                <a:avLst/>
-              </a:prstGeom>
-              <a:blipFill rotWithShape="1">
-                <a:blip r:embed="rId6"/>
-                <a:stretch>
-                  <a:fillRect l="-16279"/>
-                </a:stretch>
-              </a:blipFill>
-            </p:spPr>
-            <p:txBody>
-              <a:bodyPr/>
-              <a:lstStyle/>
-              <a:p>
-                <a:r>
-                  <a:rPr lang="fr-FR">
-                    <a:noFill/>
-                  </a:rPr>
-                  <a:t> </a:t>
-                </a:r>
-              </a:p>
-            </p:txBody>
-          </p:sp>
-        </mc:Fallback>
-      </mc:AlternateContent>
-      <mc:AlternateContent xmlns:mc="http://schemas.openxmlformats.org/markup-compatibility/2006">
-        <mc:Choice xmlns:a14="http://schemas.microsoft.com/office/drawing/2010/main" Requires="a14">
-          <p:sp>
-            <p:nvSpPr>
-              <p:cNvPr id="25" name="ZoneTexte 24"/>
-              <p:cNvSpPr txBox="1"/>
-              <p:nvPr/>
-            </p:nvSpPr>
-            <p:spPr>
-              <a:xfrm>
-                <a:off x="7256490" y="2795218"/>
-                <a:ext cx="2465419" cy="627672"/>
-              </a:xfrm>
-              <a:prstGeom prst="rect">
-                <a:avLst/>
-              </a:prstGeom>
-              <a:noFill/>
-            </p:spPr>
-            <p:txBody>
-              <a:bodyPr wrap="none" rtlCol="0">
-                <a:spAutoFit/>
-              </a:bodyPr>
-              <a:lstStyle/>
-              <a:p>
-                <a:pPr/>
-                <a14:m>
-                  <m:oMathPara xmlns:m="http://schemas.openxmlformats.org/officeDocument/2006/math">
-                    <m:oMathParaPr>
-                      <m:jc m:val="centerGroup"/>
-                    </m:oMathParaPr>
-                    <m:oMath xmlns:m="http://schemas.openxmlformats.org/officeDocument/2006/math">
-                      <m:sSub>
-                        <m:sSubPr>
-                          <m:ctrlPr>
-                            <a:rPr lang="fr-FR" sz="1400" b="0" i="1" smtClean="0">
-                              <a:latin typeface="Cambria Math"/>
-                            </a:rPr>
-                          </m:ctrlPr>
-                        </m:sSubPr>
-                        <m:e>
-                          <m:d>
-                            <m:dPr>
-                              <m:begChr m:val="{"/>
-                              <m:endChr m:val="}"/>
-                              <m:ctrlPr>
-                                <a:rPr lang="fr-FR" sz="1400" b="0" i="1" smtClean="0">
-                                  <a:latin typeface="Cambria Math"/>
-                                </a:rPr>
-                              </m:ctrlPr>
-                            </m:dPr>
-                            <m:e>
-                              <m:r>
-                                <a:rPr lang="fr-FR" sz="1400" b="0" i="1" smtClean="0">
-                                  <a:latin typeface="Cambria Math"/>
-                                  <a:ea typeface="Cambria Math"/>
-                                </a:rPr>
-                                <m:t>𝒯</m:t>
-                              </m:r>
-                              <m:d>
-                                <m:dPr>
-                                  <m:ctrlPr>
-                                    <a:rPr lang="fr-FR" sz="1400" b="0" i="1" smtClean="0">
-                                      <a:latin typeface="Cambria Math"/>
-                                      <a:ea typeface="Cambria Math"/>
-                                    </a:rPr>
-                                  </m:ctrlPr>
-                                </m:dPr>
-                                <m:e>
-                                  <m:r>
-                                    <m:rPr>
-                                      <m:sty m:val="p"/>
-                                    </m:rPr>
-                                    <a:rPr lang="fr-FR" sz="1400">
-                                      <a:latin typeface="Cambria Math"/>
-                                    </a:rPr>
-                                    <m:t>ext</m:t>
-                                  </m:r>
-                                  <m:r>
-                                    <a:rPr lang="fr-FR" sz="1400" i="1">
-                                      <a:latin typeface="Cambria Math"/>
-                                    </a:rPr>
-                                    <m:t>→4</m:t>
-                                  </m:r>
-                                </m:e>
-                              </m:d>
-                            </m:e>
-                          </m:d>
-                          <m:r>
-                            <a:rPr lang="fr-FR" sz="1400" b="0" i="1" smtClean="0">
-                              <a:latin typeface="Cambria Math"/>
-                            </a:rPr>
-                            <m:t>=</m:t>
-                          </m:r>
-                          <m:d>
-                            <m:dPr>
-                              <m:begChr m:val="{"/>
-                              <m:endChr m:val="}"/>
-                              <m:ctrlPr>
-                                <a:rPr lang="fr-FR" sz="1400" b="0" i="1" smtClean="0">
-                                  <a:latin typeface="Cambria Math"/>
-                                </a:rPr>
-                              </m:ctrlPr>
-                            </m:dPr>
-                            <m:e>
-                              <m:eqArr>
-                                <m:eqArrPr>
-                                  <m:ctrlPr>
-                                    <a:rPr lang="fr-FR" sz="1400" b="0" i="1" smtClean="0">
-                                      <a:latin typeface="Cambria Math"/>
-                                    </a:rPr>
-                                  </m:ctrlPr>
-                                </m:eqArrPr>
-                                <m:e>
-                                  <m:sSub>
-                                    <m:sSubPr>
-                                      <m:ctrlPr>
-                                        <a:rPr lang="fr-FR" sz="1400" i="1">
-                                          <a:latin typeface="Cambria Math"/>
-                                        </a:rPr>
-                                      </m:ctrlPr>
-                                    </m:sSubPr>
-                                    <m:e>
-                                      <m:r>
-                                        <a:rPr lang="fr-FR" sz="1400" i="1">
-                                          <a:latin typeface="Cambria Math"/>
-                                        </a:rPr>
-                                        <m:t>𝑅</m:t>
-                                      </m:r>
-                                    </m:e>
-                                    <m:sub>
-                                      <m:r>
-                                        <m:rPr>
-                                          <m:sty m:val="p"/>
-                                        </m:rPr>
-                                        <a:rPr lang="fr-FR" sz="1400">
-                                          <a:latin typeface="Cambria Math"/>
-                                        </a:rPr>
-                                        <m:t>ext</m:t>
-                                      </m:r>
-                                      <m:r>
-                                        <a:rPr lang="fr-FR" sz="1400" i="1">
-                                          <a:latin typeface="Cambria Math"/>
-                                        </a:rPr>
-                                        <m:t>→4</m:t>
-                                      </m:r>
-                                    </m:sub>
-                                  </m:sSub>
-                                  <m:acc>
-                                    <m:accPr>
-                                      <m:chr m:val="⃗"/>
-                                      <m:ctrlPr>
-                                        <a:rPr lang="fr-FR" sz="1400" i="1">
-                                          <a:latin typeface="Cambria Math"/>
-                                        </a:rPr>
-                                      </m:ctrlPr>
-                                    </m:accPr>
-                                    <m:e>
-                                      <m:sSub>
-                                        <m:sSubPr>
-                                          <m:ctrlPr>
-                                            <a:rPr lang="fr-FR" sz="1400" i="1">
-                                              <a:latin typeface="Cambria Math"/>
-                                            </a:rPr>
-                                          </m:ctrlPr>
-                                        </m:sSubPr>
-                                        <m:e>
-                                          <m:r>
-                                            <a:rPr lang="fr-FR" sz="1400" i="1">
-                                              <a:latin typeface="Cambria Math"/>
-                                            </a:rPr>
-                                            <m:t>𝑧</m:t>
-                                          </m:r>
-                                        </m:e>
-                                        <m:sub>
-                                          <m:r>
-                                            <a:rPr lang="fr-FR" sz="1400" i="1">
-                                              <a:latin typeface="Cambria Math"/>
-                                            </a:rPr>
-                                            <m:t>4</m:t>
-                                          </m:r>
-                                        </m:sub>
-                                      </m:sSub>
-                                    </m:e>
-                                  </m:acc>
-                                </m:e>
-                                <m:e>
-                                  <m:acc>
-                                    <m:accPr>
-                                      <m:chr m:val="⃗"/>
-                                      <m:ctrlPr>
-                                        <a:rPr lang="fr-FR" sz="1400" i="1">
-                                          <a:latin typeface="Cambria Math"/>
-                                        </a:rPr>
-                                      </m:ctrlPr>
-                                    </m:accPr>
-                                    <m:e>
-                                      <m:r>
-                                        <a:rPr lang="fr-FR" sz="1400" b="0" i="1" smtClean="0">
-                                          <a:latin typeface="Cambria Math"/>
-                                        </a:rPr>
-                                        <m:t>0</m:t>
-                                      </m:r>
-                                    </m:e>
-                                  </m:acc>
-                                </m:e>
-                              </m:eqArr>
-                            </m:e>
-                          </m:d>
-                        </m:e>
-                        <m:sub>
-                          <m:sSub>
-                            <m:sSubPr>
-                              <m:ctrlPr>
-                                <a:rPr lang="fr-FR" sz="1400" b="0" i="1" smtClean="0">
-                                  <a:latin typeface="Cambria Math"/>
-                                </a:rPr>
-                              </m:ctrlPr>
-                            </m:sSubPr>
-                            <m:e>
-                              <m:r>
-                                <a:rPr lang="fr-FR" sz="1400" b="0" i="1" smtClean="0">
-                                  <a:latin typeface="Cambria Math"/>
-                                </a:rPr>
-                                <m:t>𝑂</m:t>
-                              </m:r>
-                            </m:e>
-                            <m:sub>
-                              <m:r>
-                                <a:rPr lang="fr-FR" sz="1400" b="0" i="1" smtClean="0">
-                                  <a:latin typeface="Cambria Math"/>
-                                </a:rPr>
-                                <m:t>4</m:t>
-                              </m:r>
-                            </m:sub>
-                          </m:sSub>
-                        </m:sub>
-                      </m:sSub>
-                    </m:oMath>
-                  </m:oMathPara>
-                </a14:m>
-                <a:endParaRPr lang="fr-FR" sz="1000" dirty="0"/>
-              </a:p>
-            </p:txBody>
-          </p:sp>
-        </mc:Choice>
-        <mc:Fallback>
-          <p:sp>
-            <p:nvSpPr>
-              <p:cNvPr id="25" name="ZoneTexte 24"/>
-              <p:cNvSpPr txBox="1">
-                <a:spLocks noRot="1" noChangeAspect="1" noMove="1" noResize="1" noEditPoints="1" noAdjustHandles="1" noChangeArrowheads="1" noChangeShapeType="1" noTextEdit="1"/>
-              </p:cNvSpPr>
-              <p:nvPr/>
-            </p:nvSpPr>
-            <p:spPr>
-              <a:xfrm>
-                <a:off x="7256490" y="2795218"/>
-                <a:ext cx="2465419" cy="627672"/>
-              </a:xfrm>
-              <a:prstGeom prst="rect">
-                <a:avLst/>
-              </a:prstGeom>
-              <a:blipFill rotWithShape="1">
-                <a:blip r:embed="rId7"/>
-                <a:stretch>
-                  <a:fillRect/>
-                </a:stretch>
-              </a:blipFill>
-            </p:spPr>
-            <p:txBody>
-              <a:bodyPr/>
-              <a:lstStyle/>
-              <a:p>
-                <a:r>
-                  <a:rPr lang="fr-FR">
-                    <a:noFill/>
-                  </a:rPr>
-                  <a:t> </a:t>
-                </a:r>
-              </a:p>
-            </p:txBody>
-          </p:sp>
-        </mc:Fallback>
-      </mc:AlternateContent>
-      <p:sp>
-        <p:nvSpPr>
-          <p:cNvPr id="26" name="ZoneTexte 25"/>
-          <p:cNvSpPr txBox="1"/>
-          <p:nvPr/>
-        </p:nvSpPr>
-        <p:spPr>
-          <a:xfrm>
-            <a:off x="6599648" y="2266325"/>
-            <a:ext cx="763351" cy="261610"/>
-          </a:xfrm>
-          <a:prstGeom prst="rect">
-            <a:avLst/>
-          </a:prstGeom>
-          <a:noFill/>
-        </p:spPr>
-        <p:txBody>
-          <a:bodyPr wrap="none" rtlCol="0">
-            <a:spAutoFit/>
-          </a:bodyPr>
-          <a:lstStyle/>
-          <a:p>
-            <a:r>
-              <a:rPr lang="fr-FR" sz="1100" b="0" dirty="0" smtClean="0"/>
-              <a:t>Pesanteur</a:t>
-            </a:r>
-            <a:endParaRPr lang="fr-FR" sz="1100" dirty="0"/>
-          </a:p>
-        </p:txBody>
-      </p:sp>
-      <mc:AlternateContent xmlns:mc="http://schemas.openxmlformats.org/markup-compatibility/2006">
-        <mc:Choice xmlns:a14="http://schemas.microsoft.com/office/drawing/2010/main" Requires="a14">
-          <p:sp>
-            <p:nvSpPr>
-              <p:cNvPr id="27" name="Rectangle 26"/>
-              <p:cNvSpPr/>
-              <p:nvPr/>
-            </p:nvSpPr>
-            <p:spPr>
-              <a:xfrm rot="19800000">
-                <a:off x="3586325" y="2564983"/>
-                <a:ext cx="641393" cy="261610"/>
-              </a:xfrm>
-              <a:prstGeom prst="rect">
-                <a:avLst/>
-              </a:prstGeom>
-            </p:spPr>
-            <p:txBody>
-              <a:bodyPr wrap="none">
-                <a:spAutoFit/>
-              </a:bodyPr>
-              <a:lstStyle/>
-              <a:p>
-                <a:pPr/>
-                <a14:m>
-                  <m:oMathPara xmlns:m="http://schemas.openxmlformats.org/officeDocument/2006/math">
-                    <m:oMathParaPr>
-                      <m:jc m:val="centerGroup"/>
-                    </m:oMathParaPr>
-                    <m:oMath xmlns:m="http://schemas.openxmlformats.org/officeDocument/2006/math">
-                      <m:sSub>
-                        <m:sSubPr>
-                          <m:ctrlPr>
-                            <a:rPr lang="fr-FR" sz="1100" i="1" smtClean="0">
-                              <a:latin typeface="Cambria Math"/>
-                            </a:rPr>
-                          </m:ctrlPr>
-                        </m:sSubPr>
-                        <m:e>
-                          <m:r>
-                            <a:rPr lang="fr-FR" sz="1100" b="0" i="1" smtClean="0">
-                              <a:latin typeface="Cambria Math"/>
-                            </a:rPr>
-                            <m:t>𝐶</m:t>
-                          </m:r>
-                        </m:e>
-                        <m:sub>
-                          <m:r>
-                            <m:rPr>
-                              <m:sty m:val="p"/>
-                            </m:rPr>
-                            <a:rPr lang="fr-FR" sz="1100" b="0" i="0" smtClean="0">
-                              <a:latin typeface="Cambria Math"/>
-                            </a:rPr>
-                            <m:t>m</m:t>
-                          </m:r>
-                          <m:r>
-                            <a:rPr lang="fr-FR" sz="1100" b="0" i="0" smtClean="0">
-                              <a:latin typeface="Cambria Math"/>
-                            </a:rPr>
-                            <m:t>0</m:t>
-                          </m:r>
-                          <m:r>
-                            <a:rPr lang="fr-FR" sz="1100" b="0" i="1" smtClean="0">
-                              <a:latin typeface="Cambria Math"/>
-                            </a:rPr>
-                            <m:t>1</m:t>
-                          </m:r>
-                        </m:sub>
-                      </m:sSub>
-                      <m:acc>
-                        <m:accPr>
-                          <m:chr m:val="⃗"/>
-                          <m:ctrlPr>
-                            <a:rPr lang="fr-FR" sz="1100" i="1">
-                              <a:latin typeface="Cambria Math"/>
-                            </a:rPr>
-                          </m:ctrlPr>
-                        </m:accPr>
-                        <m:e>
-                          <m:sSub>
-                            <m:sSubPr>
-                              <m:ctrlPr>
-                                <a:rPr lang="fr-FR" sz="1100" i="1">
-                                  <a:latin typeface="Cambria Math"/>
-                                </a:rPr>
-                              </m:ctrlPr>
-                            </m:sSubPr>
-                            <m:e>
-                              <m:r>
-                                <a:rPr lang="fr-FR" sz="1100" i="1">
-                                  <a:latin typeface="Cambria Math"/>
-                                </a:rPr>
-                                <m:t>𝑧</m:t>
-                              </m:r>
-                            </m:e>
-                            <m:sub>
-                              <m:r>
-                                <a:rPr lang="fr-FR" sz="1100" b="0" i="1" smtClean="0">
-                                  <a:latin typeface="Cambria Math"/>
-                                </a:rPr>
-                                <m:t>1</m:t>
-                              </m:r>
-                            </m:sub>
-                          </m:sSub>
-                        </m:e>
-                      </m:acc>
-                    </m:oMath>
-                  </m:oMathPara>
-                </a14:m>
-                <a:endParaRPr lang="fr-FR" sz="1100" dirty="0"/>
-              </a:p>
-            </p:txBody>
-          </p:sp>
-        </mc:Choice>
-        <mc:Fallback>
-          <p:sp>
-            <p:nvSpPr>
-              <p:cNvPr id="27" name="Rectangle 26"/>
-              <p:cNvSpPr>
-                <a:spLocks noRot="1" noChangeAspect="1" noMove="1" noResize="1" noEditPoints="1" noAdjustHandles="1" noChangeArrowheads="1" noChangeShapeType="1" noTextEdit="1"/>
-              </p:cNvSpPr>
-              <p:nvPr/>
-            </p:nvSpPr>
-            <p:spPr>
-              <a:xfrm rot="19800000">
-                <a:off x="3586325" y="2564983"/>
-                <a:ext cx="641393" cy="261610"/>
-              </a:xfrm>
-              <a:prstGeom prst="rect">
-                <a:avLst/>
-              </a:prstGeom>
-              <a:blipFill rotWithShape="1">
-                <a:blip r:embed="rId8"/>
-                <a:stretch>
-                  <a:fillRect/>
-                </a:stretch>
-              </a:blipFill>
-            </p:spPr>
-            <p:txBody>
-              <a:bodyPr/>
-              <a:lstStyle/>
-              <a:p>
-                <a:r>
-                  <a:rPr lang="fr-FR">
-                    <a:noFill/>
-                  </a:rPr>
-                  <a:t> </a:t>
-                </a:r>
-              </a:p>
-            </p:txBody>
-          </p:sp>
-        </mc:Fallback>
-      </mc:AlternateContent>
-      <mc:AlternateContent xmlns:mc="http://schemas.openxmlformats.org/markup-compatibility/2006">
-        <mc:Choice xmlns:a14="http://schemas.microsoft.com/office/drawing/2010/main" Requires="a14">
-          <p:sp>
-            <p:nvSpPr>
-              <p:cNvPr id="28" name="Rectangle 27"/>
-              <p:cNvSpPr/>
-              <p:nvPr/>
-            </p:nvSpPr>
-            <p:spPr>
-              <a:xfrm rot="19800000">
-                <a:off x="4581916" y="2624410"/>
-                <a:ext cx="545214" cy="261610"/>
-              </a:xfrm>
-              <a:prstGeom prst="rect">
-                <a:avLst/>
-              </a:prstGeom>
-            </p:spPr>
-            <p:txBody>
-              <a:bodyPr wrap="none">
-                <a:spAutoFit/>
-              </a:bodyPr>
-              <a:lstStyle/>
-              <a:p>
-                <a:pPr/>
-                <a14:m>
-                  <m:oMathPara xmlns:m="http://schemas.openxmlformats.org/officeDocument/2006/math">
-                    <m:oMathParaPr>
-                      <m:jc m:val="centerGroup"/>
-                    </m:oMathParaPr>
-                    <m:oMath xmlns:m="http://schemas.openxmlformats.org/officeDocument/2006/math">
-                      <m:sSub>
-                        <m:sSubPr>
-                          <m:ctrlPr>
-                            <a:rPr lang="fr-FR" sz="1100" i="1" smtClean="0">
-                              <a:latin typeface="Cambria Math"/>
-                            </a:rPr>
-                          </m:ctrlPr>
-                        </m:sSubPr>
-                        <m:e>
-                          <m:r>
-                            <a:rPr lang="fr-FR" sz="1100" b="0" i="1" smtClean="0">
-                              <a:latin typeface="Cambria Math"/>
-                            </a:rPr>
-                            <m:t>𝐶</m:t>
-                          </m:r>
-                        </m:e>
-                        <m:sub>
-                          <m:r>
-                            <a:rPr lang="fr-FR" sz="1100" b="0" i="1" smtClean="0">
-                              <a:latin typeface="Cambria Math"/>
-                            </a:rPr>
-                            <m:t>12</m:t>
-                          </m:r>
-                        </m:sub>
-                      </m:sSub>
-                      <m:acc>
-                        <m:accPr>
-                          <m:chr m:val="⃗"/>
-                          <m:ctrlPr>
-                            <a:rPr lang="fr-FR" sz="1100" i="1">
-                              <a:latin typeface="Cambria Math"/>
-                            </a:rPr>
-                          </m:ctrlPr>
-                        </m:accPr>
-                        <m:e>
-                          <m:sSub>
-                            <m:sSubPr>
-                              <m:ctrlPr>
-                                <a:rPr lang="fr-FR" sz="1100" i="1">
-                                  <a:latin typeface="Cambria Math"/>
-                                </a:rPr>
-                              </m:ctrlPr>
-                            </m:sSubPr>
-                            <m:e>
-                              <m:r>
-                                <a:rPr lang="fr-FR" sz="1100" i="1">
-                                  <a:latin typeface="Cambria Math"/>
-                                </a:rPr>
-                                <m:t>𝑧</m:t>
-                              </m:r>
-                            </m:e>
-                            <m:sub>
-                              <m:r>
-                                <a:rPr lang="fr-FR" sz="1100" b="0" i="1" smtClean="0">
-                                  <a:latin typeface="Cambria Math"/>
-                                </a:rPr>
-                                <m:t>2</m:t>
-                              </m:r>
-                            </m:sub>
-                          </m:sSub>
-                        </m:e>
-                      </m:acc>
-                    </m:oMath>
-                  </m:oMathPara>
-                </a14:m>
-                <a:endParaRPr lang="fr-FR" sz="1100" dirty="0"/>
-              </a:p>
-            </p:txBody>
-          </p:sp>
-        </mc:Choice>
-        <mc:Fallback>
-          <p:sp>
-            <p:nvSpPr>
-              <p:cNvPr id="28" name="Rectangle 27"/>
-              <p:cNvSpPr>
-                <a:spLocks noRot="1" noChangeAspect="1" noMove="1" noResize="1" noEditPoints="1" noAdjustHandles="1" noChangeArrowheads="1" noChangeShapeType="1" noTextEdit="1"/>
-              </p:cNvSpPr>
-              <p:nvPr/>
-            </p:nvSpPr>
-            <p:spPr>
-              <a:xfrm rot="19800000">
-                <a:off x="4581916" y="2624410"/>
-                <a:ext cx="545214" cy="261610"/>
-              </a:xfrm>
-              <a:prstGeom prst="rect">
-                <a:avLst/>
-              </a:prstGeom>
-              <a:blipFill rotWithShape="1">
-                <a:blip r:embed="rId9"/>
-                <a:stretch>
-                  <a:fillRect/>
-                </a:stretch>
-              </a:blipFill>
-            </p:spPr>
-            <p:txBody>
-              <a:bodyPr/>
-              <a:lstStyle/>
-              <a:p>
-                <a:r>
-                  <a:rPr lang="fr-FR">
-                    <a:noFill/>
-                  </a:rPr>
-                  <a:t> </a:t>
-                </a:r>
-              </a:p>
-            </p:txBody>
-          </p:sp>
-        </mc:Fallback>
-      </mc:AlternateContent>
-      <mc:AlternateContent xmlns:mc="http://schemas.openxmlformats.org/markup-compatibility/2006">
-        <mc:Choice xmlns:a14="http://schemas.microsoft.com/office/drawing/2010/main" Requires="a14">
-          <p:sp>
-            <p:nvSpPr>
-              <p:cNvPr id="29" name="Rectangle 28"/>
-              <p:cNvSpPr/>
-              <p:nvPr/>
-            </p:nvSpPr>
-            <p:spPr>
-              <a:xfrm rot="19800000">
-                <a:off x="5318230" y="2623282"/>
-                <a:ext cx="548483" cy="261610"/>
-              </a:xfrm>
-              <a:prstGeom prst="rect">
-                <a:avLst/>
-              </a:prstGeom>
-            </p:spPr>
-            <p:txBody>
-              <a:bodyPr wrap="none">
-                <a:spAutoFit/>
-              </a:bodyPr>
-              <a:lstStyle/>
-              <a:p>
-                <a:pPr/>
-                <a14:m>
-                  <m:oMathPara xmlns:m="http://schemas.openxmlformats.org/officeDocument/2006/math">
-                    <m:oMathParaPr>
-                      <m:jc m:val="centerGroup"/>
-                    </m:oMathParaPr>
-                    <m:oMath xmlns:m="http://schemas.openxmlformats.org/officeDocument/2006/math">
-                      <m:sSub>
-                        <m:sSubPr>
-                          <m:ctrlPr>
-                            <a:rPr lang="fr-FR" sz="1100" i="1" smtClean="0">
-                              <a:latin typeface="Cambria Math"/>
-                            </a:rPr>
-                          </m:ctrlPr>
-                        </m:sSubPr>
-                        <m:e>
-                          <m:r>
-                            <a:rPr lang="fr-FR" sz="1100" b="0" i="1" smtClean="0">
-                              <a:latin typeface="Cambria Math"/>
-                            </a:rPr>
-                            <m:t>𝐶</m:t>
-                          </m:r>
-                        </m:e>
-                        <m:sub>
-                          <m:r>
-                            <a:rPr lang="fr-FR" sz="1100" b="0" i="1" smtClean="0">
-                              <a:latin typeface="Cambria Math"/>
-                            </a:rPr>
-                            <m:t>23</m:t>
-                          </m:r>
-                        </m:sub>
-                      </m:sSub>
-                      <m:acc>
-                        <m:accPr>
-                          <m:chr m:val="⃗"/>
-                          <m:ctrlPr>
-                            <a:rPr lang="fr-FR" sz="1100" i="1">
-                              <a:latin typeface="Cambria Math"/>
-                            </a:rPr>
-                          </m:ctrlPr>
-                        </m:accPr>
-                        <m:e>
-                          <m:sSub>
-                            <m:sSubPr>
-                              <m:ctrlPr>
-                                <a:rPr lang="fr-FR" sz="1100" i="1">
-                                  <a:latin typeface="Cambria Math"/>
-                                </a:rPr>
-                              </m:ctrlPr>
-                            </m:sSubPr>
-                            <m:e>
-                              <m:r>
-                                <a:rPr lang="fr-FR" sz="1100" i="1">
-                                  <a:latin typeface="Cambria Math"/>
-                                </a:rPr>
-                                <m:t>𝑧</m:t>
-                              </m:r>
-                            </m:e>
-                            <m:sub>
-                              <m:r>
-                                <a:rPr lang="fr-FR" sz="1100" b="0" i="1" smtClean="0">
-                                  <a:latin typeface="Cambria Math"/>
-                                </a:rPr>
-                                <m:t>3</m:t>
-                              </m:r>
-                            </m:sub>
-                          </m:sSub>
-                        </m:e>
-                      </m:acc>
-                    </m:oMath>
-                  </m:oMathPara>
-                </a14:m>
-                <a:endParaRPr lang="fr-FR" sz="1100" dirty="0"/>
-              </a:p>
-            </p:txBody>
-          </p:sp>
-        </mc:Choice>
-        <mc:Fallback>
-          <p:sp>
-            <p:nvSpPr>
-              <p:cNvPr id="29" name="Rectangle 28"/>
-              <p:cNvSpPr>
-                <a:spLocks noRot="1" noChangeAspect="1" noMove="1" noResize="1" noEditPoints="1" noAdjustHandles="1" noChangeArrowheads="1" noChangeShapeType="1" noTextEdit="1"/>
-              </p:cNvSpPr>
-              <p:nvPr/>
-            </p:nvSpPr>
-            <p:spPr>
-              <a:xfrm rot="19800000">
-                <a:off x="5318230" y="2623282"/>
-                <a:ext cx="548483" cy="261610"/>
-              </a:xfrm>
-              <a:prstGeom prst="rect">
-                <a:avLst/>
-              </a:prstGeom>
-              <a:blipFill rotWithShape="1">
-                <a:blip r:embed="rId10"/>
-                <a:stretch>
-                  <a:fillRect/>
-                </a:stretch>
-              </a:blipFill>
-            </p:spPr>
-            <p:txBody>
-              <a:bodyPr/>
-              <a:lstStyle/>
-              <a:p>
-                <a:r>
-                  <a:rPr lang="fr-FR">
-                    <a:noFill/>
-                  </a:rPr>
-                  <a:t> </a:t>
-                </a:r>
-              </a:p>
-            </p:txBody>
-          </p:sp>
-        </mc:Fallback>
-      </mc:AlternateContent>
-      <mc:AlternateContent xmlns:mc="http://schemas.openxmlformats.org/markup-compatibility/2006">
-        <mc:Choice xmlns:a14="http://schemas.microsoft.com/office/drawing/2010/main" Requires="a14">
-          <p:sp>
-            <p:nvSpPr>
-              <p:cNvPr id="30" name="Rectangle 29"/>
-              <p:cNvSpPr/>
-              <p:nvPr/>
-            </p:nvSpPr>
-            <p:spPr>
-              <a:xfrm rot="19800000">
-                <a:off x="6036985" y="2623282"/>
-                <a:ext cx="639086" cy="261610"/>
-              </a:xfrm>
-              <a:prstGeom prst="rect">
-                <a:avLst/>
-              </a:prstGeom>
-            </p:spPr>
-            <p:txBody>
-              <a:bodyPr wrap="none">
-                <a:spAutoFit/>
-              </a:bodyPr>
-              <a:lstStyle/>
-              <a:p>
-                <a:pPr/>
-                <a14:m>
-                  <m:oMathPara xmlns:m="http://schemas.openxmlformats.org/officeDocument/2006/math">
-                    <m:oMathParaPr>
-                      <m:jc m:val="centerGroup"/>
-                    </m:oMathParaPr>
-                    <m:oMath xmlns:m="http://schemas.openxmlformats.org/officeDocument/2006/math">
-                      <m:sSub>
-                        <m:sSubPr>
-                          <m:ctrlPr>
-                            <a:rPr lang="fr-FR" sz="1100" i="1" smtClean="0">
-                              <a:latin typeface="Cambria Math"/>
-                            </a:rPr>
-                          </m:ctrlPr>
-                        </m:sSubPr>
-                        <m:e>
-                          <m:r>
-                            <a:rPr lang="fr-FR" sz="1100" b="0" i="1" smtClean="0">
-                              <a:latin typeface="Cambria Math"/>
-                            </a:rPr>
-                            <m:t>𝐹</m:t>
-                          </m:r>
-                        </m:e>
-                        <m:sub>
-                          <m:r>
-                            <m:rPr>
-                              <m:sty m:val="p"/>
-                            </m:rPr>
-                            <a:rPr lang="fr-FR" sz="1100" b="0" i="0" smtClean="0">
-                              <a:latin typeface="Cambria Math"/>
-                            </a:rPr>
-                            <m:t>m</m:t>
-                          </m:r>
-                          <m:r>
-                            <a:rPr lang="fr-FR" sz="1100" b="0" i="1" smtClean="0">
-                              <a:latin typeface="Cambria Math"/>
-                            </a:rPr>
-                            <m:t>34</m:t>
-                          </m:r>
-                        </m:sub>
-                      </m:sSub>
-                      <m:acc>
-                        <m:accPr>
-                          <m:chr m:val="⃗"/>
-                          <m:ctrlPr>
-                            <a:rPr lang="fr-FR" sz="1100" i="1">
-                              <a:latin typeface="Cambria Math"/>
-                            </a:rPr>
-                          </m:ctrlPr>
-                        </m:accPr>
-                        <m:e>
-                          <m:sSub>
-                            <m:sSubPr>
-                              <m:ctrlPr>
-                                <a:rPr lang="fr-FR" sz="1100" i="1">
-                                  <a:latin typeface="Cambria Math"/>
-                                </a:rPr>
-                              </m:ctrlPr>
-                            </m:sSubPr>
-                            <m:e>
-                              <m:r>
-                                <a:rPr lang="fr-FR" sz="1100" i="1">
-                                  <a:latin typeface="Cambria Math"/>
-                                </a:rPr>
-                                <m:t>𝑧</m:t>
-                              </m:r>
-                            </m:e>
-                            <m:sub>
-                              <m:r>
-                                <a:rPr lang="fr-FR" sz="1100" b="0" i="1" smtClean="0">
-                                  <a:latin typeface="Cambria Math"/>
-                                </a:rPr>
-                                <m:t>4</m:t>
-                              </m:r>
-                            </m:sub>
-                          </m:sSub>
-                        </m:e>
-                      </m:acc>
-                    </m:oMath>
-                  </m:oMathPara>
-                </a14:m>
-                <a:endParaRPr lang="fr-FR" sz="1100" dirty="0"/>
-              </a:p>
-            </p:txBody>
-          </p:sp>
-        </mc:Choice>
-        <mc:Fallback>
-          <p:sp>
-            <p:nvSpPr>
-              <p:cNvPr id="30" name="Rectangle 29"/>
-              <p:cNvSpPr>
-                <a:spLocks noRot="1" noChangeAspect="1" noMove="1" noResize="1" noEditPoints="1" noAdjustHandles="1" noChangeArrowheads="1" noChangeShapeType="1" noTextEdit="1"/>
-              </p:cNvSpPr>
-              <p:nvPr/>
-            </p:nvSpPr>
-            <p:spPr>
-              <a:xfrm rot="19800000">
-                <a:off x="6036985" y="2623282"/>
-                <a:ext cx="639086" cy="261610"/>
-              </a:xfrm>
-              <a:prstGeom prst="rect">
-                <a:avLst/>
-              </a:prstGeom>
-              <a:blipFill rotWithShape="1">
-                <a:blip r:embed="rId11"/>
-                <a:stretch>
-                  <a:fillRect/>
                 </a:stretch>
               </a:blipFill>
             </p:spPr>
@@ -6321,7 +4484,7 @@
                 <a:avLst/>
               </a:prstGeom>
               <a:blipFill rotWithShape="1">
-                <a:blip r:embed="rId12"/>
+                <a:blip r:embed="rId4"/>
                 <a:stretch>
                   <a:fillRect b="-2985"/>
                 </a:stretch>
@@ -6409,7 +4572,7 @@
                 <a:avLst/>
               </a:prstGeom>
               <a:blipFill rotWithShape="1">
-                <a:blip r:embed="rId13"/>
+                <a:blip r:embed="rId5"/>
                 <a:stretch>
                   <a:fillRect b="-16279"/>
                 </a:stretch>
@@ -6440,7 +4603,7 @@
             </p:nvSpPr>
             <p:spPr>
               <a:xfrm rot="-2700000">
-                <a:off x="2082118" y="767264"/>
+                <a:off x="2295881" y="614812"/>
                 <a:ext cx="1039708" cy="296876"/>
               </a:xfrm>
               <a:prstGeom prst="rect">
@@ -6515,14 +4678,14 @@
             </p:nvSpPr>
             <p:spPr>
               <a:xfrm rot="-2700000">
-                <a:off x="2082118" y="767264"/>
+                <a:off x="2295881" y="614812"/>
                 <a:ext cx="1039708" cy="296876"/>
               </a:xfrm>
               <a:prstGeom prst="rect">
                 <a:avLst/>
               </a:prstGeom>
               <a:blipFill rotWithShape="1">
-                <a:blip r:embed="rId14"/>
+                <a:blip r:embed="rId6"/>
                 <a:stretch>
                   <a:fillRect b="-1923"/>
                 </a:stretch>
@@ -6677,7 +4840,7 @@
                 <a:avLst/>
               </a:prstGeom>
               <a:blipFill rotWithShape="1">
-                <a:blip r:embed="rId15"/>
+                <a:blip r:embed="rId7"/>
                 <a:stretch>
                   <a:fillRect b="-16279"/>
                 </a:stretch>
@@ -6832,7 +4995,7 @@
                 <a:avLst/>
               </a:prstGeom>
               <a:blipFill rotWithShape="1">
-                <a:blip r:embed="rId16"/>
+                <a:blip r:embed="rId8"/>
                 <a:stretch>
                   <a:fillRect b="-16279"/>
                 </a:stretch>
@@ -6987,7 +5150,7 @@
                 <a:avLst/>
               </a:prstGeom>
               <a:blipFill rotWithShape="1">
-                <a:blip r:embed="rId17"/>
+                <a:blip r:embed="rId9"/>
                 <a:stretch>
                   <a:fillRect b="-16279"/>
                 </a:stretch>
@@ -7142,7 +5305,7 @@
                 <a:avLst/>
               </a:prstGeom>
               <a:blipFill rotWithShape="1">
-                <a:blip r:embed="rId18"/>
+                <a:blip r:embed="rId10"/>
                 <a:stretch>
                   <a:fillRect b="-16279"/>
                 </a:stretch>
@@ -7213,8 +5376,8 @@
               <p:nvPr/>
             </p:nvSpPr>
             <p:spPr>
-              <a:xfrm>
-                <a:off x="602745" y="3374293"/>
+              <a:xfrm rot="16200000">
+                <a:off x="-230883" y="2049528"/>
                 <a:ext cx="969240" cy="261610"/>
               </a:xfrm>
               <a:prstGeom prst="rect">
@@ -7330,17 +5493,17 @@
               <p:nvPr/>
             </p:nvSpPr>
             <p:spPr>
-              <a:xfrm>
-                <a:off x="602745" y="3374293"/>
+              <a:xfrm rot="16200000">
+                <a:off x="-230883" y="2049528"/>
                 <a:ext cx="969240" cy="261610"/>
               </a:xfrm>
               <a:prstGeom prst="rect">
                 <a:avLst/>
               </a:prstGeom>
               <a:blipFill rotWithShape="1">
-                <a:blip r:embed="rId19"/>
+                <a:blip r:embed="rId11"/>
                 <a:stretch>
-                  <a:fillRect b="-19048"/>
+                  <a:fillRect r="-16279"/>
                 </a:stretch>
               </a:blipFill>
             </p:spPr>
@@ -7359,6 +5522,202 @@
           </p:sp>
         </mc:Fallback>
       </mc:AlternateContent>
+      <p:sp>
+        <p:nvSpPr>
+          <p:cNvPr id="108" name="ZoneTexte 107"/>
+          <p:cNvSpPr txBox="1"/>
+          <p:nvPr/>
+        </p:nvSpPr>
+        <p:spPr>
+          <a:xfrm rot="-2700000">
+            <a:off x="1947811" y="824798"/>
+            <a:ext cx="530915" cy="261610"/>
+          </a:xfrm>
+          <a:prstGeom prst="rect">
+            <a:avLst/>
+          </a:prstGeom>
+          <a:noFill/>
+        </p:spPr>
+        <p:txBody>
+          <a:bodyPr wrap="none" rtlCol="0">
+            <a:spAutoFit/>
+          </a:bodyPr>
+          <a:lstStyle/>
+          <a:p>
+            <a:r>
+              <a:rPr lang="fr-FR" sz="1100" b="0" dirty="0" smtClean="0"/>
+              <a:t>Fluide</a:t>
+            </a:r>
+            <a:endParaRPr lang="fr-FR" sz="1100" dirty="0"/>
+          </a:p>
+        </p:txBody>
+      </p:sp>
+      <p:sp>
+        <p:nvSpPr>
+          <p:cNvPr id="109" name="Forme libre 108"/>
+          <p:cNvSpPr/>
+          <p:nvPr/>
+        </p:nvSpPr>
+        <p:spPr>
+          <a:xfrm rot="13404789">
+            <a:off x="1845262" y="2372842"/>
+            <a:ext cx="700130" cy="122095"/>
+          </a:xfrm>
+          <a:custGeom>
+            <a:avLst/>
+            <a:gdLst>
+              <a:gd name="connsiteX0" fmla="*/ 0 w 596900"/>
+              <a:gd name="connsiteY0" fmla="*/ 209768 h 209768"/>
+              <a:gd name="connsiteX1" fmla="*/ 317500 w 596900"/>
+              <a:gd name="connsiteY1" fmla="*/ 218 h 209768"/>
+              <a:gd name="connsiteX2" fmla="*/ 596900 w 596900"/>
+              <a:gd name="connsiteY2" fmla="*/ 178018 h 209768"/>
+              <a:gd name="connsiteX0" fmla="*/ 0 w 660400"/>
+              <a:gd name="connsiteY0" fmla="*/ 210341 h 280191"/>
+              <a:gd name="connsiteX1" fmla="*/ 317500 w 660400"/>
+              <a:gd name="connsiteY1" fmla="*/ 791 h 280191"/>
+              <a:gd name="connsiteX2" fmla="*/ 660400 w 660400"/>
+              <a:gd name="connsiteY2" fmla="*/ 280191 h 280191"/>
+              <a:gd name="connsiteX0" fmla="*/ 0 w 736600"/>
+              <a:gd name="connsiteY0" fmla="*/ 273055 h 279405"/>
+              <a:gd name="connsiteX1" fmla="*/ 393700 w 736600"/>
+              <a:gd name="connsiteY1" fmla="*/ 5 h 279405"/>
+              <a:gd name="connsiteX2" fmla="*/ 736600 w 736600"/>
+              <a:gd name="connsiteY2" fmla="*/ 279405 h 279405"/>
+            </a:gdLst>
+            <a:ahLst/>
+            <a:cxnLst>
+              <a:cxn ang="0">
+                <a:pos x="connsiteX0" y="connsiteY0"/>
+              </a:cxn>
+              <a:cxn ang="0">
+                <a:pos x="connsiteX1" y="connsiteY1"/>
+              </a:cxn>
+              <a:cxn ang="0">
+                <a:pos x="connsiteX2" y="connsiteY2"/>
+              </a:cxn>
+            </a:cxnLst>
+            <a:rect l="l" t="t" r="r" b="b"/>
+            <a:pathLst>
+              <a:path w="736600" h="279405">
+                <a:moveTo>
+                  <a:pt x="0" y="273055"/>
+                </a:moveTo>
+                <a:cubicBezTo>
+                  <a:pt x="109008" y="170926"/>
+                  <a:pt x="270933" y="-1053"/>
+                  <a:pt x="393700" y="5"/>
+                </a:cubicBezTo>
+                <a:cubicBezTo>
+                  <a:pt x="516467" y="1063"/>
+                  <a:pt x="646641" y="187859"/>
+                  <a:pt x="736600" y="279405"/>
+                </a:cubicBezTo>
+              </a:path>
+            </a:pathLst>
+          </a:custGeom>
+          <a:noFill/>
+          <a:ln>
+            <a:solidFill>
+              <a:srgbClr val="C00000"/>
+            </a:solidFill>
+            <a:headEnd type="stealth" w="med" len="lg"/>
+            <a:tailEnd type="stealth" w="med" len="lg"/>
+          </a:ln>
+        </p:spPr>
+        <p:style>
+          <a:lnRef idx="2">
+            <a:schemeClr val="accent1">
+              <a:shade val="50000"/>
+            </a:schemeClr>
+          </a:lnRef>
+          <a:fillRef idx="1">
+            <a:schemeClr val="accent1"/>
+          </a:fillRef>
+          <a:effectRef idx="0">
+            <a:schemeClr val="accent1"/>
+          </a:effectRef>
+          <a:fontRef idx="minor">
+            <a:schemeClr val="lt1"/>
+          </a:fontRef>
+        </p:style>
+        <p:txBody>
+          <a:bodyPr rtlCol="0" anchor="ctr"/>
+          <a:lstStyle/>
+          <a:p>
+            <a:pPr algn="ctr"/>
+            <a:endParaRPr lang="fr-FR"/>
+          </a:p>
+        </p:txBody>
+      </p:sp>
+      <p:sp>
+        <p:nvSpPr>
+          <p:cNvPr id="110" name="ZoneTexte 109"/>
+          <p:cNvSpPr txBox="1"/>
+          <p:nvPr/>
+        </p:nvSpPr>
+        <p:spPr>
+          <a:xfrm>
+            <a:off x="1548725" y="2428742"/>
+            <a:ext cx="429926" cy="261610"/>
+          </a:xfrm>
+          <a:prstGeom prst="rect">
+            <a:avLst/>
+          </a:prstGeom>
+          <a:noFill/>
+        </p:spPr>
+        <p:txBody>
+          <a:bodyPr wrap="none" rtlCol="0">
+            <a:spAutoFit/>
+          </a:bodyPr>
+          <a:lstStyle/>
+          <a:p>
+            <a:r>
+              <a:rPr lang="fr-FR" sz="1100" b="0" dirty="0" smtClean="0"/>
+              <a:t>MR</a:t>
+            </a:r>
+            <a:r>
+              <a:rPr lang="fr-FR" sz="1100" b="0" baseline="-25000" dirty="0" smtClean="0"/>
+              <a:t>1</a:t>
+            </a:r>
+            <a:endParaRPr lang="fr-FR" sz="1100" baseline="-25000" dirty="0"/>
+          </a:p>
+        </p:txBody>
+      </p:sp>
+      <p:sp>
+        <p:nvSpPr>
+          <p:cNvPr id="111" name="ZoneTexte 110"/>
+          <p:cNvSpPr txBox="1"/>
+          <p:nvPr/>
+        </p:nvSpPr>
+        <p:spPr>
+          <a:xfrm>
+            <a:off x="1862474" y="2436439"/>
+            <a:ext cx="429926" cy="261610"/>
+          </a:xfrm>
+          <a:prstGeom prst="rect">
+            <a:avLst/>
+          </a:prstGeom>
+          <a:noFill/>
+        </p:spPr>
+        <p:txBody>
+          <a:bodyPr wrap="none" rtlCol="0">
+            <a:spAutoFit/>
+          </a:bodyPr>
+          <a:lstStyle/>
+          <a:p>
+            <a:r>
+              <a:rPr lang="fr-FR" sz="1100" b="0" dirty="0" smtClean="0"/>
+              <a:t>MR</a:t>
+            </a:r>
+            <a:r>
+              <a:rPr lang="fr-FR" sz="1100" b="0" baseline="-25000" dirty="0" smtClean="0"/>
+              <a:t>2</a:t>
+            </a:r>
+            <a:endParaRPr lang="fr-FR" sz="1100" baseline="-25000" dirty="0"/>
+          </a:p>
+        </p:txBody>
+      </p:sp>
     </p:spTree>
     <p:extLst>
       <p:ext uri="{BB962C8B-B14F-4D97-AF65-F5344CB8AC3E}">
@@ -15765,7 +14124,7 @@
           <p:nvPr/>
         </p:nvPicPr>
         <p:blipFill>
-          <a:blip r:embed="rId8">
+          <a:blip r:embed="rId2">
             <a:extLst>
               <a:ext uri="{28A0092B-C50C-407E-A947-70E740481C1C}">
                 <a14:useLocalDpi xmlns:a14="http://schemas.microsoft.com/office/drawing/2010/main" val="0"/>
@@ -15829,7 +14188,7 @@
           <p:nvPr/>
         </p:nvPicPr>
         <p:blipFill>
-          <a:blip r:embed="rId9">
+          <a:blip r:embed="rId3">
             <a:extLst>
               <a:ext uri="{28A0092B-C50C-407E-A947-70E740481C1C}">
                 <a14:useLocalDpi xmlns:a14="http://schemas.microsoft.com/office/drawing/2010/main" val="0"/>

--- a/Centrale_2018/images/Figures.pptx
+++ b/Centrale_2018/images/Figures.pptx
@@ -302,7 +302,7 @@
           <a:p>
             <a:fld id="{AA309A6D-C09C-4548-B29A-6CF363A7E532}" type="datetimeFigureOut">
               <a:rPr lang="fr-FR" smtClean="0"/>
-              <a:t>28/04/2018</a:t>
+              <a:t>29/04/2018</a:t>
             </a:fld>
             <a:endParaRPr lang="fr-BE"/>
           </a:p>
@@ -467,7 +467,7 @@
           <a:p>
             <a:fld id="{AA309A6D-C09C-4548-B29A-6CF363A7E532}" type="datetimeFigureOut">
               <a:rPr lang="fr-FR" smtClean="0"/>
-              <a:t>28/04/2018</a:t>
+              <a:t>29/04/2018</a:t>
             </a:fld>
             <a:endParaRPr lang="fr-BE"/>
           </a:p>
@@ -642,7 +642,7 @@
           <a:p>
             <a:fld id="{AA309A6D-C09C-4548-B29A-6CF363A7E532}" type="datetimeFigureOut">
               <a:rPr lang="fr-FR" smtClean="0"/>
-              <a:t>28/04/2018</a:t>
+              <a:t>29/04/2018</a:t>
             </a:fld>
             <a:endParaRPr lang="fr-BE"/>
           </a:p>
@@ -807,7 +807,7 @@
           <a:p>
             <a:fld id="{AA309A6D-C09C-4548-B29A-6CF363A7E532}" type="datetimeFigureOut">
               <a:rPr lang="fr-FR" smtClean="0"/>
-              <a:t>28/04/2018</a:t>
+              <a:t>29/04/2018</a:t>
             </a:fld>
             <a:endParaRPr lang="fr-BE"/>
           </a:p>
@@ -1048,7 +1048,7 @@
           <a:p>
             <a:fld id="{AA309A6D-C09C-4548-B29A-6CF363A7E532}" type="datetimeFigureOut">
               <a:rPr lang="fr-FR" smtClean="0"/>
-              <a:t>28/04/2018</a:t>
+              <a:t>29/04/2018</a:t>
             </a:fld>
             <a:endParaRPr lang="fr-BE"/>
           </a:p>
@@ -1331,7 +1331,7 @@
           <a:p>
             <a:fld id="{AA309A6D-C09C-4548-B29A-6CF363A7E532}" type="datetimeFigureOut">
               <a:rPr lang="fr-FR" smtClean="0"/>
-              <a:t>28/04/2018</a:t>
+              <a:t>29/04/2018</a:t>
             </a:fld>
             <a:endParaRPr lang="fr-BE"/>
           </a:p>
@@ -1748,7 +1748,7 @@
           <a:p>
             <a:fld id="{AA309A6D-C09C-4548-B29A-6CF363A7E532}" type="datetimeFigureOut">
               <a:rPr lang="fr-FR" smtClean="0"/>
-              <a:t>28/04/2018</a:t>
+              <a:t>29/04/2018</a:t>
             </a:fld>
             <a:endParaRPr lang="fr-BE"/>
           </a:p>
@@ -1861,7 +1861,7 @@
           <a:p>
             <a:fld id="{AA309A6D-C09C-4548-B29A-6CF363A7E532}" type="datetimeFigureOut">
               <a:rPr lang="fr-FR" smtClean="0"/>
-              <a:t>28/04/2018</a:t>
+              <a:t>29/04/2018</a:t>
             </a:fld>
             <a:endParaRPr lang="fr-BE"/>
           </a:p>
@@ -1951,7 +1951,7 @@
           <a:p>
             <a:fld id="{AA309A6D-C09C-4548-B29A-6CF363A7E532}" type="datetimeFigureOut">
               <a:rPr lang="fr-FR" smtClean="0"/>
-              <a:t>28/04/2018</a:t>
+              <a:t>29/04/2018</a:t>
             </a:fld>
             <a:endParaRPr lang="fr-BE"/>
           </a:p>
@@ -2223,7 +2223,7 @@
           <a:p>
             <a:fld id="{AA309A6D-C09C-4548-B29A-6CF363A7E532}" type="datetimeFigureOut">
               <a:rPr lang="fr-FR" smtClean="0"/>
-              <a:t>28/04/2018</a:t>
+              <a:t>29/04/2018</a:t>
             </a:fld>
             <a:endParaRPr lang="fr-BE"/>
           </a:p>
@@ -2471,7 +2471,7 @@
           <a:p>
             <a:fld id="{AA309A6D-C09C-4548-B29A-6CF363A7E532}" type="datetimeFigureOut">
               <a:rPr lang="fr-FR" smtClean="0"/>
-              <a:t>28/04/2018</a:t>
+              <a:t>29/04/2018</a:t>
             </a:fld>
             <a:endParaRPr lang="fr-BE"/>
           </a:p>
@@ -2679,7 +2679,7 @@
           <a:p>
             <a:fld id="{AA309A6D-C09C-4548-B29A-6CF363A7E532}" type="datetimeFigureOut">
               <a:rPr lang="fr-FR" smtClean="0"/>
-              <a:t>28/04/2018</a:t>
+              <a:t>29/04/2018</a:t>
             </a:fld>
             <a:endParaRPr lang="fr-BE"/>
           </a:p>
@@ -17654,7 +17654,7 @@
         </p:nvSpPr>
         <p:spPr>
           <a:xfrm>
-            <a:off x="1763688" y="3356992"/>
+            <a:off x="1763688" y="3501008"/>
             <a:ext cx="288032" cy="288032"/>
           </a:xfrm>
           <a:prstGeom prst="ellipse">
@@ -17716,7 +17716,7 @@
         <p:spPr>
           <a:xfrm flipV="1">
             <a:off x="2051720" y="2749536"/>
-            <a:ext cx="523270" cy="751472"/>
+            <a:ext cx="523270" cy="895488"/>
           </a:xfrm>
           <a:prstGeom prst="line">
             <a:avLst/>
@@ -17747,14 +17747,14 @@
           <p:cNvPr id="73" name="Connecteur droit 72"/>
           <p:cNvCxnSpPr>
             <a:stCxn id="71" idx="2"/>
-            <a:endCxn id="60" idx="5"/>
+            <a:endCxn id="60" idx="4"/>
           </p:cNvCxnSpPr>
           <p:nvPr/>
         </p:nvCxnSpPr>
         <p:spPr>
           <a:xfrm flipH="1" flipV="1">
-            <a:off x="1250119" y="2749536"/>
-            <a:ext cx="513569" cy="751472"/>
+            <a:off x="1053309" y="2791717"/>
+            <a:ext cx="710379" cy="853307"/>
           </a:xfrm>
           <a:prstGeom prst="line">
             <a:avLst/>
@@ -18734,7 +18734,7 @@
         <p:spPr>
           <a:xfrm flipV="1">
             <a:off x="1907704" y="2149754"/>
-            <a:ext cx="0" cy="1207238"/>
+            <a:ext cx="0" cy="1351254"/>
           </a:xfrm>
           <a:prstGeom prst="line">
             <a:avLst/>
@@ -18760,6 +18760,529 @@
           </a:fontRef>
         </p:style>
       </p:cxnSp>
+      <p:sp>
+        <p:nvSpPr>
+          <p:cNvPr id="2" name="Éclair 1"/>
+          <p:cNvSpPr/>
+          <p:nvPr/>
+        </p:nvSpPr>
+        <p:spPr>
+          <a:xfrm rot="15086756" flipV="1">
+            <a:off x="2071315" y="3701246"/>
+            <a:ext cx="484080" cy="434769"/>
+          </a:xfrm>
+          <a:prstGeom prst="lightningBolt">
+            <a:avLst/>
+          </a:prstGeom>
+          <a:solidFill>
+            <a:srgbClr val="FFC000"/>
+          </a:solidFill>
+          <a:ln w="19050">
+            <a:solidFill>
+              <a:srgbClr val="FF0000"/>
+            </a:solidFill>
+          </a:ln>
+        </p:spPr>
+        <p:style>
+          <a:lnRef idx="2">
+            <a:schemeClr val="accent1">
+              <a:shade val="50000"/>
+            </a:schemeClr>
+          </a:lnRef>
+          <a:fillRef idx="1">
+            <a:schemeClr val="accent1"/>
+          </a:fillRef>
+          <a:effectRef idx="0">
+            <a:schemeClr val="accent1"/>
+          </a:effectRef>
+          <a:fontRef idx="minor">
+            <a:schemeClr val="lt1"/>
+          </a:fontRef>
+        </p:style>
+        <p:txBody>
+          <a:bodyPr rtlCol="0" anchor="ctr"/>
+          <a:lstStyle/>
+          <a:p>
+            <a:pPr algn="ctr"/>
+            <a:endParaRPr lang="fr-FR"/>
+          </a:p>
+        </p:txBody>
+      </p:sp>
+      <mc:AlternateContent xmlns:mc="http://schemas.openxmlformats.org/markup-compatibility/2006">
+        <mc:Choice xmlns:a14="http://schemas.microsoft.com/office/drawing/2010/main" Requires="a14">
+          <p:sp>
+            <p:nvSpPr>
+              <p:cNvPr id="26" name="ZoneTexte 25"/>
+              <p:cNvSpPr txBox="1"/>
+              <p:nvPr/>
+            </p:nvSpPr>
+            <p:spPr>
+              <a:xfrm>
+                <a:off x="2530033" y="3883358"/>
+                <a:ext cx="790601" cy="261610"/>
+              </a:xfrm>
+              <a:prstGeom prst="rect">
+                <a:avLst/>
+              </a:prstGeom>
+              <a:noFill/>
+            </p:spPr>
+            <p:txBody>
+              <a:bodyPr wrap="none" rtlCol="0">
+                <a:spAutoFit/>
+              </a:bodyPr>
+              <a:lstStyle/>
+              <a:p>
+                <a14:m>
+                  <m:oMathPara xmlns:m="http://schemas.openxmlformats.org/officeDocument/2006/math">
+                    <m:oMathParaPr>
+                      <m:jc m:val="centerGroup"/>
+                    </m:oMathParaPr>
+                    <m:oMath xmlns:m="http://schemas.openxmlformats.org/officeDocument/2006/math">
+                      <m:d>
+                        <m:dPr>
+                          <m:begChr m:val="{"/>
+                          <m:endChr m:val="}"/>
+                          <m:ctrlPr>
+                            <a:rPr lang="fr-FR" sz="1100" b="0" i="1" smtClean="0">
+                              <a:latin typeface="Cambria Math"/>
+                            </a:rPr>
+                          </m:ctrlPr>
+                        </m:dPr>
+                        <m:e>
+                          <m:sSub>
+                            <m:sSubPr>
+                              <m:ctrlPr>
+                                <a:rPr lang="fr-FR" sz="1100" b="0" i="1" smtClean="0">
+                                  <a:latin typeface="Cambria Math"/>
+                                  <a:ea typeface="Cambria Math"/>
+                                </a:rPr>
+                              </m:ctrlPr>
+                            </m:sSubPr>
+                            <m:e>
+                              <m:r>
+                                <a:rPr lang="fr-FR" sz="1100" b="0" i="1" smtClean="0">
+                                  <a:latin typeface="Cambria Math"/>
+                                  <a:ea typeface="Cambria Math"/>
+                                </a:rPr>
+                                <m:t>𝒯</m:t>
+                              </m:r>
+                            </m:e>
+                            <m:sub>
+                              <m:r>
+                                <m:rPr>
+                                  <m:sty m:val="p"/>
+                                </m:rPr>
+                                <a:rPr lang="fr-FR" sz="1100" b="0" i="0" smtClean="0">
+                                  <a:latin typeface="Cambria Math"/>
+                                  <a:ea typeface="Cambria Math"/>
+                                </a:rPr>
+                                <m:t>outil</m:t>
+                              </m:r>
+                              <m:r>
+                                <a:rPr lang="fr-FR" sz="1100" b="0" i="1" smtClean="0">
+                                  <a:latin typeface="Cambria Math"/>
+                                  <a:ea typeface="Cambria Math"/>
+                                </a:rPr>
+                                <m:t>→3</m:t>
+                              </m:r>
+                            </m:sub>
+                          </m:sSub>
+                        </m:e>
+                      </m:d>
+                    </m:oMath>
+                  </m:oMathPara>
+                </a14:m>
+                <a:endParaRPr lang="fr-FR" sz="1100" dirty="0"/>
+              </a:p>
+            </p:txBody>
+          </p:sp>
+        </mc:Choice>
+        <mc:Fallback>
+          <p:sp>
+            <p:nvSpPr>
+              <p:cNvPr id="26" name="ZoneTexte 25"/>
+              <p:cNvSpPr txBox="1">
+                <a:spLocks noRot="1" noChangeAspect="1" noMove="1" noResize="1" noEditPoints="1" noAdjustHandles="1" noChangeArrowheads="1" noChangeShapeType="1" noTextEdit="1"/>
+              </p:cNvSpPr>
+              <p:nvPr/>
+            </p:nvSpPr>
+            <p:spPr>
+              <a:xfrm>
+                <a:off x="2530033" y="3883358"/>
+                <a:ext cx="790601" cy="261610"/>
+              </a:xfrm>
+              <a:prstGeom prst="rect">
+                <a:avLst/>
+              </a:prstGeom>
+              <a:blipFill rotWithShape="1">
+                <a:blip r:embed="rId12"/>
+                <a:stretch>
+                  <a:fillRect/>
+                </a:stretch>
+              </a:blipFill>
+            </p:spPr>
+            <p:txBody>
+              <a:bodyPr/>
+              <a:lstStyle/>
+              <a:p>
+                <a:r>
+                  <a:rPr lang="fr-FR">
+                    <a:noFill/>
+                  </a:rPr>
+                  <a:t> </a:t>
+                </a:r>
+              </a:p>
+            </p:txBody>
+          </p:sp>
+        </mc:Fallback>
+      </mc:AlternateContent>
+      <mc:AlternateContent xmlns:mc="http://schemas.openxmlformats.org/markup-compatibility/2006">
+        <mc:Choice xmlns:a14="http://schemas.microsoft.com/office/drawing/2010/main" Requires="a14">
+          <p:sp>
+            <p:nvSpPr>
+              <p:cNvPr id="27" name="ZoneTexte 26"/>
+              <p:cNvSpPr txBox="1"/>
+              <p:nvPr/>
+            </p:nvSpPr>
+            <p:spPr>
+              <a:xfrm>
+                <a:off x="476140" y="3220522"/>
+                <a:ext cx="698333" cy="287771"/>
+              </a:xfrm>
+              <a:prstGeom prst="rect">
+                <a:avLst/>
+              </a:prstGeom>
+              <a:noFill/>
+            </p:spPr>
+            <p:txBody>
+              <a:bodyPr wrap="none" rtlCol="0">
+                <a:spAutoFit/>
+              </a:bodyPr>
+              <a:lstStyle/>
+              <a:p>
+                <a14:m>
+                  <m:oMathPara xmlns:m="http://schemas.openxmlformats.org/officeDocument/2006/math">
+                    <m:oMathParaPr>
+                      <m:jc m:val="centerGroup"/>
+                    </m:oMathParaPr>
+                    <m:oMath xmlns:m="http://schemas.openxmlformats.org/officeDocument/2006/math">
+                      <m:d>
+                        <m:dPr>
+                          <m:begChr m:val="{"/>
+                          <m:endChr m:val="}"/>
+                          <m:ctrlPr>
+                            <a:rPr lang="fr-FR" sz="1100" b="0" i="1" smtClean="0">
+                              <a:latin typeface="Cambria Math"/>
+                            </a:rPr>
+                          </m:ctrlPr>
+                        </m:dPr>
+                        <m:e>
+                          <m:sSub>
+                            <m:sSubPr>
+                              <m:ctrlPr>
+                                <a:rPr lang="fr-FR" sz="1100" b="0" i="1" smtClean="0">
+                                  <a:latin typeface="Cambria Math"/>
+                                  <a:ea typeface="Cambria Math"/>
+                                </a:rPr>
+                              </m:ctrlPr>
+                            </m:sSubPr>
+                            <m:e>
+                              <m:r>
+                                <a:rPr lang="fr-FR" sz="1100" b="0" i="1" smtClean="0">
+                                  <a:latin typeface="Cambria Math"/>
+                                  <a:ea typeface="Cambria Math"/>
+                                </a:rPr>
+                                <m:t>𝒯</m:t>
+                              </m:r>
+                            </m:e>
+                            <m:sub>
+                              <m:sSub>
+                                <m:sSubPr>
+                                  <m:ctrlPr>
+                                    <a:rPr lang="fr-FR" sz="1100" b="0" i="0" smtClean="0">
+                                      <a:latin typeface="Cambria Math"/>
+                                      <a:ea typeface="Cambria Math"/>
+                                    </a:rPr>
+                                  </m:ctrlPr>
+                                </m:sSubPr>
+                                <m:e>
+                                  <m:r>
+                                    <m:rPr>
+                                      <m:sty m:val="p"/>
+                                    </m:rPr>
+                                    <a:rPr lang="fr-FR" sz="1100" b="0" i="0" smtClean="0">
+                                      <a:latin typeface="Cambria Math"/>
+                                      <a:ea typeface="Cambria Math"/>
+                                    </a:rPr>
+                                    <m:t>re</m:t>
+                                  </m:r>
+                                </m:e>
+                                <m:sub>
+                                  <m:r>
+                                    <a:rPr lang="fr-FR" sz="1100" b="0" i="0" smtClean="0">
+                                      <a:latin typeface="Cambria Math"/>
+                                      <a:ea typeface="Cambria Math"/>
+                                    </a:rPr>
+                                    <m:t>1</m:t>
+                                  </m:r>
+                                </m:sub>
+                              </m:sSub>
+                              <m:r>
+                                <a:rPr lang="fr-FR" sz="1100" b="0" i="1" smtClean="0">
+                                  <a:latin typeface="Cambria Math"/>
+                                  <a:ea typeface="Cambria Math"/>
+                                </a:rPr>
+                                <m:t>→3</m:t>
+                              </m:r>
+                            </m:sub>
+                          </m:sSub>
+                        </m:e>
+                      </m:d>
+                    </m:oMath>
+                  </m:oMathPara>
+                </a14:m>
+                <a:endParaRPr lang="fr-FR" sz="1100" dirty="0"/>
+              </a:p>
+            </p:txBody>
+          </p:sp>
+        </mc:Choice>
+        <mc:Fallback>
+          <p:sp>
+            <p:nvSpPr>
+              <p:cNvPr id="27" name="ZoneTexte 26"/>
+              <p:cNvSpPr txBox="1">
+                <a:spLocks noRot="1" noChangeAspect="1" noMove="1" noResize="1" noEditPoints="1" noAdjustHandles="1" noChangeArrowheads="1" noChangeShapeType="1" noTextEdit="1"/>
+              </p:cNvSpPr>
+              <p:nvPr/>
+            </p:nvSpPr>
+            <p:spPr>
+              <a:xfrm>
+                <a:off x="476140" y="3220522"/>
+                <a:ext cx="698333" cy="287771"/>
+              </a:xfrm>
+              <a:prstGeom prst="rect">
+                <a:avLst/>
+              </a:prstGeom>
+              <a:blipFill rotWithShape="1">
+                <a:blip r:embed="rId13"/>
+                <a:stretch>
+                  <a:fillRect/>
+                </a:stretch>
+              </a:blipFill>
+            </p:spPr>
+            <p:txBody>
+              <a:bodyPr/>
+              <a:lstStyle/>
+              <a:p>
+                <a:r>
+                  <a:rPr lang="fr-FR">
+                    <a:noFill/>
+                  </a:rPr>
+                  <a:t> </a:t>
+                </a:r>
+              </a:p>
+            </p:txBody>
+          </p:sp>
+        </mc:Fallback>
+      </mc:AlternateContent>
+      <mc:AlternateContent xmlns:mc="http://schemas.openxmlformats.org/markup-compatibility/2006">
+        <mc:Choice xmlns:a14="http://schemas.microsoft.com/office/drawing/2010/main" Requires="a14">
+          <p:sp>
+            <p:nvSpPr>
+              <p:cNvPr id="28" name="ZoneTexte 27"/>
+              <p:cNvSpPr txBox="1"/>
+              <p:nvPr/>
+            </p:nvSpPr>
+            <p:spPr>
+              <a:xfrm>
+                <a:off x="2526122" y="3148252"/>
+                <a:ext cx="698332" cy="287771"/>
+              </a:xfrm>
+              <a:prstGeom prst="rect">
+                <a:avLst/>
+              </a:prstGeom>
+              <a:noFill/>
+            </p:spPr>
+            <p:txBody>
+              <a:bodyPr wrap="none" rtlCol="0">
+                <a:spAutoFit/>
+              </a:bodyPr>
+              <a:lstStyle/>
+              <a:p>
+                <a14:m>
+                  <m:oMathPara xmlns:m="http://schemas.openxmlformats.org/officeDocument/2006/math">
+                    <m:oMathParaPr>
+                      <m:jc m:val="centerGroup"/>
+                    </m:oMathParaPr>
+                    <m:oMath xmlns:m="http://schemas.openxmlformats.org/officeDocument/2006/math">
+                      <m:d>
+                        <m:dPr>
+                          <m:begChr m:val="{"/>
+                          <m:endChr m:val="}"/>
+                          <m:ctrlPr>
+                            <a:rPr lang="fr-FR" sz="1100" b="0" i="1" smtClean="0">
+                              <a:latin typeface="Cambria Math"/>
+                            </a:rPr>
+                          </m:ctrlPr>
+                        </m:dPr>
+                        <m:e>
+                          <m:sSub>
+                            <m:sSubPr>
+                              <m:ctrlPr>
+                                <a:rPr lang="fr-FR" sz="1100" b="0" i="1" smtClean="0">
+                                  <a:latin typeface="Cambria Math"/>
+                                  <a:ea typeface="Cambria Math"/>
+                                </a:rPr>
+                              </m:ctrlPr>
+                            </m:sSubPr>
+                            <m:e>
+                              <m:r>
+                                <a:rPr lang="fr-FR" sz="1100" b="0" i="1" smtClean="0">
+                                  <a:latin typeface="Cambria Math"/>
+                                  <a:ea typeface="Cambria Math"/>
+                                </a:rPr>
+                                <m:t>𝒯</m:t>
+                              </m:r>
+                            </m:e>
+                            <m:sub>
+                              <m:sSub>
+                                <m:sSubPr>
+                                  <m:ctrlPr>
+                                    <a:rPr lang="fr-FR" sz="1100" b="0" i="0" smtClean="0">
+                                      <a:latin typeface="Cambria Math"/>
+                                      <a:ea typeface="Cambria Math"/>
+                                    </a:rPr>
+                                  </m:ctrlPr>
+                                </m:sSubPr>
+                                <m:e>
+                                  <m:r>
+                                    <m:rPr>
+                                      <m:sty m:val="p"/>
+                                    </m:rPr>
+                                    <a:rPr lang="fr-FR" sz="1100" b="0" i="0" smtClean="0">
+                                      <a:latin typeface="Cambria Math"/>
+                                      <a:ea typeface="Cambria Math"/>
+                                    </a:rPr>
+                                    <m:t>re</m:t>
+                                  </m:r>
+                                </m:e>
+                                <m:sub>
+                                  <m:r>
+                                    <a:rPr lang="fr-FR" sz="1100" b="0" i="0" smtClean="0">
+                                      <a:latin typeface="Cambria Math"/>
+                                      <a:ea typeface="Cambria Math"/>
+                                    </a:rPr>
+                                    <m:t>2</m:t>
+                                  </m:r>
+                                </m:sub>
+                              </m:sSub>
+                              <m:r>
+                                <a:rPr lang="fr-FR" sz="1100" b="0" i="1" smtClean="0">
+                                  <a:latin typeface="Cambria Math"/>
+                                  <a:ea typeface="Cambria Math"/>
+                                </a:rPr>
+                                <m:t>→3</m:t>
+                              </m:r>
+                            </m:sub>
+                          </m:sSub>
+                        </m:e>
+                      </m:d>
+                    </m:oMath>
+                  </m:oMathPara>
+                </a14:m>
+                <a:endParaRPr lang="fr-FR" sz="1100" dirty="0"/>
+              </a:p>
+            </p:txBody>
+          </p:sp>
+        </mc:Choice>
+        <mc:Fallback>
+          <p:sp>
+            <p:nvSpPr>
+              <p:cNvPr id="28" name="ZoneTexte 27"/>
+              <p:cNvSpPr txBox="1">
+                <a:spLocks noRot="1" noChangeAspect="1" noMove="1" noResize="1" noEditPoints="1" noAdjustHandles="1" noChangeArrowheads="1" noChangeShapeType="1" noTextEdit="1"/>
+              </p:cNvSpPr>
+              <p:nvPr/>
+            </p:nvSpPr>
+            <p:spPr>
+              <a:xfrm>
+                <a:off x="2526122" y="3148252"/>
+                <a:ext cx="698332" cy="287771"/>
+              </a:xfrm>
+              <a:prstGeom prst="rect">
+                <a:avLst/>
+              </a:prstGeom>
+              <a:blipFill rotWithShape="1">
+                <a:blip r:embed="rId14"/>
+                <a:stretch>
+                  <a:fillRect/>
+                </a:stretch>
+              </a:blipFill>
+            </p:spPr>
+            <p:txBody>
+              <a:bodyPr/>
+              <a:lstStyle/>
+              <a:p>
+                <a:r>
+                  <a:rPr lang="fr-FR">
+                    <a:noFill/>
+                  </a:rPr>
+                  <a:t> </a:t>
+                </a:r>
+              </a:p>
+            </p:txBody>
+          </p:sp>
+        </mc:Fallback>
+      </mc:AlternateContent>
+      <p:sp>
+        <p:nvSpPr>
+          <p:cNvPr id="3" name="Rectangle à coins arrondis 2"/>
+          <p:cNvSpPr/>
+          <p:nvPr/>
+        </p:nvSpPr>
+        <p:spPr>
+          <a:xfrm rot="3130154">
+            <a:off x="507391" y="2854475"/>
+            <a:ext cx="1851269" cy="658589"/>
+          </a:xfrm>
+          <a:prstGeom prst="roundRect">
+            <a:avLst/>
+          </a:prstGeom>
+          <a:noFill/>
+          <a:ln w="19050">
+            <a:solidFill>
+              <a:schemeClr val="accent5">
+                <a:lumMod val="50000"/>
+              </a:schemeClr>
+            </a:solidFill>
+            <a:prstDash val="sysDash"/>
+          </a:ln>
+        </p:spPr>
+        <p:style>
+          <a:lnRef idx="2">
+            <a:schemeClr val="accent1">
+              <a:shade val="50000"/>
+            </a:schemeClr>
+          </a:lnRef>
+          <a:fillRef idx="1">
+            <a:schemeClr val="accent1"/>
+          </a:fillRef>
+          <a:effectRef idx="0">
+            <a:schemeClr val="accent1"/>
+          </a:effectRef>
+          <a:fontRef idx="minor">
+            <a:schemeClr val="lt1"/>
+          </a:fontRef>
+        </p:style>
+        <p:txBody>
+          <a:bodyPr rtlCol="0" anchor="ctr"/>
+          <a:lstStyle/>
+          <a:p>
+            <a:pPr algn="ctr"/>
+            <a:endParaRPr lang="fr-FR"/>
+          </a:p>
+        </p:txBody>
+      </p:sp>
     </p:spTree>
     <p:extLst>
       <p:ext uri="{BB962C8B-B14F-4D97-AF65-F5344CB8AC3E}">

--- a/Centrale_2018/images/Figures.pptx
+++ b/Centrale_2018/images/Figures.pptx
@@ -8,18 +8,19 @@
     <p:sldId id="269" r:id="rId2"/>
     <p:sldId id="270" r:id="rId3"/>
     <p:sldId id="271" r:id="rId4"/>
-    <p:sldId id="263" r:id="rId5"/>
-    <p:sldId id="268" r:id="rId6"/>
-    <p:sldId id="264" r:id="rId7"/>
-    <p:sldId id="256" r:id="rId8"/>
-    <p:sldId id="267" r:id="rId9"/>
-    <p:sldId id="266" r:id="rId10"/>
-    <p:sldId id="265" r:id="rId11"/>
-    <p:sldId id="257" r:id="rId12"/>
-    <p:sldId id="261" r:id="rId13"/>
-    <p:sldId id="262" r:id="rId14"/>
-    <p:sldId id="259" r:id="rId15"/>
-    <p:sldId id="258" r:id="rId16"/>
+    <p:sldId id="272" r:id="rId5"/>
+    <p:sldId id="263" r:id="rId6"/>
+    <p:sldId id="268" r:id="rId7"/>
+    <p:sldId id="264" r:id="rId8"/>
+    <p:sldId id="256" r:id="rId9"/>
+    <p:sldId id="267" r:id="rId10"/>
+    <p:sldId id="266" r:id="rId11"/>
+    <p:sldId id="265" r:id="rId12"/>
+    <p:sldId id="257" r:id="rId13"/>
+    <p:sldId id="261" r:id="rId14"/>
+    <p:sldId id="262" r:id="rId15"/>
+    <p:sldId id="259" r:id="rId16"/>
+    <p:sldId id="258" r:id="rId17"/>
   </p:sldIdLst>
   <p:sldSz cx="9144000" cy="6858000" type="screen4x3"/>
   <p:notesSz cx="6858000" cy="9144000"/>
@@ -5747,6 +5748,1154 @@
       </p:grpSpPr>
       <p:grpSp>
         <p:nvGrpSpPr>
+          <p:cNvPr id="50" name="Groupe 49"/>
+          <p:cNvGrpSpPr/>
+          <p:nvPr/>
+        </p:nvGrpSpPr>
+        <p:grpSpPr>
+          <a:xfrm>
+            <a:off x="1543854" y="1556792"/>
+            <a:ext cx="2919857" cy="997079"/>
+            <a:chOff x="1543854" y="1556792"/>
+            <a:chExt cx="2919857" cy="997079"/>
+          </a:xfrm>
+        </p:grpSpPr>
+        <p:cxnSp>
+          <p:nvCxnSpPr>
+            <p:cNvPr id="4" name="Connecteur droit 3"/>
+            <p:cNvCxnSpPr/>
+            <p:nvPr/>
+          </p:nvCxnSpPr>
+          <p:spPr>
+            <a:xfrm>
+              <a:off x="2411760" y="1988840"/>
+              <a:ext cx="1440160" cy="0"/>
+            </a:xfrm>
+            <a:prstGeom prst="line">
+              <a:avLst/>
+            </a:prstGeom>
+            <a:ln w="28575">
+              <a:solidFill>
+                <a:srgbClr val="00B050"/>
+              </a:solidFill>
+            </a:ln>
+          </p:spPr>
+          <p:style>
+            <a:lnRef idx="1">
+              <a:schemeClr val="accent1"/>
+            </a:lnRef>
+            <a:fillRef idx="0">
+              <a:schemeClr val="accent1"/>
+            </a:fillRef>
+            <a:effectRef idx="0">
+              <a:schemeClr val="accent1"/>
+            </a:effectRef>
+            <a:fontRef idx="minor">
+              <a:schemeClr val="tx1"/>
+            </a:fontRef>
+          </p:style>
+        </p:cxnSp>
+        <p:cxnSp>
+          <p:nvCxnSpPr>
+            <p:cNvPr id="7" name="Connecteur droit 6"/>
+            <p:cNvCxnSpPr/>
+            <p:nvPr/>
+          </p:nvCxnSpPr>
+          <p:spPr>
+            <a:xfrm flipV="1">
+              <a:off x="2411206" y="1772816"/>
+              <a:ext cx="0" cy="432048"/>
+            </a:xfrm>
+            <a:prstGeom prst="line">
+              <a:avLst/>
+            </a:prstGeom>
+            <a:ln w="28575">
+              <a:solidFill>
+                <a:srgbClr val="00B050"/>
+              </a:solidFill>
+            </a:ln>
+          </p:spPr>
+          <p:style>
+            <a:lnRef idx="1">
+              <a:schemeClr val="accent1"/>
+            </a:lnRef>
+            <a:fillRef idx="0">
+              <a:schemeClr val="accent1"/>
+            </a:fillRef>
+            <a:effectRef idx="0">
+              <a:schemeClr val="accent1"/>
+            </a:effectRef>
+            <a:fontRef idx="minor">
+              <a:schemeClr val="tx1"/>
+            </a:fontRef>
+          </p:style>
+        </p:cxnSp>
+        <p:cxnSp>
+          <p:nvCxnSpPr>
+            <p:cNvPr id="9" name="Connecteur droit 8"/>
+            <p:cNvCxnSpPr/>
+            <p:nvPr/>
+          </p:nvCxnSpPr>
+          <p:spPr>
+            <a:xfrm>
+              <a:off x="1691680" y="1700808"/>
+              <a:ext cx="1440160" cy="0"/>
+            </a:xfrm>
+            <a:prstGeom prst="line">
+              <a:avLst/>
+            </a:prstGeom>
+            <a:ln w="28575">
+              <a:solidFill>
+                <a:srgbClr val="C00000"/>
+              </a:solidFill>
+            </a:ln>
+          </p:spPr>
+          <p:style>
+            <a:lnRef idx="1">
+              <a:schemeClr val="accent1"/>
+            </a:lnRef>
+            <a:fillRef idx="0">
+              <a:schemeClr val="accent1"/>
+            </a:fillRef>
+            <a:effectRef idx="0">
+              <a:schemeClr val="accent1"/>
+            </a:effectRef>
+            <a:fontRef idx="minor">
+              <a:schemeClr val="tx1"/>
+            </a:fontRef>
+          </p:style>
+        </p:cxnSp>
+        <p:cxnSp>
+          <p:nvCxnSpPr>
+            <p:cNvPr id="10" name="Connecteur droit 9"/>
+            <p:cNvCxnSpPr/>
+            <p:nvPr/>
+          </p:nvCxnSpPr>
+          <p:spPr>
+            <a:xfrm>
+              <a:off x="1697604" y="2276872"/>
+              <a:ext cx="1440160" cy="0"/>
+            </a:xfrm>
+            <a:prstGeom prst="line">
+              <a:avLst/>
+            </a:prstGeom>
+            <a:ln w="28575">
+              <a:solidFill>
+                <a:srgbClr val="C00000"/>
+              </a:solidFill>
+            </a:ln>
+          </p:spPr>
+          <p:style>
+            <a:lnRef idx="1">
+              <a:schemeClr val="accent1"/>
+            </a:lnRef>
+            <a:fillRef idx="0">
+              <a:schemeClr val="accent1"/>
+            </a:fillRef>
+            <a:effectRef idx="0">
+              <a:schemeClr val="accent1"/>
+            </a:effectRef>
+            <a:fontRef idx="minor">
+              <a:schemeClr val="tx1"/>
+            </a:fontRef>
+          </p:style>
+        </p:cxnSp>
+        <p:cxnSp>
+          <p:nvCxnSpPr>
+            <p:cNvPr id="12" name="Connecteur droit 11"/>
+            <p:cNvCxnSpPr/>
+            <p:nvPr/>
+          </p:nvCxnSpPr>
+          <p:spPr>
+            <a:xfrm flipV="1">
+              <a:off x="1697603" y="1709530"/>
+              <a:ext cx="1" cy="567342"/>
+            </a:xfrm>
+            <a:prstGeom prst="line">
+              <a:avLst/>
+            </a:prstGeom>
+            <a:ln w="28575">
+              <a:solidFill>
+                <a:srgbClr val="C00000"/>
+              </a:solidFill>
+            </a:ln>
+          </p:spPr>
+          <p:style>
+            <a:lnRef idx="1">
+              <a:schemeClr val="accent1"/>
+            </a:lnRef>
+            <a:fillRef idx="0">
+              <a:schemeClr val="accent1"/>
+            </a:fillRef>
+            <a:effectRef idx="0">
+              <a:schemeClr val="accent1"/>
+            </a:effectRef>
+            <a:fontRef idx="minor">
+              <a:schemeClr val="tx1"/>
+            </a:fontRef>
+          </p:style>
+        </p:cxnSp>
+        <p:cxnSp>
+          <p:nvCxnSpPr>
+            <p:cNvPr id="15" name="Connecteur droit 14"/>
+            <p:cNvCxnSpPr/>
+            <p:nvPr/>
+          </p:nvCxnSpPr>
+          <p:spPr>
+            <a:xfrm flipH="1" flipV="1">
+              <a:off x="3131839" y="1692620"/>
+              <a:ext cx="1" cy="224212"/>
+            </a:xfrm>
+            <a:prstGeom prst="line">
+              <a:avLst/>
+            </a:prstGeom>
+            <a:ln w="28575">
+              <a:solidFill>
+                <a:srgbClr val="C00000"/>
+              </a:solidFill>
+            </a:ln>
+          </p:spPr>
+          <p:style>
+            <a:lnRef idx="1">
+              <a:schemeClr val="accent1"/>
+            </a:lnRef>
+            <a:fillRef idx="0">
+              <a:schemeClr val="accent1"/>
+            </a:fillRef>
+            <a:effectRef idx="0">
+              <a:schemeClr val="accent1"/>
+            </a:effectRef>
+            <a:fontRef idx="minor">
+              <a:schemeClr val="tx1"/>
+            </a:fontRef>
+          </p:style>
+        </p:cxnSp>
+        <p:cxnSp>
+          <p:nvCxnSpPr>
+            <p:cNvPr id="17" name="Connecteur droit 16"/>
+            <p:cNvCxnSpPr/>
+            <p:nvPr/>
+          </p:nvCxnSpPr>
+          <p:spPr>
+            <a:xfrm flipH="1" flipV="1">
+              <a:off x="3131838" y="2052660"/>
+              <a:ext cx="1" cy="224212"/>
+            </a:xfrm>
+            <a:prstGeom prst="line">
+              <a:avLst/>
+            </a:prstGeom>
+            <a:ln w="28575">
+              <a:solidFill>
+                <a:srgbClr val="C00000"/>
+              </a:solidFill>
+            </a:ln>
+          </p:spPr>
+          <p:style>
+            <a:lnRef idx="1">
+              <a:schemeClr val="accent1"/>
+            </a:lnRef>
+            <a:fillRef idx="0">
+              <a:schemeClr val="accent1"/>
+            </a:fillRef>
+            <a:effectRef idx="0">
+              <a:schemeClr val="accent1"/>
+            </a:effectRef>
+            <a:fontRef idx="minor">
+              <a:schemeClr val="tx1"/>
+            </a:fontRef>
+          </p:style>
+        </p:cxnSp>
+        <p:sp>
+          <p:nvSpPr>
+            <p:cNvPr id="18" name="ZoneTexte 17"/>
+            <p:cNvSpPr txBox="1"/>
+            <p:nvPr/>
+          </p:nvSpPr>
+          <p:spPr>
+            <a:xfrm>
+              <a:off x="1691126" y="2276872"/>
+              <a:ext cx="1440160" cy="276999"/>
+            </a:xfrm>
+            <a:prstGeom prst="rect">
+              <a:avLst/>
+            </a:prstGeom>
+            <a:noFill/>
+          </p:spPr>
+          <p:txBody>
+            <a:bodyPr wrap="square" rtlCol="0">
+              <a:spAutoFit/>
+            </a:bodyPr>
+            <a:lstStyle/>
+            <a:p>
+              <a:pPr algn="ctr"/>
+              <a:r>
+                <a:rPr lang="fr-FR" sz="1200" dirty="0" smtClean="0"/>
+                <a:t>Phase d’ouverture</a:t>
+              </a:r>
+              <a:endParaRPr lang="fr-FR" sz="1200" dirty="0"/>
+            </a:p>
+          </p:txBody>
+        </p:sp>
+        <p:cxnSp>
+          <p:nvCxnSpPr>
+            <p:cNvPr id="19" name="Connecteur droit 18"/>
+            <p:cNvCxnSpPr/>
+            <p:nvPr/>
+          </p:nvCxnSpPr>
+          <p:spPr>
+            <a:xfrm flipH="1" flipV="1">
+              <a:off x="3851920" y="1988840"/>
+              <a:ext cx="423664" cy="0"/>
+            </a:xfrm>
+            <a:prstGeom prst="line">
+              <a:avLst/>
+            </a:prstGeom>
+            <a:ln w="28575" cmpd="dbl">
+              <a:solidFill>
+                <a:srgbClr val="00B050"/>
+              </a:solidFill>
+              <a:tailEnd type="stealth" w="med" len="lg"/>
+            </a:ln>
+          </p:spPr>
+          <p:style>
+            <a:lnRef idx="1">
+              <a:schemeClr val="accent1"/>
+            </a:lnRef>
+            <a:fillRef idx="0">
+              <a:schemeClr val="accent1"/>
+            </a:fillRef>
+            <a:effectRef idx="0">
+              <a:schemeClr val="accent1"/>
+            </a:effectRef>
+            <a:fontRef idx="minor">
+              <a:schemeClr val="tx1"/>
+            </a:fontRef>
+          </p:style>
+        </p:cxnSp>
+        <p:sp>
+          <p:nvSpPr>
+            <p:cNvPr id="22" name="ZoneTexte 21"/>
+            <p:cNvSpPr txBox="1"/>
+            <p:nvPr/>
+          </p:nvSpPr>
+          <p:spPr>
+            <a:xfrm>
+              <a:off x="3663793" y="1556792"/>
+              <a:ext cx="799918" cy="400110"/>
+            </a:xfrm>
+            <a:prstGeom prst="rect">
+              <a:avLst/>
+            </a:prstGeom>
+            <a:noFill/>
+          </p:spPr>
+          <p:txBody>
+            <a:bodyPr wrap="square" rtlCol="0">
+              <a:spAutoFit/>
+            </a:bodyPr>
+            <a:lstStyle/>
+            <a:p>
+              <a:pPr algn="ctr"/>
+              <a:r>
+                <a:rPr lang="fr-FR" sz="1000" dirty="0" smtClean="0"/>
+                <a:t>Action hayon</a:t>
+              </a:r>
+              <a:endParaRPr lang="fr-FR" sz="1000" dirty="0"/>
+            </a:p>
+          </p:txBody>
+        </p:sp>
+        <p:cxnSp>
+          <p:nvCxnSpPr>
+            <p:cNvPr id="26" name="Connecteur droit 25"/>
+            <p:cNvCxnSpPr/>
+            <p:nvPr/>
+          </p:nvCxnSpPr>
+          <p:spPr>
+            <a:xfrm flipV="1">
+              <a:off x="1907704" y="1988840"/>
+              <a:ext cx="423664" cy="0"/>
+            </a:xfrm>
+            <a:prstGeom prst="line">
+              <a:avLst/>
+            </a:prstGeom>
+            <a:ln w="28575" cmpd="dbl">
+              <a:solidFill>
+                <a:srgbClr val="00B050"/>
+              </a:solidFill>
+              <a:tailEnd type="stealth" w="med" len="lg"/>
+            </a:ln>
+          </p:spPr>
+          <p:style>
+            <a:lnRef idx="1">
+              <a:schemeClr val="accent1"/>
+            </a:lnRef>
+            <a:fillRef idx="0">
+              <a:schemeClr val="accent1"/>
+            </a:fillRef>
+            <a:effectRef idx="0">
+              <a:schemeClr val="accent1"/>
+            </a:effectRef>
+            <a:fontRef idx="minor">
+              <a:schemeClr val="tx1"/>
+            </a:fontRef>
+          </p:style>
+        </p:cxnSp>
+        <p:sp>
+          <p:nvSpPr>
+            <p:cNvPr id="27" name="ZoneTexte 26"/>
+            <p:cNvSpPr txBox="1"/>
+            <p:nvPr/>
+          </p:nvSpPr>
+          <p:spPr>
+            <a:xfrm>
+              <a:off x="1543854" y="1645508"/>
+              <a:ext cx="799918" cy="400110"/>
+            </a:xfrm>
+            <a:prstGeom prst="rect">
+              <a:avLst/>
+            </a:prstGeom>
+            <a:noFill/>
+          </p:spPr>
+          <p:txBody>
+            <a:bodyPr wrap="square" rtlCol="0">
+              <a:spAutoFit/>
+            </a:bodyPr>
+            <a:lstStyle/>
+            <a:p>
+              <a:pPr algn="ctr"/>
+              <a:r>
+                <a:rPr lang="fr-FR" sz="1000" dirty="0" smtClean="0"/>
+                <a:t>Action moteur</a:t>
+              </a:r>
+              <a:endParaRPr lang="fr-FR" sz="1000" dirty="0"/>
+            </a:p>
+          </p:txBody>
+        </p:sp>
+        <p:cxnSp>
+          <p:nvCxnSpPr>
+            <p:cNvPr id="29" name="Connecteur droit 28"/>
+            <p:cNvCxnSpPr/>
+            <p:nvPr/>
+          </p:nvCxnSpPr>
+          <p:spPr>
+            <a:xfrm flipH="1" flipV="1">
+              <a:off x="2555776" y="1941781"/>
+              <a:ext cx="423664" cy="0"/>
+            </a:xfrm>
+            <a:prstGeom prst="line">
+              <a:avLst/>
+            </a:prstGeom>
+            <a:ln w="28575" cmpd="dbl">
+              <a:solidFill>
+                <a:srgbClr val="C00000"/>
+              </a:solidFill>
+              <a:tailEnd type="stealth" w="med" len="lg"/>
+            </a:ln>
+          </p:spPr>
+          <p:style>
+            <a:lnRef idx="1">
+              <a:schemeClr val="accent1"/>
+            </a:lnRef>
+            <a:fillRef idx="0">
+              <a:schemeClr val="accent1"/>
+            </a:fillRef>
+            <a:effectRef idx="0">
+              <a:schemeClr val="accent1"/>
+            </a:effectRef>
+            <a:fontRef idx="minor">
+              <a:schemeClr val="tx1"/>
+            </a:fontRef>
+          </p:style>
+        </p:cxnSp>
+        <p:sp>
+          <p:nvSpPr>
+            <p:cNvPr id="30" name="ZoneTexte 29"/>
+            <p:cNvSpPr txBox="1"/>
+            <p:nvPr/>
+          </p:nvSpPr>
+          <p:spPr>
+            <a:xfrm>
+              <a:off x="2367649" y="1640230"/>
+              <a:ext cx="799918" cy="338554"/>
+            </a:xfrm>
+            <a:prstGeom prst="rect">
+              <a:avLst/>
+            </a:prstGeom>
+            <a:noFill/>
+          </p:spPr>
+          <p:txBody>
+            <a:bodyPr wrap="square" rtlCol="0">
+              <a:spAutoFit/>
+            </a:bodyPr>
+            <a:lstStyle/>
+            <a:p>
+              <a:pPr algn="ctr"/>
+              <a:r>
+                <a:rPr lang="fr-FR" sz="800" dirty="0" smtClean="0"/>
+                <a:t>Action frottement</a:t>
+              </a:r>
+              <a:endParaRPr lang="fr-FR" sz="800" dirty="0"/>
+            </a:p>
+          </p:txBody>
+        </p:sp>
+        <p:cxnSp>
+          <p:nvCxnSpPr>
+            <p:cNvPr id="31" name="Connecteur droit 30"/>
+            <p:cNvCxnSpPr/>
+            <p:nvPr/>
+          </p:nvCxnSpPr>
+          <p:spPr>
+            <a:xfrm flipV="1">
+              <a:off x="2555776" y="2045618"/>
+              <a:ext cx="423664" cy="0"/>
+            </a:xfrm>
+            <a:prstGeom prst="line">
+              <a:avLst/>
+            </a:prstGeom>
+            <a:ln w="28575" cmpd="dbl">
+              <a:solidFill>
+                <a:srgbClr val="C00000"/>
+              </a:solidFill>
+              <a:tailEnd type="stealth" w="med" len="lg"/>
+            </a:ln>
+          </p:spPr>
+          <p:style>
+            <a:lnRef idx="1">
+              <a:schemeClr val="accent1"/>
+            </a:lnRef>
+            <a:fillRef idx="0">
+              <a:schemeClr val="accent1"/>
+            </a:fillRef>
+            <a:effectRef idx="0">
+              <a:schemeClr val="accent1"/>
+            </a:effectRef>
+            <a:fontRef idx="minor">
+              <a:schemeClr val="tx1"/>
+            </a:fontRef>
+          </p:style>
+        </p:cxnSp>
+        <p:sp>
+          <p:nvSpPr>
+            <p:cNvPr id="32" name="ZoneTexte 31"/>
+            <p:cNvSpPr txBox="1"/>
+            <p:nvPr/>
+          </p:nvSpPr>
+          <p:spPr>
+            <a:xfrm>
+              <a:off x="2367649" y="2058447"/>
+              <a:ext cx="799918" cy="215444"/>
+            </a:xfrm>
+            <a:prstGeom prst="rect">
+              <a:avLst/>
+            </a:prstGeom>
+            <a:noFill/>
+          </p:spPr>
+          <p:txBody>
+            <a:bodyPr wrap="square" rtlCol="0">
+              <a:spAutoFit/>
+            </a:bodyPr>
+            <a:lstStyle/>
+            <a:p>
+              <a:pPr algn="ctr"/>
+              <a:r>
+                <a:rPr lang="fr-FR" sz="800" dirty="0" smtClean="0"/>
+                <a:t>Action ressort</a:t>
+              </a:r>
+              <a:endParaRPr lang="fr-FR" sz="800" dirty="0"/>
+            </a:p>
+          </p:txBody>
+        </p:sp>
+      </p:grpSp>
+      <p:grpSp>
+        <p:nvGrpSpPr>
+          <p:cNvPr id="49" name="Groupe 48"/>
+          <p:cNvGrpSpPr/>
+          <p:nvPr/>
+        </p:nvGrpSpPr>
+        <p:grpSpPr>
+          <a:xfrm>
+            <a:off x="4316439" y="1556792"/>
+            <a:ext cx="2919857" cy="1010085"/>
+            <a:chOff x="1543854" y="2874434"/>
+            <a:chExt cx="2919857" cy="1010085"/>
+          </a:xfrm>
+        </p:grpSpPr>
+        <p:sp>
+          <p:nvSpPr>
+            <p:cNvPr id="44" name="ZoneTexte 43"/>
+            <p:cNvSpPr txBox="1"/>
+            <p:nvPr/>
+          </p:nvSpPr>
+          <p:spPr>
+            <a:xfrm>
+              <a:off x="1543854" y="2963150"/>
+              <a:ext cx="799918" cy="400110"/>
+            </a:xfrm>
+            <a:prstGeom prst="rect">
+              <a:avLst/>
+            </a:prstGeom>
+            <a:noFill/>
+          </p:spPr>
+          <p:txBody>
+            <a:bodyPr wrap="square" rtlCol="0">
+              <a:spAutoFit/>
+            </a:bodyPr>
+            <a:lstStyle/>
+            <a:p>
+              <a:pPr algn="ctr"/>
+              <a:r>
+                <a:rPr lang="fr-FR" sz="1000" dirty="0" smtClean="0"/>
+                <a:t>Action moteur</a:t>
+              </a:r>
+              <a:endParaRPr lang="fr-FR" sz="1000" dirty="0"/>
+            </a:p>
+          </p:txBody>
+        </p:sp>
+        <p:cxnSp>
+          <p:nvCxnSpPr>
+            <p:cNvPr id="33" name="Connecteur droit 32"/>
+            <p:cNvCxnSpPr/>
+            <p:nvPr/>
+          </p:nvCxnSpPr>
+          <p:spPr>
+            <a:xfrm>
+              <a:off x="2411760" y="3306482"/>
+              <a:ext cx="1440160" cy="0"/>
+            </a:xfrm>
+            <a:prstGeom prst="line">
+              <a:avLst/>
+            </a:prstGeom>
+            <a:ln w="28575">
+              <a:solidFill>
+                <a:srgbClr val="00B050"/>
+              </a:solidFill>
+            </a:ln>
+          </p:spPr>
+          <p:style>
+            <a:lnRef idx="1">
+              <a:schemeClr val="accent1"/>
+            </a:lnRef>
+            <a:fillRef idx="0">
+              <a:schemeClr val="accent1"/>
+            </a:fillRef>
+            <a:effectRef idx="0">
+              <a:schemeClr val="accent1"/>
+            </a:effectRef>
+            <a:fontRef idx="minor">
+              <a:schemeClr val="tx1"/>
+            </a:fontRef>
+          </p:style>
+        </p:cxnSp>
+        <p:cxnSp>
+          <p:nvCxnSpPr>
+            <p:cNvPr id="34" name="Connecteur droit 33"/>
+            <p:cNvCxnSpPr/>
+            <p:nvPr/>
+          </p:nvCxnSpPr>
+          <p:spPr>
+            <a:xfrm flipV="1">
+              <a:off x="2411206" y="3090458"/>
+              <a:ext cx="0" cy="432048"/>
+            </a:xfrm>
+            <a:prstGeom prst="line">
+              <a:avLst/>
+            </a:prstGeom>
+            <a:ln w="28575">
+              <a:solidFill>
+                <a:srgbClr val="00B050"/>
+              </a:solidFill>
+            </a:ln>
+          </p:spPr>
+          <p:style>
+            <a:lnRef idx="1">
+              <a:schemeClr val="accent1"/>
+            </a:lnRef>
+            <a:fillRef idx="0">
+              <a:schemeClr val="accent1"/>
+            </a:fillRef>
+            <a:effectRef idx="0">
+              <a:schemeClr val="accent1"/>
+            </a:effectRef>
+            <a:fontRef idx="minor">
+              <a:schemeClr val="tx1"/>
+            </a:fontRef>
+          </p:style>
+        </p:cxnSp>
+        <p:cxnSp>
+          <p:nvCxnSpPr>
+            <p:cNvPr id="35" name="Connecteur droit 34"/>
+            <p:cNvCxnSpPr/>
+            <p:nvPr/>
+          </p:nvCxnSpPr>
+          <p:spPr>
+            <a:xfrm>
+              <a:off x="1691680" y="3018450"/>
+              <a:ext cx="1440160" cy="0"/>
+            </a:xfrm>
+            <a:prstGeom prst="line">
+              <a:avLst/>
+            </a:prstGeom>
+            <a:ln w="28575">
+              <a:solidFill>
+                <a:srgbClr val="C00000"/>
+              </a:solidFill>
+            </a:ln>
+          </p:spPr>
+          <p:style>
+            <a:lnRef idx="1">
+              <a:schemeClr val="accent1"/>
+            </a:lnRef>
+            <a:fillRef idx="0">
+              <a:schemeClr val="accent1"/>
+            </a:fillRef>
+            <a:effectRef idx="0">
+              <a:schemeClr val="accent1"/>
+            </a:effectRef>
+            <a:fontRef idx="minor">
+              <a:schemeClr val="tx1"/>
+            </a:fontRef>
+          </p:style>
+        </p:cxnSp>
+        <p:cxnSp>
+          <p:nvCxnSpPr>
+            <p:cNvPr id="36" name="Connecteur droit 35"/>
+            <p:cNvCxnSpPr/>
+            <p:nvPr/>
+          </p:nvCxnSpPr>
+          <p:spPr>
+            <a:xfrm>
+              <a:off x="1697604" y="3594514"/>
+              <a:ext cx="1440160" cy="0"/>
+            </a:xfrm>
+            <a:prstGeom prst="line">
+              <a:avLst/>
+            </a:prstGeom>
+            <a:ln w="28575">
+              <a:solidFill>
+                <a:srgbClr val="C00000"/>
+              </a:solidFill>
+            </a:ln>
+          </p:spPr>
+          <p:style>
+            <a:lnRef idx="1">
+              <a:schemeClr val="accent1"/>
+            </a:lnRef>
+            <a:fillRef idx="0">
+              <a:schemeClr val="accent1"/>
+            </a:fillRef>
+            <a:effectRef idx="0">
+              <a:schemeClr val="accent1"/>
+            </a:effectRef>
+            <a:fontRef idx="minor">
+              <a:schemeClr val="tx1"/>
+            </a:fontRef>
+          </p:style>
+        </p:cxnSp>
+        <p:cxnSp>
+          <p:nvCxnSpPr>
+            <p:cNvPr id="37" name="Connecteur droit 36"/>
+            <p:cNvCxnSpPr/>
+            <p:nvPr/>
+          </p:nvCxnSpPr>
+          <p:spPr>
+            <a:xfrm flipV="1">
+              <a:off x="1697603" y="3027172"/>
+              <a:ext cx="1" cy="567342"/>
+            </a:xfrm>
+            <a:prstGeom prst="line">
+              <a:avLst/>
+            </a:prstGeom>
+            <a:ln w="28575">
+              <a:solidFill>
+                <a:srgbClr val="C00000"/>
+              </a:solidFill>
+            </a:ln>
+          </p:spPr>
+          <p:style>
+            <a:lnRef idx="1">
+              <a:schemeClr val="accent1"/>
+            </a:lnRef>
+            <a:fillRef idx="0">
+              <a:schemeClr val="accent1"/>
+            </a:fillRef>
+            <a:effectRef idx="0">
+              <a:schemeClr val="accent1"/>
+            </a:effectRef>
+            <a:fontRef idx="minor">
+              <a:schemeClr val="tx1"/>
+            </a:fontRef>
+          </p:style>
+        </p:cxnSp>
+        <p:cxnSp>
+          <p:nvCxnSpPr>
+            <p:cNvPr id="38" name="Connecteur droit 37"/>
+            <p:cNvCxnSpPr/>
+            <p:nvPr/>
+          </p:nvCxnSpPr>
+          <p:spPr>
+            <a:xfrm flipH="1" flipV="1">
+              <a:off x="3131839" y="3010262"/>
+              <a:ext cx="1" cy="224212"/>
+            </a:xfrm>
+            <a:prstGeom prst="line">
+              <a:avLst/>
+            </a:prstGeom>
+            <a:ln w="28575">
+              <a:solidFill>
+                <a:srgbClr val="C00000"/>
+              </a:solidFill>
+            </a:ln>
+          </p:spPr>
+          <p:style>
+            <a:lnRef idx="1">
+              <a:schemeClr val="accent1"/>
+            </a:lnRef>
+            <a:fillRef idx="0">
+              <a:schemeClr val="accent1"/>
+            </a:fillRef>
+            <a:effectRef idx="0">
+              <a:schemeClr val="accent1"/>
+            </a:effectRef>
+            <a:fontRef idx="minor">
+              <a:schemeClr val="tx1"/>
+            </a:fontRef>
+          </p:style>
+        </p:cxnSp>
+        <p:cxnSp>
+          <p:nvCxnSpPr>
+            <p:cNvPr id="39" name="Connecteur droit 38"/>
+            <p:cNvCxnSpPr/>
+            <p:nvPr/>
+          </p:nvCxnSpPr>
+          <p:spPr>
+            <a:xfrm flipH="1" flipV="1">
+              <a:off x="3131838" y="3370302"/>
+              <a:ext cx="1" cy="224212"/>
+            </a:xfrm>
+            <a:prstGeom prst="line">
+              <a:avLst/>
+            </a:prstGeom>
+            <a:ln w="28575">
+              <a:solidFill>
+                <a:srgbClr val="C00000"/>
+              </a:solidFill>
+            </a:ln>
+          </p:spPr>
+          <p:style>
+            <a:lnRef idx="1">
+              <a:schemeClr val="accent1"/>
+            </a:lnRef>
+            <a:fillRef idx="0">
+              <a:schemeClr val="accent1"/>
+            </a:fillRef>
+            <a:effectRef idx="0">
+              <a:schemeClr val="accent1"/>
+            </a:effectRef>
+            <a:fontRef idx="minor">
+              <a:schemeClr val="tx1"/>
+            </a:fontRef>
+          </p:style>
+        </p:cxnSp>
+        <p:sp>
+          <p:nvSpPr>
+            <p:cNvPr id="40" name="ZoneTexte 39"/>
+            <p:cNvSpPr txBox="1"/>
+            <p:nvPr/>
+          </p:nvSpPr>
+          <p:spPr>
+            <a:xfrm>
+              <a:off x="1691126" y="3607520"/>
+              <a:ext cx="1440160" cy="276999"/>
+            </a:xfrm>
+            <a:prstGeom prst="rect">
+              <a:avLst/>
+            </a:prstGeom>
+            <a:noFill/>
+          </p:spPr>
+          <p:txBody>
+            <a:bodyPr wrap="square" rtlCol="0">
+              <a:spAutoFit/>
+            </a:bodyPr>
+            <a:lstStyle/>
+            <a:p>
+              <a:pPr algn="ctr"/>
+              <a:r>
+                <a:rPr lang="fr-FR" sz="1200" dirty="0" smtClean="0"/>
+                <a:t>Phase de fermeture</a:t>
+              </a:r>
+              <a:endParaRPr lang="fr-FR" sz="1200" dirty="0"/>
+            </a:p>
+          </p:txBody>
+        </p:sp>
+        <p:cxnSp>
+          <p:nvCxnSpPr>
+            <p:cNvPr id="41" name="Connecteur droit 40"/>
+            <p:cNvCxnSpPr/>
+            <p:nvPr/>
+          </p:nvCxnSpPr>
+          <p:spPr>
+            <a:xfrm flipH="1" flipV="1">
+              <a:off x="3851920" y="3306482"/>
+              <a:ext cx="423664" cy="0"/>
+            </a:xfrm>
+            <a:prstGeom prst="line">
+              <a:avLst/>
+            </a:prstGeom>
+            <a:ln w="28575" cmpd="dbl">
+              <a:solidFill>
+                <a:srgbClr val="00B050"/>
+              </a:solidFill>
+              <a:tailEnd type="stealth" w="med" len="lg"/>
+            </a:ln>
+          </p:spPr>
+          <p:style>
+            <a:lnRef idx="1">
+              <a:schemeClr val="accent1"/>
+            </a:lnRef>
+            <a:fillRef idx="0">
+              <a:schemeClr val="accent1"/>
+            </a:fillRef>
+            <a:effectRef idx="0">
+              <a:schemeClr val="accent1"/>
+            </a:effectRef>
+            <a:fontRef idx="minor">
+              <a:schemeClr val="tx1"/>
+            </a:fontRef>
+          </p:style>
+        </p:cxnSp>
+        <p:sp>
+          <p:nvSpPr>
+            <p:cNvPr id="42" name="ZoneTexte 41"/>
+            <p:cNvSpPr txBox="1"/>
+            <p:nvPr/>
+          </p:nvSpPr>
+          <p:spPr>
+            <a:xfrm>
+              <a:off x="3663793" y="2874434"/>
+              <a:ext cx="799918" cy="400110"/>
+            </a:xfrm>
+            <a:prstGeom prst="rect">
+              <a:avLst/>
+            </a:prstGeom>
+            <a:noFill/>
+          </p:spPr>
+          <p:txBody>
+            <a:bodyPr wrap="square" rtlCol="0">
+              <a:spAutoFit/>
+            </a:bodyPr>
+            <a:lstStyle/>
+            <a:p>
+              <a:pPr algn="ctr"/>
+              <a:r>
+                <a:rPr lang="fr-FR" sz="1000" dirty="0" smtClean="0"/>
+                <a:t>Action hayon</a:t>
+              </a:r>
+              <a:endParaRPr lang="fr-FR" sz="1000" dirty="0"/>
+            </a:p>
+          </p:txBody>
+        </p:sp>
+        <p:cxnSp>
+          <p:nvCxnSpPr>
+            <p:cNvPr id="43" name="Connecteur droit 42"/>
+            <p:cNvCxnSpPr/>
+            <p:nvPr/>
+          </p:nvCxnSpPr>
+          <p:spPr>
+            <a:xfrm flipH="1" flipV="1">
+              <a:off x="1907704" y="3306482"/>
+              <a:ext cx="423664" cy="0"/>
+            </a:xfrm>
+            <a:prstGeom prst="line">
+              <a:avLst/>
+            </a:prstGeom>
+            <a:ln w="28575" cmpd="dbl">
+              <a:solidFill>
+                <a:srgbClr val="00B050"/>
+              </a:solidFill>
+              <a:tailEnd type="stealth" w="med" len="lg"/>
+            </a:ln>
+          </p:spPr>
+          <p:style>
+            <a:lnRef idx="1">
+              <a:schemeClr val="accent1"/>
+            </a:lnRef>
+            <a:fillRef idx="0">
+              <a:schemeClr val="accent1"/>
+            </a:fillRef>
+            <a:effectRef idx="0">
+              <a:schemeClr val="accent1"/>
+            </a:effectRef>
+            <a:fontRef idx="minor">
+              <a:schemeClr val="tx1"/>
+            </a:fontRef>
+          </p:style>
+        </p:cxnSp>
+        <p:cxnSp>
+          <p:nvCxnSpPr>
+            <p:cNvPr id="45" name="Connecteur droit 44"/>
+            <p:cNvCxnSpPr/>
+            <p:nvPr/>
+          </p:nvCxnSpPr>
+          <p:spPr>
+            <a:xfrm flipV="1">
+              <a:off x="2555776" y="3259423"/>
+              <a:ext cx="423664" cy="0"/>
+            </a:xfrm>
+            <a:prstGeom prst="line">
+              <a:avLst/>
+            </a:prstGeom>
+            <a:ln w="28575" cmpd="dbl">
+              <a:solidFill>
+                <a:srgbClr val="C00000"/>
+              </a:solidFill>
+              <a:tailEnd type="stealth" w="med" len="lg"/>
+            </a:ln>
+          </p:spPr>
+          <p:style>
+            <a:lnRef idx="1">
+              <a:schemeClr val="accent1"/>
+            </a:lnRef>
+            <a:fillRef idx="0">
+              <a:schemeClr val="accent1"/>
+            </a:fillRef>
+            <a:effectRef idx="0">
+              <a:schemeClr val="accent1"/>
+            </a:effectRef>
+            <a:fontRef idx="minor">
+              <a:schemeClr val="tx1"/>
+            </a:fontRef>
+          </p:style>
+        </p:cxnSp>
+        <p:sp>
+          <p:nvSpPr>
+            <p:cNvPr id="46" name="ZoneTexte 45"/>
+            <p:cNvSpPr txBox="1"/>
+            <p:nvPr/>
+          </p:nvSpPr>
+          <p:spPr>
+            <a:xfrm>
+              <a:off x="2367649" y="2957872"/>
+              <a:ext cx="799918" cy="338554"/>
+            </a:xfrm>
+            <a:prstGeom prst="rect">
+              <a:avLst/>
+            </a:prstGeom>
+            <a:noFill/>
+          </p:spPr>
+          <p:txBody>
+            <a:bodyPr wrap="square" rtlCol="0">
+              <a:spAutoFit/>
+            </a:bodyPr>
+            <a:lstStyle/>
+            <a:p>
+              <a:pPr algn="ctr"/>
+              <a:r>
+                <a:rPr lang="fr-FR" sz="800" dirty="0" smtClean="0"/>
+                <a:t>Action frottement</a:t>
+              </a:r>
+              <a:endParaRPr lang="fr-FR" sz="800" dirty="0"/>
+            </a:p>
+          </p:txBody>
+        </p:sp>
+        <p:cxnSp>
+          <p:nvCxnSpPr>
+            <p:cNvPr id="47" name="Connecteur droit 46"/>
+            <p:cNvCxnSpPr/>
+            <p:nvPr/>
+          </p:nvCxnSpPr>
+          <p:spPr>
+            <a:xfrm flipV="1">
+              <a:off x="2555776" y="3363260"/>
+              <a:ext cx="423664" cy="0"/>
+            </a:xfrm>
+            <a:prstGeom prst="line">
+              <a:avLst/>
+            </a:prstGeom>
+            <a:ln w="28575" cmpd="dbl">
+              <a:solidFill>
+                <a:srgbClr val="C00000"/>
+              </a:solidFill>
+              <a:tailEnd type="stealth" w="med" len="lg"/>
+            </a:ln>
+          </p:spPr>
+          <p:style>
+            <a:lnRef idx="1">
+              <a:schemeClr val="accent1"/>
+            </a:lnRef>
+            <a:fillRef idx="0">
+              <a:schemeClr val="accent1"/>
+            </a:fillRef>
+            <a:effectRef idx="0">
+              <a:schemeClr val="accent1"/>
+            </a:effectRef>
+            <a:fontRef idx="minor">
+              <a:schemeClr val="tx1"/>
+            </a:fontRef>
+          </p:style>
+        </p:cxnSp>
+        <p:sp>
+          <p:nvSpPr>
+            <p:cNvPr id="48" name="ZoneTexte 47"/>
+            <p:cNvSpPr txBox="1"/>
+            <p:nvPr/>
+          </p:nvSpPr>
+          <p:spPr>
+            <a:xfrm>
+              <a:off x="2367649" y="3376089"/>
+              <a:ext cx="799918" cy="215444"/>
+            </a:xfrm>
+            <a:prstGeom prst="rect">
+              <a:avLst/>
+            </a:prstGeom>
+            <a:noFill/>
+          </p:spPr>
+          <p:txBody>
+            <a:bodyPr wrap="square" rtlCol="0">
+              <a:spAutoFit/>
+            </a:bodyPr>
+            <a:lstStyle/>
+            <a:p>
+              <a:pPr algn="ctr"/>
+              <a:r>
+                <a:rPr lang="fr-FR" sz="800" dirty="0" smtClean="0"/>
+                <a:t>Action ressort</a:t>
+              </a:r>
+              <a:endParaRPr lang="fr-FR" sz="800" dirty="0"/>
+            </a:p>
+          </p:txBody>
+        </p:sp>
+      </p:grpSp>
+    </p:spTree>
+    <p:extLst>
+      <p:ext uri="{BB962C8B-B14F-4D97-AF65-F5344CB8AC3E}">
+        <p14:creationId xmlns:p14="http://schemas.microsoft.com/office/powerpoint/2010/main" val="3943136678"/>
+      </p:ext>
+    </p:extLst>
+  </p:cSld>
+  <p:clrMapOvr>
+    <a:masterClrMapping/>
+  </p:clrMapOvr>
+</p:sld>
+</file>
+
+<file path=ppt/slides/slide11.xml><?xml version="1.0" encoding="utf-8"?>
+<p:sld xmlns:a="http://schemas.openxmlformats.org/drawingml/2006/main" xmlns:r="http://schemas.openxmlformats.org/officeDocument/2006/relationships" xmlns:p="http://schemas.openxmlformats.org/presentationml/2006/main">
+  <p:cSld>
+    <p:spTree>
+      <p:nvGrpSpPr>
+        <p:cNvPr id="1" name=""/>
+        <p:cNvGrpSpPr/>
+        <p:nvPr/>
+      </p:nvGrpSpPr>
+      <p:grpSpPr>
+        <a:xfrm>
+          <a:off x="0" y="0"/>
+          <a:ext cx="0" cy="0"/>
+          <a:chOff x="0" y="0"/>
+          <a:chExt cx="0" cy="0"/>
+        </a:xfrm>
+      </p:grpSpPr>
+      <p:grpSp>
+        <p:nvGrpSpPr>
           <p:cNvPr id="55" name="Groupe 54"/>
           <p:cNvGrpSpPr/>
           <p:nvPr/>
@@ -9610,7 +10759,7 @@
 </p:sld>
 </file>
 
-<file path=ppt/slides/slide11.xml><?xml version="1.0" encoding="utf-8"?>
+<file path=ppt/slides/slide12.xml><?xml version="1.0" encoding="utf-8"?>
 <p:sld xmlns:a="http://schemas.openxmlformats.org/drawingml/2006/main" xmlns:r="http://schemas.openxmlformats.org/officeDocument/2006/relationships" xmlns:p="http://schemas.openxmlformats.org/presentationml/2006/main">
   <p:cSld>
     <p:spTree>
@@ -10223,7 +11372,7 @@
 </p:sld>
 </file>
 
-<file path=ppt/slides/slide12.xml><?xml version="1.0" encoding="utf-8"?>
+<file path=ppt/slides/slide13.xml><?xml version="1.0" encoding="utf-8"?>
 <p:sld xmlns:a="http://schemas.openxmlformats.org/drawingml/2006/main" xmlns:r="http://schemas.openxmlformats.org/officeDocument/2006/relationships" xmlns:p="http://schemas.openxmlformats.org/presentationml/2006/main">
   <p:cSld>
     <p:spTree>
@@ -11072,7 +12221,7 @@
 </p:sld>
 </file>
 
-<file path=ppt/slides/slide13.xml><?xml version="1.0" encoding="utf-8"?>
+<file path=ppt/slides/slide14.xml><?xml version="1.0" encoding="utf-8"?>
 <p:sld xmlns:a="http://schemas.openxmlformats.org/drawingml/2006/main" xmlns:r="http://schemas.openxmlformats.org/officeDocument/2006/relationships" xmlns:p="http://schemas.openxmlformats.org/presentationml/2006/main">
   <p:cSld>
     <p:spTree>
@@ -11735,7 +12884,7 @@
 </p:sld>
 </file>
 
-<file path=ppt/slides/slide14.xml><?xml version="1.0" encoding="utf-8"?>
+<file path=ppt/slides/slide15.xml><?xml version="1.0" encoding="utf-8"?>
 <p:sld xmlns:a="http://schemas.openxmlformats.org/drawingml/2006/main" xmlns:r="http://schemas.openxmlformats.org/officeDocument/2006/relationships" xmlns:p="http://schemas.openxmlformats.org/presentationml/2006/main">
   <p:cSld>
     <p:spTree>
@@ -12628,7 +13777,7 @@
 </p:sld>
 </file>
 
-<file path=ppt/slides/slide15.xml><?xml version="1.0" encoding="utf-8"?>
+<file path=ppt/slides/slide16.xml><?xml version="1.0" encoding="utf-8"?>
 <p:sld xmlns:a="http://schemas.openxmlformats.org/drawingml/2006/main" xmlns:r="http://schemas.openxmlformats.org/officeDocument/2006/relationships" xmlns:p="http://schemas.openxmlformats.org/presentationml/2006/main">
   <p:cSld>
     <p:spTree>
@@ -18245,8 +19394,8 @@
           </p:sp>
         </mc:Fallback>
       </mc:AlternateContent>
-      <mc:AlternateContent xmlns:mc="http://schemas.openxmlformats.org/markup-compatibility/2006" xmlns:a14="http://schemas.microsoft.com/office/drawing/2010/main">
-        <mc:Choice Requires="a14">
+      <mc:AlternateContent xmlns:mc="http://schemas.openxmlformats.org/markup-compatibility/2006">
+        <mc:Choice xmlns:a14="http://schemas.microsoft.com/office/drawing/2010/main" Requires="a14">
           <p:sp>
             <p:nvSpPr>
               <p:cNvPr id="86" name="ZoneTexte 85"/>
@@ -18255,7 +19404,7 @@
             </p:nvSpPr>
             <p:spPr>
               <a:xfrm>
-                <a:off x="248933" y="2930667"/>
+                <a:off x="174647" y="3154178"/>
                 <a:ext cx="1301318" cy="261610"/>
               </a:xfrm>
               <a:prstGeom prst="rect">
@@ -18361,7 +19510,7 @@
             </p:txBody>
           </p:sp>
         </mc:Choice>
-        <mc:Fallback xmlns="">
+        <mc:Fallback>
           <p:sp>
             <p:nvSpPr>
               <p:cNvPr id="86" name="ZoneTexte 85"/>
@@ -18372,7 +19521,7 @@
             </p:nvSpPr>
             <p:spPr>
               <a:xfrm>
-                <a:off x="248933" y="2930667"/>
+                <a:off x="174647" y="3154178"/>
                 <a:ext cx="1301318" cy="261610"/>
               </a:xfrm>
               <a:prstGeom prst="rect">
@@ -18946,7 +20095,7 @@
             </p:nvSpPr>
             <p:spPr>
               <a:xfrm>
-                <a:off x="476140" y="3220522"/>
+                <a:off x="476140" y="3357253"/>
                 <a:ext cx="698333" cy="287771"/>
               </a:xfrm>
               <a:prstGeom prst="rect">
@@ -19057,7 +20206,7 @@
             </p:nvSpPr>
             <p:spPr>
               <a:xfrm>
-                <a:off x="476140" y="3220522"/>
+                <a:off x="476140" y="3357253"/>
                 <a:ext cx="698333" cy="287771"/>
               </a:xfrm>
               <a:prstGeom prst="rect">
@@ -19234,55 +20383,6 @@
           </p:sp>
         </mc:Fallback>
       </mc:AlternateContent>
-      <p:sp>
-        <p:nvSpPr>
-          <p:cNvPr id="3" name="Rectangle à coins arrondis 2"/>
-          <p:cNvSpPr/>
-          <p:nvPr/>
-        </p:nvSpPr>
-        <p:spPr>
-          <a:xfrm rot="3130154">
-            <a:off x="507391" y="2854475"/>
-            <a:ext cx="1851269" cy="658589"/>
-          </a:xfrm>
-          <a:prstGeom prst="roundRect">
-            <a:avLst/>
-          </a:prstGeom>
-          <a:noFill/>
-          <a:ln w="19050">
-            <a:solidFill>
-              <a:schemeClr val="accent5">
-                <a:lumMod val="50000"/>
-              </a:schemeClr>
-            </a:solidFill>
-            <a:prstDash val="sysDash"/>
-          </a:ln>
-        </p:spPr>
-        <p:style>
-          <a:lnRef idx="2">
-            <a:schemeClr val="accent1">
-              <a:shade val="50000"/>
-            </a:schemeClr>
-          </a:lnRef>
-          <a:fillRef idx="1">
-            <a:schemeClr val="accent1"/>
-          </a:fillRef>
-          <a:effectRef idx="0">
-            <a:schemeClr val="accent1"/>
-          </a:effectRef>
-          <a:fontRef idx="minor">
-            <a:schemeClr val="lt1"/>
-          </a:fontRef>
-        </p:style>
-        <p:txBody>
-          <a:bodyPr rtlCol="0" anchor="ctr"/>
-          <a:lstStyle/>
-          <a:p>
-            <a:pPr algn="ctr"/>
-            <a:endParaRPr lang="fr-FR"/>
-          </a:p>
-        </p:txBody>
-      </p:sp>
     </p:spTree>
     <p:extLst>
       <p:ext uri="{BB962C8B-B14F-4D97-AF65-F5344CB8AC3E}">
@@ -19297,6 +20397,1159 @@
 </file>
 
 <file path=ppt/slides/slide4.xml><?xml version="1.0" encoding="utf-8"?>
+<p:sld xmlns:a="http://schemas.openxmlformats.org/drawingml/2006/main" xmlns:r="http://schemas.openxmlformats.org/officeDocument/2006/relationships" xmlns:p="http://schemas.openxmlformats.org/presentationml/2006/main">
+  <p:cSld>
+    <p:spTree>
+      <p:nvGrpSpPr>
+        <p:cNvPr id="1" name=""/>
+        <p:cNvGrpSpPr/>
+        <p:nvPr/>
+      </p:nvGrpSpPr>
+      <p:grpSpPr>
+        <a:xfrm>
+          <a:off x="0" y="0"/>
+          <a:ext cx="0" cy="0"/>
+          <a:chOff x="0" y="0"/>
+          <a:chExt cx="0" cy="0"/>
+        </a:xfrm>
+      </p:grpSpPr>
+      <p:pic>
+        <p:nvPicPr>
+          <p:cNvPr id="1026" name="Picture 2"/>
+          <p:cNvPicPr>
+            <a:picLocks noChangeAspect="1" noChangeArrowheads="1"/>
+          </p:cNvPicPr>
+          <p:nvPr/>
+        </p:nvPicPr>
+        <p:blipFill>
+          <a:blip r:embed="rId2">
+            <a:extLst>
+              <a:ext uri="{28A0092B-C50C-407E-A947-70E740481C1C}">
+                <a14:useLocalDpi xmlns:a14="http://schemas.microsoft.com/office/drawing/2010/main" val="0"/>
+              </a:ext>
+            </a:extLst>
+          </a:blip>
+          <a:srcRect/>
+          <a:stretch>
+            <a:fillRect/>
+          </a:stretch>
+        </p:blipFill>
+        <p:spPr bwMode="auto">
+          <a:xfrm>
+            <a:off x="2459248" y="1617549"/>
+            <a:ext cx="4191000" cy="4295775"/>
+          </a:xfrm>
+          <a:prstGeom prst="rect">
+            <a:avLst/>
+          </a:prstGeom>
+          <a:noFill/>
+          <a:ln>
+            <a:noFill/>
+          </a:ln>
+          <a:effectLst/>
+          <a:extLst>
+            <a:ext uri="{909E8E84-426E-40DD-AFC4-6F175D3DCCD1}">
+              <a14:hiddenFill xmlns:a14="http://schemas.microsoft.com/office/drawing/2010/main">
+                <a:solidFill>
+                  <a:schemeClr val="accent1"/>
+                </a:solidFill>
+              </a14:hiddenFill>
+            </a:ext>
+            <a:ext uri="{91240B29-F687-4F45-9708-019B960494DF}">
+              <a14:hiddenLine xmlns:a14="http://schemas.microsoft.com/office/drawing/2010/main" w="9525">
+                <a:solidFill>
+                  <a:schemeClr val="tx1"/>
+                </a:solidFill>
+                <a:miter lim="800000"/>
+                <a:headEnd/>
+                <a:tailEnd/>
+              </a14:hiddenLine>
+            </a:ext>
+            <a:ext uri="{AF507438-7753-43E0-B8FC-AC1667EBCBE1}">
+              <a14:hiddenEffects xmlns:a14="http://schemas.microsoft.com/office/drawing/2010/main">
+                <a:effectLst>
+                  <a:outerShdw dist="35921" dir="2700000" algn="ctr" rotWithShape="0">
+                    <a:schemeClr val="bg2"/>
+                  </a:outerShdw>
+                </a:effectLst>
+              </a14:hiddenEffects>
+            </a:ext>
+          </a:extLst>
+        </p:spPr>
+      </p:pic>
+      <p:sp>
+        <p:nvSpPr>
+          <p:cNvPr id="4" name="Arc 3"/>
+          <p:cNvSpPr/>
+          <p:nvPr/>
+        </p:nvSpPr>
+        <p:spPr>
+          <a:xfrm>
+            <a:off x="3601392" y="2475644"/>
+            <a:ext cx="1906712" cy="1906712"/>
+          </a:xfrm>
+          <a:prstGeom prst="arc">
+            <a:avLst/>
+          </a:prstGeom>
+          <a:ln w="28575">
+            <a:solidFill>
+              <a:srgbClr val="FF0000"/>
+            </a:solidFill>
+            <a:headEnd type="none" w="med" len="lg"/>
+            <a:tailEnd type="stealth" w="med" len="lg"/>
+          </a:ln>
+        </p:spPr>
+        <p:style>
+          <a:lnRef idx="1">
+            <a:schemeClr val="accent1"/>
+          </a:lnRef>
+          <a:fillRef idx="0">
+            <a:schemeClr val="accent1"/>
+          </a:fillRef>
+          <a:effectRef idx="0">
+            <a:schemeClr val="accent1"/>
+          </a:effectRef>
+          <a:fontRef idx="minor">
+            <a:schemeClr val="tx1"/>
+          </a:fontRef>
+        </p:style>
+        <p:txBody>
+          <a:bodyPr rtlCol="0" anchor="ctr"/>
+          <a:lstStyle/>
+          <a:p>
+            <a:pPr algn="ctr"/>
+            <a:endParaRPr lang="fr-FR"/>
+          </a:p>
+        </p:txBody>
+      </p:sp>
+      <p:cxnSp>
+        <p:nvCxnSpPr>
+          <p:cNvPr id="11" name="Connecteur droit 10"/>
+          <p:cNvCxnSpPr/>
+          <p:nvPr/>
+        </p:nvCxnSpPr>
+        <p:spPr>
+          <a:xfrm flipH="1" flipV="1">
+            <a:off x="4932040" y="3979624"/>
+            <a:ext cx="584690" cy="971036"/>
+          </a:xfrm>
+          <a:prstGeom prst="line">
+            <a:avLst/>
+          </a:prstGeom>
+          <a:ln w="28575">
+            <a:solidFill>
+              <a:srgbClr val="FF0000"/>
+            </a:solidFill>
+            <a:headEnd type="none" w="med" len="lg"/>
+            <a:tailEnd type="stealth" w="med" len="lg"/>
+          </a:ln>
+        </p:spPr>
+        <p:style>
+          <a:lnRef idx="1">
+            <a:schemeClr val="accent1"/>
+          </a:lnRef>
+          <a:fillRef idx="0">
+            <a:schemeClr val="accent1"/>
+          </a:fillRef>
+          <a:effectRef idx="0">
+            <a:schemeClr val="accent1"/>
+          </a:effectRef>
+          <a:fontRef idx="minor">
+            <a:schemeClr val="tx1"/>
+          </a:fontRef>
+        </p:style>
+      </p:cxnSp>
+      <p:cxnSp>
+        <p:nvCxnSpPr>
+          <p:cNvPr id="13" name="Connecteur droit 12"/>
+          <p:cNvCxnSpPr/>
+          <p:nvPr/>
+        </p:nvCxnSpPr>
+        <p:spPr>
+          <a:xfrm flipV="1">
+            <a:off x="3601392" y="3979624"/>
+            <a:ext cx="584690" cy="971036"/>
+          </a:xfrm>
+          <a:prstGeom prst="line">
+            <a:avLst/>
+          </a:prstGeom>
+          <a:ln w="28575">
+            <a:solidFill>
+              <a:srgbClr val="FF0000"/>
+            </a:solidFill>
+            <a:headEnd type="none" w="med" len="lg"/>
+            <a:tailEnd type="stealth" w="med" len="lg"/>
+          </a:ln>
+        </p:spPr>
+        <p:style>
+          <a:lnRef idx="1">
+            <a:schemeClr val="accent1"/>
+          </a:lnRef>
+          <a:fillRef idx="0">
+            <a:schemeClr val="accent1"/>
+          </a:fillRef>
+          <a:effectRef idx="0">
+            <a:schemeClr val="accent1"/>
+          </a:effectRef>
+          <a:fontRef idx="minor">
+            <a:schemeClr val="tx1"/>
+          </a:fontRef>
+        </p:style>
+      </p:cxnSp>
+      <mc:AlternateContent xmlns:mc="http://schemas.openxmlformats.org/markup-compatibility/2006">
+        <mc:Choice xmlns:a14="http://schemas.microsoft.com/office/drawing/2010/main" Requires="a14">
+          <p:sp>
+            <p:nvSpPr>
+              <p:cNvPr id="12" name="ZoneTexte 11"/>
+              <p:cNvSpPr txBox="1"/>
+              <p:nvPr/>
+            </p:nvSpPr>
+            <p:spPr>
+              <a:xfrm>
+                <a:off x="4034102" y="4039074"/>
+                <a:ext cx="897938" cy="369332"/>
+              </a:xfrm>
+              <a:prstGeom prst="rect">
+                <a:avLst/>
+              </a:prstGeom>
+              <a:noFill/>
+            </p:spPr>
+            <p:txBody>
+              <a:bodyPr wrap="none" rtlCol="0">
+                <a:spAutoFit/>
+              </a:bodyPr>
+              <a:lstStyle/>
+              <a:p>
+                <a14:m>
+                  <m:oMathPara xmlns:m="http://schemas.openxmlformats.org/officeDocument/2006/math">
+                    <m:oMathParaPr>
+                      <m:jc m:val="centerGroup"/>
+                    </m:oMathParaPr>
+                    <m:oMath xmlns:m="http://schemas.openxmlformats.org/officeDocument/2006/math">
+                      <m:acc>
+                        <m:accPr>
+                          <m:chr m:val="⃗"/>
+                          <m:ctrlPr>
+                            <a:rPr lang="fr-FR" i="1" smtClean="0">
+                              <a:latin typeface="Cambria Math"/>
+                            </a:rPr>
+                          </m:ctrlPr>
+                        </m:accPr>
+                        <m:e>
+                          <m:sSub>
+                            <m:sSubPr>
+                              <m:ctrlPr>
+                                <a:rPr lang="fr-FR" b="0" i="1" smtClean="0">
+                                  <a:latin typeface="Cambria Math"/>
+                                </a:rPr>
+                              </m:ctrlPr>
+                            </m:sSubPr>
+                            <m:e>
+                              <m:r>
+                                <a:rPr lang="fr-FR" b="0" i="1" smtClean="0">
+                                  <a:latin typeface="Cambria Math"/>
+                                </a:rPr>
+                                <m:t>𝑛</m:t>
+                              </m:r>
+                            </m:e>
+                            <m:sub>
+                              <m:r>
+                                <a:rPr lang="fr-FR" b="0" i="1" smtClean="0">
+                                  <a:latin typeface="Cambria Math"/>
+                                </a:rPr>
+                                <m:t>𝑟𝑒</m:t>
+                              </m:r>
+                              <m:r>
+                                <a:rPr lang="fr-FR" b="0" i="1" smtClean="0">
+                                  <a:latin typeface="Cambria Math"/>
+                                </a:rPr>
+                                <m:t>1→3</m:t>
+                              </m:r>
+                            </m:sub>
+                          </m:sSub>
+                        </m:e>
+                      </m:acc>
+                    </m:oMath>
+                  </m:oMathPara>
+                </a14:m>
+                <a:endParaRPr lang="fr-FR" dirty="0"/>
+              </a:p>
+            </p:txBody>
+          </p:sp>
+        </mc:Choice>
+        <mc:Fallback>
+          <p:sp>
+            <p:nvSpPr>
+              <p:cNvPr id="12" name="ZoneTexte 11"/>
+              <p:cNvSpPr txBox="1">
+                <a:spLocks noRot="1" noChangeAspect="1" noMove="1" noResize="1" noEditPoints="1" noAdjustHandles="1" noChangeArrowheads="1" noChangeShapeType="1" noTextEdit="1"/>
+              </p:cNvSpPr>
+              <p:nvPr/>
+            </p:nvSpPr>
+            <p:spPr>
+              <a:xfrm>
+                <a:off x="4034102" y="4039074"/>
+                <a:ext cx="897938" cy="369332"/>
+              </a:xfrm>
+              <a:prstGeom prst="rect">
+                <a:avLst/>
+              </a:prstGeom>
+              <a:blipFill rotWithShape="1">
+                <a:blip r:embed="rId3"/>
+                <a:stretch>
+                  <a:fillRect/>
+                </a:stretch>
+              </a:blipFill>
+            </p:spPr>
+            <p:txBody>
+              <a:bodyPr/>
+              <a:lstStyle/>
+              <a:p>
+                <a:r>
+                  <a:rPr lang="fr-FR">
+                    <a:noFill/>
+                  </a:rPr>
+                  <a:t> </a:t>
+                </a:r>
+              </a:p>
+            </p:txBody>
+          </p:sp>
+        </mc:Fallback>
+      </mc:AlternateContent>
+      <mc:AlternateContent xmlns:mc="http://schemas.openxmlformats.org/markup-compatibility/2006">
+        <mc:Choice xmlns:a14="http://schemas.microsoft.com/office/drawing/2010/main" Requires="a14">
+          <p:sp>
+            <p:nvSpPr>
+              <p:cNvPr id="15" name="ZoneTexte 14"/>
+              <p:cNvSpPr txBox="1"/>
+              <p:nvPr/>
+            </p:nvSpPr>
+            <p:spPr>
+              <a:xfrm>
+                <a:off x="5157234" y="4144191"/>
+                <a:ext cx="897938" cy="369332"/>
+              </a:xfrm>
+              <a:prstGeom prst="rect">
+                <a:avLst/>
+              </a:prstGeom>
+              <a:noFill/>
+            </p:spPr>
+            <p:txBody>
+              <a:bodyPr wrap="none" rtlCol="0">
+                <a:spAutoFit/>
+              </a:bodyPr>
+              <a:lstStyle/>
+              <a:p>
+                <a14:m>
+                  <m:oMathPara xmlns:m="http://schemas.openxmlformats.org/officeDocument/2006/math">
+                    <m:oMathParaPr>
+                      <m:jc m:val="centerGroup"/>
+                    </m:oMathParaPr>
+                    <m:oMath xmlns:m="http://schemas.openxmlformats.org/officeDocument/2006/math">
+                      <m:acc>
+                        <m:accPr>
+                          <m:chr m:val="⃗"/>
+                          <m:ctrlPr>
+                            <a:rPr lang="fr-FR" i="1" smtClean="0">
+                              <a:latin typeface="Cambria Math"/>
+                            </a:rPr>
+                          </m:ctrlPr>
+                        </m:accPr>
+                        <m:e>
+                          <m:sSub>
+                            <m:sSubPr>
+                              <m:ctrlPr>
+                                <a:rPr lang="fr-FR" b="0" i="1" smtClean="0">
+                                  <a:latin typeface="Cambria Math"/>
+                                </a:rPr>
+                              </m:ctrlPr>
+                            </m:sSubPr>
+                            <m:e>
+                              <m:r>
+                                <a:rPr lang="fr-FR" b="0" i="1" smtClean="0">
+                                  <a:latin typeface="Cambria Math"/>
+                                </a:rPr>
+                                <m:t>𝑛</m:t>
+                              </m:r>
+                            </m:e>
+                            <m:sub>
+                              <m:r>
+                                <a:rPr lang="fr-FR" b="0" i="1" smtClean="0">
+                                  <a:latin typeface="Cambria Math"/>
+                                </a:rPr>
+                                <m:t>𝑟𝑒</m:t>
+                              </m:r>
+                              <m:r>
+                                <a:rPr lang="fr-FR" b="0" i="1" smtClean="0">
+                                  <a:latin typeface="Cambria Math"/>
+                                </a:rPr>
+                                <m:t>2→3</m:t>
+                              </m:r>
+                            </m:sub>
+                          </m:sSub>
+                        </m:e>
+                      </m:acc>
+                    </m:oMath>
+                  </m:oMathPara>
+                </a14:m>
+                <a:endParaRPr lang="fr-FR" dirty="0"/>
+              </a:p>
+            </p:txBody>
+          </p:sp>
+        </mc:Choice>
+        <mc:Fallback>
+          <p:sp>
+            <p:nvSpPr>
+              <p:cNvPr id="15" name="ZoneTexte 14"/>
+              <p:cNvSpPr txBox="1">
+                <a:spLocks noRot="1" noChangeAspect="1" noMove="1" noResize="1" noEditPoints="1" noAdjustHandles="1" noChangeArrowheads="1" noChangeShapeType="1" noTextEdit="1"/>
+              </p:cNvSpPr>
+              <p:nvPr/>
+            </p:nvSpPr>
+            <p:spPr>
+              <a:xfrm>
+                <a:off x="5157234" y="4144191"/>
+                <a:ext cx="897938" cy="369332"/>
+              </a:xfrm>
+              <a:prstGeom prst="rect">
+                <a:avLst/>
+              </a:prstGeom>
+              <a:blipFill rotWithShape="1">
+                <a:blip r:embed="rId4"/>
+                <a:stretch>
+                  <a:fillRect/>
+                </a:stretch>
+              </a:blipFill>
+            </p:spPr>
+            <p:txBody>
+              <a:bodyPr/>
+              <a:lstStyle/>
+              <a:p>
+                <a:r>
+                  <a:rPr lang="fr-FR">
+                    <a:noFill/>
+                  </a:rPr>
+                  <a:t> </a:t>
+                </a:r>
+              </a:p>
+            </p:txBody>
+          </p:sp>
+        </mc:Fallback>
+      </mc:AlternateContent>
+      <mc:AlternateContent xmlns:mc="http://schemas.openxmlformats.org/markup-compatibility/2006">
+        <mc:Choice xmlns:a14="http://schemas.microsoft.com/office/drawing/2010/main" Requires="a14">
+          <p:sp>
+            <p:nvSpPr>
+              <p:cNvPr id="20" name="ZoneTexte 19"/>
+              <p:cNvSpPr txBox="1"/>
+              <p:nvPr/>
+            </p:nvSpPr>
+            <p:spPr>
+              <a:xfrm>
+                <a:off x="2834808" y="4352235"/>
+                <a:ext cx="878766" cy="312073"/>
+              </a:xfrm>
+              <a:prstGeom prst="rect">
+                <a:avLst/>
+              </a:prstGeom>
+              <a:solidFill>
+                <a:schemeClr val="bg1"/>
+              </a:solidFill>
+            </p:spPr>
+            <p:txBody>
+              <a:bodyPr wrap="none" rtlCol="0">
+                <a:spAutoFit/>
+              </a:bodyPr>
+              <a:lstStyle/>
+              <a:p>
+                <a14:m>
+                  <m:oMathPara xmlns:m="http://schemas.openxmlformats.org/officeDocument/2006/math">
+                    <m:oMathParaPr>
+                      <m:jc m:val="centerGroup"/>
+                    </m:oMathParaPr>
+                    <m:oMath xmlns:m="http://schemas.openxmlformats.org/officeDocument/2006/math">
+                      <m:acc>
+                        <m:accPr>
+                          <m:chr m:val="⃗"/>
+                          <m:ctrlPr>
+                            <a:rPr lang="fr-FR" sz="1200" i="1" smtClean="0">
+                              <a:latin typeface="Cambria Math"/>
+                            </a:rPr>
+                          </m:ctrlPr>
+                        </m:accPr>
+                        <m:e>
+                          <m:r>
+                            <a:rPr lang="fr-FR" sz="1200" b="0" i="1" smtClean="0">
+                              <a:latin typeface="Cambria Math"/>
+                            </a:rPr>
+                            <m:t>𝑉</m:t>
+                          </m:r>
+                          <m:d>
+                            <m:dPr>
+                              <m:ctrlPr>
+                                <a:rPr lang="fr-FR" sz="1200" b="0" i="1" smtClean="0">
+                                  <a:latin typeface="Cambria Math"/>
+                                </a:rPr>
+                              </m:ctrlPr>
+                            </m:dPr>
+                            <m:e>
+                              <m:sSub>
+                                <m:sSubPr>
+                                  <m:ctrlPr>
+                                    <a:rPr lang="fr-FR" sz="1200" b="0" i="1" smtClean="0">
+                                      <a:latin typeface="Cambria Math"/>
+                                    </a:rPr>
+                                  </m:ctrlPr>
+                                </m:sSubPr>
+                                <m:e>
+                                  <m:r>
+                                    <a:rPr lang="fr-FR" sz="1200" b="0" i="1" smtClean="0">
+                                      <a:latin typeface="Cambria Math"/>
+                                    </a:rPr>
+                                    <m:t>𝐼</m:t>
+                                  </m:r>
+                                </m:e>
+                                <m:sub>
+                                  <m:r>
+                                    <a:rPr lang="fr-FR" sz="1200" b="0" i="1" smtClean="0">
+                                      <a:latin typeface="Cambria Math"/>
+                                    </a:rPr>
+                                    <m:t>1</m:t>
+                                  </m:r>
+                                </m:sub>
+                              </m:sSub>
+                              <m:r>
+                                <a:rPr lang="fr-FR" sz="1200" b="0" i="1" smtClean="0">
+                                  <a:latin typeface="Cambria Math"/>
+                                </a:rPr>
+                                <m:t>,</m:t>
+                              </m:r>
+                              <m:f>
+                                <m:fPr>
+                                  <m:type m:val="lin"/>
+                                  <m:ctrlPr>
+                                    <a:rPr lang="fr-FR" sz="1200" b="0" i="1" smtClean="0">
+                                      <a:latin typeface="Cambria Math"/>
+                                    </a:rPr>
+                                  </m:ctrlPr>
+                                </m:fPr>
+                                <m:num>
+                                  <m:r>
+                                    <a:rPr lang="fr-FR" sz="1200" b="0" i="1" smtClean="0">
+                                      <a:latin typeface="Cambria Math"/>
+                                    </a:rPr>
+                                    <m:t>3</m:t>
+                                  </m:r>
+                                </m:num>
+                                <m:den>
+                                  <m:r>
+                                    <a:rPr lang="fr-FR" sz="1200" b="0" i="1" smtClean="0">
+                                      <a:latin typeface="Cambria Math"/>
+                                    </a:rPr>
+                                    <m:t>0</m:t>
+                                  </m:r>
+                                </m:den>
+                              </m:f>
+                            </m:e>
+                          </m:d>
+                        </m:e>
+                      </m:acc>
+                    </m:oMath>
+                  </m:oMathPara>
+                </a14:m>
+                <a:endParaRPr lang="fr-FR" sz="1200" dirty="0"/>
+              </a:p>
+            </p:txBody>
+          </p:sp>
+        </mc:Choice>
+        <mc:Fallback>
+          <p:sp>
+            <p:nvSpPr>
+              <p:cNvPr id="20" name="ZoneTexte 19"/>
+              <p:cNvSpPr txBox="1">
+                <a:spLocks noRot="1" noChangeAspect="1" noMove="1" noResize="1" noEditPoints="1" noAdjustHandles="1" noChangeArrowheads="1" noChangeShapeType="1" noTextEdit="1"/>
+              </p:cNvSpPr>
+              <p:nvPr/>
+            </p:nvSpPr>
+            <p:spPr>
+              <a:xfrm>
+                <a:off x="2834808" y="4352235"/>
+                <a:ext cx="878766" cy="312073"/>
+              </a:xfrm>
+              <a:prstGeom prst="rect">
+                <a:avLst/>
+              </a:prstGeom>
+              <a:blipFill rotWithShape="1">
+                <a:blip r:embed="rId5"/>
+                <a:stretch>
+                  <a:fillRect t="-72549" r="-25694" b="-131373"/>
+                </a:stretch>
+              </a:blipFill>
+            </p:spPr>
+            <p:txBody>
+              <a:bodyPr/>
+              <a:lstStyle/>
+              <a:p>
+                <a:r>
+                  <a:rPr lang="fr-FR">
+                    <a:noFill/>
+                  </a:rPr>
+                  <a:t> </a:t>
+                </a:r>
+              </a:p>
+            </p:txBody>
+          </p:sp>
+        </mc:Fallback>
+      </mc:AlternateContent>
+      <mc:AlternateContent xmlns:mc="http://schemas.openxmlformats.org/markup-compatibility/2006">
+        <mc:Choice xmlns:a14="http://schemas.microsoft.com/office/drawing/2010/main" Requires="a14">
+          <p:sp>
+            <p:nvSpPr>
+              <p:cNvPr id="21" name="ZoneTexte 20"/>
+              <p:cNvSpPr txBox="1"/>
+              <p:nvPr/>
+            </p:nvSpPr>
+            <p:spPr>
+              <a:xfrm>
+                <a:off x="5172627" y="5080686"/>
+                <a:ext cx="882356" cy="312073"/>
+              </a:xfrm>
+              <a:prstGeom prst="rect">
+                <a:avLst/>
+              </a:prstGeom>
+              <a:solidFill>
+                <a:schemeClr val="bg1"/>
+              </a:solidFill>
+            </p:spPr>
+            <p:txBody>
+              <a:bodyPr wrap="none" rtlCol="0">
+                <a:spAutoFit/>
+              </a:bodyPr>
+              <a:lstStyle/>
+              <a:p>
+                <a14:m>
+                  <m:oMathPara xmlns:m="http://schemas.openxmlformats.org/officeDocument/2006/math">
+                    <m:oMathParaPr>
+                      <m:jc m:val="centerGroup"/>
+                    </m:oMathParaPr>
+                    <m:oMath xmlns:m="http://schemas.openxmlformats.org/officeDocument/2006/math">
+                      <m:acc>
+                        <m:accPr>
+                          <m:chr m:val="⃗"/>
+                          <m:ctrlPr>
+                            <a:rPr lang="fr-FR" sz="1200" i="1" smtClean="0">
+                              <a:latin typeface="Cambria Math"/>
+                            </a:rPr>
+                          </m:ctrlPr>
+                        </m:accPr>
+                        <m:e>
+                          <m:r>
+                            <a:rPr lang="fr-FR" sz="1200" b="0" i="1" smtClean="0">
+                              <a:latin typeface="Cambria Math"/>
+                            </a:rPr>
+                            <m:t>𝑉</m:t>
+                          </m:r>
+                          <m:d>
+                            <m:dPr>
+                              <m:ctrlPr>
+                                <a:rPr lang="fr-FR" sz="1200" b="0" i="1" smtClean="0">
+                                  <a:latin typeface="Cambria Math"/>
+                                </a:rPr>
+                              </m:ctrlPr>
+                            </m:dPr>
+                            <m:e>
+                              <m:sSub>
+                                <m:sSubPr>
+                                  <m:ctrlPr>
+                                    <a:rPr lang="fr-FR" sz="1200" b="0" i="1" smtClean="0">
+                                      <a:latin typeface="Cambria Math"/>
+                                    </a:rPr>
+                                  </m:ctrlPr>
+                                </m:sSubPr>
+                                <m:e>
+                                  <m:r>
+                                    <a:rPr lang="fr-FR" sz="1200" b="0" i="1" smtClean="0">
+                                      <a:latin typeface="Cambria Math"/>
+                                    </a:rPr>
+                                    <m:t>𝐼</m:t>
+                                  </m:r>
+                                </m:e>
+                                <m:sub>
+                                  <m:r>
+                                    <a:rPr lang="fr-FR" sz="1200" b="0" i="1" smtClean="0">
+                                      <a:latin typeface="Cambria Math"/>
+                                    </a:rPr>
+                                    <m:t>2</m:t>
+                                  </m:r>
+                                </m:sub>
+                              </m:sSub>
+                              <m:r>
+                                <a:rPr lang="fr-FR" sz="1200" b="0" i="1" smtClean="0">
+                                  <a:latin typeface="Cambria Math"/>
+                                </a:rPr>
+                                <m:t>,</m:t>
+                              </m:r>
+                              <m:f>
+                                <m:fPr>
+                                  <m:type m:val="lin"/>
+                                  <m:ctrlPr>
+                                    <a:rPr lang="fr-FR" sz="1200" b="0" i="1" smtClean="0">
+                                      <a:latin typeface="Cambria Math"/>
+                                    </a:rPr>
+                                  </m:ctrlPr>
+                                </m:fPr>
+                                <m:num>
+                                  <m:r>
+                                    <a:rPr lang="fr-FR" sz="1200" b="0" i="1" smtClean="0">
+                                      <a:latin typeface="Cambria Math"/>
+                                    </a:rPr>
+                                    <m:t>3</m:t>
+                                  </m:r>
+                                </m:num>
+                                <m:den>
+                                  <m:r>
+                                    <a:rPr lang="fr-FR" sz="1200" b="0" i="1" smtClean="0">
+                                      <a:latin typeface="Cambria Math"/>
+                                    </a:rPr>
+                                    <m:t>0</m:t>
+                                  </m:r>
+                                </m:den>
+                              </m:f>
+                            </m:e>
+                          </m:d>
+                        </m:e>
+                      </m:acc>
+                    </m:oMath>
+                  </m:oMathPara>
+                </a14:m>
+                <a:endParaRPr lang="fr-FR" sz="1200" dirty="0"/>
+              </a:p>
+            </p:txBody>
+          </p:sp>
+        </mc:Choice>
+        <mc:Fallback>
+          <p:sp>
+            <p:nvSpPr>
+              <p:cNvPr id="21" name="ZoneTexte 20"/>
+              <p:cNvSpPr txBox="1">
+                <a:spLocks noRot="1" noChangeAspect="1" noMove="1" noResize="1" noEditPoints="1" noAdjustHandles="1" noChangeArrowheads="1" noChangeShapeType="1" noTextEdit="1"/>
+              </p:cNvSpPr>
+              <p:nvPr/>
+            </p:nvSpPr>
+            <p:spPr>
+              <a:xfrm>
+                <a:off x="5172627" y="5080686"/>
+                <a:ext cx="882356" cy="312073"/>
+              </a:xfrm>
+              <a:prstGeom prst="rect">
+                <a:avLst/>
+              </a:prstGeom>
+              <a:blipFill rotWithShape="1">
+                <a:blip r:embed="rId6"/>
+                <a:stretch>
+                  <a:fillRect t="-71154" r="-25000" b="-126923"/>
+                </a:stretch>
+              </a:blipFill>
+            </p:spPr>
+            <p:txBody>
+              <a:bodyPr/>
+              <a:lstStyle/>
+              <a:p>
+                <a:r>
+                  <a:rPr lang="fr-FR">
+                    <a:noFill/>
+                  </a:rPr>
+                  <a:t> </a:t>
+                </a:r>
+              </a:p>
+            </p:txBody>
+          </p:sp>
+        </mc:Fallback>
+      </mc:AlternateContent>
+      <p:cxnSp>
+        <p:nvCxnSpPr>
+          <p:cNvPr id="16" name="Connecteur droit 15"/>
+          <p:cNvCxnSpPr/>
+          <p:nvPr/>
+        </p:nvCxnSpPr>
+        <p:spPr>
+          <a:xfrm flipH="1" flipV="1">
+            <a:off x="3104204" y="4658315"/>
+            <a:ext cx="485518" cy="292345"/>
+          </a:xfrm>
+          <a:prstGeom prst="line">
+            <a:avLst/>
+          </a:prstGeom>
+          <a:ln w="28575">
+            <a:solidFill>
+              <a:srgbClr val="00B050"/>
+            </a:solidFill>
+            <a:headEnd type="none" w="med" len="lg"/>
+            <a:tailEnd type="stealth" w="med" len="lg"/>
+          </a:ln>
+        </p:spPr>
+        <p:style>
+          <a:lnRef idx="1">
+            <a:schemeClr val="accent1"/>
+          </a:lnRef>
+          <a:fillRef idx="0">
+            <a:schemeClr val="accent1"/>
+          </a:fillRef>
+          <a:effectRef idx="0">
+            <a:schemeClr val="accent1"/>
+          </a:effectRef>
+          <a:fontRef idx="minor">
+            <a:schemeClr val="tx1"/>
+          </a:fontRef>
+        </p:style>
+      </p:cxnSp>
+      <p:cxnSp>
+        <p:nvCxnSpPr>
+          <p:cNvPr id="19" name="Connecteur droit 18"/>
+          <p:cNvCxnSpPr/>
+          <p:nvPr/>
+        </p:nvCxnSpPr>
+        <p:spPr>
+          <a:xfrm flipH="1">
+            <a:off x="5037247" y="4956887"/>
+            <a:ext cx="485518" cy="292345"/>
+          </a:xfrm>
+          <a:prstGeom prst="line">
+            <a:avLst/>
+          </a:prstGeom>
+          <a:ln w="28575">
+            <a:solidFill>
+              <a:srgbClr val="00B050"/>
+            </a:solidFill>
+            <a:headEnd type="none" w="med" len="lg"/>
+            <a:tailEnd type="stealth" w="med" len="lg"/>
+          </a:ln>
+        </p:spPr>
+        <p:style>
+          <a:lnRef idx="1">
+            <a:schemeClr val="accent1"/>
+          </a:lnRef>
+          <a:fillRef idx="0">
+            <a:schemeClr val="accent1"/>
+          </a:fillRef>
+          <a:effectRef idx="0">
+            <a:schemeClr val="accent1"/>
+          </a:effectRef>
+          <a:fontRef idx="minor">
+            <a:schemeClr val="tx1"/>
+          </a:fontRef>
+        </p:style>
+      </p:cxnSp>
+      <p:cxnSp>
+        <p:nvCxnSpPr>
+          <p:cNvPr id="22" name="Connecteur droit 21"/>
+          <p:cNvCxnSpPr/>
+          <p:nvPr/>
+        </p:nvCxnSpPr>
+        <p:spPr>
+          <a:xfrm flipV="1">
+            <a:off x="5508104" y="4527637"/>
+            <a:ext cx="720080" cy="433582"/>
+          </a:xfrm>
+          <a:prstGeom prst="line">
+            <a:avLst/>
+          </a:prstGeom>
+          <a:ln w="28575">
+            <a:solidFill>
+              <a:srgbClr val="FF0000"/>
+            </a:solidFill>
+            <a:headEnd type="none" w="med" len="lg"/>
+            <a:tailEnd type="stealth" w="med" len="lg"/>
+          </a:ln>
+        </p:spPr>
+        <p:style>
+          <a:lnRef idx="1">
+            <a:schemeClr val="accent1"/>
+          </a:lnRef>
+          <a:fillRef idx="0">
+            <a:schemeClr val="accent1"/>
+          </a:fillRef>
+          <a:effectRef idx="0">
+            <a:schemeClr val="accent1"/>
+          </a:effectRef>
+          <a:fontRef idx="minor">
+            <a:schemeClr val="tx1"/>
+          </a:fontRef>
+        </p:style>
+      </p:cxnSp>
+      <p:cxnSp>
+        <p:nvCxnSpPr>
+          <p:cNvPr id="24" name="Connecteur droit 23"/>
+          <p:cNvCxnSpPr/>
+          <p:nvPr/>
+        </p:nvCxnSpPr>
+        <p:spPr>
+          <a:xfrm>
+            <a:off x="3572745" y="4954999"/>
+            <a:ext cx="720080" cy="433582"/>
+          </a:xfrm>
+          <a:prstGeom prst="line">
+            <a:avLst/>
+          </a:prstGeom>
+          <a:ln w="28575">
+            <a:solidFill>
+              <a:srgbClr val="FF0000"/>
+            </a:solidFill>
+            <a:headEnd type="none" w="med" len="lg"/>
+            <a:tailEnd type="stealth" w="med" len="lg"/>
+          </a:ln>
+        </p:spPr>
+        <p:style>
+          <a:lnRef idx="1">
+            <a:schemeClr val="accent1"/>
+          </a:lnRef>
+          <a:fillRef idx="0">
+            <a:schemeClr val="accent1"/>
+          </a:fillRef>
+          <a:effectRef idx="0">
+            <a:schemeClr val="accent1"/>
+          </a:effectRef>
+          <a:fontRef idx="minor">
+            <a:schemeClr val="tx1"/>
+          </a:fontRef>
+        </p:style>
+      </p:cxnSp>
+      <mc:AlternateContent xmlns:mc="http://schemas.openxmlformats.org/markup-compatibility/2006">
+        <mc:Choice xmlns:a14="http://schemas.microsoft.com/office/drawing/2010/main" Requires="a14">
+          <p:sp>
+            <p:nvSpPr>
+              <p:cNvPr id="25" name="ZoneTexte 24"/>
+              <p:cNvSpPr txBox="1"/>
+              <p:nvPr/>
+            </p:nvSpPr>
+            <p:spPr>
+              <a:xfrm>
+                <a:off x="3728705" y="4750956"/>
+                <a:ext cx="852862" cy="384721"/>
+              </a:xfrm>
+              <a:prstGeom prst="rect">
+                <a:avLst/>
+              </a:prstGeom>
+              <a:noFill/>
+            </p:spPr>
+            <p:txBody>
+              <a:bodyPr wrap="none" rtlCol="0">
+                <a:spAutoFit/>
+              </a:bodyPr>
+              <a:lstStyle/>
+              <a:p>
+                <a14:m>
+                  <m:oMathPara xmlns:m="http://schemas.openxmlformats.org/officeDocument/2006/math">
+                    <m:oMathParaPr>
+                      <m:jc m:val="centerGroup"/>
+                    </m:oMathParaPr>
+                    <m:oMath xmlns:m="http://schemas.openxmlformats.org/officeDocument/2006/math">
+                      <m:acc>
+                        <m:accPr>
+                          <m:chr m:val="⃗"/>
+                          <m:ctrlPr>
+                            <a:rPr lang="fr-FR" i="1" smtClean="0">
+                              <a:latin typeface="Cambria Math"/>
+                            </a:rPr>
+                          </m:ctrlPr>
+                        </m:accPr>
+                        <m:e>
+                          <m:sSub>
+                            <m:sSubPr>
+                              <m:ctrlPr>
+                                <a:rPr lang="fr-FR" b="0" i="1" smtClean="0">
+                                  <a:latin typeface="Cambria Math"/>
+                                </a:rPr>
+                              </m:ctrlPr>
+                            </m:sSubPr>
+                            <m:e>
+                              <m:r>
+                                <a:rPr lang="fr-FR" b="0" i="1" smtClean="0">
+                                  <a:latin typeface="Cambria Math"/>
+                                </a:rPr>
+                                <m:t>𝑡</m:t>
+                              </m:r>
+                            </m:e>
+                            <m:sub>
+                              <m:r>
+                                <a:rPr lang="fr-FR" b="0" i="1" smtClean="0">
+                                  <a:latin typeface="Cambria Math"/>
+                                </a:rPr>
+                                <m:t>𝑟𝑒</m:t>
+                              </m:r>
+                              <m:r>
+                                <a:rPr lang="fr-FR" b="0" i="1" smtClean="0">
+                                  <a:latin typeface="Cambria Math"/>
+                                </a:rPr>
+                                <m:t>1→3</m:t>
+                              </m:r>
+                            </m:sub>
+                          </m:sSub>
+                        </m:e>
+                      </m:acc>
+                    </m:oMath>
+                  </m:oMathPara>
+                </a14:m>
+                <a:endParaRPr lang="fr-FR" dirty="0"/>
+              </a:p>
+            </p:txBody>
+          </p:sp>
+        </mc:Choice>
+        <mc:Fallback>
+          <p:sp>
+            <p:nvSpPr>
+              <p:cNvPr id="25" name="ZoneTexte 24"/>
+              <p:cNvSpPr txBox="1">
+                <a:spLocks noRot="1" noChangeAspect="1" noMove="1" noResize="1" noEditPoints="1" noAdjustHandles="1" noChangeArrowheads="1" noChangeShapeType="1" noTextEdit="1"/>
+              </p:cNvSpPr>
+              <p:nvPr/>
+            </p:nvSpPr>
+            <p:spPr>
+              <a:xfrm>
+                <a:off x="3728705" y="4750956"/>
+                <a:ext cx="852862" cy="384721"/>
+              </a:xfrm>
+              <a:prstGeom prst="rect">
+                <a:avLst/>
+              </a:prstGeom>
+              <a:blipFill rotWithShape="1">
+                <a:blip r:embed="rId7"/>
+                <a:stretch>
+                  <a:fillRect/>
+                </a:stretch>
+              </a:blipFill>
+            </p:spPr>
+            <p:txBody>
+              <a:bodyPr/>
+              <a:lstStyle/>
+              <a:p>
+                <a:r>
+                  <a:rPr lang="fr-FR">
+                    <a:noFill/>
+                  </a:rPr>
+                  <a:t> </a:t>
+                </a:r>
+              </a:p>
+            </p:txBody>
+          </p:sp>
+        </mc:Fallback>
+      </mc:AlternateContent>
+      <mc:AlternateContent xmlns:mc="http://schemas.openxmlformats.org/markup-compatibility/2006">
+        <mc:Choice xmlns:a14="http://schemas.microsoft.com/office/drawing/2010/main" Requires="a14">
+          <p:sp>
+            <p:nvSpPr>
+              <p:cNvPr id="26" name="ZoneTexte 25"/>
+              <p:cNvSpPr txBox="1"/>
+              <p:nvPr/>
+            </p:nvSpPr>
+            <p:spPr>
+              <a:xfrm>
+                <a:off x="5294563" y="2636912"/>
+                <a:ext cx="511614" cy="369332"/>
+              </a:xfrm>
+              <a:prstGeom prst="rect">
+                <a:avLst/>
+              </a:prstGeom>
+              <a:noFill/>
+            </p:spPr>
+            <p:txBody>
+              <a:bodyPr wrap="none" rtlCol="0">
+                <a:spAutoFit/>
+              </a:bodyPr>
+              <a:lstStyle/>
+              <a:p>
+                <a14:m>
+                  <m:oMathPara xmlns:m="http://schemas.openxmlformats.org/officeDocument/2006/math">
+                    <m:oMathParaPr>
+                      <m:jc m:val="centerGroup"/>
+                    </m:oMathParaPr>
+                    <m:oMath xmlns:m="http://schemas.openxmlformats.org/officeDocument/2006/math">
+                      <m:sSub>
+                        <m:sSubPr>
+                          <m:ctrlPr>
+                            <a:rPr lang="fr-FR" b="0" i="1" smtClean="0">
+                              <a:latin typeface="Cambria Math"/>
+                            </a:rPr>
+                          </m:ctrlPr>
+                        </m:sSubPr>
+                        <m:e>
+                          <m:r>
+                            <a:rPr lang="fr-FR" b="0" i="1" smtClean="0">
+                              <a:latin typeface="Cambria Math"/>
+                            </a:rPr>
+                            <m:t>𝜔</m:t>
+                          </m:r>
+                        </m:e>
+                        <m:sub>
+                          <m:r>
+                            <a:rPr lang="fr-FR" b="0" i="1" smtClean="0">
+                              <a:latin typeface="Cambria Math"/>
+                            </a:rPr>
+                            <m:t>3</m:t>
+                          </m:r>
+                        </m:sub>
+                      </m:sSub>
+                    </m:oMath>
+                  </m:oMathPara>
+                </a14:m>
+                <a:endParaRPr lang="fr-FR" dirty="0"/>
+              </a:p>
+            </p:txBody>
+          </p:sp>
+        </mc:Choice>
+        <mc:Fallback>
+          <p:sp>
+            <p:nvSpPr>
+              <p:cNvPr id="26" name="ZoneTexte 25"/>
+              <p:cNvSpPr txBox="1">
+                <a:spLocks noRot="1" noChangeAspect="1" noMove="1" noResize="1" noEditPoints="1" noAdjustHandles="1" noChangeArrowheads="1" noChangeShapeType="1" noTextEdit="1"/>
+              </p:cNvSpPr>
+              <p:nvPr/>
+            </p:nvSpPr>
+            <p:spPr>
+              <a:xfrm>
+                <a:off x="5294563" y="2636912"/>
+                <a:ext cx="511614" cy="369332"/>
+              </a:xfrm>
+              <a:prstGeom prst="rect">
+                <a:avLst/>
+              </a:prstGeom>
+              <a:blipFill rotWithShape="1">
+                <a:blip r:embed="rId8"/>
+                <a:stretch>
+                  <a:fillRect/>
+                </a:stretch>
+              </a:blipFill>
+            </p:spPr>
+            <p:txBody>
+              <a:bodyPr/>
+              <a:lstStyle/>
+              <a:p>
+                <a:r>
+                  <a:rPr lang="fr-FR">
+                    <a:noFill/>
+                  </a:rPr>
+                  <a:t> </a:t>
+                </a:r>
+              </a:p>
+            </p:txBody>
+          </p:sp>
+        </mc:Fallback>
+      </mc:AlternateContent>
+    </p:spTree>
+    <p:extLst>
+      <p:ext uri="{BB962C8B-B14F-4D97-AF65-F5344CB8AC3E}">
+        <p14:creationId xmlns:p14="http://schemas.microsoft.com/office/powerpoint/2010/main" val="1702489770"/>
+      </p:ext>
+    </p:extLst>
+  </p:cSld>
+  <p:clrMapOvr>
+    <a:masterClrMapping/>
+  </p:clrMapOvr>
+</p:sld>
+</file>
+
+<file path=ppt/slides/slide5.xml><?xml version="1.0" encoding="utf-8"?>
 <p:sld xmlns:a="http://schemas.openxmlformats.org/drawingml/2006/main" xmlns:r="http://schemas.openxmlformats.org/officeDocument/2006/relationships" xmlns:p="http://schemas.openxmlformats.org/presentationml/2006/main">
   <p:cSld>
     <p:spTree>
@@ -19570,7 +21823,7 @@
 </p:sld>
 </file>
 
-<file path=ppt/slides/slide5.xml><?xml version="1.0" encoding="utf-8"?>
+<file path=ppt/slides/slide6.xml><?xml version="1.0" encoding="utf-8"?>
 <p:sld xmlns:a="http://schemas.openxmlformats.org/drawingml/2006/main" xmlns:r="http://schemas.openxmlformats.org/officeDocument/2006/relationships" xmlns:p="http://schemas.openxmlformats.org/presentationml/2006/main">
   <p:cSld>
     <p:spTree>
@@ -19792,7 +22045,7 @@
 </p:sld>
 </file>
 
-<file path=ppt/slides/slide6.xml><?xml version="1.0" encoding="utf-8"?>
+<file path=ppt/slides/slide7.xml><?xml version="1.0" encoding="utf-8"?>
 <p:sld xmlns:a="http://schemas.openxmlformats.org/drawingml/2006/main" xmlns:r="http://schemas.openxmlformats.org/officeDocument/2006/relationships" xmlns:p="http://schemas.openxmlformats.org/presentationml/2006/main">
   <p:cSld>
     <p:spTree>
@@ -21566,7 +23819,7 @@
 </p:sld>
 </file>
 
-<file path=ppt/slides/slide7.xml><?xml version="1.0" encoding="utf-8"?>
+<file path=ppt/slides/slide8.xml><?xml version="1.0" encoding="utf-8"?>
 <p:sld xmlns:a="http://schemas.openxmlformats.org/drawingml/2006/main" xmlns:r="http://schemas.openxmlformats.org/officeDocument/2006/relationships" xmlns:p="http://schemas.openxmlformats.org/presentationml/2006/main">
   <p:cSld>
     <p:spTree>
@@ -23163,7 +25416,7 @@
 </p:sld>
 </file>
 
-<file path=ppt/slides/slide8.xml><?xml version="1.0" encoding="utf-8"?>
+<file path=ppt/slides/slide9.xml><?xml version="1.0" encoding="utf-8"?>
 <p:sld xmlns:a="http://schemas.openxmlformats.org/drawingml/2006/main" xmlns:r="http://schemas.openxmlformats.org/officeDocument/2006/relationships" xmlns:p="http://schemas.openxmlformats.org/presentationml/2006/main">
   <p:cSld>
     <p:spTree>
@@ -23580,1154 +25833,6 @@
     <p:extLst>
       <p:ext uri="{BB962C8B-B14F-4D97-AF65-F5344CB8AC3E}">
         <p14:creationId xmlns:p14="http://schemas.microsoft.com/office/powerpoint/2010/main" val="1028118152"/>
-      </p:ext>
-    </p:extLst>
-  </p:cSld>
-  <p:clrMapOvr>
-    <a:masterClrMapping/>
-  </p:clrMapOvr>
-</p:sld>
-</file>
-
-<file path=ppt/slides/slide9.xml><?xml version="1.0" encoding="utf-8"?>
-<p:sld xmlns:a="http://schemas.openxmlformats.org/drawingml/2006/main" xmlns:r="http://schemas.openxmlformats.org/officeDocument/2006/relationships" xmlns:p="http://schemas.openxmlformats.org/presentationml/2006/main">
-  <p:cSld>
-    <p:spTree>
-      <p:nvGrpSpPr>
-        <p:cNvPr id="1" name=""/>
-        <p:cNvGrpSpPr/>
-        <p:nvPr/>
-      </p:nvGrpSpPr>
-      <p:grpSpPr>
-        <a:xfrm>
-          <a:off x="0" y="0"/>
-          <a:ext cx="0" cy="0"/>
-          <a:chOff x="0" y="0"/>
-          <a:chExt cx="0" cy="0"/>
-        </a:xfrm>
-      </p:grpSpPr>
-      <p:grpSp>
-        <p:nvGrpSpPr>
-          <p:cNvPr id="50" name="Groupe 49"/>
-          <p:cNvGrpSpPr/>
-          <p:nvPr/>
-        </p:nvGrpSpPr>
-        <p:grpSpPr>
-          <a:xfrm>
-            <a:off x="1543854" y="1556792"/>
-            <a:ext cx="2919857" cy="997079"/>
-            <a:chOff x="1543854" y="1556792"/>
-            <a:chExt cx="2919857" cy="997079"/>
-          </a:xfrm>
-        </p:grpSpPr>
-        <p:cxnSp>
-          <p:nvCxnSpPr>
-            <p:cNvPr id="4" name="Connecteur droit 3"/>
-            <p:cNvCxnSpPr/>
-            <p:nvPr/>
-          </p:nvCxnSpPr>
-          <p:spPr>
-            <a:xfrm>
-              <a:off x="2411760" y="1988840"/>
-              <a:ext cx="1440160" cy="0"/>
-            </a:xfrm>
-            <a:prstGeom prst="line">
-              <a:avLst/>
-            </a:prstGeom>
-            <a:ln w="28575">
-              <a:solidFill>
-                <a:srgbClr val="00B050"/>
-              </a:solidFill>
-            </a:ln>
-          </p:spPr>
-          <p:style>
-            <a:lnRef idx="1">
-              <a:schemeClr val="accent1"/>
-            </a:lnRef>
-            <a:fillRef idx="0">
-              <a:schemeClr val="accent1"/>
-            </a:fillRef>
-            <a:effectRef idx="0">
-              <a:schemeClr val="accent1"/>
-            </a:effectRef>
-            <a:fontRef idx="minor">
-              <a:schemeClr val="tx1"/>
-            </a:fontRef>
-          </p:style>
-        </p:cxnSp>
-        <p:cxnSp>
-          <p:nvCxnSpPr>
-            <p:cNvPr id="7" name="Connecteur droit 6"/>
-            <p:cNvCxnSpPr/>
-            <p:nvPr/>
-          </p:nvCxnSpPr>
-          <p:spPr>
-            <a:xfrm flipV="1">
-              <a:off x="2411206" y="1772816"/>
-              <a:ext cx="0" cy="432048"/>
-            </a:xfrm>
-            <a:prstGeom prst="line">
-              <a:avLst/>
-            </a:prstGeom>
-            <a:ln w="28575">
-              <a:solidFill>
-                <a:srgbClr val="00B050"/>
-              </a:solidFill>
-            </a:ln>
-          </p:spPr>
-          <p:style>
-            <a:lnRef idx="1">
-              <a:schemeClr val="accent1"/>
-            </a:lnRef>
-            <a:fillRef idx="0">
-              <a:schemeClr val="accent1"/>
-            </a:fillRef>
-            <a:effectRef idx="0">
-              <a:schemeClr val="accent1"/>
-            </a:effectRef>
-            <a:fontRef idx="minor">
-              <a:schemeClr val="tx1"/>
-            </a:fontRef>
-          </p:style>
-        </p:cxnSp>
-        <p:cxnSp>
-          <p:nvCxnSpPr>
-            <p:cNvPr id="9" name="Connecteur droit 8"/>
-            <p:cNvCxnSpPr/>
-            <p:nvPr/>
-          </p:nvCxnSpPr>
-          <p:spPr>
-            <a:xfrm>
-              <a:off x="1691680" y="1700808"/>
-              <a:ext cx="1440160" cy="0"/>
-            </a:xfrm>
-            <a:prstGeom prst="line">
-              <a:avLst/>
-            </a:prstGeom>
-            <a:ln w="28575">
-              <a:solidFill>
-                <a:srgbClr val="C00000"/>
-              </a:solidFill>
-            </a:ln>
-          </p:spPr>
-          <p:style>
-            <a:lnRef idx="1">
-              <a:schemeClr val="accent1"/>
-            </a:lnRef>
-            <a:fillRef idx="0">
-              <a:schemeClr val="accent1"/>
-            </a:fillRef>
-            <a:effectRef idx="0">
-              <a:schemeClr val="accent1"/>
-            </a:effectRef>
-            <a:fontRef idx="minor">
-              <a:schemeClr val="tx1"/>
-            </a:fontRef>
-          </p:style>
-        </p:cxnSp>
-        <p:cxnSp>
-          <p:nvCxnSpPr>
-            <p:cNvPr id="10" name="Connecteur droit 9"/>
-            <p:cNvCxnSpPr/>
-            <p:nvPr/>
-          </p:nvCxnSpPr>
-          <p:spPr>
-            <a:xfrm>
-              <a:off x="1697604" y="2276872"/>
-              <a:ext cx="1440160" cy="0"/>
-            </a:xfrm>
-            <a:prstGeom prst="line">
-              <a:avLst/>
-            </a:prstGeom>
-            <a:ln w="28575">
-              <a:solidFill>
-                <a:srgbClr val="C00000"/>
-              </a:solidFill>
-            </a:ln>
-          </p:spPr>
-          <p:style>
-            <a:lnRef idx="1">
-              <a:schemeClr val="accent1"/>
-            </a:lnRef>
-            <a:fillRef idx="0">
-              <a:schemeClr val="accent1"/>
-            </a:fillRef>
-            <a:effectRef idx="0">
-              <a:schemeClr val="accent1"/>
-            </a:effectRef>
-            <a:fontRef idx="minor">
-              <a:schemeClr val="tx1"/>
-            </a:fontRef>
-          </p:style>
-        </p:cxnSp>
-        <p:cxnSp>
-          <p:nvCxnSpPr>
-            <p:cNvPr id="12" name="Connecteur droit 11"/>
-            <p:cNvCxnSpPr/>
-            <p:nvPr/>
-          </p:nvCxnSpPr>
-          <p:spPr>
-            <a:xfrm flipV="1">
-              <a:off x="1697603" y="1709530"/>
-              <a:ext cx="1" cy="567342"/>
-            </a:xfrm>
-            <a:prstGeom prst="line">
-              <a:avLst/>
-            </a:prstGeom>
-            <a:ln w="28575">
-              <a:solidFill>
-                <a:srgbClr val="C00000"/>
-              </a:solidFill>
-            </a:ln>
-          </p:spPr>
-          <p:style>
-            <a:lnRef idx="1">
-              <a:schemeClr val="accent1"/>
-            </a:lnRef>
-            <a:fillRef idx="0">
-              <a:schemeClr val="accent1"/>
-            </a:fillRef>
-            <a:effectRef idx="0">
-              <a:schemeClr val="accent1"/>
-            </a:effectRef>
-            <a:fontRef idx="minor">
-              <a:schemeClr val="tx1"/>
-            </a:fontRef>
-          </p:style>
-        </p:cxnSp>
-        <p:cxnSp>
-          <p:nvCxnSpPr>
-            <p:cNvPr id="15" name="Connecteur droit 14"/>
-            <p:cNvCxnSpPr/>
-            <p:nvPr/>
-          </p:nvCxnSpPr>
-          <p:spPr>
-            <a:xfrm flipH="1" flipV="1">
-              <a:off x="3131839" y="1692620"/>
-              <a:ext cx="1" cy="224212"/>
-            </a:xfrm>
-            <a:prstGeom prst="line">
-              <a:avLst/>
-            </a:prstGeom>
-            <a:ln w="28575">
-              <a:solidFill>
-                <a:srgbClr val="C00000"/>
-              </a:solidFill>
-            </a:ln>
-          </p:spPr>
-          <p:style>
-            <a:lnRef idx="1">
-              <a:schemeClr val="accent1"/>
-            </a:lnRef>
-            <a:fillRef idx="0">
-              <a:schemeClr val="accent1"/>
-            </a:fillRef>
-            <a:effectRef idx="0">
-              <a:schemeClr val="accent1"/>
-            </a:effectRef>
-            <a:fontRef idx="minor">
-              <a:schemeClr val="tx1"/>
-            </a:fontRef>
-          </p:style>
-        </p:cxnSp>
-        <p:cxnSp>
-          <p:nvCxnSpPr>
-            <p:cNvPr id="17" name="Connecteur droit 16"/>
-            <p:cNvCxnSpPr/>
-            <p:nvPr/>
-          </p:nvCxnSpPr>
-          <p:spPr>
-            <a:xfrm flipH="1" flipV="1">
-              <a:off x="3131838" y="2052660"/>
-              <a:ext cx="1" cy="224212"/>
-            </a:xfrm>
-            <a:prstGeom prst="line">
-              <a:avLst/>
-            </a:prstGeom>
-            <a:ln w="28575">
-              <a:solidFill>
-                <a:srgbClr val="C00000"/>
-              </a:solidFill>
-            </a:ln>
-          </p:spPr>
-          <p:style>
-            <a:lnRef idx="1">
-              <a:schemeClr val="accent1"/>
-            </a:lnRef>
-            <a:fillRef idx="0">
-              <a:schemeClr val="accent1"/>
-            </a:fillRef>
-            <a:effectRef idx="0">
-              <a:schemeClr val="accent1"/>
-            </a:effectRef>
-            <a:fontRef idx="minor">
-              <a:schemeClr val="tx1"/>
-            </a:fontRef>
-          </p:style>
-        </p:cxnSp>
-        <p:sp>
-          <p:nvSpPr>
-            <p:cNvPr id="18" name="ZoneTexte 17"/>
-            <p:cNvSpPr txBox="1"/>
-            <p:nvPr/>
-          </p:nvSpPr>
-          <p:spPr>
-            <a:xfrm>
-              <a:off x="1691126" y="2276872"/>
-              <a:ext cx="1440160" cy="276999"/>
-            </a:xfrm>
-            <a:prstGeom prst="rect">
-              <a:avLst/>
-            </a:prstGeom>
-            <a:noFill/>
-          </p:spPr>
-          <p:txBody>
-            <a:bodyPr wrap="square" rtlCol="0">
-              <a:spAutoFit/>
-            </a:bodyPr>
-            <a:lstStyle/>
-            <a:p>
-              <a:pPr algn="ctr"/>
-              <a:r>
-                <a:rPr lang="fr-FR" sz="1200" dirty="0" smtClean="0"/>
-                <a:t>Phase d’ouverture</a:t>
-              </a:r>
-              <a:endParaRPr lang="fr-FR" sz="1200" dirty="0"/>
-            </a:p>
-          </p:txBody>
-        </p:sp>
-        <p:cxnSp>
-          <p:nvCxnSpPr>
-            <p:cNvPr id="19" name="Connecteur droit 18"/>
-            <p:cNvCxnSpPr/>
-            <p:nvPr/>
-          </p:nvCxnSpPr>
-          <p:spPr>
-            <a:xfrm flipH="1" flipV="1">
-              <a:off x="3851920" y="1988840"/>
-              <a:ext cx="423664" cy="0"/>
-            </a:xfrm>
-            <a:prstGeom prst="line">
-              <a:avLst/>
-            </a:prstGeom>
-            <a:ln w="28575" cmpd="dbl">
-              <a:solidFill>
-                <a:srgbClr val="00B050"/>
-              </a:solidFill>
-              <a:tailEnd type="stealth" w="med" len="lg"/>
-            </a:ln>
-          </p:spPr>
-          <p:style>
-            <a:lnRef idx="1">
-              <a:schemeClr val="accent1"/>
-            </a:lnRef>
-            <a:fillRef idx="0">
-              <a:schemeClr val="accent1"/>
-            </a:fillRef>
-            <a:effectRef idx="0">
-              <a:schemeClr val="accent1"/>
-            </a:effectRef>
-            <a:fontRef idx="minor">
-              <a:schemeClr val="tx1"/>
-            </a:fontRef>
-          </p:style>
-        </p:cxnSp>
-        <p:sp>
-          <p:nvSpPr>
-            <p:cNvPr id="22" name="ZoneTexte 21"/>
-            <p:cNvSpPr txBox="1"/>
-            <p:nvPr/>
-          </p:nvSpPr>
-          <p:spPr>
-            <a:xfrm>
-              <a:off x="3663793" y="1556792"/>
-              <a:ext cx="799918" cy="400110"/>
-            </a:xfrm>
-            <a:prstGeom prst="rect">
-              <a:avLst/>
-            </a:prstGeom>
-            <a:noFill/>
-          </p:spPr>
-          <p:txBody>
-            <a:bodyPr wrap="square" rtlCol="0">
-              <a:spAutoFit/>
-            </a:bodyPr>
-            <a:lstStyle/>
-            <a:p>
-              <a:pPr algn="ctr"/>
-              <a:r>
-                <a:rPr lang="fr-FR" sz="1000" dirty="0" smtClean="0"/>
-                <a:t>Action hayon</a:t>
-              </a:r>
-              <a:endParaRPr lang="fr-FR" sz="1000" dirty="0"/>
-            </a:p>
-          </p:txBody>
-        </p:sp>
-        <p:cxnSp>
-          <p:nvCxnSpPr>
-            <p:cNvPr id="26" name="Connecteur droit 25"/>
-            <p:cNvCxnSpPr/>
-            <p:nvPr/>
-          </p:nvCxnSpPr>
-          <p:spPr>
-            <a:xfrm flipV="1">
-              <a:off x="1907704" y="1988840"/>
-              <a:ext cx="423664" cy="0"/>
-            </a:xfrm>
-            <a:prstGeom prst="line">
-              <a:avLst/>
-            </a:prstGeom>
-            <a:ln w="28575" cmpd="dbl">
-              <a:solidFill>
-                <a:srgbClr val="00B050"/>
-              </a:solidFill>
-              <a:tailEnd type="stealth" w="med" len="lg"/>
-            </a:ln>
-          </p:spPr>
-          <p:style>
-            <a:lnRef idx="1">
-              <a:schemeClr val="accent1"/>
-            </a:lnRef>
-            <a:fillRef idx="0">
-              <a:schemeClr val="accent1"/>
-            </a:fillRef>
-            <a:effectRef idx="0">
-              <a:schemeClr val="accent1"/>
-            </a:effectRef>
-            <a:fontRef idx="minor">
-              <a:schemeClr val="tx1"/>
-            </a:fontRef>
-          </p:style>
-        </p:cxnSp>
-        <p:sp>
-          <p:nvSpPr>
-            <p:cNvPr id="27" name="ZoneTexte 26"/>
-            <p:cNvSpPr txBox="1"/>
-            <p:nvPr/>
-          </p:nvSpPr>
-          <p:spPr>
-            <a:xfrm>
-              <a:off x="1543854" y="1645508"/>
-              <a:ext cx="799918" cy="400110"/>
-            </a:xfrm>
-            <a:prstGeom prst="rect">
-              <a:avLst/>
-            </a:prstGeom>
-            <a:noFill/>
-          </p:spPr>
-          <p:txBody>
-            <a:bodyPr wrap="square" rtlCol="0">
-              <a:spAutoFit/>
-            </a:bodyPr>
-            <a:lstStyle/>
-            <a:p>
-              <a:pPr algn="ctr"/>
-              <a:r>
-                <a:rPr lang="fr-FR" sz="1000" dirty="0" smtClean="0"/>
-                <a:t>Action moteur</a:t>
-              </a:r>
-              <a:endParaRPr lang="fr-FR" sz="1000" dirty="0"/>
-            </a:p>
-          </p:txBody>
-        </p:sp>
-        <p:cxnSp>
-          <p:nvCxnSpPr>
-            <p:cNvPr id="29" name="Connecteur droit 28"/>
-            <p:cNvCxnSpPr/>
-            <p:nvPr/>
-          </p:nvCxnSpPr>
-          <p:spPr>
-            <a:xfrm flipH="1" flipV="1">
-              <a:off x="2555776" y="1941781"/>
-              <a:ext cx="423664" cy="0"/>
-            </a:xfrm>
-            <a:prstGeom prst="line">
-              <a:avLst/>
-            </a:prstGeom>
-            <a:ln w="28575" cmpd="dbl">
-              <a:solidFill>
-                <a:srgbClr val="C00000"/>
-              </a:solidFill>
-              <a:tailEnd type="stealth" w="med" len="lg"/>
-            </a:ln>
-          </p:spPr>
-          <p:style>
-            <a:lnRef idx="1">
-              <a:schemeClr val="accent1"/>
-            </a:lnRef>
-            <a:fillRef idx="0">
-              <a:schemeClr val="accent1"/>
-            </a:fillRef>
-            <a:effectRef idx="0">
-              <a:schemeClr val="accent1"/>
-            </a:effectRef>
-            <a:fontRef idx="minor">
-              <a:schemeClr val="tx1"/>
-            </a:fontRef>
-          </p:style>
-        </p:cxnSp>
-        <p:sp>
-          <p:nvSpPr>
-            <p:cNvPr id="30" name="ZoneTexte 29"/>
-            <p:cNvSpPr txBox="1"/>
-            <p:nvPr/>
-          </p:nvSpPr>
-          <p:spPr>
-            <a:xfrm>
-              <a:off x="2367649" y="1640230"/>
-              <a:ext cx="799918" cy="338554"/>
-            </a:xfrm>
-            <a:prstGeom prst="rect">
-              <a:avLst/>
-            </a:prstGeom>
-            <a:noFill/>
-          </p:spPr>
-          <p:txBody>
-            <a:bodyPr wrap="square" rtlCol="0">
-              <a:spAutoFit/>
-            </a:bodyPr>
-            <a:lstStyle/>
-            <a:p>
-              <a:pPr algn="ctr"/>
-              <a:r>
-                <a:rPr lang="fr-FR" sz="800" dirty="0" smtClean="0"/>
-                <a:t>Action frottement</a:t>
-              </a:r>
-              <a:endParaRPr lang="fr-FR" sz="800" dirty="0"/>
-            </a:p>
-          </p:txBody>
-        </p:sp>
-        <p:cxnSp>
-          <p:nvCxnSpPr>
-            <p:cNvPr id="31" name="Connecteur droit 30"/>
-            <p:cNvCxnSpPr/>
-            <p:nvPr/>
-          </p:nvCxnSpPr>
-          <p:spPr>
-            <a:xfrm flipV="1">
-              <a:off x="2555776" y="2045618"/>
-              <a:ext cx="423664" cy="0"/>
-            </a:xfrm>
-            <a:prstGeom prst="line">
-              <a:avLst/>
-            </a:prstGeom>
-            <a:ln w="28575" cmpd="dbl">
-              <a:solidFill>
-                <a:srgbClr val="C00000"/>
-              </a:solidFill>
-              <a:tailEnd type="stealth" w="med" len="lg"/>
-            </a:ln>
-          </p:spPr>
-          <p:style>
-            <a:lnRef idx="1">
-              <a:schemeClr val="accent1"/>
-            </a:lnRef>
-            <a:fillRef idx="0">
-              <a:schemeClr val="accent1"/>
-            </a:fillRef>
-            <a:effectRef idx="0">
-              <a:schemeClr val="accent1"/>
-            </a:effectRef>
-            <a:fontRef idx="minor">
-              <a:schemeClr val="tx1"/>
-            </a:fontRef>
-          </p:style>
-        </p:cxnSp>
-        <p:sp>
-          <p:nvSpPr>
-            <p:cNvPr id="32" name="ZoneTexte 31"/>
-            <p:cNvSpPr txBox="1"/>
-            <p:nvPr/>
-          </p:nvSpPr>
-          <p:spPr>
-            <a:xfrm>
-              <a:off x="2367649" y="2058447"/>
-              <a:ext cx="799918" cy="215444"/>
-            </a:xfrm>
-            <a:prstGeom prst="rect">
-              <a:avLst/>
-            </a:prstGeom>
-            <a:noFill/>
-          </p:spPr>
-          <p:txBody>
-            <a:bodyPr wrap="square" rtlCol="0">
-              <a:spAutoFit/>
-            </a:bodyPr>
-            <a:lstStyle/>
-            <a:p>
-              <a:pPr algn="ctr"/>
-              <a:r>
-                <a:rPr lang="fr-FR" sz="800" dirty="0" smtClean="0"/>
-                <a:t>Action ressort</a:t>
-              </a:r>
-              <a:endParaRPr lang="fr-FR" sz="800" dirty="0"/>
-            </a:p>
-          </p:txBody>
-        </p:sp>
-      </p:grpSp>
-      <p:grpSp>
-        <p:nvGrpSpPr>
-          <p:cNvPr id="49" name="Groupe 48"/>
-          <p:cNvGrpSpPr/>
-          <p:nvPr/>
-        </p:nvGrpSpPr>
-        <p:grpSpPr>
-          <a:xfrm>
-            <a:off x="4316439" y="1556792"/>
-            <a:ext cx="2919857" cy="1010085"/>
-            <a:chOff x="1543854" y="2874434"/>
-            <a:chExt cx="2919857" cy="1010085"/>
-          </a:xfrm>
-        </p:grpSpPr>
-        <p:sp>
-          <p:nvSpPr>
-            <p:cNvPr id="44" name="ZoneTexte 43"/>
-            <p:cNvSpPr txBox="1"/>
-            <p:nvPr/>
-          </p:nvSpPr>
-          <p:spPr>
-            <a:xfrm>
-              <a:off x="1543854" y="2963150"/>
-              <a:ext cx="799918" cy="400110"/>
-            </a:xfrm>
-            <a:prstGeom prst="rect">
-              <a:avLst/>
-            </a:prstGeom>
-            <a:noFill/>
-          </p:spPr>
-          <p:txBody>
-            <a:bodyPr wrap="square" rtlCol="0">
-              <a:spAutoFit/>
-            </a:bodyPr>
-            <a:lstStyle/>
-            <a:p>
-              <a:pPr algn="ctr"/>
-              <a:r>
-                <a:rPr lang="fr-FR" sz="1000" dirty="0" smtClean="0"/>
-                <a:t>Action moteur</a:t>
-              </a:r>
-              <a:endParaRPr lang="fr-FR" sz="1000" dirty="0"/>
-            </a:p>
-          </p:txBody>
-        </p:sp>
-        <p:cxnSp>
-          <p:nvCxnSpPr>
-            <p:cNvPr id="33" name="Connecteur droit 32"/>
-            <p:cNvCxnSpPr/>
-            <p:nvPr/>
-          </p:nvCxnSpPr>
-          <p:spPr>
-            <a:xfrm>
-              <a:off x="2411760" y="3306482"/>
-              <a:ext cx="1440160" cy="0"/>
-            </a:xfrm>
-            <a:prstGeom prst="line">
-              <a:avLst/>
-            </a:prstGeom>
-            <a:ln w="28575">
-              <a:solidFill>
-                <a:srgbClr val="00B050"/>
-              </a:solidFill>
-            </a:ln>
-          </p:spPr>
-          <p:style>
-            <a:lnRef idx="1">
-              <a:schemeClr val="accent1"/>
-            </a:lnRef>
-            <a:fillRef idx="0">
-              <a:schemeClr val="accent1"/>
-            </a:fillRef>
-            <a:effectRef idx="0">
-              <a:schemeClr val="accent1"/>
-            </a:effectRef>
-            <a:fontRef idx="minor">
-              <a:schemeClr val="tx1"/>
-            </a:fontRef>
-          </p:style>
-        </p:cxnSp>
-        <p:cxnSp>
-          <p:nvCxnSpPr>
-            <p:cNvPr id="34" name="Connecteur droit 33"/>
-            <p:cNvCxnSpPr/>
-            <p:nvPr/>
-          </p:nvCxnSpPr>
-          <p:spPr>
-            <a:xfrm flipV="1">
-              <a:off x="2411206" y="3090458"/>
-              <a:ext cx="0" cy="432048"/>
-            </a:xfrm>
-            <a:prstGeom prst="line">
-              <a:avLst/>
-            </a:prstGeom>
-            <a:ln w="28575">
-              <a:solidFill>
-                <a:srgbClr val="00B050"/>
-              </a:solidFill>
-            </a:ln>
-          </p:spPr>
-          <p:style>
-            <a:lnRef idx="1">
-              <a:schemeClr val="accent1"/>
-            </a:lnRef>
-            <a:fillRef idx="0">
-              <a:schemeClr val="accent1"/>
-            </a:fillRef>
-            <a:effectRef idx="0">
-              <a:schemeClr val="accent1"/>
-            </a:effectRef>
-            <a:fontRef idx="minor">
-              <a:schemeClr val="tx1"/>
-            </a:fontRef>
-          </p:style>
-        </p:cxnSp>
-        <p:cxnSp>
-          <p:nvCxnSpPr>
-            <p:cNvPr id="35" name="Connecteur droit 34"/>
-            <p:cNvCxnSpPr/>
-            <p:nvPr/>
-          </p:nvCxnSpPr>
-          <p:spPr>
-            <a:xfrm>
-              <a:off x="1691680" y="3018450"/>
-              <a:ext cx="1440160" cy="0"/>
-            </a:xfrm>
-            <a:prstGeom prst="line">
-              <a:avLst/>
-            </a:prstGeom>
-            <a:ln w="28575">
-              <a:solidFill>
-                <a:srgbClr val="C00000"/>
-              </a:solidFill>
-            </a:ln>
-          </p:spPr>
-          <p:style>
-            <a:lnRef idx="1">
-              <a:schemeClr val="accent1"/>
-            </a:lnRef>
-            <a:fillRef idx="0">
-              <a:schemeClr val="accent1"/>
-            </a:fillRef>
-            <a:effectRef idx="0">
-              <a:schemeClr val="accent1"/>
-            </a:effectRef>
-            <a:fontRef idx="minor">
-              <a:schemeClr val="tx1"/>
-            </a:fontRef>
-          </p:style>
-        </p:cxnSp>
-        <p:cxnSp>
-          <p:nvCxnSpPr>
-            <p:cNvPr id="36" name="Connecteur droit 35"/>
-            <p:cNvCxnSpPr/>
-            <p:nvPr/>
-          </p:nvCxnSpPr>
-          <p:spPr>
-            <a:xfrm>
-              <a:off x="1697604" y="3594514"/>
-              <a:ext cx="1440160" cy="0"/>
-            </a:xfrm>
-            <a:prstGeom prst="line">
-              <a:avLst/>
-            </a:prstGeom>
-            <a:ln w="28575">
-              <a:solidFill>
-                <a:srgbClr val="C00000"/>
-              </a:solidFill>
-            </a:ln>
-          </p:spPr>
-          <p:style>
-            <a:lnRef idx="1">
-              <a:schemeClr val="accent1"/>
-            </a:lnRef>
-            <a:fillRef idx="0">
-              <a:schemeClr val="accent1"/>
-            </a:fillRef>
-            <a:effectRef idx="0">
-              <a:schemeClr val="accent1"/>
-            </a:effectRef>
-            <a:fontRef idx="minor">
-              <a:schemeClr val="tx1"/>
-            </a:fontRef>
-          </p:style>
-        </p:cxnSp>
-        <p:cxnSp>
-          <p:nvCxnSpPr>
-            <p:cNvPr id="37" name="Connecteur droit 36"/>
-            <p:cNvCxnSpPr/>
-            <p:nvPr/>
-          </p:nvCxnSpPr>
-          <p:spPr>
-            <a:xfrm flipV="1">
-              <a:off x="1697603" y="3027172"/>
-              <a:ext cx="1" cy="567342"/>
-            </a:xfrm>
-            <a:prstGeom prst="line">
-              <a:avLst/>
-            </a:prstGeom>
-            <a:ln w="28575">
-              <a:solidFill>
-                <a:srgbClr val="C00000"/>
-              </a:solidFill>
-            </a:ln>
-          </p:spPr>
-          <p:style>
-            <a:lnRef idx="1">
-              <a:schemeClr val="accent1"/>
-            </a:lnRef>
-            <a:fillRef idx="0">
-              <a:schemeClr val="accent1"/>
-            </a:fillRef>
-            <a:effectRef idx="0">
-              <a:schemeClr val="accent1"/>
-            </a:effectRef>
-            <a:fontRef idx="minor">
-              <a:schemeClr val="tx1"/>
-            </a:fontRef>
-          </p:style>
-        </p:cxnSp>
-        <p:cxnSp>
-          <p:nvCxnSpPr>
-            <p:cNvPr id="38" name="Connecteur droit 37"/>
-            <p:cNvCxnSpPr/>
-            <p:nvPr/>
-          </p:nvCxnSpPr>
-          <p:spPr>
-            <a:xfrm flipH="1" flipV="1">
-              <a:off x="3131839" y="3010262"/>
-              <a:ext cx="1" cy="224212"/>
-            </a:xfrm>
-            <a:prstGeom prst="line">
-              <a:avLst/>
-            </a:prstGeom>
-            <a:ln w="28575">
-              <a:solidFill>
-                <a:srgbClr val="C00000"/>
-              </a:solidFill>
-            </a:ln>
-          </p:spPr>
-          <p:style>
-            <a:lnRef idx="1">
-              <a:schemeClr val="accent1"/>
-            </a:lnRef>
-            <a:fillRef idx="0">
-              <a:schemeClr val="accent1"/>
-            </a:fillRef>
-            <a:effectRef idx="0">
-              <a:schemeClr val="accent1"/>
-            </a:effectRef>
-            <a:fontRef idx="minor">
-              <a:schemeClr val="tx1"/>
-            </a:fontRef>
-          </p:style>
-        </p:cxnSp>
-        <p:cxnSp>
-          <p:nvCxnSpPr>
-            <p:cNvPr id="39" name="Connecteur droit 38"/>
-            <p:cNvCxnSpPr/>
-            <p:nvPr/>
-          </p:nvCxnSpPr>
-          <p:spPr>
-            <a:xfrm flipH="1" flipV="1">
-              <a:off x="3131838" y="3370302"/>
-              <a:ext cx="1" cy="224212"/>
-            </a:xfrm>
-            <a:prstGeom prst="line">
-              <a:avLst/>
-            </a:prstGeom>
-            <a:ln w="28575">
-              <a:solidFill>
-                <a:srgbClr val="C00000"/>
-              </a:solidFill>
-            </a:ln>
-          </p:spPr>
-          <p:style>
-            <a:lnRef idx="1">
-              <a:schemeClr val="accent1"/>
-            </a:lnRef>
-            <a:fillRef idx="0">
-              <a:schemeClr val="accent1"/>
-            </a:fillRef>
-            <a:effectRef idx="0">
-              <a:schemeClr val="accent1"/>
-            </a:effectRef>
-            <a:fontRef idx="minor">
-              <a:schemeClr val="tx1"/>
-            </a:fontRef>
-          </p:style>
-        </p:cxnSp>
-        <p:sp>
-          <p:nvSpPr>
-            <p:cNvPr id="40" name="ZoneTexte 39"/>
-            <p:cNvSpPr txBox="1"/>
-            <p:nvPr/>
-          </p:nvSpPr>
-          <p:spPr>
-            <a:xfrm>
-              <a:off x="1691126" y="3607520"/>
-              <a:ext cx="1440160" cy="276999"/>
-            </a:xfrm>
-            <a:prstGeom prst="rect">
-              <a:avLst/>
-            </a:prstGeom>
-            <a:noFill/>
-          </p:spPr>
-          <p:txBody>
-            <a:bodyPr wrap="square" rtlCol="0">
-              <a:spAutoFit/>
-            </a:bodyPr>
-            <a:lstStyle/>
-            <a:p>
-              <a:pPr algn="ctr"/>
-              <a:r>
-                <a:rPr lang="fr-FR" sz="1200" dirty="0" smtClean="0"/>
-                <a:t>Phase de fermeture</a:t>
-              </a:r>
-              <a:endParaRPr lang="fr-FR" sz="1200" dirty="0"/>
-            </a:p>
-          </p:txBody>
-        </p:sp>
-        <p:cxnSp>
-          <p:nvCxnSpPr>
-            <p:cNvPr id="41" name="Connecteur droit 40"/>
-            <p:cNvCxnSpPr/>
-            <p:nvPr/>
-          </p:nvCxnSpPr>
-          <p:spPr>
-            <a:xfrm flipH="1" flipV="1">
-              <a:off x="3851920" y="3306482"/>
-              <a:ext cx="423664" cy="0"/>
-            </a:xfrm>
-            <a:prstGeom prst="line">
-              <a:avLst/>
-            </a:prstGeom>
-            <a:ln w="28575" cmpd="dbl">
-              <a:solidFill>
-                <a:srgbClr val="00B050"/>
-              </a:solidFill>
-              <a:tailEnd type="stealth" w="med" len="lg"/>
-            </a:ln>
-          </p:spPr>
-          <p:style>
-            <a:lnRef idx="1">
-              <a:schemeClr val="accent1"/>
-            </a:lnRef>
-            <a:fillRef idx="0">
-              <a:schemeClr val="accent1"/>
-            </a:fillRef>
-            <a:effectRef idx="0">
-              <a:schemeClr val="accent1"/>
-            </a:effectRef>
-            <a:fontRef idx="minor">
-              <a:schemeClr val="tx1"/>
-            </a:fontRef>
-          </p:style>
-        </p:cxnSp>
-        <p:sp>
-          <p:nvSpPr>
-            <p:cNvPr id="42" name="ZoneTexte 41"/>
-            <p:cNvSpPr txBox="1"/>
-            <p:nvPr/>
-          </p:nvSpPr>
-          <p:spPr>
-            <a:xfrm>
-              <a:off x="3663793" y="2874434"/>
-              <a:ext cx="799918" cy="400110"/>
-            </a:xfrm>
-            <a:prstGeom prst="rect">
-              <a:avLst/>
-            </a:prstGeom>
-            <a:noFill/>
-          </p:spPr>
-          <p:txBody>
-            <a:bodyPr wrap="square" rtlCol="0">
-              <a:spAutoFit/>
-            </a:bodyPr>
-            <a:lstStyle/>
-            <a:p>
-              <a:pPr algn="ctr"/>
-              <a:r>
-                <a:rPr lang="fr-FR" sz="1000" dirty="0" smtClean="0"/>
-                <a:t>Action hayon</a:t>
-              </a:r>
-              <a:endParaRPr lang="fr-FR" sz="1000" dirty="0"/>
-            </a:p>
-          </p:txBody>
-        </p:sp>
-        <p:cxnSp>
-          <p:nvCxnSpPr>
-            <p:cNvPr id="43" name="Connecteur droit 42"/>
-            <p:cNvCxnSpPr/>
-            <p:nvPr/>
-          </p:nvCxnSpPr>
-          <p:spPr>
-            <a:xfrm flipH="1" flipV="1">
-              <a:off x="1907704" y="3306482"/>
-              <a:ext cx="423664" cy="0"/>
-            </a:xfrm>
-            <a:prstGeom prst="line">
-              <a:avLst/>
-            </a:prstGeom>
-            <a:ln w="28575" cmpd="dbl">
-              <a:solidFill>
-                <a:srgbClr val="00B050"/>
-              </a:solidFill>
-              <a:tailEnd type="stealth" w="med" len="lg"/>
-            </a:ln>
-          </p:spPr>
-          <p:style>
-            <a:lnRef idx="1">
-              <a:schemeClr val="accent1"/>
-            </a:lnRef>
-            <a:fillRef idx="0">
-              <a:schemeClr val="accent1"/>
-            </a:fillRef>
-            <a:effectRef idx="0">
-              <a:schemeClr val="accent1"/>
-            </a:effectRef>
-            <a:fontRef idx="minor">
-              <a:schemeClr val="tx1"/>
-            </a:fontRef>
-          </p:style>
-        </p:cxnSp>
-        <p:cxnSp>
-          <p:nvCxnSpPr>
-            <p:cNvPr id="45" name="Connecteur droit 44"/>
-            <p:cNvCxnSpPr/>
-            <p:nvPr/>
-          </p:nvCxnSpPr>
-          <p:spPr>
-            <a:xfrm flipV="1">
-              <a:off x="2555776" y="3259423"/>
-              <a:ext cx="423664" cy="0"/>
-            </a:xfrm>
-            <a:prstGeom prst="line">
-              <a:avLst/>
-            </a:prstGeom>
-            <a:ln w="28575" cmpd="dbl">
-              <a:solidFill>
-                <a:srgbClr val="C00000"/>
-              </a:solidFill>
-              <a:tailEnd type="stealth" w="med" len="lg"/>
-            </a:ln>
-          </p:spPr>
-          <p:style>
-            <a:lnRef idx="1">
-              <a:schemeClr val="accent1"/>
-            </a:lnRef>
-            <a:fillRef idx="0">
-              <a:schemeClr val="accent1"/>
-            </a:fillRef>
-            <a:effectRef idx="0">
-              <a:schemeClr val="accent1"/>
-            </a:effectRef>
-            <a:fontRef idx="minor">
-              <a:schemeClr val="tx1"/>
-            </a:fontRef>
-          </p:style>
-        </p:cxnSp>
-        <p:sp>
-          <p:nvSpPr>
-            <p:cNvPr id="46" name="ZoneTexte 45"/>
-            <p:cNvSpPr txBox="1"/>
-            <p:nvPr/>
-          </p:nvSpPr>
-          <p:spPr>
-            <a:xfrm>
-              <a:off x="2367649" y="2957872"/>
-              <a:ext cx="799918" cy="338554"/>
-            </a:xfrm>
-            <a:prstGeom prst="rect">
-              <a:avLst/>
-            </a:prstGeom>
-            <a:noFill/>
-          </p:spPr>
-          <p:txBody>
-            <a:bodyPr wrap="square" rtlCol="0">
-              <a:spAutoFit/>
-            </a:bodyPr>
-            <a:lstStyle/>
-            <a:p>
-              <a:pPr algn="ctr"/>
-              <a:r>
-                <a:rPr lang="fr-FR" sz="800" dirty="0" smtClean="0"/>
-                <a:t>Action frottement</a:t>
-              </a:r>
-              <a:endParaRPr lang="fr-FR" sz="800" dirty="0"/>
-            </a:p>
-          </p:txBody>
-        </p:sp>
-        <p:cxnSp>
-          <p:nvCxnSpPr>
-            <p:cNvPr id="47" name="Connecteur droit 46"/>
-            <p:cNvCxnSpPr/>
-            <p:nvPr/>
-          </p:nvCxnSpPr>
-          <p:spPr>
-            <a:xfrm flipV="1">
-              <a:off x="2555776" y="3363260"/>
-              <a:ext cx="423664" cy="0"/>
-            </a:xfrm>
-            <a:prstGeom prst="line">
-              <a:avLst/>
-            </a:prstGeom>
-            <a:ln w="28575" cmpd="dbl">
-              <a:solidFill>
-                <a:srgbClr val="C00000"/>
-              </a:solidFill>
-              <a:tailEnd type="stealth" w="med" len="lg"/>
-            </a:ln>
-          </p:spPr>
-          <p:style>
-            <a:lnRef idx="1">
-              <a:schemeClr val="accent1"/>
-            </a:lnRef>
-            <a:fillRef idx="0">
-              <a:schemeClr val="accent1"/>
-            </a:fillRef>
-            <a:effectRef idx="0">
-              <a:schemeClr val="accent1"/>
-            </a:effectRef>
-            <a:fontRef idx="minor">
-              <a:schemeClr val="tx1"/>
-            </a:fontRef>
-          </p:style>
-        </p:cxnSp>
-        <p:sp>
-          <p:nvSpPr>
-            <p:cNvPr id="48" name="ZoneTexte 47"/>
-            <p:cNvSpPr txBox="1"/>
-            <p:nvPr/>
-          </p:nvSpPr>
-          <p:spPr>
-            <a:xfrm>
-              <a:off x="2367649" y="3376089"/>
-              <a:ext cx="799918" cy="215444"/>
-            </a:xfrm>
-            <a:prstGeom prst="rect">
-              <a:avLst/>
-            </a:prstGeom>
-            <a:noFill/>
-          </p:spPr>
-          <p:txBody>
-            <a:bodyPr wrap="square" rtlCol="0">
-              <a:spAutoFit/>
-            </a:bodyPr>
-            <a:lstStyle/>
-            <a:p>
-              <a:pPr algn="ctr"/>
-              <a:r>
-                <a:rPr lang="fr-FR" sz="800" dirty="0" smtClean="0"/>
-                <a:t>Action ressort</a:t>
-              </a:r>
-              <a:endParaRPr lang="fr-FR" sz="800" dirty="0"/>
-            </a:p>
-          </p:txBody>
-        </p:sp>
-      </p:grpSp>
-    </p:spTree>
-    <p:extLst>
-      <p:ext uri="{BB962C8B-B14F-4D97-AF65-F5344CB8AC3E}">
-        <p14:creationId xmlns:p14="http://schemas.microsoft.com/office/powerpoint/2010/main" val="3943136678"/>
       </p:ext>
     </p:extLst>
   </p:cSld>

--- a/Centrale_2018/images/Figures.pptx
+++ b/Centrale_2018/images/Figures.pptx
@@ -5,22 +5,23 @@
     <p:sldMasterId id="2147483648" r:id="rId1"/>
   </p:sldMasterIdLst>
   <p:sldIdLst>
-    <p:sldId id="269" r:id="rId2"/>
-    <p:sldId id="270" r:id="rId3"/>
-    <p:sldId id="271" r:id="rId4"/>
-    <p:sldId id="272" r:id="rId5"/>
-    <p:sldId id="263" r:id="rId6"/>
-    <p:sldId id="268" r:id="rId7"/>
-    <p:sldId id="264" r:id="rId8"/>
-    <p:sldId id="256" r:id="rId9"/>
-    <p:sldId id="267" r:id="rId10"/>
-    <p:sldId id="266" r:id="rId11"/>
-    <p:sldId id="265" r:id="rId12"/>
-    <p:sldId id="257" r:id="rId13"/>
-    <p:sldId id="261" r:id="rId14"/>
-    <p:sldId id="262" r:id="rId15"/>
-    <p:sldId id="259" r:id="rId16"/>
-    <p:sldId id="258" r:id="rId17"/>
+    <p:sldId id="273" r:id="rId2"/>
+    <p:sldId id="269" r:id="rId3"/>
+    <p:sldId id="270" r:id="rId4"/>
+    <p:sldId id="271" r:id="rId5"/>
+    <p:sldId id="272" r:id="rId6"/>
+    <p:sldId id="263" r:id="rId7"/>
+    <p:sldId id="268" r:id="rId8"/>
+    <p:sldId id="264" r:id="rId9"/>
+    <p:sldId id="256" r:id="rId10"/>
+    <p:sldId id="267" r:id="rId11"/>
+    <p:sldId id="266" r:id="rId12"/>
+    <p:sldId id="265" r:id="rId13"/>
+    <p:sldId id="257" r:id="rId14"/>
+    <p:sldId id="261" r:id="rId15"/>
+    <p:sldId id="262" r:id="rId16"/>
+    <p:sldId id="259" r:id="rId17"/>
+    <p:sldId id="258" r:id="rId18"/>
   </p:sldIdLst>
   <p:sldSz cx="9144000" cy="6858000" type="screen4x3"/>
   <p:notesSz cx="6858000" cy="9144000"/>
@@ -3050,9 +3051,111 @@
           <a:chExt cx="0" cy="0"/>
         </a:xfrm>
       </p:grpSpPr>
+      <p:cxnSp>
+        <p:nvCxnSpPr>
+          <p:cNvPr id="5" name="Connecteur droit avec flèche 4"/>
+          <p:cNvCxnSpPr/>
+          <p:nvPr/>
+        </p:nvCxnSpPr>
+        <p:spPr>
+          <a:xfrm flipV="1">
+            <a:off x="4572000" y="1988840"/>
+            <a:ext cx="0" cy="1512168"/>
+          </a:xfrm>
+          <a:prstGeom prst="straightConnector1">
+            <a:avLst/>
+          </a:prstGeom>
+          <a:ln w="28575">
+            <a:solidFill>
+              <a:schemeClr val="tx1"/>
+            </a:solidFill>
+            <a:tailEnd type="stealth" w="med" len="lg"/>
+          </a:ln>
+        </p:spPr>
+        <p:style>
+          <a:lnRef idx="1">
+            <a:schemeClr val="accent1"/>
+          </a:lnRef>
+          <a:fillRef idx="0">
+            <a:schemeClr val="accent1"/>
+          </a:fillRef>
+          <a:effectRef idx="0">
+            <a:schemeClr val="accent1"/>
+          </a:effectRef>
+          <a:fontRef idx="minor">
+            <a:schemeClr val="tx1"/>
+          </a:fontRef>
+        </p:style>
+      </p:cxnSp>
+      <p:cxnSp>
+        <p:nvCxnSpPr>
+          <p:cNvPr id="6" name="Connecteur droit avec flèche 5"/>
+          <p:cNvCxnSpPr/>
+          <p:nvPr/>
+        </p:nvCxnSpPr>
+        <p:spPr>
+          <a:xfrm>
+            <a:off x="4499992" y="3429000"/>
+            <a:ext cx="2232248" cy="0"/>
+          </a:xfrm>
+          <a:prstGeom prst="straightConnector1">
+            <a:avLst/>
+          </a:prstGeom>
+          <a:ln w="28575">
+            <a:solidFill>
+              <a:schemeClr val="tx1"/>
+            </a:solidFill>
+            <a:tailEnd type="stealth" w="med" len="lg"/>
+          </a:ln>
+        </p:spPr>
+        <p:style>
+          <a:lnRef idx="1">
+            <a:schemeClr val="accent1"/>
+          </a:lnRef>
+          <a:fillRef idx="0">
+            <a:schemeClr val="accent1"/>
+          </a:fillRef>
+          <a:effectRef idx="0">
+            <a:schemeClr val="accent1"/>
+          </a:effectRef>
+          <a:fontRef idx="minor">
+            <a:schemeClr val="tx1"/>
+          </a:fontRef>
+        </p:style>
+      </p:cxnSp>
+    </p:spTree>
+    <p:extLst>
+      <p:ext uri="{BB962C8B-B14F-4D97-AF65-F5344CB8AC3E}">
+        <p14:creationId xmlns:p14="http://schemas.microsoft.com/office/powerpoint/2010/main" val="2455271169"/>
+      </p:ext>
+    </p:extLst>
+  </p:cSld>
+  <p:clrMapOvr>
+    <a:masterClrMapping/>
+  </p:clrMapOvr>
+</p:sld>
+</file>
+
+<file path=ppt/slides/slide10.xml><?xml version="1.0" encoding="utf-8"?>
+<p:sld xmlns:a="http://schemas.openxmlformats.org/drawingml/2006/main" xmlns:r="http://schemas.openxmlformats.org/officeDocument/2006/relationships" xmlns:p="http://schemas.openxmlformats.org/presentationml/2006/main">
+  <p:cSld>
+    <p:spTree>
+      <p:nvGrpSpPr>
+        <p:cNvPr id="1" name=""/>
+        <p:cNvGrpSpPr/>
+        <p:nvPr/>
+      </p:nvGrpSpPr>
+      <p:grpSpPr>
+        <a:xfrm>
+          <a:off x="0" y="0"/>
+          <a:ext cx="0" cy="0"/>
+          <a:chOff x="0" y="0"/>
+          <a:chExt cx="0" cy="0"/>
+        </a:xfrm>
+      </p:grpSpPr>
       <p:pic>
         <p:nvPicPr>
-          <p:cNvPr id="1026" name="Picture 2"/>
+          <p:cNvPr id="1026" name="Picture 2" descr="C:\Enseignement\GitHub\Cy_04_PSI_ModelisationDynamique\Revisions_Statique\Fiche_01_Statique_2D_TD_01_Hayon\images\fig_03.png"/>
           <p:cNvPicPr>
             <a:picLocks noChangeAspect="1" noChangeArrowheads="1"/>
           </p:cNvPicPr>
@@ -3073,167 +3176,56 @@
         </p:blipFill>
         <p:spPr bwMode="auto">
           <a:xfrm>
-            <a:off x="4972628" y="170233"/>
-            <a:ext cx="3750174" cy="2967632"/>
+            <a:off x="1325563" y="1795463"/>
+            <a:ext cx="7200900" cy="5191125"/>
           </a:xfrm>
           <a:prstGeom prst="rect">
             <a:avLst/>
           </a:prstGeom>
           <a:noFill/>
-          <a:ln>
-            <a:noFill/>
-          </a:ln>
           <a:extLst>
             <a:ext uri="{909E8E84-426E-40DD-AFC4-6F175D3DCCD1}">
               <a14:hiddenFill xmlns:a14="http://schemas.microsoft.com/office/drawing/2010/main">
                 <a:solidFill>
-                  <a:schemeClr val="accent1"/>
+                  <a:srgbClr val="FFFFFF"/>
                 </a:solidFill>
               </a14:hiddenFill>
-            </a:ext>
-            <a:ext uri="{91240B29-F687-4F45-9708-019B960494DF}">
-              <a14:hiddenLine xmlns:a14="http://schemas.microsoft.com/office/drawing/2010/main" w="9525">
-                <a:solidFill>
-                  <a:schemeClr val="tx1"/>
-                </a:solidFill>
-                <a:miter lim="800000"/>
-                <a:headEnd/>
-                <a:tailEnd/>
-              </a14:hiddenLine>
             </a:ext>
           </a:extLst>
         </p:spPr>
       </p:pic>
       <p:sp>
         <p:nvSpPr>
-          <p:cNvPr id="5" name="Ellipse 4"/>
+          <p:cNvPr id="4" name="Forme libre 3"/>
           <p:cNvSpPr/>
           <p:nvPr/>
         </p:nvSpPr>
         <p:spPr>
           <a:xfrm>
-            <a:off x="1763688" y="1185806"/>
-            <a:ext cx="288032" cy="288032"/>
-          </a:xfrm>
-          <a:prstGeom prst="ellipse">
-            <a:avLst/>
-          </a:prstGeom>
-          <a:solidFill>
-            <a:schemeClr val="accent4">
-              <a:lumMod val="20000"/>
-              <a:lumOff val="80000"/>
-            </a:schemeClr>
-          </a:solidFill>
-          <a:ln w="19050">
-            <a:solidFill>
-              <a:schemeClr val="accent4"/>
-            </a:solidFill>
-          </a:ln>
-        </p:spPr>
-        <p:style>
-          <a:lnRef idx="2">
-            <a:schemeClr val="accent1">
-              <a:shade val="50000"/>
-            </a:schemeClr>
-          </a:lnRef>
-          <a:fillRef idx="1">
-            <a:schemeClr val="accent1"/>
-          </a:fillRef>
-          <a:effectRef idx="0">
-            <a:schemeClr val="accent1"/>
-          </a:effectRef>
-          <a:fontRef idx="minor">
-            <a:schemeClr val="lt1"/>
-          </a:fontRef>
-        </p:style>
-        <p:txBody>
-          <a:bodyPr rtlCol="0" anchor="ctr"/>
-          <a:lstStyle/>
-          <a:p>
-            <a:pPr algn="ctr"/>
-            <a:r>
-              <a:rPr lang="fr-FR" sz="1400" b="1" dirty="0" smtClean="0">
-                <a:solidFill>
-                  <a:schemeClr val="accent4"/>
-                </a:solidFill>
-              </a:rPr>
-              <a:t>1</a:t>
-            </a:r>
-            <a:endParaRPr lang="fr-FR" sz="1400" b="1" dirty="0">
-              <a:solidFill>
-                <a:schemeClr val="accent4"/>
-              </a:solidFill>
-            </a:endParaRPr>
-          </a:p>
-        </p:txBody>
-      </p:sp>
-      <p:cxnSp>
-        <p:nvCxnSpPr>
-          <p:cNvPr id="12" name="Connecteur droit 11"/>
-          <p:cNvCxnSpPr/>
-          <p:nvPr/>
-        </p:nvCxnSpPr>
-        <p:spPr>
-          <a:xfrm flipH="1">
-            <a:off x="2051720" y="1329822"/>
-            <a:ext cx="576064" cy="0"/>
-          </a:xfrm>
-          <a:prstGeom prst="line">
-            <a:avLst/>
-          </a:prstGeom>
-          <a:ln w="19050">
-            <a:solidFill>
-              <a:schemeClr val="tx1"/>
-            </a:solidFill>
-          </a:ln>
-        </p:spPr>
-        <p:style>
-          <a:lnRef idx="1">
-            <a:schemeClr val="accent1"/>
-          </a:lnRef>
-          <a:fillRef idx="0">
-            <a:schemeClr val="accent1"/>
-          </a:fillRef>
-          <a:effectRef idx="0">
-            <a:schemeClr val="accent1"/>
-          </a:effectRef>
-          <a:fontRef idx="minor">
-            <a:schemeClr val="tx1"/>
-          </a:fontRef>
-        </p:style>
-      </p:cxnSp>
-      <p:sp>
-        <p:nvSpPr>
-          <p:cNvPr id="14" name="Forme libre 13"/>
-          <p:cNvSpPr/>
-          <p:nvPr/>
-        </p:nvSpPr>
-        <p:spPr>
-          <a:xfrm>
-            <a:off x="2045375" y="1135808"/>
-            <a:ext cx="576064" cy="99996"/>
+            <a:off x="3096883" y="2251494"/>
+            <a:ext cx="4684143" cy="3183148"/>
           </a:xfrm>
           <a:custGeom>
             <a:avLst/>
             <a:gdLst>
-              <a:gd name="connsiteX0" fmla="*/ 0 w 596900"/>
-              <a:gd name="connsiteY0" fmla="*/ 209768 h 209768"/>
-              <a:gd name="connsiteX1" fmla="*/ 317500 w 596900"/>
-              <a:gd name="connsiteY1" fmla="*/ 218 h 209768"/>
-              <a:gd name="connsiteX2" fmla="*/ 596900 w 596900"/>
-              <a:gd name="connsiteY2" fmla="*/ 178018 h 209768"/>
-              <a:gd name="connsiteX0" fmla="*/ 0 w 660400"/>
-              <a:gd name="connsiteY0" fmla="*/ 210341 h 280191"/>
-              <a:gd name="connsiteX1" fmla="*/ 317500 w 660400"/>
-              <a:gd name="connsiteY1" fmla="*/ 791 h 280191"/>
-              <a:gd name="connsiteX2" fmla="*/ 660400 w 660400"/>
-              <a:gd name="connsiteY2" fmla="*/ 280191 h 280191"/>
-              <a:gd name="connsiteX0" fmla="*/ 0 w 736600"/>
-              <a:gd name="connsiteY0" fmla="*/ 273055 h 279405"/>
-              <a:gd name="connsiteX1" fmla="*/ 393700 w 736600"/>
-              <a:gd name="connsiteY1" fmla="*/ 5 h 279405"/>
-              <a:gd name="connsiteX2" fmla="*/ 736600 w 736600"/>
-              <a:gd name="connsiteY2" fmla="*/ 279405 h 279405"/>
+              <a:gd name="connsiteX0" fmla="*/ 0 w 4684143"/>
+              <a:gd name="connsiteY0" fmla="*/ 0 h 3183148"/>
+              <a:gd name="connsiteX1" fmla="*/ 4684143 w 4684143"/>
+              <a:gd name="connsiteY1" fmla="*/ 3183148 h 3183148"/>
+              <a:gd name="connsiteX2" fmla="*/ 4684143 w 4684143"/>
+              <a:gd name="connsiteY2" fmla="*/ 3183148 h 3183148"/>
+              <a:gd name="connsiteX0" fmla="*/ 0 w 4684143"/>
+              <a:gd name="connsiteY0" fmla="*/ 0 h 3183148"/>
+              <a:gd name="connsiteX1" fmla="*/ 4684143 w 4684143"/>
+              <a:gd name="connsiteY1" fmla="*/ 3183148 h 3183148"/>
+              <a:gd name="connsiteX2" fmla="*/ 4684143 w 4684143"/>
+              <a:gd name="connsiteY2" fmla="*/ 3183148 h 3183148"/>
+              <a:gd name="connsiteX0" fmla="*/ 0 w 4684143"/>
+              <a:gd name="connsiteY0" fmla="*/ 0 h 3183148"/>
+              <a:gd name="connsiteX1" fmla="*/ 4684143 w 4684143"/>
+              <a:gd name="connsiteY1" fmla="*/ 3183148 h 3183148"/>
+              <a:gd name="connsiteX2" fmla="*/ 4684143 w 4684143"/>
+              <a:gd name="connsiteY2" fmla="*/ 3183148 h 3183148"/>
             </a:gdLst>
             <a:ahLst/>
             <a:cxnLst>
@@ -3249,29 +3241,26 @@
             </a:cxnLst>
             <a:rect l="l" t="t" r="r" b="b"/>
             <a:pathLst>
-              <a:path w="736600" h="279405">
+              <a:path w="4684143" h="3183148">
                 <a:moveTo>
-                  <a:pt x="0" y="273055"/>
+                  <a:pt x="0" y="0"/>
                 </a:moveTo>
                 <a:cubicBezTo>
-                  <a:pt x="109008" y="170926"/>
-                  <a:pt x="270933" y="-1053"/>
-                  <a:pt x="393700" y="5"/>
+                  <a:pt x="370935" y="1647646"/>
+                  <a:pt x="34505" y="2622431"/>
+                  <a:pt x="4684143" y="3183148"/>
                 </a:cubicBezTo>
-                <a:cubicBezTo>
-                  <a:pt x="516467" y="1063"/>
-                  <a:pt x="646641" y="187859"/>
-                  <a:pt x="736600" y="279405"/>
-                </a:cubicBezTo>
+                <a:lnTo>
+                  <a:pt x="4684143" y="3183148"/>
+                </a:lnTo>
               </a:path>
             </a:pathLst>
           </a:custGeom>
           <a:noFill/>
           <a:ln>
             <a:solidFill>
-              <a:srgbClr val="C00000"/>
+              <a:srgbClr val="00B050"/>
             </a:solidFill>
-            <a:headEnd type="stealth" w="med" len="lg"/>
             <a:tailEnd type="stealth" w="med" len="lg"/>
           </a:ln>
         </p:spPr>
@@ -3302,36 +3291,36 @@
       </p:sp>
       <p:sp>
         <p:nvSpPr>
-          <p:cNvPr id="15" name="Forme libre 14"/>
+          <p:cNvPr id="6" name="Forme libre 5"/>
           <p:cNvSpPr/>
           <p:nvPr/>
         </p:nvSpPr>
         <p:spPr>
-          <a:xfrm rot="8127519">
-            <a:off x="1265312" y="2363461"/>
-            <a:ext cx="700130" cy="122095"/>
+          <a:xfrm>
+            <a:off x="3046563" y="3043082"/>
+            <a:ext cx="4684143" cy="3183148"/>
           </a:xfrm>
           <a:custGeom>
             <a:avLst/>
             <a:gdLst>
-              <a:gd name="connsiteX0" fmla="*/ 0 w 596900"/>
-              <a:gd name="connsiteY0" fmla="*/ 209768 h 209768"/>
-              <a:gd name="connsiteX1" fmla="*/ 317500 w 596900"/>
-              <a:gd name="connsiteY1" fmla="*/ 218 h 209768"/>
-              <a:gd name="connsiteX2" fmla="*/ 596900 w 596900"/>
-              <a:gd name="connsiteY2" fmla="*/ 178018 h 209768"/>
-              <a:gd name="connsiteX0" fmla="*/ 0 w 660400"/>
-              <a:gd name="connsiteY0" fmla="*/ 210341 h 280191"/>
-              <a:gd name="connsiteX1" fmla="*/ 317500 w 660400"/>
-              <a:gd name="connsiteY1" fmla="*/ 791 h 280191"/>
-              <a:gd name="connsiteX2" fmla="*/ 660400 w 660400"/>
-              <a:gd name="connsiteY2" fmla="*/ 280191 h 280191"/>
-              <a:gd name="connsiteX0" fmla="*/ 0 w 736600"/>
-              <a:gd name="connsiteY0" fmla="*/ 273055 h 279405"/>
-              <a:gd name="connsiteX1" fmla="*/ 393700 w 736600"/>
-              <a:gd name="connsiteY1" fmla="*/ 5 h 279405"/>
-              <a:gd name="connsiteX2" fmla="*/ 736600 w 736600"/>
-              <a:gd name="connsiteY2" fmla="*/ 279405 h 279405"/>
+              <a:gd name="connsiteX0" fmla="*/ 0 w 4684143"/>
+              <a:gd name="connsiteY0" fmla="*/ 0 h 3183148"/>
+              <a:gd name="connsiteX1" fmla="*/ 4684143 w 4684143"/>
+              <a:gd name="connsiteY1" fmla="*/ 3183148 h 3183148"/>
+              <a:gd name="connsiteX2" fmla="*/ 4684143 w 4684143"/>
+              <a:gd name="connsiteY2" fmla="*/ 3183148 h 3183148"/>
+              <a:gd name="connsiteX0" fmla="*/ 0 w 4684143"/>
+              <a:gd name="connsiteY0" fmla="*/ 0 h 3183148"/>
+              <a:gd name="connsiteX1" fmla="*/ 4684143 w 4684143"/>
+              <a:gd name="connsiteY1" fmla="*/ 3183148 h 3183148"/>
+              <a:gd name="connsiteX2" fmla="*/ 4684143 w 4684143"/>
+              <a:gd name="connsiteY2" fmla="*/ 3183148 h 3183148"/>
+              <a:gd name="connsiteX0" fmla="*/ 0 w 4684143"/>
+              <a:gd name="connsiteY0" fmla="*/ 0 h 3183148"/>
+              <a:gd name="connsiteX1" fmla="*/ 4684143 w 4684143"/>
+              <a:gd name="connsiteY1" fmla="*/ 3183148 h 3183148"/>
+              <a:gd name="connsiteX2" fmla="*/ 4684143 w 4684143"/>
+              <a:gd name="connsiteY2" fmla="*/ 3183148 h 3183148"/>
             </a:gdLst>
             <a:ahLst/>
             <a:cxnLst>
@@ -3347,2280 +3336,28 @@
             </a:cxnLst>
             <a:rect l="l" t="t" r="r" b="b"/>
             <a:pathLst>
-              <a:path w="736600" h="279405">
+              <a:path w="4684143" h="3183148">
                 <a:moveTo>
-                  <a:pt x="0" y="273055"/>
+                  <a:pt x="0" y="0"/>
                 </a:moveTo>
                 <a:cubicBezTo>
-                  <a:pt x="109008" y="170926"/>
-                  <a:pt x="270933" y="-1053"/>
-                  <a:pt x="393700" y="5"/>
+                  <a:pt x="370935" y="1647646"/>
+                  <a:pt x="34505" y="2622431"/>
+                  <a:pt x="4684143" y="3183148"/>
                 </a:cubicBezTo>
-                <a:cubicBezTo>
-                  <a:pt x="516467" y="1063"/>
-                  <a:pt x="646641" y="187859"/>
-                  <a:pt x="736600" y="279405"/>
-                </a:cubicBezTo>
+                <a:lnTo>
+                  <a:pt x="4684143" y="3183148"/>
+                </a:lnTo>
               </a:path>
             </a:pathLst>
           </a:custGeom>
           <a:noFill/>
           <a:ln>
             <a:solidFill>
-              <a:srgbClr val="C00000"/>
+              <a:schemeClr val="accent4"/>
             </a:solidFill>
             <a:headEnd type="stealth" w="med" len="lg"/>
-            <a:tailEnd type="stealth" w="med" len="lg"/>
-          </a:ln>
-        </p:spPr>
-        <p:style>
-          <a:lnRef idx="2">
-            <a:schemeClr val="accent1">
-              <a:shade val="50000"/>
-            </a:schemeClr>
-          </a:lnRef>
-          <a:fillRef idx="1">
-            <a:schemeClr val="accent1"/>
-          </a:fillRef>
-          <a:effectRef idx="0">
-            <a:schemeClr val="accent1"/>
-          </a:effectRef>
-          <a:fontRef idx="minor">
-            <a:schemeClr val="lt1"/>
-          </a:fontRef>
-        </p:style>
-        <p:txBody>
-          <a:bodyPr rtlCol="0" anchor="ctr"/>
-          <a:lstStyle/>
-          <a:p>
-            <a:pPr algn="ctr"/>
-            <a:endParaRPr lang="fr-FR"/>
-          </a:p>
-        </p:txBody>
-      </p:sp>
-      <mc:AlternateContent xmlns:mc="http://schemas.openxmlformats.org/markup-compatibility/2006" xmlns:a14="http://schemas.microsoft.com/office/drawing/2010/main">
-        <mc:Choice Requires="a14">
-          <p:sp>
-            <p:nvSpPr>
-              <p:cNvPr id="21" name="ZoneTexte 20"/>
-              <p:cNvSpPr txBox="1"/>
-              <p:nvPr/>
-            </p:nvSpPr>
-            <p:spPr>
-              <a:xfrm>
-                <a:off x="559116" y="1614830"/>
-                <a:ext cx="968983" cy="261610"/>
-              </a:xfrm>
-              <a:prstGeom prst="rect">
-                <a:avLst/>
-              </a:prstGeom>
-              <a:noFill/>
-            </p:spPr>
-            <p:txBody>
-              <a:bodyPr wrap="none" rtlCol="0">
-                <a:spAutoFit/>
-              </a:bodyPr>
-              <a:lstStyle/>
-              <a:p>
-                <a:r>
-                  <a:rPr lang="fr-FR" sz="1100" b="0" dirty="0" smtClean="0"/>
-                  <a:t>Pivot </a:t>
-                </a:r>
-                <a14:m>
-                  <m:oMath xmlns:m="http://schemas.openxmlformats.org/officeDocument/2006/math">
-                    <m:d>
-                      <m:dPr>
-                        <m:ctrlPr>
-                          <a:rPr lang="fr-FR" sz="1100" b="0" i="1" smtClean="0">
-                            <a:latin typeface="Cambria Math"/>
-                          </a:rPr>
-                        </m:ctrlPr>
-                      </m:dPr>
-                      <m:e>
-                        <m:sSub>
-                          <m:sSubPr>
-                            <m:ctrlPr>
-                              <a:rPr lang="fr-FR" sz="1100" b="0" i="1" smtClean="0">
-                                <a:latin typeface="Cambria Math"/>
-                              </a:rPr>
-                            </m:ctrlPr>
-                          </m:sSubPr>
-                          <m:e>
-                            <m:r>
-                              <a:rPr lang="fr-FR" sz="1100" b="0" i="1" smtClean="0">
-                                <a:latin typeface="Cambria Math"/>
-                              </a:rPr>
-                              <m:t>𝑂</m:t>
-                            </m:r>
-                          </m:e>
-                          <m:sub>
-                            <m:r>
-                              <a:rPr lang="fr-FR" sz="1100" b="0" i="1" smtClean="0">
-                                <a:latin typeface="Cambria Math"/>
-                              </a:rPr>
-                              <m:t>0</m:t>
-                            </m:r>
-                          </m:sub>
-                        </m:sSub>
-                        <m:r>
-                          <a:rPr lang="fr-FR" sz="1100" b="0" i="1" smtClean="0">
-                            <a:latin typeface="Cambria Math"/>
-                          </a:rPr>
-                          <m:t>,</m:t>
-                        </m:r>
-                        <m:acc>
-                          <m:accPr>
-                            <m:chr m:val="⃗"/>
-                            <m:ctrlPr>
-                              <a:rPr lang="fr-FR" sz="1100" b="0" i="1" smtClean="0">
-                                <a:latin typeface="Cambria Math"/>
-                              </a:rPr>
-                            </m:ctrlPr>
-                          </m:accPr>
-                          <m:e>
-                            <m:sSub>
-                              <m:sSubPr>
-                                <m:ctrlPr>
-                                  <a:rPr lang="fr-FR" sz="1100" b="0" i="1" smtClean="0">
-                                    <a:latin typeface="Cambria Math"/>
-                                  </a:rPr>
-                                </m:ctrlPr>
-                              </m:sSubPr>
-                              <m:e>
-                                <m:r>
-                                  <a:rPr lang="fr-FR" sz="1100" b="0" i="1" smtClean="0">
-                                    <a:latin typeface="Cambria Math"/>
-                                  </a:rPr>
-                                  <m:t>𝑥</m:t>
-                                </m:r>
-                              </m:e>
-                              <m:sub>
-                                <m:r>
-                                  <a:rPr lang="fr-FR" sz="1100" b="0" i="1" smtClean="0">
-                                    <a:latin typeface="Cambria Math"/>
-                                  </a:rPr>
-                                  <m:t>0</m:t>
-                                </m:r>
-                              </m:sub>
-                            </m:sSub>
-                          </m:e>
-                        </m:acc>
-                      </m:e>
-                    </m:d>
-                  </m:oMath>
-                </a14:m>
-                <a:endParaRPr lang="fr-FR" sz="1100" dirty="0"/>
-              </a:p>
-            </p:txBody>
-          </p:sp>
-        </mc:Choice>
-        <mc:Fallback xmlns="">
-          <p:sp>
-            <p:nvSpPr>
-              <p:cNvPr id="21" name="ZoneTexte 20"/>
-              <p:cNvSpPr txBox="1">
-                <a:spLocks noRot="1" noChangeAspect="1" noMove="1" noResize="1" noEditPoints="1" noAdjustHandles="1" noChangeArrowheads="1" noChangeShapeType="1" noTextEdit="1"/>
-              </p:cNvSpPr>
-              <p:nvPr/>
-            </p:nvSpPr>
-            <p:spPr>
-              <a:xfrm>
-                <a:off x="559116" y="1614830"/>
-                <a:ext cx="968983" cy="261610"/>
-              </a:xfrm>
-              <a:prstGeom prst="rect">
-                <a:avLst/>
-              </a:prstGeom>
-              <a:blipFill rotWithShape="1">
-                <a:blip r:embed="rId3"/>
-                <a:stretch>
-                  <a:fillRect b="-16279"/>
-                </a:stretch>
-              </a:blipFill>
-            </p:spPr>
-            <p:txBody>
-              <a:bodyPr/>
-              <a:lstStyle/>
-              <a:p>
-                <a:r>
-                  <a:rPr lang="fr-FR">
-                    <a:noFill/>
-                  </a:rPr>
-                  <a:t> </a:t>
-                </a:r>
-              </a:p>
-            </p:txBody>
-          </p:sp>
-        </mc:Fallback>
-      </mc:AlternateContent>
-      <p:sp>
-        <p:nvSpPr>
-          <p:cNvPr id="9" name="Ellipse 8"/>
-          <p:cNvSpPr/>
-          <p:nvPr/>
-        </p:nvSpPr>
-        <p:spPr>
-          <a:xfrm>
-            <a:off x="899592" y="1185806"/>
-            <a:ext cx="288032" cy="288032"/>
-          </a:xfrm>
-          <a:prstGeom prst="ellipse">
-            <a:avLst/>
-          </a:prstGeom>
-          <a:solidFill>
-            <a:schemeClr val="bg1">
-              <a:lumMod val="85000"/>
-            </a:schemeClr>
-          </a:solidFill>
-          <a:ln w="19050">
-            <a:solidFill>
-              <a:schemeClr val="tx1"/>
-            </a:solidFill>
-          </a:ln>
-        </p:spPr>
-        <p:style>
-          <a:lnRef idx="2">
-            <a:schemeClr val="accent1">
-              <a:shade val="50000"/>
-            </a:schemeClr>
-          </a:lnRef>
-          <a:fillRef idx="1">
-            <a:schemeClr val="accent1"/>
-          </a:fillRef>
-          <a:effectRef idx="0">
-            <a:schemeClr val="accent1"/>
-          </a:effectRef>
-          <a:fontRef idx="minor">
-            <a:schemeClr val="lt1"/>
-          </a:fontRef>
-        </p:style>
-        <p:txBody>
-          <a:bodyPr rtlCol="0" anchor="ctr"/>
-          <a:lstStyle/>
-          <a:p>
-            <a:pPr algn="ctr"/>
-            <a:r>
-              <a:rPr lang="fr-FR" sz="1400" b="1" dirty="0" smtClean="0">
-                <a:solidFill>
-                  <a:sysClr val="windowText" lastClr="000000"/>
-                </a:solidFill>
-              </a:rPr>
-              <a:t>0</a:t>
-            </a:r>
-            <a:endParaRPr lang="fr-FR" sz="1400" b="1" dirty="0">
-              <a:solidFill>
-                <a:sysClr val="windowText" lastClr="000000"/>
-              </a:solidFill>
-            </a:endParaRPr>
-          </a:p>
-        </p:txBody>
-      </p:sp>
-      <p:grpSp>
-        <p:nvGrpSpPr>
-          <p:cNvPr id="1045" name="Groupe 1044"/>
-          <p:cNvGrpSpPr/>
-          <p:nvPr/>
-        </p:nvGrpSpPr>
-        <p:grpSpPr>
-          <a:xfrm rot="5400000">
-            <a:off x="603778" y="1172781"/>
-            <a:ext cx="296416" cy="295212"/>
-            <a:chOff x="899592" y="1473838"/>
-            <a:chExt cx="296416" cy="295212"/>
-          </a:xfrm>
-        </p:grpSpPr>
-        <p:sp>
-          <p:nvSpPr>
-            <p:cNvPr id="1027" name="Forme libre 1026"/>
-            <p:cNvSpPr/>
-            <p:nvPr/>
-          </p:nvSpPr>
-          <p:spPr>
-            <a:xfrm>
-              <a:off x="899592" y="1630392"/>
-              <a:ext cx="284672" cy="138658"/>
-            </a:xfrm>
-            <a:custGeom>
-              <a:avLst/>
-              <a:gdLst>
-                <a:gd name="connsiteX0" fmla="*/ 0 w 284672"/>
-                <a:gd name="connsiteY0" fmla="*/ 0 h 138658"/>
-                <a:gd name="connsiteX1" fmla="*/ 60385 w 284672"/>
-                <a:gd name="connsiteY1" fmla="*/ 112144 h 138658"/>
-                <a:gd name="connsiteX2" fmla="*/ 138023 w 284672"/>
-                <a:gd name="connsiteY2" fmla="*/ 60385 h 138658"/>
-                <a:gd name="connsiteX3" fmla="*/ 207034 w 284672"/>
-                <a:gd name="connsiteY3" fmla="*/ 138023 h 138658"/>
-                <a:gd name="connsiteX4" fmla="*/ 284672 w 284672"/>
-                <a:gd name="connsiteY4" fmla="*/ 8627 h 138658"/>
-              </a:gdLst>
-              <a:ahLst/>
-              <a:cxnLst>
-                <a:cxn ang="0">
-                  <a:pos x="connsiteX0" y="connsiteY0"/>
-                </a:cxn>
-                <a:cxn ang="0">
-                  <a:pos x="connsiteX1" y="connsiteY1"/>
-                </a:cxn>
-                <a:cxn ang="0">
-                  <a:pos x="connsiteX2" y="connsiteY2"/>
-                </a:cxn>
-                <a:cxn ang="0">
-                  <a:pos x="connsiteX3" y="connsiteY3"/>
-                </a:cxn>
-                <a:cxn ang="0">
-                  <a:pos x="connsiteX4" y="connsiteY4"/>
-                </a:cxn>
-              </a:cxnLst>
-              <a:rect l="l" t="t" r="r" b="b"/>
-              <a:pathLst>
-                <a:path w="284672" h="138658">
-                  <a:moveTo>
-                    <a:pt x="0" y="0"/>
-                  </a:moveTo>
-                  <a:cubicBezTo>
-                    <a:pt x="18690" y="51040"/>
-                    <a:pt x="37381" y="102080"/>
-                    <a:pt x="60385" y="112144"/>
-                  </a:cubicBezTo>
-                  <a:cubicBezTo>
-                    <a:pt x="83389" y="122208"/>
-                    <a:pt x="113582" y="56072"/>
-                    <a:pt x="138023" y="60385"/>
-                  </a:cubicBezTo>
-                  <a:cubicBezTo>
-                    <a:pt x="162464" y="64698"/>
-                    <a:pt x="182593" y="146649"/>
-                    <a:pt x="207034" y="138023"/>
-                  </a:cubicBezTo>
-                  <a:cubicBezTo>
-                    <a:pt x="231475" y="129397"/>
-                    <a:pt x="258073" y="69012"/>
-                    <a:pt x="284672" y="8627"/>
-                  </a:cubicBezTo>
-                </a:path>
-              </a:pathLst>
-            </a:custGeom>
-            <a:solidFill>
-              <a:schemeClr val="bg1">
-                <a:lumMod val="85000"/>
-              </a:schemeClr>
-            </a:solidFill>
-            <a:ln w="12700">
-              <a:solidFill>
-                <a:schemeClr val="tx1"/>
-              </a:solidFill>
-            </a:ln>
-          </p:spPr>
-          <p:style>
-            <a:lnRef idx="2">
-              <a:schemeClr val="accent1">
-                <a:shade val="50000"/>
-              </a:schemeClr>
-            </a:lnRef>
-            <a:fillRef idx="1">
-              <a:schemeClr val="accent1"/>
-            </a:fillRef>
-            <a:effectRef idx="0">
-              <a:schemeClr val="accent1"/>
-            </a:effectRef>
-            <a:fontRef idx="minor">
-              <a:schemeClr val="lt1"/>
-            </a:fontRef>
-          </p:style>
-          <p:txBody>
-            <a:bodyPr rtlCol="0" anchor="ctr"/>
-            <a:lstStyle/>
-            <a:p>
-              <a:pPr algn="ctr"/>
-              <a:endParaRPr lang="fr-FR"/>
-            </a:p>
-          </p:txBody>
-        </p:sp>
-        <p:cxnSp>
-          <p:nvCxnSpPr>
-            <p:cNvPr id="1024" name="Connecteur droit 1023"/>
-            <p:cNvCxnSpPr>
-              <a:stCxn id="9" idx="4"/>
-            </p:cNvCxnSpPr>
-            <p:nvPr/>
-          </p:nvCxnSpPr>
-          <p:spPr>
-            <a:xfrm>
-              <a:off x="1043608" y="1473838"/>
-              <a:ext cx="0" cy="154962"/>
-            </a:xfrm>
-            <a:prstGeom prst="line">
-              <a:avLst/>
-            </a:prstGeom>
-            <a:solidFill>
-              <a:schemeClr val="bg1">
-                <a:lumMod val="85000"/>
-              </a:schemeClr>
-            </a:solidFill>
-            <a:ln w="28575">
-              <a:solidFill>
-                <a:schemeClr val="tx1"/>
-              </a:solidFill>
-            </a:ln>
-          </p:spPr>
-          <p:style>
-            <a:lnRef idx="2">
-              <a:schemeClr val="accent1">
-                <a:shade val="50000"/>
-              </a:schemeClr>
-            </a:lnRef>
-            <a:fillRef idx="1">
-              <a:schemeClr val="accent1"/>
-            </a:fillRef>
-            <a:effectRef idx="0">
-              <a:schemeClr val="accent1"/>
-            </a:effectRef>
-            <a:fontRef idx="minor">
-              <a:schemeClr val="lt1"/>
-            </a:fontRef>
-          </p:style>
-        </p:cxnSp>
-        <p:cxnSp>
-          <p:nvCxnSpPr>
-            <p:cNvPr id="34" name="Connecteur droit 33"/>
-            <p:cNvCxnSpPr/>
-            <p:nvPr/>
-          </p:nvCxnSpPr>
-          <p:spPr>
-            <a:xfrm flipH="1">
-              <a:off x="899592" y="1626238"/>
-              <a:ext cx="296416" cy="0"/>
-            </a:xfrm>
-            <a:prstGeom prst="line">
-              <a:avLst/>
-            </a:prstGeom>
-            <a:solidFill>
-              <a:schemeClr val="bg1">
-                <a:lumMod val="85000"/>
-              </a:schemeClr>
-            </a:solidFill>
-            <a:ln w="28575">
-              <a:solidFill>
-                <a:schemeClr val="tx1"/>
-              </a:solidFill>
-            </a:ln>
-          </p:spPr>
-          <p:style>
-            <a:lnRef idx="2">
-              <a:schemeClr val="accent1">
-                <a:shade val="50000"/>
-              </a:schemeClr>
-            </a:lnRef>
-            <a:fillRef idx="1">
-              <a:schemeClr val="accent1"/>
-            </a:fillRef>
-            <a:effectRef idx="0">
-              <a:schemeClr val="accent1"/>
-            </a:effectRef>
-            <a:fontRef idx="minor">
-              <a:schemeClr val="lt1"/>
-            </a:fontRef>
-          </p:style>
-        </p:cxnSp>
-      </p:grpSp>
-      <p:sp>
-        <p:nvSpPr>
-          <p:cNvPr id="38" name="Ellipse 37"/>
-          <p:cNvSpPr/>
-          <p:nvPr/>
-        </p:nvSpPr>
-        <p:spPr>
-          <a:xfrm>
-            <a:off x="2627784" y="1185806"/>
-            <a:ext cx="288032" cy="288032"/>
-          </a:xfrm>
-          <a:prstGeom prst="ellipse">
-            <a:avLst/>
-          </a:prstGeom>
-          <a:solidFill>
-            <a:schemeClr val="accent2">
-              <a:lumMod val="20000"/>
-              <a:lumOff val="80000"/>
-            </a:schemeClr>
-          </a:solidFill>
-          <a:ln w="19050">
-            <a:solidFill>
-              <a:schemeClr val="accent2"/>
-            </a:solidFill>
-          </a:ln>
-        </p:spPr>
-        <p:style>
-          <a:lnRef idx="2">
-            <a:schemeClr val="accent1">
-              <a:shade val="50000"/>
-            </a:schemeClr>
-          </a:lnRef>
-          <a:fillRef idx="1">
-            <a:schemeClr val="accent1"/>
-          </a:fillRef>
-          <a:effectRef idx="0">
-            <a:schemeClr val="accent1"/>
-          </a:effectRef>
-          <a:fontRef idx="minor">
-            <a:schemeClr val="lt1"/>
-          </a:fontRef>
-        </p:style>
-        <p:txBody>
-          <a:bodyPr rtlCol="0" anchor="ctr"/>
-          <a:lstStyle/>
-          <a:p>
-            <a:pPr algn="ctr"/>
-            <a:r>
-              <a:rPr lang="fr-FR" sz="1400" b="1" dirty="0">
-                <a:solidFill>
-                  <a:schemeClr val="accent2"/>
-                </a:solidFill>
-              </a:rPr>
-              <a:t>2</a:t>
-            </a:r>
-          </a:p>
-        </p:txBody>
-      </p:sp>
-      <p:sp>
-        <p:nvSpPr>
-          <p:cNvPr id="40" name="Ellipse 39"/>
-          <p:cNvSpPr/>
-          <p:nvPr/>
-        </p:nvSpPr>
-        <p:spPr>
-          <a:xfrm>
-            <a:off x="1619672" y="1861722"/>
-            <a:ext cx="576064" cy="288032"/>
-          </a:xfrm>
-          <a:prstGeom prst="ellipse">
-            <a:avLst/>
-          </a:prstGeom>
-          <a:solidFill>
-            <a:schemeClr val="accent3">
-              <a:lumMod val="20000"/>
-              <a:lumOff val="80000"/>
-            </a:schemeClr>
-          </a:solidFill>
-          <a:ln w="19050">
-            <a:solidFill>
-              <a:schemeClr val="accent3"/>
-            </a:solidFill>
-          </a:ln>
-        </p:spPr>
-        <p:style>
-          <a:lnRef idx="2">
-            <a:schemeClr val="accent1">
-              <a:shade val="50000"/>
-            </a:schemeClr>
-          </a:lnRef>
-          <a:fillRef idx="1">
-            <a:schemeClr val="accent1"/>
-          </a:fillRef>
-          <a:effectRef idx="0">
-            <a:schemeClr val="accent1"/>
-          </a:effectRef>
-          <a:fontRef idx="minor">
-            <a:schemeClr val="lt1"/>
-          </a:fontRef>
-        </p:style>
-        <p:txBody>
-          <a:bodyPr rtlCol="0" anchor="ctr"/>
-          <a:lstStyle/>
-          <a:p>
-            <a:pPr algn="ctr"/>
-            <a:r>
-              <a:rPr lang="fr-FR" sz="1050" b="1" i="1" dirty="0" err="1" smtClean="0">
-                <a:solidFill>
-                  <a:schemeClr val="accent3"/>
-                </a:solidFill>
-              </a:rPr>
-              <a:t>sre</a:t>
-            </a:r>
-            <a:endParaRPr lang="fr-FR" sz="1050" b="1" i="1" dirty="0">
-              <a:solidFill>
-                <a:schemeClr val="accent3"/>
-              </a:solidFill>
-            </a:endParaRPr>
-          </a:p>
-        </p:txBody>
-      </p:sp>
-      <p:cxnSp>
-        <p:nvCxnSpPr>
-          <p:cNvPr id="43" name="Connecteur droit 42"/>
-          <p:cNvCxnSpPr>
-            <a:stCxn id="5" idx="2"/>
-            <a:endCxn id="9" idx="6"/>
-          </p:cNvCxnSpPr>
-          <p:nvPr/>
-        </p:nvCxnSpPr>
-        <p:spPr>
-          <a:xfrm flipH="1">
-            <a:off x="1187624" y="1329822"/>
-            <a:ext cx="576064" cy="0"/>
-          </a:xfrm>
-          <a:prstGeom prst="line">
-            <a:avLst/>
-          </a:prstGeom>
-          <a:ln w="19050">
-            <a:solidFill>
-              <a:schemeClr val="tx1"/>
-            </a:solidFill>
-          </a:ln>
-        </p:spPr>
-        <p:style>
-          <a:lnRef idx="1">
-            <a:schemeClr val="accent1"/>
-          </a:lnRef>
-          <a:fillRef idx="0">
-            <a:schemeClr val="accent1"/>
-          </a:fillRef>
-          <a:effectRef idx="0">
-            <a:schemeClr val="accent1"/>
-          </a:effectRef>
-          <a:fontRef idx="minor">
-            <a:schemeClr val="tx1"/>
-          </a:fontRef>
-        </p:style>
-      </p:cxnSp>
-      <p:cxnSp>
-        <p:nvCxnSpPr>
-          <p:cNvPr id="46" name="Connecteur droit 45"/>
-          <p:cNvCxnSpPr>
-            <a:stCxn id="40" idx="1"/>
-            <a:endCxn id="9" idx="5"/>
-          </p:cNvCxnSpPr>
-          <p:nvPr/>
-        </p:nvCxnSpPr>
-        <p:spPr>
-          <a:xfrm flipH="1" flipV="1">
-            <a:off x="1145443" y="1431657"/>
-            <a:ext cx="558592" cy="472246"/>
-          </a:xfrm>
-          <a:prstGeom prst="line">
-            <a:avLst/>
-          </a:prstGeom>
-          <a:ln w="19050">
-            <a:solidFill>
-              <a:schemeClr val="tx1"/>
-            </a:solidFill>
-          </a:ln>
-        </p:spPr>
-        <p:style>
-          <a:lnRef idx="1">
-            <a:schemeClr val="accent1"/>
-          </a:lnRef>
-          <a:fillRef idx="0">
-            <a:schemeClr val="accent1"/>
-          </a:fillRef>
-          <a:effectRef idx="0">
-            <a:schemeClr val="accent1"/>
-          </a:effectRef>
-          <a:fontRef idx="minor">
-            <a:schemeClr val="tx1"/>
-          </a:fontRef>
-        </p:style>
-      </p:cxnSp>
-      <p:cxnSp>
-        <p:nvCxnSpPr>
-          <p:cNvPr id="49" name="Connecteur droit 48"/>
-          <p:cNvCxnSpPr>
-            <a:stCxn id="60" idx="7"/>
-            <a:endCxn id="40" idx="3"/>
-          </p:cNvCxnSpPr>
-          <p:nvPr/>
-        </p:nvCxnSpPr>
-        <p:spPr>
-          <a:xfrm flipV="1">
-            <a:off x="1250119" y="2107573"/>
-            <a:ext cx="453916" cy="438293"/>
-          </a:xfrm>
-          <a:prstGeom prst="line">
-            <a:avLst/>
-          </a:prstGeom>
-          <a:ln w="19050">
-            <a:solidFill>
-              <a:schemeClr val="tx1"/>
-            </a:solidFill>
-          </a:ln>
-        </p:spPr>
-        <p:style>
-          <a:lnRef idx="1">
-            <a:schemeClr val="accent1"/>
-          </a:lnRef>
-          <a:fillRef idx="0">
-            <a:schemeClr val="accent1"/>
-          </a:fillRef>
-          <a:effectRef idx="0">
-            <a:schemeClr val="accent1"/>
-          </a:effectRef>
-          <a:fontRef idx="minor">
-            <a:schemeClr val="tx1"/>
-          </a:fontRef>
-        </p:style>
-      </p:cxnSp>
-      <p:sp>
-        <p:nvSpPr>
-          <p:cNvPr id="60" name="Ellipse 59"/>
-          <p:cNvSpPr/>
-          <p:nvPr/>
-        </p:nvSpPr>
-        <p:spPr>
-          <a:xfrm>
-            <a:off x="774978" y="2503685"/>
-            <a:ext cx="556662" cy="288032"/>
-          </a:xfrm>
-          <a:prstGeom prst="ellipse">
-            <a:avLst/>
-          </a:prstGeom>
-          <a:solidFill>
-            <a:schemeClr val="accent6">
-              <a:lumMod val="20000"/>
-              <a:lumOff val="80000"/>
-            </a:schemeClr>
-          </a:solidFill>
-          <a:ln w="19050">
-            <a:solidFill>
-              <a:schemeClr val="accent6">
-                <a:lumMod val="50000"/>
-              </a:schemeClr>
-            </a:solidFill>
-          </a:ln>
-        </p:spPr>
-        <p:style>
-          <a:lnRef idx="2">
-            <a:schemeClr val="accent1">
-              <a:shade val="50000"/>
-            </a:schemeClr>
-          </a:lnRef>
-          <a:fillRef idx="1">
-            <a:schemeClr val="accent1"/>
-          </a:fillRef>
-          <a:effectRef idx="0">
-            <a:schemeClr val="accent1"/>
-          </a:effectRef>
-          <a:fontRef idx="minor">
-            <a:schemeClr val="lt1"/>
-          </a:fontRef>
-        </p:style>
-        <p:txBody>
-          <a:bodyPr rtlCol="0" anchor="ctr"/>
-          <a:lstStyle/>
-          <a:p>
-            <a:pPr algn="ctr"/>
-            <a:r>
-              <a:rPr lang="fr-FR" sz="1000" b="1" dirty="0" smtClean="0">
-                <a:solidFill>
-                  <a:sysClr val="windowText" lastClr="000000"/>
-                </a:solidFill>
-              </a:rPr>
-              <a:t>re</a:t>
-            </a:r>
-            <a:r>
-              <a:rPr lang="fr-FR" sz="1000" b="1" baseline="-25000" dirty="0" smtClean="0">
-                <a:solidFill>
-                  <a:sysClr val="windowText" lastClr="000000"/>
-                </a:solidFill>
-              </a:rPr>
-              <a:t>1</a:t>
-            </a:r>
-            <a:endParaRPr lang="fr-FR" sz="1000" b="1" baseline="-25000" dirty="0">
-              <a:solidFill>
-                <a:sysClr val="windowText" lastClr="000000"/>
-              </a:solidFill>
-            </a:endParaRPr>
-          </a:p>
-        </p:txBody>
-      </p:sp>
-      <p:cxnSp>
-        <p:nvCxnSpPr>
-          <p:cNvPr id="63" name="Connecteur droit 62"/>
-          <p:cNvCxnSpPr>
-            <a:stCxn id="40" idx="7"/>
-            <a:endCxn id="38" idx="3"/>
-          </p:cNvCxnSpPr>
-          <p:nvPr/>
-        </p:nvCxnSpPr>
-        <p:spPr>
-          <a:xfrm flipV="1">
-            <a:off x="2111373" y="1431657"/>
-            <a:ext cx="558592" cy="472246"/>
-          </a:xfrm>
-          <a:prstGeom prst="line">
-            <a:avLst/>
-          </a:prstGeom>
-          <a:ln w="19050">
-            <a:solidFill>
-              <a:schemeClr val="tx1"/>
-            </a:solidFill>
-          </a:ln>
-        </p:spPr>
-        <p:style>
-          <a:lnRef idx="1">
-            <a:schemeClr val="accent1"/>
-          </a:lnRef>
-          <a:fillRef idx="0">
-            <a:schemeClr val="accent1"/>
-          </a:fillRef>
-          <a:effectRef idx="0">
-            <a:schemeClr val="accent1"/>
-          </a:effectRef>
-          <a:fontRef idx="minor">
-            <a:schemeClr val="tx1"/>
-          </a:fontRef>
-        </p:style>
-      </p:cxnSp>
-      <p:cxnSp>
-        <p:nvCxnSpPr>
-          <p:cNvPr id="66" name="Connecteur droit 65"/>
-          <p:cNvCxnSpPr>
-            <a:stCxn id="67" idx="1"/>
-            <a:endCxn id="40" idx="5"/>
-          </p:cNvCxnSpPr>
-          <p:nvPr/>
-        </p:nvCxnSpPr>
-        <p:spPr>
-          <a:xfrm flipH="1" flipV="1">
-            <a:off x="2111373" y="2107573"/>
-            <a:ext cx="463617" cy="438293"/>
-          </a:xfrm>
-          <a:prstGeom prst="line">
-            <a:avLst/>
-          </a:prstGeom>
-          <a:ln w="19050">
-            <a:solidFill>
-              <a:schemeClr val="tx1"/>
-            </a:solidFill>
-          </a:ln>
-        </p:spPr>
-        <p:style>
-          <a:lnRef idx="1">
-            <a:schemeClr val="accent1"/>
-          </a:lnRef>
-          <a:fillRef idx="0">
-            <a:schemeClr val="accent1"/>
-          </a:fillRef>
-          <a:effectRef idx="0">
-            <a:schemeClr val="accent1"/>
-          </a:effectRef>
-          <a:fontRef idx="minor">
-            <a:schemeClr val="tx1"/>
-          </a:fontRef>
-        </p:style>
-      </p:cxnSp>
-      <p:sp>
-        <p:nvSpPr>
-          <p:cNvPr id="67" name="Ellipse 66"/>
-          <p:cNvSpPr/>
-          <p:nvPr/>
-        </p:nvSpPr>
-        <p:spPr>
-          <a:xfrm>
-            <a:off x="2493469" y="2503685"/>
-            <a:ext cx="556662" cy="288032"/>
-          </a:xfrm>
-          <a:prstGeom prst="ellipse">
-            <a:avLst/>
-          </a:prstGeom>
-          <a:solidFill>
-            <a:schemeClr val="accent6">
-              <a:lumMod val="20000"/>
-              <a:lumOff val="80000"/>
-            </a:schemeClr>
-          </a:solidFill>
-          <a:ln w="19050">
-            <a:solidFill>
-              <a:schemeClr val="accent6">
-                <a:lumMod val="50000"/>
-              </a:schemeClr>
-            </a:solidFill>
-          </a:ln>
-        </p:spPr>
-        <p:style>
-          <a:lnRef idx="2">
-            <a:schemeClr val="accent1">
-              <a:shade val="50000"/>
-            </a:schemeClr>
-          </a:lnRef>
-          <a:fillRef idx="1">
-            <a:schemeClr val="accent1"/>
-          </a:fillRef>
-          <a:effectRef idx="0">
-            <a:schemeClr val="accent1"/>
-          </a:effectRef>
-          <a:fontRef idx="minor">
-            <a:schemeClr val="lt1"/>
-          </a:fontRef>
-        </p:style>
-        <p:txBody>
-          <a:bodyPr rtlCol="0" anchor="ctr"/>
-          <a:lstStyle/>
-          <a:p>
-            <a:pPr algn="ctr"/>
-            <a:r>
-              <a:rPr lang="fr-FR" sz="1000" b="1" dirty="0" smtClean="0">
-                <a:solidFill>
-                  <a:sysClr val="windowText" lastClr="000000"/>
-                </a:solidFill>
-              </a:rPr>
-              <a:t>re</a:t>
-            </a:r>
-            <a:r>
-              <a:rPr lang="fr-FR" sz="1000" b="1" baseline="-25000" dirty="0" smtClean="0">
-                <a:solidFill>
-                  <a:sysClr val="windowText" lastClr="000000"/>
-                </a:solidFill>
-              </a:rPr>
-              <a:t>2</a:t>
-            </a:r>
-            <a:endParaRPr lang="fr-FR" sz="1000" b="1" baseline="-25000" dirty="0">
-              <a:solidFill>
-                <a:sysClr val="windowText" lastClr="000000"/>
-              </a:solidFill>
-            </a:endParaRPr>
-          </a:p>
-        </p:txBody>
-      </p:sp>
-      <p:sp>
-        <p:nvSpPr>
-          <p:cNvPr id="71" name="Ellipse 70"/>
-          <p:cNvSpPr/>
-          <p:nvPr/>
-        </p:nvSpPr>
-        <p:spPr>
-          <a:xfrm>
-            <a:off x="1763688" y="2967782"/>
-            <a:ext cx="288032" cy="288032"/>
-          </a:xfrm>
-          <a:prstGeom prst="ellipse">
-            <a:avLst/>
-          </a:prstGeom>
-          <a:solidFill>
-            <a:schemeClr val="tx2">
-              <a:lumMod val="20000"/>
-              <a:lumOff val="80000"/>
-            </a:schemeClr>
-          </a:solidFill>
-          <a:ln w="19050">
-            <a:solidFill>
-              <a:schemeClr val="tx2"/>
-            </a:solidFill>
-          </a:ln>
-        </p:spPr>
-        <p:style>
-          <a:lnRef idx="2">
-            <a:schemeClr val="accent1">
-              <a:shade val="50000"/>
-            </a:schemeClr>
-          </a:lnRef>
-          <a:fillRef idx="1">
-            <a:schemeClr val="accent1"/>
-          </a:fillRef>
-          <a:effectRef idx="0">
-            <a:schemeClr val="accent1"/>
-          </a:effectRef>
-          <a:fontRef idx="minor">
-            <a:schemeClr val="lt1"/>
-          </a:fontRef>
-        </p:style>
-        <p:txBody>
-          <a:bodyPr rtlCol="0" anchor="ctr"/>
-          <a:lstStyle/>
-          <a:p>
-            <a:pPr algn="ctr"/>
-            <a:r>
-              <a:rPr lang="fr-FR" sz="1400" b="1" dirty="0">
-                <a:solidFill>
-                  <a:schemeClr val="tx2"/>
-                </a:solidFill>
-              </a:rPr>
-              <a:t>3</a:t>
-            </a:r>
-          </a:p>
-        </p:txBody>
-      </p:sp>
-      <p:cxnSp>
-        <p:nvCxnSpPr>
-          <p:cNvPr id="72" name="Connecteur droit 71"/>
-          <p:cNvCxnSpPr>
-            <a:stCxn id="71" idx="6"/>
-            <a:endCxn id="67" idx="3"/>
-          </p:cNvCxnSpPr>
-          <p:nvPr/>
-        </p:nvCxnSpPr>
-        <p:spPr>
-          <a:xfrm flipV="1">
-            <a:off x="2051720" y="2749536"/>
-            <a:ext cx="523270" cy="362262"/>
-          </a:xfrm>
-          <a:prstGeom prst="line">
-            <a:avLst/>
-          </a:prstGeom>
-          <a:ln w="19050">
-            <a:solidFill>
-              <a:schemeClr val="tx1"/>
-            </a:solidFill>
-          </a:ln>
-        </p:spPr>
-        <p:style>
-          <a:lnRef idx="1">
-            <a:schemeClr val="accent1"/>
-          </a:lnRef>
-          <a:fillRef idx="0">
-            <a:schemeClr val="accent1"/>
-          </a:fillRef>
-          <a:effectRef idx="0">
-            <a:schemeClr val="accent1"/>
-          </a:effectRef>
-          <a:fontRef idx="minor">
-            <a:schemeClr val="tx1"/>
-          </a:fontRef>
-        </p:style>
-      </p:cxnSp>
-      <p:cxnSp>
-        <p:nvCxnSpPr>
-          <p:cNvPr id="73" name="Connecteur droit 72"/>
-          <p:cNvCxnSpPr>
-            <a:stCxn id="71" idx="2"/>
-            <a:endCxn id="60" idx="5"/>
-          </p:cNvCxnSpPr>
-          <p:nvPr/>
-        </p:nvCxnSpPr>
-        <p:spPr>
-          <a:xfrm flipH="1" flipV="1">
-            <a:off x="1250119" y="2749536"/>
-            <a:ext cx="513569" cy="362262"/>
-          </a:xfrm>
-          <a:prstGeom prst="line">
-            <a:avLst/>
-          </a:prstGeom>
-          <a:ln w="19050">
-            <a:solidFill>
-              <a:schemeClr val="tx1"/>
-            </a:solidFill>
-          </a:ln>
-        </p:spPr>
-        <p:style>
-          <a:lnRef idx="1">
-            <a:schemeClr val="accent1"/>
-          </a:lnRef>
-          <a:fillRef idx="0">
-            <a:schemeClr val="accent1"/>
-          </a:fillRef>
-          <a:effectRef idx="0">
-            <a:schemeClr val="accent1"/>
-          </a:effectRef>
-          <a:fontRef idx="minor">
-            <a:schemeClr val="tx1"/>
-          </a:fontRef>
-        </p:style>
-      </p:cxnSp>
-      <mc:AlternateContent xmlns:mc="http://schemas.openxmlformats.org/markup-compatibility/2006" xmlns:a14="http://schemas.microsoft.com/office/drawing/2010/main">
-        <mc:Choice Requires="a14">
-          <p:sp>
-            <p:nvSpPr>
-              <p:cNvPr id="79" name="ZoneTexte 78"/>
-              <p:cNvSpPr txBox="1"/>
-              <p:nvPr/>
-            </p:nvSpPr>
-            <p:spPr>
-              <a:xfrm rot="-2700000">
-                <a:off x="1235172" y="813483"/>
-                <a:ext cx="888128" cy="261610"/>
-              </a:xfrm>
-              <a:prstGeom prst="rect">
-                <a:avLst/>
-              </a:prstGeom>
-              <a:noFill/>
-            </p:spPr>
-            <p:txBody>
-              <a:bodyPr wrap="none" rtlCol="0">
-                <a:spAutoFit/>
-              </a:bodyPr>
-              <a:lstStyle/>
-              <a:p>
-                <a:r>
-                  <a:rPr lang="fr-FR" sz="1100" b="0" dirty="0" smtClean="0"/>
-                  <a:t>Sphérique</a:t>
-                </a:r>
-                <a14:m>
-                  <m:oMath xmlns:m="http://schemas.openxmlformats.org/officeDocument/2006/math">
-                    <m:r>
-                      <a:rPr lang="fr-FR" sz="1100" b="0" i="0" smtClean="0">
-                        <a:latin typeface="Cambria Math"/>
-                      </a:rPr>
-                      <m:t> </m:t>
-                    </m:r>
-                    <m:r>
-                      <a:rPr lang="fr-FR" sz="1100" b="0" i="1" smtClean="0">
-                        <a:latin typeface="Cambria Math"/>
-                      </a:rPr>
-                      <m:t>𝐴</m:t>
-                    </m:r>
-                  </m:oMath>
-                </a14:m>
-                <a:endParaRPr lang="fr-FR" sz="1100" dirty="0"/>
-              </a:p>
-            </p:txBody>
-          </p:sp>
-        </mc:Choice>
-        <mc:Fallback xmlns="">
-          <p:sp>
-            <p:nvSpPr>
-              <p:cNvPr id="79" name="ZoneTexte 78"/>
-              <p:cNvSpPr txBox="1">
-                <a:spLocks noRot="1" noChangeAspect="1" noMove="1" noResize="1" noEditPoints="1" noAdjustHandles="1" noChangeArrowheads="1" noChangeShapeType="1" noTextEdit="1"/>
-              </p:cNvSpPr>
-              <p:nvPr/>
-            </p:nvSpPr>
-            <p:spPr>
-              <a:xfrm rot="-2700000">
-                <a:off x="1235172" y="813483"/>
-                <a:ext cx="888128" cy="261610"/>
-              </a:xfrm>
-              <a:prstGeom prst="rect">
-                <a:avLst/>
-              </a:prstGeom>
-              <a:blipFill rotWithShape="1">
-                <a:blip r:embed="rId4"/>
-                <a:stretch>
-                  <a:fillRect b="-2985"/>
-                </a:stretch>
-              </a:blipFill>
-            </p:spPr>
-            <p:txBody>
-              <a:bodyPr/>
-              <a:lstStyle/>
-              <a:p>
-                <a:r>
-                  <a:rPr lang="fr-FR">
-                    <a:noFill/>
-                  </a:rPr>
-                  <a:t> </a:t>
-                </a:r>
-              </a:p>
-            </p:txBody>
-          </p:sp>
-        </mc:Fallback>
-      </mc:AlternateContent>
-      <mc:AlternateContent xmlns:mc="http://schemas.openxmlformats.org/markup-compatibility/2006" xmlns:a14="http://schemas.microsoft.com/office/drawing/2010/main">
-        <mc:Choice Requires="a14">
-          <p:sp>
-            <p:nvSpPr>
-              <p:cNvPr id="80" name="ZoneTexte 79"/>
-              <p:cNvSpPr txBox="1"/>
-              <p:nvPr/>
-            </p:nvSpPr>
-            <p:spPr>
-              <a:xfrm>
-                <a:off x="2313355" y="1654049"/>
-                <a:ext cx="893771" cy="261610"/>
-              </a:xfrm>
-              <a:prstGeom prst="rect">
-                <a:avLst/>
-              </a:prstGeom>
-              <a:noFill/>
-            </p:spPr>
-            <p:txBody>
-              <a:bodyPr wrap="none" rtlCol="0">
-                <a:spAutoFit/>
-              </a:bodyPr>
-              <a:lstStyle/>
-              <a:p>
-                <a:r>
-                  <a:rPr lang="fr-FR" sz="1100" b="0" dirty="0" smtClean="0"/>
-                  <a:t>Sphérique</a:t>
-                </a:r>
-                <a14:m>
-                  <m:oMath xmlns:m="http://schemas.openxmlformats.org/officeDocument/2006/math">
-                    <m:r>
-                      <a:rPr lang="fr-FR" sz="1100" b="0" i="0" smtClean="0">
-                        <a:latin typeface="Cambria Math"/>
-                      </a:rPr>
-                      <m:t> </m:t>
-                    </m:r>
-                    <m:r>
-                      <a:rPr lang="fr-FR" sz="1100" b="0" i="1" smtClean="0">
-                        <a:latin typeface="Cambria Math"/>
-                      </a:rPr>
-                      <m:t>𝐵</m:t>
-                    </m:r>
-                  </m:oMath>
-                </a14:m>
-                <a:endParaRPr lang="fr-FR" sz="1100" dirty="0"/>
-              </a:p>
-            </p:txBody>
-          </p:sp>
-        </mc:Choice>
-        <mc:Fallback xmlns="">
-          <p:sp>
-            <p:nvSpPr>
-              <p:cNvPr id="80" name="ZoneTexte 79"/>
-              <p:cNvSpPr txBox="1">
-                <a:spLocks noRot="1" noChangeAspect="1" noMove="1" noResize="1" noEditPoints="1" noAdjustHandles="1" noChangeArrowheads="1" noChangeShapeType="1" noTextEdit="1"/>
-              </p:cNvSpPr>
-              <p:nvPr/>
-            </p:nvSpPr>
-            <p:spPr>
-              <a:xfrm>
-                <a:off x="2313355" y="1654049"/>
-                <a:ext cx="893771" cy="261610"/>
-              </a:xfrm>
-              <a:prstGeom prst="rect">
-                <a:avLst/>
-              </a:prstGeom>
-              <a:blipFill rotWithShape="1">
-                <a:blip r:embed="rId5"/>
-                <a:stretch>
-                  <a:fillRect b="-16279"/>
-                </a:stretch>
-              </a:blipFill>
-            </p:spPr>
-            <p:txBody>
-              <a:bodyPr/>
-              <a:lstStyle/>
-              <a:p>
-                <a:r>
-                  <a:rPr lang="fr-FR">
-                    <a:noFill/>
-                  </a:rPr>
-                  <a:t> </a:t>
-                </a:r>
-              </a:p>
-            </p:txBody>
-          </p:sp>
-        </mc:Fallback>
-      </mc:AlternateContent>
-      <mc:AlternateContent xmlns:mc="http://schemas.openxmlformats.org/markup-compatibility/2006" xmlns:a14="http://schemas.microsoft.com/office/drawing/2010/main">
-        <mc:Choice Requires="a14">
-          <p:sp>
-            <p:nvSpPr>
-              <p:cNvPr id="82" name="ZoneTexte 81"/>
-              <p:cNvSpPr txBox="1"/>
-              <p:nvPr/>
-            </p:nvSpPr>
-            <p:spPr>
-              <a:xfrm rot="-2700000">
-                <a:off x="2295881" y="614812"/>
-                <a:ext cx="1039708" cy="296876"/>
-              </a:xfrm>
-              <a:prstGeom prst="rect">
-                <a:avLst/>
-              </a:prstGeom>
-              <a:noFill/>
-            </p:spPr>
-            <p:txBody>
-              <a:bodyPr wrap="none" rtlCol="0">
-                <a:spAutoFit/>
-              </a:bodyPr>
-              <a:lstStyle/>
-              <a:p>
-                <a:r>
-                  <a:rPr lang="fr-FR" sz="1100" b="0" dirty="0" smtClean="0"/>
-                  <a:t>Pivot </a:t>
-                </a:r>
-                <a:r>
-                  <a:rPr lang="fr-FR" sz="1100" b="0" dirty="0" err="1" smtClean="0"/>
-                  <a:t>Gli</a:t>
-                </a:r>
-                <a:r>
-                  <a:rPr lang="fr-FR" sz="1100" b="0" dirty="0" smtClean="0"/>
-                  <a:t>. </a:t>
-                </a:r>
-                <a14:m>
-                  <m:oMath xmlns:m="http://schemas.openxmlformats.org/officeDocument/2006/math">
-                    <m:d>
-                      <m:dPr>
-                        <m:ctrlPr>
-                          <a:rPr lang="fr-FR" sz="1100" b="0" i="1" smtClean="0">
-                            <a:latin typeface="Cambria Math"/>
-                          </a:rPr>
-                        </m:ctrlPr>
-                      </m:dPr>
-                      <m:e>
-                        <m:acc>
-                          <m:accPr>
-                            <m:chr m:val="⃗"/>
-                            <m:ctrlPr>
-                              <a:rPr lang="fr-FR" sz="1100" b="0" i="1" smtClean="0">
-                                <a:latin typeface="Cambria Math"/>
-                              </a:rPr>
-                            </m:ctrlPr>
-                          </m:accPr>
-                          <m:e>
-                            <m:r>
-                              <a:rPr lang="fr-FR" sz="1100" b="0" i="1" smtClean="0">
-                                <a:latin typeface="Cambria Math"/>
-                              </a:rPr>
-                              <m:t>𝐴𝐵</m:t>
-                            </m:r>
-                          </m:e>
-                        </m:acc>
-                      </m:e>
-                    </m:d>
-                  </m:oMath>
-                </a14:m>
-                <a:endParaRPr lang="fr-FR" sz="1100" dirty="0"/>
-              </a:p>
-            </p:txBody>
-          </p:sp>
-        </mc:Choice>
-        <mc:Fallback xmlns="">
-          <p:sp>
-            <p:nvSpPr>
-              <p:cNvPr id="82" name="ZoneTexte 81"/>
-              <p:cNvSpPr txBox="1">
-                <a:spLocks noRot="1" noChangeAspect="1" noMove="1" noResize="1" noEditPoints="1" noAdjustHandles="1" noChangeArrowheads="1" noChangeShapeType="1" noTextEdit="1"/>
-              </p:cNvSpPr>
-              <p:nvPr/>
-            </p:nvSpPr>
-            <p:spPr>
-              <a:xfrm rot="-2700000">
-                <a:off x="2295881" y="614812"/>
-                <a:ext cx="1039708" cy="296876"/>
-              </a:xfrm>
-              <a:prstGeom prst="rect">
-                <a:avLst/>
-              </a:prstGeom>
-              <a:blipFill rotWithShape="1">
-                <a:blip r:embed="rId6"/>
-                <a:stretch>
-                  <a:fillRect b="-1923"/>
-                </a:stretch>
-              </a:blipFill>
-            </p:spPr>
-            <p:txBody>
-              <a:bodyPr/>
-              <a:lstStyle/>
-              <a:p>
-                <a:r>
-                  <a:rPr lang="fr-FR">
-                    <a:noFill/>
-                  </a:rPr>
-                  <a:t> </a:t>
-                </a:r>
-              </a:p>
-            </p:txBody>
-          </p:sp>
-        </mc:Fallback>
-      </mc:AlternateContent>
-      <mc:AlternateContent xmlns:mc="http://schemas.openxmlformats.org/markup-compatibility/2006" xmlns:a14="http://schemas.microsoft.com/office/drawing/2010/main">
-        <mc:Choice Requires="a14">
-          <p:sp>
-            <p:nvSpPr>
-              <p:cNvPr id="83" name="ZoneTexte 82"/>
-              <p:cNvSpPr txBox="1"/>
-              <p:nvPr/>
-            </p:nvSpPr>
-            <p:spPr>
-              <a:xfrm>
-                <a:off x="2390669" y="2145537"/>
-                <a:ext cx="969240" cy="261610"/>
-              </a:xfrm>
-              <a:prstGeom prst="rect">
-                <a:avLst/>
-              </a:prstGeom>
-              <a:noFill/>
-            </p:spPr>
-            <p:txBody>
-              <a:bodyPr wrap="none" rtlCol="0">
-                <a:spAutoFit/>
-              </a:bodyPr>
-              <a:lstStyle/>
-              <a:p>
-                <a:r>
-                  <a:rPr lang="fr-FR" sz="1100" b="0" dirty="0" smtClean="0"/>
-                  <a:t>Pivot </a:t>
-                </a:r>
-                <a14:m>
-                  <m:oMath xmlns:m="http://schemas.openxmlformats.org/officeDocument/2006/math">
-                    <m:d>
-                      <m:dPr>
-                        <m:ctrlPr>
-                          <a:rPr lang="fr-FR" sz="1100" b="0" i="1" smtClean="0">
-                            <a:latin typeface="Cambria Math"/>
-                          </a:rPr>
-                        </m:ctrlPr>
-                      </m:dPr>
-                      <m:e>
-                        <m:sSub>
-                          <m:sSubPr>
-                            <m:ctrlPr>
-                              <a:rPr lang="fr-FR" sz="1100" b="0" i="1" smtClean="0">
-                                <a:latin typeface="Cambria Math"/>
-                              </a:rPr>
-                            </m:ctrlPr>
-                          </m:sSubPr>
-                          <m:e>
-                            <m:r>
-                              <a:rPr lang="fr-FR" sz="1100" b="0" i="1" smtClean="0">
-                                <a:latin typeface="Cambria Math"/>
-                              </a:rPr>
-                              <m:t>𝑂</m:t>
-                            </m:r>
-                          </m:e>
-                          <m:sub>
-                            <m:r>
-                              <a:rPr lang="fr-FR" sz="1100" b="0" i="1" smtClean="0">
-                                <a:latin typeface="Cambria Math"/>
-                              </a:rPr>
-                              <m:t>2</m:t>
-                            </m:r>
-                          </m:sub>
-                        </m:sSub>
-                        <m:r>
-                          <a:rPr lang="fr-FR" sz="1100" b="0" i="1" smtClean="0">
-                            <a:latin typeface="Cambria Math"/>
-                          </a:rPr>
-                          <m:t>,</m:t>
-                        </m:r>
-                        <m:acc>
-                          <m:accPr>
-                            <m:chr m:val="⃗"/>
-                            <m:ctrlPr>
-                              <a:rPr lang="fr-FR" sz="1100" b="0" i="1" smtClean="0">
-                                <a:latin typeface="Cambria Math"/>
-                              </a:rPr>
-                            </m:ctrlPr>
-                          </m:accPr>
-                          <m:e>
-                            <m:sSub>
-                              <m:sSubPr>
-                                <m:ctrlPr>
-                                  <a:rPr lang="fr-FR" sz="1100" b="0" i="1" smtClean="0">
-                                    <a:latin typeface="Cambria Math"/>
-                                  </a:rPr>
-                                </m:ctrlPr>
-                              </m:sSubPr>
-                              <m:e>
-                                <m:r>
-                                  <a:rPr lang="fr-FR" sz="1100" b="0" i="1" smtClean="0">
-                                    <a:latin typeface="Cambria Math"/>
-                                  </a:rPr>
-                                  <m:t>𝑦</m:t>
-                                </m:r>
-                              </m:e>
-                              <m:sub>
-                                <m:r>
-                                  <a:rPr lang="fr-FR" sz="1100" b="0" i="1" smtClean="0">
-                                    <a:latin typeface="Cambria Math"/>
-                                  </a:rPr>
-                                  <m:t>0</m:t>
-                                </m:r>
-                              </m:sub>
-                            </m:sSub>
-                          </m:e>
-                        </m:acc>
-                      </m:e>
-                    </m:d>
-                  </m:oMath>
-                </a14:m>
-                <a:endParaRPr lang="fr-FR" sz="1100" dirty="0"/>
-              </a:p>
-            </p:txBody>
-          </p:sp>
-        </mc:Choice>
-        <mc:Fallback xmlns="">
-          <p:sp>
-            <p:nvSpPr>
-              <p:cNvPr id="83" name="ZoneTexte 82"/>
-              <p:cNvSpPr txBox="1">
-                <a:spLocks noRot="1" noChangeAspect="1" noMove="1" noResize="1" noEditPoints="1" noAdjustHandles="1" noChangeArrowheads="1" noChangeShapeType="1" noTextEdit="1"/>
-              </p:cNvSpPr>
-              <p:nvPr/>
-            </p:nvSpPr>
-            <p:spPr>
-              <a:xfrm>
-                <a:off x="2390669" y="2145537"/>
-                <a:ext cx="969240" cy="261610"/>
-              </a:xfrm>
-              <a:prstGeom prst="rect">
-                <a:avLst/>
-              </a:prstGeom>
-              <a:blipFill rotWithShape="1">
-                <a:blip r:embed="rId7"/>
-                <a:stretch>
-                  <a:fillRect b="-16279"/>
-                </a:stretch>
-              </a:blipFill>
-            </p:spPr>
-            <p:txBody>
-              <a:bodyPr/>
-              <a:lstStyle/>
-              <a:p>
-                <a:r>
-                  <a:rPr lang="fr-FR">
-                    <a:noFill/>
-                  </a:rPr>
-                  <a:t> </a:t>
-                </a:r>
-              </a:p>
-            </p:txBody>
-          </p:sp>
-        </mc:Fallback>
-      </mc:AlternateContent>
-      <mc:AlternateContent xmlns:mc="http://schemas.openxmlformats.org/markup-compatibility/2006" xmlns:a14="http://schemas.microsoft.com/office/drawing/2010/main">
-        <mc:Choice Requires="a14">
-          <p:sp>
-            <p:nvSpPr>
-              <p:cNvPr id="84" name="ZoneTexte 83"/>
-              <p:cNvSpPr txBox="1"/>
-              <p:nvPr/>
-            </p:nvSpPr>
-            <p:spPr>
-              <a:xfrm>
-                <a:off x="604380" y="2107573"/>
-                <a:ext cx="965970" cy="261610"/>
-              </a:xfrm>
-              <a:prstGeom prst="rect">
-                <a:avLst/>
-              </a:prstGeom>
-              <a:noFill/>
-            </p:spPr>
-            <p:txBody>
-              <a:bodyPr wrap="none" rtlCol="0">
-                <a:spAutoFit/>
-              </a:bodyPr>
-              <a:lstStyle/>
-              <a:p>
-                <a:r>
-                  <a:rPr lang="fr-FR" sz="1100" b="0" dirty="0" smtClean="0"/>
-                  <a:t>Pivot </a:t>
-                </a:r>
-                <a14:m>
-                  <m:oMath xmlns:m="http://schemas.openxmlformats.org/officeDocument/2006/math">
-                    <m:d>
-                      <m:dPr>
-                        <m:ctrlPr>
-                          <a:rPr lang="fr-FR" sz="1100" b="0" i="1" smtClean="0">
-                            <a:latin typeface="Cambria Math"/>
-                          </a:rPr>
-                        </m:ctrlPr>
-                      </m:dPr>
-                      <m:e>
-                        <m:sSub>
-                          <m:sSubPr>
-                            <m:ctrlPr>
-                              <a:rPr lang="fr-FR" sz="1100" b="0" i="1" smtClean="0">
-                                <a:latin typeface="Cambria Math"/>
-                              </a:rPr>
-                            </m:ctrlPr>
-                          </m:sSubPr>
-                          <m:e>
-                            <m:r>
-                              <a:rPr lang="fr-FR" sz="1100" b="0" i="1" smtClean="0">
-                                <a:latin typeface="Cambria Math"/>
-                              </a:rPr>
-                              <m:t>𝑂</m:t>
-                            </m:r>
-                          </m:e>
-                          <m:sub>
-                            <m:r>
-                              <a:rPr lang="fr-FR" sz="1100" b="0" i="1" smtClean="0">
-                                <a:latin typeface="Cambria Math"/>
-                              </a:rPr>
-                              <m:t>1</m:t>
-                            </m:r>
-                          </m:sub>
-                        </m:sSub>
-                        <m:r>
-                          <a:rPr lang="fr-FR" sz="1100" b="0" i="1" smtClean="0">
-                            <a:latin typeface="Cambria Math"/>
-                          </a:rPr>
-                          <m:t>,</m:t>
-                        </m:r>
-                        <m:acc>
-                          <m:accPr>
-                            <m:chr m:val="⃗"/>
-                            <m:ctrlPr>
-                              <a:rPr lang="fr-FR" sz="1100" b="0" i="1" smtClean="0">
-                                <a:latin typeface="Cambria Math"/>
-                              </a:rPr>
-                            </m:ctrlPr>
-                          </m:accPr>
-                          <m:e>
-                            <m:sSub>
-                              <m:sSubPr>
-                                <m:ctrlPr>
-                                  <a:rPr lang="fr-FR" sz="1100" b="0" i="1" smtClean="0">
-                                    <a:latin typeface="Cambria Math"/>
-                                  </a:rPr>
-                                </m:ctrlPr>
-                              </m:sSubPr>
-                              <m:e>
-                                <m:r>
-                                  <a:rPr lang="fr-FR" sz="1100" b="0" i="1" smtClean="0">
-                                    <a:latin typeface="Cambria Math"/>
-                                  </a:rPr>
-                                  <m:t>𝑦</m:t>
-                                </m:r>
-                              </m:e>
-                              <m:sub>
-                                <m:r>
-                                  <a:rPr lang="fr-FR" sz="1100" b="0" i="1" smtClean="0">
-                                    <a:latin typeface="Cambria Math"/>
-                                  </a:rPr>
-                                  <m:t>0</m:t>
-                                </m:r>
-                              </m:sub>
-                            </m:sSub>
-                          </m:e>
-                        </m:acc>
-                      </m:e>
-                    </m:d>
-                  </m:oMath>
-                </a14:m>
-                <a:endParaRPr lang="fr-FR" sz="1100" dirty="0"/>
-              </a:p>
-            </p:txBody>
-          </p:sp>
-        </mc:Choice>
-        <mc:Fallback xmlns="">
-          <p:sp>
-            <p:nvSpPr>
-              <p:cNvPr id="84" name="ZoneTexte 83"/>
-              <p:cNvSpPr txBox="1">
-                <a:spLocks noRot="1" noChangeAspect="1" noMove="1" noResize="1" noEditPoints="1" noAdjustHandles="1" noChangeArrowheads="1" noChangeShapeType="1" noTextEdit="1"/>
-              </p:cNvSpPr>
-              <p:nvPr/>
-            </p:nvSpPr>
-            <p:spPr>
-              <a:xfrm>
-                <a:off x="604380" y="2107573"/>
-                <a:ext cx="965970" cy="261610"/>
-              </a:xfrm>
-              <a:prstGeom prst="rect">
-                <a:avLst/>
-              </a:prstGeom>
-              <a:blipFill rotWithShape="1">
-                <a:blip r:embed="rId8"/>
-                <a:stretch>
-                  <a:fillRect b="-16279"/>
-                </a:stretch>
-              </a:blipFill>
-            </p:spPr>
-            <p:txBody>
-              <a:bodyPr/>
-              <a:lstStyle/>
-              <a:p>
-                <a:r>
-                  <a:rPr lang="fr-FR">
-                    <a:noFill/>
-                  </a:rPr>
-                  <a:t> </a:t>
-                </a:r>
-              </a:p>
-            </p:txBody>
-          </p:sp>
-        </mc:Fallback>
-      </mc:AlternateContent>
-      <mc:AlternateContent xmlns:mc="http://schemas.openxmlformats.org/markup-compatibility/2006" xmlns:a14="http://schemas.microsoft.com/office/drawing/2010/main">
-        <mc:Choice Requires="a14">
-          <p:sp>
-            <p:nvSpPr>
-              <p:cNvPr id="85" name="ZoneTexte 84"/>
-              <p:cNvSpPr txBox="1"/>
-              <p:nvPr/>
-            </p:nvSpPr>
-            <p:spPr>
-              <a:xfrm>
-                <a:off x="2311972" y="2930667"/>
-                <a:ext cx="1348126" cy="261610"/>
-              </a:xfrm>
-              <a:prstGeom prst="rect">
-                <a:avLst/>
-              </a:prstGeom>
-              <a:noFill/>
-            </p:spPr>
-            <p:txBody>
-              <a:bodyPr wrap="none" rtlCol="0">
-                <a:spAutoFit/>
-              </a:bodyPr>
-              <a:lstStyle/>
-              <a:p>
-                <a:r>
-                  <a:rPr lang="fr-FR" sz="1100" b="0" dirty="0" smtClean="0"/>
-                  <a:t>Sphère plan </a:t>
-                </a:r>
-                <a14:m>
-                  <m:oMath xmlns:m="http://schemas.openxmlformats.org/officeDocument/2006/math">
-                    <m:d>
-                      <m:dPr>
-                        <m:ctrlPr>
-                          <a:rPr lang="fr-FR" sz="1100" b="0" i="1" smtClean="0">
-                            <a:latin typeface="Cambria Math"/>
-                          </a:rPr>
-                        </m:ctrlPr>
-                      </m:dPr>
-                      <m:e>
-                        <m:sSub>
-                          <m:sSubPr>
-                            <m:ctrlPr>
-                              <a:rPr lang="fr-FR" sz="1100" b="0" i="1" smtClean="0">
-                                <a:latin typeface="Cambria Math"/>
-                              </a:rPr>
-                            </m:ctrlPr>
-                          </m:sSubPr>
-                          <m:e>
-                            <m:r>
-                              <a:rPr lang="fr-FR" sz="1100" b="0" i="1" smtClean="0">
-                                <a:latin typeface="Cambria Math"/>
-                              </a:rPr>
-                              <m:t>𝐼</m:t>
-                            </m:r>
-                          </m:e>
-                          <m:sub>
-                            <m:r>
-                              <a:rPr lang="fr-FR" sz="1100" b="0" i="1" smtClean="0">
-                                <a:latin typeface="Cambria Math"/>
-                              </a:rPr>
-                              <m:t>2</m:t>
-                            </m:r>
-                          </m:sub>
-                        </m:sSub>
-                        <m:r>
-                          <a:rPr lang="fr-FR" sz="1100" b="0" i="1" smtClean="0">
-                            <a:latin typeface="Cambria Math"/>
-                          </a:rPr>
-                          <m:t>,</m:t>
-                        </m:r>
-                        <m:acc>
-                          <m:accPr>
-                            <m:chr m:val="⃗"/>
-                            <m:ctrlPr>
-                              <a:rPr lang="fr-FR" sz="1100" b="0" i="1" smtClean="0">
-                                <a:latin typeface="Cambria Math"/>
-                              </a:rPr>
-                            </m:ctrlPr>
-                          </m:accPr>
-                          <m:e>
-                            <m:sSub>
-                              <m:sSubPr>
-                                <m:ctrlPr>
-                                  <a:rPr lang="fr-FR" sz="1100" b="0" i="1" smtClean="0">
-                                    <a:latin typeface="Cambria Math"/>
-                                  </a:rPr>
-                                </m:ctrlPr>
-                              </m:sSubPr>
-                              <m:e>
-                                <m:r>
-                                  <a:rPr lang="fr-FR" sz="1100" b="0" i="1" smtClean="0">
-                                    <a:latin typeface="Cambria Math"/>
-                                  </a:rPr>
-                                  <m:t>𝑧</m:t>
-                                </m:r>
-                              </m:e>
-                              <m:sub>
-                                <m:r>
-                                  <a:rPr lang="fr-FR" sz="1100" b="0" i="1" smtClean="0">
-                                    <a:latin typeface="Cambria Math"/>
-                                  </a:rPr>
-                                  <m:t>2</m:t>
-                                </m:r>
-                              </m:sub>
-                            </m:sSub>
-                          </m:e>
-                        </m:acc>
-                      </m:e>
-                    </m:d>
-                  </m:oMath>
-                </a14:m>
-                <a:endParaRPr lang="fr-FR" sz="1100" dirty="0"/>
-              </a:p>
-            </p:txBody>
-          </p:sp>
-        </mc:Choice>
-        <mc:Fallback xmlns="">
-          <p:sp>
-            <p:nvSpPr>
-              <p:cNvPr id="85" name="ZoneTexte 84"/>
-              <p:cNvSpPr txBox="1">
-                <a:spLocks noRot="1" noChangeAspect="1" noMove="1" noResize="1" noEditPoints="1" noAdjustHandles="1" noChangeArrowheads="1" noChangeShapeType="1" noTextEdit="1"/>
-              </p:cNvSpPr>
-              <p:nvPr/>
-            </p:nvSpPr>
-            <p:spPr>
-              <a:xfrm>
-                <a:off x="2311972" y="2930667"/>
-                <a:ext cx="1348126" cy="261610"/>
-              </a:xfrm>
-              <a:prstGeom prst="rect">
-                <a:avLst/>
-              </a:prstGeom>
-              <a:blipFill rotWithShape="1">
-                <a:blip r:embed="rId9"/>
-                <a:stretch>
-                  <a:fillRect b="-16279"/>
-                </a:stretch>
-              </a:blipFill>
-            </p:spPr>
-            <p:txBody>
-              <a:bodyPr/>
-              <a:lstStyle/>
-              <a:p>
-                <a:r>
-                  <a:rPr lang="fr-FR">
-                    <a:noFill/>
-                  </a:rPr>
-                  <a:t> </a:t>
-                </a:r>
-              </a:p>
-            </p:txBody>
-          </p:sp>
-        </mc:Fallback>
-      </mc:AlternateContent>
-      <mc:AlternateContent xmlns:mc="http://schemas.openxmlformats.org/markup-compatibility/2006" xmlns:a14="http://schemas.microsoft.com/office/drawing/2010/main">
-        <mc:Choice Requires="a14">
-          <p:sp>
-            <p:nvSpPr>
-              <p:cNvPr id="86" name="ZoneTexte 85"/>
-              <p:cNvSpPr txBox="1"/>
-              <p:nvPr/>
-            </p:nvSpPr>
-            <p:spPr>
-              <a:xfrm>
-                <a:off x="318354" y="2903072"/>
-                <a:ext cx="1301318" cy="261610"/>
-              </a:xfrm>
-              <a:prstGeom prst="rect">
-                <a:avLst/>
-              </a:prstGeom>
-              <a:noFill/>
-            </p:spPr>
-            <p:txBody>
-              <a:bodyPr wrap="none" rtlCol="0">
-                <a:spAutoFit/>
-              </a:bodyPr>
-              <a:lstStyle/>
-              <a:p>
-                <a:r>
-                  <a:rPr lang="fr-FR" sz="1100" b="0" dirty="0" smtClean="0"/>
-                  <a:t>Sphère plan </a:t>
-                </a:r>
-                <a14:m>
-                  <m:oMath xmlns:m="http://schemas.openxmlformats.org/officeDocument/2006/math">
-                    <m:d>
-                      <m:dPr>
-                        <m:ctrlPr>
-                          <a:rPr lang="fr-FR" sz="1100" b="0" i="1" smtClean="0">
-                            <a:latin typeface="Cambria Math"/>
-                          </a:rPr>
-                        </m:ctrlPr>
-                      </m:dPr>
-                      <m:e>
-                        <m:sSub>
-                          <m:sSubPr>
-                            <m:ctrlPr>
-                              <a:rPr lang="fr-FR" sz="1100" b="0" i="1" smtClean="0">
-                                <a:latin typeface="Cambria Math"/>
-                              </a:rPr>
-                            </m:ctrlPr>
-                          </m:sSubPr>
-                          <m:e>
-                            <m:r>
-                              <a:rPr lang="fr-FR" sz="1100" b="0" i="1" smtClean="0">
-                                <a:latin typeface="Cambria Math"/>
-                              </a:rPr>
-                              <m:t>𝐼</m:t>
-                            </m:r>
-                          </m:e>
-                          <m:sub>
-                            <m:r>
-                              <a:rPr lang="fr-FR" sz="1100" b="0" i="1" smtClean="0">
-                                <a:latin typeface="Cambria Math"/>
-                              </a:rPr>
-                              <m:t>1</m:t>
-                            </m:r>
-                          </m:sub>
-                        </m:sSub>
-                        <m:r>
-                          <a:rPr lang="fr-FR" sz="1100" b="0" i="1" smtClean="0">
-                            <a:latin typeface="Cambria Math"/>
-                          </a:rPr>
-                          <m:t>,</m:t>
-                        </m:r>
-                        <m:acc>
-                          <m:accPr>
-                            <m:chr m:val="⃗"/>
-                            <m:ctrlPr>
-                              <a:rPr lang="fr-FR" sz="1100" b="0" i="1" smtClean="0">
-                                <a:latin typeface="Cambria Math"/>
-                              </a:rPr>
-                            </m:ctrlPr>
-                          </m:accPr>
-                          <m:e>
-                            <m:sSub>
-                              <m:sSubPr>
-                                <m:ctrlPr>
-                                  <a:rPr lang="fr-FR" sz="1100" b="0" i="1" smtClean="0">
-                                    <a:latin typeface="Cambria Math"/>
-                                  </a:rPr>
-                                </m:ctrlPr>
-                              </m:sSubPr>
-                              <m:e>
-                                <m:r>
-                                  <a:rPr lang="fr-FR" sz="1100" b="0" i="1" smtClean="0">
-                                    <a:latin typeface="Cambria Math"/>
-                                  </a:rPr>
-                                  <m:t>𝑧</m:t>
-                                </m:r>
-                              </m:e>
-                              <m:sub>
-                                <m:r>
-                                  <a:rPr lang="fr-FR" sz="1100" b="0" i="1" smtClean="0">
-                                    <a:latin typeface="Cambria Math"/>
-                                  </a:rPr>
-                                  <m:t>1</m:t>
-                                </m:r>
-                              </m:sub>
-                            </m:sSub>
-                          </m:e>
-                        </m:acc>
-                      </m:e>
-                    </m:d>
-                  </m:oMath>
-                </a14:m>
-                <a:endParaRPr lang="fr-FR" sz="1100" dirty="0"/>
-              </a:p>
-            </p:txBody>
-          </p:sp>
-        </mc:Choice>
-        <mc:Fallback xmlns="">
-          <p:sp>
-            <p:nvSpPr>
-              <p:cNvPr id="86" name="ZoneTexte 85"/>
-              <p:cNvSpPr txBox="1">
-                <a:spLocks noRot="1" noChangeAspect="1" noMove="1" noResize="1" noEditPoints="1" noAdjustHandles="1" noChangeArrowheads="1" noChangeShapeType="1" noTextEdit="1"/>
-              </p:cNvSpPr>
-              <p:nvPr/>
-            </p:nvSpPr>
-            <p:spPr>
-              <a:xfrm>
-                <a:off x="318354" y="2903072"/>
-                <a:ext cx="1301318" cy="261610"/>
-              </a:xfrm>
-              <a:prstGeom prst="rect">
-                <a:avLst/>
-              </a:prstGeom>
-              <a:blipFill rotWithShape="1">
-                <a:blip r:embed="rId10"/>
-                <a:stretch>
-                  <a:fillRect b="-16279"/>
-                </a:stretch>
-              </a:blipFill>
-            </p:spPr>
-            <p:txBody>
-              <a:bodyPr/>
-              <a:lstStyle/>
-              <a:p>
-                <a:r>
-                  <a:rPr lang="fr-FR">
-                    <a:noFill/>
-                  </a:rPr>
-                  <a:t> </a:t>
-                </a:r>
-              </a:p>
-            </p:txBody>
-          </p:sp>
-        </mc:Fallback>
-      </mc:AlternateContent>
-      <p:cxnSp>
-        <p:nvCxnSpPr>
-          <p:cNvPr id="87" name="Connecteur droit 86"/>
-          <p:cNvCxnSpPr>
-            <a:stCxn id="71" idx="3"/>
-            <a:endCxn id="9" idx="2"/>
-          </p:cNvCxnSpPr>
-          <p:nvPr/>
-        </p:nvCxnSpPr>
-        <p:spPr>
-          <a:xfrm rot="5400000" flipH="1">
-            <a:off x="410825" y="1818590"/>
-            <a:ext cx="1883811" cy="906277"/>
-          </a:xfrm>
-          <a:prstGeom prst="curvedConnector4">
-            <a:avLst>
-              <a:gd name="adj1" fmla="val -6131"/>
-              <a:gd name="adj2" fmla="val 155683"/>
-            </a:avLst>
-          </a:prstGeom>
-          <a:ln w="19050">
-            <a:solidFill>
-              <a:schemeClr val="tx1"/>
-            </a:solidFill>
-          </a:ln>
-        </p:spPr>
-        <p:style>
-          <a:lnRef idx="1">
-            <a:schemeClr val="accent1"/>
-          </a:lnRef>
-          <a:fillRef idx="0">
-            <a:schemeClr val="accent1"/>
-          </a:fillRef>
-          <a:effectRef idx="0">
-            <a:schemeClr val="accent1"/>
-          </a:effectRef>
-          <a:fontRef idx="minor">
-            <a:schemeClr val="tx1"/>
-          </a:fontRef>
-        </p:style>
-      </p:cxnSp>
-      <mc:AlternateContent xmlns:mc="http://schemas.openxmlformats.org/markup-compatibility/2006" xmlns:a14="http://schemas.microsoft.com/office/drawing/2010/main">
-        <mc:Choice Requires="a14">
-          <p:sp>
-            <p:nvSpPr>
-              <p:cNvPr id="107" name="ZoneTexte 106"/>
-              <p:cNvSpPr txBox="1"/>
-              <p:nvPr/>
-            </p:nvSpPr>
-            <p:spPr>
-              <a:xfrm rot="16200000">
-                <a:off x="-230883" y="2049528"/>
-                <a:ext cx="969240" cy="261610"/>
-              </a:xfrm>
-              <a:prstGeom prst="rect">
-                <a:avLst/>
-              </a:prstGeom>
-              <a:noFill/>
-            </p:spPr>
-            <p:txBody>
-              <a:bodyPr wrap="none" rtlCol="0">
-                <a:spAutoFit/>
-              </a:bodyPr>
-              <a:lstStyle/>
-              <a:p>
-                <a:r>
-                  <a:rPr lang="fr-FR" sz="1100" b="0" dirty="0" smtClean="0"/>
-                  <a:t>Pivot </a:t>
-                </a:r>
-                <a14:m>
-                  <m:oMath xmlns:m="http://schemas.openxmlformats.org/officeDocument/2006/math">
-                    <m:d>
-                      <m:dPr>
-                        <m:ctrlPr>
-                          <a:rPr lang="fr-FR" sz="1100" b="0" i="1" smtClean="0">
-                            <a:latin typeface="Cambria Math"/>
-                          </a:rPr>
-                        </m:ctrlPr>
-                      </m:dPr>
-                      <m:e>
-                        <m:sSub>
-                          <m:sSubPr>
-                            <m:ctrlPr>
-                              <a:rPr lang="fr-FR" sz="1100" b="0" i="1" smtClean="0">
-                                <a:latin typeface="Cambria Math"/>
-                              </a:rPr>
-                            </m:ctrlPr>
-                          </m:sSubPr>
-                          <m:e>
-                            <m:r>
-                              <a:rPr lang="fr-FR" sz="1100" b="0" i="1" smtClean="0">
-                                <a:latin typeface="Cambria Math"/>
-                              </a:rPr>
-                              <m:t>𝑂</m:t>
-                            </m:r>
-                          </m:e>
-                          <m:sub>
-                            <m:r>
-                              <a:rPr lang="fr-FR" sz="1100" b="0" i="1" smtClean="0">
-                                <a:latin typeface="Cambria Math"/>
-                              </a:rPr>
-                              <m:t>3</m:t>
-                            </m:r>
-                          </m:sub>
-                        </m:sSub>
-                        <m:r>
-                          <a:rPr lang="fr-FR" sz="1100" b="0" i="1" smtClean="0">
-                            <a:latin typeface="Cambria Math"/>
-                          </a:rPr>
-                          <m:t>,</m:t>
-                        </m:r>
-                        <m:acc>
-                          <m:accPr>
-                            <m:chr m:val="⃗"/>
-                            <m:ctrlPr>
-                              <a:rPr lang="fr-FR" sz="1100" b="0" i="1" smtClean="0">
-                                <a:latin typeface="Cambria Math"/>
-                              </a:rPr>
-                            </m:ctrlPr>
-                          </m:accPr>
-                          <m:e>
-                            <m:sSub>
-                              <m:sSubPr>
-                                <m:ctrlPr>
-                                  <a:rPr lang="fr-FR" sz="1100" b="0" i="1" smtClean="0">
-                                    <a:latin typeface="Cambria Math"/>
-                                  </a:rPr>
-                                </m:ctrlPr>
-                              </m:sSubPr>
-                              <m:e>
-                                <m:r>
-                                  <a:rPr lang="fr-FR" sz="1100" b="0" i="1" smtClean="0">
-                                    <a:latin typeface="Cambria Math"/>
-                                  </a:rPr>
-                                  <m:t>𝑦</m:t>
-                                </m:r>
-                              </m:e>
-                              <m:sub>
-                                <m:r>
-                                  <a:rPr lang="fr-FR" sz="1100" b="0" i="1" smtClean="0">
-                                    <a:latin typeface="Cambria Math"/>
-                                  </a:rPr>
-                                  <m:t>0</m:t>
-                                </m:r>
-                              </m:sub>
-                            </m:sSub>
-                          </m:e>
-                        </m:acc>
-                      </m:e>
-                    </m:d>
-                  </m:oMath>
-                </a14:m>
-                <a:endParaRPr lang="fr-FR" sz="1100" dirty="0"/>
-              </a:p>
-            </p:txBody>
-          </p:sp>
-        </mc:Choice>
-        <mc:Fallback xmlns="">
-          <p:sp>
-            <p:nvSpPr>
-              <p:cNvPr id="107" name="ZoneTexte 106"/>
-              <p:cNvSpPr txBox="1">
-                <a:spLocks noRot="1" noChangeAspect="1" noMove="1" noResize="1" noEditPoints="1" noAdjustHandles="1" noChangeArrowheads="1" noChangeShapeType="1" noTextEdit="1"/>
-              </p:cNvSpPr>
-              <p:nvPr/>
-            </p:nvSpPr>
-            <p:spPr>
-              <a:xfrm rot="16200000">
-                <a:off x="-230883" y="2049528"/>
-                <a:ext cx="969240" cy="261610"/>
-              </a:xfrm>
-              <a:prstGeom prst="rect">
-                <a:avLst/>
-              </a:prstGeom>
-              <a:blipFill rotWithShape="1">
-                <a:blip r:embed="rId11"/>
-                <a:stretch>
-                  <a:fillRect r="-16279"/>
-                </a:stretch>
-              </a:blipFill>
-            </p:spPr>
-            <p:txBody>
-              <a:bodyPr/>
-              <a:lstStyle/>
-              <a:p>
-                <a:r>
-                  <a:rPr lang="fr-FR">
-                    <a:noFill/>
-                  </a:rPr>
-                  <a:t> </a:t>
-                </a:r>
-              </a:p>
-            </p:txBody>
-          </p:sp>
-        </mc:Fallback>
-      </mc:AlternateContent>
-      <p:sp>
-        <p:nvSpPr>
-          <p:cNvPr id="108" name="ZoneTexte 107"/>
-          <p:cNvSpPr txBox="1"/>
-          <p:nvPr/>
-        </p:nvSpPr>
-        <p:spPr>
-          <a:xfrm rot="-2700000">
-            <a:off x="1947811" y="824798"/>
-            <a:ext cx="530915" cy="261610"/>
-          </a:xfrm>
-          <a:prstGeom prst="rect">
-            <a:avLst/>
-          </a:prstGeom>
-          <a:noFill/>
-        </p:spPr>
-        <p:txBody>
-          <a:bodyPr wrap="none" rtlCol="0">
-            <a:spAutoFit/>
-          </a:bodyPr>
-          <a:lstStyle/>
-          <a:p>
-            <a:r>
-              <a:rPr lang="fr-FR" sz="1100" b="0" dirty="0" smtClean="0"/>
-              <a:t>Fluide</a:t>
-            </a:r>
-            <a:endParaRPr lang="fr-FR" sz="1100" dirty="0"/>
-          </a:p>
-        </p:txBody>
-      </p:sp>
-      <p:sp>
-        <p:nvSpPr>
-          <p:cNvPr id="109" name="Forme libre 108"/>
-          <p:cNvSpPr/>
-          <p:nvPr/>
-        </p:nvSpPr>
-        <p:spPr>
-          <a:xfrm rot="13404789">
-            <a:off x="1845262" y="2372842"/>
-            <a:ext cx="700130" cy="122095"/>
-          </a:xfrm>
-          <a:custGeom>
-            <a:avLst/>
-            <a:gdLst>
-              <a:gd name="connsiteX0" fmla="*/ 0 w 596900"/>
-              <a:gd name="connsiteY0" fmla="*/ 209768 h 209768"/>
-              <a:gd name="connsiteX1" fmla="*/ 317500 w 596900"/>
-              <a:gd name="connsiteY1" fmla="*/ 218 h 209768"/>
-              <a:gd name="connsiteX2" fmla="*/ 596900 w 596900"/>
-              <a:gd name="connsiteY2" fmla="*/ 178018 h 209768"/>
-              <a:gd name="connsiteX0" fmla="*/ 0 w 660400"/>
-              <a:gd name="connsiteY0" fmla="*/ 210341 h 280191"/>
-              <a:gd name="connsiteX1" fmla="*/ 317500 w 660400"/>
-              <a:gd name="connsiteY1" fmla="*/ 791 h 280191"/>
-              <a:gd name="connsiteX2" fmla="*/ 660400 w 660400"/>
-              <a:gd name="connsiteY2" fmla="*/ 280191 h 280191"/>
-              <a:gd name="connsiteX0" fmla="*/ 0 w 736600"/>
-              <a:gd name="connsiteY0" fmla="*/ 273055 h 279405"/>
-              <a:gd name="connsiteX1" fmla="*/ 393700 w 736600"/>
-              <a:gd name="connsiteY1" fmla="*/ 5 h 279405"/>
-              <a:gd name="connsiteX2" fmla="*/ 736600 w 736600"/>
-              <a:gd name="connsiteY2" fmla="*/ 279405 h 279405"/>
-            </a:gdLst>
-            <a:ahLst/>
-            <a:cxnLst>
-              <a:cxn ang="0">
-                <a:pos x="connsiteX0" y="connsiteY0"/>
-              </a:cxn>
-              <a:cxn ang="0">
-                <a:pos x="connsiteX1" y="connsiteY1"/>
-              </a:cxn>
-              <a:cxn ang="0">
-                <a:pos x="connsiteX2" y="connsiteY2"/>
-              </a:cxn>
-            </a:cxnLst>
-            <a:rect l="l" t="t" r="r" b="b"/>
-            <a:pathLst>
-              <a:path w="736600" h="279405">
-                <a:moveTo>
-                  <a:pt x="0" y="273055"/>
-                </a:moveTo>
-                <a:cubicBezTo>
-                  <a:pt x="109008" y="170926"/>
-                  <a:pt x="270933" y="-1053"/>
-                  <a:pt x="393700" y="5"/>
-                </a:cubicBezTo>
-                <a:cubicBezTo>
-                  <a:pt x="516467" y="1063"/>
-                  <a:pt x="646641" y="187859"/>
-                  <a:pt x="736600" y="279405"/>
-                </a:cubicBezTo>
-              </a:path>
-            </a:pathLst>
-          </a:custGeom>
-          <a:noFill/>
-          <a:ln>
-            <a:solidFill>
-              <a:srgbClr val="C00000"/>
-            </a:solidFill>
-            <a:headEnd type="stealth" w="med" len="lg"/>
-            <a:tailEnd type="stealth" w="med" len="lg"/>
+            <a:tailEnd type="none" w="med" len="lg"/>
           </a:ln>
         </p:spPr>
         <p:style>
@@ -5650,14 +3387,14 @@
       </p:sp>
       <p:sp>
         <p:nvSpPr>
-          <p:cNvPr id="110" name="ZoneTexte 109"/>
+          <p:cNvPr id="5" name="ZoneTexte 4"/>
           <p:cNvSpPr txBox="1"/>
           <p:nvPr/>
         </p:nvSpPr>
         <p:spPr>
           <a:xfrm>
-            <a:off x="1548725" y="2428742"/>
-            <a:ext cx="429926" cy="261610"/>
+            <a:off x="6516216" y="4941168"/>
+            <a:ext cx="1147622" cy="369332"/>
           </a:xfrm>
           <a:prstGeom prst="rect">
             <a:avLst/>
@@ -5671,27 +3408,23 @@
           <a:lstStyle/>
           <a:p>
             <a:r>
-              <a:rPr lang="fr-FR" sz="1100" b="0" dirty="0" smtClean="0"/>
-              <a:t>MR</a:t>
+              <a:rPr lang="fr-FR" dirty="0" smtClean="0"/>
+              <a:t>Ouverture</a:t>
             </a:r>
-            <a:r>
-              <a:rPr lang="fr-FR" sz="1100" b="0" baseline="-25000" dirty="0" smtClean="0"/>
-              <a:t>1</a:t>
-            </a:r>
-            <a:endParaRPr lang="fr-FR" sz="1100" baseline="-25000" dirty="0"/>
+            <a:endParaRPr lang="fr-FR" dirty="0"/>
           </a:p>
         </p:txBody>
       </p:sp>
       <p:sp>
         <p:nvSpPr>
-          <p:cNvPr id="111" name="ZoneTexte 110"/>
+          <p:cNvPr id="8" name="ZoneTexte 7"/>
           <p:cNvSpPr txBox="1"/>
           <p:nvPr/>
         </p:nvSpPr>
         <p:spPr>
           <a:xfrm>
-            <a:off x="1862474" y="2436439"/>
-            <a:ext cx="429926" cy="261610"/>
+            <a:off x="3935057" y="5611507"/>
+            <a:ext cx="1172500" cy="369332"/>
           </a:xfrm>
           <a:prstGeom prst="rect">
             <a:avLst/>
@@ -5705,21 +3438,121 @@
           <a:lstStyle/>
           <a:p>
             <a:r>
-              <a:rPr lang="fr-FR" sz="1100" b="0" dirty="0" smtClean="0"/>
-              <a:t>MR</a:t>
+              <a:rPr lang="fr-FR" dirty="0" smtClean="0"/>
+              <a:t>Fermeture</a:t>
             </a:r>
-            <a:r>
-              <a:rPr lang="fr-FR" sz="1100" b="0" baseline="-25000" dirty="0" smtClean="0"/>
-              <a:t>2</a:t>
-            </a:r>
-            <a:endParaRPr lang="fr-FR" sz="1100" baseline="-25000" dirty="0"/>
+            <a:endParaRPr lang="fr-FR" dirty="0"/>
           </a:p>
         </p:txBody>
       </p:sp>
+      <p:cxnSp>
+        <p:nvCxnSpPr>
+          <p:cNvPr id="9" name="Connecteur droit 8"/>
+          <p:cNvCxnSpPr/>
+          <p:nvPr/>
+        </p:nvCxnSpPr>
+        <p:spPr>
+          <a:xfrm flipH="1">
+            <a:off x="2555776" y="6140531"/>
+            <a:ext cx="4534251" cy="0"/>
+          </a:xfrm>
+          <a:prstGeom prst="line">
+            <a:avLst/>
+          </a:prstGeom>
+          <a:ln w="38100">
+            <a:solidFill>
+              <a:srgbClr val="FF0000"/>
+            </a:solidFill>
+            <a:headEnd type="none"/>
+            <a:tailEnd type="stealth" w="med" len="lg"/>
+          </a:ln>
+        </p:spPr>
+        <p:style>
+          <a:lnRef idx="1">
+            <a:schemeClr val="accent1"/>
+          </a:lnRef>
+          <a:fillRef idx="0">
+            <a:schemeClr val="accent1"/>
+          </a:fillRef>
+          <a:effectRef idx="0">
+            <a:schemeClr val="accent1"/>
+          </a:effectRef>
+          <a:fontRef idx="minor">
+            <a:schemeClr val="tx1"/>
+          </a:fontRef>
+        </p:style>
+      </p:cxnSp>
+      <p:sp>
+        <p:nvSpPr>
+          <p:cNvPr id="12" name="ZoneTexte 11"/>
+          <p:cNvSpPr txBox="1"/>
+          <p:nvPr/>
+        </p:nvSpPr>
+        <p:spPr>
+          <a:xfrm>
+            <a:off x="1890082" y="5955865"/>
+            <a:ext cx="737702" cy="369332"/>
+          </a:xfrm>
+          <a:prstGeom prst="rect">
+            <a:avLst/>
+          </a:prstGeom>
+          <a:noFill/>
+        </p:spPr>
+        <p:txBody>
+          <a:bodyPr wrap="none" rtlCol="0">
+            <a:spAutoFit/>
+          </a:bodyPr>
+          <a:lstStyle/>
+          <a:p>
+            <a:r>
+              <a:rPr lang="fr-FR" b="1" dirty="0" smtClean="0"/>
+              <a:t>500 N</a:t>
+            </a:r>
+            <a:endParaRPr lang="fr-FR" b="1" dirty="0"/>
+          </a:p>
+        </p:txBody>
+      </p:sp>
+      <p:cxnSp>
+        <p:nvCxnSpPr>
+          <p:cNvPr id="14" name="Connecteur droit 13"/>
+          <p:cNvCxnSpPr/>
+          <p:nvPr/>
+        </p:nvCxnSpPr>
+        <p:spPr>
+          <a:xfrm flipH="1" flipV="1">
+            <a:off x="4067944" y="5617576"/>
+            <a:ext cx="3950794" cy="676578"/>
+          </a:xfrm>
+          <a:prstGeom prst="line">
+            <a:avLst/>
+          </a:prstGeom>
+          <a:ln w="38100">
+            <a:solidFill>
+              <a:srgbClr val="FF0000"/>
+            </a:solidFill>
+            <a:headEnd type="none"/>
+            <a:tailEnd type="none" w="med" len="lg"/>
+          </a:ln>
+        </p:spPr>
+        <p:style>
+          <a:lnRef idx="1">
+            <a:schemeClr val="accent1"/>
+          </a:lnRef>
+          <a:fillRef idx="0">
+            <a:schemeClr val="accent1"/>
+          </a:fillRef>
+          <a:effectRef idx="0">
+            <a:schemeClr val="accent1"/>
+          </a:effectRef>
+          <a:fontRef idx="minor">
+            <a:schemeClr val="tx1"/>
+          </a:fontRef>
+        </p:style>
+      </p:cxnSp>
     </p:spTree>
     <p:extLst>
       <p:ext uri="{BB962C8B-B14F-4D97-AF65-F5344CB8AC3E}">
-        <p14:creationId xmlns:p14="http://schemas.microsoft.com/office/powerpoint/2010/main" val="2583468419"/>
+        <p14:creationId xmlns:p14="http://schemas.microsoft.com/office/powerpoint/2010/main" val="1028118152"/>
       </p:ext>
     </p:extLst>
   </p:cSld>
@@ -5729,7 +3562,7 @@
 </p:sld>
 </file>
 
-<file path=ppt/slides/slide10.xml><?xml version="1.0" encoding="utf-8"?>
+<file path=ppt/slides/slide11.xml><?xml version="1.0" encoding="utf-8"?>
 <p:sld xmlns:a="http://schemas.openxmlformats.org/drawingml/2006/main" xmlns:r="http://schemas.openxmlformats.org/officeDocument/2006/relationships" xmlns:p="http://schemas.openxmlformats.org/presentationml/2006/main">
   <p:cSld>
     <p:spTree>
@@ -6877,7 +4710,7 @@
 </p:sld>
 </file>
 
-<file path=ppt/slides/slide11.xml><?xml version="1.0" encoding="utf-8"?>
+<file path=ppt/slides/slide12.xml><?xml version="1.0" encoding="utf-8"?>
 <p:sld xmlns:a="http://schemas.openxmlformats.org/drawingml/2006/main" xmlns:r="http://schemas.openxmlformats.org/officeDocument/2006/relationships" xmlns:p="http://schemas.openxmlformats.org/presentationml/2006/main">
   <p:cSld>
     <p:spTree>
@@ -10759,7 +8592,7 @@
 </p:sld>
 </file>
 
-<file path=ppt/slides/slide12.xml><?xml version="1.0" encoding="utf-8"?>
+<file path=ppt/slides/slide13.xml><?xml version="1.0" encoding="utf-8"?>
 <p:sld xmlns:a="http://schemas.openxmlformats.org/drawingml/2006/main" xmlns:r="http://schemas.openxmlformats.org/officeDocument/2006/relationships" xmlns:p="http://schemas.openxmlformats.org/presentationml/2006/main">
   <p:cSld>
     <p:spTree>
@@ -11372,7 +9205,7 @@
 </p:sld>
 </file>
 
-<file path=ppt/slides/slide13.xml><?xml version="1.0" encoding="utf-8"?>
+<file path=ppt/slides/slide14.xml><?xml version="1.0" encoding="utf-8"?>
 <p:sld xmlns:a="http://schemas.openxmlformats.org/drawingml/2006/main" xmlns:r="http://schemas.openxmlformats.org/officeDocument/2006/relationships" xmlns:p="http://schemas.openxmlformats.org/presentationml/2006/main">
   <p:cSld>
     <p:spTree>
@@ -12221,7 +10054,7 @@
 </p:sld>
 </file>
 
-<file path=ppt/slides/slide14.xml><?xml version="1.0" encoding="utf-8"?>
+<file path=ppt/slides/slide15.xml><?xml version="1.0" encoding="utf-8"?>
 <p:sld xmlns:a="http://schemas.openxmlformats.org/drawingml/2006/main" xmlns:r="http://schemas.openxmlformats.org/officeDocument/2006/relationships" xmlns:p="http://schemas.openxmlformats.org/presentationml/2006/main">
   <p:cSld>
     <p:spTree>
@@ -12884,7 +10717,7 @@
 </p:sld>
 </file>
 
-<file path=ppt/slides/slide15.xml><?xml version="1.0" encoding="utf-8"?>
+<file path=ppt/slides/slide16.xml><?xml version="1.0" encoding="utf-8"?>
 <p:sld xmlns:a="http://schemas.openxmlformats.org/drawingml/2006/main" xmlns:r="http://schemas.openxmlformats.org/officeDocument/2006/relationships" xmlns:p="http://schemas.openxmlformats.org/presentationml/2006/main">
   <p:cSld>
     <p:spTree>
@@ -13777,7 +11610,7 @@
 </p:sld>
 </file>
 
-<file path=ppt/slides/slide16.xml><?xml version="1.0" encoding="utf-8"?>
+<file path=ppt/slides/slide17.xml><?xml version="1.0" encoding="utf-8"?>
 <p:sld xmlns:a="http://schemas.openxmlformats.org/drawingml/2006/main" xmlns:r="http://schemas.openxmlformats.org/officeDocument/2006/relationships" xmlns:p="http://schemas.openxmlformats.org/presentationml/2006/main">
   <p:cSld>
     <p:spTree>
@@ -16417,6 +14250,2702 @@
       </p:pic>
       <p:sp>
         <p:nvSpPr>
+          <p:cNvPr id="5" name="Ellipse 4"/>
+          <p:cNvSpPr/>
+          <p:nvPr/>
+        </p:nvSpPr>
+        <p:spPr>
+          <a:xfrm>
+            <a:off x="1763688" y="1185806"/>
+            <a:ext cx="288032" cy="288032"/>
+          </a:xfrm>
+          <a:prstGeom prst="ellipse">
+            <a:avLst/>
+          </a:prstGeom>
+          <a:solidFill>
+            <a:schemeClr val="accent4">
+              <a:lumMod val="20000"/>
+              <a:lumOff val="80000"/>
+            </a:schemeClr>
+          </a:solidFill>
+          <a:ln w="19050">
+            <a:solidFill>
+              <a:schemeClr val="accent4"/>
+            </a:solidFill>
+          </a:ln>
+        </p:spPr>
+        <p:style>
+          <a:lnRef idx="2">
+            <a:schemeClr val="accent1">
+              <a:shade val="50000"/>
+            </a:schemeClr>
+          </a:lnRef>
+          <a:fillRef idx="1">
+            <a:schemeClr val="accent1"/>
+          </a:fillRef>
+          <a:effectRef idx="0">
+            <a:schemeClr val="accent1"/>
+          </a:effectRef>
+          <a:fontRef idx="minor">
+            <a:schemeClr val="lt1"/>
+          </a:fontRef>
+        </p:style>
+        <p:txBody>
+          <a:bodyPr rtlCol="0" anchor="ctr"/>
+          <a:lstStyle/>
+          <a:p>
+            <a:pPr algn="ctr"/>
+            <a:r>
+              <a:rPr lang="fr-FR" sz="1400" b="1" dirty="0" smtClean="0">
+                <a:solidFill>
+                  <a:schemeClr val="accent4"/>
+                </a:solidFill>
+              </a:rPr>
+              <a:t>1</a:t>
+            </a:r>
+            <a:endParaRPr lang="fr-FR" sz="1400" b="1" dirty="0">
+              <a:solidFill>
+                <a:schemeClr val="accent4"/>
+              </a:solidFill>
+            </a:endParaRPr>
+          </a:p>
+        </p:txBody>
+      </p:sp>
+      <p:cxnSp>
+        <p:nvCxnSpPr>
+          <p:cNvPr id="12" name="Connecteur droit 11"/>
+          <p:cNvCxnSpPr/>
+          <p:nvPr/>
+        </p:nvCxnSpPr>
+        <p:spPr>
+          <a:xfrm flipH="1">
+            <a:off x="2051720" y="1329822"/>
+            <a:ext cx="576064" cy="0"/>
+          </a:xfrm>
+          <a:prstGeom prst="line">
+            <a:avLst/>
+          </a:prstGeom>
+          <a:ln w="19050">
+            <a:solidFill>
+              <a:schemeClr val="tx1"/>
+            </a:solidFill>
+          </a:ln>
+        </p:spPr>
+        <p:style>
+          <a:lnRef idx="1">
+            <a:schemeClr val="accent1"/>
+          </a:lnRef>
+          <a:fillRef idx="0">
+            <a:schemeClr val="accent1"/>
+          </a:fillRef>
+          <a:effectRef idx="0">
+            <a:schemeClr val="accent1"/>
+          </a:effectRef>
+          <a:fontRef idx="minor">
+            <a:schemeClr val="tx1"/>
+          </a:fontRef>
+        </p:style>
+      </p:cxnSp>
+      <p:sp>
+        <p:nvSpPr>
+          <p:cNvPr id="14" name="Forme libre 13"/>
+          <p:cNvSpPr/>
+          <p:nvPr/>
+        </p:nvSpPr>
+        <p:spPr>
+          <a:xfrm>
+            <a:off x="2045375" y="1135808"/>
+            <a:ext cx="576064" cy="99996"/>
+          </a:xfrm>
+          <a:custGeom>
+            <a:avLst/>
+            <a:gdLst>
+              <a:gd name="connsiteX0" fmla="*/ 0 w 596900"/>
+              <a:gd name="connsiteY0" fmla="*/ 209768 h 209768"/>
+              <a:gd name="connsiteX1" fmla="*/ 317500 w 596900"/>
+              <a:gd name="connsiteY1" fmla="*/ 218 h 209768"/>
+              <a:gd name="connsiteX2" fmla="*/ 596900 w 596900"/>
+              <a:gd name="connsiteY2" fmla="*/ 178018 h 209768"/>
+              <a:gd name="connsiteX0" fmla="*/ 0 w 660400"/>
+              <a:gd name="connsiteY0" fmla="*/ 210341 h 280191"/>
+              <a:gd name="connsiteX1" fmla="*/ 317500 w 660400"/>
+              <a:gd name="connsiteY1" fmla="*/ 791 h 280191"/>
+              <a:gd name="connsiteX2" fmla="*/ 660400 w 660400"/>
+              <a:gd name="connsiteY2" fmla="*/ 280191 h 280191"/>
+              <a:gd name="connsiteX0" fmla="*/ 0 w 736600"/>
+              <a:gd name="connsiteY0" fmla="*/ 273055 h 279405"/>
+              <a:gd name="connsiteX1" fmla="*/ 393700 w 736600"/>
+              <a:gd name="connsiteY1" fmla="*/ 5 h 279405"/>
+              <a:gd name="connsiteX2" fmla="*/ 736600 w 736600"/>
+              <a:gd name="connsiteY2" fmla="*/ 279405 h 279405"/>
+            </a:gdLst>
+            <a:ahLst/>
+            <a:cxnLst>
+              <a:cxn ang="0">
+                <a:pos x="connsiteX0" y="connsiteY0"/>
+              </a:cxn>
+              <a:cxn ang="0">
+                <a:pos x="connsiteX1" y="connsiteY1"/>
+              </a:cxn>
+              <a:cxn ang="0">
+                <a:pos x="connsiteX2" y="connsiteY2"/>
+              </a:cxn>
+            </a:cxnLst>
+            <a:rect l="l" t="t" r="r" b="b"/>
+            <a:pathLst>
+              <a:path w="736600" h="279405">
+                <a:moveTo>
+                  <a:pt x="0" y="273055"/>
+                </a:moveTo>
+                <a:cubicBezTo>
+                  <a:pt x="109008" y="170926"/>
+                  <a:pt x="270933" y="-1053"/>
+                  <a:pt x="393700" y="5"/>
+                </a:cubicBezTo>
+                <a:cubicBezTo>
+                  <a:pt x="516467" y="1063"/>
+                  <a:pt x="646641" y="187859"/>
+                  <a:pt x="736600" y="279405"/>
+                </a:cubicBezTo>
+              </a:path>
+            </a:pathLst>
+          </a:custGeom>
+          <a:noFill/>
+          <a:ln>
+            <a:solidFill>
+              <a:srgbClr val="C00000"/>
+            </a:solidFill>
+            <a:headEnd type="stealth" w="med" len="lg"/>
+            <a:tailEnd type="stealth" w="med" len="lg"/>
+          </a:ln>
+        </p:spPr>
+        <p:style>
+          <a:lnRef idx="2">
+            <a:schemeClr val="accent1">
+              <a:shade val="50000"/>
+            </a:schemeClr>
+          </a:lnRef>
+          <a:fillRef idx="1">
+            <a:schemeClr val="accent1"/>
+          </a:fillRef>
+          <a:effectRef idx="0">
+            <a:schemeClr val="accent1"/>
+          </a:effectRef>
+          <a:fontRef idx="minor">
+            <a:schemeClr val="lt1"/>
+          </a:fontRef>
+        </p:style>
+        <p:txBody>
+          <a:bodyPr rtlCol="0" anchor="ctr"/>
+          <a:lstStyle/>
+          <a:p>
+            <a:pPr algn="ctr"/>
+            <a:endParaRPr lang="fr-FR"/>
+          </a:p>
+        </p:txBody>
+      </p:sp>
+      <p:sp>
+        <p:nvSpPr>
+          <p:cNvPr id="15" name="Forme libre 14"/>
+          <p:cNvSpPr/>
+          <p:nvPr/>
+        </p:nvSpPr>
+        <p:spPr>
+          <a:xfrm rot="8127519">
+            <a:off x="1265312" y="2363461"/>
+            <a:ext cx="700130" cy="122095"/>
+          </a:xfrm>
+          <a:custGeom>
+            <a:avLst/>
+            <a:gdLst>
+              <a:gd name="connsiteX0" fmla="*/ 0 w 596900"/>
+              <a:gd name="connsiteY0" fmla="*/ 209768 h 209768"/>
+              <a:gd name="connsiteX1" fmla="*/ 317500 w 596900"/>
+              <a:gd name="connsiteY1" fmla="*/ 218 h 209768"/>
+              <a:gd name="connsiteX2" fmla="*/ 596900 w 596900"/>
+              <a:gd name="connsiteY2" fmla="*/ 178018 h 209768"/>
+              <a:gd name="connsiteX0" fmla="*/ 0 w 660400"/>
+              <a:gd name="connsiteY0" fmla="*/ 210341 h 280191"/>
+              <a:gd name="connsiteX1" fmla="*/ 317500 w 660400"/>
+              <a:gd name="connsiteY1" fmla="*/ 791 h 280191"/>
+              <a:gd name="connsiteX2" fmla="*/ 660400 w 660400"/>
+              <a:gd name="connsiteY2" fmla="*/ 280191 h 280191"/>
+              <a:gd name="connsiteX0" fmla="*/ 0 w 736600"/>
+              <a:gd name="connsiteY0" fmla="*/ 273055 h 279405"/>
+              <a:gd name="connsiteX1" fmla="*/ 393700 w 736600"/>
+              <a:gd name="connsiteY1" fmla="*/ 5 h 279405"/>
+              <a:gd name="connsiteX2" fmla="*/ 736600 w 736600"/>
+              <a:gd name="connsiteY2" fmla="*/ 279405 h 279405"/>
+            </a:gdLst>
+            <a:ahLst/>
+            <a:cxnLst>
+              <a:cxn ang="0">
+                <a:pos x="connsiteX0" y="connsiteY0"/>
+              </a:cxn>
+              <a:cxn ang="0">
+                <a:pos x="connsiteX1" y="connsiteY1"/>
+              </a:cxn>
+              <a:cxn ang="0">
+                <a:pos x="connsiteX2" y="connsiteY2"/>
+              </a:cxn>
+            </a:cxnLst>
+            <a:rect l="l" t="t" r="r" b="b"/>
+            <a:pathLst>
+              <a:path w="736600" h="279405">
+                <a:moveTo>
+                  <a:pt x="0" y="273055"/>
+                </a:moveTo>
+                <a:cubicBezTo>
+                  <a:pt x="109008" y="170926"/>
+                  <a:pt x="270933" y="-1053"/>
+                  <a:pt x="393700" y="5"/>
+                </a:cubicBezTo>
+                <a:cubicBezTo>
+                  <a:pt x="516467" y="1063"/>
+                  <a:pt x="646641" y="187859"/>
+                  <a:pt x="736600" y="279405"/>
+                </a:cubicBezTo>
+              </a:path>
+            </a:pathLst>
+          </a:custGeom>
+          <a:noFill/>
+          <a:ln>
+            <a:solidFill>
+              <a:srgbClr val="C00000"/>
+            </a:solidFill>
+            <a:headEnd type="stealth" w="med" len="lg"/>
+            <a:tailEnd type="stealth" w="med" len="lg"/>
+          </a:ln>
+        </p:spPr>
+        <p:style>
+          <a:lnRef idx="2">
+            <a:schemeClr val="accent1">
+              <a:shade val="50000"/>
+            </a:schemeClr>
+          </a:lnRef>
+          <a:fillRef idx="1">
+            <a:schemeClr val="accent1"/>
+          </a:fillRef>
+          <a:effectRef idx="0">
+            <a:schemeClr val="accent1"/>
+          </a:effectRef>
+          <a:fontRef idx="minor">
+            <a:schemeClr val="lt1"/>
+          </a:fontRef>
+        </p:style>
+        <p:txBody>
+          <a:bodyPr rtlCol="0" anchor="ctr"/>
+          <a:lstStyle/>
+          <a:p>
+            <a:pPr algn="ctr"/>
+            <a:endParaRPr lang="fr-FR"/>
+          </a:p>
+        </p:txBody>
+      </p:sp>
+      <mc:AlternateContent xmlns:mc="http://schemas.openxmlformats.org/markup-compatibility/2006" xmlns:a14="http://schemas.microsoft.com/office/drawing/2010/main">
+        <mc:Choice Requires="a14">
+          <p:sp>
+            <p:nvSpPr>
+              <p:cNvPr id="21" name="ZoneTexte 20"/>
+              <p:cNvSpPr txBox="1"/>
+              <p:nvPr/>
+            </p:nvSpPr>
+            <p:spPr>
+              <a:xfrm>
+                <a:off x="559116" y="1614830"/>
+                <a:ext cx="968983" cy="261610"/>
+              </a:xfrm>
+              <a:prstGeom prst="rect">
+                <a:avLst/>
+              </a:prstGeom>
+              <a:noFill/>
+            </p:spPr>
+            <p:txBody>
+              <a:bodyPr wrap="none" rtlCol="0">
+                <a:spAutoFit/>
+              </a:bodyPr>
+              <a:lstStyle/>
+              <a:p>
+                <a:r>
+                  <a:rPr lang="fr-FR" sz="1100" b="0" dirty="0" smtClean="0"/>
+                  <a:t>Pivot </a:t>
+                </a:r>
+                <a14:m>
+                  <m:oMath xmlns:m="http://schemas.openxmlformats.org/officeDocument/2006/math">
+                    <m:d>
+                      <m:dPr>
+                        <m:ctrlPr>
+                          <a:rPr lang="fr-FR" sz="1100" b="0" i="1" smtClean="0">
+                            <a:latin typeface="Cambria Math"/>
+                          </a:rPr>
+                        </m:ctrlPr>
+                      </m:dPr>
+                      <m:e>
+                        <m:sSub>
+                          <m:sSubPr>
+                            <m:ctrlPr>
+                              <a:rPr lang="fr-FR" sz="1100" b="0" i="1" smtClean="0">
+                                <a:latin typeface="Cambria Math"/>
+                              </a:rPr>
+                            </m:ctrlPr>
+                          </m:sSubPr>
+                          <m:e>
+                            <m:r>
+                              <a:rPr lang="fr-FR" sz="1100" b="0" i="1" smtClean="0">
+                                <a:latin typeface="Cambria Math"/>
+                              </a:rPr>
+                              <m:t>𝑂</m:t>
+                            </m:r>
+                          </m:e>
+                          <m:sub>
+                            <m:r>
+                              <a:rPr lang="fr-FR" sz="1100" b="0" i="1" smtClean="0">
+                                <a:latin typeface="Cambria Math"/>
+                              </a:rPr>
+                              <m:t>0</m:t>
+                            </m:r>
+                          </m:sub>
+                        </m:sSub>
+                        <m:r>
+                          <a:rPr lang="fr-FR" sz="1100" b="0" i="1" smtClean="0">
+                            <a:latin typeface="Cambria Math"/>
+                          </a:rPr>
+                          <m:t>,</m:t>
+                        </m:r>
+                        <m:acc>
+                          <m:accPr>
+                            <m:chr m:val="⃗"/>
+                            <m:ctrlPr>
+                              <a:rPr lang="fr-FR" sz="1100" b="0" i="1" smtClean="0">
+                                <a:latin typeface="Cambria Math"/>
+                              </a:rPr>
+                            </m:ctrlPr>
+                          </m:accPr>
+                          <m:e>
+                            <m:sSub>
+                              <m:sSubPr>
+                                <m:ctrlPr>
+                                  <a:rPr lang="fr-FR" sz="1100" b="0" i="1" smtClean="0">
+                                    <a:latin typeface="Cambria Math"/>
+                                  </a:rPr>
+                                </m:ctrlPr>
+                              </m:sSubPr>
+                              <m:e>
+                                <m:r>
+                                  <a:rPr lang="fr-FR" sz="1100" b="0" i="1" smtClean="0">
+                                    <a:latin typeface="Cambria Math"/>
+                                  </a:rPr>
+                                  <m:t>𝑥</m:t>
+                                </m:r>
+                              </m:e>
+                              <m:sub>
+                                <m:r>
+                                  <a:rPr lang="fr-FR" sz="1100" b="0" i="1" smtClean="0">
+                                    <a:latin typeface="Cambria Math"/>
+                                  </a:rPr>
+                                  <m:t>0</m:t>
+                                </m:r>
+                              </m:sub>
+                            </m:sSub>
+                          </m:e>
+                        </m:acc>
+                      </m:e>
+                    </m:d>
+                  </m:oMath>
+                </a14:m>
+                <a:endParaRPr lang="fr-FR" sz="1100" dirty="0"/>
+              </a:p>
+            </p:txBody>
+          </p:sp>
+        </mc:Choice>
+        <mc:Fallback xmlns="">
+          <p:sp>
+            <p:nvSpPr>
+              <p:cNvPr id="21" name="ZoneTexte 20"/>
+              <p:cNvSpPr txBox="1">
+                <a:spLocks noRot="1" noChangeAspect="1" noMove="1" noResize="1" noEditPoints="1" noAdjustHandles="1" noChangeArrowheads="1" noChangeShapeType="1" noTextEdit="1"/>
+              </p:cNvSpPr>
+              <p:nvPr/>
+            </p:nvSpPr>
+            <p:spPr>
+              <a:xfrm>
+                <a:off x="559116" y="1614830"/>
+                <a:ext cx="968983" cy="261610"/>
+              </a:xfrm>
+              <a:prstGeom prst="rect">
+                <a:avLst/>
+              </a:prstGeom>
+              <a:blipFill rotWithShape="1">
+                <a:blip r:embed="rId3"/>
+                <a:stretch>
+                  <a:fillRect b="-16279"/>
+                </a:stretch>
+              </a:blipFill>
+            </p:spPr>
+            <p:txBody>
+              <a:bodyPr/>
+              <a:lstStyle/>
+              <a:p>
+                <a:r>
+                  <a:rPr lang="fr-FR">
+                    <a:noFill/>
+                  </a:rPr>
+                  <a:t> </a:t>
+                </a:r>
+              </a:p>
+            </p:txBody>
+          </p:sp>
+        </mc:Fallback>
+      </mc:AlternateContent>
+      <p:sp>
+        <p:nvSpPr>
+          <p:cNvPr id="9" name="Ellipse 8"/>
+          <p:cNvSpPr/>
+          <p:nvPr/>
+        </p:nvSpPr>
+        <p:spPr>
+          <a:xfrm>
+            <a:off x="899592" y="1185806"/>
+            <a:ext cx="288032" cy="288032"/>
+          </a:xfrm>
+          <a:prstGeom prst="ellipse">
+            <a:avLst/>
+          </a:prstGeom>
+          <a:solidFill>
+            <a:schemeClr val="bg1">
+              <a:lumMod val="85000"/>
+            </a:schemeClr>
+          </a:solidFill>
+          <a:ln w="19050">
+            <a:solidFill>
+              <a:schemeClr val="tx1"/>
+            </a:solidFill>
+          </a:ln>
+        </p:spPr>
+        <p:style>
+          <a:lnRef idx="2">
+            <a:schemeClr val="accent1">
+              <a:shade val="50000"/>
+            </a:schemeClr>
+          </a:lnRef>
+          <a:fillRef idx="1">
+            <a:schemeClr val="accent1"/>
+          </a:fillRef>
+          <a:effectRef idx="0">
+            <a:schemeClr val="accent1"/>
+          </a:effectRef>
+          <a:fontRef idx="minor">
+            <a:schemeClr val="lt1"/>
+          </a:fontRef>
+        </p:style>
+        <p:txBody>
+          <a:bodyPr rtlCol="0" anchor="ctr"/>
+          <a:lstStyle/>
+          <a:p>
+            <a:pPr algn="ctr"/>
+            <a:r>
+              <a:rPr lang="fr-FR" sz="1400" b="1" dirty="0" smtClean="0">
+                <a:solidFill>
+                  <a:sysClr val="windowText" lastClr="000000"/>
+                </a:solidFill>
+              </a:rPr>
+              <a:t>0</a:t>
+            </a:r>
+            <a:endParaRPr lang="fr-FR" sz="1400" b="1" dirty="0">
+              <a:solidFill>
+                <a:sysClr val="windowText" lastClr="000000"/>
+              </a:solidFill>
+            </a:endParaRPr>
+          </a:p>
+        </p:txBody>
+      </p:sp>
+      <p:grpSp>
+        <p:nvGrpSpPr>
+          <p:cNvPr id="1045" name="Groupe 1044"/>
+          <p:cNvGrpSpPr/>
+          <p:nvPr/>
+        </p:nvGrpSpPr>
+        <p:grpSpPr>
+          <a:xfrm rot="5400000">
+            <a:off x="603778" y="1172781"/>
+            <a:ext cx="296416" cy="295212"/>
+            <a:chOff x="899592" y="1473838"/>
+            <a:chExt cx="296416" cy="295212"/>
+          </a:xfrm>
+        </p:grpSpPr>
+        <p:sp>
+          <p:nvSpPr>
+            <p:cNvPr id="1027" name="Forme libre 1026"/>
+            <p:cNvSpPr/>
+            <p:nvPr/>
+          </p:nvSpPr>
+          <p:spPr>
+            <a:xfrm>
+              <a:off x="899592" y="1630392"/>
+              <a:ext cx="284672" cy="138658"/>
+            </a:xfrm>
+            <a:custGeom>
+              <a:avLst/>
+              <a:gdLst>
+                <a:gd name="connsiteX0" fmla="*/ 0 w 284672"/>
+                <a:gd name="connsiteY0" fmla="*/ 0 h 138658"/>
+                <a:gd name="connsiteX1" fmla="*/ 60385 w 284672"/>
+                <a:gd name="connsiteY1" fmla="*/ 112144 h 138658"/>
+                <a:gd name="connsiteX2" fmla="*/ 138023 w 284672"/>
+                <a:gd name="connsiteY2" fmla="*/ 60385 h 138658"/>
+                <a:gd name="connsiteX3" fmla="*/ 207034 w 284672"/>
+                <a:gd name="connsiteY3" fmla="*/ 138023 h 138658"/>
+                <a:gd name="connsiteX4" fmla="*/ 284672 w 284672"/>
+                <a:gd name="connsiteY4" fmla="*/ 8627 h 138658"/>
+              </a:gdLst>
+              <a:ahLst/>
+              <a:cxnLst>
+                <a:cxn ang="0">
+                  <a:pos x="connsiteX0" y="connsiteY0"/>
+                </a:cxn>
+                <a:cxn ang="0">
+                  <a:pos x="connsiteX1" y="connsiteY1"/>
+                </a:cxn>
+                <a:cxn ang="0">
+                  <a:pos x="connsiteX2" y="connsiteY2"/>
+                </a:cxn>
+                <a:cxn ang="0">
+                  <a:pos x="connsiteX3" y="connsiteY3"/>
+                </a:cxn>
+                <a:cxn ang="0">
+                  <a:pos x="connsiteX4" y="connsiteY4"/>
+                </a:cxn>
+              </a:cxnLst>
+              <a:rect l="l" t="t" r="r" b="b"/>
+              <a:pathLst>
+                <a:path w="284672" h="138658">
+                  <a:moveTo>
+                    <a:pt x="0" y="0"/>
+                  </a:moveTo>
+                  <a:cubicBezTo>
+                    <a:pt x="18690" y="51040"/>
+                    <a:pt x="37381" y="102080"/>
+                    <a:pt x="60385" y="112144"/>
+                  </a:cubicBezTo>
+                  <a:cubicBezTo>
+                    <a:pt x="83389" y="122208"/>
+                    <a:pt x="113582" y="56072"/>
+                    <a:pt x="138023" y="60385"/>
+                  </a:cubicBezTo>
+                  <a:cubicBezTo>
+                    <a:pt x="162464" y="64698"/>
+                    <a:pt x="182593" y="146649"/>
+                    <a:pt x="207034" y="138023"/>
+                  </a:cubicBezTo>
+                  <a:cubicBezTo>
+                    <a:pt x="231475" y="129397"/>
+                    <a:pt x="258073" y="69012"/>
+                    <a:pt x="284672" y="8627"/>
+                  </a:cubicBezTo>
+                </a:path>
+              </a:pathLst>
+            </a:custGeom>
+            <a:solidFill>
+              <a:schemeClr val="bg1">
+                <a:lumMod val="85000"/>
+              </a:schemeClr>
+            </a:solidFill>
+            <a:ln w="12700">
+              <a:solidFill>
+                <a:schemeClr val="tx1"/>
+              </a:solidFill>
+            </a:ln>
+          </p:spPr>
+          <p:style>
+            <a:lnRef idx="2">
+              <a:schemeClr val="accent1">
+                <a:shade val="50000"/>
+              </a:schemeClr>
+            </a:lnRef>
+            <a:fillRef idx="1">
+              <a:schemeClr val="accent1"/>
+            </a:fillRef>
+            <a:effectRef idx="0">
+              <a:schemeClr val="accent1"/>
+            </a:effectRef>
+            <a:fontRef idx="minor">
+              <a:schemeClr val="lt1"/>
+            </a:fontRef>
+          </p:style>
+          <p:txBody>
+            <a:bodyPr rtlCol="0" anchor="ctr"/>
+            <a:lstStyle/>
+            <a:p>
+              <a:pPr algn="ctr"/>
+              <a:endParaRPr lang="fr-FR"/>
+            </a:p>
+          </p:txBody>
+        </p:sp>
+        <p:cxnSp>
+          <p:nvCxnSpPr>
+            <p:cNvPr id="1024" name="Connecteur droit 1023"/>
+            <p:cNvCxnSpPr>
+              <a:stCxn id="9" idx="4"/>
+            </p:cNvCxnSpPr>
+            <p:nvPr/>
+          </p:nvCxnSpPr>
+          <p:spPr>
+            <a:xfrm>
+              <a:off x="1043608" y="1473838"/>
+              <a:ext cx="0" cy="154962"/>
+            </a:xfrm>
+            <a:prstGeom prst="line">
+              <a:avLst/>
+            </a:prstGeom>
+            <a:solidFill>
+              <a:schemeClr val="bg1">
+                <a:lumMod val="85000"/>
+              </a:schemeClr>
+            </a:solidFill>
+            <a:ln w="28575">
+              <a:solidFill>
+                <a:schemeClr val="tx1"/>
+              </a:solidFill>
+            </a:ln>
+          </p:spPr>
+          <p:style>
+            <a:lnRef idx="2">
+              <a:schemeClr val="accent1">
+                <a:shade val="50000"/>
+              </a:schemeClr>
+            </a:lnRef>
+            <a:fillRef idx="1">
+              <a:schemeClr val="accent1"/>
+            </a:fillRef>
+            <a:effectRef idx="0">
+              <a:schemeClr val="accent1"/>
+            </a:effectRef>
+            <a:fontRef idx="minor">
+              <a:schemeClr val="lt1"/>
+            </a:fontRef>
+          </p:style>
+        </p:cxnSp>
+        <p:cxnSp>
+          <p:nvCxnSpPr>
+            <p:cNvPr id="34" name="Connecteur droit 33"/>
+            <p:cNvCxnSpPr/>
+            <p:nvPr/>
+          </p:nvCxnSpPr>
+          <p:spPr>
+            <a:xfrm flipH="1">
+              <a:off x="899592" y="1626238"/>
+              <a:ext cx="296416" cy="0"/>
+            </a:xfrm>
+            <a:prstGeom prst="line">
+              <a:avLst/>
+            </a:prstGeom>
+            <a:solidFill>
+              <a:schemeClr val="bg1">
+                <a:lumMod val="85000"/>
+              </a:schemeClr>
+            </a:solidFill>
+            <a:ln w="28575">
+              <a:solidFill>
+                <a:schemeClr val="tx1"/>
+              </a:solidFill>
+            </a:ln>
+          </p:spPr>
+          <p:style>
+            <a:lnRef idx="2">
+              <a:schemeClr val="accent1">
+                <a:shade val="50000"/>
+              </a:schemeClr>
+            </a:lnRef>
+            <a:fillRef idx="1">
+              <a:schemeClr val="accent1"/>
+            </a:fillRef>
+            <a:effectRef idx="0">
+              <a:schemeClr val="accent1"/>
+            </a:effectRef>
+            <a:fontRef idx="minor">
+              <a:schemeClr val="lt1"/>
+            </a:fontRef>
+          </p:style>
+        </p:cxnSp>
+      </p:grpSp>
+      <p:sp>
+        <p:nvSpPr>
+          <p:cNvPr id="38" name="Ellipse 37"/>
+          <p:cNvSpPr/>
+          <p:nvPr/>
+        </p:nvSpPr>
+        <p:spPr>
+          <a:xfrm>
+            <a:off x="2627784" y="1185806"/>
+            <a:ext cx="288032" cy="288032"/>
+          </a:xfrm>
+          <a:prstGeom prst="ellipse">
+            <a:avLst/>
+          </a:prstGeom>
+          <a:solidFill>
+            <a:schemeClr val="accent2">
+              <a:lumMod val="20000"/>
+              <a:lumOff val="80000"/>
+            </a:schemeClr>
+          </a:solidFill>
+          <a:ln w="19050">
+            <a:solidFill>
+              <a:schemeClr val="accent2"/>
+            </a:solidFill>
+          </a:ln>
+        </p:spPr>
+        <p:style>
+          <a:lnRef idx="2">
+            <a:schemeClr val="accent1">
+              <a:shade val="50000"/>
+            </a:schemeClr>
+          </a:lnRef>
+          <a:fillRef idx="1">
+            <a:schemeClr val="accent1"/>
+          </a:fillRef>
+          <a:effectRef idx="0">
+            <a:schemeClr val="accent1"/>
+          </a:effectRef>
+          <a:fontRef idx="minor">
+            <a:schemeClr val="lt1"/>
+          </a:fontRef>
+        </p:style>
+        <p:txBody>
+          <a:bodyPr rtlCol="0" anchor="ctr"/>
+          <a:lstStyle/>
+          <a:p>
+            <a:pPr algn="ctr"/>
+            <a:r>
+              <a:rPr lang="fr-FR" sz="1400" b="1" dirty="0">
+                <a:solidFill>
+                  <a:schemeClr val="accent2"/>
+                </a:solidFill>
+              </a:rPr>
+              <a:t>2</a:t>
+            </a:r>
+          </a:p>
+        </p:txBody>
+      </p:sp>
+      <p:sp>
+        <p:nvSpPr>
+          <p:cNvPr id="40" name="Ellipse 39"/>
+          <p:cNvSpPr/>
+          <p:nvPr/>
+        </p:nvSpPr>
+        <p:spPr>
+          <a:xfrm>
+            <a:off x="1619672" y="1861722"/>
+            <a:ext cx="576064" cy="288032"/>
+          </a:xfrm>
+          <a:prstGeom prst="ellipse">
+            <a:avLst/>
+          </a:prstGeom>
+          <a:solidFill>
+            <a:schemeClr val="accent3">
+              <a:lumMod val="20000"/>
+              <a:lumOff val="80000"/>
+            </a:schemeClr>
+          </a:solidFill>
+          <a:ln w="19050">
+            <a:solidFill>
+              <a:schemeClr val="accent3"/>
+            </a:solidFill>
+          </a:ln>
+        </p:spPr>
+        <p:style>
+          <a:lnRef idx="2">
+            <a:schemeClr val="accent1">
+              <a:shade val="50000"/>
+            </a:schemeClr>
+          </a:lnRef>
+          <a:fillRef idx="1">
+            <a:schemeClr val="accent1"/>
+          </a:fillRef>
+          <a:effectRef idx="0">
+            <a:schemeClr val="accent1"/>
+          </a:effectRef>
+          <a:fontRef idx="minor">
+            <a:schemeClr val="lt1"/>
+          </a:fontRef>
+        </p:style>
+        <p:txBody>
+          <a:bodyPr rtlCol="0" anchor="ctr"/>
+          <a:lstStyle/>
+          <a:p>
+            <a:pPr algn="ctr"/>
+            <a:r>
+              <a:rPr lang="fr-FR" sz="1050" b="1" i="1" dirty="0" err="1" smtClean="0">
+                <a:solidFill>
+                  <a:schemeClr val="accent3"/>
+                </a:solidFill>
+              </a:rPr>
+              <a:t>sre</a:t>
+            </a:r>
+            <a:endParaRPr lang="fr-FR" sz="1050" b="1" i="1" dirty="0">
+              <a:solidFill>
+                <a:schemeClr val="accent3"/>
+              </a:solidFill>
+            </a:endParaRPr>
+          </a:p>
+        </p:txBody>
+      </p:sp>
+      <p:cxnSp>
+        <p:nvCxnSpPr>
+          <p:cNvPr id="43" name="Connecteur droit 42"/>
+          <p:cNvCxnSpPr>
+            <a:stCxn id="5" idx="2"/>
+            <a:endCxn id="9" idx="6"/>
+          </p:cNvCxnSpPr>
+          <p:nvPr/>
+        </p:nvCxnSpPr>
+        <p:spPr>
+          <a:xfrm flipH="1">
+            <a:off x="1187624" y="1329822"/>
+            <a:ext cx="576064" cy="0"/>
+          </a:xfrm>
+          <a:prstGeom prst="line">
+            <a:avLst/>
+          </a:prstGeom>
+          <a:ln w="19050">
+            <a:solidFill>
+              <a:schemeClr val="tx1"/>
+            </a:solidFill>
+          </a:ln>
+        </p:spPr>
+        <p:style>
+          <a:lnRef idx="1">
+            <a:schemeClr val="accent1"/>
+          </a:lnRef>
+          <a:fillRef idx="0">
+            <a:schemeClr val="accent1"/>
+          </a:fillRef>
+          <a:effectRef idx="0">
+            <a:schemeClr val="accent1"/>
+          </a:effectRef>
+          <a:fontRef idx="minor">
+            <a:schemeClr val="tx1"/>
+          </a:fontRef>
+        </p:style>
+      </p:cxnSp>
+      <p:cxnSp>
+        <p:nvCxnSpPr>
+          <p:cNvPr id="46" name="Connecteur droit 45"/>
+          <p:cNvCxnSpPr>
+            <a:stCxn id="40" idx="1"/>
+            <a:endCxn id="9" idx="5"/>
+          </p:cNvCxnSpPr>
+          <p:nvPr/>
+        </p:nvCxnSpPr>
+        <p:spPr>
+          <a:xfrm flipH="1" flipV="1">
+            <a:off x="1145443" y="1431657"/>
+            <a:ext cx="558592" cy="472246"/>
+          </a:xfrm>
+          <a:prstGeom prst="line">
+            <a:avLst/>
+          </a:prstGeom>
+          <a:ln w="19050">
+            <a:solidFill>
+              <a:schemeClr val="tx1"/>
+            </a:solidFill>
+          </a:ln>
+        </p:spPr>
+        <p:style>
+          <a:lnRef idx="1">
+            <a:schemeClr val="accent1"/>
+          </a:lnRef>
+          <a:fillRef idx="0">
+            <a:schemeClr val="accent1"/>
+          </a:fillRef>
+          <a:effectRef idx="0">
+            <a:schemeClr val="accent1"/>
+          </a:effectRef>
+          <a:fontRef idx="minor">
+            <a:schemeClr val="tx1"/>
+          </a:fontRef>
+        </p:style>
+      </p:cxnSp>
+      <p:cxnSp>
+        <p:nvCxnSpPr>
+          <p:cNvPr id="49" name="Connecteur droit 48"/>
+          <p:cNvCxnSpPr>
+            <a:stCxn id="60" idx="7"/>
+            <a:endCxn id="40" idx="3"/>
+          </p:cNvCxnSpPr>
+          <p:nvPr/>
+        </p:nvCxnSpPr>
+        <p:spPr>
+          <a:xfrm flipV="1">
+            <a:off x="1250119" y="2107573"/>
+            <a:ext cx="453916" cy="438293"/>
+          </a:xfrm>
+          <a:prstGeom prst="line">
+            <a:avLst/>
+          </a:prstGeom>
+          <a:ln w="19050">
+            <a:solidFill>
+              <a:schemeClr val="tx1"/>
+            </a:solidFill>
+          </a:ln>
+        </p:spPr>
+        <p:style>
+          <a:lnRef idx="1">
+            <a:schemeClr val="accent1"/>
+          </a:lnRef>
+          <a:fillRef idx="0">
+            <a:schemeClr val="accent1"/>
+          </a:fillRef>
+          <a:effectRef idx="0">
+            <a:schemeClr val="accent1"/>
+          </a:effectRef>
+          <a:fontRef idx="minor">
+            <a:schemeClr val="tx1"/>
+          </a:fontRef>
+        </p:style>
+      </p:cxnSp>
+      <p:sp>
+        <p:nvSpPr>
+          <p:cNvPr id="60" name="Ellipse 59"/>
+          <p:cNvSpPr/>
+          <p:nvPr/>
+        </p:nvSpPr>
+        <p:spPr>
+          <a:xfrm>
+            <a:off x="774978" y="2503685"/>
+            <a:ext cx="556662" cy="288032"/>
+          </a:xfrm>
+          <a:prstGeom prst="ellipse">
+            <a:avLst/>
+          </a:prstGeom>
+          <a:solidFill>
+            <a:schemeClr val="accent6">
+              <a:lumMod val="20000"/>
+              <a:lumOff val="80000"/>
+            </a:schemeClr>
+          </a:solidFill>
+          <a:ln w="19050">
+            <a:solidFill>
+              <a:schemeClr val="accent6">
+                <a:lumMod val="50000"/>
+              </a:schemeClr>
+            </a:solidFill>
+          </a:ln>
+        </p:spPr>
+        <p:style>
+          <a:lnRef idx="2">
+            <a:schemeClr val="accent1">
+              <a:shade val="50000"/>
+            </a:schemeClr>
+          </a:lnRef>
+          <a:fillRef idx="1">
+            <a:schemeClr val="accent1"/>
+          </a:fillRef>
+          <a:effectRef idx="0">
+            <a:schemeClr val="accent1"/>
+          </a:effectRef>
+          <a:fontRef idx="minor">
+            <a:schemeClr val="lt1"/>
+          </a:fontRef>
+        </p:style>
+        <p:txBody>
+          <a:bodyPr rtlCol="0" anchor="ctr"/>
+          <a:lstStyle/>
+          <a:p>
+            <a:pPr algn="ctr"/>
+            <a:r>
+              <a:rPr lang="fr-FR" sz="1000" b="1" dirty="0" smtClean="0">
+                <a:solidFill>
+                  <a:sysClr val="windowText" lastClr="000000"/>
+                </a:solidFill>
+              </a:rPr>
+              <a:t>re</a:t>
+            </a:r>
+            <a:r>
+              <a:rPr lang="fr-FR" sz="1000" b="1" baseline="-25000" dirty="0" smtClean="0">
+                <a:solidFill>
+                  <a:sysClr val="windowText" lastClr="000000"/>
+                </a:solidFill>
+              </a:rPr>
+              <a:t>1</a:t>
+            </a:r>
+            <a:endParaRPr lang="fr-FR" sz="1000" b="1" baseline="-25000" dirty="0">
+              <a:solidFill>
+                <a:sysClr val="windowText" lastClr="000000"/>
+              </a:solidFill>
+            </a:endParaRPr>
+          </a:p>
+        </p:txBody>
+      </p:sp>
+      <p:cxnSp>
+        <p:nvCxnSpPr>
+          <p:cNvPr id="63" name="Connecteur droit 62"/>
+          <p:cNvCxnSpPr>
+            <a:stCxn id="40" idx="7"/>
+            <a:endCxn id="38" idx="3"/>
+          </p:cNvCxnSpPr>
+          <p:nvPr/>
+        </p:nvCxnSpPr>
+        <p:spPr>
+          <a:xfrm flipV="1">
+            <a:off x="2111373" y="1431657"/>
+            <a:ext cx="558592" cy="472246"/>
+          </a:xfrm>
+          <a:prstGeom prst="line">
+            <a:avLst/>
+          </a:prstGeom>
+          <a:ln w="19050">
+            <a:solidFill>
+              <a:schemeClr val="tx1"/>
+            </a:solidFill>
+          </a:ln>
+        </p:spPr>
+        <p:style>
+          <a:lnRef idx="1">
+            <a:schemeClr val="accent1"/>
+          </a:lnRef>
+          <a:fillRef idx="0">
+            <a:schemeClr val="accent1"/>
+          </a:fillRef>
+          <a:effectRef idx="0">
+            <a:schemeClr val="accent1"/>
+          </a:effectRef>
+          <a:fontRef idx="minor">
+            <a:schemeClr val="tx1"/>
+          </a:fontRef>
+        </p:style>
+      </p:cxnSp>
+      <p:cxnSp>
+        <p:nvCxnSpPr>
+          <p:cNvPr id="66" name="Connecteur droit 65"/>
+          <p:cNvCxnSpPr>
+            <a:stCxn id="67" idx="1"/>
+            <a:endCxn id="40" idx="5"/>
+          </p:cNvCxnSpPr>
+          <p:nvPr/>
+        </p:nvCxnSpPr>
+        <p:spPr>
+          <a:xfrm flipH="1" flipV="1">
+            <a:off x="2111373" y="2107573"/>
+            <a:ext cx="463617" cy="438293"/>
+          </a:xfrm>
+          <a:prstGeom prst="line">
+            <a:avLst/>
+          </a:prstGeom>
+          <a:ln w="19050">
+            <a:solidFill>
+              <a:schemeClr val="tx1"/>
+            </a:solidFill>
+          </a:ln>
+        </p:spPr>
+        <p:style>
+          <a:lnRef idx="1">
+            <a:schemeClr val="accent1"/>
+          </a:lnRef>
+          <a:fillRef idx="0">
+            <a:schemeClr val="accent1"/>
+          </a:fillRef>
+          <a:effectRef idx="0">
+            <a:schemeClr val="accent1"/>
+          </a:effectRef>
+          <a:fontRef idx="minor">
+            <a:schemeClr val="tx1"/>
+          </a:fontRef>
+        </p:style>
+      </p:cxnSp>
+      <p:sp>
+        <p:nvSpPr>
+          <p:cNvPr id="67" name="Ellipse 66"/>
+          <p:cNvSpPr/>
+          <p:nvPr/>
+        </p:nvSpPr>
+        <p:spPr>
+          <a:xfrm>
+            <a:off x="2493469" y="2503685"/>
+            <a:ext cx="556662" cy="288032"/>
+          </a:xfrm>
+          <a:prstGeom prst="ellipse">
+            <a:avLst/>
+          </a:prstGeom>
+          <a:solidFill>
+            <a:schemeClr val="accent6">
+              <a:lumMod val="20000"/>
+              <a:lumOff val="80000"/>
+            </a:schemeClr>
+          </a:solidFill>
+          <a:ln w="19050">
+            <a:solidFill>
+              <a:schemeClr val="accent6">
+                <a:lumMod val="50000"/>
+              </a:schemeClr>
+            </a:solidFill>
+          </a:ln>
+        </p:spPr>
+        <p:style>
+          <a:lnRef idx="2">
+            <a:schemeClr val="accent1">
+              <a:shade val="50000"/>
+            </a:schemeClr>
+          </a:lnRef>
+          <a:fillRef idx="1">
+            <a:schemeClr val="accent1"/>
+          </a:fillRef>
+          <a:effectRef idx="0">
+            <a:schemeClr val="accent1"/>
+          </a:effectRef>
+          <a:fontRef idx="minor">
+            <a:schemeClr val="lt1"/>
+          </a:fontRef>
+        </p:style>
+        <p:txBody>
+          <a:bodyPr rtlCol="0" anchor="ctr"/>
+          <a:lstStyle/>
+          <a:p>
+            <a:pPr algn="ctr"/>
+            <a:r>
+              <a:rPr lang="fr-FR" sz="1000" b="1" dirty="0" smtClean="0">
+                <a:solidFill>
+                  <a:sysClr val="windowText" lastClr="000000"/>
+                </a:solidFill>
+              </a:rPr>
+              <a:t>re</a:t>
+            </a:r>
+            <a:r>
+              <a:rPr lang="fr-FR" sz="1000" b="1" baseline="-25000" dirty="0" smtClean="0">
+                <a:solidFill>
+                  <a:sysClr val="windowText" lastClr="000000"/>
+                </a:solidFill>
+              </a:rPr>
+              <a:t>2</a:t>
+            </a:r>
+            <a:endParaRPr lang="fr-FR" sz="1000" b="1" baseline="-25000" dirty="0">
+              <a:solidFill>
+                <a:sysClr val="windowText" lastClr="000000"/>
+              </a:solidFill>
+            </a:endParaRPr>
+          </a:p>
+        </p:txBody>
+      </p:sp>
+      <p:sp>
+        <p:nvSpPr>
+          <p:cNvPr id="71" name="Ellipse 70"/>
+          <p:cNvSpPr/>
+          <p:nvPr/>
+        </p:nvSpPr>
+        <p:spPr>
+          <a:xfrm>
+            <a:off x="1763688" y="2967782"/>
+            <a:ext cx="288032" cy="288032"/>
+          </a:xfrm>
+          <a:prstGeom prst="ellipse">
+            <a:avLst/>
+          </a:prstGeom>
+          <a:solidFill>
+            <a:schemeClr val="tx2">
+              <a:lumMod val="20000"/>
+              <a:lumOff val="80000"/>
+            </a:schemeClr>
+          </a:solidFill>
+          <a:ln w="19050">
+            <a:solidFill>
+              <a:schemeClr val="tx2"/>
+            </a:solidFill>
+          </a:ln>
+        </p:spPr>
+        <p:style>
+          <a:lnRef idx="2">
+            <a:schemeClr val="accent1">
+              <a:shade val="50000"/>
+            </a:schemeClr>
+          </a:lnRef>
+          <a:fillRef idx="1">
+            <a:schemeClr val="accent1"/>
+          </a:fillRef>
+          <a:effectRef idx="0">
+            <a:schemeClr val="accent1"/>
+          </a:effectRef>
+          <a:fontRef idx="minor">
+            <a:schemeClr val="lt1"/>
+          </a:fontRef>
+        </p:style>
+        <p:txBody>
+          <a:bodyPr rtlCol="0" anchor="ctr"/>
+          <a:lstStyle/>
+          <a:p>
+            <a:pPr algn="ctr"/>
+            <a:r>
+              <a:rPr lang="fr-FR" sz="1400" b="1" dirty="0">
+                <a:solidFill>
+                  <a:schemeClr val="tx2"/>
+                </a:solidFill>
+              </a:rPr>
+              <a:t>3</a:t>
+            </a:r>
+          </a:p>
+        </p:txBody>
+      </p:sp>
+      <p:cxnSp>
+        <p:nvCxnSpPr>
+          <p:cNvPr id="72" name="Connecteur droit 71"/>
+          <p:cNvCxnSpPr>
+            <a:stCxn id="71" idx="6"/>
+            <a:endCxn id="67" idx="3"/>
+          </p:cNvCxnSpPr>
+          <p:nvPr/>
+        </p:nvCxnSpPr>
+        <p:spPr>
+          <a:xfrm flipV="1">
+            <a:off x="2051720" y="2749536"/>
+            <a:ext cx="523270" cy="362262"/>
+          </a:xfrm>
+          <a:prstGeom prst="line">
+            <a:avLst/>
+          </a:prstGeom>
+          <a:ln w="19050">
+            <a:solidFill>
+              <a:schemeClr val="tx1"/>
+            </a:solidFill>
+          </a:ln>
+        </p:spPr>
+        <p:style>
+          <a:lnRef idx="1">
+            <a:schemeClr val="accent1"/>
+          </a:lnRef>
+          <a:fillRef idx="0">
+            <a:schemeClr val="accent1"/>
+          </a:fillRef>
+          <a:effectRef idx="0">
+            <a:schemeClr val="accent1"/>
+          </a:effectRef>
+          <a:fontRef idx="minor">
+            <a:schemeClr val="tx1"/>
+          </a:fontRef>
+        </p:style>
+      </p:cxnSp>
+      <p:cxnSp>
+        <p:nvCxnSpPr>
+          <p:cNvPr id="73" name="Connecteur droit 72"/>
+          <p:cNvCxnSpPr>
+            <a:stCxn id="71" idx="2"/>
+            <a:endCxn id="60" idx="5"/>
+          </p:cNvCxnSpPr>
+          <p:nvPr/>
+        </p:nvCxnSpPr>
+        <p:spPr>
+          <a:xfrm flipH="1" flipV="1">
+            <a:off x="1250119" y="2749536"/>
+            <a:ext cx="513569" cy="362262"/>
+          </a:xfrm>
+          <a:prstGeom prst="line">
+            <a:avLst/>
+          </a:prstGeom>
+          <a:ln w="19050">
+            <a:solidFill>
+              <a:schemeClr val="tx1"/>
+            </a:solidFill>
+          </a:ln>
+        </p:spPr>
+        <p:style>
+          <a:lnRef idx="1">
+            <a:schemeClr val="accent1"/>
+          </a:lnRef>
+          <a:fillRef idx="0">
+            <a:schemeClr val="accent1"/>
+          </a:fillRef>
+          <a:effectRef idx="0">
+            <a:schemeClr val="accent1"/>
+          </a:effectRef>
+          <a:fontRef idx="minor">
+            <a:schemeClr val="tx1"/>
+          </a:fontRef>
+        </p:style>
+      </p:cxnSp>
+      <mc:AlternateContent xmlns:mc="http://schemas.openxmlformats.org/markup-compatibility/2006" xmlns:a14="http://schemas.microsoft.com/office/drawing/2010/main">
+        <mc:Choice Requires="a14">
+          <p:sp>
+            <p:nvSpPr>
+              <p:cNvPr id="79" name="ZoneTexte 78"/>
+              <p:cNvSpPr txBox="1"/>
+              <p:nvPr/>
+            </p:nvSpPr>
+            <p:spPr>
+              <a:xfrm rot="-2700000">
+                <a:off x="1235172" y="813483"/>
+                <a:ext cx="888128" cy="261610"/>
+              </a:xfrm>
+              <a:prstGeom prst="rect">
+                <a:avLst/>
+              </a:prstGeom>
+              <a:noFill/>
+            </p:spPr>
+            <p:txBody>
+              <a:bodyPr wrap="none" rtlCol="0">
+                <a:spAutoFit/>
+              </a:bodyPr>
+              <a:lstStyle/>
+              <a:p>
+                <a:r>
+                  <a:rPr lang="fr-FR" sz="1100" b="0" dirty="0" smtClean="0"/>
+                  <a:t>Sphérique</a:t>
+                </a:r>
+                <a14:m>
+                  <m:oMath xmlns:m="http://schemas.openxmlformats.org/officeDocument/2006/math">
+                    <m:r>
+                      <a:rPr lang="fr-FR" sz="1100" b="0" i="0" smtClean="0">
+                        <a:latin typeface="Cambria Math"/>
+                      </a:rPr>
+                      <m:t> </m:t>
+                    </m:r>
+                    <m:r>
+                      <a:rPr lang="fr-FR" sz="1100" b="0" i="1" smtClean="0">
+                        <a:latin typeface="Cambria Math"/>
+                      </a:rPr>
+                      <m:t>𝐴</m:t>
+                    </m:r>
+                  </m:oMath>
+                </a14:m>
+                <a:endParaRPr lang="fr-FR" sz="1100" dirty="0"/>
+              </a:p>
+            </p:txBody>
+          </p:sp>
+        </mc:Choice>
+        <mc:Fallback xmlns="">
+          <p:sp>
+            <p:nvSpPr>
+              <p:cNvPr id="79" name="ZoneTexte 78"/>
+              <p:cNvSpPr txBox="1">
+                <a:spLocks noRot="1" noChangeAspect="1" noMove="1" noResize="1" noEditPoints="1" noAdjustHandles="1" noChangeArrowheads="1" noChangeShapeType="1" noTextEdit="1"/>
+              </p:cNvSpPr>
+              <p:nvPr/>
+            </p:nvSpPr>
+            <p:spPr>
+              <a:xfrm rot="-2700000">
+                <a:off x="1235172" y="813483"/>
+                <a:ext cx="888128" cy="261610"/>
+              </a:xfrm>
+              <a:prstGeom prst="rect">
+                <a:avLst/>
+              </a:prstGeom>
+              <a:blipFill rotWithShape="1">
+                <a:blip r:embed="rId4"/>
+                <a:stretch>
+                  <a:fillRect b="-2985"/>
+                </a:stretch>
+              </a:blipFill>
+            </p:spPr>
+            <p:txBody>
+              <a:bodyPr/>
+              <a:lstStyle/>
+              <a:p>
+                <a:r>
+                  <a:rPr lang="fr-FR">
+                    <a:noFill/>
+                  </a:rPr>
+                  <a:t> </a:t>
+                </a:r>
+              </a:p>
+            </p:txBody>
+          </p:sp>
+        </mc:Fallback>
+      </mc:AlternateContent>
+      <mc:AlternateContent xmlns:mc="http://schemas.openxmlformats.org/markup-compatibility/2006" xmlns:a14="http://schemas.microsoft.com/office/drawing/2010/main">
+        <mc:Choice Requires="a14">
+          <p:sp>
+            <p:nvSpPr>
+              <p:cNvPr id="80" name="ZoneTexte 79"/>
+              <p:cNvSpPr txBox="1"/>
+              <p:nvPr/>
+            </p:nvSpPr>
+            <p:spPr>
+              <a:xfrm>
+                <a:off x="2313355" y="1654049"/>
+                <a:ext cx="893771" cy="261610"/>
+              </a:xfrm>
+              <a:prstGeom prst="rect">
+                <a:avLst/>
+              </a:prstGeom>
+              <a:noFill/>
+            </p:spPr>
+            <p:txBody>
+              <a:bodyPr wrap="none" rtlCol="0">
+                <a:spAutoFit/>
+              </a:bodyPr>
+              <a:lstStyle/>
+              <a:p>
+                <a:r>
+                  <a:rPr lang="fr-FR" sz="1100" b="0" dirty="0" smtClean="0"/>
+                  <a:t>Sphérique</a:t>
+                </a:r>
+                <a14:m>
+                  <m:oMath xmlns:m="http://schemas.openxmlformats.org/officeDocument/2006/math">
+                    <m:r>
+                      <a:rPr lang="fr-FR" sz="1100" b="0" i="0" smtClean="0">
+                        <a:latin typeface="Cambria Math"/>
+                      </a:rPr>
+                      <m:t> </m:t>
+                    </m:r>
+                    <m:r>
+                      <a:rPr lang="fr-FR" sz="1100" b="0" i="1" smtClean="0">
+                        <a:latin typeface="Cambria Math"/>
+                      </a:rPr>
+                      <m:t>𝐵</m:t>
+                    </m:r>
+                  </m:oMath>
+                </a14:m>
+                <a:endParaRPr lang="fr-FR" sz="1100" dirty="0"/>
+              </a:p>
+            </p:txBody>
+          </p:sp>
+        </mc:Choice>
+        <mc:Fallback xmlns="">
+          <p:sp>
+            <p:nvSpPr>
+              <p:cNvPr id="80" name="ZoneTexte 79"/>
+              <p:cNvSpPr txBox="1">
+                <a:spLocks noRot="1" noChangeAspect="1" noMove="1" noResize="1" noEditPoints="1" noAdjustHandles="1" noChangeArrowheads="1" noChangeShapeType="1" noTextEdit="1"/>
+              </p:cNvSpPr>
+              <p:nvPr/>
+            </p:nvSpPr>
+            <p:spPr>
+              <a:xfrm>
+                <a:off x="2313355" y="1654049"/>
+                <a:ext cx="893771" cy="261610"/>
+              </a:xfrm>
+              <a:prstGeom prst="rect">
+                <a:avLst/>
+              </a:prstGeom>
+              <a:blipFill rotWithShape="1">
+                <a:blip r:embed="rId5"/>
+                <a:stretch>
+                  <a:fillRect b="-16279"/>
+                </a:stretch>
+              </a:blipFill>
+            </p:spPr>
+            <p:txBody>
+              <a:bodyPr/>
+              <a:lstStyle/>
+              <a:p>
+                <a:r>
+                  <a:rPr lang="fr-FR">
+                    <a:noFill/>
+                  </a:rPr>
+                  <a:t> </a:t>
+                </a:r>
+              </a:p>
+            </p:txBody>
+          </p:sp>
+        </mc:Fallback>
+      </mc:AlternateContent>
+      <mc:AlternateContent xmlns:mc="http://schemas.openxmlformats.org/markup-compatibility/2006" xmlns:a14="http://schemas.microsoft.com/office/drawing/2010/main">
+        <mc:Choice Requires="a14">
+          <p:sp>
+            <p:nvSpPr>
+              <p:cNvPr id="82" name="ZoneTexte 81"/>
+              <p:cNvSpPr txBox="1"/>
+              <p:nvPr/>
+            </p:nvSpPr>
+            <p:spPr>
+              <a:xfrm rot="-2700000">
+                <a:off x="2295881" y="614812"/>
+                <a:ext cx="1039708" cy="296876"/>
+              </a:xfrm>
+              <a:prstGeom prst="rect">
+                <a:avLst/>
+              </a:prstGeom>
+              <a:noFill/>
+            </p:spPr>
+            <p:txBody>
+              <a:bodyPr wrap="none" rtlCol="0">
+                <a:spAutoFit/>
+              </a:bodyPr>
+              <a:lstStyle/>
+              <a:p>
+                <a:r>
+                  <a:rPr lang="fr-FR" sz="1100" b="0" dirty="0" smtClean="0"/>
+                  <a:t>Pivot </a:t>
+                </a:r>
+                <a:r>
+                  <a:rPr lang="fr-FR" sz="1100" b="0" dirty="0" err="1" smtClean="0"/>
+                  <a:t>Gli</a:t>
+                </a:r>
+                <a:r>
+                  <a:rPr lang="fr-FR" sz="1100" b="0" dirty="0" smtClean="0"/>
+                  <a:t>. </a:t>
+                </a:r>
+                <a14:m>
+                  <m:oMath xmlns:m="http://schemas.openxmlformats.org/officeDocument/2006/math">
+                    <m:d>
+                      <m:dPr>
+                        <m:ctrlPr>
+                          <a:rPr lang="fr-FR" sz="1100" b="0" i="1" smtClean="0">
+                            <a:latin typeface="Cambria Math"/>
+                          </a:rPr>
+                        </m:ctrlPr>
+                      </m:dPr>
+                      <m:e>
+                        <m:acc>
+                          <m:accPr>
+                            <m:chr m:val="⃗"/>
+                            <m:ctrlPr>
+                              <a:rPr lang="fr-FR" sz="1100" b="0" i="1" smtClean="0">
+                                <a:latin typeface="Cambria Math"/>
+                              </a:rPr>
+                            </m:ctrlPr>
+                          </m:accPr>
+                          <m:e>
+                            <m:r>
+                              <a:rPr lang="fr-FR" sz="1100" b="0" i="1" smtClean="0">
+                                <a:latin typeface="Cambria Math"/>
+                              </a:rPr>
+                              <m:t>𝐴𝐵</m:t>
+                            </m:r>
+                          </m:e>
+                        </m:acc>
+                      </m:e>
+                    </m:d>
+                  </m:oMath>
+                </a14:m>
+                <a:endParaRPr lang="fr-FR" sz="1100" dirty="0"/>
+              </a:p>
+            </p:txBody>
+          </p:sp>
+        </mc:Choice>
+        <mc:Fallback xmlns="">
+          <p:sp>
+            <p:nvSpPr>
+              <p:cNvPr id="82" name="ZoneTexte 81"/>
+              <p:cNvSpPr txBox="1">
+                <a:spLocks noRot="1" noChangeAspect="1" noMove="1" noResize="1" noEditPoints="1" noAdjustHandles="1" noChangeArrowheads="1" noChangeShapeType="1" noTextEdit="1"/>
+              </p:cNvSpPr>
+              <p:nvPr/>
+            </p:nvSpPr>
+            <p:spPr>
+              <a:xfrm rot="-2700000">
+                <a:off x="2295881" y="614812"/>
+                <a:ext cx="1039708" cy="296876"/>
+              </a:xfrm>
+              <a:prstGeom prst="rect">
+                <a:avLst/>
+              </a:prstGeom>
+              <a:blipFill rotWithShape="1">
+                <a:blip r:embed="rId6"/>
+                <a:stretch>
+                  <a:fillRect b="-1923"/>
+                </a:stretch>
+              </a:blipFill>
+            </p:spPr>
+            <p:txBody>
+              <a:bodyPr/>
+              <a:lstStyle/>
+              <a:p>
+                <a:r>
+                  <a:rPr lang="fr-FR">
+                    <a:noFill/>
+                  </a:rPr>
+                  <a:t> </a:t>
+                </a:r>
+              </a:p>
+            </p:txBody>
+          </p:sp>
+        </mc:Fallback>
+      </mc:AlternateContent>
+      <mc:AlternateContent xmlns:mc="http://schemas.openxmlformats.org/markup-compatibility/2006" xmlns:a14="http://schemas.microsoft.com/office/drawing/2010/main">
+        <mc:Choice Requires="a14">
+          <p:sp>
+            <p:nvSpPr>
+              <p:cNvPr id="83" name="ZoneTexte 82"/>
+              <p:cNvSpPr txBox="1"/>
+              <p:nvPr/>
+            </p:nvSpPr>
+            <p:spPr>
+              <a:xfrm>
+                <a:off x="2390669" y="2145537"/>
+                <a:ext cx="969240" cy="261610"/>
+              </a:xfrm>
+              <a:prstGeom prst="rect">
+                <a:avLst/>
+              </a:prstGeom>
+              <a:noFill/>
+            </p:spPr>
+            <p:txBody>
+              <a:bodyPr wrap="none" rtlCol="0">
+                <a:spAutoFit/>
+              </a:bodyPr>
+              <a:lstStyle/>
+              <a:p>
+                <a:r>
+                  <a:rPr lang="fr-FR" sz="1100" b="0" dirty="0" smtClean="0"/>
+                  <a:t>Pivot </a:t>
+                </a:r>
+                <a14:m>
+                  <m:oMath xmlns:m="http://schemas.openxmlformats.org/officeDocument/2006/math">
+                    <m:d>
+                      <m:dPr>
+                        <m:ctrlPr>
+                          <a:rPr lang="fr-FR" sz="1100" b="0" i="1" smtClean="0">
+                            <a:latin typeface="Cambria Math"/>
+                          </a:rPr>
+                        </m:ctrlPr>
+                      </m:dPr>
+                      <m:e>
+                        <m:sSub>
+                          <m:sSubPr>
+                            <m:ctrlPr>
+                              <a:rPr lang="fr-FR" sz="1100" b="0" i="1" smtClean="0">
+                                <a:latin typeface="Cambria Math"/>
+                              </a:rPr>
+                            </m:ctrlPr>
+                          </m:sSubPr>
+                          <m:e>
+                            <m:r>
+                              <a:rPr lang="fr-FR" sz="1100" b="0" i="1" smtClean="0">
+                                <a:latin typeface="Cambria Math"/>
+                              </a:rPr>
+                              <m:t>𝑂</m:t>
+                            </m:r>
+                          </m:e>
+                          <m:sub>
+                            <m:r>
+                              <a:rPr lang="fr-FR" sz="1100" b="0" i="1" smtClean="0">
+                                <a:latin typeface="Cambria Math"/>
+                              </a:rPr>
+                              <m:t>2</m:t>
+                            </m:r>
+                          </m:sub>
+                        </m:sSub>
+                        <m:r>
+                          <a:rPr lang="fr-FR" sz="1100" b="0" i="1" smtClean="0">
+                            <a:latin typeface="Cambria Math"/>
+                          </a:rPr>
+                          <m:t>,</m:t>
+                        </m:r>
+                        <m:acc>
+                          <m:accPr>
+                            <m:chr m:val="⃗"/>
+                            <m:ctrlPr>
+                              <a:rPr lang="fr-FR" sz="1100" b="0" i="1" smtClean="0">
+                                <a:latin typeface="Cambria Math"/>
+                              </a:rPr>
+                            </m:ctrlPr>
+                          </m:accPr>
+                          <m:e>
+                            <m:sSub>
+                              <m:sSubPr>
+                                <m:ctrlPr>
+                                  <a:rPr lang="fr-FR" sz="1100" b="0" i="1" smtClean="0">
+                                    <a:latin typeface="Cambria Math"/>
+                                  </a:rPr>
+                                </m:ctrlPr>
+                              </m:sSubPr>
+                              <m:e>
+                                <m:r>
+                                  <a:rPr lang="fr-FR" sz="1100" b="0" i="1" smtClean="0">
+                                    <a:latin typeface="Cambria Math"/>
+                                  </a:rPr>
+                                  <m:t>𝑦</m:t>
+                                </m:r>
+                              </m:e>
+                              <m:sub>
+                                <m:r>
+                                  <a:rPr lang="fr-FR" sz="1100" b="0" i="1" smtClean="0">
+                                    <a:latin typeface="Cambria Math"/>
+                                  </a:rPr>
+                                  <m:t>0</m:t>
+                                </m:r>
+                              </m:sub>
+                            </m:sSub>
+                          </m:e>
+                        </m:acc>
+                      </m:e>
+                    </m:d>
+                  </m:oMath>
+                </a14:m>
+                <a:endParaRPr lang="fr-FR" sz="1100" dirty="0"/>
+              </a:p>
+            </p:txBody>
+          </p:sp>
+        </mc:Choice>
+        <mc:Fallback xmlns="">
+          <p:sp>
+            <p:nvSpPr>
+              <p:cNvPr id="83" name="ZoneTexte 82"/>
+              <p:cNvSpPr txBox="1">
+                <a:spLocks noRot="1" noChangeAspect="1" noMove="1" noResize="1" noEditPoints="1" noAdjustHandles="1" noChangeArrowheads="1" noChangeShapeType="1" noTextEdit="1"/>
+              </p:cNvSpPr>
+              <p:nvPr/>
+            </p:nvSpPr>
+            <p:spPr>
+              <a:xfrm>
+                <a:off x="2390669" y="2145537"/>
+                <a:ext cx="969240" cy="261610"/>
+              </a:xfrm>
+              <a:prstGeom prst="rect">
+                <a:avLst/>
+              </a:prstGeom>
+              <a:blipFill rotWithShape="1">
+                <a:blip r:embed="rId7"/>
+                <a:stretch>
+                  <a:fillRect b="-16279"/>
+                </a:stretch>
+              </a:blipFill>
+            </p:spPr>
+            <p:txBody>
+              <a:bodyPr/>
+              <a:lstStyle/>
+              <a:p>
+                <a:r>
+                  <a:rPr lang="fr-FR">
+                    <a:noFill/>
+                  </a:rPr>
+                  <a:t> </a:t>
+                </a:r>
+              </a:p>
+            </p:txBody>
+          </p:sp>
+        </mc:Fallback>
+      </mc:AlternateContent>
+      <mc:AlternateContent xmlns:mc="http://schemas.openxmlformats.org/markup-compatibility/2006" xmlns:a14="http://schemas.microsoft.com/office/drawing/2010/main">
+        <mc:Choice Requires="a14">
+          <p:sp>
+            <p:nvSpPr>
+              <p:cNvPr id="84" name="ZoneTexte 83"/>
+              <p:cNvSpPr txBox="1"/>
+              <p:nvPr/>
+            </p:nvSpPr>
+            <p:spPr>
+              <a:xfrm>
+                <a:off x="604380" y="2107573"/>
+                <a:ext cx="965970" cy="261610"/>
+              </a:xfrm>
+              <a:prstGeom prst="rect">
+                <a:avLst/>
+              </a:prstGeom>
+              <a:noFill/>
+            </p:spPr>
+            <p:txBody>
+              <a:bodyPr wrap="none" rtlCol="0">
+                <a:spAutoFit/>
+              </a:bodyPr>
+              <a:lstStyle/>
+              <a:p>
+                <a:r>
+                  <a:rPr lang="fr-FR" sz="1100" b="0" dirty="0" smtClean="0"/>
+                  <a:t>Pivot </a:t>
+                </a:r>
+                <a14:m>
+                  <m:oMath xmlns:m="http://schemas.openxmlformats.org/officeDocument/2006/math">
+                    <m:d>
+                      <m:dPr>
+                        <m:ctrlPr>
+                          <a:rPr lang="fr-FR" sz="1100" b="0" i="1" smtClean="0">
+                            <a:latin typeface="Cambria Math"/>
+                          </a:rPr>
+                        </m:ctrlPr>
+                      </m:dPr>
+                      <m:e>
+                        <m:sSub>
+                          <m:sSubPr>
+                            <m:ctrlPr>
+                              <a:rPr lang="fr-FR" sz="1100" b="0" i="1" smtClean="0">
+                                <a:latin typeface="Cambria Math"/>
+                              </a:rPr>
+                            </m:ctrlPr>
+                          </m:sSubPr>
+                          <m:e>
+                            <m:r>
+                              <a:rPr lang="fr-FR" sz="1100" b="0" i="1" smtClean="0">
+                                <a:latin typeface="Cambria Math"/>
+                              </a:rPr>
+                              <m:t>𝑂</m:t>
+                            </m:r>
+                          </m:e>
+                          <m:sub>
+                            <m:r>
+                              <a:rPr lang="fr-FR" sz="1100" b="0" i="1" smtClean="0">
+                                <a:latin typeface="Cambria Math"/>
+                              </a:rPr>
+                              <m:t>1</m:t>
+                            </m:r>
+                          </m:sub>
+                        </m:sSub>
+                        <m:r>
+                          <a:rPr lang="fr-FR" sz="1100" b="0" i="1" smtClean="0">
+                            <a:latin typeface="Cambria Math"/>
+                          </a:rPr>
+                          <m:t>,</m:t>
+                        </m:r>
+                        <m:acc>
+                          <m:accPr>
+                            <m:chr m:val="⃗"/>
+                            <m:ctrlPr>
+                              <a:rPr lang="fr-FR" sz="1100" b="0" i="1" smtClean="0">
+                                <a:latin typeface="Cambria Math"/>
+                              </a:rPr>
+                            </m:ctrlPr>
+                          </m:accPr>
+                          <m:e>
+                            <m:sSub>
+                              <m:sSubPr>
+                                <m:ctrlPr>
+                                  <a:rPr lang="fr-FR" sz="1100" b="0" i="1" smtClean="0">
+                                    <a:latin typeface="Cambria Math"/>
+                                  </a:rPr>
+                                </m:ctrlPr>
+                              </m:sSubPr>
+                              <m:e>
+                                <m:r>
+                                  <a:rPr lang="fr-FR" sz="1100" b="0" i="1" smtClean="0">
+                                    <a:latin typeface="Cambria Math"/>
+                                  </a:rPr>
+                                  <m:t>𝑦</m:t>
+                                </m:r>
+                              </m:e>
+                              <m:sub>
+                                <m:r>
+                                  <a:rPr lang="fr-FR" sz="1100" b="0" i="1" smtClean="0">
+                                    <a:latin typeface="Cambria Math"/>
+                                  </a:rPr>
+                                  <m:t>0</m:t>
+                                </m:r>
+                              </m:sub>
+                            </m:sSub>
+                          </m:e>
+                        </m:acc>
+                      </m:e>
+                    </m:d>
+                  </m:oMath>
+                </a14:m>
+                <a:endParaRPr lang="fr-FR" sz="1100" dirty="0"/>
+              </a:p>
+            </p:txBody>
+          </p:sp>
+        </mc:Choice>
+        <mc:Fallback xmlns="">
+          <p:sp>
+            <p:nvSpPr>
+              <p:cNvPr id="84" name="ZoneTexte 83"/>
+              <p:cNvSpPr txBox="1">
+                <a:spLocks noRot="1" noChangeAspect="1" noMove="1" noResize="1" noEditPoints="1" noAdjustHandles="1" noChangeArrowheads="1" noChangeShapeType="1" noTextEdit="1"/>
+              </p:cNvSpPr>
+              <p:nvPr/>
+            </p:nvSpPr>
+            <p:spPr>
+              <a:xfrm>
+                <a:off x="604380" y="2107573"/>
+                <a:ext cx="965970" cy="261610"/>
+              </a:xfrm>
+              <a:prstGeom prst="rect">
+                <a:avLst/>
+              </a:prstGeom>
+              <a:blipFill rotWithShape="1">
+                <a:blip r:embed="rId8"/>
+                <a:stretch>
+                  <a:fillRect b="-16279"/>
+                </a:stretch>
+              </a:blipFill>
+            </p:spPr>
+            <p:txBody>
+              <a:bodyPr/>
+              <a:lstStyle/>
+              <a:p>
+                <a:r>
+                  <a:rPr lang="fr-FR">
+                    <a:noFill/>
+                  </a:rPr>
+                  <a:t> </a:t>
+                </a:r>
+              </a:p>
+            </p:txBody>
+          </p:sp>
+        </mc:Fallback>
+      </mc:AlternateContent>
+      <mc:AlternateContent xmlns:mc="http://schemas.openxmlformats.org/markup-compatibility/2006" xmlns:a14="http://schemas.microsoft.com/office/drawing/2010/main">
+        <mc:Choice Requires="a14">
+          <p:sp>
+            <p:nvSpPr>
+              <p:cNvPr id="85" name="ZoneTexte 84"/>
+              <p:cNvSpPr txBox="1"/>
+              <p:nvPr/>
+            </p:nvSpPr>
+            <p:spPr>
+              <a:xfrm>
+                <a:off x="2311972" y="2930667"/>
+                <a:ext cx="1348126" cy="261610"/>
+              </a:xfrm>
+              <a:prstGeom prst="rect">
+                <a:avLst/>
+              </a:prstGeom>
+              <a:noFill/>
+            </p:spPr>
+            <p:txBody>
+              <a:bodyPr wrap="none" rtlCol="0">
+                <a:spAutoFit/>
+              </a:bodyPr>
+              <a:lstStyle/>
+              <a:p>
+                <a:r>
+                  <a:rPr lang="fr-FR" sz="1100" b="0" dirty="0" smtClean="0"/>
+                  <a:t>Sphère plan </a:t>
+                </a:r>
+                <a14:m>
+                  <m:oMath xmlns:m="http://schemas.openxmlformats.org/officeDocument/2006/math">
+                    <m:d>
+                      <m:dPr>
+                        <m:ctrlPr>
+                          <a:rPr lang="fr-FR" sz="1100" b="0" i="1" smtClean="0">
+                            <a:latin typeface="Cambria Math"/>
+                          </a:rPr>
+                        </m:ctrlPr>
+                      </m:dPr>
+                      <m:e>
+                        <m:sSub>
+                          <m:sSubPr>
+                            <m:ctrlPr>
+                              <a:rPr lang="fr-FR" sz="1100" b="0" i="1" smtClean="0">
+                                <a:latin typeface="Cambria Math"/>
+                              </a:rPr>
+                            </m:ctrlPr>
+                          </m:sSubPr>
+                          <m:e>
+                            <m:r>
+                              <a:rPr lang="fr-FR" sz="1100" b="0" i="1" smtClean="0">
+                                <a:latin typeface="Cambria Math"/>
+                              </a:rPr>
+                              <m:t>𝐼</m:t>
+                            </m:r>
+                          </m:e>
+                          <m:sub>
+                            <m:r>
+                              <a:rPr lang="fr-FR" sz="1100" b="0" i="1" smtClean="0">
+                                <a:latin typeface="Cambria Math"/>
+                              </a:rPr>
+                              <m:t>2</m:t>
+                            </m:r>
+                          </m:sub>
+                        </m:sSub>
+                        <m:r>
+                          <a:rPr lang="fr-FR" sz="1100" b="0" i="1" smtClean="0">
+                            <a:latin typeface="Cambria Math"/>
+                          </a:rPr>
+                          <m:t>,</m:t>
+                        </m:r>
+                        <m:acc>
+                          <m:accPr>
+                            <m:chr m:val="⃗"/>
+                            <m:ctrlPr>
+                              <a:rPr lang="fr-FR" sz="1100" b="0" i="1" smtClean="0">
+                                <a:latin typeface="Cambria Math"/>
+                              </a:rPr>
+                            </m:ctrlPr>
+                          </m:accPr>
+                          <m:e>
+                            <m:sSub>
+                              <m:sSubPr>
+                                <m:ctrlPr>
+                                  <a:rPr lang="fr-FR" sz="1100" b="0" i="1" smtClean="0">
+                                    <a:latin typeface="Cambria Math"/>
+                                  </a:rPr>
+                                </m:ctrlPr>
+                              </m:sSubPr>
+                              <m:e>
+                                <m:r>
+                                  <a:rPr lang="fr-FR" sz="1100" b="0" i="1" smtClean="0">
+                                    <a:latin typeface="Cambria Math"/>
+                                  </a:rPr>
+                                  <m:t>𝑧</m:t>
+                                </m:r>
+                              </m:e>
+                              <m:sub>
+                                <m:r>
+                                  <a:rPr lang="fr-FR" sz="1100" b="0" i="1" smtClean="0">
+                                    <a:latin typeface="Cambria Math"/>
+                                  </a:rPr>
+                                  <m:t>2</m:t>
+                                </m:r>
+                              </m:sub>
+                            </m:sSub>
+                          </m:e>
+                        </m:acc>
+                      </m:e>
+                    </m:d>
+                  </m:oMath>
+                </a14:m>
+                <a:endParaRPr lang="fr-FR" sz="1100" dirty="0"/>
+              </a:p>
+            </p:txBody>
+          </p:sp>
+        </mc:Choice>
+        <mc:Fallback xmlns="">
+          <p:sp>
+            <p:nvSpPr>
+              <p:cNvPr id="85" name="ZoneTexte 84"/>
+              <p:cNvSpPr txBox="1">
+                <a:spLocks noRot="1" noChangeAspect="1" noMove="1" noResize="1" noEditPoints="1" noAdjustHandles="1" noChangeArrowheads="1" noChangeShapeType="1" noTextEdit="1"/>
+              </p:cNvSpPr>
+              <p:nvPr/>
+            </p:nvSpPr>
+            <p:spPr>
+              <a:xfrm>
+                <a:off x="2311972" y="2930667"/>
+                <a:ext cx="1348126" cy="261610"/>
+              </a:xfrm>
+              <a:prstGeom prst="rect">
+                <a:avLst/>
+              </a:prstGeom>
+              <a:blipFill rotWithShape="1">
+                <a:blip r:embed="rId9"/>
+                <a:stretch>
+                  <a:fillRect b="-16279"/>
+                </a:stretch>
+              </a:blipFill>
+            </p:spPr>
+            <p:txBody>
+              <a:bodyPr/>
+              <a:lstStyle/>
+              <a:p>
+                <a:r>
+                  <a:rPr lang="fr-FR">
+                    <a:noFill/>
+                  </a:rPr>
+                  <a:t> </a:t>
+                </a:r>
+              </a:p>
+            </p:txBody>
+          </p:sp>
+        </mc:Fallback>
+      </mc:AlternateContent>
+      <mc:AlternateContent xmlns:mc="http://schemas.openxmlformats.org/markup-compatibility/2006" xmlns:a14="http://schemas.microsoft.com/office/drawing/2010/main">
+        <mc:Choice Requires="a14">
+          <p:sp>
+            <p:nvSpPr>
+              <p:cNvPr id="86" name="ZoneTexte 85"/>
+              <p:cNvSpPr txBox="1"/>
+              <p:nvPr/>
+            </p:nvSpPr>
+            <p:spPr>
+              <a:xfrm>
+                <a:off x="318354" y="2903072"/>
+                <a:ext cx="1301318" cy="261610"/>
+              </a:xfrm>
+              <a:prstGeom prst="rect">
+                <a:avLst/>
+              </a:prstGeom>
+              <a:noFill/>
+            </p:spPr>
+            <p:txBody>
+              <a:bodyPr wrap="none" rtlCol="0">
+                <a:spAutoFit/>
+              </a:bodyPr>
+              <a:lstStyle/>
+              <a:p>
+                <a:r>
+                  <a:rPr lang="fr-FR" sz="1100" b="0" dirty="0" smtClean="0"/>
+                  <a:t>Sphère plan </a:t>
+                </a:r>
+                <a14:m>
+                  <m:oMath xmlns:m="http://schemas.openxmlformats.org/officeDocument/2006/math">
+                    <m:d>
+                      <m:dPr>
+                        <m:ctrlPr>
+                          <a:rPr lang="fr-FR" sz="1100" b="0" i="1" smtClean="0">
+                            <a:latin typeface="Cambria Math"/>
+                          </a:rPr>
+                        </m:ctrlPr>
+                      </m:dPr>
+                      <m:e>
+                        <m:sSub>
+                          <m:sSubPr>
+                            <m:ctrlPr>
+                              <a:rPr lang="fr-FR" sz="1100" b="0" i="1" smtClean="0">
+                                <a:latin typeface="Cambria Math"/>
+                              </a:rPr>
+                            </m:ctrlPr>
+                          </m:sSubPr>
+                          <m:e>
+                            <m:r>
+                              <a:rPr lang="fr-FR" sz="1100" b="0" i="1" smtClean="0">
+                                <a:latin typeface="Cambria Math"/>
+                              </a:rPr>
+                              <m:t>𝐼</m:t>
+                            </m:r>
+                          </m:e>
+                          <m:sub>
+                            <m:r>
+                              <a:rPr lang="fr-FR" sz="1100" b="0" i="1" smtClean="0">
+                                <a:latin typeface="Cambria Math"/>
+                              </a:rPr>
+                              <m:t>1</m:t>
+                            </m:r>
+                          </m:sub>
+                        </m:sSub>
+                        <m:r>
+                          <a:rPr lang="fr-FR" sz="1100" b="0" i="1" smtClean="0">
+                            <a:latin typeface="Cambria Math"/>
+                          </a:rPr>
+                          <m:t>,</m:t>
+                        </m:r>
+                        <m:acc>
+                          <m:accPr>
+                            <m:chr m:val="⃗"/>
+                            <m:ctrlPr>
+                              <a:rPr lang="fr-FR" sz="1100" b="0" i="1" smtClean="0">
+                                <a:latin typeface="Cambria Math"/>
+                              </a:rPr>
+                            </m:ctrlPr>
+                          </m:accPr>
+                          <m:e>
+                            <m:sSub>
+                              <m:sSubPr>
+                                <m:ctrlPr>
+                                  <a:rPr lang="fr-FR" sz="1100" b="0" i="1" smtClean="0">
+                                    <a:latin typeface="Cambria Math"/>
+                                  </a:rPr>
+                                </m:ctrlPr>
+                              </m:sSubPr>
+                              <m:e>
+                                <m:r>
+                                  <a:rPr lang="fr-FR" sz="1100" b="0" i="1" smtClean="0">
+                                    <a:latin typeface="Cambria Math"/>
+                                  </a:rPr>
+                                  <m:t>𝑧</m:t>
+                                </m:r>
+                              </m:e>
+                              <m:sub>
+                                <m:r>
+                                  <a:rPr lang="fr-FR" sz="1100" b="0" i="1" smtClean="0">
+                                    <a:latin typeface="Cambria Math"/>
+                                  </a:rPr>
+                                  <m:t>1</m:t>
+                                </m:r>
+                              </m:sub>
+                            </m:sSub>
+                          </m:e>
+                        </m:acc>
+                      </m:e>
+                    </m:d>
+                  </m:oMath>
+                </a14:m>
+                <a:endParaRPr lang="fr-FR" sz="1100" dirty="0"/>
+              </a:p>
+            </p:txBody>
+          </p:sp>
+        </mc:Choice>
+        <mc:Fallback xmlns="">
+          <p:sp>
+            <p:nvSpPr>
+              <p:cNvPr id="86" name="ZoneTexte 85"/>
+              <p:cNvSpPr txBox="1">
+                <a:spLocks noRot="1" noChangeAspect="1" noMove="1" noResize="1" noEditPoints="1" noAdjustHandles="1" noChangeArrowheads="1" noChangeShapeType="1" noTextEdit="1"/>
+              </p:cNvSpPr>
+              <p:nvPr/>
+            </p:nvSpPr>
+            <p:spPr>
+              <a:xfrm>
+                <a:off x="318354" y="2903072"/>
+                <a:ext cx="1301318" cy="261610"/>
+              </a:xfrm>
+              <a:prstGeom prst="rect">
+                <a:avLst/>
+              </a:prstGeom>
+              <a:blipFill rotWithShape="1">
+                <a:blip r:embed="rId10"/>
+                <a:stretch>
+                  <a:fillRect b="-16279"/>
+                </a:stretch>
+              </a:blipFill>
+            </p:spPr>
+            <p:txBody>
+              <a:bodyPr/>
+              <a:lstStyle/>
+              <a:p>
+                <a:r>
+                  <a:rPr lang="fr-FR">
+                    <a:noFill/>
+                  </a:rPr>
+                  <a:t> </a:t>
+                </a:r>
+              </a:p>
+            </p:txBody>
+          </p:sp>
+        </mc:Fallback>
+      </mc:AlternateContent>
+      <p:cxnSp>
+        <p:nvCxnSpPr>
+          <p:cNvPr id="87" name="Connecteur droit 86"/>
+          <p:cNvCxnSpPr>
+            <a:stCxn id="71" idx="3"/>
+            <a:endCxn id="9" idx="2"/>
+          </p:cNvCxnSpPr>
+          <p:nvPr/>
+        </p:nvCxnSpPr>
+        <p:spPr>
+          <a:xfrm rot="5400000" flipH="1">
+            <a:off x="410825" y="1818590"/>
+            <a:ext cx="1883811" cy="906277"/>
+          </a:xfrm>
+          <a:prstGeom prst="curvedConnector4">
+            <a:avLst>
+              <a:gd name="adj1" fmla="val -6131"/>
+              <a:gd name="adj2" fmla="val 155683"/>
+            </a:avLst>
+          </a:prstGeom>
+          <a:ln w="19050">
+            <a:solidFill>
+              <a:schemeClr val="tx1"/>
+            </a:solidFill>
+          </a:ln>
+        </p:spPr>
+        <p:style>
+          <a:lnRef idx="1">
+            <a:schemeClr val="accent1"/>
+          </a:lnRef>
+          <a:fillRef idx="0">
+            <a:schemeClr val="accent1"/>
+          </a:fillRef>
+          <a:effectRef idx="0">
+            <a:schemeClr val="accent1"/>
+          </a:effectRef>
+          <a:fontRef idx="minor">
+            <a:schemeClr val="tx1"/>
+          </a:fontRef>
+        </p:style>
+      </p:cxnSp>
+      <mc:AlternateContent xmlns:mc="http://schemas.openxmlformats.org/markup-compatibility/2006" xmlns:a14="http://schemas.microsoft.com/office/drawing/2010/main">
+        <mc:Choice Requires="a14">
+          <p:sp>
+            <p:nvSpPr>
+              <p:cNvPr id="107" name="ZoneTexte 106"/>
+              <p:cNvSpPr txBox="1"/>
+              <p:nvPr/>
+            </p:nvSpPr>
+            <p:spPr>
+              <a:xfrm rot="16200000">
+                <a:off x="-230883" y="2049528"/>
+                <a:ext cx="969240" cy="261610"/>
+              </a:xfrm>
+              <a:prstGeom prst="rect">
+                <a:avLst/>
+              </a:prstGeom>
+              <a:noFill/>
+            </p:spPr>
+            <p:txBody>
+              <a:bodyPr wrap="none" rtlCol="0">
+                <a:spAutoFit/>
+              </a:bodyPr>
+              <a:lstStyle/>
+              <a:p>
+                <a:r>
+                  <a:rPr lang="fr-FR" sz="1100" b="0" dirty="0" smtClean="0"/>
+                  <a:t>Pivot </a:t>
+                </a:r>
+                <a14:m>
+                  <m:oMath xmlns:m="http://schemas.openxmlformats.org/officeDocument/2006/math">
+                    <m:d>
+                      <m:dPr>
+                        <m:ctrlPr>
+                          <a:rPr lang="fr-FR" sz="1100" b="0" i="1" smtClean="0">
+                            <a:latin typeface="Cambria Math"/>
+                          </a:rPr>
+                        </m:ctrlPr>
+                      </m:dPr>
+                      <m:e>
+                        <m:sSub>
+                          <m:sSubPr>
+                            <m:ctrlPr>
+                              <a:rPr lang="fr-FR" sz="1100" b="0" i="1" smtClean="0">
+                                <a:latin typeface="Cambria Math"/>
+                              </a:rPr>
+                            </m:ctrlPr>
+                          </m:sSubPr>
+                          <m:e>
+                            <m:r>
+                              <a:rPr lang="fr-FR" sz="1100" b="0" i="1" smtClean="0">
+                                <a:latin typeface="Cambria Math"/>
+                              </a:rPr>
+                              <m:t>𝑂</m:t>
+                            </m:r>
+                          </m:e>
+                          <m:sub>
+                            <m:r>
+                              <a:rPr lang="fr-FR" sz="1100" b="0" i="1" smtClean="0">
+                                <a:latin typeface="Cambria Math"/>
+                              </a:rPr>
+                              <m:t>3</m:t>
+                            </m:r>
+                          </m:sub>
+                        </m:sSub>
+                        <m:r>
+                          <a:rPr lang="fr-FR" sz="1100" b="0" i="1" smtClean="0">
+                            <a:latin typeface="Cambria Math"/>
+                          </a:rPr>
+                          <m:t>,</m:t>
+                        </m:r>
+                        <m:acc>
+                          <m:accPr>
+                            <m:chr m:val="⃗"/>
+                            <m:ctrlPr>
+                              <a:rPr lang="fr-FR" sz="1100" b="0" i="1" smtClean="0">
+                                <a:latin typeface="Cambria Math"/>
+                              </a:rPr>
+                            </m:ctrlPr>
+                          </m:accPr>
+                          <m:e>
+                            <m:sSub>
+                              <m:sSubPr>
+                                <m:ctrlPr>
+                                  <a:rPr lang="fr-FR" sz="1100" b="0" i="1" smtClean="0">
+                                    <a:latin typeface="Cambria Math"/>
+                                  </a:rPr>
+                                </m:ctrlPr>
+                              </m:sSubPr>
+                              <m:e>
+                                <m:r>
+                                  <a:rPr lang="fr-FR" sz="1100" b="0" i="1" smtClean="0">
+                                    <a:latin typeface="Cambria Math"/>
+                                  </a:rPr>
+                                  <m:t>𝑦</m:t>
+                                </m:r>
+                              </m:e>
+                              <m:sub>
+                                <m:r>
+                                  <a:rPr lang="fr-FR" sz="1100" b="0" i="1" smtClean="0">
+                                    <a:latin typeface="Cambria Math"/>
+                                  </a:rPr>
+                                  <m:t>0</m:t>
+                                </m:r>
+                              </m:sub>
+                            </m:sSub>
+                          </m:e>
+                        </m:acc>
+                      </m:e>
+                    </m:d>
+                  </m:oMath>
+                </a14:m>
+                <a:endParaRPr lang="fr-FR" sz="1100" dirty="0"/>
+              </a:p>
+            </p:txBody>
+          </p:sp>
+        </mc:Choice>
+        <mc:Fallback xmlns="">
+          <p:sp>
+            <p:nvSpPr>
+              <p:cNvPr id="107" name="ZoneTexte 106"/>
+              <p:cNvSpPr txBox="1">
+                <a:spLocks noRot="1" noChangeAspect="1" noMove="1" noResize="1" noEditPoints="1" noAdjustHandles="1" noChangeArrowheads="1" noChangeShapeType="1" noTextEdit="1"/>
+              </p:cNvSpPr>
+              <p:nvPr/>
+            </p:nvSpPr>
+            <p:spPr>
+              <a:xfrm rot="16200000">
+                <a:off x="-230883" y="2049528"/>
+                <a:ext cx="969240" cy="261610"/>
+              </a:xfrm>
+              <a:prstGeom prst="rect">
+                <a:avLst/>
+              </a:prstGeom>
+              <a:blipFill rotWithShape="1">
+                <a:blip r:embed="rId11"/>
+                <a:stretch>
+                  <a:fillRect r="-16279"/>
+                </a:stretch>
+              </a:blipFill>
+            </p:spPr>
+            <p:txBody>
+              <a:bodyPr/>
+              <a:lstStyle/>
+              <a:p>
+                <a:r>
+                  <a:rPr lang="fr-FR">
+                    <a:noFill/>
+                  </a:rPr>
+                  <a:t> </a:t>
+                </a:r>
+              </a:p>
+            </p:txBody>
+          </p:sp>
+        </mc:Fallback>
+      </mc:AlternateContent>
+      <p:sp>
+        <p:nvSpPr>
+          <p:cNvPr id="108" name="ZoneTexte 107"/>
+          <p:cNvSpPr txBox="1"/>
+          <p:nvPr/>
+        </p:nvSpPr>
+        <p:spPr>
+          <a:xfrm rot="-2700000">
+            <a:off x="1947811" y="824798"/>
+            <a:ext cx="530915" cy="261610"/>
+          </a:xfrm>
+          <a:prstGeom prst="rect">
+            <a:avLst/>
+          </a:prstGeom>
+          <a:noFill/>
+        </p:spPr>
+        <p:txBody>
+          <a:bodyPr wrap="none" rtlCol="0">
+            <a:spAutoFit/>
+          </a:bodyPr>
+          <a:lstStyle/>
+          <a:p>
+            <a:r>
+              <a:rPr lang="fr-FR" sz="1100" b="0" dirty="0" smtClean="0"/>
+              <a:t>Fluide</a:t>
+            </a:r>
+            <a:endParaRPr lang="fr-FR" sz="1100" dirty="0"/>
+          </a:p>
+        </p:txBody>
+      </p:sp>
+      <p:sp>
+        <p:nvSpPr>
+          <p:cNvPr id="109" name="Forme libre 108"/>
+          <p:cNvSpPr/>
+          <p:nvPr/>
+        </p:nvSpPr>
+        <p:spPr>
+          <a:xfrm rot="13404789">
+            <a:off x="1845262" y="2372842"/>
+            <a:ext cx="700130" cy="122095"/>
+          </a:xfrm>
+          <a:custGeom>
+            <a:avLst/>
+            <a:gdLst>
+              <a:gd name="connsiteX0" fmla="*/ 0 w 596900"/>
+              <a:gd name="connsiteY0" fmla="*/ 209768 h 209768"/>
+              <a:gd name="connsiteX1" fmla="*/ 317500 w 596900"/>
+              <a:gd name="connsiteY1" fmla="*/ 218 h 209768"/>
+              <a:gd name="connsiteX2" fmla="*/ 596900 w 596900"/>
+              <a:gd name="connsiteY2" fmla="*/ 178018 h 209768"/>
+              <a:gd name="connsiteX0" fmla="*/ 0 w 660400"/>
+              <a:gd name="connsiteY0" fmla="*/ 210341 h 280191"/>
+              <a:gd name="connsiteX1" fmla="*/ 317500 w 660400"/>
+              <a:gd name="connsiteY1" fmla="*/ 791 h 280191"/>
+              <a:gd name="connsiteX2" fmla="*/ 660400 w 660400"/>
+              <a:gd name="connsiteY2" fmla="*/ 280191 h 280191"/>
+              <a:gd name="connsiteX0" fmla="*/ 0 w 736600"/>
+              <a:gd name="connsiteY0" fmla="*/ 273055 h 279405"/>
+              <a:gd name="connsiteX1" fmla="*/ 393700 w 736600"/>
+              <a:gd name="connsiteY1" fmla="*/ 5 h 279405"/>
+              <a:gd name="connsiteX2" fmla="*/ 736600 w 736600"/>
+              <a:gd name="connsiteY2" fmla="*/ 279405 h 279405"/>
+            </a:gdLst>
+            <a:ahLst/>
+            <a:cxnLst>
+              <a:cxn ang="0">
+                <a:pos x="connsiteX0" y="connsiteY0"/>
+              </a:cxn>
+              <a:cxn ang="0">
+                <a:pos x="connsiteX1" y="connsiteY1"/>
+              </a:cxn>
+              <a:cxn ang="0">
+                <a:pos x="connsiteX2" y="connsiteY2"/>
+              </a:cxn>
+            </a:cxnLst>
+            <a:rect l="l" t="t" r="r" b="b"/>
+            <a:pathLst>
+              <a:path w="736600" h="279405">
+                <a:moveTo>
+                  <a:pt x="0" y="273055"/>
+                </a:moveTo>
+                <a:cubicBezTo>
+                  <a:pt x="109008" y="170926"/>
+                  <a:pt x="270933" y="-1053"/>
+                  <a:pt x="393700" y="5"/>
+                </a:cubicBezTo>
+                <a:cubicBezTo>
+                  <a:pt x="516467" y="1063"/>
+                  <a:pt x="646641" y="187859"/>
+                  <a:pt x="736600" y="279405"/>
+                </a:cubicBezTo>
+              </a:path>
+            </a:pathLst>
+          </a:custGeom>
+          <a:noFill/>
+          <a:ln>
+            <a:solidFill>
+              <a:srgbClr val="C00000"/>
+            </a:solidFill>
+            <a:headEnd type="stealth" w="med" len="lg"/>
+            <a:tailEnd type="stealth" w="med" len="lg"/>
+          </a:ln>
+        </p:spPr>
+        <p:style>
+          <a:lnRef idx="2">
+            <a:schemeClr val="accent1">
+              <a:shade val="50000"/>
+            </a:schemeClr>
+          </a:lnRef>
+          <a:fillRef idx="1">
+            <a:schemeClr val="accent1"/>
+          </a:fillRef>
+          <a:effectRef idx="0">
+            <a:schemeClr val="accent1"/>
+          </a:effectRef>
+          <a:fontRef idx="minor">
+            <a:schemeClr val="lt1"/>
+          </a:fontRef>
+        </p:style>
+        <p:txBody>
+          <a:bodyPr rtlCol="0" anchor="ctr"/>
+          <a:lstStyle/>
+          <a:p>
+            <a:pPr algn="ctr"/>
+            <a:endParaRPr lang="fr-FR"/>
+          </a:p>
+        </p:txBody>
+      </p:sp>
+      <p:sp>
+        <p:nvSpPr>
+          <p:cNvPr id="110" name="ZoneTexte 109"/>
+          <p:cNvSpPr txBox="1"/>
+          <p:nvPr/>
+        </p:nvSpPr>
+        <p:spPr>
+          <a:xfrm>
+            <a:off x="1548725" y="2428742"/>
+            <a:ext cx="429926" cy="261610"/>
+          </a:xfrm>
+          <a:prstGeom prst="rect">
+            <a:avLst/>
+          </a:prstGeom>
+          <a:noFill/>
+        </p:spPr>
+        <p:txBody>
+          <a:bodyPr wrap="none" rtlCol="0">
+            <a:spAutoFit/>
+          </a:bodyPr>
+          <a:lstStyle/>
+          <a:p>
+            <a:r>
+              <a:rPr lang="fr-FR" sz="1100" b="0" dirty="0" smtClean="0"/>
+              <a:t>MR</a:t>
+            </a:r>
+            <a:r>
+              <a:rPr lang="fr-FR" sz="1100" b="0" baseline="-25000" dirty="0" smtClean="0"/>
+              <a:t>1</a:t>
+            </a:r>
+            <a:endParaRPr lang="fr-FR" sz="1100" baseline="-25000" dirty="0"/>
+          </a:p>
+        </p:txBody>
+      </p:sp>
+      <p:sp>
+        <p:nvSpPr>
+          <p:cNvPr id="111" name="ZoneTexte 110"/>
+          <p:cNvSpPr txBox="1"/>
+          <p:nvPr/>
+        </p:nvSpPr>
+        <p:spPr>
+          <a:xfrm>
+            <a:off x="1862474" y="2436439"/>
+            <a:ext cx="429926" cy="261610"/>
+          </a:xfrm>
+          <a:prstGeom prst="rect">
+            <a:avLst/>
+          </a:prstGeom>
+          <a:noFill/>
+        </p:spPr>
+        <p:txBody>
+          <a:bodyPr wrap="none" rtlCol="0">
+            <a:spAutoFit/>
+          </a:bodyPr>
+          <a:lstStyle/>
+          <a:p>
+            <a:r>
+              <a:rPr lang="fr-FR" sz="1100" b="0" dirty="0" smtClean="0"/>
+              <a:t>MR</a:t>
+            </a:r>
+            <a:r>
+              <a:rPr lang="fr-FR" sz="1100" b="0" baseline="-25000" dirty="0" smtClean="0"/>
+              <a:t>2</a:t>
+            </a:r>
+            <a:endParaRPr lang="fr-FR" sz="1100" baseline="-25000" dirty="0"/>
+          </a:p>
+        </p:txBody>
+      </p:sp>
+    </p:spTree>
+    <p:extLst>
+      <p:ext uri="{BB962C8B-B14F-4D97-AF65-F5344CB8AC3E}">
+        <p14:creationId xmlns:p14="http://schemas.microsoft.com/office/powerpoint/2010/main" val="2583468419"/>
+      </p:ext>
+    </p:extLst>
+  </p:cSld>
+  <p:clrMapOvr>
+    <a:masterClrMapping/>
+  </p:clrMapOvr>
+</p:sld>
+</file>
+
+<file path=ppt/slides/slide3.xml><?xml version="1.0" encoding="utf-8"?>
+<p:sld xmlns:a="http://schemas.openxmlformats.org/drawingml/2006/main" xmlns:r="http://schemas.openxmlformats.org/officeDocument/2006/relationships" xmlns:p="http://schemas.openxmlformats.org/presentationml/2006/main">
+  <p:cSld>
+    <p:spTree>
+      <p:nvGrpSpPr>
+        <p:cNvPr id="1" name=""/>
+        <p:cNvGrpSpPr/>
+        <p:nvPr/>
+      </p:nvGrpSpPr>
+      <p:grpSpPr>
+        <a:xfrm>
+          <a:off x="0" y="0"/>
+          <a:ext cx="0" cy="0"/>
+          <a:chOff x="0" y="0"/>
+          <a:chExt cx="0" cy="0"/>
+        </a:xfrm>
+      </p:grpSpPr>
+      <p:pic>
+        <p:nvPicPr>
+          <p:cNvPr id="1026" name="Picture 2"/>
+          <p:cNvPicPr>
+            <a:picLocks noChangeAspect="1" noChangeArrowheads="1"/>
+          </p:cNvPicPr>
+          <p:nvPr/>
+        </p:nvPicPr>
+        <p:blipFill>
+          <a:blip r:embed="rId2">
+            <a:extLst>
+              <a:ext uri="{28A0092B-C50C-407E-A947-70E740481C1C}">
+                <a14:useLocalDpi xmlns:a14="http://schemas.microsoft.com/office/drawing/2010/main" val="0"/>
+              </a:ext>
+            </a:extLst>
+          </a:blip>
+          <a:srcRect/>
+          <a:stretch>
+            <a:fillRect/>
+          </a:stretch>
+        </p:blipFill>
+        <p:spPr bwMode="auto">
+          <a:xfrm>
+            <a:off x="4972628" y="170233"/>
+            <a:ext cx="3750174" cy="2967632"/>
+          </a:xfrm>
+          <a:prstGeom prst="rect">
+            <a:avLst/>
+          </a:prstGeom>
+          <a:noFill/>
+          <a:ln>
+            <a:noFill/>
+          </a:ln>
+          <a:extLst>
+            <a:ext uri="{909E8E84-426E-40DD-AFC4-6F175D3DCCD1}">
+              <a14:hiddenFill xmlns:a14="http://schemas.microsoft.com/office/drawing/2010/main">
+                <a:solidFill>
+                  <a:schemeClr val="accent1"/>
+                </a:solidFill>
+              </a14:hiddenFill>
+            </a:ext>
+            <a:ext uri="{91240B29-F687-4F45-9708-019B960494DF}">
+              <a14:hiddenLine xmlns:a14="http://schemas.microsoft.com/office/drawing/2010/main" w="9525">
+                <a:solidFill>
+                  <a:schemeClr val="tx1"/>
+                </a:solidFill>
+                <a:miter lim="800000"/>
+                <a:headEnd/>
+                <a:tailEnd/>
+              </a14:hiddenLine>
+            </a:ext>
+          </a:extLst>
+        </p:spPr>
+      </p:pic>
+      <p:sp>
+        <p:nvSpPr>
           <p:cNvPr id="15" name="Forme libre 14"/>
           <p:cNvSpPr/>
           <p:nvPr/>
@@ -18133,7 +18662,7 @@
 </p:sld>
 </file>
 
-<file path=ppt/slides/slide3.xml><?xml version="1.0" encoding="utf-8"?>
+<file path=ppt/slides/slide4.xml><?xml version="1.0" encoding="utf-8"?>
 <p:sld xmlns:a="http://schemas.openxmlformats.org/drawingml/2006/main" xmlns:r="http://schemas.openxmlformats.org/officeDocument/2006/relationships" xmlns:p="http://schemas.openxmlformats.org/presentationml/2006/main">
   <p:cSld>
     <p:spTree>
@@ -19394,8 +19923,8 @@
           </p:sp>
         </mc:Fallback>
       </mc:AlternateContent>
-      <mc:AlternateContent xmlns:mc="http://schemas.openxmlformats.org/markup-compatibility/2006">
-        <mc:Choice xmlns:a14="http://schemas.microsoft.com/office/drawing/2010/main" Requires="a14">
+      <mc:AlternateContent xmlns:mc="http://schemas.openxmlformats.org/markup-compatibility/2006" xmlns:a14="http://schemas.microsoft.com/office/drawing/2010/main">
+        <mc:Choice Requires="a14">
           <p:sp>
             <p:nvSpPr>
               <p:cNvPr id="86" name="ZoneTexte 85"/>
@@ -19510,7 +20039,7 @@
             </p:txBody>
           </p:sp>
         </mc:Choice>
-        <mc:Fallback>
+        <mc:Fallback xmlns="">
           <p:sp>
             <p:nvSpPr>
               <p:cNvPr id="86" name="ZoneTexte 85"/>
@@ -19957,8 +20486,8 @@
           </a:p>
         </p:txBody>
       </p:sp>
-      <mc:AlternateContent xmlns:mc="http://schemas.openxmlformats.org/markup-compatibility/2006">
-        <mc:Choice xmlns:a14="http://schemas.microsoft.com/office/drawing/2010/main" Requires="a14">
+      <mc:AlternateContent xmlns:mc="http://schemas.openxmlformats.org/markup-compatibility/2006" xmlns:a14="http://schemas.microsoft.com/office/drawing/2010/main">
+        <mc:Choice Requires="a14">
           <p:sp>
             <p:nvSpPr>
               <p:cNvPr id="26" name="ZoneTexte 25"/>
@@ -19981,6 +20510,7 @@
               </a:bodyPr>
               <a:lstStyle/>
               <a:p>
+                <a:pPr/>
                 <a14:m>
                   <m:oMathPara xmlns:m="http://schemas.openxmlformats.org/officeDocument/2006/math">
                     <m:oMathParaPr>
@@ -20046,7 +20576,7 @@
             </p:txBody>
           </p:sp>
         </mc:Choice>
-        <mc:Fallback>
+        <mc:Fallback xmlns="">
           <p:sp>
             <p:nvSpPr>
               <p:cNvPr id="26" name="ZoneTexte 25"/>
@@ -20085,8 +20615,8 @@
           </p:sp>
         </mc:Fallback>
       </mc:AlternateContent>
-      <mc:AlternateContent xmlns:mc="http://schemas.openxmlformats.org/markup-compatibility/2006">
-        <mc:Choice xmlns:a14="http://schemas.microsoft.com/office/drawing/2010/main" Requires="a14">
+      <mc:AlternateContent xmlns:mc="http://schemas.openxmlformats.org/markup-compatibility/2006" xmlns:a14="http://schemas.microsoft.com/office/drawing/2010/main">
+        <mc:Choice Requires="a14">
           <p:sp>
             <p:nvSpPr>
               <p:cNvPr id="27" name="ZoneTexte 26"/>
@@ -20109,6 +20639,7 @@
               </a:bodyPr>
               <a:lstStyle/>
               <a:p>
+                <a:pPr/>
                 <a14:m>
                   <m:oMathPara xmlns:m="http://schemas.openxmlformats.org/officeDocument/2006/math">
                     <m:oMathParaPr>
@@ -20148,7 +20679,7 @@
                               <m:sSub>
                                 <m:sSubPr>
                                   <m:ctrlPr>
-                                    <a:rPr lang="fr-FR" sz="1100" b="0" i="0" smtClean="0">
+                                    <a:rPr lang="fr-FR" sz="1100" b="0" i="1" smtClean="0">
                                       <a:latin typeface="Cambria Math"/>
                                       <a:ea typeface="Cambria Math"/>
                                     </a:rPr>
@@ -20195,7 +20726,7 @@
             </p:txBody>
           </p:sp>
         </mc:Choice>
-        <mc:Fallback>
+        <mc:Fallback xmlns="">
           <p:sp>
             <p:nvSpPr>
               <p:cNvPr id="27" name="ZoneTexte 26"/>
@@ -20234,8 +20765,8 @@
           </p:sp>
         </mc:Fallback>
       </mc:AlternateContent>
-      <mc:AlternateContent xmlns:mc="http://schemas.openxmlformats.org/markup-compatibility/2006">
-        <mc:Choice xmlns:a14="http://schemas.microsoft.com/office/drawing/2010/main" Requires="a14">
+      <mc:AlternateContent xmlns:mc="http://schemas.openxmlformats.org/markup-compatibility/2006" xmlns:a14="http://schemas.microsoft.com/office/drawing/2010/main">
+        <mc:Choice Requires="a14">
           <p:sp>
             <p:nvSpPr>
               <p:cNvPr id="28" name="ZoneTexte 27"/>
@@ -20258,6 +20789,7 @@
               </a:bodyPr>
               <a:lstStyle/>
               <a:p>
+                <a:pPr/>
                 <a14:m>
                   <m:oMathPara xmlns:m="http://schemas.openxmlformats.org/officeDocument/2006/math">
                     <m:oMathParaPr>
@@ -20297,7 +20829,7 @@
                               <m:sSub>
                                 <m:sSubPr>
                                   <m:ctrlPr>
-                                    <a:rPr lang="fr-FR" sz="1100" b="0" i="0" smtClean="0">
+                                    <a:rPr lang="fr-FR" sz="1100" b="0" i="1" smtClean="0">
                                       <a:latin typeface="Cambria Math"/>
                                       <a:ea typeface="Cambria Math"/>
                                     </a:rPr>
@@ -20344,7 +20876,7 @@
             </p:txBody>
           </p:sp>
         </mc:Choice>
-        <mc:Fallback>
+        <mc:Fallback xmlns="">
           <p:sp>
             <p:nvSpPr>
               <p:cNvPr id="28" name="ZoneTexte 27"/>
@@ -20396,7 +20928,7 @@
 </p:sld>
 </file>
 
-<file path=ppt/slides/slide4.xml><?xml version="1.0" encoding="utf-8"?>
+<file path=ppt/slides/slide5.xml><?xml version="1.0" encoding="utf-8"?>
 <p:sld xmlns:a="http://schemas.openxmlformats.org/drawingml/2006/main" xmlns:r="http://schemas.openxmlformats.org/officeDocument/2006/relationships" xmlns:p="http://schemas.openxmlformats.org/presentationml/2006/main">
   <p:cSld>
     <p:spTree>
@@ -20596,8 +21128,8 @@
           </a:fontRef>
         </p:style>
       </p:cxnSp>
-      <mc:AlternateContent xmlns:mc="http://schemas.openxmlformats.org/markup-compatibility/2006">
-        <mc:Choice xmlns:a14="http://schemas.microsoft.com/office/drawing/2010/main" Requires="a14">
+      <mc:AlternateContent xmlns:mc="http://schemas.openxmlformats.org/markup-compatibility/2006" xmlns:a14="http://schemas.microsoft.com/office/drawing/2010/main">
+        <mc:Choice Requires="a14">
           <p:sp>
             <p:nvSpPr>
               <p:cNvPr id="12" name="ZoneTexte 11"/>
@@ -20620,6 +21152,7 @@
               </a:bodyPr>
               <a:lstStyle/>
               <a:p>
+                <a:pPr/>
                 <a14:m>
                   <m:oMathPara xmlns:m="http://schemas.openxmlformats.org/officeDocument/2006/math">
                     <m:oMathParaPr>
@@ -20677,7 +21210,7 @@
             </p:txBody>
           </p:sp>
         </mc:Choice>
-        <mc:Fallback>
+        <mc:Fallback xmlns="">
           <p:sp>
             <p:nvSpPr>
               <p:cNvPr id="12" name="ZoneTexte 11"/>
@@ -20716,8 +21249,8 @@
           </p:sp>
         </mc:Fallback>
       </mc:AlternateContent>
-      <mc:AlternateContent xmlns:mc="http://schemas.openxmlformats.org/markup-compatibility/2006">
-        <mc:Choice xmlns:a14="http://schemas.microsoft.com/office/drawing/2010/main" Requires="a14">
+      <mc:AlternateContent xmlns:mc="http://schemas.openxmlformats.org/markup-compatibility/2006" xmlns:a14="http://schemas.microsoft.com/office/drawing/2010/main">
+        <mc:Choice Requires="a14">
           <p:sp>
             <p:nvSpPr>
               <p:cNvPr id="15" name="ZoneTexte 14"/>
@@ -20740,6 +21273,7 @@
               </a:bodyPr>
               <a:lstStyle/>
               <a:p>
+                <a:pPr/>
                 <a14:m>
                   <m:oMathPara xmlns:m="http://schemas.openxmlformats.org/officeDocument/2006/math">
                     <m:oMathParaPr>
@@ -20797,7 +21331,7 @@
             </p:txBody>
           </p:sp>
         </mc:Choice>
-        <mc:Fallback>
+        <mc:Fallback xmlns="">
           <p:sp>
             <p:nvSpPr>
               <p:cNvPr id="15" name="ZoneTexte 14"/>
@@ -20836,8 +21370,8 @@
           </p:sp>
         </mc:Fallback>
       </mc:AlternateContent>
-      <mc:AlternateContent xmlns:mc="http://schemas.openxmlformats.org/markup-compatibility/2006">
-        <mc:Choice xmlns:a14="http://schemas.microsoft.com/office/drawing/2010/main" Requires="a14">
+      <mc:AlternateContent xmlns:mc="http://schemas.openxmlformats.org/markup-compatibility/2006" xmlns:a14="http://schemas.microsoft.com/office/drawing/2010/main">
+        <mc:Choice Requires="a14">
           <p:sp>
             <p:nvSpPr>
               <p:cNvPr id="20" name="ZoneTexte 19"/>
@@ -20862,6 +21396,7 @@
               </a:bodyPr>
               <a:lstStyle/>
               <a:p>
+                <a:pPr/>
                 <a14:m>
                   <m:oMathPara xmlns:m="http://schemas.openxmlformats.org/officeDocument/2006/math">
                     <m:oMathParaPr>
@@ -20962,7 +21497,7 @@
             </p:txBody>
           </p:sp>
         </mc:Choice>
-        <mc:Fallback>
+        <mc:Fallback xmlns="">
           <p:sp>
             <p:nvSpPr>
               <p:cNvPr id="20" name="ZoneTexte 19"/>
@@ -21001,8 +21536,8 @@
           </p:sp>
         </mc:Fallback>
       </mc:AlternateContent>
-      <mc:AlternateContent xmlns:mc="http://schemas.openxmlformats.org/markup-compatibility/2006">
-        <mc:Choice xmlns:a14="http://schemas.microsoft.com/office/drawing/2010/main" Requires="a14">
+      <mc:AlternateContent xmlns:mc="http://schemas.openxmlformats.org/markup-compatibility/2006" xmlns:a14="http://schemas.microsoft.com/office/drawing/2010/main">
+        <mc:Choice Requires="a14">
           <p:sp>
             <p:nvSpPr>
               <p:cNvPr id="21" name="ZoneTexte 20"/>
@@ -21027,6 +21562,7 @@
               </a:bodyPr>
               <a:lstStyle/>
               <a:p>
+                <a:pPr/>
                 <a14:m>
                   <m:oMathPara xmlns:m="http://schemas.openxmlformats.org/officeDocument/2006/math">
                     <m:oMathParaPr>
@@ -21127,7 +21663,7 @@
             </p:txBody>
           </p:sp>
         </mc:Choice>
-        <mc:Fallback>
+        <mc:Fallback xmlns="">
           <p:sp>
             <p:nvSpPr>
               <p:cNvPr id="21" name="ZoneTexte 20"/>
@@ -21314,8 +21850,8 @@
           </a:fontRef>
         </p:style>
       </p:cxnSp>
-      <mc:AlternateContent xmlns:mc="http://schemas.openxmlformats.org/markup-compatibility/2006">
-        <mc:Choice xmlns:a14="http://schemas.microsoft.com/office/drawing/2010/main" Requires="a14">
+      <mc:AlternateContent xmlns:mc="http://schemas.openxmlformats.org/markup-compatibility/2006" xmlns:a14="http://schemas.microsoft.com/office/drawing/2010/main">
+        <mc:Choice Requires="a14">
           <p:sp>
             <p:nvSpPr>
               <p:cNvPr id="25" name="ZoneTexte 24"/>
@@ -21338,6 +21874,7 @@
               </a:bodyPr>
               <a:lstStyle/>
               <a:p>
+                <a:pPr/>
                 <a14:m>
                   <m:oMathPara xmlns:m="http://schemas.openxmlformats.org/officeDocument/2006/math">
                     <m:oMathParaPr>
@@ -21395,7 +21932,7 @@
             </p:txBody>
           </p:sp>
         </mc:Choice>
-        <mc:Fallback>
+        <mc:Fallback xmlns="">
           <p:sp>
             <p:nvSpPr>
               <p:cNvPr id="25" name="ZoneTexte 24"/>
@@ -21434,8 +21971,8 @@
           </p:sp>
         </mc:Fallback>
       </mc:AlternateContent>
-      <mc:AlternateContent xmlns:mc="http://schemas.openxmlformats.org/markup-compatibility/2006">
-        <mc:Choice xmlns:a14="http://schemas.microsoft.com/office/drawing/2010/main" Requires="a14">
+      <mc:AlternateContent xmlns:mc="http://schemas.openxmlformats.org/markup-compatibility/2006" xmlns:a14="http://schemas.microsoft.com/office/drawing/2010/main">
+        <mc:Choice Requires="a14">
           <p:sp>
             <p:nvSpPr>
               <p:cNvPr id="26" name="ZoneTexte 25"/>
@@ -21458,6 +21995,7 @@
               </a:bodyPr>
               <a:lstStyle/>
               <a:p>
+                <a:pPr/>
                 <a14:m>
                   <m:oMathPara xmlns:m="http://schemas.openxmlformats.org/officeDocument/2006/math">
                     <m:oMathParaPr>
@@ -21497,7 +22035,7 @@
             </p:txBody>
           </p:sp>
         </mc:Choice>
-        <mc:Fallback>
+        <mc:Fallback xmlns="">
           <p:sp>
             <p:nvSpPr>
               <p:cNvPr id="26" name="ZoneTexte 25"/>
@@ -21549,7 +22087,7 @@
 </p:sld>
 </file>
 
-<file path=ppt/slides/slide5.xml><?xml version="1.0" encoding="utf-8"?>
+<file path=ppt/slides/slide6.xml><?xml version="1.0" encoding="utf-8"?>
 <p:sld xmlns:a="http://schemas.openxmlformats.org/drawingml/2006/main" xmlns:r="http://schemas.openxmlformats.org/officeDocument/2006/relationships" xmlns:p="http://schemas.openxmlformats.org/presentationml/2006/main">
   <p:cSld>
     <p:spTree>
@@ -21823,7 +22361,7 @@
 </p:sld>
 </file>
 
-<file path=ppt/slides/slide6.xml><?xml version="1.0" encoding="utf-8"?>
+<file path=ppt/slides/slide7.xml><?xml version="1.0" encoding="utf-8"?>
 <p:sld xmlns:a="http://schemas.openxmlformats.org/drawingml/2006/main" xmlns:r="http://schemas.openxmlformats.org/officeDocument/2006/relationships" xmlns:p="http://schemas.openxmlformats.org/presentationml/2006/main">
   <p:cSld>
     <p:spTree>
@@ -22045,7 +22583,7 @@
 </p:sld>
 </file>
 
-<file path=ppt/slides/slide7.xml><?xml version="1.0" encoding="utf-8"?>
+<file path=ppt/slides/slide8.xml><?xml version="1.0" encoding="utf-8"?>
 <p:sld xmlns:a="http://schemas.openxmlformats.org/drawingml/2006/main" xmlns:r="http://schemas.openxmlformats.org/officeDocument/2006/relationships" xmlns:p="http://schemas.openxmlformats.org/presentationml/2006/main">
   <p:cSld>
     <p:spTree>
@@ -23819,7 +24357,7 @@
 </p:sld>
 </file>
 
-<file path=ppt/slides/slide8.xml><?xml version="1.0" encoding="utf-8"?>
+<file path=ppt/slides/slide9.xml><?xml version="1.0" encoding="utf-8"?>
 <p:sld xmlns:a="http://schemas.openxmlformats.org/drawingml/2006/main" xmlns:r="http://schemas.openxmlformats.org/officeDocument/2006/relationships" xmlns:p="http://schemas.openxmlformats.org/presentationml/2006/main">
   <p:cSld>
     <p:spTree>
@@ -25416,432 +25954,6 @@
 </p:sld>
 </file>
 
-<file path=ppt/slides/slide9.xml><?xml version="1.0" encoding="utf-8"?>
-<p:sld xmlns:a="http://schemas.openxmlformats.org/drawingml/2006/main" xmlns:r="http://schemas.openxmlformats.org/officeDocument/2006/relationships" xmlns:p="http://schemas.openxmlformats.org/presentationml/2006/main">
-  <p:cSld>
-    <p:spTree>
-      <p:nvGrpSpPr>
-        <p:cNvPr id="1" name=""/>
-        <p:cNvGrpSpPr/>
-        <p:nvPr/>
-      </p:nvGrpSpPr>
-      <p:grpSpPr>
-        <a:xfrm>
-          <a:off x="0" y="0"/>
-          <a:ext cx="0" cy="0"/>
-          <a:chOff x="0" y="0"/>
-          <a:chExt cx="0" cy="0"/>
-        </a:xfrm>
-      </p:grpSpPr>
-      <p:pic>
-        <p:nvPicPr>
-          <p:cNvPr id="1026" name="Picture 2" descr="C:\Enseignement\GitHub\Cy_04_PSI_ModelisationDynamique\Revisions_Statique\Fiche_01_Statique_2D_TD_01_Hayon\images\fig_03.png"/>
-          <p:cNvPicPr>
-            <a:picLocks noChangeAspect="1" noChangeArrowheads="1"/>
-          </p:cNvPicPr>
-          <p:nvPr/>
-        </p:nvPicPr>
-        <p:blipFill>
-          <a:blip r:embed="rId2">
-            <a:extLst>
-              <a:ext uri="{28A0092B-C50C-407E-A947-70E740481C1C}">
-                <a14:useLocalDpi xmlns:a14="http://schemas.microsoft.com/office/drawing/2010/main" val="0"/>
-              </a:ext>
-            </a:extLst>
-          </a:blip>
-          <a:srcRect/>
-          <a:stretch>
-            <a:fillRect/>
-          </a:stretch>
-        </p:blipFill>
-        <p:spPr bwMode="auto">
-          <a:xfrm>
-            <a:off x="1325563" y="1795463"/>
-            <a:ext cx="7200900" cy="5191125"/>
-          </a:xfrm>
-          <a:prstGeom prst="rect">
-            <a:avLst/>
-          </a:prstGeom>
-          <a:noFill/>
-          <a:extLst>
-            <a:ext uri="{909E8E84-426E-40DD-AFC4-6F175D3DCCD1}">
-              <a14:hiddenFill xmlns:a14="http://schemas.microsoft.com/office/drawing/2010/main">
-                <a:solidFill>
-                  <a:srgbClr val="FFFFFF"/>
-                </a:solidFill>
-              </a14:hiddenFill>
-            </a:ext>
-          </a:extLst>
-        </p:spPr>
-      </p:pic>
-      <p:sp>
-        <p:nvSpPr>
-          <p:cNvPr id="4" name="Forme libre 3"/>
-          <p:cNvSpPr/>
-          <p:nvPr/>
-        </p:nvSpPr>
-        <p:spPr>
-          <a:xfrm>
-            <a:off x="3096883" y="2251494"/>
-            <a:ext cx="4684143" cy="3183148"/>
-          </a:xfrm>
-          <a:custGeom>
-            <a:avLst/>
-            <a:gdLst>
-              <a:gd name="connsiteX0" fmla="*/ 0 w 4684143"/>
-              <a:gd name="connsiteY0" fmla="*/ 0 h 3183148"/>
-              <a:gd name="connsiteX1" fmla="*/ 4684143 w 4684143"/>
-              <a:gd name="connsiteY1" fmla="*/ 3183148 h 3183148"/>
-              <a:gd name="connsiteX2" fmla="*/ 4684143 w 4684143"/>
-              <a:gd name="connsiteY2" fmla="*/ 3183148 h 3183148"/>
-              <a:gd name="connsiteX0" fmla="*/ 0 w 4684143"/>
-              <a:gd name="connsiteY0" fmla="*/ 0 h 3183148"/>
-              <a:gd name="connsiteX1" fmla="*/ 4684143 w 4684143"/>
-              <a:gd name="connsiteY1" fmla="*/ 3183148 h 3183148"/>
-              <a:gd name="connsiteX2" fmla="*/ 4684143 w 4684143"/>
-              <a:gd name="connsiteY2" fmla="*/ 3183148 h 3183148"/>
-              <a:gd name="connsiteX0" fmla="*/ 0 w 4684143"/>
-              <a:gd name="connsiteY0" fmla="*/ 0 h 3183148"/>
-              <a:gd name="connsiteX1" fmla="*/ 4684143 w 4684143"/>
-              <a:gd name="connsiteY1" fmla="*/ 3183148 h 3183148"/>
-              <a:gd name="connsiteX2" fmla="*/ 4684143 w 4684143"/>
-              <a:gd name="connsiteY2" fmla="*/ 3183148 h 3183148"/>
-            </a:gdLst>
-            <a:ahLst/>
-            <a:cxnLst>
-              <a:cxn ang="0">
-                <a:pos x="connsiteX0" y="connsiteY0"/>
-              </a:cxn>
-              <a:cxn ang="0">
-                <a:pos x="connsiteX1" y="connsiteY1"/>
-              </a:cxn>
-              <a:cxn ang="0">
-                <a:pos x="connsiteX2" y="connsiteY2"/>
-              </a:cxn>
-            </a:cxnLst>
-            <a:rect l="l" t="t" r="r" b="b"/>
-            <a:pathLst>
-              <a:path w="4684143" h="3183148">
-                <a:moveTo>
-                  <a:pt x="0" y="0"/>
-                </a:moveTo>
-                <a:cubicBezTo>
-                  <a:pt x="370935" y="1647646"/>
-                  <a:pt x="34505" y="2622431"/>
-                  <a:pt x="4684143" y="3183148"/>
-                </a:cubicBezTo>
-                <a:lnTo>
-                  <a:pt x="4684143" y="3183148"/>
-                </a:lnTo>
-              </a:path>
-            </a:pathLst>
-          </a:custGeom>
-          <a:noFill/>
-          <a:ln>
-            <a:solidFill>
-              <a:srgbClr val="00B050"/>
-            </a:solidFill>
-            <a:tailEnd type="stealth" w="med" len="lg"/>
-          </a:ln>
-        </p:spPr>
-        <p:style>
-          <a:lnRef idx="2">
-            <a:schemeClr val="accent1">
-              <a:shade val="50000"/>
-            </a:schemeClr>
-          </a:lnRef>
-          <a:fillRef idx="1">
-            <a:schemeClr val="accent1"/>
-          </a:fillRef>
-          <a:effectRef idx="0">
-            <a:schemeClr val="accent1"/>
-          </a:effectRef>
-          <a:fontRef idx="minor">
-            <a:schemeClr val="lt1"/>
-          </a:fontRef>
-        </p:style>
-        <p:txBody>
-          <a:bodyPr rtlCol="0" anchor="ctr"/>
-          <a:lstStyle/>
-          <a:p>
-            <a:pPr algn="ctr"/>
-            <a:endParaRPr lang="fr-FR"/>
-          </a:p>
-        </p:txBody>
-      </p:sp>
-      <p:sp>
-        <p:nvSpPr>
-          <p:cNvPr id="6" name="Forme libre 5"/>
-          <p:cNvSpPr/>
-          <p:nvPr/>
-        </p:nvSpPr>
-        <p:spPr>
-          <a:xfrm>
-            <a:off x="3046563" y="3043082"/>
-            <a:ext cx="4684143" cy="3183148"/>
-          </a:xfrm>
-          <a:custGeom>
-            <a:avLst/>
-            <a:gdLst>
-              <a:gd name="connsiteX0" fmla="*/ 0 w 4684143"/>
-              <a:gd name="connsiteY0" fmla="*/ 0 h 3183148"/>
-              <a:gd name="connsiteX1" fmla="*/ 4684143 w 4684143"/>
-              <a:gd name="connsiteY1" fmla="*/ 3183148 h 3183148"/>
-              <a:gd name="connsiteX2" fmla="*/ 4684143 w 4684143"/>
-              <a:gd name="connsiteY2" fmla="*/ 3183148 h 3183148"/>
-              <a:gd name="connsiteX0" fmla="*/ 0 w 4684143"/>
-              <a:gd name="connsiteY0" fmla="*/ 0 h 3183148"/>
-              <a:gd name="connsiteX1" fmla="*/ 4684143 w 4684143"/>
-              <a:gd name="connsiteY1" fmla="*/ 3183148 h 3183148"/>
-              <a:gd name="connsiteX2" fmla="*/ 4684143 w 4684143"/>
-              <a:gd name="connsiteY2" fmla="*/ 3183148 h 3183148"/>
-              <a:gd name="connsiteX0" fmla="*/ 0 w 4684143"/>
-              <a:gd name="connsiteY0" fmla="*/ 0 h 3183148"/>
-              <a:gd name="connsiteX1" fmla="*/ 4684143 w 4684143"/>
-              <a:gd name="connsiteY1" fmla="*/ 3183148 h 3183148"/>
-              <a:gd name="connsiteX2" fmla="*/ 4684143 w 4684143"/>
-              <a:gd name="connsiteY2" fmla="*/ 3183148 h 3183148"/>
-            </a:gdLst>
-            <a:ahLst/>
-            <a:cxnLst>
-              <a:cxn ang="0">
-                <a:pos x="connsiteX0" y="connsiteY0"/>
-              </a:cxn>
-              <a:cxn ang="0">
-                <a:pos x="connsiteX1" y="connsiteY1"/>
-              </a:cxn>
-              <a:cxn ang="0">
-                <a:pos x="connsiteX2" y="connsiteY2"/>
-              </a:cxn>
-            </a:cxnLst>
-            <a:rect l="l" t="t" r="r" b="b"/>
-            <a:pathLst>
-              <a:path w="4684143" h="3183148">
-                <a:moveTo>
-                  <a:pt x="0" y="0"/>
-                </a:moveTo>
-                <a:cubicBezTo>
-                  <a:pt x="370935" y="1647646"/>
-                  <a:pt x="34505" y="2622431"/>
-                  <a:pt x="4684143" y="3183148"/>
-                </a:cubicBezTo>
-                <a:lnTo>
-                  <a:pt x="4684143" y="3183148"/>
-                </a:lnTo>
-              </a:path>
-            </a:pathLst>
-          </a:custGeom>
-          <a:noFill/>
-          <a:ln>
-            <a:solidFill>
-              <a:schemeClr val="accent4"/>
-            </a:solidFill>
-            <a:headEnd type="stealth" w="med" len="lg"/>
-            <a:tailEnd type="none" w="med" len="lg"/>
-          </a:ln>
-        </p:spPr>
-        <p:style>
-          <a:lnRef idx="2">
-            <a:schemeClr val="accent1">
-              <a:shade val="50000"/>
-            </a:schemeClr>
-          </a:lnRef>
-          <a:fillRef idx="1">
-            <a:schemeClr val="accent1"/>
-          </a:fillRef>
-          <a:effectRef idx="0">
-            <a:schemeClr val="accent1"/>
-          </a:effectRef>
-          <a:fontRef idx="minor">
-            <a:schemeClr val="lt1"/>
-          </a:fontRef>
-        </p:style>
-        <p:txBody>
-          <a:bodyPr rtlCol="0" anchor="ctr"/>
-          <a:lstStyle/>
-          <a:p>
-            <a:pPr algn="ctr"/>
-            <a:endParaRPr lang="fr-FR"/>
-          </a:p>
-        </p:txBody>
-      </p:sp>
-      <p:sp>
-        <p:nvSpPr>
-          <p:cNvPr id="5" name="ZoneTexte 4"/>
-          <p:cNvSpPr txBox="1"/>
-          <p:nvPr/>
-        </p:nvSpPr>
-        <p:spPr>
-          <a:xfrm>
-            <a:off x="6516216" y="4941168"/>
-            <a:ext cx="1147622" cy="369332"/>
-          </a:xfrm>
-          <a:prstGeom prst="rect">
-            <a:avLst/>
-          </a:prstGeom>
-          <a:noFill/>
-        </p:spPr>
-        <p:txBody>
-          <a:bodyPr wrap="none" rtlCol="0">
-            <a:spAutoFit/>
-          </a:bodyPr>
-          <a:lstStyle/>
-          <a:p>
-            <a:r>
-              <a:rPr lang="fr-FR" dirty="0" smtClean="0"/>
-              <a:t>Ouverture</a:t>
-            </a:r>
-            <a:endParaRPr lang="fr-FR" dirty="0"/>
-          </a:p>
-        </p:txBody>
-      </p:sp>
-      <p:sp>
-        <p:nvSpPr>
-          <p:cNvPr id="8" name="ZoneTexte 7"/>
-          <p:cNvSpPr txBox="1"/>
-          <p:nvPr/>
-        </p:nvSpPr>
-        <p:spPr>
-          <a:xfrm>
-            <a:off x="3935057" y="5611507"/>
-            <a:ext cx="1172500" cy="369332"/>
-          </a:xfrm>
-          <a:prstGeom prst="rect">
-            <a:avLst/>
-          </a:prstGeom>
-          <a:noFill/>
-        </p:spPr>
-        <p:txBody>
-          <a:bodyPr wrap="none" rtlCol="0">
-            <a:spAutoFit/>
-          </a:bodyPr>
-          <a:lstStyle/>
-          <a:p>
-            <a:r>
-              <a:rPr lang="fr-FR" dirty="0" smtClean="0"/>
-              <a:t>Fermeture</a:t>
-            </a:r>
-            <a:endParaRPr lang="fr-FR" dirty="0"/>
-          </a:p>
-        </p:txBody>
-      </p:sp>
-      <p:cxnSp>
-        <p:nvCxnSpPr>
-          <p:cNvPr id="9" name="Connecteur droit 8"/>
-          <p:cNvCxnSpPr/>
-          <p:nvPr/>
-        </p:nvCxnSpPr>
-        <p:spPr>
-          <a:xfrm flipH="1">
-            <a:off x="2555776" y="6140531"/>
-            <a:ext cx="4534251" cy="0"/>
-          </a:xfrm>
-          <a:prstGeom prst="line">
-            <a:avLst/>
-          </a:prstGeom>
-          <a:ln w="38100">
-            <a:solidFill>
-              <a:srgbClr val="FF0000"/>
-            </a:solidFill>
-            <a:headEnd type="none"/>
-            <a:tailEnd type="stealth" w="med" len="lg"/>
-          </a:ln>
-        </p:spPr>
-        <p:style>
-          <a:lnRef idx="1">
-            <a:schemeClr val="accent1"/>
-          </a:lnRef>
-          <a:fillRef idx="0">
-            <a:schemeClr val="accent1"/>
-          </a:fillRef>
-          <a:effectRef idx="0">
-            <a:schemeClr val="accent1"/>
-          </a:effectRef>
-          <a:fontRef idx="minor">
-            <a:schemeClr val="tx1"/>
-          </a:fontRef>
-        </p:style>
-      </p:cxnSp>
-      <p:sp>
-        <p:nvSpPr>
-          <p:cNvPr id="12" name="ZoneTexte 11"/>
-          <p:cNvSpPr txBox="1"/>
-          <p:nvPr/>
-        </p:nvSpPr>
-        <p:spPr>
-          <a:xfrm>
-            <a:off x="1890082" y="5955865"/>
-            <a:ext cx="737702" cy="369332"/>
-          </a:xfrm>
-          <a:prstGeom prst="rect">
-            <a:avLst/>
-          </a:prstGeom>
-          <a:noFill/>
-        </p:spPr>
-        <p:txBody>
-          <a:bodyPr wrap="none" rtlCol="0">
-            <a:spAutoFit/>
-          </a:bodyPr>
-          <a:lstStyle/>
-          <a:p>
-            <a:r>
-              <a:rPr lang="fr-FR" b="1" dirty="0" smtClean="0"/>
-              <a:t>500 N</a:t>
-            </a:r>
-            <a:endParaRPr lang="fr-FR" b="1" dirty="0"/>
-          </a:p>
-        </p:txBody>
-      </p:sp>
-      <p:cxnSp>
-        <p:nvCxnSpPr>
-          <p:cNvPr id="14" name="Connecteur droit 13"/>
-          <p:cNvCxnSpPr/>
-          <p:nvPr/>
-        </p:nvCxnSpPr>
-        <p:spPr>
-          <a:xfrm flipH="1" flipV="1">
-            <a:off x="4067944" y="5617576"/>
-            <a:ext cx="3950794" cy="676578"/>
-          </a:xfrm>
-          <a:prstGeom prst="line">
-            <a:avLst/>
-          </a:prstGeom>
-          <a:ln w="38100">
-            <a:solidFill>
-              <a:srgbClr val="FF0000"/>
-            </a:solidFill>
-            <a:headEnd type="none"/>
-            <a:tailEnd type="none" w="med" len="lg"/>
-          </a:ln>
-        </p:spPr>
-        <p:style>
-          <a:lnRef idx="1">
-            <a:schemeClr val="accent1"/>
-          </a:lnRef>
-          <a:fillRef idx="0">
-            <a:schemeClr val="accent1"/>
-          </a:fillRef>
-          <a:effectRef idx="0">
-            <a:schemeClr val="accent1"/>
-          </a:effectRef>
-          <a:fontRef idx="minor">
-            <a:schemeClr val="tx1"/>
-          </a:fontRef>
-        </p:style>
-      </p:cxnSp>
-    </p:spTree>
-    <p:extLst>
-      <p:ext uri="{BB962C8B-B14F-4D97-AF65-F5344CB8AC3E}">
-        <p14:creationId xmlns:p14="http://schemas.microsoft.com/office/powerpoint/2010/main" val="1028118152"/>
-      </p:ext>
-    </p:extLst>
-  </p:cSld>
-  <p:clrMapOvr>
-    <a:masterClrMapping/>
-  </p:clrMapOvr>
-</p:sld>
-</file>
-
 <file path=ppt/theme/theme1.xml><?xml version="1.0" encoding="utf-8"?>
 <a:theme xmlns:a="http://schemas.openxmlformats.org/drawingml/2006/main" name="Thème Office">
   <a:themeElements>

--- a/Centrale_2018/images/Figures.pptx
+++ b/Centrale_2018/images/Figures.pptx
@@ -3123,6 +3123,649 @@
           </a:fontRef>
         </p:style>
       </p:cxnSp>
+      <mc:AlternateContent xmlns:mc="http://schemas.openxmlformats.org/markup-compatibility/2006">
+        <mc:Choice xmlns:a14="http://schemas.microsoft.com/office/drawing/2010/main" Requires="a14">
+          <p:sp>
+            <p:nvSpPr>
+              <p:cNvPr id="8" name="ZoneTexte 7"/>
+              <p:cNvSpPr txBox="1"/>
+              <p:nvPr/>
+            </p:nvSpPr>
+            <p:spPr>
+              <a:xfrm>
+                <a:off x="6594093" y="3167390"/>
+                <a:ext cx="276293" cy="261610"/>
+              </a:xfrm>
+              <a:prstGeom prst="rect">
+                <a:avLst/>
+              </a:prstGeom>
+              <a:noFill/>
+            </p:spPr>
+            <p:txBody>
+              <a:bodyPr wrap="none" rtlCol="0">
+                <a:spAutoFit/>
+              </a:bodyPr>
+              <a:lstStyle/>
+              <a:p>
+                <a14:m>
+                  <m:oMathPara xmlns:m="http://schemas.openxmlformats.org/officeDocument/2006/math">
+                    <m:oMathParaPr>
+                      <m:jc m:val="centerGroup"/>
+                    </m:oMathParaPr>
+                    <m:oMath xmlns:m="http://schemas.openxmlformats.org/officeDocument/2006/math">
+                      <m:r>
+                        <a:rPr lang="fr-FR" sz="1100" b="0" i="1" smtClean="0">
+                          <a:latin typeface="Cambria Math"/>
+                        </a:rPr>
+                        <m:t>𝑡</m:t>
+                      </m:r>
+                    </m:oMath>
+                  </m:oMathPara>
+                </a14:m>
+                <a:endParaRPr lang="fr-FR" sz="1100" dirty="0"/>
+              </a:p>
+            </p:txBody>
+          </p:sp>
+        </mc:Choice>
+        <mc:Fallback>
+          <p:sp>
+            <p:nvSpPr>
+              <p:cNvPr id="8" name="ZoneTexte 7"/>
+              <p:cNvSpPr txBox="1">
+                <a:spLocks noRot="1" noChangeAspect="1" noMove="1" noResize="1" noEditPoints="1" noAdjustHandles="1" noChangeArrowheads="1" noChangeShapeType="1" noTextEdit="1"/>
+              </p:cNvSpPr>
+              <p:nvPr/>
+            </p:nvSpPr>
+            <p:spPr>
+              <a:xfrm>
+                <a:off x="6594093" y="3167390"/>
+                <a:ext cx="276293" cy="261610"/>
+              </a:xfrm>
+              <a:prstGeom prst="rect">
+                <a:avLst/>
+              </a:prstGeom>
+              <a:blipFill rotWithShape="1">
+                <a:blip r:embed="rId2"/>
+                <a:stretch>
+                  <a:fillRect/>
+                </a:stretch>
+              </a:blipFill>
+            </p:spPr>
+            <p:txBody>
+              <a:bodyPr/>
+              <a:lstStyle/>
+              <a:p>
+                <a:r>
+                  <a:rPr lang="fr-FR">
+                    <a:noFill/>
+                  </a:rPr>
+                  <a:t> </a:t>
+                </a:r>
+              </a:p>
+            </p:txBody>
+          </p:sp>
+        </mc:Fallback>
+      </mc:AlternateContent>
+      <mc:AlternateContent xmlns:mc="http://schemas.openxmlformats.org/markup-compatibility/2006">
+        <mc:Choice xmlns:a14="http://schemas.microsoft.com/office/drawing/2010/main" Requires="a14">
+          <p:sp>
+            <p:nvSpPr>
+              <p:cNvPr id="9" name="ZoneTexte 8"/>
+              <p:cNvSpPr txBox="1"/>
+              <p:nvPr/>
+            </p:nvSpPr>
+            <p:spPr>
+              <a:xfrm>
+                <a:off x="4598763" y="1858035"/>
+                <a:ext cx="384464" cy="261610"/>
+              </a:xfrm>
+              <a:prstGeom prst="rect">
+                <a:avLst/>
+              </a:prstGeom>
+              <a:noFill/>
+            </p:spPr>
+            <p:txBody>
+              <a:bodyPr wrap="none" rtlCol="0">
+                <a:spAutoFit/>
+              </a:bodyPr>
+              <a:lstStyle/>
+              <a:p>
+                <a14:m>
+                  <m:oMathPara xmlns:m="http://schemas.openxmlformats.org/officeDocument/2006/math">
+                    <m:oMathParaPr>
+                      <m:jc m:val="centerGroup"/>
+                    </m:oMathParaPr>
+                    <m:oMath xmlns:m="http://schemas.openxmlformats.org/officeDocument/2006/math">
+                      <m:sSub>
+                        <m:sSubPr>
+                          <m:ctrlPr>
+                            <a:rPr lang="fr-FR" sz="1100" b="0" i="1" smtClean="0">
+                              <a:latin typeface="Cambria Math"/>
+                            </a:rPr>
+                          </m:ctrlPr>
+                        </m:sSubPr>
+                        <m:e>
+                          <m:r>
+                            <a:rPr lang="fr-FR" sz="1100" b="0" i="1" smtClean="0">
+                              <a:latin typeface="Cambria Math"/>
+                            </a:rPr>
+                            <m:t>𝜔</m:t>
+                          </m:r>
+                        </m:e>
+                        <m:sub>
+                          <m:r>
+                            <a:rPr lang="fr-FR" sz="1100" b="0" i="1" smtClean="0">
+                              <a:latin typeface="Cambria Math"/>
+                            </a:rPr>
+                            <m:t>3</m:t>
+                          </m:r>
+                        </m:sub>
+                      </m:sSub>
+                    </m:oMath>
+                  </m:oMathPara>
+                </a14:m>
+                <a:endParaRPr lang="fr-FR" sz="1100" dirty="0"/>
+              </a:p>
+            </p:txBody>
+          </p:sp>
+        </mc:Choice>
+        <mc:Fallback>
+          <p:sp>
+            <p:nvSpPr>
+              <p:cNvPr id="9" name="ZoneTexte 8"/>
+              <p:cNvSpPr txBox="1">
+                <a:spLocks noRot="1" noChangeAspect="1" noMove="1" noResize="1" noEditPoints="1" noAdjustHandles="1" noChangeArrowheads="1" noChangeShapeType="1" noTextEdit="1"/>
+              </p:cNvSpPr>
+              <p:nvPr/>
+            </p:nvSpPr>
+            <p:spPr>
+              <a:xfrm>
+                <a:off x="4598763" y="1858035"/>
+                <a:ext cx="384464" cy="261610"/>
+              </a:xfrm>
+              <a:prstGeom prst="rect">
+                <a:avLst/>
+              </a:prstGeom>
+              <a:blipFill rotWithShape="1">
+                <a:blip r:embed="rId3"/>
+                <a:stretch>
+                  <a:fillRect/>
+                </a:stretch>
+              </a:blipFill>
+            </p:spPr>
+            <p:txBody>
+              <a:bodyPr/>
+              <a:lstStyle/>
+              <a:p>
+                <a:r>
+                  <a:rPr lang="fr-FR">
+                    <a:noFill/>
+                  </a:rPr>
+                  <a:t> </a:t>
+                </a:r>
+              </a:p>
+            </p:txBody>
+          </p:sp>
+        </mc:Fallback>
+      </mc:AlternateContent>
+      <p:cxnSp>
+        <p:nvCxnSpPr>
+          <p:cNvPr id="13" name="Connecteur droit avec flèche 12"/>
+          <p:cNvCxnSpPr/>
+          <p:nvPr/>
+        </p:nvCxnSpPr>
+        <p:spPr>
+          <a:xfrm flipV="1">
+            <a:off x="6372200" y="2259135"/>
+            <a:ext cx="0" cy="1241873"/>
+          </a:xfrm>
+          <a:prstGeom prst="straightConnector1">
+            <a:avLst/>
+          </a:prstGeom>
+          <a:ln w="12700">
+            <a:solidFill>
+              <a:schemeClr val="tx1"/>
+            </a:solidFill>
+            <a:prstDash val="dash"/>
+            <a:headEnd type="none" w="med" len="med"/>
+            <a:tailEnd type="none" w="med" len="med"/>
+          </a:ln>
+        </p:spPr>
+        <p:style>
+          <a:lnRef idx="1">
+            <a:schemeClr val="accent1"/>
+          </a:lnRef>
+          <a:fillRef idx="0">
+            <a:schemeClr val="accent1"/>
+          </a:fillRef>
+          <a:effectRef idx="0">
+            <a:schemeClr val="accent1"/>
+          </a:effectRef>
+          <a:fontRef idx="minor">
+            <a:schemeClr val="tx1"/>
+          </a:fontRef>
+        </p:style>
+      </p:cxnSp>
+      <p:cxnSp>
+        <p:nvCxnSpPr>
+          <p:cNvPr id="15" name="Connecteur droit avec flèche 14"/>
+          <p:cNvCxnSpPr/>
+          <p:nvPr/>
+        </p:nvCxnSpPr>
+        <p:spPr>
+          <a:xfrm>
+            <a:off x="4499992" y="2348880"/>
+            <a:ext cx="1944216" cy="0"/>
+          </a:xfrm>
+          <a:prstGeom prst="straightConnector1">
+            <a:avLst/>
+          </a:prstGeom>
+          <a:ln w="12700">
+            <a:solidFill>
+              <a:schemeClr val="tx1"/>
+            </a:solidFill>
+            <a:prstDash val="dash"/>
+            <a:headEnd type="none" w="med" len="med"/>
+            <a:tailEnd type="none" w="med" len="med"/>
+          </a:ln>
+        </p:spPr>
+        <p:style>
+          <a:lnRef idx="1">
+            <a:schemeClr val="accent1"/>
+          </a:lnRef>
+          <a:fillRef idx="0">
+            <a:schemeClr val="accent1"/>
+          </a:fillRef>
+          <a:effectRef idx="0">
+            <a:schemeClr val="accent1"/>
+          </a:effectRef>
+          <a:fontRef idx="minor">
+            <a:schemeClr val="tx1"/>
+          </a:fontRef>
+        </p:style>
+      </p:cxnSp>
+      <p:cxnSp>
+        <p:nvCxnSpPr>
+          <p:cNvPr id="22" name="Connecteur droit avec flèche 21"/>
+          <p:cNvCxnSpPr/>
+          <p:nvPr/>
+        </p:nvCxnSpPr>
+        <p:spPr>
+          <a:xfrm flipV="1">
+            <a:off x="4572000" y="2259135"/>
+            <a:ext cx="1944216" cy="1169865"/>
+          </a:xfrm>
+          <a:prstGeom prst="straightConnector1">
+            <a:avLst/>
+          </a:prstGeom>
+          <a:ln w="12700">
+            <a:solidFill>
+              <a:schemeClr val="accent2"/>
+            </a:solidFill>
+            <a:prstDash val="solid"/>
+            <a:headEnd type="none" w="med" len="med"/>
+            <a:tailEnd type="none" w="med" len="med"/>
+          </a:ln>
+        </p:spPr>
+        <p:style>
+          <a:lnRef idx="1">
+            <a:schemeClr val="accent1"/>
+          </a:lnRef>
+          <a:fillRef idx="0">
+            <a:schemeClr val="accent1"/>
+          </a:fillRef>
+          <a:effectRef idx="0">
+            <a:schemeClr val="accent1"/>
+          </a:effectRef>
+          <a:fontRef idx="minor">
+            <a:schemeClr val="tx1"/>
+          </a:fontRef>
+        </p:style>
+      </p:cxnSp>
+      <mc:AlternateContent xmlns:mc="http://schemas.openxmlformats.org/markup-compatibility/2006">
+        <mc:Choice xmlns:a14="http://schemas.microsoft.com/office/drawing/2010/main" Requires="a14">
+          <p:sp>
+            <p:nvSpPr>
+              <p:cNvPr id="27" name="ZoneTexte 26"/>
+              <p:cNvSpPr txBox="1"/>
+              <p:nvPr/>
+            </p:nvSpPr>
+            <p:spPr>
+              <a:xfrm>
+                <a:off x="4115528" y="3298195"/>
+                <a:ext cx="436786" cy="277064"/>
+              </a:xfrm>
+              <a:prstGeom prst="rect">
+                <a:avLst/>
+              </a:prstGeom>
+              <a:noFill/>
+            </p:spPr>
+            <p:txBody>
+              <a:bodyPr wrap="none" rtlCol="0">
+                <a:spAutoFit/>
+              </a:bodyPr>
+              <a:lstStyle/>
+              <a:p>
+                <a14:m>
+                  <m:oMathPara xmlns:m="http://schemas.openxmlformats.org/officeDocument/2006/math">
+                    <m:oMathParaPr>
+                      <m:jc m:val="centerGroup"/>
+                    </m:oMathParaPr>
+                    <m:oMath xmlns:m="http://schemas.openxmlformats.org/officeDocument/2006/math">
+                      <m:sSub>
+                        <m:sSubPr>
+                          <m:ctrlPr>
+                            <a:rPr lang="fr-FR" sz="1100" b="0" i="1" smtClean="0">
+                              <a:latin typeface="Cambria Math"/>
+                            </a:rPr>
+                          </m:ctrlPr>
+                        </m:sSubPr>
+                        <m:e>
+                          <m:r>
+                            <a:rPr lang="fr-FR" sz="1100" b="0" i="1" smtClean="0">
+                              <a:latin typeface="Cambria Math"/>
+                            </a:rPr>
+                            <m:t>𝜔</m:t>
+                          </m:r>
+                        </m:e>
+                        <m:sub>
+                          <m:sSub>
+                            <m:sSubPr>
+                              <m:ctrlPr>
+                                <a:rPr lang="fr-FR" sz="1100" b="0" i="1" smtClean="0">
+                                  <a:latin typeface="Cambria Math"/>
+                                </a:rPr>
+                              </m:ctrlPr>
+                            </m:sSubPr>
+                            <m:e>
+                              <m:r>
+                                <a:rPr lang="fr-FR" sz="1100" b="0" i="1" smtClean="0">
+                                  <a:latin typeface="Cambria Math"/>
+                                </a:rPr>
+                                <m:t>𝐶</m:t>
+                              </m:r>
+                            </m:e>
+                            <m:sub>
+                              <m:r>
+                                <a:rPr lang="fr-FR" sz="1100" b="0" i="1" smtClean="0">
+                                  <a:latin typeface="Cambria Math"/>
+                                </a:rPr>
+                                <m:t>0</m:t>
+                              </m:r>
+                            </m:sub>
+                          </m:sSub>
+                        </m:sub>
+                      </m:sSub>
+                    </m:oMath>
+                  </m:oMathPara>
+                </a14:m>
+                <a:endParaRPr lang="fr-FR" sz="1100" dirty="0"/>
+              </a:p>
+            </p:txBody>
+          </p:sp>
+        </mc:Choice>
+        <mc:Fallback>
+          <p:sp>
+            <p:nvSpPr>
+              <p:cNvPr id="27" name="ZoneTexte 26"/>
+              <p:cNvSpPr txBox="1">
+                <a:spLocks noRot="1" noChangeAspect="1" noMove="1" noResize="1" noEditPoints="1" noAdjustHandles="1" noChangeArrowheads="1" noChangeShapeType="1" noTextEdit="1"/>
+              </p:cNvSpPr>
+              <p:nvPr/>
+            </p:nvSpPr>
+            <p:spPr>
+              <a:xfrm>
+                <a:off x="4115528" y="3298195"/>
+                <a:ext cx="436786" cy="277064"/>
+              </a:xfrm>
+              <a:prstGeom prst="rect">
+                <a:avLst/>
+              </a:prstGeom>
+              <a:blipFill rotWithShape="1">
+                <a:blip r:embed="rId4"/>
+                <a:stretch>
+                  <a:fillRect/>
+                </a:stretch>
+              </a:blipFill>
+            </p:spPr>
+            <p:txBody>
+              <a:bodyPr/>
+              <a:lstStyle/>
+              <a:p>
+                <a:r>
+                  <a:rPr lang="fr-FR">
+                    <a:noFill/>
+                  </a:rPr>
+                  <a:t> </a:t>
+                </a:r>
+              </a:p>
+            </p:txBody>
+          </p:sp>
+        </mc:Fallback>
+      </mc:AlternateContent>
+      <mc:AlternateContent xmlns:mc="http://schemas.openxmlformats.org/markup-compatibility/2006">
+        <mc:Choice xmlns:a14="http://schemas.microsoft.com/office/drawing/2010/main" Requires="a14">
+          <p:sp>
+            <p:nvSpPr>
+              <p:cNvPr id="28" name="ZoneTexte 27"/>
+              <p:cNvSpPr txBox="1"/>
+              <p:nvPr/>
+            </p:nvSpPr>
+            <p:spPr>
+              <a:xfrm>
+                <a:off x="4135214" y="2210348"/>
+                <a:ext cx="436786" cy="276101"/>
+              </a:xfrm>
+              <a:prstGeom prst="rect">
+                <a:avLst/>
+              </a:prstGeom>
+              <a:noFill/>
+            </p:spPr>
+            <p:txBody>
+              <a:bodyPr wrap="none" rtlCol="0">
+                <a:spAutoFit/>
+              </a:bodyPr>
+              <a:lstStyle/>
+              <a:p>
+                <a14:m>
+                  <m:oMathPara xmlns:m="http://schemas.openxmlformats.org/officeDocument/2006/math">
+                    <m:oMathParaPr>
+                      <m:jc m:val="centerGroup"/>
+                    </m:oMathParaPr>
+                    <m:oMath xmlns:m="http://schemas.openxmlformats.org/officeDocument/2006/math">
+                      <m:sSub>
+                        <m:sSubPr>
+                          <m:ctrlPr>
+                            <a:rPr lang="fr-FR" sz="1100" b="0" i="1" smtClean="0">
+                              <a:latin typeface="Cambria Math"/>
+                            </a:rPr>
+                          </m:ctrlPr>
+                        </m:sSubPr>
+                        <m:e>
+                          <m:r>
+                            <a:rPr lang="fr-FR" sz="1100" b="0" i="1" smtClean="0">
+                              <a:latin typeface="Cambria Math"/>
+                            </a:rPr>
+                            <m:t>𝜔</m:t>
+                          </m:r>
+                        </m:e>
+                        <m:sub>
+                          <m:sSub>
+                            <m:sSubPr>
+                              <m:ctrlPr>
+                                <a:rPr lang="fr-FR" sz="1100" b="0" i="1" smtClean="0">
+                                  <a:latin typeface="Cambria Math"/>
+                                </a:rPr>
+                              </m:ctrlPr>
+                            </m:sSubPr>
+                            <m:e>
+                              <m:r>
+                                <a:rPr lang="fr-FR" sz="1100" b="0" i="1" smtClean="0">
+                                  <a:latin typeface="Cambria Math"/>
+                                </a:rPr>
+                                <m:t>𝐶</m:t>
+                              </m:r>
+                            </m:e>
+                            <m:sub>
+                              <m:r>
+                                <a:rPr lang="fr-FR" sz="1100" b="0" i="1" smtClean="0">
+                                  <a:latin typeface="Cambria Math"/>
+                                </a:rPr>
+                                <m:t>1</m:t>
+                              </m:r>
+                            </m:sub>
+                          </m:sSub>
+                        </m:sub>
+                      </m:sSub>
+                    </m:oMath>
+                  </m:oMathPara>
+                </a14:m>
+                <a:endParaRPr lang="fr-FR" sz="1100" dirty="0"/>
+              </a:p>
+            </p:txBody>
+          </p:sp>
+        </mc:Choice>
+        <mc:Fallback>
+          <p:sp>
+            <p:nvSpPr>
+              <p:cNvPr id="28" name="ZoneTexte 27"/>
+              <p:cNvSpPr txBox="1">
+                <a:spLocks noRot="1" noChangeAspect="1" noMove="1" noResize="1" noEditPoints="1" noAdjustHandles="1" noChangeArrowheads="1" noChangeShapeType="1" noTextEdit="1"/>
+              </p:cNvSpPr>
+              <p:nvPr/>
+            </p:nvSpPr>
+            <p:spPr>
+              <a:xfrm>
+                <a:off x="4135214" y="2210348"/>
+                <a:ext cx="436786" cy="276101"/>
+              </a:xfrm>
+              <a:prstGeom prst="rect">
+                <a:avLst/>
+              </a:prstGeom>
+              <a:blipFill rotWithShape="1">
+                <a:blip r:embed="rId5"/>
+                <a:stretch>
+                  <a:fillRect/>
+                </a:stretch>
+              </a:blipFill>
+            </p:spPr>
+            <p:txBody>
+              <a:bodyPr/>
+              <a:lstStyle/>
+              <a:p>
+                <a:r>
+                  <a:rPr lang="fr-FR">
+                    <a:noFill/>
+                  </a:rPr>
+                  <a:t> </a:t>
+                </a:r>
+              </a:p>
+            </p:txBody>
+          </p:sp>
+        </mc:Fallback>
+      </mc:AlternateContent>
+      <mc:AlternateContent xmlns:mc="http://schemas.openxmlformats.org/markup-compatibility/2006">
+        <mc:Choice xmlns:a14="http://schemas.microsoft.com/office/drawing/2010/main" Requires="a14">
+          <p:sp>
+            <p:nvSpPr>
+              <p:cNvPr id="29" name="ZoneTexte 28"/>
+              <p:cNvSpPr txBox="1"/>
+              <p:nvPr/>
+            </p:nvSpPr>
+            <p:spPr>
+              <a:xfrm>
+                <a:off x="6201569" y="3429000"/>
+                <a:ext cx="332655" cy="261610"/>
+              </a:xfrm>
+              <a:prstGeom prst="rect">
+                <a:avLst/>
+              </a:prstGeom>
+              <a:noFill/>
+            </p:spPr>
+            <p:txBody>
+              <a:bodyPr wrap="none" rtlCol="0">
+                <a:spAutoFit/>
+              </a:bodyPr>
+              <a:lstStyle/>
+              <a:p>
+                <a14:m>
+                  <m:oMathPara xmlns:m="http://schemas.openxmlformats.org/officeDocument/2006/math">
+                    <m:oMathParaPr>
+                      <m:jc m:val="centerGroup"/>
+                    </m:oMathParaPr>
+                    <m:oMath xmlns:m="http://schemas.openxmlformats.org/officeDocument/2006/math">
+                      <m:sSub>
+                        <m:sSubPr>
+                          <m:ctrlPr>
+                            <a:rPr lang="fr-FR" sz="1100" b="0" i="1" smtClean="0">
+                              <a:latin typeface="Cambria Math"/>
+                            </a:rPr>
+                          </m:ctrlPr>
+                        </m:sSubPr>
+                        <m:e>
+                          <m:r>
+                            <a:rPr lang="fr-FR" sz="1100" b="0" i="1" smtClean="0">
+                              <a:latin typeface="Cambria Math"/>
+                            </a:rPr>
+                            <m:t>𝑡</m:t>
+                          </m:r>
+                        </m:e>
+                        <m:sub>
+                          <m:r>
+                            <a:rPr lang="fr-FR" sz="1100" b="0" i="1" smtClean="0">
+                              <a:latin typeface="Cambria Math"/>
+                            </a:rPr>
+                            <m:t>1</m:t>
+                          </m:r>
+                        </m:sub>
+                      </m:sSub>
+                    </m:oMath>
+                  </m:oMathPara>
+                </a14:m>
+                <a:endParaRPr lang="fr-FR" sz="1100" dirty="0"/>
+              </a:p>
+            </p:txBody>
+          </p:sp>
+        </mc:Choice>
+        <mc:Fallback>
+          <p:sp>
+            <p:nvSpPr>
+              <p:cNvPr id="29" name="ZoneTexte 28"/>
+              <p:cNvSpPr txBox="1">
+                <a:spLocks noRot="1" noChangeAspect="1" noMove="1" noResize="1" noEditPoints="1" noAdjustHandles="1" noChangeArrowheads="1" noChangeShapeType="1" noTextEdit="1"/>
+              </p:cNvSpPr>
+              <p:nvPr/>
+            </p:nvSpPr>
+            <p:spPr>
+              <a:xfrm>
+                <a:off x="6201569" y="3429000"/>
+                <a:ext cx="332655" cy="261610"/>
+              </a:xfrm>
+              <a:prstGeom prst="rect">
+                <a:avLst/>
+              </a:prstGeom>
+              <a:blipFill rotWithShape="1">
+                <a:blip r:embed="rId6"/>
+                <a:stretch>
+                  <a:fillRect/>
+                </a:stretch>
+              </a:blipFill>
+            </p:spPr>
+            <p:txBody>
+              <a:bodyPr/>
+              <a:lstStyle/>
+              <a:p>
+                <a:r>
+                  <a:rPr lang="fr-FR">
+                    <a:noFill/>
+                  </a:rPr>
+                  <a:t> </a:t>
+                </a:r>
+              </a:p>
+            </p:txBody>
+          </p:sp>
+        </mc:Fallback>
+      </mc:AlternateContent>
     </p:spTree>
     <p:extLst>
       <p:ext uri="{BB962C8B-B14F-4D97-AF65-F5344CB8AC3E}">

--- a/Centrale_2018/images/Figures.pptx
+++ b/Centrale_2018/images/Figures.pptx
@@ -5,25 +5,27 @@
     <p:sldMasterId id="2147483648" r:id="rId1"/>
   </p:sldMasterIdLst>
   <p:sldIdLst>
-    <p:sldId id="273" r:id="rId2"/>
-    <p:sldId id="274" r:id="rId3"/>
-    <p:sldId id="275" r:id="rId4"/>
-    <p:sldId id="269" r:id="rId5"/>
-    <p:sldId id="270" r:id="rId6"/>
-    <p:sldId id="271" r:id="rId7"/>
-    <p:sldId id="272" r:id="rId8"/>
-    <p:sldId id="263" r:id="rId9"/>
-    <p:sldId id="268" r:id="rId10"/>
-    <p:sldId id="264" r:id="rId11"/>
-    <p:sldId id="256" r:id="rId12"/>
-    <p:sldId id="267" r:id="rId13"/>
-    <p:sldId id="266" r:id="rId14"/>
-    <p:sldId id="265" r:id="rId15"/>
-    <p:sldId id="257" r:id="rId16"/>
-    <p:sldId id="261" r:id="rId17"/>
-    <p:sldId id="262" r:id="rId18"/>
-    <p:sldId id="259" r:id="rId19"/>
-    <p:sldId id="258" r:id="rId20"/>
+    <p:sldId id="276" r:id="rId2"/>
+    <p:sldId id="277" r:id="rId3"/>
+    <p:sldId id="273" r:id="rId4"/>
+    <p:sldId id="274" r:id="rId5"/>
+    <p:sldId id="275" r:id="rId6"/>
+    <p:sldId id="269" r:id="rId7"/>
+    <p:sldId id="270" r:id="rId8"/>
+    <p:sldId id="271" r:id="rId9"/>
+    <p:sldId id="272" r:id="rId10"/>
+    <p:sldId id="263" r:id="rId11"/>
+    <p:sldId id="268" r:id="rId12"/>
+    <p:sldId id="264" r:id="rId13"/>
+    <p:sldId id="256" r:id="rId14"/>
+    <p:sldId id="267" r:id="rId15"/>
+    <p:sldId id="266" r:id="rId16"/>
+    <p:sldId id="265" r:id="rId17"/>
+    <p:sldId id="257" r:id="rId18"/>
+    <p:sldId id="261" r:id="rId19"/>
+    <p:sldId id="262" r:id="rId20"/>
+    <p:sldId id="259" r:id="rId21"/>
+    <p:sldId id="258" r:id="rId22"/>
   </p:sldIdLst>
   <p:sldSz cx="9144000" cy="6858000" type="screen4x3"/>
   <p:notesSz cx="6858000" cy="9144000"/>
@@ -306,7 +308,7 @@
           <a:p>
             <a:fld id="{AA309A6D-C09C-4548-B29A-6CF363A7E532}" type="datetimeFigureOut">
               <a:rPr lang="fr-FR" smtClean="0"/>
-              <a:t>01/05/2018</a:t>
+              <a:t>02/05/2018</a:t>
             </a:fld>
             <a:endParaRPr lang="fr-BE"/>
           </a:p>
@@ -471,7 +473,7 @@
           <a:p>
             <a:fld id="{AA309A6D-C09C-4548-B29A-6CF363A7E532}" type="datetimeFigureOut">
               <a:rPr lang="fr-FR" smtClean="0"/>
-              <a:t>01/05/2018</a:t>
+              <a:t>02/05/2018</a:t>
             </a:fld>
             <a:endParaRPr lang="fr-BE"/>
           </a:p>
@@ -646,7 +648,7 @@
           <a:p>
             <a:fld id="{AA309A6D-C09C-4548-B29A-6CF363A7E532}" type="datetimeFigureOut">
               <a:rPr lang="fr-FR" smtClean="0"/>
-              <a:t>01/05/2018</a:t>
+              <a:t>02/05/2018</a:t>
             </a:fld>
             <a:endParaRPr lang="fr-BE"/>
           </a:p>
@@ -811,7 +813,7 @@
           <a:p>
             <a:fld id="{AA309A6D-C09C-4548-B29A-6CF363A7E532}" type="datetimeFigureOut">
               <a:rPr lang="fr-FR" smtClean="0"/>
-              <a:t>01/05/2018</a:t>
+              <a:t>02/05/2018</a:t>
             </a:fld>
             <a:endParaRPr lang="fr-BE"/>
           </a:p>
@@ -1052,7 +1054,7 @@
           <a:p>
             <a:fld id="{AA309A6D-C09C-4548-B29A-6CF363A7E532}" type="datetimeFigureOut">
               <a:rPr lang="fr-FR" smtClean="0"/>
-              <a:t>01/05/2018</a:t>
+              <a:t>02/05/2018</a:t>
             </a:fld>
             <a:endParaRPr lang="fr-BE"/>
           </a:p>
@@ -1335,7 +1337,7 @@
           <a:p>
             <a:fld id="{AA309A6D-C09C-4548-B29A-6CF363A7E532}" type="datetimeFigureOut">
               <a:rPr lang="fr-FR" smtClean="0"/>
-              <a:t>01/05/2018</a:t>
+              <a:t>02/05/2018</a:t>
             </a:fld>
             <a:endParaRPr lang="fr-BE"/>
           </a:p>
@@ -1752,7 +1754,7 @@
           <a:p>
             <a:fld id="{AA309A6D-C09C-4548-B29A-6CF363A7E532}" type="datetimeFigureOut">
               <a:rPr lang="fr-FR" smtClean="0"/>
-              <a:t>01/05/2018</a:t>
+              <a:t>02/05/2018</a:t>
             </a:fld>
             <a:endParaRPr lang="fr-BE"/>
           </a:p>
@@ -1865,7 +1867,7 @@
           <a:p>
             <a:fld id="{AA309A6D-C09C-4548-B29A-6CF363A7E532}" type="datetimeFigureOut">
               <a:rPr lang="fr-FR" smtClean="0"/>
-              <a:t>01/05/2018</a:t>
+              <a:t>02/05/2018</a:t>
             </a:fld>
             <a:endParaRPr lang="fr-BE"/>
           </a:p>
@@ -1955,7 +1957,7 @@
           <a:p>
             <a:fld id="{AA309A6D-C09C-4548-B29A-6CF363A7E532}" type="datetimeFigureOut">
               <a:rPr lang="fr-FR" smtClean="0"/>
-              <a:t>01/05/2018</a:t>
+              <a:t>02/05/2018</a:t>
             </a:fld>
             <a:endParaRPr lang="fr-BE"/>
           </a:p>
@@ -2227,7 +2229,7 @@
           <a:p>
             <a:fld id="{AA309A6D-C09C-4548-B29A-6CF363A7E532}" type="datetimeFigureOut">
               <a:rPr lang="fr-FR" smtClean="0"/>
-              <a:t>01/05/2018</a:t>
+              <a:t>02/05/2018</a:t>
             </a:fld>
             <a:endParaRPr lang="fr-BE"/>
           </a:p>
@@ -2475,7 +2477,7 @@
           <a:p>
             <a:fld id="{AA309A6D-C09C-4548-B29A-6CF363A7E532}" type="datetimeFigureOut">
               <a:rPr lang="fr-FR" smtClean="0"/>
-              <a:t>01/05/2018</a:t>
+              <a:t>02/05/2018</a:t>
             </a:fld>
             <a:endParaRPr lang="fr-BE"/>
           </a:p>
@@ -2683,7 +2685,7 @@
           <a:p>
             <a:fld id="{AA309A6D-C09C-4548-B29A-6CF363A7E532}" type="datetimeFigureOut">
               <a:rPr lang="fr-FR" smtClean="0"/>
-              <a:t>01/05/2018</a:t>
+              <a:t>02/05/2018</a:t>
             </a:fld>
             <a:endParaRPr lang="fr-BE"/>
           </a:p>
@@ -3055,14 +3057,182 @@
       </p:grpSpPr>
       <p:cxnSp>
         <p:nvCxnSpPr>
-          <p:cNvPr id="5" name="Connecteur droit avec flèche 4"/>
+          <p:cNvPr id="4" name="Connecteur droit avec flèche 3"/>
           <p:cNvCxnSpPr/>
           <p:nvPr/>
         </p:nvCxnSpPr>
         <p:spPr>
           <a:xfrm flipV="1">
-            <a:off x="4572000" y="1988840"/>
-            <a:ext cx="0" cy="1512168"/>
+            <a:off x="3851920" y="4033695"/>
+            <a:ext cx="0" cy="2293363"/>
+          </a:xfrm>
+          <a:prstGeom prst="straightConnector1">
+            <a:avLst/>
+          </a:prstGeom>
+          <a:ln w="28575">
+            <a:solidFill>
+              <a:schemeClr val="accent2"/>
+            </a:solidFill>
+            <a:prstDash val="solid"/>
+            <a:headEnd type="none" w="med" len="med"/>
+            <a:tailEnd type="none" w="med" len="med"/>
+          </a:ln>
+        </p:spPr>
+        <p:style>
+          <a:lnRef idx="1">
+            <a:schemeClr val="accent1"/>
+          </a:lnRef>
+          <a:fillRef idx="0">
+            <a:schemeClr val="accent1"/>
+          </a:fillRef>
+          <a:effectRef idx="0">
+            <a:schemeClr val="accent1"/>
+          </a:effectRef>
+          <a:fontRef idx="minor">
+            <a:schemeClr val="tx1"/>
+          </a:fontRef>
+        </p:style>
+      </p:cxnSp>
+      <p:pic>
+        <p:nvPicPr>
+          <p:cNvPr id="1026" name="Picture 2"/>
+          <p:cNvPicPr>
+            <a:picLocks noChangeAspect="1" noChangeArrowheads="1"/>
+          </p:cNvPicPr>
+          <p:nvPr/>
+        </p:nvPicPr>
+        <p:blipFill>
+          <a:blip r:embed="rId2">
+            <a:extLst>
+              <a:ext uri="{28A0092B-C50C-407E-A947-70E740481C1C}">
+                <a14:useLocalDpi xmlns:a14="http://schemas.microsoft.com/office/drawing/2010/main" val="0"/>
+              </a:ext>
+            </a:extLst>
+          </a:blip>
+          <a:srcRect/>
+          <a:stretch>
+            <a:fillRect/>
+          </a:stretch>
+        </p:blipFill>
+        <p:spPr bwMode="auto">
+          <a:xfrm>
+            <a:off x="0" y="116632"/>
+            <a:ext cx="5547345" cy="3152169"/>
+          </a:xfrm>
+          <a:prstGeom prst="rect">
+            <a:avLst/>
+          </a:prstGeom>
+          <a:noFill/>
+          <a:ln>
+            <a:noFill/>
+          </a:ln>
+          <a:extLst>
+            <a:ext uri="{909E8E84-426E-40DD-AFC4-6F175D3DCCD1}">
+              <a14:hiddenFill xmlns:a14="http://schemas.microsoft.com/office/drawing/2010/main">
+                <a:solidFill>
+                  <a:schemeClr val="accent1"/>
+                </a:solidFill>
+              </a14:hiddenFill>
+            </a:ext>
+            <a:ext uri="{91240B29-F687-4F45-9708-019B960494DF}">
+              <a14:hiddenLine xmlns:a14="http://schemas.microsoft.com/office/drawing/2010/main" w="9525">
+                <a:solidFill>
+                  <a:schemeClr val="tx1"/>
+                </a:solidFill>
+                <a:miter lim="800000"/>
+                <a:headEnd/>
+                <a:tailEnd/>
+              </a14:hiddenLine>
+            </a:ext>
+          </a:extLst>
+        </p:spPr>
+      </p:pic>
+      <p:cxnSp>
+        <p:nvCxnSpPr>
+          <p:cNvPr id="7" name="Connecteur droit avec flèche 6"/>
+          <p:cNvCxnSpPr/>
+          <p:nvPr/>
+        </p:nvCxnSpPr>
+        <p:spPr>
+          <a:xfrm flipV="1">
+            <a:off x="3131840" y="3987326"/>
+            <a:ext cx="0" cy="881834"/>
+          </a:xfrm>
+          <a:prstGeom prst="straightConnector1">
+            <a:avLst/>
+          </a:prstGeom>
+          <a:ln w="28575">
+            <a:solidFill>
+              <a:schemeClr val="accent2"/>
+            </a:solidFill>
+            <a:prstDash val="solid"/>
+            <a:headEnd type="none" w="med" len="med"/>
+            <a:tailEnd type="none" w="med" len="med"/>
+          </a:ln>
+        </p:spPr>
+        <p:style>
+          <a:lnRef idx="1">
+            <a:schemeClr val="accent1"/>
+          </a:lnRef>
+          <a:fillRef idx="0">
+            <a:schemeClr val="accent1"/>
+          </a:fillRef>
+          <a:effectRef idx="0">
+            <a:schemeClr val="accent1"/>
+          </a:effectRef>
+          <a:fontRef idx="minor">
+            <a:schemeClr val="tx1"/>
+          </a:fontRef>
+        </p:style>
+      </p:cxnSp>
+      <p:cxnSp>
+        <p:nvCxnSpPr>
+          <p:cNvPr id="10" name="Connecteur droit avec flèche 9"/>
+          <p:cNvCxnSpPr/>
+          <p:nvPr/>
+        </p:nvCxnSpPr>
+        <p:spPr>
+          <a:xfrm>
+            <a:off x="3131840" y="4869160"/>
+            <a:ext cx="720080" cy="1457898"/>
+          </a:xfrm>
+          <a:prstGeom prst="straightConnector1">
+            <a:avLst/>
+          </a:prstGeom>
+          <a:ln w="28575">
+            <a:solidFill>
+              <a:schemeClr val="accent2"/>
+            </a:solidFill>
+            <a:prstDash val="solid"/>
+            <a:headEnd type="none" w="med" len="med"/>
+            <a:tailEnd type="none" w="med" len="med"/>
+          </a:ln>
+        </p:spPr>
+        <p:style>
+          <a:lnRef idx="1">
+            <a:schemeClr val="accent1"/>
+          </a:lnRef>
+          <a:fillRef idx="0">
+            <a:schemeClr val="accent1"/>
+          </a:fillRef>
+          <a:effectRef idx="0">
+            <a:schemeClr val="accent1"/>
+          </a:effectRef>
+          <a:fontRef idx="minor">
+            <a:schemeClr val="tx1"/>
+          </a:fontRef>
+        </p:style>
+      </p:cxnSp>
+      <p:cxnSp>
+        <p:nvCxnSpPr>
+          <p:cNvPr id="13" name="Connecteur droit avec flèche 12"/>
+          <p:cNvCxnSpPr/>
+          <p:nvPr/>
+        </p:nvCxnSpPr>
+        <p:spPr>
+          <a:xfrm>
+            <a:off x="2339752" y="4869160"/>
+            <a:ext cx="0" cy="1457898"/>
           </a:xfrm>
           <a:prstGeom prst="straightConnector1">
             <a:avLst/>
@@ -3071,6 +3241,7 @@
             <a:solidFill>
               <a:schemeClr val="tx1"/>
             </a:solidFill>
+            <a:headEnd type="stealth" w="med" len="lg"/>
             <a:tailEnd type="stealth" w="med" len="lg"/>
           </a:ln>
         </p:spPr>
@@ -3089,54 +3260,18 @@
           </a:fontRef>
         </p:style>
       </p:cxnSp>
-      <p:cxnSp>
-        <p:nvCxnSpPr>
-          <p:cNvPr id="6" name="Connecteur droit avec flèche 5"/>
-          <p:cNvCxnSpPr/>
-          <p:nvPr/>
-        </p:nvCxnSpPr>
-        <p:spPr>
-          <a:xfrm>
-            <a:off x="4499992" y="3429000"/>
-            <a:ext cx="2232248" cy="0"/>
-          </a:xfrm>
-          <a:prstGeom prst="straightConnector1">
-            <a:avLst/>
-          </a:prstGeom>
-          <a:ln w="28575">
-            <a:solidFill>
-              <a:schemeClr val="tx1"/>
-            </a:solidFill>
-            <a:tailEnd type="stealth" w="med" len="lg"/>
-          </a:ln>
-        </p:spPr>
-        <p:style>
-          <a:lnRef idx="1">
-            <a:schemeClr val="accent1"/>
-          </a:lnRef>
-          <a:fillRef idx="0">
-            <a:schemeClr val="accent1"/>
-          </a:fillRef>
-          <a:effectRef idx="0">
-            <a:schemeClr val="accent1"/>
-          </a:effectRef>
-          <a:fontRef idx="minor">
-            <a:schemeClr val="tx1"/>
-          </a:fontRef>
-        </p:style>
-      </p:cxnSp>
-      <mc:AlternateContent xmlns:mc="http://schemas.openxmlformats.org/markup-compatibility/2006" xmlns:a14="http://schemas.microsoft.com/office/drawing/2010/main">
-        <mc:Choice Requires="a14">
+      <mc:AlternateContent xmlns:mc="http://schemas.openxmlformats.org/markup-compatibility/2006">
+        <mc:Choice xmlns:a14="http://schemas.microsoft.com/office/drawing/2010/main" Requires="a14">
           <p:sp>
             <p:nvSpPr>
-              <p:cNvPr id="8" name="ZoneTexte 7"/>
+              <p:cNvPr id="16" name="ZoneTexte 15"/>
               <p:cNvSpPr txBox="1"/>
               <p:nvPr/>
             </p:nvSpPr>
             <p:spPr>
               <a:xfrm>
-                <a:off x="6594093" y="3167390"/>
-                <a:ext cx="276293" cy="261610"/>
+                <a:off x="1208801" y="5413443"/>
+                <a:ext cx="1130951" cy="369332"/>
               </a:xfrm>
               <a:prstGeom prst="rect">
                 <a:avLst/>
@@ -3149,91 +3284,6 @@
               </a:bodyPr>
               <a:lstStyle/>
               <a:p>
-                <a:pPr/>
-                <a14:m>
-                  <m:oMathPara xmlns:m="http://schemas.openxmlformats.org/officeDocument/2006/math">
-                    <m:oMathParaPr>
-                      <m:jc m:val="centerGroup"/>
-                    </m:oMathParaPr>
-                    <m:oMath xmlns:m="http://schemas.openxmlformats.org/officeDocument/2006/math">
-                      <m:r>
-                        <a:rPr lang="fr-FR" sz="1100" b="0" i="1" smtClean="0">
-                          <a:latin typeface="Cambria Math"/>
-                        </a:rPr>
-                        <m:t>𝑡</m:t>
-                      </m:r>
-                    </m:oMath>
-                  </m:oMathPara>
-                </a14:m>
-                <a:endParaRPr lang="fr-FR" sz="1100" dirty="0"/>
-              </a:p>
-            </p:txBody>
-          </p:sp>
-        </mc:Choice>
-        <mc:Fallback xmlns="">
-          <p:sp>
-            <p:nvSpPr>
-              <p:cNvPr id="8" name="ZoneTexte 7"/>
-              <p:cNvSpPr txBox="1">
-                <a:spLocks noRot="1" noChangeAspect="1" noMove="1" noResize="1" noEditPoints="1" noAdjustHandles="1" noChangeArrowheads="1" noChangeShapeType="1" noTextEdit="1"/>
-              </p:cNvSpPr>
-              <p:nvPr/>
-            </p:nvSpPr>
-            <p:spPr>
-              <a:xfrm>
-                <a:off x="6594093" y="3167390"/>
-                <a:ext cx="276293" cy="261610"/>
-              </a:xfrm>
-              <a:prstGeom prst="rect">
-                <a:avLst/>
-              </a:prstGeom>
-              <a:blipFill rotWithShape="1">
-                <a:blip r:embed="rId2"/>
-                <a:stretch>
-                  <a:fillRect/>
-                </a:stretch>
-              </a:blipFill>
-            </p:spPr>
-            <p:txBody>
-              <a:bodyPr/>
-              <a:lstStyle/>
-              <a:p>
-                <a:r>
-                  <a:rPr lang="fr-FR">
-                    <a:noFill/>
-                  </a:rPr>
-                  <a:t> </a:t>
-                </a:r>
-              </a:p>
-            </p:txBody>
-          </p:sp>
-        </mc:Fallback>
-      </mc:AlternateContent>
-      <mc:AlternateContent xmlns:mc="http://schemas.openxmlformats.org/markup-compatibility/2006" xmlns:a14="http://schemas.microsoft.com/office/drawing/2010/main">
-        <mc:Choice Requires="a14">
-          <p:sp>
-            <p:nvSpPr>
-              <p:cNvPr id="9" name="ZoneTexte 8"/>
-              <p:cNvSpPr txBox="1"/>
-              <p:nvPr/>
-            </p:nvSpPr>
-            <p:spPr>
-              <a:xfrm>
-                <a:off x="4598763" y="1858035"/>
-                <a:ext cx="384464" cy="261610"/>
-              </a:xfrm>
-              <a:prstGeom prst="rect">
-                <a:avLst/>
-              </a:prstGeom>
-              <a:noFill/>
-            </p:spPr>
-            <p:txBody>
-              <a:bodyPr wrap="none" rtlCol="0">
-                <a:spAutoFit/>
-              </a:bodyPr>
-              <a:lstStyle/>
-              <a:p>
-                <a:pPr/>
                 <a14:m>
                   <m:oMathPara xmlns:m="http://schemas.openxmlformats.org/officeDocument/2006/math">
                     <m:oMathParaPr>
@@ -3243,40 +3293,71 @@
                       <m:sSub>
                         <m:sSubPr>
                           <m:ctrlPr>
-                            <a:rPr lang="fr-FR" sz="1100" b="0" i="1" smtClean="0">
+                            <a:rPr lang="fr-FR" b="0" i="1" smtClean="0">
                               <a:latin typeface="Cambria Math"/>
                             </a:rPr>
                           </m:ctrlPr>
                         </m:sSubPr>
                         <m:e>
                           <m:r>
-                            <a:rPr lang="fr-FR" sz="1100" b="0" i="1" smtClean="0">
+                            <a:rPr lang="fr-FR" b="0" i="1" smtClean="0">
                               <a:latin typeface="Cambria Math"/>
                             </a:rPr>
-                            <m:t>𝜔</m:t>
+                            <m:t>𝑅</m:t>
                           </m:r>
                         </m:e>
                         <m:sub>
                           <m:r>
-                            <a:rPr lang="fr-FR" sz="1100" b="0" i="1" smtClean="0">
+                            <a:rPr lang="fr-FR" b="0" i="1" smtClean="0">
                               <a:latin typeface="Cambria Math"/>
                             </a:rPr>
-                            <m:t>3</m:t>
+                            <m:t>𝑀</m:t>
+                          </m:r>
+                        </m:sub>
+                      </m:sSub>
+                      <m:r>
+                        <a:rPr lang="fr-FR" b="0" i="1" smtClean="0">
+                          <a:latin typeface="Cambria Math"/>
+                        </a:rPr>
+                        <m:t>−</m:t>
+                      </m:r>
+                      <m:sSub>
+                        <m:sSubPr>
+                          <m:ctrlPr>
+                            <a:rPr lang="fr-FR" b="0" i="1" smtClean="0">
+                              <a:latin typeface="Cambria Math"/>
+                            </a:rPr>
+                          </m:ctrlPr>
+                        </m:sSubPr>
+                        <m:e>
+                          <m:r>
+                            <a:rPr lang="fr-FR" b="0" i="1" smtClean="0">
+                              <a:latin typeface="Cambria Math"/>
+                            </a:rPr>
+                            <m:t>𝑅</m:t>
+                          </m:r>
+                        </m:e>
+                        <m:sub>
+                          <m:r>
+                            <a:rPr lang="fr-FR" b="0" i="1" smtClean="0">
+                              <a:latin typeface="Cambria Math"/>
+                            </a:rPr>
+                            <m:t>𝑚</m:t>
                           </m:r>
                         </m:sub>
                       </m:sSub>
                     </m:oMath>
                   </m:oMathPara>
                 </a14:m>
-                <a:endParaRPr lang="fr-FR" sz="1100" dirty="0"/>
+                <a:endParaRPr lang="fr-FR" dirty="0"/>
               </a:p>
             </p:txBody>
           </p:sp>
         </mc:Choice>
-        <mc:Fallback xmlns="">
+        <mc:Fallback>
           <p:sp>
             <p:nvSpPr>
-              <p:cNvPr id="9" name="ZoneTexte 8"/>
+              <p:cNvPr id="16" name="ZoneTexte 15"/>
               <p:cNvSpPr txBox="1">
                 <a:spLocks noRot="1" noChangeAspect="1" noMove="1" noResize="1" noEditPoints="1" noAdjustHandles="1" noChangeArrowheads="1" noChangeShapeType="1" noTextEdit="1"/>
               </p:cNvSpPr>
@@ -3284,8 +3365,8 @@
             </p:nvSpPr>
             <p:spPr>
               <a:xfrm>
-                <a:off x="4598763" y="1858035"/>
-                <a:ext cx="384464" cy="261610"/>
+                <a:off x="1208801" y="5413443"/>
+                <a:ext cx="1130951" cy="369332"/>
               </a:xfrm>
               <a:prstGeom prst="rect">
                 <a:avLst/>
@@ -3314,25 +3395,24 @@
       </mc:AlternateContent>
       <p:cxnSp>
         <p:nvCxnSpPr>
-          <p:cNvPr id="13" name="Connecteur droit avec flèche 12"/>
+          <p:cNvPr id="18" name="Connecteur droit avec flèche 17"/>
           <p:cNvCxnSpPr/>
           <p:nvPr/>
         </p:nvCxnSpPr>
         <p:spPr>
-          <a:xfrm flipV="1">
-            <a:off x="6372200" y="2259135"/>
-            <a:ext cx="0" cy="1241873"/>
+          <a:xfrm>
+            <a:off x="3131840" y="4869160"/>
+            <a:ext cx="720080" cy="0"/>
           </a:xfrm>
           <a:prstGeom prst="straightConnector1">
             <a:avLst/>
           </a:prstGeom>
-          <a:ln w="12700">
+          <a:ln w="28575">
             <a:solidFill>
               <a:schemeClr val="tx1"/>
             </a:solidFill>
-            <a:prstDash val="dash"/>
-            <a:headEnd type="none" w="med" len="med"/>
-            <a:tailEnd type="none" w="med" len="med"/>
+            <a:headEnd type="stealth" w="med" len="lg"/>
+            <a:tailEnd type="stealth" w="med" len="lg"/>
           </a:ln>
         </p:spPr>
         <p:style>
@@ -3350,94 +3430,18 @@
           </a:fontRef>
         </p:style>
       </p:cxnSp>
-      <p:cxnSp>
-        <p:nvCxnSpPr>
-          <p:cNvPr id="15" name="Connecteur droit avec flèche 14"/>
-          <p:cNvCxnSpPr/>
-          <p:nvPr/>
-        </p:nvCxnSpPr>
-        <p:spPr>
-          <a:xfrm>
-            <a:off x="4499992" y="2348880"/>
-            <a:ext cx="1944216" cy="0"/>
-          </a:xfrm>
-          <a:prstGeom prst="straightConnector1">
-            <a:avLst/>
-          </a:prstGeom>
-          <a:ln w="12700">
-            <a:solidFill>
-              <a:schemeClr val="tx1"/>
-            </a:solidFill>
-            <a:prstDash val="dash"/>
-            <a:headEnd type="none" w="med" len="med"/>
-            <a:tailEnd type="none" w="med" len="med"/>
-          </a:ln>
-        </p:spPr>
-        <p:style>
-          <a:lnRef idx="1">
-            <a:schemeClr val="accent1"/>
-          </a:lnRef>
-          <a:fillRef idx="0">
-            <a:schemeClr val="accent1"/>
-          </a:fillRef>
-          <a:effectRef idx="0">
-            <a:schemeClr val="accent1"/>
-          </a:effectRef>
-          <a:fontRef idx="minor">
-            <a:schemeClr val="tx1"/>
-          </a:fontRef>
-        </p:style>
-      </p:cxnSp>
-      <p:cxnSp>
-        <p:nvCxnSpPr>
-          <p:cNvPr id="22" name="Connecteur droit avec flèche 21"/>
-          <p:cNvCxnSpPr/>
-          <p:nvPr/>
-        </p:nvCxnSpPr>
-        <p:spPr>
-          <a:xfrm flipV="1">
-            <a:off x="4572000" y="2259135"/>
-            <a:ext cx="1944216" cy="1169865"/>
-          </a:xfrm>
-          <a:prstGeom prst="straightConnector1">
-            <a:avLst/>
-          </a:prstGeom>
-          <a:ln w="12700">
-            <a:solidFill>
-              <a:schemeClr val="accent2"/>
-            </a:solidFill>
-            <a:prstDash val="solid"/>
-            <a:headEnd type="none" w="med" len="med"/>
-            <a:tailEnd type="none" w="med" len="med"/>
-          </a:ln>
-        </p:spPr>
-        <p:style>
-          <a:lnRef idx="1">
-            <a:schemeClr val="accent1"/>
-          </a:lnRef>
-          <a:fillRef idx="0">
-            <a:schemeClr val="accent1"/>
-          </a:fillRef>
-          <a:effectRef idx="0">
-            <a:schemeClr val="accent1"/>
-          </a:effectRef>
-          <a:fontRef idx="minor">
-            <a:schemeClr val="tx1"/>
-          </a:fontRef>
-        </p:style>
-      </p:cxnSp>
-      <mc:AlternateContent xmlns:mc="http://schemas.openxmlformats.org/markup-compatibility/2006" xmlns:a14="http://schemas.microsoft.com/office/drawing/2010/main">
-        <mc:Choice Requires="a14">
+      <mc:AlternateContent xmlns:mc="http://schemas.openxmlformats.org/markup-compatibility/2006">
+        <mc:Choice xmlns:a14="http://schemas.microsoft.com/office/drawing/2010/main" Requires="a14">
           <p:sp>
             <p:nvSpPr>
-              <p:cNvPr id="27" name="ZoneTexte 26"/>
+              <p:cNvPr id="22" name="ZoneTexte 21"/>
               <p:cNvSpPr txBox="1"/>
               <p:nvPr/>
             </p:nvSpPr>
             <p:spPr>
               <a:xfrm>
-                <a:off x="4115528" y="3298195"/>
-                <a:ext cx="436786" cy="277064"/>
+                <a:off x="3351461" y="4433673"/>
+                <a:ext cx="356443" cy="369332"/>
               </a:xfrm>
               <a:prstGeom prst="rect">
                 <a:avLst/>
@@ -3450,69 +3454,30 @@
               </a:bodyPr>
               <a:lstStyle/>
               <a:p>
-                <a:pPr/>
                 <a14:m>
                   <m:oMathPara xmlns:m="http://schemas.openxmlformats.org/officeDocument/2006/math">
                     <m:oMathParaPr>
                       <m:jc m:val="centerGroup"/>
                     </m:oMathParaPr>
                     <m:oMath xmlns:m="http://schemas.openxmlformats.org/officeDocument/2006/math">
-                      <m:sSub>
-                        <m:sSubPr>
-                          <m:ctrlPr>
-                            <a:rPr lang="fr-FR" sz="1100" b="0" i="1" smtClean="0">
-                              <a:latin typeface="Cambria Math"/>
-                            </a:rPr>
-                          </m:ctrlPr>
-                        </m:sSubPr>
-                        <m:e>
-                          <m:r>
-                            <a:rPr lang="fr-FR" sz="1100" b="0" i="1" smtClean="0">
-                              <a:latin typeface="Cambria Math"/>
-                            </a:rPr>
-                            <m:t>𝜔</m:t>
-                          </m:r>
-                        </m:e>
-                        <m:sub>
-                          <m:sSub>
-                            <m:sSubPr>
-                              <m:ctrlPr>
-                                <a:rPr lang="fr-FR" sz="1100" b="0" i="1" smtClean="0">
-                                  <a:latin typeface="Cambria Math"/>
-                                </a:rPr>
-                              </m:ctrlPr>
-                            </m:sSubPr>
-                            <m:e>
-                              <m:r>
-                                <a:rPr lang="fr-FR" sz="1100" b="0" i="1" smtClean="0">
-                                  <a:latin typeface="Cambria Math"/>
-                                </a:rPr>
-                                <m:t>𝐶</m:t>
-                              </m:r>
-                            </m:e>
-                            <m:sub>
-                              <m:r>
-                                <a:rPr lang="fr-FR" sz="1100" b="0" i="1" smtClean="0">
-                                  <a:latin typeface="Cambria Math"/>
-                                </a:rPr>
-                                <m:t>0</m:t>
-                              </m:r>
-                            </m:sub>
-                          </m:sSub>
-                        </m:sub>
-                      </m:sSub>
+                      <m:r>
+                        <a:rPr lang="fr-FR" b="0" i="1" smtClean="0">
+                          <a:latin typeface="Cambria Math"/>
+                        </a:rPr>
+                        <m:t>𝑒</m:t>
+                      </m:r>
                     </m:oMath>
                   </m:oMathPara>
                 </a14:m>
-                <a:endParaRPr lang="fr-FR" sz="1100" dirty="0"/>
+                <a:endParaRPr lang="fr-FR" dirty="0"/>
               </a:p>
             </p:txBody>
           </p:sp>
         </mc:Choice>
-        <mc:Fallback xmlns="">
+        <mc:Fallback>
           <p:sp>
             <p:nvSpPr>
-              <p:cNvPr id="27" name="ZoneTexte 26"/>
+              <p:cNvPr id="22" name="ZoneTexte 21"/>
               <p:cNvSpPr txBox="1">
                 <a:spLocks noRot="1" noChangeAspect="1" noMove="1" noResize="1" noEditPoints="1" noAdjustHandles="1" noChangeArrowheads="1" noChangeShapeType="1" noTextEdit="1"/>
               </p:cNvSpPr>
@@ -3520,8 +3485,8 @@
             </p:nvSpPr>
             <p:spPr>
               <a:xfrm>
-                <a:off x="4115528" y="3298195"/>
-                <a:ext cx="436786" cy="277064"/>
+                <a:off x="3351461" y="4433673"/>
+                <a:ext cx="356443" cy="369332"/>
               </a:xfrm>
               <a:prstGeom prst="rect">
                 <a:avLst/>
@@ -3548,18 +3513,18 @@
           </p:sp>
         </mc:Fallback>
       </mc:AlternateContent>
-      <mc:AlternateContent xmlns:mc="http://schemas.openxmlformats.org/markup-compatibility/2006" xmlns:a14="http://schemas.microsoft.com/office/drawing/2010/main">
-        <mc:Choice Requires="a14">
+      <mc:AlternateContent xmlns:mc="http://schemas.openxmlformats.org/markup-compatibility/2006">
+        <mc:Choice xmlns:a14="http://schemas.microsoft.com/office/drawing/2010/main" Requires="a14">
           <p:sp>
             <p:nvSpPr>
-              <p:cNvPr id="28" name="ZoneTexte 27"/>
+              <p:cNvPr id="23" name="ZoneTexte 22"/>
               <p:cNvSpPr txBox="1"/>
               <p:nvPr/>
             </p:nvSpPr>
             <p:spPr>
               <a:xfrm>
-                <a:off x="4135214" y="2210348"/>
-                <a:ext cx="436786" cy="276101"/>
+                <a:off x="2699792" y="4586073"/>
+                <a:ext cx="463909" cy="369332"/>
               </a:xfrm>
               <a:prstGeom prst="rect">
                 <a:avLst/>
@@ -3572,7 +3537,6 @@
               </a:bodyPr>
               <a:lstStyle/>
               <a:p>
-                <a:pPr/>
                 <a14:m>
                   <m:oMathPara xmlns:m="http://schemas.openxmlformats.org/officeDocument/2006/math">
                     <m:oMathParaPr>
@@ -3582,59 +3546,40 @@
                       <m:sSub>
                         <m:sSubPr>
                           <m:ctrlPr>
-                            <a:rPr lang="fr-FR" sz="1100" b="0" i="1" smtClean="0">
+                            <a:rPr lang="fr-FR" b="0" i="1" smtClean="0">
                               <a:latin typeface="Cambria Math"/>
                             </a:rPr>
                           </m:ctrlPr>
                         </m:sSubPr>
                         <m:e>
                           <m:r>
-                            <a:rPr lang="fr-FR" sz="1100" b="0" i="1" smtClean="0">
+                            <a:rPr lang="fr-FR" b="0" i="1" smtClean="0">
                               <a:latin typeface="Cambria Math"/>
                             </a:rPr>
-                            <m:t>𝜔</m:t>
+                            <m:t>𝐶</m:t>
                           </m:r>
                         </m:e>
                         <m:sub>
-                          <m:sSub>
-                            <m:sSubPr>
-                              <m:ctrlPr>
-                                <a:rPr lang="fr-FR" sz="1100" b="0" i="1" smtClean="0">
-                                  <a:latin typeface="Cambria Math"/>
-                                </a:rPr>
-                              </m:ctrlPr>
-                            </m:sSubPr>
-                            <m:e>
-                              <m:r>
-                                <a:rPr lang="fr-FR" sz="1100" b="0" i="1" smtClean="0">
-                                  <a:latin typeface="Cambria Math"/>
-                                </a:rPr>
-                                <m:t>𝐶</m:t>
-                              </m:r>
-                            </m:e>
-                            <m:sub>
-                              <m:r>
-                                <a:rPr lang="fr-FR" sz="1100" b="0" i="1" smtClean="0">
-                                  <a:latin typeface="Cambria Math"/>
-                                </a:rPr>
-                                <m:t>1</m:t>
-                              </m:r>
-                            </m:sub>
-                          </m:sSub>
+                          <m:r>
+                            <a:rPr lang="fr-FR" b="0" i="1" smtClean="0">
+                              <a:latin typeface="Cambria Math"/>
+                            </a:rPr>
+                            <m:t>1</m:t>
+                          </m:r>
                         </m:sub>
                       </m:sSub>
                     </m:oMath>
                   </m:oMathPara>
                 </a14:m>
-                <a:endParaRPr lang="fr-FR" sz="1100" dirty="0"/>
+                <a:endParaRPr lang="fr-FR" dirty="0"/>
               </a:p>
             </p:txBody>
           </p:sp>
         </mc:Choice>
-        <mc:Fallback xmlns="">
+        <mc:Fallback>
           <p:sp>
             <p:nvSpPr>
-              <p:cNvPr id="28" name="ZoneTexte 27"/>
+              <p:cNvPr id="23" name="ZoneTexte 22"/>
               <p:cNvSpPr txBox="1">
                 <a:spLocks noRot="1" noChangeAspect="1" noMove="1" noResize="1" noEditPoints="1" noAdjustHandles="1" noChangeArrowheads="1" noChangeShapeType="1" noTextEdit="1"/>
               </p:cNvSpPr>
@@ -3642,8 +3587,8 @@
             </p:nvSpPr>
             <p:spPr>
               <a:xfrm>
-                <a:off x="4135214" y="2210348"/>
-                <a:ext cx="436786" cy="276101"/>
+                <a:off x="2699792" y="4586073"/>
+                <a:ext cx="463909" cy="369332"/>
               </a:xfrm>
               <a:prstGeom prst="rect">
                 <a:avLst/>
@@ -3670,18 +3615,18 @@
           </p:sp>
         </mc:Fallback>
       </mc:AlternateContent>
-      <mc:AlternateContent xmlns:mc="http://schemas.openxmlformats.org/markup-compatibility/2006" xmlns:a14="http://schemas.microsoft.com/office/drawing/2010/main">
-        <mc:Choice Requires="a14">
+      <mc:AlternateContent xmlns:mc="http://schemas.openxmlformats.org/markup-compatibility/2006">
+        <mc:Choice xmlns:a14="http://schemas.microsoft.com/office/drawing/2010/main" Requires="a14">
           <p:sp>
             <p:nvSpPr>
-              <p:cNvPr id="29" name="ZoneTexte 28"/>
+              <p:cNvPr id="24" name="ZoneTexte 23"/>
               <p:cNvSpPr txBox="1"/>
               <p:nvPr/>
             </p:nvSpPr>
             <p:spPr>
               <a:xfrm>
-                <a:off x="6201569" y="3429000"/>
-                <a:ext cx="332655" cy="261610"/>
+                <a:off x="3851920" y="6142392"/>
+                <a:ext cx="469231" cy="369332"/>
               </a:xfrm>
               <a:prstGeom prst="rect">
                 <a:avLst/>
@@ -3694,7 +3639,6 @@
               </a:bodyPr>
               <a:lstStyle/>
               <a:p>
-                <a:pPr/>
                 <a14:m>
                   <m:oMathPara xmlns:m="http://schemas.openxmlformats.org/officeDocument/2006/math">
                     <m:oMathParaPr>
@@ -3704,40 +3648,40 @@
                       <m:sSub>
                         <m:sSubPr>
                           <m:ctrlPr>
-                            <a:rPr lang="fr-FR" sz="1100" b="0" i="1" smtClean="0">
+                            <a:rPr lang="fr-FR" b="0" i="1" smtClean="0">
                               <a:latin typeface="Cambria Math"/>
                             </a:rPr>
                           </m:ctrlPr>
                         </m:sSubPr>
                         <m:e>
                           <m:r>
-                            <a:rPr lang="fr-FR" sz="1100" b="0" i="1" smtClean="0">
+                            <a:rPr lang="fr-FR" b="0" i="1" smtClean="0">
                               <a:latin typeface="Cambria Math"/>
                             </a:rPr>
-                            <m:t>𝑡</m:t>
+                            <m:t>𝐶</m:t>
                           </m:r>
                         </m:e>
                         <m:sub>
                           <m:r>
-                            <a:rPr lang="fr-FR" sz="1100" b="0" i="1" smtClean="0">
+                            <a:rPr lang="fr-FR" b="0" i="1" smtClean="0">
                               <a:latin typeface="Cambria Math"/>
                             </a:rPr>
-                            <m:t>1</m:t>
+                            <m:t>0</m:t>
                           </m:r>
                         </m:sub>
                       </m:sSub>
                     </m:oMath>
                   </m:oMathPara>
                 </a14:m>
-                <a:endParaRPr lang="fr-FR" sz="1100" dirty="0"/>
+                <a:endParaRPr lang="fr-FR" dirty="0"/>
               </a:p>
             </p:txBody>
           </p:sp>
         </mc:Choice>
-        <mc:Fallback xmlns="">
+        <mc:Fallback>
           <p:sp>
             <p:nvSpPr>
-              <p:cNvPr id="29" name="ZoneTexte 28"/>
+              <p:cNvPr id="24" name="ZoneTexte 23"/>
               <p:cNvSpPr txBox="1">
                 <a:spLocks noRot="1" noChangeAspect="1" noMove="1" noResize="1" noEditPoints="1" noAdjustHandles="1" noChangeArrowheads="1" noChangeShapeType="1" noTextEdit="1"/>
               </p:cNvSpPr>
@@ -3745,8 +3689,8 @@
             </p:nvSpPr>
             <p:spPr>
               <a:xfrm>
-                <a:off x="6201569" y="3429000"/>
-                <a:ext cx="332655" cy="261610"/>
+                <a:off x="3851920" y="6142392"/>
+                <a:ext cx="469231" cy="369332"/>
               </a:xfrm>
               <a:prstGeom prst="rect">
                 <a:avLst/>
@@ -3773,10 +3717,139 @@
           </p:sp>
         </mc:Fallback>
       </mc:AlternateContent>
+      <mc:AlternateContent xmlns:mc="http://schemas.openxmlformats.org/markup-compatibility/2006">
+        <mc:Choice xmlns:a14="http://schemas.microsoft.com/office/drawing/2010/main" Requires="a14">
+          <p:sp>
+            <p:nvSpPr>
+              <p:cNvPr id="25" name="ZoneTexte 24"/>
+              <p:cNvSpPr txBox="1"/>
+              <p:nvPr/>
+            </p:nvSpPr>
+            <p:spPr>
+              <a:xfrm>
+                <a:off x="3173821" y="5402184"/>
+                <a:ext cx="385555" cy="369332"/>
+              </a:xfrm>
+              <a:prstGeom prst="rect">
+                <a:avLst/>
+              </a:prstGeom>
+              <a:noFill/>
+            </p:spPr>
+            <p:txBody>
+              <a:bodyPr wrap="none" rtlCol="0">
+                <a:spAutoFit/>
+              </a:bodyPr>
+              <a:lstStyle/>
+              <a:p>
+                <a14:m>
+                  <m:oMathPara xmlns:m="http://schemas.openxmlformats.org/officeDocument/2006/math">
+                    <m:oMathParaPr>
+                      <m:jc m:val="centerGroup"/>
+                    </m:oMathParaPr>
+                    <m:oMath xmlns:m="http://schemas.openxmlformats.org/officeDocument/2006/math">
+                      <m:r>
+                        <a:rPr lang="fr-FR" b="0" i="1" smtClean="0">
+                          <a:latin typeface="Cambria Math"/>
+                        </a:rPr>
+                        <m:t>𝐶</m:t>
+                      </m:r>
+                    </m:oMath>
+                  </m:oMathPara>
+                </a14:m>
+                <a:endParaRPr lang="fr-FR" dirty="0"/>
+              </a:p>
+            </p:txBody>
+          </p:sp>
+        </mc:Choice>
+        <mc:Fallback>
+          <p:sp>
+            <p:nvSpPr>
+              <p:cNvPr id="25" name="ZoneTexte 24"/>
+              <p:cNvSpPr txBox="1">
+                <a:spLocks noRot="1" noChangeAspect="1" noMove="1" noResize="1" noEditPoints="1" noAdjustHandles="1" noChangeArrowheads="1" noChangeShapeType="1" noTextEdit="1"/>
+              </p:cNvSpPr>
+              <p:nvPr/>
+            </p:nvSpPr>
+            <p:spPr>
+              <a:xfrm>
+                <a:off x="3173821" y="5402184"/>
+                <a:ext cx="385555" cy="369332"/>
+              </a:xfrm>
+              <a:prstGeom prst="rect">
+                <a:avLst/>
+              </a:prstGeom>
+              <a:blipFill rotWithShape="1">
+                <a:blip r:embed="rId7"/>
+                <a:stretch>
+                  <a:fillRect/>
+                </a:stretch>
+              </a:blipFill>
+            </p:spPr>
+            <p:txBody>
+              <a:bodyPr/>
+              <a:lstStyle/>
+              <a:p>
+                <a:r>
+                  <a:rPr lang="fr-FR">
+                    <a:noFill/>
+                  </a:rPr>
+                  <a:t> </a:t>
+                </a:r>
+              </a:p>
+            </p:txBody>
+          </p:sp>
+        </mc:Fallback>
+      </mc:AlternateContent>
+      <p:sp>
+        <p:nvSpPr>
+          <p:cNvPr id="20" name="Ellipse 19"/>
+          <p:cNvSpPr/>
+          <p:nvPr/>
+        </p:nvSpPr>
+        <p:spPr>
+          <a:xfrm>
+            <a:off x="3455872" y="5549490"/>
+            <a:ext cx="72000" cy="72000"/>
+          </a:xfrm>
+          <a:prstGeom prst="ellipse">
+            <a:avLst/>
+          </a:prstGeom>
+          <a:solidFill>
+            <a:schemeClr val="tx1"/>
+          </a:solidFill>
+          <a:ln>
+            <a:noFill/>
+          </a:ln>
+        </p:spPr>
+        <p:style>
+          <a:lnRef idx="2">
+            <a:schemeClr val="accent1">
+              <a:shade val="50000"/>
+            </a:schemeClr>
+          </a:lnRef>
+          <a:fillRef idx="1">
+            <a:schemeClr val="accent1"/>
+          </a:fillRef>
+          <a:effectRef idx="0">
+            <a:schemeClr val="accent1"/>
+          </a:effectRef>
+          <a:fontRef idx="minor">
+            <a:schemeClr val="lt1"/>
+          </a:fontRef>
+        </p:style>
+        <p:txBody>
+          <a:bodyPr rtlCol="0" anchor="ctr"/>
+          <a:lstStyle/>
+          <a:p>
+            <a:pPr algn="ctr"/>
+            <a:endParaRPr lang="fr-FR"/>
+          </a:p>
+        </p:txBody>
+      </p:sp>
     </p:spTree>
     <p:extLst>
       <p:ext uri="{BB962C8B-B14F-4D97-AF65-F5344CB8AC3E}">
-        <p14:creationId xmlns:p14="http://schemas.microsoft.com/office/powerpoint/2010/main" val="2455271169"/>
+        <p14:creationId xmlns:p14="http://schemas.microsoft.com/office/powerpoint/2010/main" val="862634843"/>
       </p:ext>
     </p:extLst>
   </p:cSld>
@@ -3787,6 +3860,502 @@
 </file>
 
 <file path=ppt/slides/slide10.xml><?xml version="1.0" encoding="utf-8"?>
+<p:sld xmlns:a="http://schemas.openxmlformats.org/drawingml/2006/main" xmlns:r="http://schemas.openxmlformats.org/officeDocument/2006/relationships" xmlns:p="http://schemas.openxmlformats.org/presentationml/2006/main">
+  <p:cSld>
+    <p:spTree>
+      <p:nvGrpSpPr>
+        <p:cNvPr id="1" name=""/>
+        <p:cNvGrpSpPr/>
+        <p:nvPr/>
+      </p:nvGrpSpPr>
+      <p:grpSpPr>
+        <a:xfrm>
+          <a:off x="0" y="0"/>
+          <a:ext cx="0" cy="0"/>
+          <a:chOff x="0" y="0"/>
+          <a:chExt cx="0" cy="0"/>
+        </a:xfrm>
+      </p:grpSpPr>
+      <p:pic>
+        <p:nvPicPr>
+          <p:cNvPr id="1026" name="Picture 2"/>
+          <p:cNvPicPr>
+            <a:picLocks noChangeAspect="1" noChangeArrowheads="1"/>
+          </p:cNvPicPr>
+          <p:nvPr/>
+        </p:nvPicPr>
+        <p:blipFill rotWithShape="1">
+          <a:blip r:embed="rId2">
+            <a:extLst>
+              <a:ext uri="{28A0092B-C50C-407E-A947-70E740481C1C}">
+                <a14:useLocalDpi xmlns:a14="http://schemas.microsoft.com/office/drawing/2010/main" val="0"/>
+              </a:ext>
+            </a:extLst>
+          </a:blip>
+          <a:srcRect r="13362"/>
+          <a:stretch/>
+        </p:blipFill>
+        <p:spPr bwMode="auto">
+          <a:xfrm>
+            <a:off x="850357" y="548680"/>
+            <a:ext cx="2929555" cy="3295650"/>
+          </a:xfrm>
+          <a:prstGeom prst="rect">
+            <a:avLst/>
+          </a:prstGeom>
+          <a:noFill/>
+          <a:ln>
+            <a:noFill/>
+          </a:ln>
+          <a:extLst>
+            <a:ext uri="{909E8E84-426E-40DD-AFC4-6F175D3DCCD1}">
+              <a14:hiddenFill xmlns:a14="http://schemas.microsoft.com/office/drawing/2010/main">
+                <a:solidFill>
+                  <a:schemeClr val="accent1"/>
+                </a:solidFill>
+              </a14:hiddenFill>
+            </a:ext>
+            <a:ext uri="{91240B29-F687-4F45-9708-019B960494DF}">
+              <a14:hiddenLine xmlns:a14="http://schemas.microsoft.com/office/drawing/2010/main" w="9525">
+                <a:solidFill>
+                  <a:schemeClr val="tx1"/>
+                </a:solidFill>
+                <a:miter lim="800000"/>
+                <a:headEnd/>
+                <a:tailEnd/>
+              </a14:hiddenLine>
+            </a:ext>
+          </a:extLst>
+        </p:spPr>
+      </p:pic>
+      <p:pic>
+        <p:nvPicPr>
+          <p:cNvPr id="1027" name="Picture 3"/>
+          <p:cNvPicPr>
+            <a:picLocks noChangeAspect="1" noChangeArrowheads="1"/>
+          </p:cNvPicPr>
+          <p:nvPr/>
+        </p:nvPicPr>
+        <p:blipFill>
+          <a:blip r:embed="rId3">
+            <a:extLst>
+              <a:ext uri="{28A0092B-C50C-407E-A947-70E740481C1C}">
+                <a14:useLocalDpi xmlns:a14="http://schemas.microsoft.com/office/drawing/2010/main" val="0"/>
+              </a:ext>
+            </a:extLst>
+          </a:blip>
+          <a:srcRect/>
+          <a:stretch>
+            <a:fillRect/>
+          </a:stretch>
+        </p:blipFill>
+        <p:spPr bwMode="auto">
+          <a:xfrm>
+            <a:off x="3777727" y="548680"/>
+            <a:ext cx="3743325" cy="1804691"/>
+          </a:xfrm>
+          <a:prstGeom prst="rect">
+            <a:avLst/>
+          </a:prstGeom>
+          <a:noFill/>
+          <a:ln>
+            <a:noFill/>
+          </a:ln>
+          <a:effectLst/>
+          <a:extLst>
+            <a:ext uri="{909E8E84-426E-40DD-AFC4-6F175D3DCCD1}">
+              <a14:hiddenFill xmlns:a14="http://schemas.microsoft.com/office/drawing/2010/main">
+                <a:solidFill>
+                  <a:schemeClr val="accent1"/>
+                </a:solidFill>
+              </a14:hiddenFill>
+            </a:ext>
+            <a:ext uri="{91240B29-F687-4F45-9708-019B960494DF}">
+              <a14:hiddenLine xmlns:a14="http://schemas.microsoft.com/office/drawing/2010/main" w="9525">
+                <a:solidFill>
+                  <a:schemeClr val="tx1"/>
+                </a:solidFill>
+                <a:miter lim="800000"/>
+                <a:headEnd/>
+                <a:tailEnd/>
+              </a14:hiddenLine>
+            </a:ext>
+            <a:ext uri="{AF507438-7753-43E0-B8FC-AC1667EBCBE1}">
+              <a14:hiddenEffects xmlns:a14="http://schemas.microsoft.com/office/drawing/2010/main">
+                <a:effectLst>
+                  <a:outerShdw dist="35921" dir="2700000" algn="ctr" rotWithShape="0">
+                    <a:schemeClr val="bg2"/>
+                  </a:outerShdw>
+                </a:effectLst>
+              </a14:hiddenEffects>
+            </a:ext>
+          </a:extLst>
+        </p:spPr>
+      </p:pic>
+      <p:pic>
+        <p:nvPicPr>
+          <p:cNvPr id="1028" name="Picture 4"/>
+          <p:cNvPicPr>
+            <a:picLocks noChangeAspect="1" noChangeArrowheads="1"/>
+          </p:cNvPicPr>
+          <p:nvPr/>
+        </p:nvPicPr>
+        <p:blipFill>
+          <a:blip r:embed="rId4">
+            <a:extLst>
+              <a:ext uri="{28A0092B-C50C-407E-A947-70E740481C1C}">
+                <a14:useLocalDpi xmlns:a14="http://schemas.microsoft.com/office/drawing/2010/main" val="0"/>
+              </a:ext>
+            </a:extLst>
+          </a:blip>
+          <a:srcRect/>
+          <a:stretch>
+            <a:fillRect/>
+          </a:stretch>
+        </p:blipFill>
+        <p:spPr bwMode="auto">
+          <a:xfrm>
+            <a:off x="3777727" y="2758480"/>
+            <a:ext cx="1809750" cy="1085850"/>
+          </a:xfrm>
+          <a:prstGeom prst="rect">
+            <a:avLst/>
+          </a:prstGeom>
+          <a:noFill/>
+          <a:ln>
+            <a:noFill/>
+          </a:ln>
+          <a:effectLst/>
+          <a:extLst>
+            <a:ext uri="{909E8E84-426E-40DD-AFC4-6F175D3DCCD1}">
+              <a14:hiddenFill xmlns:a14="http://schemas.microsoft.com/office/drawing/2010/main">
+                <a:solidFill>
+                  <a:schemeClr val="accent1"/>
+                </a:solidFill>
+              </a14:hiddenFill>
+            </a:ext>
+            <a:ext uri="{91240B29-F687-4F45-9708-019B960494DF}">
+              <a14:hiddenLine xmlns:a14="http://schemas.microsoft.com/office/drawing/2010/main" w="9525">
+                <a:solidFill>
+                  <a:schemeClr val="tx1"/>
+                </a:solidFill>
+                <a:miter lim="800000"/>
+                <a:headEnd/>
+                <a:tailEnd/>
+              </a14:hiddenLine>
+            </a:ext>
+            <a:ext uri="{AF507438-7753-43E0-B8FC-AC1667EBCBE1}">
+              <a14:hiddenEffects xmlns:a14="http://schemas.microsoft.com/office/drawing/2010/main">
+                <a:effectLst>
+                  <a:outerShdw dist="35921" dir="2700000" algn="ctr" rotWithShape="0">
+                    <a:schemeClr val="bg2"/>
+                  </a:outerShdw>
+                </a:effectLst>
+              </a14:hiddenEffects>
+            </a:ext>
+          </a:extLst>
+        </p:spPr>
+      </p:pic>
+      <p:pic>
+        <p:nvPicPr>
+          <p:cNvPr id="1029" name="Picture 5"/>
+          <p:cNvPicPr>
+            <a:picLocks noChangeAspect="1" noChangeArrowheads="1"/>
+          </p:cNvPicPr>
+          <p:nvPr/>
+        </p:nvPicPr>
+        <p:blipFill>
+          <a:blip r:embed="rId5">
+            <a:extLst>
+              <a:ext uri="{28A0092B-C50C-407E-A947-70E740481C1C}">
+                <a14:useLocalDpi xmlns:a14="http://schemas.microsoft.com/office/drawing/2010/main" val="0"/>
+              </a:ext>
+            </a:extLst>
+          </a:blip>
+          <a:srcRect/>
+          <a:stretch>
+            <a:fillRect/>
+          </a:stretch>
+        </p:blipFill>
+        <p:spPr bwMode="auto">
+          <a:xfrm>
+            <a:off x="5587477" y="2758480"/>
+            <a:ext cx="1933575" cy="1085850"/>
+          </a:xfrm>
+          <a:prstGeom prst="rect">
+            <a:avLst/>
+          </a:prstGeom>
+          <a:noFill/>
+          <a:ln>
+            <a:noFill/>
+          </a:ln>
+          <a:effectLst/>
+          <a:extLst>
+            <a:ext uri="{909E8E84-426E-40DD-AFC4-6F175D3DCCD1}">
+              <a14:hiddenFill xmlns:a14="http://schemas.microsoft.com/office/drawing/2010/main">
+                <a:solidFill>
+                  <a:schemeClr val="accent1"/>
+                </a:solidFill>
+              </a14:hiddenFill>
+            </a:ext>
+            <a:ext uri="{91240B29-F687-4F45-9708-019B960494DF}">
+              <a14:hiddenLine xmlns:a14="http://schemas.microsoft.com/office/drawing/2010/main" w="9525">
+                <a:solidFill>
+                  <a:schemeClr val="tx1"/>
+                </a:solidFill>
+                <a:miter lim="800000"/>
+                <a:headEnd/>
+                <a:tailEnd/>
+              </a14:hiddenLine>
+            </a:ext>
+            <a:ext uri="{AF507438-7753-43E0-B8FC-AC1667EBCBE1}">
+              <a14:hiddenEffects xmlns:a14="http://schemas.microsoft.com/office/drawing/2010/main">
+                <a:effectLst>
+                  <a:outerShdw dist="35921" dir="2700000" algn="ctr" rotWithShape="0">
+                    <a:schemeClr val="bg2"/>
+                  </a:outerShdw>
+                </a:effectLst>
+              </a14:hiddenEffects>
+            </a:ext>
+          </a:extLst>
+        </p:spPr>
+      </p:pic>
+    </p:spTree>
+    <p:extLst>
+      <p:ext uri="{BB962C8B-B14F-4D97-AF65-F5344CB8AC3E}">
+        <p14:creationId xmlns:p14="http://schemas.microsoft.com/office/powerpoint/2010/main" val="1241148410"/>
+      </p:ext>
+    </p:extLst>
+  </p:cSld>
+  <p:clrMapOvr>
+    <a:masterClrMapping/>
+  </p:clrMapOvr>
+</p:sld>
+</file>
+
+<file path=ppt/slides/slide11.xml><?xml version="1.0" encoding="utf-8"?>
+<p:sld xmlns:a="http://schemas.openxmlformats.org/drawingml/2006/main" xmlns:r="http://schemas.openxmlformats.org/officeDocument/2006/relationships" xmlns:p="http://schemas.openxmlformats.org/presentationml/2006/main">
+  <p:cSld>
+    <p:spTree>
+      <p:nvGrpSpPr>
+        <p:cNvPr id="1" name=""/>
+        <p:cNvGrpSpPr/>
+        <p:nvPr/>
+      </p:nvGrpSpPr>
+      <p:grpSpPr>
+        <a:xfrm>
+          <a:off x="0" y="0"/>
+          <a:ext cx="0" cy="0"/>
+          <a:chOff x="0" y="0"/>
+          <a:chExt cx="0" cy="0"/>
+        </a:xfrm>
+      </p:grpSpPr>
+      <p:pic>
+        <p:nvPicPr>
+          <p:cNvPr id="1027" name="Picture 3"/>
+          <p:cNvPicPr>
+            <a:picLocks noChangeAspect="1" noChangeArrowheads="1"/>
+          </p:cNvPicPr>
+          <p:nvPr/>
+        </p:nvPicPr>
+        <p:blipFill>
+          <a:blip r:embed="rId2">
+            <a:extLst>
+              <a:ext uri="{28A0092B-C50C-407E-A947-70E740481C1C}">
+                <a14:useLocalDpi xmlns:a14="http://schemas.microsoft.com/office/drawing/2010/main" val="0"/>
+              </a:ext>
+            </a:extLst>
+          </a:blip>
+          <a:srcRect/>
+          <a:stretch>
+            <a:fillRect/>
+          </a:stretch>
+        </p:blipFill>
+        <p:spPr bwMode="auto">
+          <a:xfrm>
+            <a:off x="3777727" y="548680"/>
+            <a:ext cx="3743325" cy="1804691"/>
+          </a:xfrm>
+          <a:prstGeom prst="rect">
+            <a:avLst/>
+          </a:prstGeom>
+          <a:noFill/>
+          <a:ln>
+            <a:noFill/>
+          </a:ln>
+          <a:effectLst/>
+          <a:extLst>
+            <a:ext uri="{909E8E84-426E-40DD-AFC4-6F175D3DCCD1}">
+              <a14:hiddenFill xmlns:a14="http://schemas.microsoft.com/office/drawing/2010/main">
+                <a:solidFill>
+                  <a:schemeClr val="accent1"/>
+                </a:solidFill>
+              </a14:hiddenFill>
+            </a:ext>
+            <a:ext uri="{91240B29-F687-4F45-9708-019B960494DF}">
+              <a14:hiddenLine xmlns:a14="http://schemas.microsoft.com/office/drawing/2010/main" w="9525">
+                <a:solidFill>
+                  <a:schemeClr val="tx1"/>
+                </a:solidFill>
+                <a:miter lim="800000"/>
+                <a:headEnd/>
+                <a:tailEnd/>
+              </a14:hiddenLine>
+            </a:ext>
+            <a:ext uri="{AF507438-7753-43E0-B8FC-AC1667EBCBE1}">
+              <a14:hiddenEffects xmlns:a14="http://schemas.microsoft.com/office/drawing/2010/main">
+                <a:effectLst>
+                  <a:outerShdw dist="35921" dir="2700000" algn="ctr" rotWithShape="0">
+                    <a:schemeClr val="bg2"/>
+                  </a:outerShdw>
+                </a:effectLst>
+              </a14:hiddenEffects>
+            </a:ext>
+          </a:extLst>
+        </p:spPr>
+      </p:pic>
+      <p:pic>
+        <p:nvPicPr>
+          <p:cNvPr id="1028" name="Picture 4"/>
+          <p:cNvPicPr>
+            <a:picLocks noChangeAspect="1" noChangeArrowheads="1"/>
+          </p:cNvPicPr>
+          <p:nvPr/>
+        </p:nvPicPr>
+        <p:blipFill>
+          <a:blip r:embed="rId3">
+            <a:extLst>
+              <a:ext uri="{28A0092B-C50C-407E-A947-70E740481C1C}">
+                <a14:useLocalDpi xmlns:a14="http://schemas.microsoft.com/office/drawing/2010/main" val="0"/>
+              </a:ext>
+            </a:extLst>
+          </a:blip>
+          <a:srcRect/>
+          <a:stretch>
+            <a:fillRect/>
+          </a:stretch>
+        </p:blipFill>
+        <p:spPr bwMode="auto">
+          <a:xfrm>
+            <a:off x="3897740" y="2348880"/>
+            <a:ext cx="1569724" cy="941834"/>
+          </a:xfrm>
+          <a:prstGeom prst="rect">
+            <a:avLst/>
+          </a:prstGeom>
+          <a:noFill/>
+          <a:ln>
+            <a:noFill/>
+          </a:ln>
+          <a:effectLst/>
+          <a:extLst>
+            <a:ext uri="{909E8E84-426E-40DD-AFC4-6F175D3DCCD1}">
+              <a14:hiddenFill xmlns:a14="http://schemas.microsoft.com/office/drawing/2010/main">
+                <a:solidFill>
+                  <a:schemeClr val="accent1"/>
+                </a:solidFill>
+              </a14:hiddenFill>
+            </a:ext>
+            <a:ext uri="{91240B29-F687-4F45-9708-019B960494DF}">
+              <a14:hiddenLine xmlns:a14="http://schemas.microsoft.com/office/drawing/2010/main" w="9525">
+                <a:solidFill>
+                  <a:schemeClr val="tx1"/>
+                </a:solidFill>
+                <a:miter lim="800000"/>
+                <a:headEnd/>
+                <a:tailEnd/>
+              </a14:hiddenLine>
+            </a:ext>
+            <a:ext uri="{AF507438-7753-43E0-B8FC-AC1667EBCBE1}">
+              <a14:hiddenEffects xmlns:a14="http://schemas.microsoft.com/office/drawing/2010/main">
+                <a:effectLst>
+                  <a:outerShdw dist="35921" dir="2700000" algn="ctr" rotWithShape="0">
+                    <a:schemeClr val="bg2"/>
+                  </a:outerShdw>
+                </a:effectLst>
+              </a14:hiddenEffects>
+            </a:ext>
+          </a:extLst>
+        </p:spPr>
+      </p:pic>
+      <p:pic>
+        <p:nvPicPr>
+          <p:cNvPr id="1029" name="Picture 5"/>
+          <p:cNvPicPr>
+            <a:picLocks noChangeAspect="1" noChangeArrowheads="1"/>
+          </p:cNvPicPr>
+          <p:nvPr/>
+        </p:nvPicPr>
+        <p:blipFill>
+          <a:blip r:embed="rId4">
+            <a:extLst>
+              <a:ext uri="{28A0092B-C50C-407E-A947-70E740481C1C}">
+                <a14:useLocalDpi xmlns:a14="http://schemas.microsoft.com/office/drawing/2010/main" val="0"/>
+              </a:ext>
+            </a:extLst>
+          </a:blip>
+          <a:srcRect/>
+          <a:stretch>
+            <a:fillRect/>
+          </a:stretch>
+        </p:blipFill>
+        <p:spPr bwMode="auto">
+          <a:xfrm>
+            <a:off x="5715703" y="2348880"/>
+            <a:ext cx="1677124" cy="941834"/>
+          </a:xfrm>
+          <a:prstGeom prst="rect">
+            <a:avLst/>
+          </a:prstGeom>
+          <a:noFill/>
+          <a:ln>
+            <a:noFill/>
+          </a:ln>
+          <a:effectLst/>
+          <a:extLst>
+            <a:ext uri="{909E8E84-426E-40DD-AFC4-6F175D3DCCD1}">
+              <a14:hiddenFill xmlns:a14="http://schemas.microsoft.com/office/drawing/2010/main">
+                <a:solidFill>
+                  <a:schemeClr val="accent1"/>
+                </a:solidFill>
+              </a14:hiddenFill>
+            </a:ext>
+            <a:ext uri="{91240B29-F687-4F45-9708-019B960494DF}">
+              <a14:hiddenLine xmlns:a14="http://schemas.microsoft.com/office/drawing/2010/main" w="9525">
+                <a:solidFill>
+                  <a:schemeClr val="tx1"/>
+                </a:solidFill>
+                <a:miter lim="800000"/>
+                <a:headEnd/>
+                <a:tailEnd/>
+              </a14:hiddenLine>
+            </a:ext>
+            <a:ext uri="{AF507438-7753-43E0-B8FC-AC1667EBCBE1}">
+              <a14:hiddenEffects xmlns:a14="http://schemas.microsoft.com/office/drawing/2010/main">
+                <a:effectLst>
+                  <a:outerShdw dist="35921" dir="2700000" algn="ctr" rotWithShape="0">
+                    <a:schemeClr val="bg2"/>
+                  </a:outerShdw>
+                </a:effectLst>
+              </a14:hiddenEffects>
+            </a:ext>
+          </a:extLst>
+        </p:spPr>
+      </p:pic>
+    </p:spTree>
+    <p:extLst>
+      <p:ext uri="{BB962C8B-B14F-4D97-AF65-F5344CB8AC3E}">
+        <p14:creationId xmlns:p14="http://schemas.microsoft.com/office/powerpoint/2010/main" val="3014449550"/>
+      </p:ext>
+    </p:extLst>
+  </p:cSld>
+  <p:clrMapOvr>
+    <a:masterClrMapping/>
+  </p:clrMapOvr>
+</p:sld>
+</file>
+
+<file path=ppt/slides/slide12.xml><?xml version="1.0" encoding="utf-8"?>
 <p:sld xmlns:a="http://schemas.openxmlformats.org/drawingml/2006/main" xmlns:r="http://schemas.openxmlformats.org/officeDocument/2006/relationships" xmlns:p="http://schemas.openxmlformats.org/presentationml/2006/main">
   <p:cSld>
     <p:spTree>
@@ -5560,7 +6129,7 @@
 </p:sld>
 </file>
 
-<file path=ppt/slides/slide11.xml><?xml version="1.0" encoding="utf-8"?>
+<file path=ppt/slides/slide13.xml><?xml version="1.0" encoding="utf-8"?>
 <p:sld xmlns:a="http://schemas.openxmlformats.org/drawingml/2006/main" xmlns:r="http://schemas.openxmlformats.org/officeDocument/2006/relationships" xmlns:p="http://schemas.openxmlformats.org/presentationml/2006/main">
   <p:cSld>
     <p:spTree>
@@ -7157,7 +7726,7 @@
 </p:sld>
 </file>
 
-<file path=ppt/slides/slide12.xml><?xml version="1.0" encoding="utf-8"?>
+<file path=ppt/slides/slide14.xml><?xml version="1.0" encoding="utf-8"?>
 <p:sld xmlns:a="http://schemas.openxmlformats.org/drawingml/2006/main" xmlns:r="http://schemas.openxmlformats.org/officeDocument/2006/relationships" xmlns:p="http://schemas.openxmlformats.org/presentationml/2006/main">
   <p:cSld>
     <p:spTree>
@@ -7583,7 +8152,7 @@
 </p:sld>
 </file>
 
-<file path=ppt/slides/slide13.xml><?xml version="1.0" encoding="utf-8"?>
+<file path=ppt/slides/slide15.xml><?xml version="1.0" encoding="utf-8"?>
 <p:sld xmlns:a="http://schemas.openxmlformats.org/drawingml/2006/main" xmlns:r="http://schemas.openxmlformats.org/officeDocument/2006/relationships" xmlns:p="http://schemas.openxmlformats.org/presentationml/2006/main">
   <p:cSld>
     <p:spTree>
@@ -8731,7 +9300,7 @@
 </p:sld>
 </file>
 
-<file path=ppt/slides/slide14.xml><?xml version="1.0" encoding="utf-8"?>
+<file path=ppt/slides/slide16.xml><?xml version="1.0" encoding="utf-8"?>
 <p:sld xmlns:a="http://schemas.openxmlformats.org/drawingml/2006/main" xmlns:r="http://schemas.openxmlformats.org/officeDocument/2006/relationships" xmlns:p="http://schemas.openxmlformats.org/presentationml/2006/main">
   <p:cSld>
     <p:spTree>
@@ -12613,7 +13182,7 @@
 </p:sld>
 </file>
 
-<file path=ppt/slides/slide15.xml><?xml version="1.0" encoding="utf-8"?>
+<file path=ppt/slides/slide17.xml><?xml version="1.0" encoding="utf-8"?>
 <p:sld xmlns:a="http://schemas.openxmlformats.org/drawingml/2006/main" xmlns:r="http://schemas.openxmlformats.org/officeDocument/2006/relationships" xmlns:p="http://schemas.openxmlformats.org/presentationml/2006/main">
   <p:cSld>
     <p:spTree>
@@ -13226,7 +13795,7 @@
 </p:sld>
 </file>
 
-<file path=ppt/slides/slide16.xml><?xml version="1.0" encoding="utf-8"?>
+<file path=ppt/slides/slide18.xml><?xml version="1.0" encoding="utf-8"?>
 <p:sld xmlns:a="http://schemas.openxmlformats.org/drawingml/2006/main" xmlns:r="http://schemas.openxmlformats.org/officeDocument/2006/relationships" xmlns:p="http://schemas.openxmlformats.org/presentationml/2006/main">
   <p:cSld>
     <p:spTree>
@@ -14075,7 +14644,7 @@
 </p:sld>
 </file>
 
-<file path=ppt/slides/slide17.xml><?xml version="1.0" encoding="utf-8"?>
+<file path=ppt/slides/slide19.xml><?xml version="1.0" encoding="utf-8"?>
 <p:sld xmlns:a="http://schemas.openxmlformats.org/drawingml/2006/main" xmlns:r="http://schemas.openxmlformats.org/officeDocument/2006/relationships" xmlns:p="http://schemas.openxmlformats.org/presentationml/2006/main">
   <p:cSld>
     <p:spTree>
@@ -14738,7 +15307,101 @@
 </p:sld>
 </file>
 
-<file path=ppt/slides/slide18.xml><?xml version="1.0" encoding="utf-8"?>
+<file path=ppt/slides/slide2.xml><?xml version="1.0" encoding="utf-8"?>
+<p:sld xmlns:a="http://schemas.openxmlformats.org/drawingml/2006/main" xmlns:r="http://schemas.openxmlformats.org/officeDocument/2006/relationships" xmlns:p="http://schemas.openxmlformats.org/presentationml/2006/main">
+  <p:cSld>
+    <p:spTree>
+      <p:nvGrpSpPr>
+        <p:cNvPr id="1" name=""/>
+        <p:cNvGrpSpPr/>
+        <p:nvPr/>
+      </p:nvGrpSpPr>
+      <p:grpSpPr>
+        <a:xfrm>
+          <a:off x="0" y="0"/>
+          <a:ext cx="0" cy="0"/>
+          <a:chOff x="0" y="0"/>
+          <a:chExt cx="0" cy="0"/>
+        </a:xfrm>
+      </p:grpSpPr>
+      <p:pic>
+        <p:nvPicPr>
+          <p:cNvPr id="2050" name="Picture 2"/>
+          <p:cNvPicPr>
+            <a:picLocks noChangeAspect="1" noChangeArrowheads="1"/>
+          </p:cNvPicPr>
+          <p:nvPr/>
+        </p:nvPicPr>
+        <p:blipFill>
+          <a:blip r:embed="rId2">
+            <a:extLst>
+              <a:ext uri="{28A0092B-C50C-407E-A947-70E740481C1C}">
+                <a14:useLocalDpi xmlns:a14="http://schemas.microsoft.com/office/drawing/2010/main" val="0"/>
+              </a:ext>
+            </a:extLst>
+          </a:blip>
+          <a:srcRect/>
+          <a:stretch>
+            <a:fillRect/>
+          </a:stretch>
+        </p:blipFill>
+        <p:spPr bwMode="auto">
+          <a:xfrm>
+            <a:off x="395536" y="476672"/>
+            <a:ext cx="8234328" cy="5832648"/>
+          </a:xfrm>
+          <a:prstGeom prst="rect">
+            <a:avLst/>
+          </a:prstGeom>
+          <a:noFill/>
+          <a:ln>
+            <a:noFill/>
+          </a:ln>
+          <a:effectLst/>
+          <a:extLst>
+            <a:ext uri="{909E8E84-426E-40DD-AFC4-6F175D3DCCD1}">
+              <a14:hiddenFill xmlns:a14="http://schemas.microsoft.com/office/drawing/2010/main">
+                <a:solidFill>
+                  <a:schemeClr val="accent1"/>
+                </a:solidFill>
+              </a14:hiddenFill>
+            </a:ext>
+            <a:ext uri="{91240B29-F687-4F45-9708-019B960494DF}">
+              <a14:hiddenLine xmlns:a14="http://schemas.microsoft.com/office/drawing/2010/main" w="9525">
+                <a:solidFill>
+                  <a:schemeClr val="tx1"/>
+                </a:solidFill>
+                <a:miter lim="800000"/>
+                <a:headEnd/>
+                <a:tailEnd/>
+              </a14:hiddenLine>
+            </a:ext>
+            <a:ext uri="{AF507438-7753-43E0-B8FC-AC1667EBCBE1}">
+              <a14:hiddenEffects xmlns:a14="http://schemas.microsoft.com/office/drawing/2010/main">
+                <a:effectLst>
+                  <a:outerShdw dist="35921" dir="2700000" algn="ctr" rotWithShape="0">
+                    <a:schemeClr val="bg2"/>
+                  </a:outerShdw>
+                </a:effectLst>
+              </a14:hiddenEffects>
+            </a:ext>
+          </a:extLst>
+        </p:spPr>
+      </p:pic>
+    </p:spTree>
+    <p:extLst>
+      <p:ext uri="{BB962C8B-B14F-4D97-AF65-F5344CB8AC3E}">
+        <p14:creationId xmlns:p14="http://schemas.microsoft.com/office/powerpoint/2010/main" val="1183466653"/>
+      </p:ext>
+    </p:extLst>
+  </p:cSld>
+  <p:clrMapOvr>
+    <a:masterClrMapping/>
+  </p:clrMapOvr>
+</p:sld>
+</file>
+
+<file path=ppt/slides/slide20.xml><?xml version="1.0" encoding="utf-8"?>
 <p:sld xmlns:a="http://schemas.openxmlformats.org/drawingml/2006/main" xmlns:r="http://schemas.openxmlformats.org/officeDocument/2006/relationships" xmlns:p="http://schemas.openxmlformats.org/presentationml/2006/main">
   <p:cSld>
     <p:spTree>
@@ -15631,7 +16294,7 @@
 </p:sld>
 </file>
 
-<file path=ppt/slides/slide19.xml><?xml version="1.0" encoding="utf-8"?>
+<file path=ppt/slides/slide21.xml><?xml version="1.0" encoding="utf-8"?>
 <p:sld xmlns:a="http://schemas.openxmlformats.org/drawingml/2006/main" xmlns:r="http://schemas.openxmlformats.org/officeDocument/2006/relationships" xmlns:p="http://schemas.openxmlformats.org/presentationml/2006/main">
   <p:cSld>
     <p:spTree>
@@ -18198,7 +18861,7 @@
 </p:sld>
 </file>
 
-<file path=ppt/slides/slide2.xml><?xml version="1.0" encoding="utf-8"?>
+<file path=ppt/slides/slide3.xml><?xml version="1.0" encoding="utf-8"?>
 <p:sld xmlns:a="http://schemas.openxmlformats.org/drawingml/2006/main" xmlns:r="http://schemas.openxmlformats.org/officeDocument/2006/relationships" xmlns:p="http://schemas.openxmlformats.org/presentationml/2006/main">
   <p:cSld>
     <p:spTree>
@@ -18215,8 +18878,758 @@
           <a:chExt cx="0" cy="0"/>
         </a:xfrm>
       </p:grpSpPr>
-      <mc:AlternateContent xmlns:mc="http://schemas.openxmlformats.org/markup-compatibility/2006">
-        <mc:Choice xmlns:a14="http://schemas.microsoft.com/office/drawing/2010/main" Requires="a14">
+      <p:cxnSp>
+        <p:nvCxnSpPr>
+          <p:cNvPr id="5" name="Connecteur droit avec flèche 4"/>
+          <p:cNvCxnSpPr/>
+          <p:nvPr/>
+        </p:nvCxnSpPr>
+        <p:spPr>
+          <a:xfrm flipV="1">
+            <a:off x="4572000" y="1988840"/>
+            <a:ext cx="0" cy="1512168"/>
+          </a:xfrm>
+          <a:prstGeom prst="straightConnector1">
+            <a:avLst/>
+          </a:prstGeom>
+          <a:ln w="28575">
+            <a:solidFill>
+              <a:schemeClr val="tx1"/>
+            </a:solidFill>
+            <a:tailEnd type="stealth" w="med" len="lg"/>
+          </a:ln>
+        </p:spPr>
+        <p:style>
+          <a:lnRef idx="1">
+            <a:schemeClr val="accent1"/>
+          </a:lnRef>
+          <a:fillRef idx="0">
+            <a:schemeClr val="accent1"/>
+          </a:fillRef>
+          <a:effectRef idx="0">
+            <a:schemeClr val="accent1"/>
+          </a:effectRef>
+          <a:fontRef idx="minor">
+            <a:schemeClr val="tx1"/>
+          </a:fontRef>
+        </p:style>
+      </p:cxnSp>
+      <p:cxnSp>
+        <p:nvCxnSpPr>
+          <p:cNvPr id="6" name="Connecteur droit avec flèche 5"/>
+          <p:cNvCxnSpPr/>
+          <p:nvPr/>
+        </p:nvCxnSpPr>
+        <p:spPr>
+          <a:xfrm>
+            <a:off x="4499992" y="3429000"/>
+            <a:ext cx="2232248" cy="0"/>
+          </a:xfrm>
+          <a:prstGeom prst="straightConnector1">
+            <a:avLst/>
+          </a:prstGeom>
+          <a:ln w="28575">
+            <a:solidFill>
+              <a:schemeClr val="tx1"/>
+            </a:solidFill>
+            <a:tailEnd type="stealth" w="med" len="lg"/>
+          </a:ln>
+        </p:spPr>
+        <p:style>
+          <a:lnRef idx="1">
+            <a:schemeClr val="accent1"/>
+          </a:lnRef>
+          <a:fillRef idx="0">
+            <a:schemeClr val="accent1"/>
+          </a:fillRef>
+          <a:effectRef idx="0">
+            <a:schemeClr val="accent1"/>
+          </a:effectRef>
+          <a:fontRef idx="minor">
+            <a:schemeClr val="tx1"/>
+          </a:fontRef>
+        </p:style>
+      </p:cxnSp>
+      <mc:AlternateContent xmlns:mc="http://schemas.openxmlformats.org/markup-compatibility/2006" xmlns:a14="http://schemas.microsoft.com/office/drawing/2010/main">
+        <mc:Choice Requires="a14">
+          <p:sp>
+            <p:nvSpPr>
+              <p:cNvPr id="8" name="ZoneTexte 7"/>
+              <p:cNvSpPr txBox="1"/>
+              <p:nvPr/>
+            </p:nvSpPr>
+            <p:spPr>
+              <a:xfrm>
+                <a:off x="6594093" y="3167390"/>
+                <a:ext cx="276293" cy="261610"/>
+              </a:xfrm>
+              <a:prstGeom prst="rect">
+                <a:avLst/>
+              </a:prstGeom>
+              <a:noFill/>
+            </p:spPr>
+            <p:txBody>
+              <a:bodyPr wrap="none" rtlCol="0">
+                <a:spAutoFit/>
+              </a:bodyPr>
+              <a:lstStyle/>
+              <a:p>
+                <a:pPr/>
+                <a14:m>
+                  <m:oMathPara xmlns:m="http://schemas.openxmlformats.org/officeDocument/2006/math">
+                    <m:oMathParaPr>
+                      <m:jc m:val="centerGroup"/>
+                    </m:oMathParaPr>
+                    <m:oMath xmlns:m="http://schemas.openxmlformats.org/officeDocument/2006/math">
+                      <m:r>
+                        <a:rPr lang="fr-FR" sz="1100" b="0" i="1" smtClean="0">
+                          <a:latin typeface="Cambria Math"/>
+                        </a:rPr>
+                        <m:t>𝑡</m:t>
+                      </m:r>
+                    </m:oMath>
+                  </m:oMathPara>
+                </a14:m>
+                <a:endParaRPr lang="fr-FR" sz="1100" dirty="0"/>
+              </a:p>
+            </p:txBody>
+          </p:sp>
+        </mc:Choice>
+        <mc:Fallback xmlns="">
+          <p:sp>
+            <p:nvSpPr>
+              <p:cNvPr id="8" name="ZoneTexte 7"/>
+              <p:cNvSpPr txBox="1">
+                <a:spLocks noRot="1" noChangeAspect="1" noMove="1" noResize="1" noEditPoints="1" noAdjustHandles="1" noChangeArrowheads="1" noChangeShapeType="1" noTextEdit="1"/>
+              </p:cNvSpPr>
+              <p:nvPr/>
+            </p:nvSpPr>
+            <p:spPr>
+              <a:xfrm>
+                <a:off x="6594093" y="3167390"/>
+                <a:ext cx="276293" cy="261610"/>
+              </a:xfrm>
+              <a:prstGeom prst="rect">
+                <a:avLst/>
+              </a:prstGeom>
+              <a:blipFill rotWithShape="1">
+                <a:blip r:embed="rId2"/>
+                <a:stretch>
+                  <a:fillRect/>
+                </a:stretch>
+              </a:blipFill>
+            </p:spPr>
+            <p:txBody>
+              <a:bodyPr/>
+              <a:lstStyle/>
+              <a:p>
+                <a:r>
+                  <a:rPr lang="fr-FR">
+                    <a:noFill/>
+                  </a:rPr>
+                  <a:t> </a:t>
+                </a:r>
+              </a:p>
+            </p:txBody>
+          </p:sp>
+        </mc:Fallback>
+      </mc:AlternateContent>
+      <mc:AlternateContent xmlns:mc="http://schemas.openxmlformats.org/markup-compatibility/2006" xmlns:a14="http://schemas.microsoft.com/office/drawing/2010/main">
+        <mc:Choice Requires="a14">
+          <p:sp>
+            <p:nvSpPr>
+              <p:cNvPr id="9" name="ZoneTexte 8"/>
+              <p:cNvSpPr txBox="1"/>
+              <p:nvPr/>
+            </p:nvSpPr>
+            <p:spPr>
+              <a:xfrm>
+                <a:off x="4598763" y="1858035"/>
+                <a:ext cx="384464" cy="261610"/>
+              </a:xfrm>
+              <a:prstGeom prst="rect">
+                <a:avLst/>
+              </a:prstGeom>
+              <a:noFill/>
+            </p:spPr>
+            <p:txBody>
+              <a:bodyPr wrap="none" rtlCol="0">
+                <a:spAutoFit/>
+              </a:bodyPr>
+              <a:lstStyle/>
+              <a:p>
+                <a:pPr/>
+                <a14:m>
+                  <m:oMathPara xmlns:m="http://schemas.openxmlformats.org/officeDocument/2006/math">
+                    <m:oMathParaPr>
+                      <m:jc m:val="centerGroup"/>
+                    </m:oMathParaPr>
+                    <m:oMath xmlns:m="http://schemas.openxmlformats.org/officeDocument/2006/math">
+                      <m:sSub>
+                        <m:sSubPr>
+                          <m:ctrlPr>
+                            <a:rPr lang="fr-FR" sz="1100" b="0" i="1" smtClean="0">
+                              <a:latin typeface="Cambria Math"/>
+                            </a:rPr>
+                          </m:ctrlPr>
+                        </m:sSubPr>
+                        <m:e>
+                          <m:r>
+                            <a:rPr lang="fr-FR" sz="1100" b="0" i="1" smtClean="0">
+                              <a:latin typeface="Cambria Math"/>
+                            </a:rPr>
+                            <m:t>𝜔</m:t>
+                          </m:r>
+                        </m:e>
+                        <m:sub>
+                          <m:r>
+                            <a:rPr lang="fr-FR" sz="1100" b="0" i="1" smtClean="0">
+                              <a:latin typeface="Cambria Math"/>
+                            </a:rPr>
+                            <m:t>3</m:t>
+                          </m:r>
+                        </m:sub>
+                      </m:sSub>
+                    </m:oMath>
+                  </m:oMathPara>
+                </a14:m>
+                <a:endParaRPr lang="fr-FR" sz="1100" dirty="0"/>
+              </a:p>
+            </p:txBody>
+          </p:sp>
+        </mc:Choice>
+        <mc:Fallback xmlns="">
+          <p:sp>
+            <p:nvSpPr>
+              <p:cNvPr id="9" name="ZoneTexte 8"/>
+              <p:cNvSpPr txBox="1">
+                <a:spLocks noRot="1" noChangeAspect="1" noMove="1" noResize="1" noEditPoints="1" noAdjustHandles="1" noChangeArrowheads="1" noChangeShapeType="1" noTextEdit="1"/>
+              </p:cNvSpPr>
+              <p:nvPr/>
+            </p:nvSpPr>
+            <p:spPr>
+              <a:xfrm>
+                <a:off x="4598763" y="1858035"/>
+                <a:ext cx="384464" cy="261610"/>
+              </a:xfrm>
+              <a:prstGeom prst="rect">
+                <a:avLst/>
+              </a:prstGeom>
+              <a:blipFill rotWithShape="1">
+                <a:blip r:embed="rId3"/>
+                <a:stretch>
+                  <a:fillRect/>
+                </a:stretch>
+              </a:blipFill>
+            </p:spPr>
+            <p:txBody>
+              <a:bodyPr/>
+              <a:lstStyle/>
+              <a:p>
+                <a:r>
+                  <a:rPr lang="fr-FR">
+                    <a:noFill/>
+                  </a:rPr>
+                  <a:t> </a:t>
+                </a:r>
+              </a:p>
+            </p:txBody>
+          </p:sp>
+        </mc:Fallback>
+      </mc:AlternateContent>
+      <p:cxnSp>
+        <p:nvCxnSpPr>
+          <p:cNvPr id="13" name="Connecteur droit avec flèche 12"/>
+          <p:cNvCxnSpPr/>
+          <p:nvPr/>
+        </p:nvCxnSpPr>
+        <p:spPr>
+          <a:xfrm flipV="1">
+            <a:off x="6372200" y="2259135"/>
+            <a:ext cx="0" cy="1241873"/>
+          </a:xfrm>
+          <a:prstGeom prst="straightConnector1">
+            <a:avLst/>
+          </a:prstGeom>
+          <a:ln w="12700">
+            <a:solidFill>
+              <a:schemeClr val="tx1"/>
+            </a:solidFill>
+            <a:prstDash val="dash"/>
+            <a:headEnd type="none" w="med" len="med"/>
+            <a:tailEnd type="none" w="med" len="med"/>
+          </a:ln>
+        </p:spPr>
+        <p:style>
+          <a:lnRef idx="1">
+            <a:schemeClr val="accent1"/>
+          </a:lnRef>
+          <a:fillRef idx="0">
+            <a:schemeClr val="accent1"/>
+          </a:fillRef>
+          <a:effectRef idx="0">
+            <a:schemeClr val="accent1"/>
+          </a:effectRef>
+          <a:fontRef idx="minor">
+            <a:schemeClr val="tx1"/>
+          </a:fontRef>
+        </p:style>
+      </p:cxnSp>
+      <p:cxnSp>
+        <p:nvCxnSpPr>
+          <p:cNvPr id="15" name="Connecteur droit avec flèche 14"/>
+          <p:cNvCxnSpPr/>
+          <p:nvPr/>
+        </p:nvCxnSpPr>
+        <p:spPr>
+          <a:xfrm>
+            <a:off x="4499992" y="2348880"/>
+            <a:ext cx="1944216" cy="0"/>
+          </a:xfrm>
+          <a:prstGeom prst="straightConnector1">
+            <a:avLst/>
+          </a:prstGeom>
+          <a:ln w="12700">
+            <a:solidFill>
+              <a:schemeClr val="tx1"/>
+            </a:solidFill>
+            <a:prstDash val="dash"/>
+            <a:headEnd type="none" w="med" len="med"/>
+            <a:tailEnd type="none" w="med" len="med"/>
+          </a:ln>
+        </p:spPr>
+        <p:style>
+          <a:lnRef idx="1">
+            <a:schemeClr val="accent1"/>
+          </a:lnRef>
+          <a:fillRef idx="0">
+            <a:schemeClr val="accent1"/>
+          </a:fillRef>
+          <a:effectRef idx="0">
+            <a:schemeClr val="accent1"/>
+          </a:effectRef>
+          <a:fontRef idx="minor">
+            <a:schemeClr val="tx1"/>
+          </a:fontRef>
+        </p:style>
+      </p:cxnSp>
+      <p:cxnSp>
+        <p:nvCxnSpPr>
+          <p:cNvPr id="22" name="Connecteur droit avec flèche 21"/>
+          <p:cNvCxnSpPr/>
+          <p:nvPr/>
+        </p:nvCxnSpPr>
+        <p:spPr>
+          <a:xfrm flipV="1">
+            <a:off x="4572000" y="2259135"/>
+            <a:ext cx="1944216" cy="1169865"/>
+          </a:xfrm>
+          <a:prstGeom prst="straightConnector1">
+            <a:avLst/>
+          </a:prstGeom>
+          <a:ln w="12700">
+            <a:solidFill>
+              <a:schemeClr val="accent2"/>
+            </a:solidFill>
+            <a:prstDash val="solid"/>
+            <a:headEnd type="none" w="med" len="med"/>
+            <a:tailEnd type="none" w="med" len="med"/>
+          </a:ln>
+        </p:spPr>
+        <p:style>
+          <a:lnRef idx="1">
+            <a:schemeClr val="accent1"/>
+          </a:lnRef>
+          <a:fillRef idx="0">
+            <a:schemeClr val="accent1"/>
+          </a:fillRef>
+          <a:effectRef idx="0">
+            <a:schemeClr val="accent1"/>
+          </a:effectRef>
+          <a:fontRef idx="minor">
+            <a:schemeClr val="tx1"/>
+          </a:fontRef>
+        </p:style>
+      </p:cxnSp>
+      <mc:AlternateContent xmlns:mc="http://schemas.openxmlformats.org/markup-compatibility/2006" xmlns:a14="http://schemas.microsoft.com/office/drawing/2010/main">
+        <mc:Choice Requires="a14">
+          <p:sp>
+            <p:nvSpPr>
+              <p:cNvPr id="27" name="ZoneTexte 26"/>
+              <p:cNvSpPr txBox="1"/>
+              <p:nvPr/>
+            </p:nvSpPr>
+            <p:spPr>
+              <a:xfrm>
+                <a:off x="4115528" y="3298195"/>
+                <a:ext cx="436786" cy="277064"/>
+              </a:xfrm>
+              <a:prstGeom prst="rect">
+                <a:avLst/>
+              </a:prstGeom>
+              <a:noFill/>
+            </p:spPr>
+            <p:txBody>
+              <a:bodyPr wrap="none" rtlCol="0">
+                <a:spAutoFit/>
+              </a:bodyPr>
+              <a:lstStyle/>
+              <a:p>
+                <a:pPr/>
+                <a14:m>
+                  <m:oMathPara xmlns:m="http://schemas.openxmlformats.org/officeDocument/2006/math">
+                    <m:oMathParaPr>
+                      <m:jc m:val="centerGroup"/>
+                    </m:oMathParaPr>
+                    <m:oMath xmlns:m="http://schemas.openxmlformats.org/officeDocument/2006/math">
+                      <m:sSub>
+                        <m:sSubPr>
+                          <m:ctrlPr>
+                            <a:rPr lang="fr-FR" sz="1100" b="0" i="1" smtClean="0">
+                              <a:latin typeface="Cambria Math"/>
+                            </a:rPr>
+                          </m:ctrlPr>
+                        </m:sSubPr>
+                        <m:e>
+                          <m:r>
+                            <a:rPr lang="fr-FR" sz="1100" b="0" i="1" smtClean="0">
+                              <a:latin typeface="Cambria Math"/>
+                            </a:rPr>
+                            <m:t>𝜔</m:t>
+                          </m:r>
+                        </m:e>
+                        <m:sub>
+                          <m:sSub>
+                            <m:sSubPr>
+                              <m:ctrlPr>
+                                <a:rPr lang="fr-FR" sz="1100" b="0" i="1" smtClean="0">
+                                  <a:latin typeface="Cambria Math"/>
+                                </a:rPr>
+                              </m:ctrlPr>
+                            </m:sSubPr>
+                            <m:e>
+                              <m:r>
+                                <a:rPr lang="fr-FR" sz="1100" b="0" i="1" smtClean="0">
+                                  <a:latin typeface="Cambria Math"/>
+                                </a:rPr>
+                                <m:t>𝐶</m:t>
+                              </m:r>
+                            </m:e>
+                            <m:sub>
+                              <m:r>
+                                <a:rPr lang="fr-FR" sz="1100" b="0" i="1" smtClean="0">
+                                  <a:latin typeface="Cambria Math"/>
+                                </a:rPr>
+                                <m:t>0</m:t>
+                              </m:r>
+                            </m:sub>
+                          </m:sSub>
+                        </m:sub>
+                      </m:sSub>
+                    </m:oMath>
+                  </m:oMathPara>
+                </a14:m>
+                <a:endParaRPr lang="fr-FR" sz="1100" dirty="0"/>
+              </a:p>
+            </p:txBody>
+          </p:sp>
+        </mc:Choice>
+        <mc:Fallback xmlns="">
+          <p:sp>
+            <p:nvSpPr>
+              <p:cNvPr id="27" name="ZoneTexte 26"/>
+              <p:cNvSpPr txBox="1">
+                <a:spLocks noRot="1" noChangeAspect="1" noMove="1" noResize="1" noEditPoints="1" noAdjustHandles="1" noChangeArrowheads="1" noChangeShapeType="1" noTextEdit="1"/>
+              </p:cNvSpPr>
+              <p:nvPr/>
+            </p:nvSpPr>
+            <p:spPr>
+              <a:xfrm>
+                <a:off x="4115528" y="3298195"/>
+                <a:ext cx="436786" cy="277064"/>
+              </a:xfrm>
+              <a:prstGeom prst="rect">
+                <a:avLst/>
+              </a:prstGeom>
+              <a:blipFill rotWithShape="1">
+                <a:blip r:embed="rId4"/>
+                <a:stretch>
+                  <a:fillRect/>
+                </a:stretch>
+              </a:blipFill>
+            </p:spPr>
+            <p:txBody>
+              <a:bodyPr/>
+              <a:lstStyle/>
+              <a:p>
+                <a:r>
+                  <a:rPr lang="fr-FR">
+                    <a:noFill/>
+                  </a:rPr>
+                  <a:t> </a:t>
+                </a:r>
+              </a:p>
+            </p:txBody>
+          </p:sp>
+        </mc:Fallback>
+      </mc:AlternateContent>
+      <mc:AlternateContent xmlns:mc="http://schemas.openxmlformats.org/markup-compatibility/2006" xmlns:a14="http://schemas.microsoft.com/office/drawing/2010/main">
+        <mc:Choice Requires="a14">
+          <p:sp>
+            <p:nvSpPr>
+              <p:cNvPr id="28" name="ZoneTexte 27"/>
+              <p:cNvSpPr txBox="1"/>
+              <p:nvPr/>
+            </p:nvSpPr>
+            <p:spPr>
+              <a:xfrm>
+                <a:off x="4135214" y="2210348"/>
+                <a:ext cx="436786" cy="276101"/>
+              </a:xfrm>
+              <a:prstGeom prst="rect">
+                <a:avLst/>
+              </a:prstGeom>
+              <a:noFill/>
+            </p:spPr>
+            <p:txBody>
+              <a:bodyPr wrap="none" rtlCol="0">
+                <a:spAutoFit/>
+              </a:bodyPr>
+              <a:lstStyle/>
+              <a:p>
+                <a:pPr/>
+                <a14:m>
+                  <m:oMathPara xmlns:m="http://schemas.openxmlformats.org/officeDocument/2006/math">
+                    <m:oMathParaPr>
+                      <m:jc m:val="centerGroup"/>
+                    </m:oMathParaPr>
+                    <m:oMath xmlns:m="http://schemas.openxmlformats.org/officeDocument/2006/math">
+                      <m:sSub>
+                        <m:sSubPr>
+                          <m:ctrlPr>
+                            <a:rPr lang="fr-FR" sz="1100" b="0" i="1" smtClean="0">
+                              <a:latin typeface="Cambria Math"/>
+                            </a:rPr>
+                          </m:ctrlPr>
+                        </m:sSubPr>
+                        <m:e>
+                          <m:r>
+                            <a:rPr lang="fr-FR" sz="1100" b="0" i="1" smtClean="0">
+                              <a:latin typeface="Cambria Math"/>
+                            </a:rPr>
+                            <m:t>𝜔</m:t>
+                          </m:r>
+                        </m:e>
+                        <m:sub>
+                          <m:sSub>
+                            <m:sSubPr>
+                              <m:ctrlPr>
+                                <a:rPr lang="fr-FR" sz="1100" b="0" i="1" smtClean="0">
+                                  <a:latin typeface="Cambria Math"/>
+                                </a:rPr>
+                              </m:ctrlPr>
+                            </m:sSubPr>
+                            <m:e>
+                              <m:r>
+                                <a:rPr lang="fr-FR" sz="1100" b="0" i="1" smtClean="0">
+                                  <a:latin typeface="Cambria Math"/>
+                                </a:rPr>
+                                <m:t>𝐶</m:t>
+                              </m:r>
+                            </m:e>
+                            <m:sub>
+                              <m:r>
+                                <a:rPr lang="fr-FR" sz="1100" b="0" i="1" smtClean="0">
+                                  <a:latin typeface="Cambria Math"/>
+                                </a:rPr>
+                                <m:t>1</m:t>
+                              </m:r>
+                            </m:sub>
+                          </m:sSub>
+                        </m:sub>
+                      </m:sSub>
+                    </m:oMath>
+                  </m:oMathPara>
+                </a14:m>
+                <a:endParaRPr lang="fr-FR" sz="1100" dirty="0"/>
+              </a:p>
+            </p:txBody>
+          </p:sp>
+        </mc:Choice>
+        <mc:Fallback xmlns="">
+          <p:sp>
+            <p:nvSpPr>
+              <p:cNvPr id="28" name="ZoneTexte 27"/>
+              <p:cNvSpPr txBox="1">
+                <a:spLocks noRot="1" noChangeAspect="1" noMove="1" noResize="1" noEditPoints="1" noAdjustHandles="1" noChangeArrowheads="1" noChangeShapeType="1" noTextEdit="1"/>
+              </p:cNvSpPr>
+              <p:nvPr/>
+            </p:nvSpPr>
+            <p:spPr>
+              <a:xfrm>
+                <a:off x="4135214" y="2210348"/>
+                <a:ext cx="436786" cy="276101"/>
+              </a:xfrm>
+              <a:prstGeom prst="rect">
+                <a:avLst/>
+              </a:prstGeom>
+              <a:blipFill rotWithShape="1">
+                <a:blip r:embed="rId5"/>
+                <a:stretch>
+                  <a:fillRect/>
+                </a:stretch>
+              </a:blipFill>
+            </p:spPr>
+            <p:txBody>
+              <a:bodyPr/>
+              <a:lstStyle/>
+              <a:p>
+                <a:r>
+                  <a:rPr lang="fr-FR">
+                    <a:noFill/>
+                  </a:rPr>
+                  <a:t> </a:t>
+                </a:r>
+              </a:p>
+            </p:txBody>
+          </p:sp>
+        </mc:Fallback>
+      </mc:AlternateContent>
+      <mc:AlternateContent xmlns:mc="http://schemas.openxmlformats.org/markup-compatibility/2006" xmlns:a14="http://schemas.microsoft.com/office/drawing/2010/main">
+        <mc:Choice Requires="a14">
+          <p:sp>
+            <p:nvSpPr>
+              <p:cNvPr id="29" name="ZoneTexte 28"/>
+              <p:cNvSpPr txBox="1"/>
+              <p:nvPr/>
+            </p:nvSpPr>
+            <p:spPr>
+              <a:xfrm>
+                <a:off x="6201569" y="3429000"/>
+                <a:ext cx="332655" cy="261610"/>
+              </a:xfrm>
+              <a:prstGeom prst="rect">
+                <a:avLst/>
+              </a:prstGeom>
+              <a:noFill/>
+            </p:spPr>
+            <p:txBody>
+              <a:bodyPr wrap="none" rtlCol="0">
+                <a:spAutoFit/>
+              </a:bodyPr>
+              <a:lstStyle/>
+              <a:p>
+                <a:pPr/>
+                <a14:m>
+                  <m:oMathPara xmlns:m="http://schemas.openxmlformats.org/officeDocument/2006/math">
+                    <m:oMathParaPr>
+                      <m:jc m:val="centerGroup"/>
+                    </m:oMathParaPr>
+                    <m:oMath xmlns:m="http://schemas.openxmlformats.org/officeDocument/2006/math">
+                      <m:sSub>
+                        <m:sSubPr>
+                          <m:ctrlPr>
+                            <a:rPr lang="fr-FR" sz="1100" b="0" i="1" smtClean="0">
+                              <a:latin typeface="Cambria Math"/>
+                            </a:rPr>
+                          </m:ctrlPr>
+                        </m:sSubPr>
+                        <m:e>
+                          <m:r>
+                            <a:rPr lang="fr-FR" sz="1100" b="0" i="1" smtClean="0">
+                              <a:latin typeface="Cambria Math"/>
+                            </a:rPr>
+                            <m:t>𝑡</m:t>
+                          </m:r>
+                        </m:e>
+                        <m:sub>
+                          <m:r>
+                            <a:rPr lang="fr-FR" sz="1100" b="0" i="1" smtClean="0">
+                              <a:latin typeface="Cambria Math"/>
+                            </a:rPr>
+                            <m:t>1</m:t>
+                          </m:r>
+                        </m:sub>
+                      </m:sSub>
+                    </m:oMath>
+                  </m:oMathPara>
+                </a14:m>
+                <a:endParaRPr lang="fr-FR" sz="1100" dirty="0"/>
+              </a:p>
+            </p:txBody>
+          </p:sp>
+        </mc:Choice>
+        <mc:Fallback xmlns="">
+          <p:sp>
+            <p:nvSpPr>
+              <p:cNvPr id="29" name="ZoneTexte 28"/>
+              <p:cNvSpPr txBox="1">
+                <a:spLocks noRot="1" noChangeAspect="1" noMove="1" noResize="1" noEditPoints="1" noAdjustHandles="1" noChangeArrowheads="1" noChangeShapeType="1" noTextEdit="1"/>
+              </p:cNvSpPr>
+              <p:nvPr/>
+            </p:nvSpPr>
+            <p:spPr>
+              <a:xfrm>
+                <a:off x="6201569" y="3429000"/>
+                <a:ext cx="332655" cy="261610"/>
+              </a:xfrm>
+              <a:prstGeom prst="rect">
+                <a:avLst/>
+              </a:prstGeom>
+              <a:blipFill rotWithShape="1">
+                <a:blip r:embed="rId6"/>
+                <a:stretch>
+                  <a:fillRect/>
+                </a:stretch>
+              </a:blipFill>
+            </p:spPr>
+            <p:txBody>
+              <a:bodyPr/>
+              <a:lstStyle/>
+              <a:p>
+                <a:r>
+                  <a:rPr lang="fr-FR">
+                    <a:noFill/>
+                  </a:rPr>
+                  <a:t> </a:t>
+                </a:r>
+              </a:p>
+            </p:txBody>
+          </p:sp>
+        </mc:Fallback>
+      </mc:AlternateContent>
+    </p:spTree>
+    <p:extLst>
+      <p:ext uri="{BB962C8B-B14F-4D97-AF65-F5344CB8AC3E}">
+        <p14:creationId xmlns:p14="http://schemas.microsoft.com/office/powerpoint/2010/main" val="2455271169"/>
+      </p:ext>
+    </p:extLst>
+  </p:cSld>
+  <p:clrMapOvr>
+    <a:masterClrMapping/>
+  </p:clrMapOvr>
+</p:sld>
+</file>
+
+<file path=ppt/slides/slide4.xml><?xml version="1.0" encoding="utf-8"?>
+<p:sld xmlns:a="http://schemas.openxmlformats.org/drawingml/2006/main" xmlns:r="http://schemas.openxmlformats.org/officeDocument/2006/relationships" xmlns:p="http://schemas.openxmlformats.org/presentationml/2006/main">
+  <p:cSld>
+    <p:spTree>
+      <p:nvGrpSpPr>
+        <p:cNvPr id="1" name=""/>
+        <p:cNvGrpSpPr/>
+        <p:nvPr/>
+      </p:nvGrpSpPr>
+      <p:grpSpPr>
+        <a:xfrm>
+          <a:off x="0" y="0"/>
+          <a:ext cx="0" cy="0"/>
+          <a:chOff x="0" y="0"/>
+          <a:chExt cx="0" cy="0"/>
+        </a:xfrm>
+      </p:grpSpPr>
+      <mc:AlternateContent xmlns:mc="http://schemas.openxmlformats.org/markup-compatibility/2006" xmlns:a14="http://schemas.microsoft.com/office/drawing/2010/main">
+        <mc:Choice Requires="a14">
           <p:graphicFrame>
             <p:nvGraphicFramePr>
               <p:cNvPr id="4" name="Tableau 3"/>
@@ -18308,6 +19721,7 @@
                         <a:bodyPr/>
                         <a:lstStyle/>
                         <a:p>
+                          <a:pPr/>
                           <a14:m>
                             <m:oMathPara xmlns:m="http://schemas.openxmlformats.org/officeDocument/2006/math">
                               <m:oMathParaPr>
@@ -18421,6 +19835,7 @@
                         <a:bodyPr/>
                         <a:lstStyle/>
                         <a:p>
+                          <a:pPr/>
                           <a14:m>
                             <m:oMathPara xmlns:m="http://schemas.openxmlformats.org/officeDocument/2006/math">
                               <m:oMathParaPr>
@@ -18536,6 +19951,7 @@
                         <a:bodyPr/>
                         <a:lstStyle/>
                         <a:p>
+                          <a:pPr/>
                           <a14:m>
                             <m:oMathPara xmlns:m="http://schemas.openxmlformats.org/officeDocument/2006/math">
                               <m:oMathParaPr>
@@ -18658,6 +20074,7 @@
                         <a:bodyPr/>
                         <a:lstStyle/>
                         <a:p>
+                          <a:pPr/>
                           <a14:m>
                             <m:oMathPara xmlns:m="http://schemas.openxmlformats.org/officeDocument/2006/math">
                               <m:oMathParaPr>
@@ -18771,6 +20188,7 @@
                         <a:bodyPr/>
                         <a:lstStyle/>
                         <a:p>
+                          <a:pPr/>
                           <a14:m>
                             <m:oMathPara xmlns:m="http://schemas.openxmlformats.org/officeDocument/2006/math">
                               <m:oMathParaPr>
@@ -18894,6 +20312,7 @@
                         <a:bodyPr/>
                         <a:lstStyle/>
                         <a:p>
+                          <a:pPr/>
                           <a14:m>
                             <m:oMathPara xmlns:m="http://schemas.openxmlformats.org/officeDocument/2006/math">
                               <m:oMathParaPr>
@@ -19009,6 +20428,7 @@
                         <a:bodyPr/>
                         <a:lstStyle/>
                         <a:p>
+                          <a:pPr/>
                           <a14:m>
                             <m:oMathPara xmlns:m="http://schemas.openxmlformats.org/officeDocument/2006/math">
                               <m:oMathParaPr>
@@ -19246,6 +20666,7 @@
                         <a:bodyPr/>
                         <a:lstStyle/>
                         <a:p>
+                          <a:pPr/>
                           <a14:m>
                             <m:oMathPara xmlns:m="http://schemas.openxmlformats.org/officeDocument/2006/math">
                               <m:oMathParaPr>
@@ -19359,6 +20780,7 @@
                         <a:bodyPr/>
                         <a:lstStyle/>
                         <a:p>
+                          <a:pPr/>
                           <a14:m>
                             <m:oMathPara xmlns:m="http://schemas.openxmlformats.org/officeDocument/2006/math">
                               <m:oMathParaPr>
@@ -19482,6 +20904,7 @@
                         <a:bodyPr/>
                         <a:lstStyle/>
                         <a:p>
+                          <a:pPr/>
                           <a14:m>
                             <m:oMathPara xmlns:m="http://schemas.openxmlformats.org/officeDocument/2006/math">
                               <m:oMathParaPr>
@@ -19597,6 +21020,7 @@
                         <a:bodyPr/>
                         <a:lstStyle/>
                         <a:p>
+                          <a:pPr/>
                           <a14:m>
                             <m:oMathPara xmlns:m="http://schemas.openxmlformats.org/officeDocument/2006/math">
                               <m:oMathParaPr>
@@ -19870,6 +21294,7 @@
                         <a:bodyPr/>
                         <a:lstStyle/>
                         <a:p>
+                          <a:pPr/>
                           <a14:m>
                             <m:oMathPara xmlns:m="http://schemas.openxmlformats.org/officeDocument/2006/math">
                               <m:oMathParaPr>
@@ -19983,6 +21408,7 @@
                         <a:bodyPr/>
                         <a:lstStyle/>
                         <a:p>
+                          <a:pPr/>
                           <a14:m>
                             <m:oMathPara xmlns:m="http://schemas.openxmlformats.org/officeDocument/2006/math">
                               <m:oMathParaPr>
@@ -20106,6 +21532,7 @@
                         <a:bodyPr/>
                         <a:lstStyle/>
                         <a:p>
+                          <a:pPr/>
                           <a14:m>
                             <m:oMathPara xmlns:m="http://schemas.openxmlformats.org/officeDocument/2006/math">
                               <m:oMathParaPr>
@@ -20221,6 +21648,7 @@
                         <a:bodyPr/>
                         <a:lstStyle/>
                         <a:p>
+                          <a:pPr/>
                           <a14:m>
                             <m:oMathPara xmlns:m="http://schemas.openxmlformats.org/officeDocument/2006/math">
                               <m:oMathParaPr>
@@ -20398,6 +21826,7 @@
                         <a:bodyPr/>
                         <a:lstStyle/>
                         <a:p>
+                          <a:pPr/>
                           <a14:m>
                             <m:oMathPara xmlns:m="http://schemas.openxmlformats.org/officeDocument/2006/math">
                               <m:oMathParaPr>
@@ -20511,6 +21940,7 @@
                         <a:bodyPr/>
                         <a:lstStyle/>
                         <a:p>
+                          <a:pPr/>
                           <a14:m>
                             <m:oMathPara xmlns:m="http://schemas.openxmlformats.org/officeDocument/2006/math">
                               <m:oMathParaPr>
@@ -20634,6 +22064,7 @@
                         <a:bodyPr/>
                         <a:lstStyle/>
                         <a:p>
+                          <a:pPr/>
                           <a14:m>
                             <m:oMathPara xmlns:m="http://schemas.openxmlformats.org/officeDocument/2006/math">
                               <m:oMathParaPr>
@@ -20749,6 +22180,7 @@
                         <a:bodyPr/>
                         <a:lstStyle/>
                         <a:p>
+                          <a:pPr/>
                           <a14:m>
                             <m:oMathPara xmlns:m="http://schemas.openxmlformats.org/officeDocument/2006/math">
                               <m:oMathParaPr>
@@ -20894,6 +22326,7 @@
                         <a:bodyPr/>
                         <a:lstStyle/>
                         <a:p>
+                          <a:pPr/>
                           <a14:m>
                             <m:oMathPara xmlns:m="http://schemas.openxmlformats.org/officeDocument/2006/math">
                               <m:oMathParaPr>
@@ -20966,6 +22399,7 @@
                         <a:bodyPr/>
                         <a:lstStyle/>
                         <a:p>
+                          <a:pPr/>
                           <a14:m>
                             <m:oMathPara xmlns:m="http://schemas.openxmlformats.org/officeDocument/2006/math">
                               <m:oMathParaPr>
@@ -21048,6 +22482,7 @@
                         <a:bodyPr/>
                         <a:lstStyle/>
                         <a:p>
+                          <a:pPr/>
                           <a14:m>
                             <m:oMathPara xmlns:m="http://schemas.openxmlformats.org/officeDocument/2006/math">
                               <m:oMathParaPr>
@@ -21121,7 +22556,7 @@
             </a:graphic>
           </p:graphicFrame>
         </mc:Choice>
-        <mc:Fallback>
+        <mc:Fallback xmlns="">
           <p:graphicFrame>
             <p:nvGraphicFramePr>
               <p:cNvPr id="4" name="Tableau 3"/>
@@ -22486,7 +23921,7 @@
 </p:sld>
 </file>
 
-<file path=ppt/slides/slide3.xml><?xml version="1.0" encoding="utf-8"?>
+<file path=ppt/slides/slide5.xml><?xml version="1.0" encoding="utf-8"?>
 <p:sld xmlns:a="http://schemas.openxmlformats.org/drawingml/2006/main" xmlns:r="http://schemas.openxmlformats.org/officeDocument/2006/relationships" xmlns:p="http://schemas.openxmlformats.org/presentationml/2006/main">
   <p:cSld>
     <p:spTree>
@@ -22567,8 +24002,8 @@
           </a:extLst>
         </p:spPr>
       </p:pic>
-      <mc:AlternateContent xmlns:mc="http://schemas.openxmlformats.org/markup-compatibility/2006">
-        <mc:Choice xmlns:a14="http://schemas.microsoft.com/office/drawing/2010/main" Requires="a14">
+      <mc:AlternateContent xmlns:mc="http://schemas.openxmlformats.org/markup-compatibility/2006" xmlns:a14="http://schemas.microsoft.com/office/drawing/2010/main">
+        <mc:Choice Requires="a14">
           <p:sp>
             <p:nvSpPr>
               <p:cNvPr id="13" name="Rectangle 12"/>
@@ -22643,7 +24078,7 @@
             </p:txBody>
           </p:sp>
         </mc:Choice>
-        <mc:Fallback>
+        <mc:Fallback xmlns="">
           <p:sp>
             <p:nvSpPr>
               <p:cNvPr id="13" name="Rectangle 12"/>
@@ -22682,8 +24117,8 @@
           </p:sp>
         </mc:Fallback>
       </mc:AlternateContent>
-      <mc:AlternateContent xmlns:mc="http://schemas.openxmlformats.org/markup-compatibility/2006">
-        <mc:Choice xmlns:a14="http://schemas.microsoft.com/office/drawing/2010/main" Requires="a14">
+      <mc:AlternateContent xmlns:mc="http://schemas.openxmlformats.org/markup-compatibility/2006" xmlns:a14="http://schemas.microsoft.com/office/drawing/2010/main">
+        <mc:Choice Requires="a14">
           <p:sp>
             <p:nvSpPr>
               <p:cNvPr id="15" name="Rectangle 14"/>
@@ -22758,7 +24193,7 @@
             </p:txBody>
           </p:sp>
         </mc:Choice>
-        <mc:Fallback>
+        <mc:Fallback xmlns="">
           <p:sp>
             <p:nvSpPr>
               <p:cNvPr id="15" name="Rectangle 14"/>
@@ -23063,8 +24498,8 @@
           </a:fontRef>
         </p:style>
       </p:cxnSp>
-      <mc:AlternateContent xmlns:mc="http://schemas.openxmlformats.org/markup-compatibility/2006">
-        <mc:Choice xmlns:a14="http://schemas.microsoft.com/office/drawing/2010/main" Requires="a14">
+      <mc:AlternateContent xmlns:mc="http://schemas.openxmlformats.org/markup-compatibility/2006" xmlns:a14="http://schemas.microsoft.com/office/drawing/2010/main">
+        <mc:Choice Requires="a14">
           <p:sp>
             <p:nvSpPr>
               <p:cNvPr id="31" name="Rectangle 30"/>
@@ -23107,7 +24542,7 @@
             </p:txBody>
           </p:sp>
         </mc:Choice>
-        <mc:Fallback>
+        <mc:Fallback xmlns="">
           <p:sp>
             <p:nvSpPr>
               <p:cNvPr id="31" name="Rectangle 30"/>
@@ -23146,8 +24581,8 @@
           </p:sp>
         </mc:Fallback>
       </mc:AlternateContent>
-      <mc:AlternateContent xmlns:mc="http://schemas.openxmlformats.org/markup-compatibility/2006">
-        <mc:Choice xmlns:a14="http://schemas.microsoft.com/office/drawing/2010/main" Requires="a14">
+      <mc:AlternateContent xmlns:mc="http://schemas.openxmlformats.org/markup-compatibility/2006" xmlns:a14="http://schemas.microsoft.com/office/drawing/2010/main">
+        <mc:Choice Requires="a14">
           <p:sp>
             <p:nvSpPr>
               <p:cNvPr id="32" name="Rectangle 31"/>
@@ -23190,7 +24625,7 @@
             </p:txBody>
           </p:sp>
         </mc:Choice>
-        <mc:Fallback>
+        <mc:Fallback xmlns="">
           <p:sp>
             <p:nvSpPr>
               <p:cNvPr id="32" name="Rectangle 31"/>
@@ -23229,8 +24664,8 @@
           </p:sp>
         </mc:Fallback>
       </mc:AlternateContent>
-      <mc:AlternateContent xmlns:mc="http://schemas.openxmlformats.org/markup-compatibility/2006">
-        <mc:Choice xmlns:a14="http://schemas.microsoft.com/office/drawing/2010/main" Requires="a14">
+      <mc:AlternateContent xmlns:mc="http://schemas.openxmlformats.org/markup-compatibility/2006" xmlns:a14="http://schemas.microsoft.com/office/drawing/2010/main">
+        <mc:Choice Requires="a14">
           <p:sp>
             <p:nvSpPr>
               <p:cNvPr id="33" name="Rectangle 32"/>
@@ -23273,7 +24708,7 @@
             </p:txBody>
           </p:sp>
         </mc:Choice>
-        <mc:Fallback>
+        <mc:Fallback xmlns="">
           <p:sp>
             <p:nvSpPr>
               <p:cNvPr id="33" name="Rectangle 32"/>
@@ -23401,7 +24836,7 @@
 </p:sld>
 </file>
 
-<file path=ppt/slides/slide4.xml><?xml version="1.0" encoding="utf-8"?>
+<file path=ppt/slides/slide6.xml><?xml version="1.0" encoding="utf-8"?>
 <p:sld xmlns:a="http://schemas.openxmlformats.org/drawingml/2006/main" xmlns:r="http://schemas.openxmlformats.org/officeDocument/2006/relationships" xmlns:p="http://schemas.openxmlformats.org/presentationml/2006/main">
   <p:cSld>
     <p:spTree>
@@ -26097,7 +27532,7 @@
 </p:sld>
 </file>
 
-<file path=ppt/slides/slide5.xml><?xml version="1.0" encoding="utf-8"?>
+<file path=ppt/slides/slide7.xml><?xml version="1.0" encoding="utf-8"?>
 <p:sld xmlns:a="http://schemas.openxmlformats.org/drawingml/2006/main" xmlns:r="http://schemas.openxmlformats.org/officeDocument/2006/relationships" xmlns:p="http://schemas.openxmlformats.org/presentationml/2006/main">
   <p:cSld>
     <p:spTree>
@@ -27886,7 +29321,7 @@
 </p:sld>
 </file>
 
-<file path=ppt/slides/slide6.xml><?xml version="1.0" encoding="utf-8"?>
+<file path=ppt/slides/slide8.xml><?xml version="1.0" encoding="utf-8"?>
 <p:sld xmlns:a="http://schemas.openxmlformats.org/drawingml/2006/main" xmlns:r="http://schemas.openxmlformats.org/officeDocument/2006/relationships" xmlns:p="http://schemas.openxmlformats.org/presentationml/2006/main">
   <p:cSld>
     <p:spTree>
@@ -30152,7 +31587,7 @@
 </p:sld>
 </file>
 
-<file path=ppt/slides/slide7.xml><?xml version="1.0" encoding="utf-8"?>
+<file path=ppt/slides/slide9.xml><?xml version="1.0" encoding="utf-8"?>
 <p:sld xmlns:a="http://schemas.openxmlformats.org/drawingml/2006/main" xmlns:r="http://schemas.openxmlformats.org/officeDocument/2006/relationships" xmlns:p="http://schemas.openxmlformats.org/presentationml/2006/main">
   <p:cSld>
     <p:spTree>
@@ -31311,502 +32746,6 @@
 </p:sld>
 </file>
 
-<file path=ppt/slides/slide8.xml><?xml version="1.0" encoding="utf-8"?>
-<p:sld xmlns:a="http://schemas.openxmlformats.org/drawingml/2006/main" xmlns:r="http://schemas.openxmlformats.org/officeDocument/2006/relationships" xmlns:p="http://schemas.openxmlformats.org/presentationml/2006/main">
-  <p:cSld>
-    <p:spTree>
-      <p:nvGrpSpPr>
-        <p:cNvPr id="1" name=""/>
-        <p:cNvGrpSpPr/>
-        <p:nvPr/>
-      </p:nvGrpSpPr>
-      <p:grpSpPr>
-        <a:xfrm>
-          <a:off x="0" y="0"/>
-          <a:ext cx="0" cy="0"/>
-          <a:chOff x="0" y="0"/>
-          <a:chExt cx="0" cy="0"/>
-        </a:xfrm>
-      </p:grpSpPr>
-      <p:pic>
-        <p:nvPicPr>
-          <p:cNvPr id="1026" name="Picture 2"/>
-          <p:cNvPicPr>
-            <a:picLocks noChangeAspect="1" noChangeArrowheads="1"/>
-          </p:cNvPicPr>
-          <p:nvPr/>
-        </p:nvPicPr>
-        <p:blipFill rotWithShape="1">
-          <a:blip r:embed="rId2">
-            <a:extLst>
-              <a:ext uri="{28A0092B-C50C-407E-A947-70E740481C1C}">
-                <a14:useLocalDpi xmlns:a14="http://schemas.microsoft.com/office/drawing/2010/main" val="0"/>
-              </a:ext>
-            </a:extLst>
-          </a:blip>
-          <a:srcRect r="13362"/>
-          <a:stretch/>
-        </p:blipFill>
-        <p:spPr bwMode="auto">
-          <a:xfrm>
-            <a:off x="850357" y="548680"/>
-            <a:ext cx="2929555" cy="3295650"/>
-          </a:xfrm>
-          <a:prstGeom prst="rect">
-            <a:avLst/>
-          </a:prstGeom>
-          <a:noFill/>
-          <a:ln>
-            <a:noFill/>
-          </a:ln>
-          <a:extLst>
-            <a:ext uri="{909E8E84-426E-40DD-AFC4-6F175D3DCCD1}">
-              <a14:hiddenFill xmlns:a14="http://schemas.microsoft.com/office/drawing/2010/main">
-                <a:solidFill>
-                  <a:schemeClr val="accent1"/>
-                </a:solidFill>
-              </a14:hiddenFill>
-            </a:ext>
-            <a:ext uri="{91240B29-F687-4F45-9708-019B960494DF}">
-              <a14:hiddenLine xmlns:a14="http://schemas.microsoft.com/office/drawing/2010/main" w="9525">
-                <a:solidFill>
-                  <a:schemeClr val="tx1"/>
-                </a:solidFill>
-                <a:miter lim="800000"/>
-                <a:headEnd/>
-                <a:tailEnd/>
-              </a14:hiddenLine>
-            </a:ext>
-          </a:extLst>
-        </p:spPr>
-      </p:pic>
-      <p:pic>
-        <p:nvPicPr>
-          <p:cNvPr id="1027" name="Picture 3"/>
-          <p:cNvPicPr>
-            <a:picLocks noChangeAspect="1" noChangeArrowheads="1"/>
-          </p:cNvPicPr>
-          <p:nvPr/>
-        </p:nvPicPr>
-        <p:blipFill>
-          <a:blip r:embed="rId3">
-            <a:extLst>
-              <a:ext uri="{28A0092B-C50C-407E-A947-70E740481C1C}">
-                <a14:useLocalDpi xmlns:a14="http://schemas.microsoft.com/office/drawing/2010/main" val="0"/>
-              </a:ext>
-            </a:extLst>
-          </a:blip>
-          <a:srcRect/>
-          <a:stretch>
-            <a:fillRect/>
-          </a:stretch>
-        </p:blipFill>
-        <p:spPr bwMode="auto">
-          <a:xfrm>
-            <a:off x="3777727" y="548680"/>
-            <a:ext cx="3743325" cy="1804691"/>
-          </a:xfrm>
-          <a:prstGeom prst="rect">
-            <a:avLst/>
-          </a:prstGeom>
-          <a:noFill/>
-          <a:ln>
-            <a:noFill/>
-          </a:ln>
-          <a:effectLst/>
-          <a:extLst>
-            <a:ext uri="{909E8E84-426E-40DD-AFC4-6F175D3DCCD1}">
-              <a14:hiddenFill xmlns:a14="http://schemas.microsoft.com/office/drawing/2010/main">
-                <a:solidFill>
-                  <a:schemeClr val="accent1"/>
-                </a:solidFill>
-              </a14:hiddenFill>
-            </a:ext>
-            <a:ext uri="{91240B29-F687-4F45-9708-019B960494DF}">
-              <a14:hiddenLine xmlns:a14="http://schemas.microsoft.com/office/drawing/2010/main" w="9525">
-                <a:solidFill>
-                  <a:schemeClr val="tx1"/>
-                </a:solidFill>
-                <a:miter lim="800000"/>
-                <a:headEnd/>
-                <a:tailEnd/>
-              </a14:hiddenLine>
-            </a:ext>
-            <a:ext uri="{AF507438-7753-43E0-B8FC-AC1667EBCBE1}">
-              <a14:hiddenEffects xmlns:a14="http://schemas.microsoft.com/office/drawing/2010/main">
-                <a:effectLst>
-                  <a:outerShdw dist="35921" dir="2700000" algn="ctr" rotWithShape="0">
-                    <a:schemeClr val="bg2"/>
-                  </a:outerShdw>
-                </a:effectLst>
-              </a14:hiddenEffects>
-            </a:ext>
-          </a:extLst>
-        </p:spPr>
-      </p:pic>
-      <p:pic>
-        <p:nvPicPr>
-          <p:cNvPr id="1028" name="Picture 4"/>
-          <p:cNvPicPr>
-            <a:picLocks noChangeAspect="1" noChangeArrowheads="1"/>
-          </p:cNvPicPr>
-          <p:nvPr/>
-        </p:nvPicPr>
-        <p:blipFill>
-          <a:blip r:embed="rId4">
-            <a:extLst>
-              <a:ext uri="{28A0092B-C50C-407E-A947-70E740481C1C}">
-                <a14:useLocalDpi xmlns:a14="http://schemas.microsoft.com/office/drawing/2010/main" val="0"/>
-              </a:ext>
-            </a:extLst>
-          </a:blip>
-          <a:srcRect/>
-          <a:stretch>
-            <a:fillRect/>
-          </a:stretch>
-        </p:blipFill>
-        <p:spPr bwMode="auto">
-          <a:xfrm>
-            <a:off x="3777727" y="2758480"/>
-            <a:ext cx="1809750" cy="1085850"/>
-          </a:xfrm>
-          <a:prstGeom prst="rect">
-            <a:avLst/>
-          </a:prstGeom>
-          <a:noFill/>
-          <a:ln>
-            <a:noFill/>
-          </a:ln>
-          <a:effectLst/>
-          <a:extLst>
-            <a:ext uri="{909E8E84-426E-40DD-AFC4-6F175D3DCCD1}">
-              <a14:hiddenFill xmlns:a14="http://schemas.microsoft.com/office/drawing/2010/main">
-                <a:solidFill>
-                  <a:schemeClr val="accent1"/>
-                </a:solidFill>
-              </a14:hiddenFill>
-            </a:ext>
-            <a:ext uri="{91240B29-F687-4F45-9708-019B960494DF}">
-              <a14:hiddenLine xmlns:a14="http://schemas.microsoft.com/office/drawing/2010/main" w="9525">
-                <a:solidFill>
-                  <a:schemeClr val="tx1"/>
-                </a:solidFill>
-                <a:miter lim="800000"/>
-                <a:headEnd/>
-                <a:tailEnd/>
-              </a14:hiddenLine>
-            </a:ext>
-            <a:ext uri="{AF507438-7753-43E0-B8FC-AC1667EBCBE1}">
-              <a14:hiddenEffects xmlns:a14="http://schemas.microsoft.com/office/drawing/2010/main">
-                <a:effectLst>
-                  <a:outerShdw dist="35921" dir="2700000" algn="ctr" rotWithShape="0">
-                    <a:schemeClr val="bg2"/>
-                  </a:outerShdw>
-                </a:effectLst>
-              </a14:hiddenEffects>
-            </a:ext>
-          </a:extLst>
-        </p:spPr>
-      </p:pic>
-      <p:pic>
-        <p:nvPicPr>
-          <p:cNvPr id="1029" name="Picture 5"/>
-          <p:cNvPicPr>
-            <a:picLocks noChangeAspect="1" noChangeArrowheads="1"/>
-          </p:cNvPicPr>
-          <p:nvPr/>
-        </p:nvPicPr>
-        <p:blipFill>
-          <a:blip r:embed="rId5">
-            <a:extLst>
-              <a:ext uri="{28A0092B-C50C-407E-A947-70E740481C1C}">
-                <a14:useLocalDpi xmlns:a14="http://schemas.microsoft.com/office/drawing/2010/main" val="0"/>
-              </a:ext>
-            </a:extLst>
-          </a:blip>
-          <a:srcRect/>
-          <a:stretch>
-            <a:fillRect/>
-          </a:stretch>
-        </p:blipFill>
-        <p:spPr bwMode="auto">
-          <a:xfrm>
-            <a:off x="5587477" y="2758480"/>
-            <a:ext cx="1933575" cy="1085850"/>
-          </a:xfrm>
-          <a:prstGeom prst="rect">
-            <a:avLst/>
-          </a:prstGeom>
-          <a:noFill/>
-          <a:ln>
-            <a:noFill/>
-          </a:ln>
-          <a:effectLst/>
-          <a:extLst>
-            <a:ext uri="{909E8E84-426E-40DD-AFC4-6F175D3DCCD1}">
-              <a14:hiddenFill xmlns:a14="http://schemas.microsoft.com/office/drawing/2010/main">
-                <a:solidFill>
-                  <a:schemeClr val="accent1"/>
-                </a:solidFill>
-              </a14:hiddenFill>
-            </a:ext>
-            <a:ext uri="{91240B29-F687-4F45-9708-019B960494DF}">
-              <a14:hiddenLine xmlns:a14="http://schemas.microsoft.com/office/drawing/2010/main" w="9525">
-                <a:solidFill>
-                  <a:schemeClr val="tx1"/>
-                </a:solidFill>
-                <a:miter lim="800000"/>
-                <a:headEnd/>
-                <a:tailEnd/>
-              </a14:hiddenLine>
-            </a:ext>
-            <a:ext uri="{AF507438-7753-43E0-B8FC-AC1667EBCBE1}">
-              <a14:hiddenEffects xmlns:a14="http://schemas.microsoft.com/office/drawing/2010/main">
-                <a:effectLst>
-                  <a:outerShdw dist="35921" dir="2700000" algn="ctr" rotWithShape="0">
-                    <a:schemeClr val="bg2"/>
-                  </a:outerShdw>
-                </a:effectLst>
-              </a14:hiddenEffects>
-            </a:ext>
-          </a:extLst>
-        </p:spPr>
-      </p:pic>
-    </p:spTree>
-    <p:extLst>
-      <p:ext uri="{BB962C8B-B14F-4D97-AF65-F5344CB8AC3E}">
-        <p14:creationId xmlns:p14="http://schemas.microsoft.com/office/powerpoint/2010/main" val="1241148410"/>
-      </p:ext>
-    </p:extLst>
-  </p:cSld>
-  <p:clrMapOvr>
-    <a:masterClrMapping/>
-  </p:clrMapOvr>
-</p:sld>
-</file>
-
-<file path=ppt/slides/slide9.xml><?xml version="1.0" encoding="utf-8"?>
-<p:sld xmlns:a="http://schemas.openxmlformats.org/drawingml/2006/main" xmlns:r="http://schemas.openxmlformats.org/officeDocument/2006/relationships" xmlns:p="http://schemas.openxmlformats.org/presentationml/2006/main">
-  <p:cSld>
-    <p:spTree>
-      <p:nvGrpSpPr>
-        <p:cNvPr id="1" name=""/>
-        <p:cNvGrpSpPr/>
-        <p:nvPr/>
-      </p:nvGrpSpPr>
-      <p:grpSpPr>
-        <a:xfrm>
-          <a:off x="0" y="0"/>
-          <a:ext cx="0" cy="0"/>
-          <a:chOff x="0" y="0"/>
-          <a:chExt cx="0" cy="0"/>
-        </a:xfrm>
-      </p:grpSpPr>
-      <p:pic>
-        <p:nvPicPr>
-          <p:cNvPr id="1027" name="Picture 3"/>
-          <p:cNvPicPr>
-            <a:picLocks noChangeAspect="1" noChangeArrowheads="1"/>
-          </p:cNvPicPr>
-          <p:nvPr/>
-        </p:nvPicPr>
-        <p:blipFill>
-          <a:blip r:embed="rId2">
-            <a:extLst>
-              <a:ext uri="{28A0092B-C50C-407E-A947-70E740481C1C}">
-                <a14:useLocalDpi xmlns:a14="http://schemas.microsoft.com/office/drawing/2010/main" val="0"/>
-              </a:ext>
-            </a:extLst>
-          </a:blip>
-          <a:srcRect/>
-          <a:stretch>
-            <a:fillRect/>
-          </a:stretch>
-        </p:blipFill>
-        <p:spPr bwMode="auto">
-          <a:xfrm>
-            <a:off x="3777727" y="548680"/>
-            <a:ext cx="3743325" cy="1804691"/>
-          </a:xfrm>
-          <a:prstGeom prst="rect">
-            <a:avLst/>
-          </a:prstGeom>
-          <a:noFill/>
-          <a:ln>
-            <a:noFill/>
-          </a:ln>
-          <a:effectLst/>
-          <a:extLst>
-            <a:ext uri="{909E8E84-426E-40DD-AFC4-6F175D3DCCD1}">
-              <a14:hiddenFill xmlns:a14="http://schemas.microsoft.com/office/drawing/2010/main">
-                <a:solidFill>
-                  <a:schemeClr val="accent1"/>
-                </a:solidFill>
-              </a14:hiddenFill>
-            </a:ext>
-            <a:ext uri="{91240B29-F687-4F45-9708-019B960494DF}">
-              <a14:hiddenLine xmlns:a14="http://schemas.microsoft.com/office/drawing/2010/main" w="9525">
-                <a:solidFill>
-                  <a:schemeClr val="tx1"/>
-                </a:solidFill>
-                <a:miter lim="800000"/>
-                <a:headEnd/>
-                <a:tailEnd/>
-              </a14:hiddenLine>
-            </a:ext>
-            <a:ext uri="{AF507438-7753-43E0-B8FC-AC1667EBCBE1}">
-              <a14:hiddenEffects xmlns:a14="http://schemas.microsoft.com/office/drawing/2010/main">
-                <a:effectLst>
-                  <a:outerShdw dist="35921" dir="2700000" algn="ctr" rotWithShape="0">
-                    <a:schemeClr val="bg2"/>
-                  </a:outerShdw>
-                </a:effectLst>
-              </a14:hiddenEffects>
-            </a:ext>
-          </a:extLst>
-        </p:spPr>
-      </p:pic>
-      <p:pic>
-        <p:nvPicPr>
-          <p:cNvPr id="1028" name="Picture 4"/>
-          <p:cNvPicPr>
-            <a:picLocks noChangeAspect="1" noChangeArrowheads="1"/>
-          </p:cNvPicPr>
-          <p:nvPr/>
-        </p:nvPicPr>
-        <p:blipFill>
-          <a:blip r:embed="rId3">
-            <a:extLst>
-              <a:ext uri="{28A0092B-C50C-407E-A947-70E740481C1C}">
-                <a14:useLocalDpi xmlns:a14="http://schemas.microsoft.com/office/drawing/2010/main" val="0"/>
-              </a:ext>
-            </a:extLst>
-          </a:blip>
-          <a:srcRect/>
-          <a:stretch>
-            <a:fillRect/>
-          </a:stretch>
-        </p:blipFill>
-        <p:spPr bwMode="auto">
-          <a:xfrm>
-            <a:off x="3897740" y="2348880"/>
-            <a:ext cx="1569724" cy="941834"/>
-          </a:xfrm>
-          <a:prstGeom prst="rect">
-            <a:avLst/>
-          </a:prstGeom>
-          <a:noFill/>
-          <a:ln>
-            <a:noFill/>
-          </a:ln>
-          <a:effectLst/>
-          <a:extLst>
-            <a:ext uri="{909E8E84-426E-40DD-AFC4-6F175D3DCCD1}">
-              <a14:hiddenFill xmlns:a14="http://schemas.microsoft.com/office/drawing/2010/main">
-                <a:solidFill>
-                  <a:schemeClr val="accent1"/>
-                </a:solidFill>
-              </a14:hiddenFill>
-            </a:ext>
-            <a:ext uri="{91240B29-F687-4F45-9708-019B960494DF}">
-              <a14:hiddenLine xmlns:a14="http://schemas.microsoft.com/office/drawing/2010/main" w="9525">
-                <a:solidFill>
-                  <a:schemeClr val="tx1"/>
-                </a:solidFill>
-                <a:miter lim="800000"/>
-                <a:headEnd/>
-                <a:tailEnd/>
-              </a14:hiddenLine>
-            </a:ext>
-            <a:ext uri="{AF507438-7753-43E0-B8FC-AC1667EBCBE1}">
-              <a14:hiddenEffects xmlns:a14="http://schemas.microsoft.com/office/drawing/2010/main">
-                <a:effectLst>
-                  <a:outerShdw dist="35921" dir="2700000" algn="ctr" rotWithShape="0">
-                    <a:schemeClr val="bg2"/>
-                  </a:outerShdw>
-                </a:effectLst>
-              </a14:hiddenEffects>
-            </a:ext>
-          </a:extLst>
-        </p:spPr>
-      </p:pic>
-      <p:pic>
-        <p:nvPicPr>
-          <p:cNvPr id="1029" name="Picture 5"/>
-          <p:cNvPicPr>
-            <a:picLocks noChangeAspect="1" noChangeArrowheads="1"/>
-          </p:cNvPicPr>
-          <p:nvPr/>
-        </p:nvPicPr>
-        <p:blipFill>
-          <a:blip r:embed="rId4">
-            <a:extLst>
-              <a:ext uri="{28A0092B-C50C-407E-A947-70E740481C1C}">
-                <a14:useLocalDpi xmlns:a14="http://schemas.microsoft.com/office/drawing/2010/main" val="0"/>
-              </a:ext>
-            </a:extLst>
-          </a:blip>
-          <a:srcRect/>
-          <a:stretch>
-            <a:fillRect/>
-          </a:stretch>
-        </p:blipFill>
-        <p:spPr bwMode="auto">
-          <a:xfrm>
-            <a:off x="5715703" y="2348880"/>
-            <a:ext cx="1677124" cy="941834"/>
-          </a:xfrm>
-          <a:prstGeom prst="rect">
-            <a:avLst/>
-          </a:prstGeom>
-          <a:noFill/>
-          <a:ln>
-            <a:noFill/>
-          </a:ln>
-          <a:effectLst/>
-          <a:extLst>
-            <a:ext uri="{909E8E84-426E-40DD-AFC4-6F175D3DCCD1}">
-              <a14:hiddenFill xmlns:a14="http://schemas.microsoft.com/office/drawing/2010/main">
-                <a:solidFill>
-                  <a:schemeClr val="accent1"/>
-                </a:solidFill>
-              </a14:hiddenFill>
-            </a:ext>
-            <a:ext uri="{91240B29-F687-4F45-9708-019B960494DF}">
-              <a14:hiddenLine xmlns:a14="http://schemas.microsoft.com/office/drawing/2010/main" w="9525">
-                <a:solidFill>
-                  <a:schemeClr val="tx1"/>
-                </a:solidFill>
-                <a:miter lim="800000"/>
-                <a:headEnd/>
-                <a:tailEnd/>
-              </a14:hiddenLine>
-            </a:ext>
-            <a:ext uri="{AF507438-7753-43E0-B8FC-AC1667EBCBE1}">
-              <a14:hiddenEffects xmlns:a14="http://schemas.microsoft.com/office/drawing/2010/main">
-                <a:effectLst>
-                  <a:outerShdw dist="35921" dir="2700000" algn="ctr" rotWithShape="0">
-                    <a:schemeClr val="bg2"/>
-                  </a:outerShdw>
-                </a:effectLst>
-              </a14:hiddenEffects>
-            </a:ext>
-          </a:extLst>
-        </p:spPr>
-      </p:pic>
-    </p:spTree>
-    <p:extLst>
-      <p:ext uri="{BB962C8B-B14F-4D97-AF65-F5344CB8AC3E}">
-        <p14:creationId xmlns:p14="http://schemas.microsoft.com/office/powerpoint/2010/main" val="3014449550"/>
-      </p:ext>
-    </p:extLst>
-  </p:cSld>
-  <p:clrMapOvr>
-    <a:masterClrMapping/>
-  </p:clrMapOvr>
-</p:sld>
-</file>
-
 <file path=ppt/theme/theme1.xml><?xml version="1.0" encoding="utf-8"?>
 <a:theme xmlns:a="http://schemas.openxmlformats.org/drawingml/2006/main" name="Thème Office">
   <a:themeElements>

--- a/Centrale_2018/images/Figures.pptx
+++ b/Centrale_2018/images/Figures.pptx
@@ -15347,8 +15347,8 @@
         </p:blipFill>
         <p:spPr bwMode="auto">
           <a:xfrm>
-            <a:off x="395536" y="476672"/>
-            <a:ext cx="8234328" cy="5832648"/>
+            <a:off x="-379071" y="-72008"/>
+            <a:ext cx="9783542" cy="6930008"/>
           </a:xfrm>
           <a:prstGeom prst="rect">
             <a:avLst/>

--- a/Centrale_2018/images/Figures.pptx
+++ b/Centrale_2018/images/Figures.pptx
@@ -308,7 +308,7 @@
           <a:p>
             <a:fld id="{AA309A6D-C09C-4548-B29A-6CF363A7E532}" type="datetimeFigureOut">
               <a:rPr lang="fr-FR" smtClean="0"/>
-              <a:t>02/05/2018</a:t>
+              <a:t>11/05/2018</a:t>
             </a:fld>
             <a:endParaRPr lang="fr-BE"/>
           </a:p>
@@ -473,7 +473,7 @@
           <a:p>
             <a:fld id="{AA309A6D-C09C-4548-B29A-6CF363A7E532}" type="datetimeFigureOut">
               <a:rPr lang="fr-FR" smtClean="0"/>
-              <a:t>02/05/2018</a:t>
+              <a:t>11/05/2018</a:t>
             </a:fld>
             <a:endParaRPr lang="fr-BE"/>
           </a:p>
@@ -648,7 +648,7 @@
           <a:p>
             <a:fld id="{AA309A6D-C09C-4548-B29A-6CF363A7E532}" type="datetimeFigureOut">
               <a:rPr lang="fr-FR" smtClean="0"/>
-              <a:t>02/05/2018</a:t>
+              <a:t>11/05/2018</a:t>
             </a:fld>
             <a:endParaRPr lang="fr-BE"/>
           </a:p>
@@ -813,7 +813,7 @@
           <a:p>
             <a:fld id="{AA309A6D-C09C-4548-B29A-6CF363A7E532}" type="datetimeFigureOut">
               <a:rPr lang="fr-FR" smtClean="0"/>
-              <a:t>02/05/2018</a:t>
+              <a:t>11/05/2018</a:t>
             </a:fld>
             <a:endParaRPr lang="fr-BE"/>
           </a:p>
@@ -1054,7 +1054,7 @@
           <a:p>
             <a:fld id="{AA309A6D-C09C-4548-B29A-6CF363A7E532}" type="datetimeFigureOut">
               <a:rPr lang="fr-FR" smtClean="0"/>
-              <a:t>02/05/2018</a:t>
+              <a:t>11/05/2018</a:t>
             </a:fld>
             <a:endParaRPr lang="fr-BE"/>
           </a:p>
@@ -1337,7 +1337,7 @@
           <a:p>
             <a:fld id="{AA309A6D-C09C-4548-B29A-6CF363A7E532}" type="datetimeFigureOut">
               <a:rPr lang="fr-FR" smtClean="0"/>
-              <a:t>02/05/2018</a:t>
+              <a:t>11/05/2018</a:t>
             </a:fld>
             <a:endParaRPr lang="fr-BE"/>
           </a:p>
@@ -1754,7 +1754,7 @@
           <a:p>
             <a:fld id="{AA309A6D-C09C-4548-B29A-6CF363A7E532}" type="datetimeFigureOut">
               <a:rPr lang="fr-FR" smtClean="0"/>
-              <a:t>02/05/2018</a:t>
+              <a:t>11/05/2018</a:t>
             </a:fld>
             <a:endParaRPr lang="fr-BE"/>
           </a:p>
@@ -1867,7 +1867,7 @@
           <a:p>
             <a:fld id="{AA309A6D-C09C-4548-B29A-6CF363A7E532}" type="datetimeFigureOut">
               <a:rPr lang="fr-FR" smtClean="0"/>
-              <a:t>02/05/2018</a:t>
+              <a:t>11/05/2018</a:t>
             </a:fld>
             <a:endParaRPr lang="fr-BE"/>
           </a:p>
@@ -1957,7 +1957,7 @@
           <a:p>
             <a:fld id="{AA309A6D-C09C-4548-B29A-6CF363A7E532}" type="datetimeFigureOut">
               <a:rPr lang="fr-FR" smtClean="0"/>
-              <a:t>02/05/2018</a:t>
+              <a:t>11/05/2018</a:t>
             </a:fld>
             <a:endParaRPr lang="fr-BE"/>
           </a:p>
@@ -2229,7 +2229,7 @@
           <a:p>
             <a:fld id="{AA309A6D-C09C-4548-B29A-6CF363A7E532}" type="datetimeFigureOut">
               <a:rPr lang="fr-FR" smtClean="0"/>
-              <a:t>02/05/2018</a:t>
+              <a:t>11/05/2018</a:t>
             </a:fld>
             <a:endParaRPr lang="fr-BE"/>
           </a:p>
@@ -2477,7 +2477,7 @@
           <a:p>
             <a:fld id="{AA309A6D-C09C-4548-B29A-6CF363A7E532}" type="datetimeFigureOut">
               <a:rPr lang="fr-FR" smtClean="0"/>
-              <a:t>02/05/2018</a:t>
+              <a:t>11/05/2018</a:t>
             </a:fld>
             <a:endParaRPr lang="fr-BE"/>
           </a:p>
@@ -2685,7 +2685,7 @@
           <a:p>
             <a:fld id="{AA309A6D-C09C-4548-B29A-6CF363A7E532}" type="datetimeFigureOut">
               <a:rPr lang="fr-FR" smtClean="0"/>
-              <a:t>02/05/2018</a:t>
+              <a:t>11/05/2018</a:t>
             </a:fld>
             <a:endParaRPr lang="fr-BE"/>
           </a:p>
@@ -3260,8 +3260,8 @@
           </a:fontRef>
         </p:style>
       </p:cxnSp>
-      <mc:AlternateContent xmlns:mc="http://schemas.openxmlformats.org/markup-compatibility/2006">
-        <mc:Choice xmlns:a14="http://schemas.microsoft.com/office/drawing/2010/main" Requires="a14">
+      <mc:AlternateContent xmlns:mc="http://schemas.openxmlformats.org/markup-compatibility/2006" xmlns:a14="http://schemas.microsoft.com/office/drawing/2010/main">
+        <mc:Choice Requires="a14">
           <p:sp>
             <p:nvSpPr>
               <p:cNvPr id="16" name="ZoneTexte 15"/>
@@ -3284,6 +3284,7 @@
               </a:bodyPr>
               <a:lstStyle/>
               <a:p>
+                <a:pPr/>
                 <a14:m>
                   <m:oMathPara xmlns:m="http://schemas.openxmlformats.org/officeDocument/2006/math">
                     <m:oMathParaPr>
@@ -3354,7 +3355,7 @@
             </p:txBody>
           </p:sp>
         </mc:Choice>
-        <mc:Fallback>
+        <mc:Fallback xmlns="">
           <p:sp>
             <p:nvSpPr>
               <p:cNvPr id="16" name="ZoneTexte 15"/>
@@ -3430,8 +3431,8 @@
           </a:fontRef>
         </p:style>
       </p:cxnSp>
-      <mc:AlternateContent xmlns:mc="http://schemas.openxmlformats.org/markup-compatibility/2006">
-        <mc:Choice xmlns:a14="http://schemas.microsoft.com/office/drawing/2010/main" Requires="a14">
+      <mc:AlternateContent xmlns:mc="http://schemas.openxmlformats.org/markup-compatibility/2006" xmlns:a14="http://schemas.microsoft.com/office/drawing/2010/main">
+        <mc:Choice Requires="a14">
           <p:sp>
             <p:nvSpPr>
               <p:cNvPr id="22" name="ZoneTexte 21"/>
@@ -3454,6 +3455,7 @@
               </a:bodyPr>
               <a:lstStyle/>
               <a:p>
+                <a:pPr/>
                 <a14:m>
                   <m:oMathPara xmlns:m="http://schemas.openxmlformats.org/officeDocument/2006/math">
                     <m:oMathParaPr>
@@ -3474,7 +3476,7 @@
             </p:txBody>
           </p:sp>
         </mc:Choice>
-        <mc:Fallback>
+        <mc:Fallback xmlns="">
           <p:sp>
             <p:nvSpPr>
               <p:cNvPr id="22" name="ZoneTexte 21"/>
@@ -3513,8 +3515,8 @@
           </p:sp>
         </mc:Fallback>
       </mc:AlternateContent>
-      <mc:AlternateContent xmlns:mc="http://schemas.openxmlformats.org/markup-compatibility/2006">
-        <mc:Choice xmlns:a14="http://schemas.microsoft.com/office/drawing/2010/main" Requires="a14">
+      <mc:AlternateContent xmlns:mc="http://schemas.openxmlformats.org/markup-compatibility/2006" xmlns:a14="http://schemas.microsoft.com/office/drawing/2010/main">
+        <mc:Choice Requires="a14">
           <p:sp>
             <p:nvSpPr>
               <p:cNvPr id="23" name="ZoneTexte 22"/>
@@ -3537,6 +3539,7 @@
               </a:bodyPr>
               <a:lstStyle/>
               <a:p>
+                <a:pPr/>
                 <a14:m>
                   <m:oMathPara xmlns:m="http://schemas.openxmlformats.org/officeDocument/2006/math">
                     <m:oMathParaPr>
@@ -3576,7 +3579,7 @@
             </p:txBody>
           </p:sp>
         </mc:Choice>
-        <mc:Fallback>
+        <mc:Fallback xmlns="">
           <p:sp>
             <p:nvSpPr>
               <p:cNvPr id="23" name="ZoneTexte 22"/>
@@ -3615,8 +3618,8 @@
           </p:sp>
         </mc:Fallback>
       </mc:AlternateContent>
-      <mc:AlternateContent xmlns:mc="http://schemas.openxmlformats.org/markup-compatibility/2006">
-        <mc:Choice xmlns:a14="http://schemas.microsoft.com/office/drawing/2010/main" Requires="a14">
+      <mc:AlternateContent xmlns:mc="http://schemas.openxmlformats.org/markup-compatibility/2006" xmlns:a14="http://schemas.microsoft.com/office/drawing/2010/main">
+        <mc:Choice Requires="a14">
           <p:sp>
             <p:nvSpPr>
               <p:cNvPr id="24" name="ZoneTexte 23"/>
@@ -3639,6 +3642,7 @@
               </a:bodyPr>
               <a:lstStyle/>
               <a:p>
+                <a:pPr/>
                 <a14:m>
                   <m:oMathPara xmlns:m="http://schemas.openxmlformats.org/officeDocument/2006/math">
                     <m:oMathParaPr>
@@ -3678,7 +3682,7 @@
             </p:txBody>
           </p:sp>
         </mc:Choice>
-        <mc:Fallback>
+        <mc:Fallback xmlns="">
           <p:sp>
             <p:nvSpPr>
               <p:cNvPr id="24" name="ZoneTexte 23"/>
@@ -3717,8 +3721,8 @@
           </p:sp>
         </mc:Fallback>
       </mc:AlternateContent>
-      <mc:AlternateContent xmlns:mc="http://schemas.openxmlformats.org/markup-compatibility/2006">
-        <mc:Choice xmlns:a14="http://schemas.microsoft.com/office/drawing/2010/main" Requires="a14">
+      <mc:AlternateContent xmlns:mc="http://schemas.openxmlformats.org/markup-compatibility/2006" xmlns:a14="http://schemas.microsoft.com/office/drawing/2010/main">
+        <mc:Choice Requires="a14">
           <p:sp>
             <p:nvSpPr>
               <p:cNvPr id="25" name="ZoneTexte 24"/>
@@ -3741,6 +3745,7 @@
               </a:bodyPr>
               <a:lstStyle/>
               <a:p>
+                <a:pPr/>
                 <a14:m>
                   <m:oMathPara xmlns:m="http://schemas.openxmlformats.org/officeDocument/2006/math">
                     <m:oMathParaPr>
@@ -3761,7 +3766,7 @@
             </p:txBody>
           </p:sp>
         </mc:Choice>
-        <mc:Fallback>
+        <mc:Fallback xmlns="">
           <p:sp>
             <p:nvSpPr>
               <p:cNvPr id="25" name="ZoneTexte 24"/>
@@ -19034,8 +19039,8 @@
           </p:sp>
         </mc:Fallback>
       </mc:AlternateContent>
-      <mc:AlternateContent xmlns:mc="http://schemas.openxmlformats.org/markup-compatibility/2006" xmlns:a14="http://schemas.microsoft.com/office/drawing/2010/main">
-        <mc:Choice Requires="a14">
+      <mc:AlternateContent xmlns:mc="http://schemas.openxmlformats.org/markup-compatibility/2006">
+        <mc:Choice xmlns:a14="http://schemas.microsoft.com/office/drawing/2010/main" Requires="a14">
           <p:sp>
             <p:nvSpPr>
               <p:cNvPr id="9" name="ZoneTexte 8"/>
@@ -19045,7 +19050,7 @@
             <p:spPr>
               <a:xfrm>
                 <a:off x="4598763" y="1858035"/>
-                <a:ext cx="384464" cy="261610"/>
+                <a:ext cx="562655" cy="261610"/>
               </a:xfrm>
               <a:prstGeom prst="rect">
                 <a:avLst/>
@@ -19090,6 +19095,24 @@
                           </m:r>
                         </m:sub>
                       </m:sSub>
+                      <m:r>
+                        <a:rPr lang="fr-FR" sz="1100" b="0" i="1" smtClean="0">
+                          <a:latin typeface="Cambria Math"/>
+                        </a:rPr>
+                        <m:t>(</m:t>
+                      </m:r>
+                      <m:r>
+                        <a:rPr lang="fr-FR" sz="1100" b="0" i="1" smtClean="0">
+                          <a:latin typeface="Cambria Math"/>
+                        </a:rPr>
+                        <m:t>𝑡</m:t>
+                      </m:r>
+                      <m:r>
+                        <a:rPr lang="fr-FR" sz="1100" b="0" i="1" smtClean="0">
+                          <a:latin typeface="Cambria Math"/>
+                        </a:rPr>
+                        <m:t>)</m:t>
+                      </m:r>
                     </m:oMath>
                   </m:oMathPara>
                 </a14:m>
@@ -19098,7 +19121,7 @@
             </p:txBody>
           </p:sp>
         </mc:Choice>
-        <mc:Fallback xmlns="">
+        <mc:Fallback>
           <p:sp>
             <p:nvSpPr>
               <p:cNvPr id="9" name="ZoneTexte 8"/>
@@ -19110,7 +19133,7 @@
             <p:spPr>
               <a:xfrm>
                 <a:off x="4598763" y="1858035"/>
-                <a:ext cx="384464" cy="261610"/>
+                <a:ext cx="562655" cy="261610"/>
               </a:xfrm>
               <a:prstGeom prst="rect">
                 <a:avLst/>
@@ -19118,7 +19141,7 @@
               <a:blipFill rotWithShape="1">
                 <a:blip r:embed="rId3"/>
                 <a:stretch>
-                  <a:fillRect/>
+                  <a:fillRect b="-4651"/>
                 </a:stretch>
               </a:blipFill>
             </p:spPr>
@@ -19145,8 +19168,8 @@
         </p:nvCxnSpPr>
         <p:spPr>
           <a:xfrm flipV="1">
-            <a:off x="6372200" y="2259135"/>
-            <a:ext cx="0" cy="1241873"/>
+            <a:off x="6012160" y="3068960"/>
+            <a:ext cx="0" cy="447488"/>
           </a:xfrm>
           <a:prstGeom prst="straightConnector1">
             <a:avLst/>
@@ -19177,51 +19200,13 @@
       </p:cxnSp>
       <p:cxnSp>
         <p:nvCxnSpPr>
-          <p:cNvPr id="15" name="Connecteur droit avec flèche 14"/>
+          <p:cNvPr id="22" name="Connecteur droit avec flèche 21"/>
           <p:cNvCxnSpPr/>
           <p:nvPr/>
         </p:nvCxnSpPr>
         <p:spPr>
           <a:xfrm>
-            <a:off x="4499992" y="2348880"/>
-            <a:ext cx="1944216" cy="0"/>
-          </a:xfrm>
-          <a:prstGeom prst="straightConnector1">
-            <a:avLst/>
-          </a:prstGeom>
-          <a:ln w="12700">
-            <a:solidFill>
-              <a:schemeClr val="tx1"/>
-            </a:solidFill>
-            <a:prstDash val="dash"/>
-            <a:headEnd type="none" w="med" len="med"/>
-            <a:tailEnd type="none" w="med" len="med"/>
-          </a:ln>
-        </p:spPr>
-        <p:style>
-          <a:lnRef idx="1">
-            <a:schemeClr val="accent1"/>
-          </a:lnRef>
-          <a:fillRef idx="0">
-            <a:schemeClr val="accent1"/>
-          </a:fillRef>
-          <a:effectRef idx="0">
-            <a:schemeClr val="accent1"/>
-          </a:effectRef>
-          <a:fontRef idx="minor">
-            <a:schemeClr val="tx1"/>
-          </a:fontRef>
-        </p:style>
-      </p:cxnSp>
-      <p:cxnSp>
-        <p:nvCxnSpPr>
-          <p:cNvPr id="22" name="Connecteur droit avec flèche 21"/>
-          <p:cNvCxnSpPr/>
-          <p:nvPr/>
-        </p:nvCxnSpPr>
-        <p:spPr>
-          <a:xfrm flipV="1">
-            <a:off x="4572000" y="2259135"/>
+            <a:off x="4499992" y="2310579"/>
             <a:ext cx="1944216" cy="1169865"/>
           </a:xfrm>
           <a:prstGeom prst="straightConnector1">
@@ -19251,8 +19236,8 @@
           </a:fontRef>
         </p:style>
       </p:cxnSp>
-      <mc:AlternateContent xmlns:mc="http://schemas.openxmlformats.org/markup-compatibility/2006" xmlns:a14="http://schemas.microsoft.com/office/drawing/2010/main">
-        <mc:Choice Requires="a14">
+      <mc:AlternateContent xmlns:mc="http://schemas.openxmlformats.org/markup-compatibility/2006">
+        <mc:Choice xmlns:a14="http://schemas.microsoft.com/office/drawing/2010/main" Requires="a14">
           <p:sp>
             <p:nvSpPr>
               <p:cNvPr id="27" name="ZoneTexte 26"/>
@@ -19261,7 +19246,7 @@
             </p:nvSpPr>
             <p:spPr>
               <a:xfrm>
-                <a:off x="4115528" y="3298195"/>
+                <a:off x="4139282" y="2210348"/>
                 <a:ext cx="436786" cy="277064"/>
               </a:xfrm>
               <a:prstGeom prst="rect">
@@ -19334,7 +19319,7 @@
             </p:txBody>
           </p:sp>
         </mc:Choice>
-        <mc:Fallback xmlns="">
+        <mc:Fallback>
           <p:sp>
             <p:nvSpPr>
               <p:cNvPr id="27" name="ZoneTexte 26"/>
@@ -19345,7 +19330,7 @@
             </p:nvSpPr>
             <p:spPr>
               <a:xfrm>
-                <a:off x="4115528" y="3298195"/>
+                <a:off x="4139282" y="2210348"/>
                 <a:ext cx="436786" cy="277064"/>
               </a:xfrm>
               <a:prstGeom prst="rect">
@@ -19373,8 +19358,8 @@
           </p:sp>
         </mc:Fallback>
       </mc:AlternateContent>
-      <mc:AlternateContent xmlns:mc="http://schemas.openxmlformats.org/markup-compatibility/2006" xmlns:a14="http://schemas.microsoft.com/office/drawing/2010/main">
-        <mc:Choice Requires="a14">
+      <mc:AlternateContent xmlns:mc="http://schemas.openxmlformats.org/markup-compatibility/2006">
+        <mc:Choice xmlns:a14="http://schemas.microsoft.com/office/drawing/2010/main" Requires="a14">
           <p:sp>
             <p:nvSpPr>
               <p:cNvPr id="28" name="ZoneTexte 27"/>
@@ -19383,7 +19368,7 @@
             </p:nvSpPr>
             <p:spPr>
               <a:xfrm>
-                <a:off x="4135214" y="2210348"/>
+                <a:off x="4135214" y="3068960"/>
                 <a:ext cx="436786" cy="276101"/>
               </a:xfrm>
               <a:prstGeom prst="rect">
@@ -19456,7 +19441,7 @@
             </p:txBody>
           </p:sp>
         </mc:Choice>
-        <mc:Fallback xmlns="">
+        <mc:Fallback>
           <p:sp>
             <p:nvSpPr>
               <p:cNvPr id="28" name="ZoneTexte 27"/>
@@ -19467,7 +19452,7 @@
             </p:nvSpPr>
             <p:spPr>
               <a:xfrm>
-                <a:off x="4135214" y="2210348"/>
+                <a:off x="4135214" y="3068960"/>
                 <a:ext cx="436786" cy="276101"/>
               </a:xfrm>
               <a:prstGeom prst="rect">
@@ -19598,6 +19583,44 @@
           </p:sp>
         </mc:Fallback>
       </mc:AlternateContent>
+      <p:cxnSp>
+        <p:nvCxnSpPr>
+          <p:cNvPr id="12" name="Connecteur droit avec flèche 11"/>
+          <p:cNvCxnSpPr/>
+          <p:nvPr/>
+        </p:nvCxnSpPr>
+        <p:spPr>
+          <a:xfrm>
+            <a:off x="4447592" y="3207010"/>
+            <a:ext cx="1944216" cy="0"/>
+          </a:xfrm>
+          <a:prstGeom prst="straightConnector1">
+            <a:avLst/>
+          </a:prstGeom>
+          <a:ln w="12700">
+            <a:solidFill>
+              <a:schemeClr val="tx1"/>
+            </a:solidFill>
+            <a:prstDash val="dash"/>
+            <a:headEnd type="none" w="med" len="med"/>
+            <a:tailEnd type="none" w="med" len="med"/>
+          </a:ln>
+        </p:spPr>
+        <p:style>
+          <a:lnRef idx="1">
+            <a:schemeClr val="accent1"/>
+          </a:lnRef>
+          <a:fillRef idx="0">
+            <a:schemeClr val="accent1"/>
+          </a:fillRef>
+          <a:effectRef idx="0">
+            <a:schemeClr val="accent1"/>
+          </a:effectRef>
+          <a:fontRef idx="minor">
+            <a:schemeClr val="tx1"/>
+          </a:fontRef>
+        </p:style>
+      </p:cxnSp>
     </p:spTree>
     <p:extLst>
       <p:ext uri="{BB962C8B-B14F-4D97-AF65-F5344CB8AC3E}">
